--- a/docs/React & Redux.pptx
+++ b/docs/React & Redux.pptx
@@ -5,20 +5,21 @@
     <p:sldMasterId id="2147483648" r:id="rId1"/>
   </p:sldMasterIdLst>
   <p:notesMasterIdLst>
-    <p:notesMasterId r:id="rId13"/>
+    <p:notesMasterId r:id="rId14"/>
   </p:notesMasterIdLst>
   <p:sldIdLst>
     <p:sldId id="256" r:id="rId2"/>
-    <p:sldId id="257" r:id="rId3"/>
-    <p:sldId id="258" r:id="rId4"/>
-    <p:sldId id="259" r:id="rId5"/>
-    <p:sldId id="260" r:id="rId6"/>
-    <p:sldId id="266" r:id="rId7"/>
-    <p:sldId id="267" r:id="rId8"/>
-    <p:sldId id="261" r:id="rId9"/>
-    <p:sldId id="264" r:id="rId10"/>
-    <p:sldId id="262" r:id="rId11"/>
-    <p:sldId id="263" r:id="rId12"/>
+    <p:sldId id="268" r:id="rId3"/>
+    <p:sldId id="257" r:id="rId4"/>
+    <p:sldId id="258" r:id="rId5"/>
+    <p:sldId id="259" r:id="rId6"/>
+    <p:sldId id="260" r:id="rId7"/>
+    <p:sldId id="266" r:id="rId8"/>
+    <p:sldId id="267" r:id="rId9"/>
+    <p:sldId id="261" r:id="rId10"/>
+    <p:sldId id="264" r:id="rId11"/>
+    <p:sldId id="262" r:id="rId12"/>
+    <p:sldId id="263" r:id="rId13"/>
   </p:sldIdLst>
   <p:sldSz cx="12192000" cy="6858000"/>
   <p:notesSz cx="6858000" cy="9144000"/>
@@ -119,10 +120,11 @@
   </p:defaultTextStyle>
   <p:extLst>
     <p:ext uri="{521415D9-36F7-43E2-AB2F-B90AF26B5E84}">
-      <p14:sectionLst xmlns:p14="http://schemas.microsoft.com/office/powerpoint/2010/main" xmlns="">
+      <p14:sectionLst xmlns:p14="http://schemas.microsoft.com/office/powerpoint/2010/main">
         <p14:section name="Default Section" id="{38AEF286-1107-4392-A940-F023FF97C08A}">
           <p14:sldIdLst>
             <p14:sldId id="256"/>
+            <p14:sldId id="268"/>
           </p14:sldIdLst>
         </p14:section>
         <p14:section name="React" id="{C7962A5D-700F-449E-94F7-7F59E464C259}">
@@ -131,6 +133,8 @@
             <p14:sldId id="258"/>
             <p14:sldId id="259"/>
             <p14:sldId id="260"/>
+            <p14:sldId id="266"/>
+            <p14:sldId id="267"/>
           </p14:sldIdLst>
         </p14:section>
         <p14:section name="Redux" id="{16342404-4B47-46E4-8E67-21489C16DD5A}">
@@ -150,6 +154,23 @@
           </p14:sldIdLst>
         </p14:section>
       </p14:sectionLst>
+    </p:ext>
+    <p:ext uri="{EFAFB233-063F-42B5-8137-9DF3F51BA10A}">
+      <p15:sldGuideLst xmlns:p15="http://schemas.microsoft.com/office/powerpoint/2012/main">
+        <p15:guide id="1" orient="horz" pos="2160">
+          <p15:clr>
+            <a:srgbClr val="A4A3A4"/>
+          </p15:clr>
+        </p15:guide>
+        <p15:guide id="2" pos="3840">
+          <p15:clr>
+            <a:srgbClr val="A4A3A4"/>
+          </p15:clr>
+        </p15:guide>
+      </p15:sldGuideLst>
+    </p:ext>
+    <p:ext uri="{2D200454-40CA-4A62-9FC3-DE9A4176ACB9}">
+      <p15:notesGuideLst xmlns:p15="http://schemas.microsoft.com/office/powerpoint/2012/main"/>
     </p:ext>
   </p:extLst>
 </p:presentation>
@@ -238,7 +259,7 @@
             <a:fld id="{68F520A5-0AD6-418C-8F4A-9FB003B35E28}" type="datetimeFigureOut">
               <a:rPr lang="fr-FR" smtClean="0"/>
               <a:pPr/>
-              <a:t>27/02/2017</a:t>
+              <a:t>10/03/2017</a:t>
             </a:fld>
             <a:endParaRPr lang="fr-FR"/>
           </a:p>
@@ -398,7 +419,7 @@
             <a:fld id="{BEBDC360-122B-48B3-A8C4-3D87876233B6}" type="slidenum">
               <a:rPr lang="fr-FR" smtClean="0"/>
               <a:pPr/>
-              <a:t>‹N°›</a:t>
+              <a:t>‹#›</a:t>
             </a:fld>
             <a:endParaRPr lang="fr-FR"/>
           </a:p>
@@ -407,7 +428,7 @@
     </p:spTree>
     <p:extLst>
       <p:ext uri="{BB962C8B-B14F-4D97-AF65-F5344CB8AC3E}">
-        <p14:creationId xmlns:p14="http://schemas.microsoft.com/office/powerpoint/2010/main" xmlns="" val="713127464"/>
+        <p14:creationId xmlns:p14="http://schemas.microsoft.com/office/powerpoint/2010/main" val="713127464"/>
       </p:ext>
     </p:extLst>
   </p:cSld>
@@ -573,7 +594,7 @@
             <a:fld id="{BEBDC360-122B-48B3-A8C4-3D87876233B6}" type="slidenum">
               <a:rPr lang="fr-FR" smtClean="0"/>
               <a:pPr/>
-              <a:t>2</a:t>
+              <a:t>3</a:t>
             </a:fld>
             <a:endParaRPr lang="fr-FR"/>
           </a:p>
@@ -582,7 +603,7 @@
     </p:spTree>
     <p:extLst>
       <p:ext uri="{BB962C8B-B14F-4D97-AF65-F5344CB8AC3E}">
-        <p14:creationId xmlns:p14="http://schemas.microsoft.com/office/powerpoint/2010/main" xmlns="" val="3739366414"/>
+        <p14:creationId xmlns:p14="http://schemas.microsoft.com/office/powerpoint/2010/main" val="3739366414"/>
       </p:ext>
     </p:extLst>
   </p:cSld>
@@ -621,7 +642,7 @@
           <a:blip r:embed="rId2" cstate="print">
             <a:extLst>
               <a:ext uri="{28A0092B-C50C-407E-A947-70E740481C1C}">
-                <a14:useLocalDpi xmlns:a14="http://schemas.microsoft.com/office/drawing/2010/main" xmlns="" val="0"/>
+                <a14:useLocalDpi xmlns:a14="http://schemas.microsoft.com/office/drawing/2010/main" val="0"/>
               </a:ext>
             </a:extLst>
           </a:blip>
@@ -804,7 +825,7 @@
             <a:fld id="{44139E8D-6066-4080-AC46-DB89673BFC8E}" type="slidenum">
               <a:rPr lang="fr-FR" smtClean="0"/>
               <a:pPr/>
-              <a:t>‹N°›</a:t>
+              <a:t>‹#›</a:t>
             </a:fld>
             <a:endParaRPr lang="fr-FR"/>
           </a:p>
@@ -813,7 +834,7 @@
     </p:spTree>
     <p:extLst>
       <p:ext uri="{BB962C8B-B14F-4D97-AF65-F5344CB8AC3E}">
-        <p14:creationId xmlns:p14="http://schemas.microsoft.com/office/powerpoint/2010/main" xmlns="" val="2394847408"/>
+        <p14:creationId xmlns:p14="http://schemas.microsoft.com/office/powerpoint/2010/main" val="2394847408"/>
       </p:ext>
     </p:extLst>
   </p:cSld>
@@ -986,7 +1007,7 @@
             <a:fld id="{44139E8D-6066-4080-AC46-DB89673BFC8E}" type="slidenum">
               <a:rPr lang="fr-FR" smtClean="0"/>
               <a:pPr/>
-              <a:t>‹N°›</a:t>
+              <a:t>‹#›</a:t>
             </a:fld>
             <a:endParaRPr lang="fr-FR"/>
           </a:p>
@@ -995,7 +1016,7 @@
     </p:spTree>
     <p:extLst>
       <p:ext uri="{BB962C8B-B14F-4D97-AF65-F5344CB8AC3E}">
-        <p14:creationId xmlns:p14="http://schemas.microsoft.com/office/powerpoint/2010/main" xmlns="" val="2354828228"/>
+        <p14:creationId xmlns:p14="http://schemas.microsoft.com/office/powerpoint/2010/main" val="2354828228"/>
       </p:ext>
     </p:extLst>
   </p:cSld>
@@ -1171,7 +1192,7 @@
             <a:fld id="{44139E8D-6066-4080-AC46-DB89673BFC8E}" type="slidenum">
               <a:rPr lang="fr-FR" smtClean="0"/>
               <a:pPr/>
-              <a:t>‹N°›</a:t>
+              <a:t>‹#›</a:t>
             </a:fld>
             <a:endParaRPr lang="fr-FR"/>
           </a:p>
@@ -1180,7 +1201,7 @@
     </p:spTree>
     <p:extLst>
       <p:ext uri="{BB962C8B-B14F-4D97-AF65-F5344CB8AC3E}">
-        <p14:creationId xmlns:p14="http://schemas.microsoft.com/office/powerpoint/2010/main" xmlns="" val="449464392"/>
+        <p14:creationId xmlns:p14="http://schemas.microsoft.com/office/powerpoint/2010/main" val="449464392"/>
       </p:ext>
     </p:extLst>
   </p:cSld>
@@ -1390,7 +1411,7 @@
             <a:fld id="{44139E8D-6066-4080-AC46-DB89673BFC8E}" type="slidenum">
               <a:rPr lang="fr-FR" smtClean="0"/>
               <a:pPr/>
-              <a:t>‹N°›</a:t>
+              <a:t>‹#›</a:t>
             </a:fld>
             <a:endParaRPr lang="fr-FR"/>
           </a:p>
@@ -1399,7 +1420,7 @@
     </p:spTree>
     <p:extLst>
       <p:ext uri="{BB962C8B-B14F-4D97-AF65-F5344CB8AC3E}">
-        <p14:creationId xmlns:p14="http://schemas.microsoft.com/office/powerpoint/2010/main" xmlns="" val="2540995877"/>
+        <p14:creationId xmlns:p14="http://schemas.microsoft.com/office/powerpoint/2010/main" val="2540995877"/>
       </p:ext>
     </p:extLst>
   </p:cSld>
@@ -1681,7 +1702,7 @@
             <a:fld id="{44139E8D-6066-4080-AC46-DB89673BFC8E}" type="slidenum">
               <a:rPr lang="fr-FR" smtClean="0"/>
               <a:pPr/>
-              <a:t>‹N°›</a:t>
+              <a:t>‹#›</a:t>
             </a:fld>
             <a:endParaRPr lang="fr-FR"/>
           </a:p>
@@ -1690,7 +1711,7 @@
     </p:spTree>
     <p:extLst>
       <p:ext uri="{BB962C8B-B14F-4D97-AF65-F5344CB8AC3E}">
-        <p14:creationId xmlns:p14="http://schemas.microsoft.com/office/powerpoint/2010/main" xmlns="" val="658130668"/>
+        <p14:creationId xmlns:p14="http://schemas.microsoft.com/office/powerpoint/2010/main" val="658130668"/>
       </p:ext>
     </p:extLst>
   </p:cSld>
@@ -1965,7 +1986,7 @@
             <a:fld id="{44139E8D-6066-4080-AC46-DB89673BFC8E}" type="slidenum">
               <a:rPr lang="fr-FR" smtClean="0"/>
               <a:pPr/>
-              <a:t>‹N°›</a:t>
+              <a:t>‹#›</a:t>
             </a:fld>
             <a:endParaRPr lang="fr-FR"/>
           </a:p>
@@ -1974,7 +1995,7 @@
     </p:spTree>
     <p:extLst>
       <p:ext uri="{BB962C8B-B14F-4D97-AF65-F5344CB8AC3E}">
-        <p14:creationId xmlns:p14="http://schemas.microsoft.com/office/powerpoint/2010/main" xmlns="" val="3650240110"/>
+        <p14:creationId xmlns:p14="http://schemas.microsoft.com/office/powerpoint/2010/main" val="3650240110"/>
       </p:ext>
     </p:extLst>
   </p:cSld>
@@ -2379,7 +2400,7 @@
             <a:fld id="{44139E8D-6066-4080-AC46-DB89673BFC8E}" type="slidenum">
               <a:rPr lang="fr-FR" smtClean="0"/>
               <a:pPr/>
-              <a:t>‹N°›</a:t>
+              <a:t>‹#›</a:t>
             </a:fld>
             <a:endParaRPr lang="fr-FR"/>
           </a:p>
@@ -2388,7 +2409,7 @@
     </p:spTree>
     <p:extLst>
       <p:ext uri="{BB962C8B-B14F-4D97-AF65-F5344CB8AC3E}">
-        <p14:creationId xmlns:p14="http://schemas.microsoft.com/office/powerpoint/2010/main" xmlns="" val="2798887854"/>
+        <p14:creationId xmlns:p14="http://schemas.microsoft.com/office/powerpoint/2010/main" val="2798887854"/>
       </p:ext>
     </p:extLst>
   </p:cSld>
@@ -2549,7 +2570,7 @@
             <a:fld id="{44139E8D-6066-4080-AC46-DB89673BFC8E}" type="slidenum">
               <a:rPr lang="fr-FR" smtClean="0"/>
               <a:pPr/>
-              <a:t>‹N°›</a:t>
+              <a:t>‹#›</a:t>
             </a:fld>
             <a:endParaRPr lang="fr-FR"/>
           </a:p>
@@ -2558,7 +2579,7 @@
     </p:spTree>
     <p:extLst>
       <p:ext uri="{BB962C8B-B14F-4D97-AF65-F5344CB8AC3E}">
-        <p14:creationId xmlns:p14="http://schemas.microsoft.com/office/powerpoint/2010/main" xmlns="" val="1141629464"/>
+        <p14:creationId xmlns:p14="http://schemas.microsoft.com/office/powerpoint/2010/main" val="1141629464"/>
       </p:ext>
     </p:extLst>
   </p:cSld>
@@ -2656,7 +2677,7 @@
             <a:fld id="{44139E8D-6066-4080-AC46-DB89673BFC8E}" type="slidenum">
               <a:rPr lang="fr-FR" smtClean="0"/>
               <a:pPr/>
-              <a:t>‹N°›</a:t>
+              <a:t>‹#›</a:t>
             </a:fld>
             <a:endParaRPr lang="fr-FR"/>
           </a:p>
@@ -2665,7 +2686,7 @@
     </p:spTree>
     <p:extLst>
       <p:ext uri="{BB962C8B-B14F-4D97-AF65-F5344CB8AC3E}">
-        <p14:creationId xmlns:p14="http://schemas.microsoft.com/office/powerpoint/2010/main" xmlns="" val="1467798435"/>
+        <p14:creationId xmlns:p14="http://schemas.microsoft.com/office/powerpoint/2010/main" val="1467798435"/>
       </p:ext>
     </p:extLst>
   </p:cSld>
@@ -2945,7 +2966,7 @@
             <a:fld id="{44139E8D-6066-4080-AC46-DB89673BFC8E}" type="slidenum">
               <a:rPr lang="fr-FR" smtClean="0"/>
               <a:pPr/>
-              <a:t>‹N°›</a:t>
+              <a:t>‹#›</a:t>
             </a:fld>
             <a:endParaRPr lang="fr-FR"/>
           </a:p>
@@ -2954,7 +2975,7 @@
     </p:spTree>
     <p:extLst>
       <p:ext uri="{BB962C8B-B14F-4D97-AF65-F5344CB8AC3E}">
-        <p14:creationId xmlns:p14="http://schemas.microsoft.com/office/powerpoint/2010/main" xmlns="" val="3610359101"/>
+        <p14:creationId xmlns:p14="http://schemas.microsoft.com/office/powerpoint/2010/main" val="3610359101"/>
       </p:ext>
     </p:extLst>
   </p:cSld>
@@ -3210,7 +3231,7 @@
             <a:fld id="{44139E8D-6066-4080-AC46-DB89673BFC8E}" type="slidenum">
               <a:rPr lang="fr-FR" smtClean="0"/>
               <a:pPr/>
-              <a:t>‹N°›</a:t>
+              <a:t>‹#›</a:t>
             </a:fld>
             <a:endParaRPr lang="fr-FR"/>
           </a:p>
@@ -3219,7 +3240,7 @@
     </p:spTree>
     <p:extLst>
       <p:ext uri="{BB962C8B-B14F-4D97-AF65-F5344CB8AC3E}">
-        <p14:creationId xmlns:p14="http://schemas.microsoft.com/office/powerpoint/2010/main" xmlns="" val="3433813898"/>
+        <p14:creationId xmlns:p14="http://schemas.microsoft.com/office/powerpoint/2010/main" val="3433813898"/>
       </p:ext>
     </p:extLst>
   </p:cSld>
@@ -3471,7 +3492,7 @@
             <a:fld id="{44139E8D-6066-4080-AC46-DB89673BFC8E}" type="slidenum">
               <a:rPr lang="fr-FR" smtClean="0"/>
               <a:pPr/>
-              <a:t>‹N°›</a:t>
+              <a:t>‹#›</a:t>
             </a:fld>
             <a:endParaRPr lang="fr-FR"/>
           </a:p>
@@ -3480,7 +3501,7 @@
     </p:spTree>
     <p:extLst>
       <p:ext uri="{BB962C8B-B14F-4D97-AF65-F5344CB8AC3E}">
-        <p14:creationId xmlns:p14="http://schemas.microsoft.com/office/powerpoint/2010/main" xmlns="" val="530832461"/>
+        <p14:creationId xmlns:p14="http://schemas.microsoft.com/office/powerpoint/2010/main" val="530832461"/>
       </p:ext>
     </p:extLst>
   </p:cSld>
@@ -3848,7 +3869,6 @@
               <a:rPr lang="en-US" dirty="0" smtClean="0"/>
               <a:t>Keep your head cool and focused, there’s a tons of stuff to see today</a:t>
             </a:r>
-            <a:endParaRPr lang="en-US" dirty="0" smtClean="0"/>
           </a:p>
           <a:p>
             <a:endParaRPr lang="en-US" dirty="0"/>
@@ -3865,7 +3885,7 @@
     </p:spTree>
     <p:extLst>
       <p:ext uri="{BB962C8B-B14F-4D97-AF65-F5344CB8AC3E}">
-        <p14:creationId xmlns:p14="http://schemas.microsoft.com/office/powerpoint/2010/main" xmlns="" val="1719999807"/>
+        <p14:creationId xmlns:p14="http://schemas.microsoft.com/office/powerpoint/2010/main" val="1719999807"/>
       </p:ext>
     </p:extLst>
   </p:cSld>
@@ -3901,7 +3921,7 @@
       </p:grpSpPr>
       <p:sp>
         <p:nvSpPr>
-          <p:cNvPr id="2" name="Title 1"/>
+          <p:cNvPr id="7" name="Title 6"/>
           <p:cNvSpPr>
             <a:spLocks noGrp="1"/>
           </p:cNvSpPr>
@@ -3914,34 +3934,26 @@
           <a:bodyPr/>
           <a:lstStyle/>
           <a:p>
-            <a:r>
-              <a:rPr lang="en-US" dirty="0" smtClean="0"/>
-              <a:t>React &amp; Redux</a:t>
-            </a:r>
-            <a:endParaRPr lang="fr-FR" dirty="0"/>
-          </a:p>
-        </p:txBody>
-      </p:sp>
-      <p:sp>
-        <p:nvSpPr>
-          <p:cNvPr id="3" name="Text Placeholder 2"/>
-          <p:cNvSpPr>
-            <a:spLocks noGrp="1"/>
-          </p:cNvSpPr>
-          <p:nvPr>
-            <p:ph type="body" idx="1"/>
-          </p:nvPr>
-        </p:nvSpPr>
-        <p:spPr/>
-        <p:txBody>
-          <a:bodyPr/>
-          <a:lstStyle/>
-          <a:p>
-            <a:r>
-              <a:rPr lang="en-US" dirty="0" smtClean="0"/>
-              <a:t>Rock &amp; Roll</a:t>
-            </a:r>
-            <a:endParaRPr lang="fr-FR" dirty="0"/>
+            <a:endParaRPr lang="fr-FR"/>
+          </a:p>
+        </p:txBody>
+      </p:sp>
+      <p:sp>
+        <p:nvSpPr>
+          <p:cNvPr id="8" name="Content Placeholder 7"/>
+          <p:cNvSpPr>
+            <a:spLocks noGrp="1"/>
+          </p:cNvSpPr>
+          <p:nvPr>
+            <p:ph idx="1"/>
+          </p:nvPr>
+        </p:nvSpPr>
+        <p:spPr/>
+        <p:txBody>
+          <a:bodyPr/>
+          <a:lstStyle/>
+          <a:p>
+            <a:endParaRPr lang="fr-FR"/>
           </a:p>
         </p:txBody>
       </p:sp>
@@ -3984,10 +3996,10 @@
           <a:lstStyle/>
           <a:p>
             <a:r>
-              <a:rPr lang="fr-FR" dirty="0" smtClean="0"/>
+              <a:rPr lang="fr-FR" smtClean="0"/>
               <a:t>cedric.hartland@gmail.com</a:t>
             </a:r>
-            <a:endParaRPr lang="fr-FR" dirty="0"/>
+            <a:endParaRPr lang="fr-FR"/>
           </a:p>
         </p:txBody>
       </p:sp>
@@ -4018,7 +4030,7 @@
     </p:spTree>
     <p:extLst>
       <p:ext uri="{BB962C8B-B14F-4D97-AF65-F5344CB8AC3E}">
-        <p14:creationId xmlns:p14="http://schemas.microsoft.com/office/powerpoint/2010/main" xmlns="" val="3691361"/>
+        <p14:creationId xmlns:p14="http://schemas.microsoft.com/office/powerpoint/2010/main" val="3916897931"/>
       </p:ext>
     </p:extLst>
   </p:cSld>
@@ -4069,7 +4081,7 @@
           <a:p>
             <a:r>
               <a:rPr lang="en-US" dirty="0" smtClean="0"/>
-              <a:t>Wait, there’s more</a:t>
+              <a:t>React &amp; Redux</a:t>
             </a:r>
             <a:endParaRPr lang="fr-FR" dirty="0"/>
           </a:p>
@@ -4092,7 +4104,7 @@
           <a:p>
             <a:r>
               <a:rPr lang="en-US" dirty="0" smtClean="0"/>
-              <a:t>Build, enhanced development process and how to test</a:t>
+              <a:t>Rock &amp; Roll</a:t>
             </a:r>
             <a:endParaRPr lang="fr-FR" dirty="0"/>
           </a:p>
@@ -4137,10 +4149,10 @@
           <a:lstStyle/>
           <a:p>
             <a:r>
-              <a:rPr lang="fr-FR" smtClean="0"/>
+              <a:rPr lang="fr-FR" dirty="0" smtClean="0"/>
               <a:t>cedric.hartland@gmail.com</a:t>
             </a:r>
-            <a:endParaRPr lang="fr-FR"/>
+            <a:endParaRPr lang="fr-FR" dirty="0"/>
           </a:p>
         </p:txBody>
       </p:sp>
@@ -4171,7 +4183,160 @@
     </p:spTree>
     <p:extLst>
       <p:ext uri="{BB962C8B-B14F-4D97-AF65-F5344CB8AC3E}">
-        <p14:creationId xmlns:p14="http://schemas.microsoft.com/office/powerpoint/2010/main" xmlns="" val="1940074127"/>
+        <p14:creationId xmlns:p14="http://schemas.microsoft.com/office/powerpoint/2010/main" val="3691361"/>
+      </p:ext>
+    </p:extLst>
+  </p:cSld>
+  <p:clrMapOvr>
+    <a:masterClrMapping/>
+  </p:clrMapOvr>
+  <p:timing>
+    <p:tnLst>
+      <p:par>
+        <p:cTn id="1" dur="indefinite" restart="never" nodeType="tmRoot"/>
+      </p:par>
+    </p:tnLst>
+  </p:timing>
+</p:sld>
+</file>
+
+<file path=ppt/slides/slide12.xml><?xml version="1.0" encoding="utf-8"?>
+<p:sld xmlns:a="http://schemas.openxmlformats.org/drawingml/2006/main" xmlns:r="http://schemas.openxmlformats.org/officeDocument/2006/relationships" xmlns:p="http://schemas.openxmlformats.org/presentationml/2006/main">
+  <p:cSld>
+    <p:spTree>
+      <p:nvGrpSpPr>
+        <p:cNvPr id="1" name=""/>
+        <p:cNvGrpSpPr/>
+        <p:nvPr/>
+      </p:nvGrpSpPr>
+      <p:grpSpPr>
+        <a:xfrm>
+          <a:off x="0" y="0"/>
+          <a:ext cx="0" cy="0"/>
+          <a:chOff x="0" y="0"/>
+          <a:chExt cx="0" cy="0"/>
+        </a:xfrm>
+      </p:grpSpPr>
+      <p:sp>
+        <p:nvSpPr>
+          <p:cNvPr id="2" name="Title 1"/>
+          <p:cNvSpPr>
+            <a:spLocks noGrp="1"/>
+          </p:cNvSpPr>
+          <p:nvPr>
+            <p:ph type="title"/>
+          </p:nvPr>
+        </p:nvSpPr>
+        <p:spPr/>
+        <p:txBody>
+          <a:bodyPr/>
+          <a:lstStyle/>
+          <a:p>
+            <a:r>
+              <a:rPr lang="en-US" dirty="0" smtClean="0"/>
+              <a:t>Wait, there’s more</a:t>
+            </a:r>
+            <a:endParaRPr lang="fr-FR" dirty="0"/>
+          </a:p>
+        </p:txBody>
+      </p:sp>
+      <p:sp>
+        <p:nvSpPr>
+          <p:cNvPr id="3" name="Text Placeholder 2"/>
+          <p:cNvSpPr>
+            <a:spLocks noGrp="1"/>
+          </p:cNvSpPr>
+          <p:nvPr>
+            <p:ph type="body" idx="1"/>
+          </p:nvPr>
+        </p:nvSpPr>
+        <p:spPr/>
+        <p:txBody>
+          <a:bodyPr/>
+          <a:lstStyle/>
+          <a:p>
+            <a:r>
+              <a:rPr lang="en-US" dirty="0" smtClean="0"/>
+              <a:t>Build, enhanced development process and how to test</a:t>
+            </a:r>
+            <a:endParaRPr lang="fr-FR" dirty="0"/>
+          </a:p>
+        </p:txBody>
+      </p:sp>
+      <p:sp>
+        <p:nvSpPr>
+          <p:cNvPr id="4" name="Date Placeholder 3"/>
+          <p:cNvSpPr>
+            <a:spLocks noGrp="1"/>
+          </p:cNvSpPr>
+          <p:nvPr>
+            <p:ph type="dt" sz="half" idx="10"/>
+          </p:nvPr>
+        </p:nvSpPr>
+        <p:spPr/>
+        <p:txBody>
+          <a:bodyPr/>
+          <a:lstStyle/>
+          <a:p>
+            <a:r>
+              <a:rPr lang="fr-FR" smtClean="0"/>
+              <a:t>2017</a:t>
+            </a:r>
+            <a:endParaRPr lang="fr-FR"/>
+          </a:p>
+        </p:txBody>
+      </p:sp>
+      <p:sp>
+        <p:nvSpPr>
+          <p:cNvPr id="5" name="Footer Placeholder 4"/>
+          <p:cNvSpPr>
+            <a:spLocks noGrp="1"/>
+          </p:cNvSpPr>
+          <p:nvPr>
+            <p:ph type="ftr" sz="quarter" idx="11"/>
+          </p:nvPr>
+        </p:nvSpPr>
+        <p:spPr/>
+        <p:txBody>
+          <a:bodyPr/>
+          <a:lstStyle/>
+          <a:p>
+            <a:r>
+              <a:rPr lang="fr-FR" smtClean="0"/>
+              <a:t>cedric.hartland@gmail.com</a:t>
+            </a:r>
+            <a:endParaRPr lang="fr-FR"/>
+          </a:p>
+        </p:txBody>
+      </p:sp>
+      <p:sp>
+        <p:nvSpPr>
+          <p:cNvPr id="6" name="Slide Number Placeholder 5"/>
+          <p:cNvSpPr>
+            <a:spLocks noGrp="1"/>
+          </p:cNvSpPr>
+          <p:nvPr>
+            <p:ph type="sldNum" sz="quarter" idx="12"/>
+          </p:nvPr>
+        </p:nvSpPr>
+        <p:spPr/>
+        <p:txBody>
+          <a:bodyPr/>
+          <a:lstStyle/>
+          <a:p>
+            <a:fld id="{44139E8D-6066-4080-AC46-DB89673BFC8E}" type="slidenum">
+              <a:rPr lang="fr-FR" smtClean="0"/>
+              <a:pPr/>
+              <a:t>12</a:t>
+            </a:fld>
+            <a:endParaRPr lang="fr-FR"/>
+          </a:p>
+        </p:txBody>
+      </p:sp>
+    </p:spTree>
+    <p:extLst>
+      <p:ext uri="{BB962C8B-B14F-4D97-AF65-F5344CB8AC3E}">
+        <p14:creationId xmlns:p14="http://schemas.microsoft.com/office/powerpoint/2010/main" val="1940074127"/>
       </p:ext>
     </p:extLst>
   </p:cSld>
@@ -4222,39 +4387,9 @@
           <a:p>
             <a:r>
               <a:rPr lang="en-US" dirty="0" smtClean="0"/>
-              <a:t>React – a gentle introduction</a:t>
+              <a:t>A project we’re targeting	</a:t>
             </a:r>
             <a:endParaRPr lang="fr-FR" dirty="0"/>
-          </a:p>
-        </p:txBody>
-      </p:sp>
-      <p:sp>
-        <p:nvSpPr>
-          <p:cNvPr id="3" name="Content Placeholder 2"/>
-          <p:cNvSpPr>
-            <a:spLocks noGrp="1"/>
-          </p:cNvSpPr>
-          <p:nvPr>
-            <p:ph type="body" idx="1"/>
-          </p:nvPr>
-        </p:nvSpPr>
-        <p:spPr/>
-        <p:txBody>
-          <a:bodyPr anchor="ctr"/>
-          <a:lstStyle/>
-          <a:p>
-            <a:pPr marL="0" indent="0" algn="ctr">
-              <a:buNone/>
-            </a:pPr>
-            <a:r>
-              <a:rPr lang="en-US" i="1" dirty="0" err="1" smtClean="0"/>
-              <a:t>Javascript</a:t>
-            </a:r>
-            <a:r>
-              <a:rPr lang="en-US" i="1" dirty="0" smtClean="0"/>
-              <a:t> library for building user interfaces</a:t>
-            </a:r>
-            <a:endParaRPr lang="fr-FR" i="1" dirty="0"/>
           </a:p>
         </p:txBody>
       </p:sp>
@@ -4328,23 +4463,40 @@
           </a:p>
         </p:txBody>
       </p:sp>
+      <p:pic>
+        <p:nvPicPr>
+          <p:cNvPr id="7" name="Picture 6"/>
+          <p:cNvPicPr>
+            <a:picLocks noChangeAspect="1"/>
+          </p:cNvPicPr>
+          <p:nvPr/>
+        </p:nvPicPr>
+        <p:blipFill>
+          <a:blip r:embed="rId2"/>
+          <a:stretch>
+            <a:fillRect/>
+          </a:stretch>
+        </p:blipFill>
+        <p:spPr>
+          <a:xfrm>
+            <a:off x="2069937" y="1404937"/>
+            <a:ext cx="8063343" cy="4772026"/>
+          </a:xfrm>
+          <a:prstGeom prst="rect">
+            <a:avLst/>
+          </a:prstGeom>
+        </p:spPr>
+      </p:pic>
     </p:spTree>
     <p:extLst>
       <p:ext uri="{BB962C8B-B14F-4D97-AF65-F5344CB8AC3E}">
-        <p14:creationId xmlns:p14="http://schemas.microsoft.com/office/powerpoint/2010/main" xmlns="" val="1106585189"/>
+        <p14:creationId xmlns:p14="http://schemas.microsoft.com/office/powerpoint/2010/main" val="1283000917"/>
       </p:ext>
     </p:extLst>
   </p:cSld>
   <p:clrMapOvr>
     <a:masterClrMapping/>
   </p:clrMapOvr>
-  <p:timing>
-    <p:tnLst>
-      <p:par>
-        <p:cTn id="1" dur="indefinite" restart="never" nodeType="tmRoot"/>
-      </p:par>
-    </p:tnLst>
-  </p:timing>
 </p:sld>
 </file>
 
@@ -4382,7 +4534,7 @@
           <a:p>
             <a:r>
               <a:rPr lang="en-US" dirty="0" smtClean="0"/>
-              <a:t>React – a less gentle introduction</a:t>
+              <a:t>React – a gentle introduction</a:t>
             </a:r>
             <a:endParaRPr lang="fr-FR" dirty="0"/>
           </a:p>
@@ -4395,196 +4547,26 @@
             <a:spLocks noGrp="1"/>
           </p:cNvSpPr>
           <p:nvPr>
-            <p:ph idx="1"/>
-          </p:nvPr>
-        </p:nvSpPr>
-        <p:spPr/>
-        <p:txBody>
-          <a:bodyPr>
-            <a:normAutofit/>
-          </a:bodyPr>
-          <a:lstStyle/>
-          <a:p>
-            <a:r>
-              <a:rPr lang="en-US" dirty="0" smtClean="0"/>
-              <a:t>Library that helps rendering views</a:t>
-            </a:r>
-          </a:p>
-          <a:p>
-            <a:pPr lvl="1"/>
-            <a:r>
-              <a:rPr lang="en-US" dirty="0" smtClean="0"/>
-              <a:t>In a declarative way</a:t>
-            </a:r>
-          </a:p>
-          <a:p>
-            <a:pPr lvl="2"/>
-            <a:r>
-              <a:rPr lang="en-US" dirty="0" smtClean="0"/>
-              <a:t>Given an application state, renders some DOM </a:t>
-            </a:r>
-            <a:endParaRPr lang="en-US" dirty="0" smtClean="0"/>
-          </a:p>
-          <a:p>
-            <a:pPr lvl="2"/>
-            <a:r>
-              <a:rPr lang="en-US" dirty="0" smtClean="0"/>
-              <a:t>It looks like backbone’s views, except that it’s not… </a:t>
-            </a:r>
-            <a:endParaRPr lang="en-US" dirty="0" smtClean="0"/>
-          </a:p>
-          <a:p>
-            <a:pPr lvl="2"/>
-            <a:r>
-              <a:rPr lang="en-US" dirty="0" smtClean="0"/>
-              <a:t>That’s almost all there is to know…</a:t>
-            </a:r>
-            <a:endParaRPr lang="en-US" dirty="0" smtClean="0">
-              <a:solidFill>
-                <a:schemeClr val="accent6"/>
-              </a:solidFill>
-            </a:endParaRPr>
-          </a:p>
-          <a:p>
-            <a:endParaRPr lang="en-US" dirty="0" smtClean="0"/>
-          </a:p>
-          <a:p>
-            <a:pPr lvl="1"/>
-            <a:r>
-              <a:rPr lang="en-US" dirty="0" smtClean="0"/>
-              <a:t>…besides</a:t>
-            </a:r>
-          </a:p>
-          <a:p>
-            <a:pPr lvl="2"/>
-            <a:r>
-              <a:rPr lang="en-US" dirty="0" smtClean="0"/>
-              <a:t>Brings componentization </a:t>
-            </a:r>
-            <a:r>
-              <a:rPr lang="en-US" sz="1400" dirty="0" smtClean="0">
-                <a:solidFill>
-                  <a:schemeClr val="accent6"/>
-                </a:solidFill>
-              </a:rPr>
-              <a:t>non standard web components approach</a:t>
-            </a:r>
-            <a:endParaRPr lang="en-US" dirty="0" smtClean="0"/>
-          </a:p>
-          <a:p>
-            <a:pPr lvl="3"/>
-            <a:r>
-              <a:rPr lang="en-US" dirty="0" smtClean="0"/>
-              <a:t>Optimized rendering workflow </a:t>
-            </a:r>
-            <a:r>
-              <a:rPr lang="en-US" sz="1400" dirty="0" smtClean="0">
-                <a:solidFill>
-                  <a:schemeClr val="accent6"/>
-                </a:solidFill>
-              </a:rPr>
-              <a:t>inspired from </a:t>
-            </a:r>
-            <a:r>
-              <a:rPr lang="en-US" sz="1400" dirty="0" smtClean="0">
-                <a:solidFill>
-                  <a:schemeClr val="accent6"/>
-                </a:solidFill>
-              </a:rPr>
-              <a:t>game </a:t>
-            </a:r>
-            <a:r>
-              <a:rPr lang="en-US" sz="1400" dirty="0" smtClean="0">
-                <a:solidFill>
-                  <a:schemeClr val="accent6"/>
-                </a:solidFill>
-              </a:rPr>
-              <a:t>engines</a:t>
-            </a:r>
-            <a:endParaRPr lang="en-US" dirty="0" smtClean="0">
-              <a:solidFill>
-                <a:schemeClr val="accent6"/>
-              </a:solidFill>
-            </a:endParaRPr>
-          </a:p>
-          <a:p>
-            <a:pPr lvl="2"/>
-            <a:r>
-              <a:rPr lang="en-US" dirty="0" smtClean="0"/>
-              <a:t>No framework like application structuration </a:t>
-            </a:r>
-          </a:p>
-          <a:p>
-            <a:pPr lvl="3"/>
-            <a:r>
-              <a:rPr lang="en-US" dirty="0" smtClean="0"/>
-              <a:t>Small and no assumptions </a:t>
-            </a:r>
-            <a:r>
-              <a:rPr lang="en-US" sz="1200" dirty="0" smtClean="0">
-                <a:solidFill>
-                  <a:schemeClr val="accent6"/>
-                </a:solidFill>
-              </a:rPr>
-              <a:t>can “easily” integrate with other technologies</a:t>
-            </a:r>
-            <a:endParaRPr lang="en-US" dirty="0" smtClean="0">
-              <a:solidFill>
-                <a:schemeClr val="accent6"/>
-              </a:solidFill>
-            </a:endParaRPr>
-          </a:p>
-          <a:p>
-            <a:pPr lvl="2"/>
-            <a:r>
-              <a:rPr lang="en-US" dirty="0" smtClean="0"/>
-              <a:t>Can render on server side </a:t>
-            </a:r>
-            <a:r>
-              <a:rPr lang="en-US" sz="1400" dirty="0" smtClean="0">
-                <a:solidFill>
-                  <a:schemeClr val="accent6"/>
-                </a:solidFill>
-              </a:rPr>
-              <a:t>SEO please</a:t>
-            </a:r>
-            <a:endParaRPr lang="en-US" dirty="0" smtClean="0">
-              <a:solidFill>
-                <a:schemeClr val="accent6"/>
-              </a:solidFill>
-            </a:endParaRPr>
-          </a:p>
-          <a:p>
-            <a:pPr lvl="2"/>
-            <a:r>
-              <a:rPr lang="en-US" dirty="0" smtClean="0"/>
-              <a:t>Comes with ES2016 </a:t>
-            </a:r>
-            <a:r>
-              <a:rPr lang="en-US" dirty="0" smtClean="0">
-                <a:solidFill>
-                  <a:schemeClr val="accent1"/>
-                </a:solidFill>
-              </a:rPr>
-              <a:t>JSX</a:t>
-            </a:r>
-            <a:r>
-              <a:rPr lang="en-US" dirty="0" smtClean="0"/>
-              <a:t> update </a:t>
-            </a:r>
-            <a:r>
-              <a:rPr lang="en-US" sz="1400" dirty="0" smtClean="0">
-                <a:solidFill>
-                  <a:schemeClr val="accent6"/>
-                </a:solidFill>
-              </a:rPr>
-              <a:t>JavaScript with Xml…</a:t>
-            </a:r>
-            <a:endParaRPr lang="fr-FR" dirty="0">
-              <a:solidFill>
-                <a:schemeClr val="accent6"/>
-              </a:solidFill>
-            </a:endParaRPr>
+            <p:ph type="body" idx="1"/>
+          </p:nvPr>
+        </p:nvSpPr>
+        <p:spPr/>
+        <p:txBody>
+          <a:bodyPr anchor="ctr"/>
+          <a:lstStyle/>
+          <a:p>
+            <a:pPr marL="0" indent="0" algn="ctr">
+              <a:buNone/>
+            </a:pPr>
+            <a:r>
+              <a:rPr lang="en-US" i="1" dirty="0" err="1" smtClean="0"/>
+              <a:t>Javascript</a:t>
+            </a:r>
+            <a:r>
+              <a:rPr lang="en-US" i="1" dirty="0" smtClean="0"/>
+              <a:t> library for building user interfaces</a:t>
+            </a:r>
+            <a:endParaRPr lang="fr-FR" i="1" dirty="0"/>
           </a:p>
         </p:txBody>
       </p:sp>
@@ -4661,7 +4643,7 @@
     </p:spTree>
     <p:extLst>
       <p:ext uri="{BB962C8B-B14F-4D97-AF65-F5344CB8AC3E}">
-        <p14:creationId xmlns:p14="http://schemas.microsoft.com/office/powerpoint/2010/main" xmlns="" val="604540945"/>
+        <p14:creationId xmlns:p14="http://schemas.microsoft.com/office/powerpoint/2010/main" val="1106585189"/>
       </p:ext>
     </p:extLst>
   </p:cSld>
@@ -4712,7 +4694,11 @@
           <a:p>
             <a:r>
               <a:rPr lang="en-US" dirty="0" smtClean="0"/>
-              <a:t>React – what’s actually good in it ?</a:t>
+              <a:t>React – a </a:t>
+            </a:r>
+            <a:r>
+              <a:rPr lang="en-US" dirty="0" smtClean="0"/>
+              <a:t>library that defines views through components</a:t>
             </a:r>
             <a:endParaRPr lang="fr-FR" dirty="0"/>
           </a:p>
@@ -4730,38 +4716,44 @@
         </p:nvSpPr>
         <p:spPr/>
         <p:txBody>
-          <a:bodyPr/>
+          <a:bodyPr>
+            <a:normAutofit/>
+          </a:bodyPr>
           <a:lstStyle/>
           <a:p>
             <a:r>
               <a:rPr lang="en-US" dirty="0" smtClean="0"/>
-              <a:t>There are a few good parts</a:t>
+              <a:t>In </a:t>
+            </a:r>
+            <a:r>
+              <a:rPr lang="en-US" dirty="0" smtClean="0"/>
+              <a:t>a declarative way</a:t>
             </a:r>
           </a:p>
           <a:p>
             <a:pPr lvl="1"/>
             <a:r>
               <a:rPr lang="en-US" dirty="0" smtClean="0"/>
-              <a:t>Components</a:t>
-            </a:r>
-          </a:p>
-          <a:p>
-            <a:pPr lvl="2"/>
+              <a:t>Given an application state, renders some </a:t>
+            </a:r>
+            <a:r>
+              <a:rPr lang="en-US" i="1" dirty="0" smtClean="0"/>
+              <a:t>shadow </a:t>
+            </a:r>
             <a:r>
               <a:rPr lang="en-US" dirty="0" smtClean="0"/>
-              <a:t>Enhanced </a:t>
-            </a:r>
-            <a:r>
+              <a:t>DOM </a:t>
+            </a:r>
+            <a:br>
               <a:rPr lang="en-US" dirty="0" smtClean="0"/>
-              <a:t>reusability </a:t>
-            </a:r>
-            <a:r>
-              <a:rPr lang="en-US" sz="1600" dirty="0" smtClean="0">
+            </a:br>
+            <a:r>
+              <a:rPr lang="en-US" sz="1800" dirty="0" smtClean="0">
                 <a:solidFill>
                   <a:schemeClr val="accent6"/>
                 </a:solidFill>
               </a:rPr>
-              <a:t>well, keep it generic if you plan on reusing…</a:t>
+              <a:t>such inputs are named properties</a:t>
             </a:r>
             <a:endParaRPr lang="en-US" dirty="0" smtClean="0">
               <a:solidFill>
@@ -4770,78 +4762,87 @@
             </a:endParaRPr>
           </a:p>
           <a:p>
-            <a:pPr lvl="2"/>
+            <a:pPr lvl="1"/>
+            <a:r>
+              <a:rPr lang="en-US" dirty="0"/>
+              <a:t>Optimized rendering </a:t>
+            </a:r>
             <a:r>
               <a:rPr lang="en-US" dirty="0" smtClean="0"/>
-              <a:t>Rendering lifecycle with optimizations</a:t>
-            </a:r>
-          </a:p>
-          <a:p>
-            <a:pPr lvl="2"/>
+              <a:t>engine </a:t>
+            </a:r>
+            <a:r>
+              <a:rPr lang="en-US" sz="1800" dirty="0" smtClean="0">
+                <a:solidFill>
+                  <a:schemeClr val="accent6"/>
+                </a:solidFill>
+              </a:rPr>
+              <a:t>inspired </a:t>
+            </a:r>
+            <a:r>
+              <a:rPr lang="en-US" sz="1800" dirty="0">
+                <a:solidFill>
+                  <a:schemeClr val="accent6"/>
+                </a:solidFill>
+              </a:rPr>
+              <a:t>from game engines</a:t>
+            </a:r>
+            <a:endParaRPr lang="en-US" dirty="0">
+              <a:solidFill>
+                <a:schemeClr val="accent6"/>
+              </a:solidFill>
+            </a:endParaRPr>
+          </a:p>
+          <a:p>
+            <a:pPr lvl="1"/>
             <a:r>
               <a:rPr lang="en-US" dirty="0" smtClean="0"/>
-              <a:t>Basic type checking</a:t>
+              <a:t>Little </a:t>
+            </a:r>
+            <a:r>
+              <a:rPr lang="en-US" dirty="0"/>
+              <a:t>assumption on application structure </a:t>
+            </a:r>
+            <a:r>
+              <a:rPr lang="en-US" sz="1800" dirty="0">
+                <a:solidFill>
+                  <a:schemeClr val="accent6"/>
+                </a:solidFill>
+              </a:rPr>
+              <a:t>can “easily” integrate with other technologies</a:t>
             </a:r>
           </a:p>
           <a:p>
             <a:pPr lvl="1"/>
             <a:r>
               <a:rPr lang="en-US" dirty="0" smtClean="0"/>
-              <a:t>Becomes powerful with ES6 and more </a:t>
-            </a:r>
-          </a:p>
-          <a:p>
-            <a:pPr lvl="2"/>
-            <a:r>
-              <a:rPr lang="en-US" dirty="0" smtClean="0"/>
-              <a:t>Dependency </a:t>
-            </a:r>
-            <a:r>
-              <a:rPr lang="en-US" dirty="0" smtClean="0"/>
-              <a:t>management</a:t>
-            </a:r>
-          </a:p>
-          <a:p>
-            <a:pPr lvl="2"/>
-            <a:r>
-              <a:rPr lang="en-US" dirty="0" err="1" smtClean="0"/>
-              <a:t>Uptaded</a:t>
-            </a:r>
-            <a:r>
-              <a:rPr lang="en-US" dirty="0" smtClean="0"/>
-              <a:t> syntax and language features</a:t>
-            </a:r>
-            <a:endParaRPr lang="en-US" dirty="0" smtClean="0"/>
-          </a:p>
-          <a:p>
-            <a:pPr lvl="2"/>
-            <a:r>
-              <a:rPr lang="en-US" dirty="0" err="1" smtClean="0"/>
-              <a:t>Css</a:t>
-            </a:r>
-            <a:r>
-              <a:rPr lang="en-US" dirty="0" smtClean="0"/>
-              <a:t> </a:t>
-            </a:r>
-            <a:r>
-              <a:rPr lang="en-US" dirty="0" smtClean="0"/>
-              <a:t>inclusions</a:t>
-            </a:r>
-            <a:endParaRPr lang="en-US" dirty="0" smtClean="0"/>
-          </a:p>
-          <a:p>
-            <a:pPr lvl="1"/>
-            <a:r>
-              <a:rPr lang="en-US" dirty="0" smtClean="0"/>
-              <a:t>Arguably JSX</a:t>
-            </a:r>
-          </a:p>
-          <a:p>
-            <a:pPr lvl="2"/>
-            <a:r>
-              <a:rPr lang="en-US" dirty="0" smtClean="0"/>
-              <a:t>As opposed to string based templates</a:t>
-            </a:r>
+              <a:t>Can </a:t>
+            </a:r>
+            <a:r>
+              <a:rPr lang="en-US" dirty="0"/>
+              <a:t>render on server side </a:t>
+            </a:r>
+            <a:r>
+              <a:rPr lang="en-US" sz="1800" dirty="0">
+                <a:solidFill>
+                  <a:schemeClr val="accent6"/>
+                </a:solidFill>
+              </a:rPr>
+              <a:t>SEO </a:t>
+            </a:r>
+            <a:r>
+              <a:rPr lang="en-US" sz="1800" dirty="0" smtClean="0">
+                <a:solidFill>
+                  <a:schemeClr val="accent6"/>
+                </a:solidFill>
+              </a:rPr>
+              <a:t>please</a:t>
+            </a:r>
+            <a:endParaRPr lang="en-US" dirty="0">
+              <a:solidFill>
+                <a:schemeClr val="accent6"/>
+              </a:solidFill>
+            </a:endParaRPr>
           </a:p>
         </p:txBody>
       </p:sp>
@@ -4918,7 +4919,7 @@
     </p:spTree>
     <p:extLst>
       <p:ext uri="{BB962C8B-B14F-4D97-AF65-F5344CB8AC3E}">
-        <p14:creationId xmlns:p14="http://schemas.microsoft.com/office/powerpoint/2010/main" xmlns="" val="3005486473"/>
+        <p14:creationId xmlns:p14="http://schemas.microsoft.com/office/powerpoint/2010/main" val="604540945"/>
       </p:ext>
     </p:extLst>
   </p:cSld>
@@ -4968,12 +4969,8 @@
           <a:lstStyle/>
           <a:p>
             <a:r>
-              <a:rPr lang="fr-FR" dirty="0" smtClean="0"/>
-              <a:t>A simple </a:t>
-            </a:r>
-            <a:r>
-              <a:rPr lang="fr-FR" dirty="0" err="1" smtClean="0"/>
-              <a:t>view</a:t>
+              <a:rPr lang="en-US" dirty="0" smtClean="0"/>
+              <a:t>React – what’s actually good in it ?</a:t>
             </a:r>
             <a:endParaRPr lang="fr-FR" dirty="0"/>
           </a:p>
@@ -4981,6 +4978,119 @@
       </p:sp>
       <p:sp>
         <p:nvSpPr>
+          <p:cNvPr id="3" name="Content Placeholder 2"/>
+          <p:cNvSpPr>
+            <a:spLocks noGrp="1"/>
+          </p:cNvSpPr>
+          <p:nvPr>
+            <p:ph idx="1"/>
+          </p:nvPr>
+        </p:nvSpPr>
+        <p:spPr/>
+        <p:txBody>
+          <a:bodyPr/>
+          <a:lstStyle/>
+          <a:p>
+            <a:r>
+              <a:rPr lang="en-US" dirty="0" smtClean="0"/>
+              <a:t>There are a few good parts</a:t>
+            </a:r>
+          </a:p>
+          <a:p>
+            <a:pPr lvl="1"/>
+            <a:r>
+              <a:rPr lang="en-US" dirty="0" smtClean="0"/>
+              <a:t>Components</a:t>
+            </a:r>
+          </a:p>
+          <a:p>
+            <a:pPr lvl="2"/>
+            <a:r>
+              <a:rPr lang="en-US" dirty="0" smtClean="0"/>
+              <a:t>Enhanced reusability </a:t>
+            </a:r>
+            <a:r>
+              <a:rPr lang="en-US" sz="1600" dirty="0" smtClean="0">
+                <a:solidFill>
+                  <a:schemeClr val="accent6"/>
+                </a:solidFill>
+              </a:rPr>
+              <a:t>well, keep it generic if you plan on reusing…</a:t>
+            </a:r>
+            <a:endParaRPr lang="en-US" dirty="0" smtClean="0">
+              <a:solidFill>
+                <a:schemeClr val="accent6"/>
+              </a:solidFill>
+            </a:endParaRPr>
+          </a:p>
+          <a:p>
+            <a:pPr lvl="2"/>
+            <a:r>
+              <a:rPr lang="en-US" dirty="0" smtClean="0"/>
+              <a:t>Rendering lifecycle with optimizations</a:t>
+            </a:r>
+          </a:p>
+          <a:p>
+            <a:pPr lvl="2"/>
+            <a:r>
+              <a:rPr lang="en-US" dirty="0" smtClean="0"/>
+              <a:t>Basic type checking</a:t>
+            </a:r>
+          </a:p>
+          <a:p>
+            <a:pPr lvl="1"/>
+            <a:r>
+              <a:rPr lang="en-US" dirty="0" smtClean="0"/>
+              <a:t>Becomes powerful with ES6 and more </a:t>
+            </a:r>
+          </a:p>
+          <a:p>
+            <a:pPr lvl="2"/>
+            <a:r>
+              <a:rPr lang="en-US" dirty="0" smtClean="0"/>
+              <a:t>Dependency management</a:t>
+            </a:r>
+          </a:p>
+          <a:p>
+            <a:pPr lvl="2"/>
+            <a:r>
+              <a:rPr lang="en-US" dirty="0" err="1" smtClean="0"/>
+              <a:t>Uptaded</a:t>
+            </a:r>
+            <a:r>
+              <a:rPr lang="en-US" dirty="0" smtClean="0"/>
+              <a:t> syntax and language features</a:t>
+            </a:r>
+          </a:p>
+          <a:p>
+            <a:pPr lvl="2"/>
+            <a:r>
+              <a:rPr lang="en-US" dirty="0" err="1" smtClean="0"/>
+              <a:t>Css</a:t>
+            </a:r>
+            <a:r>
+              <a:rPr lang="en-US" dirty="0" smtClean="0"/>
+              <a:t> inclusions</a:t>
+            </a:r>
+          </a:p>
+          <a:p>
+            <a:pPr lvl="1"/>
+            <a:r>
+              <a:rPr lang="en-US" dirty="0" smtClean="0"/>
+              <a:t>Arguably JSX</a:t>
+            </a:r>
+          </a:p>
+          <a:p>
+            <a:pPr lvl="2"/>
+            <a:r>
+              <a:rPr lang="en-US" dirty="0" smtClean="0"/>
+              <a:t>As opposed to string based templates</a:t>
+            </a:r>
+          </a:p>
+        </p:txBody>
+      </p:sp>
+      <p:sp>
+        <p:nvSpPr>
           <p:cNvPr id="4" name="Date Placeholder 3"/>
           <p:cNvSpPr>
             <a:spLocks noGrp="1"/>
@@ -4995,10 +5105,10 @@
           <a:lstStyle/>
           <a:p>
             <a:r>
-              <a:rPr lang="fr-FR" dirty="0" smtClean="0"/>
+              <a:rPr lang="fr-FR" smtClean="0"/>
               <a:t>2017</a:t>
             </a:r>
-            <a:endParaRPr lang="fr-FR" dirty="0"/>
+            <a:endParaRPr lang="fr-FR"/>
           </a:p>
         </p:txBody>
       </p:sp>
@@ -5018,7 +5128,7 @@
           <a:lstStyle/>
           <a:p>
             <a:r>
-              <a:rPr lang="fr-FR" dirty="0" smtClean="0"/>
+              <a:rPr lang="fr-FR" smtClean="0"/>
               <a:t>cedric.hartland@gmail.com</a:t>
             </a:r>
             <a:endParaRPr lang="fr-FR" dirty="0"/>
@@ -5045,668 +5155,14 @@
               <a:pPr/>
               <a:t>5</a:t>
             </a:fld>
-            <a:endParaRPr lang="fr-FR" dirty="0"/>
-          </a:p>
-        </p:txBody>
-      </p:sp>
-      <p:sp>
-        <p:nvSpPr>
-          <p:cNvPr id="11" name="Rectangle 10"/>
-          <p:cNvSpPr/>
-          <p:nvPr/>
-        </p:nvSpPr>
-        <p:spPr>
-          <a:xfrm>
-            <a:off x="1851025" y="1714709"/>
-            <a:ext cx="8489950" cy="4247317"/>
-          </a:xfrm>
-          <a:prstGeom prst="rect">
-            <a:avLst/>
-          </a:prstGeom>
-          <a:solidFill>
-            <a:schemeClr val="bg1">
-              <a:lumMod val="95000"/>
-            </a:schemeClr>
-          </a:solidFill>
-          <a:effectLst>
-            <a:outerShdw blurRad="50800" dist="38100" dir="2700000" algn="tl" rotWithShape="0">
-              <a:prstClr val="black">
-                <a:alpha val="40000"/>
-              </a:prstClr>
-            </a:outerShdw>
-          </a:effectLst>
-        </p:spPr>
-        <p:txBody>
-          <a:bodyPr wrap="square">
-            <a:spAutoFit/>
-          </a:bodyPr>
-          <a:lstStyle/>
-          <a:p>
-            <a:endParaRPr lang="fr-FR" dirty="0" smtClean="0"/>
-          </a:p>
-          <a:p>
-            <a:pPr lvl="1"/>
-            <a:r>
-              <a:rPr lang="fr-FR" b="1" dirty="0" smtClean="0">
-                <a:solidFill>
-                  <a:schemeClr val="accent5"/>
-                </a:solidFill>
-              </a:rPr>
-              <a:t>class</a:t>
-            </a:r>
-            <a:r>
-              <a:rPr lang="fr-FR" dirty="0" smtClean="0"/>
-              <a:t> </a:t>
-            </a:r>
-            <a:r>
-              <a:rPr lang="fr-FR" dirty="0" err="1" smtClean="0"/>
-              <a:t>Tile</a:t>
-            </a:r>
-            <a:r>
-              <a:rPr lang="fr-FR" dirty="0" smtClean="0"/>
-              <a:t> </a:t>
-            </a:r>
-            <a:r>
-              <a:rPr lang="fr-FR" b="1" dirty="0" err="1" smtClean="0">
-                <a:solidFill>
-                  <a:schemeClr val="accent5"/>
-                </a:solidFill>
-              </a:rPr>
-              <a:t>extends</a:t>
-            </a:r>
-            <a:r>
-              <a:rPr lang="fr-FR" dirty="0" smtClean="0"/>
-              <a:t> </a:t>
-            </a:r>
-            <a:r>
-              <a:rPr lang="fr-FR" dirty="0" err="1" smtClean="0"/>
-              <a:t>React.Component</a:t>
-            </a:r>
-            <a:r>
-              <a:rPr lang="fr-FR" dirty="0" smtClean="0"/>
-              <a:t> {</a:t>
-            </a:r>
-          </a:p>
-          <a:p>
-            <a:pPr lvl="1"/>
-            <a:r>
-              <a:rPr lang="fr-FR" dirty="0" smtClean="0"/>
-              <a:t>  </a:t>
-            </a:r>
-            <a:r>
-              <a:rPr lang="fr-FR" b="1" dirty="0" err="1" smtClean="0">
-                <a:solidFill>
-                  <a:schemeClr val="accent5"/>
-                </a:solidFill>
-              </a:rPr>
-              <a:t>static</a:t>
-            </a:r>
-            <a:r>
-              <a:rPr lang="fr-FR" dirty="0" smtClean="0"/>
-              <a:t> </a:t>
-            </a:r>
-            <a:r>
-              <a:rPr lang="fr-FR" dirty="0" err="1" smtClean="0">
-                <a:solidFill>
-                  <a:srgbClr val="7030A0"/>
-                </a:solidFill>
-              </a:rPr>
-              <a:t>propTypes</a:t>
-            </a:r>
-            <a:r>
-              <a:rPr lang="fr-FR" dirty="0" smtClean="0"/>
-              <a:t> = {</a:t>
-            </a:r>
-          </a:p>
-          <a:p>
-            <a:pPr lvl="1"/>
-            <a:r>
-              <a:rPr lang="fr-FR" dirty="0" smtClean="0"/>
-              <a:t>    value: </a:t>
-            </a:r>
-            <a:r>
-              <a:rPr lang="fr-FR" dirty="0" err="1" smtClean="0"/>
-              <a:t>React.PropTypes.number</a:t>
-            </a:r>
-            <a:r>
-              <a:rPr lang="fr-FR" dirty="0" smtClean="0"/>
-              <a:t>,</a:t>
-            </a:r>
-          </a:p>
-          <a:p>
-            <a:pPr lvl="1"/>
-            <a:r>
-              <a:rPr lang="fr-FR" dirty="0" smtClean="0"/>
-              <a:t>    </a:t>
-            </a:r>
-            <a:r>
-              <a:rPr lang="fr-FR" dirty="0" err="1" smtClean="0"/>
-              <a:t>title</a:t>
-            </a:r>
-            <a:r>
-              <a:rPr lang="fr-FR" dirty="0" smtClean="0"/>
-              <a:t>: </a:t>
-            </a:r>
-            <a:r>
-              <a:rPr lang="fr-FR" dirty="0" err="1" smtClean="0"/>
-              <a:t>React.PropTypes.string</a:t>
-            </a:r>
-            <a:endParaRPr lang="fr-FR" dirty="0" smtClean="0"/>
-          </a:p>
-          <a:p>
-            <a:pPr lvl="1"/>
-            <a:r>
-              <a:rPr lang="fr-FR" dirty="0" smtClean="0"/>
-              <a:t>  };</a:t>
-            </a:r>
-          </a:p>
-          <a:p>
-            <a:pPr lvl="1"/>
-            <a:r>
-              <a:rPr lang="fr-FR" dirty="0" smtClean="0"/>
-              <a:t>  </a:t>
-            </a:r>
-            <a:r>
-              <a:rPr lang="fr-FR" dirty="0" err="1" smtClean="0">
-                <a:solidFill>
-                  <a:srgbClr val="7030A0"/>
-                </a:solidFill>
-              </a:rPr>
-              <a:t>render</a:t>
-            </a:r>
-            <a:r>
-              <a:rPr lang="fr-FR" dirty="0" smtClean="0"/>
-              <a:t>() {</a:t>
-            </a:r>
-          </a:p>
-          <a:p>
-            <a:pPr lvl="1"/>
-            <a:r>
-              <a:rPr lang="fr-FR" dirty="0" smtClean="0"/>
-              <a:t>    </a:t>
-            </a:r>
-            <a:r>
-              <a:rPr lang="fr-FR" b="1" dirty="0" smtClean="0">
-                <a:solidFill>
-                  <a:schemeClr val="accent5"/>
-                </a:solidFill>
-              </a:rPr>
-              <a:t>return</a:t>
-            </a:r>
-            <a:r>
-              <a:rPr lang="fr-FR" dirty="0" smtClean="0"/>
-              <a:t> ( &lt;</a:t>
-            </a:r>
-            <a:r>
-              <a:rPr lang="fr-FR" dirty="0" err="1" smtClean="0">
-                <a:solidFill>
-                  <a:srgbClr val="C00000"/>
-                </a:solidFill>
-              </a:rPr>
-              <a:t>div</a:t>
-            </a:r>
-            <a:r>
-              <a:rPr lang="fr-FR" dirty="0" smtClean="0"/>
-              <a:t> </a:t>
-            </a:r>
-            <a:r>
-              <a:rPr lang="fr-FR" dirty="0" err="1" smtClean="0"/>
-              <a:t>className</a:t>
-            </a:r>
-            <a:r>
-              <a:rPr lang="fr-FR" dirty="0" smtClean="0"/>
-              <a:t>=</a:t>
-            </a:r>
-            <a:r>
-              <a:rPr lang="fr-FR" dirty="0" smtClean="0">
-                <a:solidFill>
-                  <a:schemeClr val="accent6">
-                    <a:lumMod val="75000"/>
-                  </a:schemeClr>
-                </a:solidFill>
-              </a:rPr>
-              <a:t>"</a:t>
-            </a:r>
-            <a:r>
-              <a:rPr lang="fr-FR" dirty="0" err="1" smtClean="0">
-                <a:solidFill>
-                  <a:schemeClr val="accent6">
-                    <a:lumMod val="75000"/>
-                  </a:schemeClr>
-                </a:solidFill>
-              </a:rPr>
-              <a:t>tile</a:t>
-            </a:r>
-            <a:r>
-              <a:rPr lang="fr-FR" dirty="0" smtClean="0">
-                <a:solidFill>
-                  <a:schemeClr val="accent6">
-                    <a:lumMod val="75000"/>
-                  </a:schemeClr>
-                </a:solidFill>
-              </a:rPr>
-              <a:t>"</a:t>
-            </a:r>
-            <a:r>
-              <a:rPr lang="fr-FR" dirty="0" smtClean="0"/>
-              <a:t>&gt;</a:t>
-            </a:r>
-          </a:p>
-          <a:p>
-            <a:pPr lvl="1"/>
-            <a:r>
-              <a:rPr lang="fr-FR" dirty="0" smtClean="0"/>
-              <a:t>        &lt;</a:t>
-            </a:r>
-            <a:r>
-              <a:rPr lang="fr-FR" dirty="0" err="1" smtClean="0">
-                <a:solidFill>
-                  <a:srgbClr val="C00000"/>
-                </a:solidFill>
-              </a:rPr>
-              <a:t>div</a:t>
-            </a:r>
-            <a:r>
-              <a:rPr lang="fr-FR" dirty="0" smtClean="0"/>
-              <a:t> </a:t>
-            </a:r>
-            <a:r>
-              <a:rPr lang="fr-FR" dirty="0" err="1" smtClean="0"/>
-              <a:t>className</a:t>
-            </a:r>
-            <a:r>
-              <a:rPr lang="fr-FR" dirty="0" smtClean="0"/>
-              <a:t>=</a:t>
-            </a:r>
-            <a:r>
-              <a:rPr lang="fr-FR" dirty="0" smtClean="0">
-                <a:solidFill>
-                  <a:schemeClr val="accent6">
-                    <a:lumMod val="75000"/>
-                  </a:schemeClr>
-                </a:solidFill>
-              </a:rPr>
-              <a:t>"</a:t>
-            </a:r>
-            <a:r>
-              <a:rPr lang="fr-FR" dirty="0" err="1" smtClean="0">
-                <a:solidFill>
-                  <a:schemeClr val="accent6">
-                    <a:lumMod val="75000"/>
-                  </a:schemeClr>
-                </a:solidFill>
-              </a:rPr>
-              <a:t>tile</a:t>
-            </a:r>
-            <a:r>
-              <a:rPr lang="fr-FR" dirty="0" smtClean="0">
-                <a:solidFill>
-                  <a:schemeClr val="accent6">
-                    <a:lumMod val="75000"/>
-                  </a:schemeClr>
-                </a:solidFill>
-              </a:rPr>
-              <a:t>-header"</a:t>
-            </a:r>
-            <a:r>
-              <a:rPr lang="fr-FR" dirty="0" smtClean="0"/>
-              <a:t>&gt;{</a:t>
-            </a:r>
-            <a:r>
-              <a:rPr lang="fr-FR" b="1" dirty="0" err="1" smtClean="0">
-                <a:solidFill>
-                  <a:schemeClr val="accent5"/>
-                </a:solidFill>
-              </a:rPr>
-              <a:t>this</a:t>
-            </a:r>
-            <a:r>
-              <a:rPr lang="fr-FR" dirty="0" err="1" smtClean="0"/>
-              <a:t>.props.title</a:t>
-            </a:r>
-            <a:r>
-              <a:rPr lang="fr-FR" dirty="0" smtClean="0"/>
-              <a:t>}&lt;/</a:t>
-            </a:r>
-            <a:r>
-              <a:rPr lang="fr-FR" dirty="0" err="1" smtClean="0">
-                <a:solidFill>
-                  <a:srgbClr val="C00000"/>
-                </a:solidFill>
-              </a:rPr>
-              <a:t>div</a:t>
-            </a:r>
-            <a:r>
-              <a:rPr lang="fr-FR" dirty="0" smtClean="0"/>
-              <a:t>&gt;</a:t>
-            </a:r>
-          </a:p>
-          <a:p>
-            <a:pPr lvl="1"/>
-            <a:r>
-              <a:rPr lang="fr-FR" dirty="0" smtClean="0"/>
-              <a:t>        &lt;</a:t>
-            </a:r>
-            <a:r>
-              <a:rPr lang="fr-FR" dirty="0" err="1" smtClean="0">
-                <a:solidFill>
-                  <a:srgbClr val="C00000"/>
-                </a:solidFill>
-              </a:rPr>
-              <a:t>div</a:t>
-            </a:r>
-            <a:r>
-              <a:rPr lang="fr-FR" dirty="0" smtClean="0"/>
-              <a:t> </a:t>
-            </a:r>
-            <a:r>
-              <a:rPr lang="fr-FR" dirty="0" err="1" smtClean="0"/>
-              <a:t>className</a:t>
-            </a:r>
-            <a:r>
-              <a:rPr lang="fr-FR" dirty="0" smtClean="0"/>
-              <a:t>=</a:t>
-            </a:r>
-            <a:r>
-              <a:rPr lang="fr-FR" dirty="0" smtClean="0">
-                <a:solidFill>
-                  <a:schemeClr val="accent6">
-                    <a:lumMod val="75000"/>
-                  </a:schemeClr>
-                </a:solidFill>
-              </a:rPr>
-              <a:t>"</a:t>
-            </a:r>
-            <a:r>
-              <a:rPr lang="fr-FR" dirty="0" err="1" smtClean="0">
-                <a:solidFill>
-                  <a:schemeClr val="accent6">
-                    <a:lumMod val="75000"/>
-                  </a:schemeClr>
-                </a:solidFill>
-              </a:rPr>
-              <a:t>tile</a:t>
-            </a:r>
-            <a:r>
-              <a:rPr lang="fr-FR" dirty="0" smtClean="0">
-                <a:solidFill>
-                  <a:schemeClr val="accent6">
-                    <a:lumMod val="75000"/>
-                  </a:schemeClr>
-                </a:solidFill>
-              </a:rPr>
-              <a:t>-value"</a:t>
-            </a:r>
-            <a:r>
-              <a:rPr lang="fr-FR" dirty="0" smtClean="0"/>
-              <a:t>&gt;{</a:t>
-            </a:r>
-            <a:r>
-              <a:rPr lang="fr-FR" dirty="0" err="1" smtClean="0"/>
-              <a:t>numeral</a:t>
-            </a:r>
-            <a:r>
-              <a:rPr lang="fr-FR" dirty="0" smtClean="0"/>
-              <a:t>(</a:t>
-            </a:r>
-            <a:r>
-              <a:rPr lang="fr-FR" b="1" dirty="0" err="1" smtClean="0">
-                <a:solidFill>
-                  <a:schemeClr val="accent5"/>
-                </a:solidFill>
-              </a:rPr>
-              <a:t>this</a:t>
-            </a:r>
-            <a:r>
-              <a:rPr lang="fr-FR" dirty="0" err="1" smtClean="0"/>
-              <a:t>.props.value</a:t>
-            </a:r>
-            <a:r>
-              <a:rPr lang="fr-FR" dirty="0" smtClean="0"/>
-              <a:t>).format(</a:t>
-            </a:r>
-            <a:r>
-              <a:rPr lang="fr-FR" dirty="0" smtClean="0">
-                <a:solidFill>
-                  <a:schemeClr val="accent6">
-                    <a:lumMod val="75000"/>
-                  </a:schemeClr>
-                </a:solidFill>
-              </a:rPr>
-              <a:t>'0.00'</a:t>
-            </a:r>
-            <a:r>
-              <a:rPr lang="fr-FR" dirty="0" smtClean="0"/>
-              <a:t>)}&lt;/</a:t>
-            </a:r>
-            <a:r>
-              <a:rPr lang="fr-FR" dirty="0" err="1" smtClean="0">
-                <a:solidFill>
-                  <a:srgbClr val="C00000"/>
-                </a:solidFill>
-              </a:rPr>
-              <a:t>div</a:t>
-            </a:r>
-            <a:r>
-              <a:rPr lang="fr-FR" dirty="0" smtClean="0"/>
-              <a:t>&gt;</a:t>
-            </a:r>
-          </a:p>
-          <a:p>
-            <a:pPr lvl="1"/>
-            <a:r>
-              <a:rPr lang="fr-FR" dirty="0" smtClean="0"/>
-              <a:t>      &lt;/</a:t>
-            </a:r>
-            <a:r>
-              <a:rPr lang="fr-FR" dirty="0" err="1" smtClean="0">
-                <a:solidFill>
-                  <a:srgbClr val="C00000"/>
-                </a:solidFill>
-              </a:rPr>
-              <a:t>div</a:t>
-            </a:r>
-            <a:r>
-              <a:rPr lang="fr-FR" dirty="0" smtClean="0"/>
-              <a:t>&gt;</a:t>
-            </a:r>
-          </a:p>
-          <a:p>
-            <a:pPr lvl="1"/>
-            <a:r>
-              <a:rPr lang="fr-FR" dirty="0" smtClean="0"/>
-              <a:t>    );</a:t>
-            </a:r>
-          </a:p>
-          <a:p>
-            <a:pPr lvl="1"/>
-            <a:r>
-              <a:rPr lang="fr-FR" dirty="0" smtClean="0"/>
-              <a:t>  }</a:t>
-            </a:r>
-          </a:p>
-          <a:p>
-            <a:pPr lvl="1"/>
-            <a:r>
-              <a:rPr lang="fr-FR" dirty="0" smtClean="0"/>
-              <a:t>}</a:t>
-            </a:r>
-          </a:p>
-          <a:p>
-            <a:pPr lvl="1"/>
-            <a:endParaRPr lang="fr-FR" dirty="0"/>
-          </a:p>
-        </p:txBody>
-      </p:sp>
-      <p:sp>
-        <p:nvSpPr>
-          <p:cNvPr id="12" name="Rectangle 11"/>
-          <p:cNvSpPr/>
-          <p:nvPr/>
-        </p:nvSpPr>
-        <p:spPr>
-          <a:xfrm>
-            <a:off x="203200" y="3060700"/>
-            <a:ext cx="1574800" cy="939800"/>
-          </a:xfrm>
-          <a:prstGeom prst="wedgeRectCallout">
-            <a:avLst>
-              <a:gd name="adj1" fmla="val 97877"/>
-              <a:gd name="adj2" fmla="val -78040"/>
-            </a:avLst>
-          </a:prstGeom>
-        </p:spPr>
-        <p:style>
-          <a:lnRef idx="2">
-            <a:schemeClr val="accent1">
-              <a:shade val="50000"/>
-            </a:schemeClr>
-          </a:lnRef>
-          <a:fillRef idx="1">
-            <a:schemeClr val="accent1"/>
-          </a:fillRef>
-          <a:effectRef idx="0">
-            <a:schemeClr val="accent1"/>
-          </a:effectRef>
-          <a:fontRef idx="minor">
-            <a:schemeClr val="lt1"/>
-          </a:fontRef>
-        </p:style>
-        <p:txBody>
-          <a:bodyPr rtlCol="0" anchor="ctr"/>
-          <a:lstStyle/>
-          <a:p>
-            <a:pPr algn="ctr"/>
-            <a:r>
-              <a:rPr lang="fr-FR" dirty="0" err="1" smtClean="0"/>
-              <a:t>Properties</a:t>
-            </a:r>
-            <a:r>
-              <a:rPr lang="fr-FR" dirty="0" smtClean="0"/>
-              <a:t> types</a:t>
-            </a:r>
-            <a:endParaRPr lang="fr-FR" dirty="0"/>
-          </a:p>
-        </p:txBody>
-      </p:sp>
-      <p:sp>
-        <p:nvSpPr>
-          <p:cNvPr id="13" name="Rectangle 12"/>
-          <p:cNvSpPr/>
-          <p:nvPr/>
-        </p:nvSpPr>
-        <p:spPr>
-          <a:xfrm>
-            <a:off x="10452100" y="4445000"/>
-            <a:ext cx="1574800" cy="939800"/>
-          </a:xfrm>
-          <a:prstGeom prst="wedgeRectCallout">
-            <a:avLst>
-              <a:gd name="adj1" fmla="val -117446"/>
-              <a:gd name="adj2" fmla="val -38851"/>
-            </a:avLst>
-          </a:prstGeom>
-        </p:spPr>
-        <p:style>
-          <a:lnRef idx="2">
-            <a:schemeClr val="accent1">
-              <a:shade val="50000"/>
-            </a:schemeClr>
-          </a:lnRef>
-          <a:fillRef idx="1">
-            <a:schemeClr val="accent1"/>
-          </a:fillRef>
-          <a:effectRef idx="0">
-            <a:schemeClr val="accent1"/>
-          </a:effectRef>
-          <a:fontRef idx="minor">
-            <a:schemeClr val="lt1"/>
-          </a:fontRef>
-        </p:style>
-        <p:txBody>
-          <a:bodyPr rtlCol="0" anchor="ctr"/>
-          <a:lstStyle/>
-          <a:p>
-            <a:pPr algn="ctr"/>
-            <a:r>
-              <a:rPr lang="fr-FR" dirty="0" smtClean="0"/>
-              <a:t>JSX </a:t>
-            </a:r>
-            <a:r>
-              <a:rPr lang="fr-FR" dirty="0" err="1" smtClean="0"/>
-              <a:t>declarations</a:t>
-            </a:r>
-            <a:endParaRPr lang="fr-FR" dirty="0"/>
-          </a:p>
-        </p:txBody>
-      </p:sp>
-      <p:sp>
-        <p:nvSpPr>
-          <p:cNvPr id="14" name="Rectangle 13"/>
-          <p:cNvSpPr/>
-          <p:nvPr/>
-        </p:nvSpPr>
-        <p:spPr>
-          <a:xfrm>
-            <a:off x="190500" y="1854200"/>
-            <a:ext cx="1574800" cy="939800"/>
-          </a:xfrm>
-          <a:prstGeom prst="wedgeRectCallout">
-            <a:avLst>
-              <a:gd name="adj1" fmla="val 87393"/>
-              <a:gd name="adj2" fmla="val -15878"/>
-            </a:avLst>
-          </a:prstGeom>
-        </p:spPr>
-        <p:style>
-          <a:lnRef idx="2">
-            <a:schemeClr val="accent1">
-              <a:shade val="50000"/>
-            </a:schemeClr>
-          </a:lnRef>
-          <a:fillRef idx="1">
-            <a:schemeClr val="accent1"/>
-          </a:fillRef>
-          <a:effectRef idx="0">
-            <a:schemeClr val="accent1"/>
-          </a:effectRef>
-          <a:fontRef idx="minor">
-            <a:schemeClr val="lt1"/>
-          </a:fontRef>
-        </p:style>
-        <p:txBody>
-          <a:bodyPr rtlCol="0" anchor="ctr"/>
-          <a:lstStyle/>
-          <a:p>
-            <a:pPr algn="ctr"/>
-            <a:r>
-              <a:rPr lang="fr-FR" dirty="0" err="1" smtClean="0"/>
-              <a:t>Reusable</a:t>
-            </a:r>
-            <a:r>
-              <a:rPr lang="fr-FR" dirty="0" smtClean="0"/>
-              <a:t> </a:t>
-            </a:r>
-            <a:r>
-              <a:rPr lang="fr-FR" b="1" dirty="0" smtClean="0"/>
-              <a:t>class</a:t>
-            </a:r>
-            <a:r>
-              <a:rPr lang="fr-FR" dirty="0" smtClean="0"/>
-              <a:t> or </a:t>
-            </a:r>
-            <a:r>
-              <a:rPr lang="fr-FR" b="1" dirty="0" err="1" smtClean="0"/>
-              <a:t>function</a:t>
-            </a:r>
-            <a:endParaRPr lang="fr-FR" b="1" dirty="0"/>
+            <a:endParaRPr lang="fr-FR"/>
           </a:p>
         </p:txBody>
       </p:sp>
     </p:spTree>
     <p:extLst>
       <p:ext uri="{BB962C8B-B14F-4D97-AF65-F5344CB8AC3E}">
-        <p14:creationId xmlns:p14="http://schemas.microsoft.com/office/powerpoint/2010/main" xmlns="" val="3296308957"/>
+        <p14:creationId xmlns:p14="http://schemas.microsoft.com/office/powerpoint/2010/main" val="3005486473"/>
       </p:ext>
     </p:extLst>
   </p:cSld>
@@ -5756,12 +5212,12 @@
           <a:lstStyle/>
           <a:p>
             <a:r>
+              <a:rPr lang="fr-FR" dirty="0" smtClean="0"/>
+              <a:t>A simple </a:t>
+            </a:r>
+            <a:r>
               <a:rPr lang="fr-FR" dirty="0" err="1" smtClean="0"/>
-              <a:t>Adding</a:t>
-            </a:r>
-            <a:r>
-              <a:rPr lang="fr-FR" dirty="0" smtClean="0"/>
-              <a:t> user interactions</a:t>
+              <a:t>view</a:t>
             </a:r>
             <a:endParaRPr lang="fr-FR" dirty="0"/>
           </a:p>
@@ -5846,7 +5302,7 @@
         <p:spPr>
           <a:xfrm>
             <a:off x="1851025" y="1714709"/>
-            <a:ext cx="8489950" cy="3970318"/>
+            <a:ext cx="8489950" cy="4247317"/>
           </a:xfrm>
           <a:prstGeom prst="rect">
             <a:avLst/>
@@ -5870,6 +5326,10 @@
           </a:bodyPr>
           <a:lstStyle/>
           <a:p>
+            <a:endParaRPr lang="fr-FR" dirty="0" smtClean="0"/>
+          </a:p>
+          <a:p>
+            <a:pPr lvl="1"/>
             <a:r>
               <a:rPr lang="fr-FR" b="1" dirty="0" smtClean="0">
                 <a:solidFill>
@@ -5884,7 +5344,7 @@
             </a:r>
             <a:r>
               <a:rPr lang="fr-FR" dirty="0" err="1" smtClean="0"/>
-              <a:t>Filter</a:t>
+              <a:t>Tile</a:t>
             </a:r>
             <a:r>
               <a:rPr lang="fr-FR" dirty="0" smtClean="0"/>
@@ -5912,13 +5372,80 @@
             </a:r>
           </a:p>
           <a:p>
-            <a:r>
-              <a:rPr lang="fr-FR" dirty="0" smtClean="0"/>
-              <a:t>  …</a:t>
+            <a:pPr lvl="1"/>
+            <a:r>
+              <a:rPr lang="fr-FR" dirty="0" smtClean="0"/>
+              <a:t>  </a:t>
+            </a:r>
+            <a:r>
+              <a:rPr lang="fr-FR" b="1" dirty="0" err="1" smtClean="0">
+                <a:solidFill>
+                  <a:schemeClr val="accent5"/>
+                </a:solidFill>
+              </a:rPr>
+              <a:t>static</a:t>
+            </a:r>
+            <a:r>
+              <a:rPr lang="fr-FR" dirty="0" smtClean="0"/>
+              <a:t> </a:t>
+            </a:r>
+            <a:r>
+              <a:rPr lang="fr-FR" dirty="0" err="1" smtClean="0">
+                <a:solidFill>
+                  <a:srgbClr val="7030A0"/>
+                </a:solidFill>
+              </a:rPr>
+              <a:t>propTypes</a:t>
+            </a:r>
+            <a:r>
+              <a:rPr lang="fr-FR" dirty="0" smtClean="0"/>
+              <a:t> = {</a:t>
+            </a:r>
+          </a:p>
+          <a:p>
+            <a:pPr lvl="1"/>
+            <a:r>
+              <a:rPr lang="fr-FR" dirty="0" smtClean="0"/>
+              <a:t>    value: </a:t>
+            </a:r>
+            <a:r>
+              <a:rPr lang="fr-FR" dirty="0" err="1" smtClean="0"/>
+              <a:t>React.PropTypes.number</a:t>
+            </a:r>
+            <a:r>
+              <a:rPr lang="fr-FR" dirty="0" smtClean="0"/>
+              <a:t>,</a:t>
+            </a:r>
+          </a:p>
+          <a:p>
+            <a:pPr lvl="1"/>
+            <a:r>
+              <a:rPr lang="fr-FR" dirty="0" smtClean="0"/>
+              <a:t>    </a:t>
+            </a:r>
+            <a:r>
+              <a:rPr lang="fr-FR" dirty="0" err="1" smtClean="0"/>
+              <a:t>title</a:t>
+            </a:r>
+            <a:r>
+              <a:rPr lang="fr-FR" dirty="0" smtClean="0"/>
+              <a:t>: </a:t>
+            </a:r>
+            <a:r>
+              <a:rPr lang="fr-FR" dirty="0" err="1" smtClean="0"/>
+              <a:t>React.PropTypes.string</a:t>
             </a:r>
             <a:endParaRPr lang="fr-FR" dirty="0" smtClean="0"/>
           </a:p>
           <a:p>
+            <a:pPr lvl="1"/>
+            <a:r>
+              <a:rPr lang="fr-FR" dirty="0" smtClean="0"/>
+              <a:t>  };</a:t>
+            </a:r>
+          </a:p>
+          <a:p>
+            <a:pPr lvl="1"/>
             <a:r>
               <a:rPr lang="fr-FR" dirty="0" smtClean="0"/>
               <a:t>  </a:t>
@@ -5937,6 +5464,7 @@
             </a:r>
           </a:p>
           <a:p>
+            <a:pPr lvl="1"/>
             <a:r>
               <a:rPr lang="fr-FR" dirty="0" smtClean="0"/>
               <a:t>    </a:t>
@@ -5951,13 +5479,7 @@
             </a:r>
             <a:r>
               <a:rPr lang="fr-FR" dirty="0" smtClean="0"/>
-              <a:t> (</a:t>
-            </a:r>
-          </a:p>
-          <a:p>
-            <a:r>
-              <a:rPr lang="fr-FR" dirty="0" smtClean="0"/>
-              <a:t>      &lt;</a:t>
+              <a:t> ( &lt;</a:t>
             </a:r>
             <a:r>
               <a:rPr lang="fr-FR" dirty="0" err="1" smtClean="0">
@@ -5997,41 +5519,7 @@
                   </a:schemeClr>
                 </a:solidFill>
               </a:rPr>
-              <a:t>filter</a:t>
-            </a:r>
-            <a:r>
-              <a:rPr lang="fr-FR" dirty="0" smtClean="0">
-                <a:solidFill>
-                  <a:schemeClr val="accent6">
-                    <a:lumMod val="75000"/>
-                  </a:schemeClr>
-                </a:solidFill>
-              </a:rPr>
-              <a:t>-input"</a:t>
-            </a:r>
-            <a:r>
-              <a:rPr lang="fr-FR" dirty="0" smtClean="0"/>
-              <a:t>&gt;</a:t>
-            </a:r>
-          </a:p>
-          <a:p>
-            <a:r>
-              <a:rPr lang="fr-FR" dirty="0" smtClean="0"/>
-              <a:t>        &lt;</a:t>
-            </a:r>
-            <a:r>
-              <a:rPr lang="fr-FR" dirty="0" smtClean="0">
-                <a:solidFill>
-                  <a:srgbClr val="C00000"/>
-                </a:solidFill>
-              </a:rPr>
-              <a:t>input</a:t>
-            </a:r>
-          </a:p>
-          <a:p>
-            <a:r>
-              <a:rPr lang="fr-FR" dirty="0" smtClean="0"/>
-              <a:t>          type=</a:t>
+              <a:t>tile</a:t>
             </a:r>
             <a:r>
               <a:rPr lang="fr-FR" dirty="0" smtClean="0">
@@ -6044,14 +5532,35 @@
               <a:t>"</a:t>
             </a:r>
             <a:r>
+              <a:rPr lang="fr-FR" dirty="0" smtClean="0"/>
+              <a:t>&gt;</a:t>
+            </a:r>
+          </a:p>
+          <a:p>
+            <a:pPr lvl="1"/>
+            <a:r>
+              <a:rPr lang="fr-FR" dirty="0" smtClean="0"/>
+              <a:t>        &lt;</a:t>
+            </a:r>
+            <a:r>
               <a:rPr lang="fr-FR" dirty="0" err="1" smtClean="0">
                 <a:solidFill>
-                  <a:schemeClr val="accent6">
-                    <a:lumMod val="75000"/>
-                  </a:schemeClr>
+                  <a:srgbClr val="C00000"/>
                 </a:solidFill>
               </a:rPr>
-              <a:t>text</a:t>
+              <a:t>div</a:t>
+            </a:r>
+            <a:r>
+              <a:rPr lang="fr-FR" dirty="0" smtClean="0"/>
+              <a:t> </a:t>
+            </a:r>
+            <a:r>
+              <a:rPr lang="fr-FR" dirty="0" err="1" smtClean="0"/>
+              <a:t>className</a:t>
+            </a:r>
+            <a:r>
+              <a:rPr lang="fr-FR" dirty="0" smtClean="0"/>
+              <a:t>=</a:t>
             </a:r>
             <a:r>
               <a:rPr lang="fr-FR" dirty="0" smtClean="0">
@@ -6063,75 +5572,45 @@
               </a:rPr>
               <a:t>"</a:t>
             </a:r>
-          </a:p>
-          <a:p>
-            <a:r>
-              <a:rPr lang="fr-FR" dirty="0" smtClean="0"/>
-              <a:t>          value={</a:t>
+            <a:r>
+              <a:rPr lang="fr-FR" dirty="0" err="1" smtClean="0">
+                <a:solidFill>
+                  <a:schemeClr val="accent6">
+                    <a:lumMod val="75000"/>
+                  </a:schemeClr>
+                </a:solidFill>
+              </a:rPr>
+              <a:t>tile</a:t>
+            </a:r>
+            <a:r>
+              <a:rPr lang="fr-FR" dirty="0" smtClean="0">
+                <a:solidFill>
+                  <a:schemeClr val="accent6">
+                    <a:lumMod val="75000"/>
+                  </a:schemeClr>
+                </a:solidFill>
+              </a:rPr>
+              <a:t>-header"</a:t>
+            </a:r>
+            <a:r>
+              <a:rPr lang="fr-FR" dirty="0" smtClean="0"/>
+              <a:t>&gt;{</a:t>
+            </a:r>
+            <a:r>
+              <a:rPr lang="fr-FR" b="1" dirty="0" err="1" smtClean="0">
+                <a:solidFill>
+                  <a:schemeClr val="accent5"/>
+                </a:solidFill>
+              </a:rPr>
+              <a:t>this</a:t>
             </a:r>
             <a:r>
               <a:rPr lang="fr-FR" dirty="0" err="1" smtClean="0"/>
-              <a:t>this.props.filterText</a:t>
-            </a:r>
-            <a:r>
-              <a:rPr lang="fr-FR" dirty="0" smtClean="0"/>
-              <a:t>}</a:t>
-            </a:r>
-          </a:p>
-          <a:p>
-            <a:r>
-              <a:rPr lang="fr-FR" dirty="0" smtClean="0"/>
-              <a:t>          </a:t>
-            </a:r>
-            <a:r>
-              <a:rPr lang="fr-FR" dirty="0" err="1" smtClean="0"/>
-              <a:t>placeholder</a:t>
-            </a:r>
-            <a:r>
-              <a:rPr lang="fr-FR" dirty="0" smtClean="0"/>
-              <a:t>={</a:t>
-            </a:r>
-            <a:r>
-              <a:rPr lang="fr-FR" dirty="0" err="1" smtClean="0"/>
-              <a:t>this.props.placeholder</a:t>
-            </a:r>
-            <a:r>
-              <a:rPr lang="fr-FR" dirty="0" smtClean="0"/>
-              <a:t>}</a:t>
-            </a:r>
-          </a:p>
-          <a:p>
-            <a:r>
-              <a:rPr lang="fr-FR" dirty="0" smtClean="0"/>
-              <a:t>          </a:t>
-            </a:r>
-            <a:r>
-              <a:rPr lang="fr-FR" dirty="0" err="1" smtClean="0"/>
-              <a:t>onChange</a:t>
-            </a:r>
-            <a:r>
-              <a:rPr lang="fr-FR" dirty="0" smtClean="0"/>
-              <a:t>={</a:t>
-            </a:r>
-            <a:r>
-              <a:rPr lang="fr-FR" dirty="0" err="1" smtClean="0"/>
-              <a:t>this.props.handleFilter</a:t>
-            </a:r>
-            <a:r>
-              <a:rPr lang="fr-FR" dirty="0" smtClean="0"/>
-              <a:t>}</a:t>
-            </a:r>
-          </a:p>
-          <a:p>
-            <a:r>
-              <a:rPr lang="fr-FR" dirty="0" smtClean="0"/>
-              <a:t>        /&gt;</a:t>
-            </a:r>
-          </a:p>
-          <a:p>
-            <a:r>
-              <a:rPr lang="fr-FR" dirty="0" smtClean="0"/>
-              <a:t>      &lt;/</a:t>
+              <a:t>.props.title</a:t>
+            </a:r>
+            <a:r>
+              <a:rPr lang="fr-FR" dirty="0" smtClean="0"/>
+              <a:t>}&lt;/</a:t>
             </a:r>
             <a:r>
               <a:rPr lang="fr-FR" dirty="0" err="1" smtClean="0">
@@ -6143,20 +5622,162 @@
             </a:r>
             <a:r>
               <a:rPr lang="fr-FR" dirty="0" smtClean="0"/>
-              <a:t>&gt;);</a:t>
-            </a:r>
-          </a:p>
-          <a:p>
+              <a:t>&gt;</a:t>
+            </a:r>
+          </a:p>
+          <a:p>
+            <a:pPr lvl="1"/>
+            <a:r>
+              <a:rPr lang="fr-FR" dirty="0" smtClean="0"/>
+              <a:t>        &lt;</a:t>
+            </a:r>
+            <a:r>
+              <a:rPr lang="fr-FR" dirty="0" err="1" smtClean="0">
+                <a:solidFill>
+                  <a:srgbClr val="C00000"/>
+                </a:solidFill>
+              </a:rPr>
+              <a:t>div</a:t>
+            </a:r>
+            <a:r>
+              <a:rPr lang="fr-FR" dirty="0" smtClean="0"/>
+              <a:t> </a:t>
+            </a:r>
+            <a:r>
+              <a:rPr lang="fr-FR" dirty="0" err="1" smtClean="0"/>
+              <a:t>className</a:t>
+            </a:r>
+            <a:r>
+              <a:rPr lang="fr-FR" dirty="0" smtClean="0"/>
+              <a:t>=</a:t>
+            </a:r>
+            <a:r>
+              <a:rPr lang="fr-FR" dirty="0" smtClean="0">
+                <a:solidFill>
+                  <a:schemeClr val="accent6">
+                    <a:lumMod val="75000"/>
+                  </a:schemeClr>
+                </a:solidFill>
+              </a:rPr>
+              <a:t>"</a:t>
+            </a:r>
+            <a:r>
+              <a:rPr lang="fr-FR" dirty="0" err="1" smtClean="0">
+                <a:solidFill>
+                  <a:schemeClr val="accent6">
+                    <a:lumMod val="75000"/>
+                  </a:schemeClr>
+                </a:solidFill>
+              </a:rPr>
+              <a:t>tile</a:t>
+            </a:r>
+            <a:r>
+              <a:rPr lang="fr-FR" dirty="0" smtClean="0">
+                <a:solidFill>
+                  <a:schemeClr val="accent6">
+                    <a:lumMod val="75000"/>
+                  </a:schemeClr>
+                </a:solidFill>
+              </a:rPr>
+              <a:t>-value"</a:t>
+            </a:r>
+            <a:r>
+              <a:rPr lang="fr-FR" dirty="0" smtClean="0"/>
+              <a:t>&gt;{</a:t>
+            </a:r>
+            <a:r>
+              <a:rPr lang="fr-FR" dirty="0" err="1" smtClean="0"/>
+              <a:t>numeral</a:t>
+            </a:r>
+            <a:r>
+              <a:rPr lang="fr-FR" dirty="0" smtClean="0"/>
+              <a:t>(</a:t>
+            </a:r>
+            <a:r>
+              <a:rPr lang="fr-FR" b="1" dirty="0" err="1" smtClean="0">
+                <a:solidFill>
+                  <a:schemeClr val="accent5"/>
+                </a:solidFill>
+              </a:rPr>
+              <a:t>this</a:t>
+            </a:r>
+            <a:r>
+              <a:rPr lang="fr-FR" dirty="0" err="1" smtClean="0"/>
+              <a:t>.props.value</a:t>
+            </a:r>
+            <a:r>
+              <a:rPr lang="fr-FR" dirty="0" smtClean="0"/>
+              <a:t>).format(</a:t>
+            </a:r>
+            <a:r>
+              <a:rPr lang="fr-FR" dirty="0" smtClean="0">
+                <a:solidFill>
+                  <a:schemeClr val="accent6">
+                    <a:lumMod val="75000"/>
+                  </a:schemeClr>
+                </a:solidFill>
+              </a:rPr>
+              <a:t>'0.00'</a:t>
+            </a:r>
+            <a:r>
+              <a:rPr lang="fr-FR" dirty="0" smtClean="0"/>
+              <a:t>)}&lt;/</a:t>
+            </a:r>
+            <a:r>
+              <a:rPr lang="fr-FR" dirty="0" err="1" smtClean="0">
+                <a:solidFill>
+                  <a:srgbClr val="C00000"/>
+                </a:solidFill>
+              </a:rPr>
+              <a:t>div</a:t>
+            </a:r>
+            <a:r>
+              <a:rPr lang="fr-FR" dirty="0" smtClean="0"/>
+              <a:t>&gt;</a:t>
+            </a:r>
+          </a:p>
+          <a:p>
+            <a:pPr lvl="1"/>
+            <a:r>
+              <a:rPr lang="fr-FR" dirty="0" smtClean="0"/>
+              <a:t>      &lt;/</a:t>
+            </a:r>
+            <a:r>
+              <a:rPr lang="fr-FR" dirty="0" err="1" smtClean="0">
+                <a:solidFill>
+                  <a:srgbClr val="C00000"/>
+                </a:solidFill>
+              </a:rPr>
+              <a:t>div</a:t>
+            </a:r>
+            <a:r>
+              <a:rPr lang="fr-FR" dirty="0" smtClean="0"/>
+              <a:t>&gt;</a:t>
+            </a:r>
+          </a:p>
+          <a:p>
+            <a:pPr lvl="1"/>
+            <a:r>
+              <a:rPr lang="fr-FR" dirty="0" smtClean="0"/>
+              <a:t>    );</a:t>
+            </a:r>
+          </a:p>
+          <a:p>
+            <a:pPr lvl="1"/>
             <a:r>
               <a:rPr lang="fr-FR" dirty="0" smtClean="0"/>
               <a:t>  }</a:t>
             </a:r>
           </a:p>
           <a:p>
+            <a:pPr lvl="1"/>
             <a:r>
               <a:rPr lang="fr-FR" dirty="0" smtClean="0"/>
               <a:t>}</a:t>
             </a:r>
+          </a:p>
+          <a:p>
+            <a:pPr lvl="1"/>
             <a:endParaRPr lang="fr-FR" dirty="0"/>
           </a:p>
         </p:txBody>
@@ -6169,13 +5790,13 @@
         </p:nvSpPr>
         <p:spPr>
           <a:xfrm>
-            <a:off x="190500" y="4356100"/>
-            <a:ext cx="1574800" cy="1295400"/>
+            <a:off x="203200" y="3060700"/>
+            <a:ext cx="1574800" cy="939800"/>
           </a:xfrm>
           <a:prstGeom prst="wedgeRectCallout">
             <a:avLst>
-              <a:gd name="adj1" fmla="val 91425"/>
-              <a:gd name="adj2" fmla="val -49370"/>
+              <a:gd name="adj1" fmla="val 97877"/>
+              <a:gd name="adj2" fmla="val -78040"/>
             </a:avLst>
           </a:prstGeom>
         </p:spPr>
@@ -6202,32 +5823,134 @@
             <a:pPr algn="ctr"/>
             <a:r>
               <a:rPr lang="fr-FR" dirty="0" err="1" smtClean="0"/>
-              <a:t>Bind</a:t>
+              <a:t>Properties</a:t>
+            </a:r>
+            <a:r>
+              <a:rPr lang="fr-FR" dirty="0" smtClean="0"/>
+              <a:t> types</a:t>
+            </a:r>
+            <a:endParaRPr lang="fr-FR" dirty="0"/>
+          </a:p>
+        </p:txBody>
+      </p:sp>
+      <p:sp>
+        <p:nvSpPr>
+          <p:cNvPr id="13" name="Rectangle 12"/>
+          <p:cNvSpPr/>
+          <p:nvPr/>
+        </p:nvSpPr>
+        <p:spPr>
+          <a:xfrm>
+            <a:off x="10452100" y="4445000"/>
+            <a:ext cx="1574800" cy="939800"/>
+          </a:xfrm>
+          <a:prstGeom prst="wedgeRectCallout">
+            <a:avLst>
+              <a:gd name="adj1" fmla="val -117446"/>
+              <a:gd name="adj2" fmla="val -38851"/>
+            </a:avLst>
+          </a:prstGeom>
+        </p:spPr>
+        <p:style>
+          <a:lnRef idx="2">
+            <a:schemeClr val="accent1">
+              <a:shade val="50000"/>
+            </a:schemeClr>
+          </a:lnRef>
+          <a:fillRef idx="1">
+            <a:schemeClr val="accent1"/>
+          </a:fillRef>
+          <a:effectRef idx="0">
+            <a:schemeClr val="accent1"/>
+          </a:effectRef>
+          <a:fontRef idx="minor">
+            <a:schemeClr val="lt1"/>
+          </a:fontRef>
+        </p:style>
+        <p:txBody>
+          <a:bodyPr rtlCol="0" anchor="ctr"/>
+          <a:lstStyle/>
+          <a:p>
+            <a:pPr algn="ctr"/>
+            <a:r>
+              <a:rPr lang="fr-FR" dirty="0" smtClean="0"/>
+              <a:t>JSX </a:t>
+            </a:r>
+            <a:r>
+              <a:rPr lang="fr-FR" dirty="0" err="1" smtClean="0"/>
+              <a:t>declarations</a:t>
+            </a:r>
+            <a:endParaRPr lang="fr-FR" dirty="0"/>
+          </a:p>
+        </p:txBody>
+      </p:sp>
+      <p:sp>
+        <p:nvSpPr>
+          <p:cNvPr id="14" name="Rectangle 13"/>
+          <p:cNvSpPr/>
+          <p:nvPr/>
+        </p:nvSpPr>
+        <p:spPr>
+          <a:xfrm>
+            <a:off x="190500" y="1854200"/>
+            <a:ext cx="1574800" cy="939800"/>
+          </a:xfrm>
+          <a:prstGeom prst="wedgeRectCallout">
+            <a:avLst>
+              <a:gd name="adj1" fmla="val 87393"/>
+              <a:gd name="adj2" fmla="val -15878"/>
+            </a:avLst>
+          </a:prstGeom>
+        </p:spPr>
+        <p:style>
+          <a:lnRef idx="2">
+            <a:schemeClr val="accent1">
+              <a:shade val="50000"/>
+            </a:schemeClr>
+          </a:lnRef>
+          <a:fillRef idx="1">
+            <a:schemeClr val="accent1"/>
+          </a:fillRef>
+          <a:effectRef idx="0">
+            <a:schemeClr val="accent1"/>
+          </a:effectRef>
+          <a:fontRef idx="minor">
+            <a:schemeClr val="lt1"/>
+          </a:fontRef>
+        </p:style>
+        <p:txBody>
+          <a:bodyPr rtlCol="0" anchor="ctr"/>
+          <a:lstStyle/>
+          <a:p>
+            <a:pPr algn="ctr"/>
+            <a:r>
+              <a:rPr lang="fr-FR" dirty="0" err="1" smtClean="0"/>
+              <a:t>Reusable</a:t>
             </a:r>
             <a:r>
               <a:rPr lang="fr-FR" dirty="0" smtClean="0"/>
               <a:t> </a:t>
             </a:r>
             <a:r>
-              <a:rPr lang="fr-FR" dirty="0" err="1" smtClean="0"/>
-              <a:t>functions</a:t>
-            </a:r>
-            <a:r>
-              <a:rPr lang="fr-FR" dirty="0" smtClean="0"/>
-              <a:t> to </a:t>
-            </a:r>
-            <a:r>
-              <a:rPr lang="fr-FR" dirty="0" err="1" smtClean="0"/>
-              <a:t>events</a:t>
-            </a:r>
-            <a:endParaRPr lang="fr-FR" dirty="0"/>
+              <a:rPr lang="fr-FR" b="1" dirty="0" smtClean="0"/>
+              <a:t>class</a:t>
+            </a:r>
+            <a:r>
+              <a:rPr lang="fr-FR" dirty="0" smtClean="0"/>
+              <a:t> or </a:t>
+            </a:r>
+            <a:r>
+              <a:rPr lang="fr-FR" b="1" dirty="0" err="1" smtClean="0"/>
+              <a:t>function</a:t>
+            </a:r>
+            <a:endParaRPr lang="fr-FR" b="1" dirty="0"/>
           </a:p>
         </p:txBody>
       </p:sp>
     </p:spTree>
     <p:extLst>
       <p:ext uri="{BB962C8B-B14F-4D97-AF65-F5344CB8AC3E}">
-        <p14:creationId xmlns:p14="http://schemas.microsoft.com/office/powerpoint/2010/main" xmlns="" val="3296308957"/>
+        <p14:creationId xmlns:p14="http://schemas.microsoft.com/office/powerpoint/2010/main" val="3296308957"/>
       </p:ext>
     </p:extLst>
   </p:cSld>
@@ -6263,7 +5986,7 @@
       </p:grpSpPr>
       <p:sp>
         <p:nvSpPr>
-          <p:cNvPr id="2" name="Titre 1"/>
+          <p:cNvPr id="2" name="Title 1"/>
           <p:cNvSpPr>
             <a:spLocks noGrp="1"/>
           </p:cNvSpPr>
@@ -6278,15 +6001,11 @@
           <a:p>
             <a:r>
               <a:rPr lang="fr-FR" dirty="0" err="1" smtClean="0"/>
-              <a:t>Rendering</a:t>
-            </a:r>
-            <a:r>
-              <a:rPr lang="fr-FR" dirty="0" smtClean="0"/>
-              <a:t> </a:t>
-            </a:r>
-            <a:r>
-              <a:rPr lang="fr-FR" dirty="0" err="1" smtClean="0"/>
-              <a:t>workflow</a:t>
+              <a:t>Adding</a:t>
+            </a:r>
+            <a:r>
+              <a:rPr lang="fr-FR" dirty="0" smtClean="0"/>
+              <a:t> user interactions</a:t>
             </a:r>
             <a:endParaRPr lang="fr-FR" dirty="0"/>
           </a:p>
@@ -6294,26 +6013,7 @@
       </p:sp>
       <p:sp>
         <p:nvSpPr>
-          <p:cNvPr id="3" name="Espace réservé du contenu 2"/>
-          <p:cNvSpPr>
-            <a:spLocks noGrp="1"/>
-          </p:cNvSpPr>
-          <p:nvPr>
-            <p:ph idx="1"/>
-          </p:nvPr>
-        </p:nvSpPr>
-        <p:spPr/>
-        <p:txBody>
-          <a:bodyPr/>
-          <a:lstStyle/>
-          <a:p>
-            <a:endParaRPr lang="fr-FR"/>
-          </a:p>
-        </p:txBody>
-      </p:sp>
-      <p:sp>
-        <p:nvSpPr>
-          <p:cNvPr id="4" name="Espace réservé de la date 3"/>
+          <p:cNvPr id="4" name="Date Placeholder 3"/>
           <p:cNvSpPr>
             <a:spLocks noGrp="1"/>
           </p:cNvSpPr>
@@ -6327,16 +6027,16 @@
           <a:lstStyle/>
           <a:p>
             <a:r>
-              <a:rPr lang="fr-FR" smtClean="0"/>
+              <a:rPr lang="fr-FR" dirty="0" smtClean="0"/>
               <a:t>2017</a:t>
             </a:r>
-            <a:endParaRPr lang="fr-FR"/>
-          </a:p>
-        </p:txBody>
-      </p:sp>
-      <p:sp>
-        <p:nvSpPr>
-          <p:cNvPr id="5" name="Espace réservé du pied de page 4"/>
+            <a:endParaRPr lang="fr-FR" dirty="0"/>
+          </a:p>
+        </p:txBody>
+      </p:sp>
+      <p:sp>
+        <p:nvSpPr>
+          <p:cNvPr id="5" name="Footer Placeholder 4"/>
           <p:cNvSpPr>
             <a:spLocks noGrp="1"/>
           </p:cNvSpPr>
@@ -6350,7 +6050,7 @@
           <a:lstStyle/>
           <a:p>
             <a:r>
-              <a:rPr lang="fr-FR" smtClean="0"/>
+              <a:rPr lang="fr-FR" dirty="0" smtClean="0"/>
               <a:t>cedric.hartland@gmail.com</a:t>
             </a:r>
             <a:endParaRPr lang="fr-FR" dirty="0"/>
@@ -6359,7 +6059,7 @@
       </p:sp>
       <p:sp>
         <p:nvSpPr>
-          <p:cNvPr id="6" name="Espace réservé du numéro de diapositive 5"/>
+          <p:cNvPr id="6" name="Slide Number Placeholder 5"/>
           <p:cNvSpPr>
             <a:spLocks noGrp="1"/>
           </p:cNvSpPr>
@@ -6377,11 +6077,402 @@
               <a:pPr/>
               <a:t>7</a:t>
             </a:fld>
-            <a:endParaRPr lang="fr-FR"/>
+            <a:endParaRPr lang="fr-FR" dirty="0"/>
+          </a:p>
+        </p:txBody>
+      </p:sp>
+      <p:sp>
+        <p:nvSpPr>
+          <p:cNvPr id="11" name="Rectangle 10"/>
+          <p:cNvSpPr/>
+          <p:nvPr/>
+        </p:nvSpPr>
+        <p:spPr>
+          <a:xfrm>
+            <a:off x="1851025" y="1714709"/>
+            <a:ext cx="8489950" cy="3970318"/>
+          </a:xfrm>
+          <a:prstGeom prst="rect">
+            <a:avLst/>
+          </a:prstGeom>
+          <a:solidFill>
+            <a:schemeClr val="bg1">
+              <a:lumMod val="95000"/>
+            </a:schemeClr>
+          </a:solidFill>
+          <a:effectLst>
+            <a:outerShdw blurRad="50800" dist="38100" dir="2700000" algn="tl" rotWithShape="0">
+              <a:prstClr val="black">
+                <a:alpha val="40000"/>
+              </a:prstClr>
+            </a:outerShdw>
+          </a:effectLst>
+        </p:spPr>
+        <p:txBody>
+          <a:bodyPr wrap="square">
+            <a:spAutoFit/>
+          </a:bodyPr>
+          <a:lstStyle/>
+          <a:p>
+            <a:r>
+              <a:rPr lang="fr-FR" b="1" dirty="0" smtClean="0">
+                <a:solidFill>
+                  <a:schemeClr val="accent5"/>
+                </a:solidFill>
+              </a:rPr>
+              <a:t>class</a:t>
+            </a:r>
+            <a:r>
+              <a:rPr lang="fr-FR" dirty="0" smtClean="0"/>
+              <a:t> </a:t>
+            </a:r>
+            <a:r>
+              <a:rPr lang="fr-FR" dirty="0" err="1" smtClean="0"/>
+              <a:t>Filter</a:t>
+            </a:r>
+            <a:r>
+              <a:rPr lang="fr-FR" dirty="0" smtClean="0"/>
+              <a:t> </a:t>
+            </a:r>
+            <a:r>
+              <a:rPr lang="fr-FR" b="1" dirty="0" err="1" smtClean="0">
+                <a:solidFill>
+                  <a:schemeClr val="accent5"/>
+                </a:solidFill>
+              </a:rPr>
+              <a:t>extends</a:t>
+            </a:r>
+            <a:r>
+              <a:rPr lang="fr-FR" dirty="0" smtClean="0"/>
+              <a:t> </a:t>
+            </a:r>
+            <a:r>
+              <a:rPr lang="fr-FR" dirty="0" err="1" smtClean="0"/>
+              <a:t>React.Component</a:t>
+            </a:r>
+            <a:r>
+              <a:rPr lang="fr-FR" dirty="0" smtClean="0"/>
+              <a:t> {</a:t>
+            </a:r>
+          </a:p>
+          <a:p>
+            <a:r>
+              <a:rPr lang="fr-FR" dirty="0" smtClean="0"/>
+              <a:t>  …</a:t>
+            </a:r>
+          </a:p>
+          <a:p>
+            <a:r>
+              <a:rPr lang="fr-FR" dirty="0" smtClean="0"/>
+              <a:t>  </a:t>
+            </a:r>
+            <a:r>
+              <a:rPr lang="fr-FR" dirty="0" err="1" smtClean="0">
+                <a:solidFill>
+                  <a:srgbClr val="7030A0"/>
+                </a:solidFill>
+              </a:rPr>
+              <a:t>render</a:t>
+            </a:r>
+            <a:r>
+              <a:rPr lang="fr-FR" dirty="0" smtClean="0"/>
+              <a:t>() {</a:t>
+            </a:r>
+          </a:p>
+          <a:p>
+            <a:r>
+              <a:rPr lang="fr-FR" dirty="0" smtClean="0"/>
+              <a:t>    </a:t>
+            </a:r>
+            <a:r>
+              <a:rPr lang="fr-FR" b="1" dirty="0" smtClean="0">
+                <a:solidFill>
+                  <a:schemeClr val="accent5"/>
+                </a:solidFill>
+              </a:rPr>
+              <a:t>return</a:t>
+            </a:r>
+            <a:r>
+              <a:rPr lang="fr-FR" dirty="0" smtClean="0"/>
+              <a:t> (</a:t>
+            </a:r>
+          </a:p>
+          <a:p>
+            <a:r>
+              <a:rPr lang="fr-FR" dirty="0" smtClean="0"/>
+              <a:t>      &lt;</a:t>
+            </a:r>
+            <a:r>
+              <a:rPr lang="fr-FR" dirty="0" err="1" smtClean="0">
+                <a:solidFill>
+                  <a:srgbClr val="C00000"/>
+                </a:solidFill>
+              </a:rPr>
+              <a:t>div</a:t>
+            </a:r>
+            <a:r>
+              <a:rPr lang="fr-FR" dirty="0" smtClean="0"/>
+              <a:t> </a:t>
+            </a:r>
+            <a:r>
+              <a:rPr lang="fr-FR" dirty="0" err="1" smtClean="0"/>
+              <a:t>className</a:t>
+            </a:r>
+            <a:r>
+              <a:rPr lang="fr-FR" dirty="0" smtClean="0"/>
+              <a:t>=</a:t>
+            </a:r>
+            <a:r>
+              <a:rPr lang="fr-FR" dirty="0" smtClean="0">
+                <a:solidFill>
+                  <a:schemeClr val="accent6">
+                    <a:lumMod val="75000"/>
+                  </a:schemeClr>
+                </a:solidFill>
+              </a:rPr>
+              <a:t>"</a:t>
+            </a:r>
+            <a:r>
+              <a:rPr lang="fr-FR" dirty="0" err="1" smtClean="0">
+                <a:solidFill>
+                  <a:schemeClr val="accent6">
+                    <a:lumMod val="75000"/>
+                  </a:schemeClr>
+                </a:solidFill>
+              </a:rPr>
+              <a:t>filter</a:t>
+            </a:r>
+            <a:r>
+              <a:rPr lang="fr-FR" dirty="0" smtClean="0">
+                <a:solidFill>
+                  <a:schemeClr val="accent6">
+                    <a:lumMod val="75000"/>
+                  </a:schemeClr>
+                </a:solidFill>
+              </a:rPr>
+              <a:t>-input"</a:t>
+            </a:r>
+            <a:r>
+              <a:rPr lang="fr-FR" dirty="0" smtClean="0"/>
+              <a:t>&gt;</a:t>
+            </a:r>
+          </a:p>
+          <a:p>
+            <a:r>
+              <a:rPr lang="fr-FR" dirty="0" smtClean="0"/>
+              <a:t>        &lt;</a:t>
+            </a:r>
+            <a:r>
+              <a:rPr lang="fr-FR" dirty="0" smtClean="0">
+                <a:solidFill>
+                  <a:srgbClr val="C00000"/>
+                </a:solidFill>
+              </a:rPr>
+              <a:t>input</a:t>
+            </a:r>
+          </a:p>
+          <a:p>
+            <a:r>
+              <a:rPr lang="fr-FR" dirty="0" smtClean="0"/>
+              <a:t>          type=</a:t>
+            </a:r>
+            <a:r>
+              <a:rPr lang="fr-FR" dirty="0" smtClean="0">
+                <a:solidFill>
+                  <a:schemeClr val="accent6">
+                    <a:lumMod val="75000"/>
+                  </a:schemeClr>
+                </a:solidFill>
+              </a:rPr>
+              <a:t>"</a:t>
+            </a:r>
+            <a:r>
+              <a:rPr lang="fr-FR" dirty="0" err="1" smtClean="0">
+                <a:solidFill>
+                  <a:schemeClr val="accent6">
+                    <a:lumMod val="75000"/>
+                  </a:schemeClr>
+                </a:solidFill>
+              </a:rPr>
+              <a:t>text</a:t>
+            </a:r>
+            <a:r>
+              <a:rPr lang="fr-FR" dirty="0" smtClean="0">
+                <a:solidFill>
+                  <a:schemeClr val="accent6">
+                    <a:lumMod val="75000"/>
+                  </a:schemeClr>
+                </a:solidFill>
+              </a:rPr>
+              <a:t>"</a:t>
+            </a:r>
+          </a:p>
+          <a:p>
+            <a:r>
+              <a:rPr lang="fr-FR" dirty="0" smtClean="0"/>
+              <a:t>          value={</a:t>
+            </a:r>
+            <a:r>
+              <a:rPr lang="fr-FR" dirty="0" err="1" smtClean="0"/>
+              <a:t>this.props.filterText</a:t>
+            </a:r>
+            <a:r>
+              <a:rPr lang="fr-FR" dirty="0" smtClean="0"/>
+              <a:t>}</a:t>
+            </a:r>
+          </a:p>
+          <a:p>
+            <a:r>
+              <a:rPr lang="fr-FR" dirty="0" smtClean="0"/>
+              <a:t>          </a:t>
+            </a:r>
+            <a:r>
+              <a:rPr lang="fr-FR" dirty="0" err="1" smtClean="0"/>
+              <a:t>placeholder</a:t>
+            </a:r>
+            <a:r>
+              <a:rPr lang="fr-FR" dirty="0" smtClean="0"/>
+              <a:t>={</a:t>
+            </a:r>
+            <a:r>
+              <a:rPr lang="fr-FR" dirty="0" err="1" smtClean="0"/>
+              <a:t>this.props.placeholder</a:t>
+            </a:r>
+            <a:r>
+              <a:rPr lang="fr-FR" dirty="0" smtClean="0"/>
+              <a:t>}</a:t>
+            </a:r>
+          </a:p>
+          <a:p>
+            <a:r>
+              <a:rPr lang="fr-FR" dirty="0" smtClean="0"/>
+              <a:t>          </a:t>
+            </a:r>
+            <a:r>
+              <a:rPr lang="fr-FR" dirty="0" err="1" smtClean="0"/>
+              <a:t>onChange</a:t>
+            </a:r>
+            <a:r>
+              <a:rPr lang="fr-FR" dirty="0" smtClean="0"/>
+              <a:t>={</a:t>
+            </a:r>
+            <a:r>
+              <a:rPr lang="fr-FR" dirty="0" err="1" smtClean="0"/>
+              <a:t>this.props.handleFilter</a:t>
+            </a:r>
+            <a:r>
+              <a:rPr lang="fr-FR" dirty="0" smtClean="0"/>
+              <a:t>}</a:t>
+            </a:r>
+          </a:p>
+          <a:p>
+            <a:r>
+              <a:rPr lang="fr-FR" dirty="0" smtClean="0"/>
+              <a:t>        /&gt;</a:t>
+            </a:r>
+          </a:p>
+          <a:p>
+            <a:r>
+              <a:rPr lang="fr-FR" dirty="0" smtClean="0"/>
+              <a:t>      &lt;/</a:t>
+            </a:r>
+            <a:r>
+              <a:rPr lang="fr-FR" dirty="0" err="1" smtClean="0">
+                <a:solidFill>
+                  <a:srgbClr val="C00000"/>
+                </a:solidFill>
+              </a:rPr>
+              <a:t>div</a:t>
+            </a:r>
+            <a:r>
+              <a:rPr lang="fr-FR" dirty="0" smtClean="0"/>
+              <a:t>&gt;);</a:t>
+            </a:r>
+          </a:p>
+          <a:p>
+            <a:r>
+              <a:rPr lang="fr-FR" dirty="0" smtClean="0"/>
+              <a:t>  }</a:t>
+            </a:r>
+          </a:p>
+          <a:p>
+            <a:r>
+              <a:rPr lang="fr-FR" dirty="0" smtClean="0"/>
+              <a:t>}</a:t>
+            </a:r>
+            <a:endParaRPr lang="fr-FR" dirty="0"/>
+          </a:p>
+        </p:txBody>
+      </p:sp>
+      <p:sp>
+        <p:nvSpPr>
+          <p:cNvPr id="12" name="Rectangle 11"/>
+          <p:cNvSpPr/>
+          <p:nvPr/>
+        </p:nvSpPr>
+        <p:spPr>
+          <a:xfrm>
+            <a:off x="190500" y="4356100"/>
+            <a:ext cx="1574800" cy="1295400"/>
+          </a:xfrm>
+          <a:prstGeom prst="wedgeRectCallout">
+            <a:avLst>
+              <a:gd name="adj1" fmla="val 91425"/>
+              <a:gd name="adj2" fmla="val -49370"/>
+            </a:avLst>
+          </a:prstGeom>
+        </p:spPr>
+        <p:style>
+          <a:lnRef idx="2">
+            <a:schemeClr val="accent1">
+              <a:shade val="50000"/>
+            </a:schemeClr>
+          </a:lnRef>
+          <a:fillRef idx="1">
+            <a:schemeClr val="accent1"/>
+          </a:fillRef>
+          <a:effectRef idx="0">
+            <a:schemeClr val="accent1"/>
+          </a:effectRef>
+          <a:fontRef idx="minor">
+            <a:schemeClr val="lt1"/>
+          </a:fontRef>
+        </p:style>
+        <p:txBody>
+          <a:bodyPr rtlCol="0" anchor="ctr"/>
+          <a:lstStyle/>
+          <a:p>
+            <a:pPr algn="ctr"/>
+            <a:r>
+              <a:rPr lang="fr-FR" dirty="0" err="1" smtClean="0"/>
+              <a:t>Bind</a:t>
+            </a:r>
+            <a:r>
+              <a:rPr lang="fr-FR" dirty="0" smtClean="0"/>
+              <a:t> </a:t>
+            </a:r>
+            <a:r>
+              <a:rPr lang="fr-FR" dirty="0" err="1" smtClean="0"/>
+              <a:t>functions</a:t>
+            </a:r>
+            <a:r>
+              <a:rPr lang="fr-FR" dirty="0" smtClean="0"/>
+              <a:t> to </a:t>
+            </a:r>
+            <a:r>
+              <a:rPr lang="fr-FR" dirty="0" err="1" smtClean="0"/>
+              <a:t>events</a:t>
+            </a:r>
+            <a:endParaRPr lang="fr-FR" dirty="0"/>
           </a:p>
         </p:txBody>
       </p:sp>
     </p:spTree>
+    <p:extLst>
+      <p:ext uri="{BB962C8B-B14F-4D97-AF65-F5344CB8AC3E}">
+        <p14:creationId xmlns:p14="http://schemas.microsoft.com/office/powerpoint/2010/main" val="3296308957"/>
+      </p:ext>
+    </p:extLst>
   </p:cSld>
   <p:clrMapOvr>
     <a:masterClrMapping/>
@@ -6415,7 +6506,7 @@
       </p:grpSpPr>
       <p:sp>
         <p:nvSpPr>
-          <p:cNvPr id="7" name="Title 6"/>
+          <p:cNvPr id="2" name="Titre 1"/>
           <p:cNvSpPr>
             <a:spLocks noGrp="1"/>
           </p:cNvSpPr>
@@ -6429,8 +6520,16 @@
           <a:lstStyle/>
           <a:p>
             <a:r>
-              <a:rPr lang="en-US" dirty="0" smtClean="0"/>
-              <a:t>Redux, a sweet introduction</a:t>
+              <a:rPr lang="fr-FR" dirty="0" err="1" smtClean="0"/>
+              <a:t>Rendering</a:t>
+            </a:r>
+            <a:r>
+              <a:rPr lang="fr-FR" dirty="0" smtClean="0"/>
+              <a:t> </a:t>
+            </a:r>
+            <a:r>
+              <a:rPr lang="fr-FR" dirty="0" err="1" smtClean="0"/>
+              <a:t>workflow</a:t>
             </a:r>
             <a:endParaRPr lang="fr-FR" dirty="0"/>
           </a:p>
@@ -6438,30 +6537,7 @@
       </p:sp>
       <p:sp>
         <p:nvSpPr>
-          <p:cNvPr id="8" name="Text Placeholder 7"/>
-          <p:cNvSpPr>
-            <a:spLocks noGrp="1"/>
-          </p:cNvSpPr>
-          <p:nvPr>
-            <p:ph type="body" idx="1"/>
-          </p:nvPr>
-        </p:nvSpPr>
-        <p:spPr/>
-        <p:txBody>
-          <a:bodyPr/>
-          <a:lstStyle/>
-          <a:p>
-            <a:r>
-              <a:rPr lang="en-US" dirty="0" smtClean="0"/>
-              <a:t>Single source of truth, read-only state, pure functions</a:t>
-            </a:r>
-            <a:endParaRPr lang="fr-FR" dirty="0"/>
-          </a:p>
-        </p:txBody>
-      </p:sp>
-      <p:sp>
-        <p:nvSpPr>
-          <p:cNvPr id="4" name="Date Placeholder 3"/>
+          <p:cNvPr id="4" name="Espace réservé de la date 3"/>
           <p:cNvSpPr>
             <a:spLocks noGrp="1"/>
           </p:cNvSpPr>
@@ -6484,7 +6560,7 @@
       </p:sp>
       <p:sp>
         <p:nvSpPr>
-          <p:cNvPr id="5" name="Footer Placeholder 4"/>
+          <p:cNvPr id="5" name="Espace réservé du pied de page 4"/>
           <p:cNvSpPr>
             <a:spLocks noGrp="1"/>
           </p:cNvSpPr>
@@ -6507,7 +6583,7 @@
       </p:sp>
       <p:sp>
         <p:nvSpPr>
-          <p:cNvPr id="6" name="Slide Number Placeholder 5"/>
+          <p:cNvPr id="6" name="Espace réservé du numéro de diapositive 5"/>
           <p:cNvSpPr>
             <a:spLocks noGrp="1"/>
           </p:cNvSpPr>
@@ -6529,12 +6605,31 @@
           </a:p>
         </p:txBody>
       </p:sp>
+      <p:pic>
+        <p:nvPicPr>
+          <p:cNvPr id="8" name="Picture 7"/>
+          <p:cNvPicPr>
+            <a:picLocks noChangeAspect="1"/>
+          </p:cNvPicPr>
+          <p:nvPr/>
+        </p:nvPicPr>
+        <p:blipFill>
+          <a:blip r:embed="rId2"/>
+          <a:stretch>
+            <a:fillRect/>
+          </a:stretch>
+        </p:blipFill>
+        <p:spPr>
+          <a:xfrm>
+            <a:off x="376063" y="1416908"/>
+            <a:ext cx="11439874" cy="4748084"/>
+          </a:xfrm>
+          <a:prstGeom prst="rect">
+            <a:avLst/>
+          </a:prstGeom>
+        </p:spPr>
+      </p:pic>
     </p:spTree>
-    <p:extLst>
-      <p:ext uri="{BB962C8B-B14F-4D97-AF65-F5344CB8AC3E}">
-        <p14:creationId xmlns:p14="http://schemas.microsoft.com/office/powerpoint/2010/main" xmlns="" val="188073970"/>
-      </p:ext>
-    </p:extLst>
   </p:cSld>
   <p:clrMapOvr>
     <a:masterClrMapping/>
@@ -6581,26 +6676,34 @@
           <a:bodyPr/>
           <a:lstStyle/>
           <a:p>
-            <a:endParaRPr lang="fr-FR"/>
-          </a:p>
-        </p:txBody>
-      </p:sp>
-      <p:sp>
-        <p:nvSpPr>
-          <p:cNvPr id="8" name="Content Placeholder 7"/>
-          <p:cNvSpPr>
-            <a:spLocks noGrp="1"/>
-          </p:cNvSpPr>
-          <p:nvPr>
-            <p:ph idx="1"/>
-          </p:nvPr>
-        </p:nvSpPr>
-        <p:spPr/>
-        <p:txBody>
-          <a:bodyPr/>
-          <a:lstStyle/>
-          <a:p>
-            <a:endParaRPr lang="fr-FR"/>
+            <a:r>
+              <a:rPr lang="en-US" dirty="0" smtClean="0"/>
+              <a:t>Redux, a sweet introduction</a:t>
+            </a:r>
+            <a:endParaRPr lang="fr-FR" dirty="0"/>
+          </a:p>
+        </p:txBody>
+      </p:sp>
+      <p:sp>
+        <p:nvSpPr>
+          <p:cNvPr id="8" name="Text Placeholder 7"/>
+          <p:cNvSpPr>
+            <a:spLocks noGrp="1"/>
+          </p:cNvSpPr>
+          <p:nvPr>
+            <p:ph type="body" idx="1"/>
+          </p:nvPr>
+        </p:nvSpPr>
+        <p:spPr/>
+        <p:txBody>
+          <a:bodyPr/>
+          <a:lstStyle/>
+          <a:p>
+            <a:r>
+              <a:rPr lang="en-US" dirty="0" smtClean="0"/>
+              <a:t>Single source of truth, read-only state, pure functions</a:t>
+            </a:r>
+            <a:endParaRPr lang="fr-FR" dirty="0"/>
           </a:p>
         </p:txBody>
       </p:sp>
@@ -6646,7 +6749,7 @@
               <a:rPr lang="fr-FR" smtClean="0"/>
               <a:t>cedric.hartland@gmail.com</a:t>
             </a:r>
-            <a:endParaRPr lang="fr-FR"/>
+            <a:endParaRPr lang="fr-FR" dirty="0"/>
           </a:p>
         </p:txBody>
       </p:sp>
@@ -6677,7 +6780,7 @@
     </p:spTree>
     <p:extLst>
       <p:ext uri="{BB962C8B-B14F-4D97-AF65-F5344CB8AC3E}">
-        <p14:creationId xmlns:p14="http://schemas.microsoft.com/office/powerpoint/2010/main" xmlns="" val="3916897931"/>
+        <p14:creationId xmlns:p14="http://schemas.microsoft.com/office/powerpoint/2010/main" val="188073970"/>
       </p:ext>
     </p:extLst>
   </p:cSld>
@@ -6949,7 +7052,7 @@
   <a:extraClrSchemeLst/>
   <a:extLst>
     <a:ext uri="{05A4C25C-085E-4340-85A3-A5531E510DB2}">
-      <thm15:themeFamily xmlns:thm15="http://schemas.microsoft.com/office/thememl/2012/main" xmlns="" name="Office Theme" id="{62F939B6-93AF-4DB8-9C6B-D6C7DFDC589F}" vid="{4A3C46E8-61CC-4603-A589-7422A47A8E4A}"/>
+      <thm15:themeFamily xmlns:thm15="http://schemas.microsoft.com/office/thememl/2012/main" name="Office Theme" id="{62F939B6-93AF-4DB8-9C6B-D6C7DFDC589F}" vid="{4A3C46E8-61CC-4603-A589-7422A47A8E4A}"/>
     </a:ext>
   </a:extLst>
 </a:theme>
@@ -7210,7 +7313,7 @@
   <a:extraClrSchemeLst/>
   <a:extLst>
     <a:ext uri="{05A4C25C-085E-4340-85A3-A5531E510DB2}">
-      <thm15:themeFamily xmlns:thm15="http://schemas.microsoft.com/office/thememl/2012/main" xmlns="" name="Office Theme" id="{62F939B6-93AF-4DB8-9C6B-D6C7DFDC589F}" vid="{4A3C46E8-61CC-4603-A589-7422A47A8E4A}"/>
+      <thm15:themeFamily xmlns:thm15="http://schemas.microsoft.com/office/thememl/2012/main" name="Office Theme" id="{62F939B6-93AF-4DB8-9C6B-D6C7DFDC589F}" vid="{4A3C46E8-61CC-4603-A589-7422A47A8E4A}"/>
     </a:ext>
   </a:extLst>
 </a:theme>

--- a/docs/React & Redux.pptx
+++ b/docs/React & Redux.pptx
@@ -5,7 +5,7 @@
     <p:sldMasterId id="2147483648" r:id="rId1"/>
   </p:sldMasterIdLst>
   <p:notesMasterIdLst>
-    <p:notesMasterId r:id="rId14"/>
+    <p:notesMasterId r:id="rId17"/>
   </p:notesMasterIdLst>
   <p:sldIdLst>
     <p:sldId id="256" r:id="rId2"/>
@@ -16,10 +16,13 @@
     <p:sldId id="260" r:id="rId7"/>
     <p:sldId id="266" r:id="rId8"/>
     <p:sldId id="267" r:id="rId9"/>
-    <p:sldId id="261" r:id="rId10"/>
-    <p:sldId id="264" r:id="rId11"/>
-    <p:sldId id="262" r:id="rId12"/>
-    <p:sldId id="263" r:id="rId13"/>
+    <p:sldId id="269" r:id="rId10"/>
+    <p:sldId id="270" r:id="rId11"/>
+    <p:sldId id="271" r:id="rId12"/>
+    <p:sldId id="261" r:id="rId13"/>
+    <p:sldId id="264" r:id="rId14"/>
+    <p:sldId id="262" r:id="rId15"/>
+    <p:sldId id="263" r:id="rId16"/>
   </p:sldIdLst>
   <p:sldSz cx="12192000" cy="6858000"/>
   <p:notesSz cx="6858000" cy="9144000"/>
@@ -135,6 +138,9 @@
             <p14:sldId id="260"/>
             <p14:sldId id="266"/>
             <p14:sldId id="267"/>
+            <p14:sldId id="269"/>
+            <p14:sldId id="270"/>
+            <p14:sldId id="271"/>
           </p14:sldIdLst>
         </p14:section>
         <p14:section name="Redux" id="{16342404-4B47-46E4-8E67-21489C16DD5A}">
@@ -3921,7 +3927,7 @@
       </p:grpSpPr>
       <p:sp>
         <p:nvSpPr>
-          <p:cNvPr id="7" name="Title 6"/>
+          <p:cNvPr id="2" name="Title 1"/>
           <p:cNvSpPr>
             <a:spLocks noGrp="1"/>
           </p:cNvSpPr>
@@ -3934,13 +3940,17 @@
           <a:bodyPr/>
           <a:lstStyle/>
           <a:p>
-            <a:endParaRPr lang="fr-FR"/>
-          </a:p>
-        </p:txBody>
-      </p:sp>
-      <p:sp>
-        <p:nvSpPr>
-          <p:cNvPr id="8" name="Content Placeholder 7"/>
+            <a:r>
+              <a:rPr lang="en-US" dirty="0" smtClean="0"/>
+              <a:t>React</a:t>
+            </a:r>
+            <a:endParaRPr lang="fr-FR" dirty="0"/>
+          </a:p>
+        </p:txBody>
+      </p:sp>
+      <p:sp>
+        <p:nvSpPr>
+          <p:cNvPr id="3" name="Content Placeholder 2"/>
           <p:cNvSpPr>
             <a:spLocks noGrp="1"/>
           </p:cNvSpPr>
@@ -3950,10 +3960,98 @@
         </p:nvSpPr>
         <p:spPr/>
         <p:txBody>
-          <a:bodyPr/>
-          <a:lstStyle/>
-          <a:p>
-            <a:endParaRPr lang="fr-FR"/>
+          <a:bodyPr>
+            <a:normAutofit lnSpcReduction="10000"/>
+          </a:bodyPr>
+          <a:lstStyle/>
+          <a:p>
+            <a:r>
+              <a:rPr lang="en-US" dirty="0" smtClean="0"/>
+              <a:t>A few words before moving to next topic… </a:t>
+            </a:r>
+          </a:p>
+          <a:p>
+            <a:pPr lvl="1"/>
+            <a:r>
+              <a:rPr lang="en-US" dirty="0" smtClean="0"/>
+              <a:t>…just in case it was not that clear</a:t>
+            </a:r>
+          </a:p>
+          <a:p>
+            <a:pPr lvl="1"/>
+            <a:endParaRPr lang="en-US" dirty="0"/>
+          </a:p>
+          <a:p>
+            <a:r>
+              <a:rPr lang="en-US" dirty="0" smtClean="0"/>
+              <a:t>React is designed in a declarative way</a:t>
+            </a:r>
+          </a:p>
+          <a:p>
+            <a:pPr lvl="1"/>
+            <a:r>
+              <a:rPr lang="en-US" dirty="0" smtClean="0"/>
+              <a:t>It can define it’s own internal state, but…</a:t>
+            </a:r>
+            <a:endParaRPr lang="fr-FR" dirty="0" smtClean="0"/>
+          </a:p>
+          <a:p>
+            <a:pPr lvl="1"/>
+            <a:r>
+              <a:rPr lang="en-US" dirty="0" smtClean="0"/>
+              <a:t>...most components will always return same content for given input and not hold internal state </a:t>
+            </a:r>
+            <a:r>
+              <a:rPr lang="en-US" sz="1800" dirty="0" smtClean="0">
+                <a:solidFill>
+                  <a:schemeClr val="accent6"/>
+                </a:solidFill>
+              </a:rPr>
+              <a:t>dumb components</a:t>
+            </a:r>
+          </a:p>
+          <a:p>
+            <a:endParaRPr lang="en-US" dirty="0" smtClean="0"/>
+          </a:p>
+          <a:p>
+            <a:r>
+              <a:rPr lang="en-US" b="1" dirty="0" smtClean="0"/>
+              <a:t>No more </a:t>
+            </a:r>
+            <a:r>
+              <a:rPr lang="en-US" dirty="0" err="1" smtClean="0"/>
+              <a:t>jquery</a:t>
+            </a:r>
+            <a:r>
+              <a:rPr lang="en-US" dirty="0"/>
+              <a:t>,</a:t>
+            </a:r>
+            <a:r>
+              <a:rPr lang="en-US" dirty="0" smtClean="0"/>
+              <a:t> backbone or whatever </a:t>
+            </a:r>
+            <a:r>
+              <a:rPr lang="en-US" b="1" dirty="0" smtClean="0"/>
+              <a:t>rendering tweaks </a:t>
+            </a:r>
+            <a:r>
+              <a:rPr lang="en-US" dirty="0" smtClean="0"/>
+              <a:t>on user  interactions or from other sources</a:t>
+            </a:r>
+          </a:p>
+          <a:p>
+            <a:pPr lvl="1"/>
+            <a:r>
+              <a:rPr lang="en-US" dirty="0" smtClean="0"/>
+              <a:t>A single DOM source of truth is the output of render function</a:t>
+            </a:r>
+          </a:p>
+          <a:p>
+            <a:pPr lvl="1"/>
+            <a:r>
+              <a:rPr lang="en-US" dirty="0" smtClean="0"/>
+              <a:t>Application state is not held in component ! </a:t>
+            </a:r>
           </a:p>
         </p:txBody>
       </p:sp>
@@ -3999,7 +4097,7 @@
               <a:rPr lang="fr-FR" smtClean="0"/>
               <a:t>cedric.hartland@gmail.com</a:t>
             </a:r>
-            <a:endParaRPr lang="fr-FR"/>
+            <a:endParaRPr lang="fr-FR" dirty="0"/>
           </a:p>
         </p:txBody>
       </p:sp>
@@ -4022,6 +4120,439 @@
               <a:rPr lang="fr-FR" smtClean="0"/>
               <a:pPr/>
               <a:t>10</a:t>
+            </a:fld>
+            <a:endParaRPr lang="fr-FR"/>
+          </a:p>
+        </p:txBody>
+      </p:sp>
+    </p:spTree>
+    <p:extLst>
+      <p:ext uri="{BB962C8B-B14F-4D97-AF65-F5344CB8AC3E}">
+        <p14:creationId xmlns:p14="http://schemas.microsoft.com/office/powerpoint/2010/main" val="2829083960"/>
+      </p:ext>
+    </p:extLst>
+  </p:cSld>
+  <p:clrMapOvr>
+    <a:masterClrMapping/>
+  </p:clrMapOvr>
+</p:sld>
+</file>
+
+<file path=ppt/slides/slide11.xml><?xml version="1.0" encoding="utf-8"?>
+<p:sld xmlns:a="http://schemas.openxmlformats.org/drawingml/2006/main" xmlns:r="http://schemas.openxmlformats.org/officeDocument/2006/relationships" xmlns:p="http://schemas.openxmlformats.org/presentationml/2006/main">
+  <p:cSld>
+    <p:spTree>
+      <p:nvGrpSpPr>
+        <p:cNvPr id="1" name=""/>
+        <p:cNvGrpSpPr/>
+        <p:nvPr/>
+      </p:nvGrpSpPr>
+      <p:grpSpPr>
+        <a:xfrm>
+          <a:off x="0" y="0"/>
+          <a:ext cx="0" cy="0"/>
+          <a:chOff x="0" y="0"/>
+          <a:chExt cx="0" cy="0"/>
+        </a:xfrm>
+      </p:grpSpPr>
+      <p:sp>
+        <p:nvSpPr>
+          <p:cNvPr id="2" name="Title 1"/>
+          <p:cNvSpPr>
+            <a:spLocks noGrp="1"/>
+          </p:cNvSpPr>
+          <p:nvPr>
+            <p:ph type="title"/>
+          </p:nvPr>
+        </p:nvSpPr>
+        <p:spPr/>
+        <p:txBody>
+          <a:bodyPr/>
+          <a:lstStyle/>
+          <a:p>
+            <a:r>
+              <a:rPr lang="en-US" dirty="0" smtClean="0"/>
+              <a:t>React</a:t>
+            </a:r>
+            <a:endParaRPr lang="fr-FR" dirty="0"/>
+          </a:p>
+        </p:txBody>
+      </p:sp>
+      <p:sp>
+        <p:nvSpPr>
+          <p:cNvPr id="3" name="Content Placeholder 2"/>
+          <p:cNvSpPr>
+            <a:spLocks noGrp="1"/>
+          </p:cNvSpPr>
+          <p:nvPr>
+            <p:ph idx="1"/>
+          </p:nvPr>
+        </p:nvSpPr>
+        <p:spPr/>
+        <p:txBody>
+          <a:bodyPr/>
+          <a:lstStyle/>
+          <a:p>
+            <a:endParaRPr lang="fr-FR"/>
+          </a:p>
+        </p:txBody>
+      </p:sp>
+      <p:sp>
+        <p:nvSpPr>
+          <p:cNvPr id="4" name="Date Placeholder 3"/>
+          <p:cNvSpPr>
+            <a:spLocks noGrp="1"/>
+          </p:cNvSpPr>
+          <p:nvPr>
+            <p:ph type="dt" sz="half" idx="10"/>
+          </p:nvPr>
+        </p:nvSpPr>
+        <p:spPr/>
+        <p:txBody>
+          <a:bodyPr/>
+          <a:lstStyle/>
+          <a:p>
+            <a:r>
+              <a:rPr lang="fr-FR" smtClean="0"/>
+              <a:t>2017</a:t>
+            </a:r>
+            <a:endParaRPr lang="fr-FR"/>
+          </a:p>
+        </p:txBody>
+      </p:sp>
+      <p:sp>
+        <p:nvSpPr>
+          <p:cNvPr id="5" name="Footer Placeholder 4"/>
+          <p:cNvSpPr>
+            <a:spLocks noGrp="1"/>
+          </p:cNvSpPr>
+          <p:nvPr>
+            <p:ph type="ftr" sz="quarter" idx="11"/>
+          </p:nvPr>
+        </p:nvSpPr>
+        <p:spPr/>
+        <p:txBody>
+          <a:bodyPr/>
+          <a:lstStyle/>
+          <a:p>
+            <a:r>
+              <a:rPr lang="fr-FR" smtClean="0"/>
+              <a:t>cedric.hartland@gmail.com</a:t>
+            </a:r>
+            <a:endParaRPr lang="fr-FR" dirty="0"/>
+          </a:p>
+        </p:txBody>
+      </p:sp>
+      <p:sp>
+        <p:nvSpPr>
+          <p:cNvPr id="6" name="Slide Number Placeholder 5"/>
+          <p:cNvSpPr>
+            <a:spLocks noGrp="1"/>
+          </p:cNvSpPr>
+          <p:nvPr>
+            <p:ph type="sldNum" sz="quarter" idx="12"/>
+          </p:nvPr>
+        </p:nvSpPr>
+        <p:spPr/>
+        <p:txBody>
+          <a:bodyPr/>
+          <a:lstStyle/>
+          <a:p>
+            <a:fld id="{44139E8D-6066-4080-AC46-DB89673BFC8E}" type="slidenum">
+              <a:rPr lang="fr-FR" smtClean="0"/>
+              <a:pPr/>
+              <a:t>11</a:t>
+            </a:fld>
+            <a:endParaRPr lang="fr-FR"/>
+          </a:p>
+        </p:txBody>
+      </p:sp>
+    </p:spTree>
+    <p:extLst>
+      <p:ext uri="{BB962C8B-B14F-4D97-AF65-F5344CB8AC3E}">
+        <p14:creationId xmlns:p14="http://schemas.microsoft.com/office/powerpoint/2010/main" val="1464338354"/>
+      </p:ext>
+    </p:extLst>
+  </p:cSld>
+  <p:clrMapOvr>
+    <a:masterClrMapping/>
+  </p:clrMapOvr>
+</p:sld>
+</file>
+
+<file path=ppt/slides/slide12.xml><?xml version="1.0" encoding="utf-8"?>
+<p:sld xmlns:a="http://schemas.openxmlformats.org/drawingml/2006/main" xmlns:r="http://schemas.openxmlformats.org/officeDocument/2006/relationships" xmlns:p="http://schemas.openxmlformats.org/presentationml/2006/main">
+  <p:cSld>
+    <p:spTree>
+      <p:nvGrpSpPr>
+        <p:cNvPr id="1" name=""/>
+        <p:cNvGrpSpPr/>
+        <p:nvPr/>
+      </p:nvGrpSpPr>
+      <p:grpSpPr>
+        <a:xfrm>
+          <a:off x="0" y="0"/>
+          <a:ext cx="0" cy="0"/>
+          <a:chOff x="0" y="0"/>
+          <a:chExt cx="0" cy="0"/>
+        </a:xfrm>
+      </p:grpSpPr>
+      <p:sp>
+        <p:nvSpPr>
+          <p:cNvPr id="7" name="Title 6"/>
+          <p:cNvSpPr>
+            <a:spLocks noGrp="1"/>
+          </p:cNvSpPr>
+          <p:nvPr>
+            <p:ph type="title"/>
+          </p:nvPr>
+        </p:nvSpPr>
+        <p:spPr/>
+        <p:txBody>
+          <a:bodyPr/>
+          <a:lstStyle/>
+          <a:p>
+            <a:r>
+              <a:rPr lang="en-US" dirty="0" smtClean="0"/>
+              <a:t>Redux, a sweet introduction</a:t>
+            </a:r>
+            <a:endParaRPr lang="fr-FR" dirty="0"/>
+          </a:p>
+        </p:txBody>
+      </p:sp>
+      <p:sp>
+        <p:nvSpPr>
+          <p:cNvPr id="8" name="Text Placeholder 7"/>
+          <p:cNvSpPr>
+            <a:spLocks noGrp="1"/>
+          </p:cNvSpPr>
+          <p:nvPr>
+            <p:ph type="body" idx="1"/>
+          </p:nvPr>
+        </p:nvSpPr>
+        <p:spPr/>
+        <p:txBody>
+          <a:bodyPr/>
+          <a:lstStyle/>
+          <a:p>
+            <a:r>
+              <a:rPr lang="en-US" dirty="0" smtClean="0"/>
+              <a:t>Single source of truth, read-only state, pure functions</a:t>
+            </a:r>
+            <a:endParaRPr lang="fr-FR" dirty="0"/>
+          </a:p>
+        </p:txBody>
+      </p:sp>
+      <p:sp>
+        <p:nvSpPr>
+          <p:cNvPr id="4" name="Date Placeholder 3"/>
+          <p:cNvSpPr>
+            <a:spLocks noGrp="1"/>
+          </p:cNvSpPr>
+          <p:nvPr>
+            <p:ph type="dt" sz="half" idx="10"/>
+          </p:nvPr>
+        </p:nvSpPr>
+        <p:spPr/>
+        <p:txBody>
+          <a:bodyPr/>
+          <a:lstStyle/>
+          <a:p>
+            <a:r>
+              <a:rPr lang="fr-FR" smtClean="0"/>
+              <a:t>2017</a:t>
+            </a:r>
+            <a:endParaRPr lang="fr-FR"/>
+          </a:p>
+        </p:txBody>
+      </p:sp>
+      <p:sp>
+        <p:nvSpPr>
+          <p:cNvPr id="5" name="Footer Placeholder 4"/>
+          <p:cNvSpPr>
+            <a:spLocks noGrp="1"/>
+          </p:cNvSpPr>
+          <p:nvPr>
+            <p:ph type="ftr" sz="quarter" idx="11"/>
+          </p:nvPr>
+        </p:nvSpPr>
+        <p:spPr/>
+        <p:txBody>
+          <a:bodyPr/>
+          <a:lstStyle/>
+          <a:p>
+            <a:r>
+              <a:rPr lang="fr-FR" smtClean="0"/>
+              <a:t>cedric.hartland@gmail.com</a:t>
+            </a:r>
+            <a:endParaRPr lang="fr-FR" dirty="0"/>
+          </a:p>
+        </p:txBody>
+      </p:sp>
+      <p:sp>
+        <p:nvSpPr>
+          <p:cNvPr id="6" name="Slide Number Placeholder 5"/>
+          <p:cNvSpPr>
+            <a:spLocks noGrp="1"/>
+          </p:cNvSpPr>
+          <p:nvPr>
+            <p:ph type="sldNum" sz="quarter" idx="12"/>
+          </p:nvPr>
+        </p:nvSpPr>
+        <p:spPr/>
+        <p:txBody>
+          <a:bodyPr/>
+          <a:lstStyle/>
+          <a:p>
+            <a:fld id="{44139E8D-6066-4080-AC46-DB89673BFC8E}" type="slidenum">
+              <a:rPr lang="fr-FR" smtClean="0"/>
+              <a:pPr/>
+              <a:t>12</a:t>
+            </a:fld>
+            <a:endParaRPr lang="fr-FR"/>
+          </a:p>
+        </p:txBody>
+      </p:sp>
+    </p:spTree>
+    <p:extLst>
+      <p:ext uri="{BB962C8B-B14F-4D97-AF65-F5344CB8AC3E}">
+        <p14:creationId xmlns:p14="http://schemas.microsoft.com/office/powerpoint/2010/main" val="188073970"/>
+      </p:ext>
+    </p:extLst>
+  </p:cSld>
+  <p:clrMapOvr>
+    <a:masterClrMapping/>
+  </p:clrMapOvr>
+  <p:timing>
+    <p:tnLst>
+      <p:par>
+        <p:cTn id="1" dur="indefinite" restart="never" nodeType="tmRoot"/>
+      </p:par>
+    </p:tnLst>
+  </p:timing>
+</p:sld>
+</file>
+
+<file path=ppt/slides/slide13.xml><?xml version="1.0" encoding="utf-8"?>
+<p:sld xmlns:a="http://schemas.openxmlformats.org/drawingml/2006/main" xmlns:r="http://schemas.openxmlformats.org/officeDocument/2006/relationships" xmlns:p="http://schemas.openxmlformats.org/presentationml/2006/main">
+  <p:cSld>
+    <p:spTree>
+      <p:nvGrpSpPr>
+        <p:cNvPr id="1" name=""/>
+        <p:cNvGrpSpPr/>
+        <p:nvPr/>
+      </p:nvGrpSpPr>
+      <p:grpSpPr>
+        <a:xfrm>
+          <a:off x="0" y="0"/>
+          <a:ext cx="0" cy="0"/>
+          <a:chOff x="0" y="0"/>
+          <a:chExt cx="0" cy="0"/>
+        </a:xfrm>
+      </p:grpSpPr>
+      <p:sp>
+        <p:nvSpPr>
+          <p:cNvPr id="7" name="Title 6"/>
+          <p:cNvSpPr>
+            <a:spLocks noGrp="1"/>
+          </p:cNvSpPr>
+          <p:nvPr>
+            <p:ph type="title"/>
+          </p:nvPr>
+        </p:nvSpPr>
+        <p:spPr/>
+        <p:txBody>
+          <a:bodyPr/>
+          <a:lstStyle/>
+          <a:p>
+            <a:endParaRPr lang="fr-FR"/>
+          </a:p>
+        </p:txBody>
+      </p:sp>
+      <p:sp>
+        <p:nvSpPr>
+          <p:cNvPr id="8" name="Content Placeholder 7"/>
+          <p:cNvSpPr>
+            <a:spLocks noGrp="1"/>
+          </p:cNvSpPr>
+          <p:nvPr>
+            <p:ph idx="1"/>
+          </p:nvPr>
+        </p:nvSpPr>
+        <p:spPr/>
+        <p:txBody>
+          <a:bodyPr/>
+          <a:lstStyle/>
+          <a:p>
+            <a:endParaRPr lang="fr-FR"/>
+          </a:p>
+        </p:txBody>
+      </p:sp>
+      <p:sp>
+        <p:nvSpPr>
+          <p:cNvPr id="4" name="Date Placeholder 3"/>
+          <p:cNvSpPr>
+            <a:spLocks noGrp="1"/>
+          </p:cNvSpPr>
+          <p:nvPr>
+            <p:ph type="dt" sz="half" idx="10"/>
+          </p:nvPr>
+        </p:nvSpPr>
+        <p:spPr/>
+        <p:txBody>
+          <a:bodyPr/>
+          <a:lstStyle/>
+          <a:p>
+            <a:r>
+              <a:rPr lang="fr-FR" smtClean="0"/>
+              <a:t>2017</a:t>
+            </a:r>
+            <a:endParaRPr lang="fr-FR"/>
+          </a:p>
+        </p:txBody>
+      </p:sp>
+      <p:sp>
+        <p:nvSpPr>
+          <p:cNvPr id="5" name="Footer Placeholder 4"/>
+          <p:cNvSpPr>
+            <a:spLocks noGrp="1"/>
+          </p:cNvSpPr>
+          <p:nvPr>
+            <p:ph type="ftr" sz="quarter" idx="11"/>
+          </p:nvPr>
+        </p:nvSpPr>
+        <p:spPr/>
+        <p:txBody>
+          <a:bodyPr/>
+          <a:lstStyle/>
+          <a:p>
+            <a:r>
+              <a:rPr lang="fr-FR" smtClean="0"/>
+              <a:t>cedric.hartland@gmail.com</a:t>
+            </a:r>
+            <a:endParaRPr lang="fr-FR"/>
+          </a:p>
+        </p:txBody>
+      </p:sp>
+      <p:sp>
+        <p:nvSpPr>
+          <p:cNvPr id="6" name="Slide Number Placeholder 5"/>
+          <p:cNvSpPr>
+            <a:spLocks noGrp="1"/>
+          </p:cNvSpPr>
+          <p:nvPr>
+            <p:ph type="sldNum" sz="quarter" idx="12"/>
+          </p:nvPr>
+        </p:nvSpPr>
+        <p:spPr/>
+        <p:txBody>
+          <a:bodyPr/>
+          <a:lstStyle/>
+          <a:p>
+            <a:fld id="{44139E8D-6066-4080-AC46-DB89673BFC8E}" type="slidenum">
+              <a:rPr lang="fr-FR" smtClean="0"/>
+              <a:pPr/>
+              <a:t>13</a:t>
             </a:fld>
             <a:endParaRPr lang="fr-FR"/>
           </a:p>
@@ -4047,7 +4578,7 @@
 </p:sld>
 </file>
 
-<file path=ppt/slides/slide11.xml><?xml version="1.0" encoding="utf-8"?>
+<file path=ppt/slides/slide14.xml><?xml version="1.0" encoding="utf-8"?>
 <p:sld xmlns:a="http://schemas.openxmlformats.org/drawingml/2006/main" xmlns:r="http://schemas.openxmlformats.org/officeDocument/2006/relationships" xmlns:p="http://schemas.openxmlformats.org/presentationml/2006/main">
   <p:cSld>
     <p:spTree>
@@ -4174,7 +4705,7 @@
             <a:fld id="{44139E8D-6066-4080-AC46-DB89673BFC8E}" type="slidenum">
               <a:rPr lang="fr-FR" smtClean="0"/>
               <a:pPr/>
-              <a:t>11</a:t>
+              <a:t>14</a:t>
             </a:fld>
             <a:endParaRPr lang="fr-FR"/>
           </a:p>
@@ -4200,7 +4731,7 @@
 </p:sld>
 </file>
 
-<file path=ppt/slides/slide12.xml><?xml version="1.0" encoding="utf-8"?>
+<file path=ppt/slides/slide15.xml><?xml version="1.0" encoding="utf-8"?>
 <p:sld xmlns:a="http://schemas.openxmlformats.org/drawingml/2006/main" xmlns:r="http://schemas.openxmlformats.org/officeDocument/2006/relationships" xmlns:p="http://schemas.openxmlformats.org/presentationml/2006/main">
   <p:cSld>
     <p:spTree>
@@ -4327,7 +4858,7 @@
             <a:fld id="{44139E8D-6066-4080-AC46-DB89673BFC8E}" type="slidenum">
               <a:rPr lang="fr-FR" smtClean="0"/>
               <a:pPr/>
-              <a:t>12</a:t>
+              <a:t>15</a:t>
             </a:fld>
             <a:endParaRPr lang="fr-FR"/>
           </a:p>
@@ -4716,7 +5247,7 @@
         </p:nvSpPr>
         <p:spPr/>
         <p:txBody>
-          <a:bodyPr>
+          <a:bodyPr anchor="ctr">
             <a:normAutofit/>
           </a:bodyPr>
           <a:lstStyle/>
@@ -4838,9 +5369,30 @@
               </a:rPr>
               <a:t>please</a:t>
             </a:r>
+          </a:p>
+          <a:p>
+            <a:pPr lvl="1"/>
+            <a:endParaRPr lang="en-US" sz="1800" dirty="0">
+              <a:solidFill>
+                <a:schemeClr val="accent6"/>
+              </a:solidFill>
+            </a:endParaRPr>
+          </a:p>
+          <a:p>
+            <a:pPr marL="0" indent="0" algn="ctr">
+              <a:buNone/>
+            </a:pPr>
+            <a:r>
+              <a:rPr lang="en-US" dirty="0" smtClean="0">
+                <a:solidFill>
+                  <a:schemeClr val="accent5"/>
+                </a:solidFill>
+              </a:rPr>
+              <a:t>What else ? Not so much</a:t>
+            </a:r>
             <a:endParaRPr lang="en-US" dirty="0">
               <a:solidFill>
-                <a:schemeClr val="accent6"/>
+                <a:schemeClr val="accent5"/>
               </a:solidFill>
             </a:endParaRPr>
           </a:p>
@@ -4993,30 +5545,77 @@
           <a:p>
             <a:r>
               <a:rPr lang="en-US" dirty="0" smtClean="0"/>
-              <a:t>There are a few good parts</a:t>
-            </a:r>
+              <a:t>Components</a:t>
+            </a:r>
+            <a:endParaRPr lang="en-US" dirty="0" smtClean="0"/>
           </a:p>
           <a:p>
             <a:pPr lvl="1"/>
-            <a:r>
-              <a:rPr lang="en-US" dirty="0" smtClean="0"/>
-              <a:t>Components</a:t>
-            </a:r>
-          </a:p>
-          <a:p>
-            <a:pPr lvl="2"/>
             <a:r>
               <a:rPr lang="en-US" dirty="0" smtClean="0"/>
               <a:t>Enhanced reusability </a:t>
             </a:r>
             <a:r>
-              <a:rPr lang="en-US" sz="1600" dirty="0" smtClean="0">
+              <a:rPr lang="en-US" sz="1800" dirty="0" smtClean="0">
                 <a:solidFill>
                   <a:schemeClr val="accent6"/>
                 </a:solidFill>
               </a:rPr>
               <a:t>well, keep it generic if you plan on reusing…</a:t>
             </a:r>
+          </a:p>
+          <a:p>
+            <a:pPr lvl="1"/>
+            <a:r>
+              <a:rPr lang="en-US" dirty="0" smtClean="0"/>
+              <a:t>Rendering lifecycle with optimizations</a:t>
+            </a:r>
+          </a:p>
+          <a:p>
+            <a:pPr lvl="1"/>
+            <a:r>
+              <a:rPr lang="en-US" dirty="0" smtClean="0"/>
+              <a:t>Basic type </a:t>
+            </a:r>
+            <a:r>
+              <a:rPr lang="en-US" dirty="0" smtClean="0"/>
+              <a:t>checking </a:t>
+            </a:r>
+            <a:r>
+              <a:rPr lang="en-US" sz="1800" dirty="0" smtClean="0">
+                <a:solidFill>
+                  <a:schemeClr val="accent6"/>
+                </a:solidFill>
+              </a:rPr>
+              <a:t>not so basic with </a:t>
+            </a:r>
+            <a:r>
+              <a:rPr lang="en-US" sz="1800" b="1" dirty="0" err="1" smtClean="0">
+                <a:solidFill>
+                  <a:schemeClr val="accent6"/>
+                </a:solidFill>
+              </a:rPr>
+              <a:t>propTypes</a:t>
+            </a:r>
+            <a:endParaRPr lang="en-US" sz="1800" b="1" dirty="0" smtClean="0">
+              <a:solidFill>
+                <a:schemeClr val="accent6"/>
+              </a:solidFill>
+            </a:endParaRPr>
+          </a:p>
+          <a:p>
+            <a:r>
+              <a:rPr lang="en-US" dirty="0" smtClean="0"/>
+              <a:t>Becomes powerful with ES6 and more </a:t>
+            </a:r>
+            <a:r>
+              <a:rPr lang="en-US" sz="2000" dirty="0" smtClean="0">
+                <a:solidFill>
+                  <a:schemeClr val="accent6"/>
+                </a:solidFill>
+              </a:rPr>
+              <a:t>it’s not react, it’s ES6</a:t>
+            </a:r>
             <a:endParaRPr lang="en-US" dirty="0" smtClean="0">
               <a:solidFill>
                 <a:schemeClr val="accent6"/>
@@ -5024,35 +5623,14 @@
             </a:endParaRPr>
           </a:p>
           <a:p>
-            <a:pPr lvl="2"/>
-            <a:r>
-              <a:rPr lang="en-US" dirty="0" smtClean="0"/>
-              <a:t>Rendering lifecycle with optimizations</a:t>
-            </a:r>
-          </a:p>
-          <a:p>
-            <a:pPr lvl="2"/>
-            <a:r>
-              <a:rPr lang="en-US" dirty="0" smtClean="0"/>
-              <a:t>Basic type checking</a:t>
-            </a:r>
-          </a:p>
-          <a:p>
             <a:pPr lvl="1"/>
-            <a:r>
-              <a:rPr lang="en-US" dirty="0" smtClean="0"/>
-              <a:t>Becomes powerful with ES6 and more </a:t>
-            </a:r>
-          </a:p>
-          <a:p>
-            <a:pPr lvl="2"/>
             <a:r>
               <a:rPr lang="en-US" dirty="0" smtClean="0"/>
               <a:t>Dependency management</a:t>
             </a:r>
           </a:p>
           <a:p>
-            <a:pPr lvl="2"/>
+            <a:pPr lvl="1"/>
             <a:r>
               <a:rPr lang="en-US" dirty="0" err="1" smtClean="0"/>
               <a:t>Uptaded</a:t>
@@ -5063,7 +5641,7 @@
             </a:r>
           </a:p>
           <a:p>
-            <a:pPr lvl="2"/>
+            <a:pPr lvl="1"/>
             <a:r>
               <a:rPr lang="en-US" dirty="0" err="1" smtClean="0"/>
               <a:t>Css</a:t>
@@ -5074,14 +5652,13 @@
             </a:r>
           </a:p>
           <a:p>
-            <a:pPr lvl="1"/>
             <a:r>
               <a:rPr lang="en-US" dirty="0" smtClean="0"/>
               <a:t>Arguably JSX</a:t>
             </a:r>
           </a:p>
           <a:p>
-            <a:pPr lvl="2"/>
+            <a:pPr lvl="1"/>
             <a:r>
               <a:rPr lang="en-US" dirty="0" smtClean="0"/>
               <a:t>As opposed to string based templates</a:t>
@@ -5213,11 +5790,19 @@
           <a:p>
             <a:r>
               <a:rPr lang="fr-FR" dirty="0" smtClean="0"/>
-              <a:t>A simple </a:t>
+              <a:t>A </a:t>
+            </a:r>
+            <a:r>
+              <a:rPr lang="fr-FR" dirty="0" smtClean="0"/>
+              <a:t>(not </a:t>
             </a:r>
             <a:r>
               <a:rPr lang="fr-FR" dirty="0" err="1" smtClean="0"/>
-              <a:t>view</a:t>
+              <a:t>so</a:t>
+            </a:r>
+            <a:r>
+              <a:rPr lang="fr-FR" dirty="0" smtClean="0"/>
+              <a:t>) simple component</a:t>
             </a:r>
             <a:endParaRPr lang="fr-FR" dirty="0"/>
           </a:p>
@@ -5944,6 +6529,124 @@
               <a:t>function</a:t>
             </a:r>
             <a:endParaRPr lang="fr-FR" b="1" dirty="0"/>
+          </a:p>
+        </p:txBody>
+      </p:sp>
+      <p:sp>
+        <p:nvSpPr>
+          <p:cNvPr id="10" name="Rectangle 11"/>
+          <p:cNvSpPr/>
+          <p:nvPr/>
+        </p:nvSpPr>
+        <p:spPr>
+          <a:xfrm>
+            <a:off x="190500" y="4267200"/>
+            <a:ext cx="1574800" cy="1178011"/>
+          </a:xfrm>
+          <a:prstGeom prst="wedgeRectCallout">
+            <a:avLst>
+              <a:gd name="adj1" fmla="val 101539"/>
+              <a:gd name="adj2" fmla="val 3572"/>
+            </a:avLst>
+          </a:prstGeom>
+        </p:spPr>
+        <p:style>
+          <a:lnRef idx="2">
+            <a:schemeClr val="accent1">
+              <a:shade val="50000"/>
+            </a:schemeClr>
+          </a:lnRef>
+          <a:fillRef idx="1">
+            <a:schemeClr val="accent1"/>
+          </a:fillRef>
+          <a:effectRef idx="0">
+            <a:schemeClr val="accent1"/>
+          </a:effectRef>
+          <a:fontRef idx="minor">
+            <a:schemeClr val="lt1"/>
+          </a:fontRef>
+        </p:style>
+        <p:txBody>
+          <a:bodyPr rtlCol="0" anchor="ctr"/>
+          <a:lstStyle/>
+          <a:p>
+            <a:pPr algn="ctr"/>
+            <a:r>
+              <a:rPr lang="fr-FR" dirty="0" err="1" smtClean="0"/>
+              <a:t>Optional</a:t>
+            </a:r>
+            <a:r>
+              <a:rPr lang="fr-FR" dirty="0" smtClean="0"/>
+              <a:t> </a:t>
+            </a:r>
+            <a:r>
+              <a:rPr lang="fr-FR" dirty="0" err="1" smtClean="0"/>
+              <a:t>parenthesis</a:t>
+            </a:r>
+            <a:r>
+              <a:rPr lang="fr-FR" dirty="0" smtClean="0"/>
+              <a:t> </a:t>
+            </a:r>
+            <a:r>
+              <a:rPr lang="fr-FR" dirty="0" err="1" smtClean="0"/>
+              <a:t>wrapping</a:t>
+            </a:r>
+            <a:endParaRPr lang="fr-FR" dirty="0"/>
+          </a:p>
+        </p:txBody>
+      </p:sp>
+      <p:sp>
+        <p:nvSpPr>
+          <p:cNvPr id="15" name="Rectangle 12"/>
+          <p:cNvSpPr/>
+          <p:nvPr/>
+        </p:nvSpPr>
+        <p:spPr>
+          <a:xfrm>
+            <a:off x="10452100" y="2898567"/>
+            <a:ext cx="1574800" cy="939800"/>
+          </a:xfrm>
+          <a:prstGeom prst="wedgeRectCallout">
+            <a:avLst>
+              <a:gd name="adj1" fmla="val -256592"/>
+              <a:gd name="adj2" fmla="val 65459"/>
+            </a:avLst>
+          </a:prstGeom>
+        </p:spPr>
+        <p:style>
+          <a:lnRef idx="2">
+            <a:schemeClr val="accent1">
+              <a:shade val="50000"/>
+            </a:schemeClr>
+          </a:lnRef>
+          <a:fillRef idx="1">
+            <a:schemeClr val="accent1"/>
+          </a:fillRef>
+          <a:effectRef idx="0">
+            <a:schemeClr val="accent1"/>
+          </a:effectRef>
+          <a:fontRef idx="minor">
+            <a:schemeClr val="lt1"/>
+          </a:fontRef>
+        </p:style>
+        <p:txBody>
+          <a:bodyPr rtlCol="0" anchor="ctr"/>
+          <a:lstStyle/>
+          <a:p>
+            <a:pPr algn="ctr"/>
+            <a:r>
+              <a:rPr lang="fr-FR" dirty="0" err="1" smtClean="0"/>
+              <a:t>Js</a:t>
+            </a:r>
+            <a:r>
+              <a:rPr lang="fr-FR" dirty="0" smtClean="0"/>
+              <a:t> Expressions in </a:t>
+            </a:r>
+            <a:r>
+              <a:rPr lang="fr-FR" dirty="0" err="1" smtClean="0"/>
+              <a:t>brackets</a:t>
+            </a:r>
+            <a:endParaRPr lang="fr-FR" dirty="0"/>
           </a:p>
         </p:txBody>
       </p:sp>
@@ -6445,6 +7148,72 @@
             <a:pPr algn="ctr"/>
             <a:r>
               <a:rPr lang="fr-FR" dirty="0" err="1" smtClean="0"/>
+              <a:t>Beware</a:t>
+            </a:r>
+            <a:r>
+              <a:rPr lang="fr-FR" dirty="0" smtClean="0"/>
+              <a:t>, binding to </a:t>
+            </a:r>
+            <a:r>
+              <a:rPr lang="fr-FR" dirty="0" err="1" smtClean="0"/>
+              <a:t>this</a:t>
+            </a:r>
+            <a:r>
+              <a:rPr lang="fr-FR" dirty="0" smtClean="0"/>
+              <a:t/>
+            </a:r>
+            <a:br>
+              <a:rPr lang="fr-FR" dirty="0" smtClean="0"/>
+            </a:br>
+            <a:r>
+              <a:rPr lang="fr-FR" dirty="0" smtClean="0"/>
+              <a:t>use ES6 !</a:t>
+            </a:r>
+            <a:endParaRPr lang="fr-FR" dirty="0"/>
+          </a:p>
+        </p:txBody>
+      </p:sp>
+      <p:sp>
+        <p:nvSpPr>
+          <p:cNvPr id="8" name="Rectangle 11"/>
+          <p:cNvSpPr/>
+          <p:nvPr/>
+        </p:nvSpPr>
+        <p:spPr>
+          <a:xfrm>
+            <a:off x="190500" y="2815624"/>
+            <a:ext cx="1574800" cy="1295400"/>
+          </a:xfrm>
+          <a:prstGeom prst="wedgeRectCallout">
+            <a:avLst>
+              <a:gd name="adj1" fmla="val 85148"/>
+              <a:gd name="adj2" fmla="val 42204"/>
+            </a:avLst>
+          </a:prstGeom>
+        </p:spPr>
+        <p:style>
+          <a:lnRef idx="2">
+            <a:schemeClr val="accent1">
+              <a:shade val="50000"/>
+            </a:schemeClr>
+          </a:lnRef>
+          <a:fillRef idx="1">
+            <a:schemeClr val="accent1"/>
+          </a:fillRef>
+          <a:effectRef idx="0">
+            <a:schemeClr val="accent1"/>
+          </a:effectRef>
+          <a:fontRef idx="minor">
+            <a:schemeClr val="lt1"/>
+          </a:fontRef>
+        </p:style>
+        <p:txBody>
+          <a:bodyPr rtlCol="0" anchor="ctr"/>
+          <a:lstStyle/>
+          <a:p>
+            <a:pPr algn="ctr"/>
+            <a:r>
+              <a:rPr lang="fr-FR" dirty="0" err="1" smtClean="0"/>
               <a:t>Bind</a:t>
             </a:r>
             <a:r>
@@ -6520,6 +7289,18 @@
           <a:lstStyle/>
           <a:p>
             <a:r>
+              <a:rPr lang="fr-FR" dirty="0" smtClean="0"/>
+              <a:t>(</a:t>
+            </a:r>
+            <a:r>
+              <a:rPr lang="fr-FR" dirty="0" err="1" smtClean="0"/>
+              <a:t>re</a:t>
+            </a:r>
+            <a:r>
+              <a:rPr lang="fr-FR" dirty="0" smtClean="0"/>
+              <a:t>-)</a:t>
+            </a:r>
+            <a:r>
               <a:rPr lang="fr-FR" dirty="0" err="1" smtClean="0"/>
               <a:t>Rendering</a:t>
             </a:r>
@@ -6528,7 +7309,7 @@
               <a:t> </a:t>
             </a:r>
             <a:r>
-              <a:rPr lang="fr-FR" dirty="0" err="1" smtClean="0"/>
+              <a:rPr lang="fr-FR" dirty="0" smtClean="0"/>
               <a:t>workflow</a:t>
             </a:r>
             <a:endParaRPr lang="fr-FR" dirty="0"/>
@@ -6621,7 +7402,7 @@
         </p:blipFill>
         <p:spPr>
           <a:xfrm>
-            <a:off x="376063" y="1416908"/>
+            <a:off x="376063" y="1499286"/>
             <a:ext cx="11439874" cy="4748084"/>
           </a:xfrm>
           <a:prstGeom prst="rect">
@@ -6663,7 +7444,7 @@
       </p:grpSpPr>
       <p:sp>
         <p:nvSpPr>
-          <p:cNvPr id="7" name="Title 6"/>
+          <p:cNvPr id="2" name="Title 1"/>
           <p:cNvSpPr>
             <a:spLocks noGrp="1"/>
           </p:cNvSpPr>
@@ -6678,7 +7459,7 @@
           <a:p>
             <a:r>
               <a:rPr lang="en-US" dirty="0" smtClean="0"/>
-              <a:t>Redux, a sweet introduction</a:t>
+              <a:t>A few words on performance</a:t>
             </a:r>
             <a:endParaRPr lang="fr-FR" dirty="0"/>
           </a:p>
@@ -6686,22 +7467,124 @@
       </p:sp>
       <p:sp>
         <p:nvSpPr>
-          <p:cNvPr id="8" name="Text Placeholder 7"/>
-          <p:cNvSpPr>
-            <a:spLocks noGrp="1"/>
-          </p:cNvSpPr>
-          <p:nvPr>
-            <p:ph type="body" idx="1"/>
-          </p:nvPr>
-        </p:nvSpPr>
-        <p:spPr/>
-        <p:txBody>
-          <a:bodyPr/>
+          <p:cNvPr id="3" name="Content Placeholder 2"/>
+          <p:cNvSpPr>
+            <a:spLocks noGrp="1"/>
+          </p:cNvSpPr>
+          <p:nvPr>
+            <p:ph idx="1"/>
+          </p:nvPr>
+        </p:nvSpPr>
+        <p:spPr/>
+        <p:txBody>
+          <a:bodyPr>
+            <a:normAutofit/>
+          </a:bodyPr>
           <a:lstStyle/>
           <a:p>
             <a:r>
               <a:rPr lang="en-US" dirty="0" smtClean="0"/>
-              <a:t>Single source of truth, read-only state, pure functions</a:t>
+              <a:t>Mounting (first render) is not cheap </a:t>
+            </a:r>
+            <a:r>
+              <a:rPr lang="en-US" sz="2000" dirty="0">
+                <a:solidFill>
+                  <a:schemeClr val="accent6"/>
+                </a:solidFill>
+              </a:rPr>
+              <a:t>estimated x 5 times slower to </a:t>
+            </a:r>
+            <a:r>
+              <a:rPr lang="en-US" sz="2000" dirty="0" err="1">
+                <a:solidFill>
+                  <a:schemeClr val="accent6"/>
+                </a:solidFill>
+              </a:rPr>
+              <a:t>jquery</a:t>
+            </a:r>
+            <a:endParaRPr lang="en-US" dirty="0">
+              <a:solidFill>
+                <a:schemeClr val="accent6"/>
+              </a:solidFill>
+            </a:endParaRPr>
+          </a:p>
+          <a:p>
+            <a:pPr lvl="1"/>
+            <a:r>
+              <a:rPr lang="en-US" dirty="0" smtClean="0"/>
+              <a:t>Creation of shadow DOM</a:t>
+            </a:r>
+          </a:p>
+          <a:p>
+            <a:pPr lvl="1"/>
+            <a:r>
+              <a:rPr lang="en-US" dirty="0" smtClean="0"/>
+              <a:t>Rendering of shadow DOM elements to actual DOM</a:t>
+            </a:r>
+          </a:p>
+          <a:p>
+            <a:r>
+              <a:rPr lang="en-US" dirty="0" smtClean="0"/>
+              <a:t>Updating state</a:t>
+            </a:r>
+          </a:p>
+          <a:p>
+            <a:pPr lvl="1"/>
+            <a:r>
+              <a:rPr lang="en-US" dirty="0" smtClean="0"/>
+              <a:t>Component properties (input) changes trigger re-rendering</a:t>
+            </a:r>
+          </a:p>
+          <a:p>
+            <a:pPr lvl="1"/>
+            <a:r>
+              <a:rPr lang="en-US" dirty="0" smtClean="0"/>
+              <a:t>Creation of shadow DOM </a:t>
+            </a:r>
+          </a:p>
+          <a:p>
+            <a:pPr lvl="1"/>
+            <a:r>
+              <a:rPr lang="en-US" dirty="0" smtClean="0"/>
+              <a:t>Rendering of only differences to actual DOM </a:t>
+            </a:r>
+            <a:r>
+              <a:rPr lang="en-US" sz="1800" dirty="0" smtClean="0">
+                <a:solidFill>
+                  <a:schemeClr val="accent6"/>
+                </a:solidFill>
+              </a:rPr>
+              <a:t>strong impact on performance</a:t>
+            </a:r>
+            <a:endParaRPr lang="en-US" dirty="0" smtClean="0">
+              <a:solidFill>
+                <a:schemeClr val="accent6"/>
+              </a:solidFill>
+            </a:endParaRPr>
+          </a:p>
+          <a:p>
+            <a:pPr lvl="1"/>
+            <a:r>
+              <a:rPr lang="en-US" dirty="0" smtClean="0"/>
+              <a:t>Creating and comparing shadow DOMs still not actually cheap</a:t>
+            </a:r>
+          </a:p>
+          <a:p>
+            <a:r>
+              <a:rPr lang="en-US" dirty="0" smtClean="0"/>
+              <a:t>Optimize via </a:t>
+            </a:r>
+            <a:r>
+              <a:rPr lang="en-US" i="1" dirty="0" err="1" smtClean="0"/>
+              <a:t>shouldComponentUpdate</a:t>
+            </a:r>
+            <a:endParaRPr lang="en-US" i="1" dirty="0" smtClean="0"/>
+          </a:p>
+          <a:p>
+            <a:pPr lvl="1"/>
+            <a:r>
+              <a:rPr lang="en-US" dirty="0" smtClean="0"/>
+              <a:t>Bring business logic and guess whether the component should call render at all to reduce impact of creating and comparing shadow DOMs</a:t>
             </a:r>
             <a:endParaRPr lang="fr-FR" dirty="0"/>
           </a:p>
@@ -6746,7 +7629,7 @@
           <a:lstStyle/>
           <a:p>
             <a:r>
-              <a:rPr lang="fr-FR" smtClean="0"/>
+              <a:rPr lang="fr-FR" dirty="0" smtClean="0"/>
               <a:t>cedric.hartland@gmail.com</a:t>
             </a:r>
             <a:endParaRPr lang="fr-FR" dirty="0"/>
@@ -6780,20 +7663,13 @@
     </p:spTree>
     <p:extLst>
       <p:ext uri="{BB962C8B-B14F-4D97-AF65-F5344CB8AC3E}">
-        <p14:creationId xmlns:p14="http://schemas.microsoft.com/office/powerpoint/2010/main" val="188073970"/>
+        <p14:creationId xmlns:p14="http://schemas.microsoft.com/office/powerpoint/2010/main" val="812129721"/>
       </p:ext>
     </p:extLst>
   </p:cSld>
   <p:clrMapOvr>
     <a:masterClrMapping/>
   </p:clrMapOvr>
-  <p:timing>
-    <p:tnLst>
-      <p:par>
-        <p:cTn id="1" dur="indefinite" restart="never" nodeType="tmRoot"/>
-      </p:par>
-    </p:tnLst>
-  </p:timing>
 </p:sld>
 </file>
 

--- a/docs/React & Redux.pptx
+++ b/docs/React & Redux.pptx
@@ -5,7 +5,7 @@
     <p:sldMasterId id="2147483648" r:id="rId1"/>
   </p:sldMasterIdLst>
   <p:notesMasterIdLst>
-    <p:notesMasterId r:id="rId17"/>
+    <p:notesMasterId r:id="rId21"/>
   </p:notesMasterIdLst>
   <p:sldIdLst>
     <p:sldId id="256" r:id="rId2"/>
@@ -13,16 +13,20 @@
     <p:sldId id="257" r:id="rId4"/>
     <p:sldId id="258" r:id="rId5"/>
     <p:sldId id="259" r:id="rId6"/>
-    <p:sldId id="260" r:id="rId7"/>
-    <p:sldId id="266" r:id="rId8"/>
-    <p:sldId id="267" r:id="rId9"/>
-    <p:sldId id="269" r:id="rId10"/>
-    <p:sldId id="270" r:id="rId11"/>
-    <p:sldId id="271" r:id="rId12"/>
-    <p:sldId id="261" r:id="rId13"/>
-    <p:sldId id="264" r:id="rId14"/>
-    <p:sldId id="262" r:id="rId15"/>
-    <p:sldId id="263" r:id="rId16"/>
+    <p:sldId id="272" r:id="rId7"/>
+    <p:sldId id="260" r:id="rId8"/>
+    <p:sldId id="266" r:id="rId9"/>
+    <p:sldId id="267" r:id="rId10"/>
+    <p:sldId id="269" r:id="rId11"/>
+    <p:sldId id="270" r:id="rId12"/>
+    <p:sldId id="273" r:id="rId13"/>
+    <p:sldId id="261" r:id="rId14"/>
+    <p:sldId id="264" r:id="rId15"/>
+    <p:sldId id="275" r:id="rId16"/>
+    <p:sldId id="274" r:id="rId17"/>
+    <p:sldId id="276" r:id="rId18"/>
+    <p:sldId id="262" r:id="rId19"/>
+    <p:sldId id="263" r:id="rId20"/>
   </p:sldIdLst>
   <p:sldSz cx="12192000" cy="6858000"/>
   <p:notesSz cx="6858000" cy="9144000"/>
@@ -123,7 +127,7 @@
   </p:defaultTextStyle>
   <p:extLst>
     <p:ext uri="{521415D9-36F7-43E2-AB2F-B90AF26B5E84}">
-      <p14:sectionLst xmlns:p14="http://schemas.microsoft.com/office/powerpoint/2010/main">
+      <p14:sectionLst xmlns:p14="http://schemas.microsoft.com/office/powerpoint/2010/main" xmlns="">
         <p14:section name="Default Section" id="{38AEF286-1107-4392-A940-F023FF97C08A}">
           <p14:sldIdLst>
             <p14:sldId id="256"/>
@@ -162,7 +166,7 @@
       </p14:sectionLst>
     </p:ext>
     <p:ext uri="{EFAFB233-063F-42B5-8137-9DF3F51BA10A}">
-      <p15:sldGuideLst xmlns:p15="http://schemas.microsoft.com/office/powerpoint/2012/main">
+      <p15:sldGuideLst xmlns:p15="http://schemas.microsoft.com/office/powerpoint/2012/main" xmlns="">
         <p15:guide id="1" orient="horz" pos="2160">
           <p15:clr>
             <a:srgbClr val="A4A3A4"/>
@@ -176,7 +180,7 @@
       </p15:sldGuideLst>
     </p:ext>
     <p:ext uri="{2D200454-40CA-4A62-9FC3-DE9A4176ACB9}">
-      <p15:notesGuideLst xmlns:p15="http://schemas.microsoft.com/office/powerpoint/2012/main"/>
+      <p15:notesGuideLst xmlns:p15="http://schemas.microsoft.com/office/powerpoint/2012/main" xmlns=""/>
     </p:ext>
   </p:extLst>
 </p:presentation>
@@ -265,7 +269,7 @@
             <a:fld id="{68F520A5-0AD6-418C-8F4A-9FB003B35E28}" type="datetimeFigureOut">
               <a:rPr lang="fr-FR" smtClean="0"/>
               <a:pPr/>
-              <a:t>10/03/2017</a:t>
+              <a:t>13/03/2017</a:t>
             </a:fld>
             <a:endParaRPr lang="fr-FR"/>
           </a:p>
@@ -425,7 +429,7 @@
             <a:fld id="{BEBDC360-122B-48B3-A8C4-3D87876233B6}" type="slidenum">
               <a:rPr lang="fr-FR" smtClean="0"/>
               <a:pPr/>
-              <a:t>‹#›</a:t>
+              <a:t>‹N°›</a:t>
             </a:fld>
             <a:endParaRPr lang="fr-FR"/>
           </a:p>
@@ -434,7 +438,7 @@
     </p:spTree>
     <p:extLst>
       <p:ext uri="{BB962C8B-B14F-4D97-AF65-F5344CB8AC3E}">
-        <p14:creationId xmlns:p14="http://schemas.microsoft.com/office/powerpoint/2010/main" val="713127464"/>
+        <p14:creationId xmlns:p14="http://schemas.microsoft.com/office/powerpoint/2010/main" xmlns="" val="713127464"/>
       </p:ext>
     </p:extLst>
   </p:cSld>
@@ -609,7 +613,7 @@
     </p:spTree>
     <p:extLst>
       <p:ext uri="{BB962C8B-B14F-4D97-AF65-F5344CB8AC3E}">
-        <p14:creationId xmlns:p14="http://schemas.microsoft.com/office/powerpoint/2010/main" val="3739366414"/>
+        <p14:creationId xmlns:p14="http://schemas.microsoft.com/office/powerpoint/2010/main" xmlns="" val="3739366414"/>
       </p:ext>
     </p:extLst>
   </p:cSld>
@@ -648,7 +652,7 @@
           <a:blip r:embed="rId2" cstate="print">
             <a:extLst>
               <a:ext uri="{28A0092B-C50C-407E-A947-70E740481C1C}">
-                <a14:useLocalDpi xmlns:a14="http://schemas.microsoft.com/office/drawing/2010/main" val="0"/>
+                <a14:useLocalDpi xmlns:a14="http://schemas.microsoft.com/office/drawing/2010/main" xmlns="" val="0"/>
               </a:ext>
             </a:extLst>
           </a:blip>
@@ -831,7 +835,7 @@
             <a:fld id="{44139E8D-6066-4080-AC46-DB89673BFC8E}" type="slidenum">
               <a:rPr lang="fr-FR" smtClean="0"/>
               <a:pPr/>
-              <a:t>‹#›</a:t>
+              <a:t>‹N°›</a:t>
             </a:fld>
             <a:endParaRPr lang="fr-FR"/>
           </a:p>
@@ -840,7 +844,7 @@
     </p:spTree>
     <p:extLst>
       <p:ext uri="{BB962C8B-B14F-4D97-AF65-F5344CB8AC3E}">
-        <p14:creationId xmlns:p14="http://schemas.microsoft.com/office/powerpoint/2010/main" val="2394847408"/>
+        <p14:creationId xmlns:p14="http://schemas.microsoft.com/office/powerpoint/2010/main" xmlns="" val="2394847408"/>
       </p:ext>
     </p:extLst>
   </p:cSld>
@@ -1013,7 +1017,7 @@
             <a:fld id="{44139E8D-6066-4080-AC46-DB89673BFC8E}" type="slidenum">
               <a:rPr lang="fr-FR" smtClean="0"/>
               <a:pPr/>
-              <a:t>‹#›</a:t>
+              <a:t>‹N°›</a:t>
             </a:fld>
             <a:endParaRPr lang="fr-FR"/>
           </a:p>
@@ -1022,7 +1026,7 @@
     </p:spTree>
     <p:extLst>
       <p:ext uri="{BB962C8B-B14F-4D97-AF65-F5344CB8AC3E}">
-        <p14:creationId xmlns:p14="http://schemas.microsoft.com/office/powerpoint/2010/main" val="2354828228"/>
+        <p14:creationId xmlns:p14="http://schemas.microsoft.com/office/powerpoint/2010/main" xmlns="" val="2354828228"/>
       </p:ext>
     </p:extLst>
   </p:cSld>
@@ -1198,7 +1202,7 @@
             <a:fld id="{44139E8D-6066-4080-AC46-DB89673BFC8E}" type="slidenum">
               <a:rPr lang="fr-FR" smtClean="0"/>
               <a:pPr/>
-              <a:t>‹#›</a:t>
+              <a:t>‹N°›</a:t>
             </a:fld>
             <a:endParaRPr lang="fr-FR"/>
           </a:p>
@@ -1207,7 +1211,7 @@
     </p:spTree>
     <p:extLst>
       <p:ext uri="{BB962C8B-B14F-4D97-AF65-F5344CB8AC3E}">
-        <p14:creationId xmlns:p14="http://schemas.microsoft.com/office/powerpoint/2010/main" val="449464392"/>
+        <p14:creationId xmlns:p14="http://schemas.microsoft.com/office/powerpoint/2010/main" xmlns="" val="449464392"/>
       </p:ext>
     </p:extLst>
   </p:cSld>
@@ -1417,7 +1421,7 @@
             <a:fld id="{44139E8D-6066-4080-AC46-DB89673BFC8E}" type="slidenum">
               <a:rPr lang="fr-FR" smtClean="0"/>
               <a:pPr/>
-              <a:t>‹#›</a:t>
+              <a:t>‹N°›</a:t>
             </a:fld>
             <a:endParaRPr lang="fr-FR"/>
           </a:p>
@@ -1426,7 +1430,7 @@
     </p:spTree>
     <p:extLst>
       <p:ext uri="{BB962C8B-B14F-4D97-AF65-F5344CB8AC3E}">
-        <p14:creationId xmlns:p14="http://schemas.microsoft.com/office/powerpoint/2010/main" val="2540995877"/>
+        <p14:creationId xmlns:p14="http://schemas.microsoft.com/office/powerpoint/2010/main" xmlns="" val="2540995877"/>
       </p:ext>
     </p:extLst>
   </p:cSld>
@@ -1708,7 +1712,7 @@
             <a:fld id="{44139E8D-6066-4080-AC46-DB89673BFC8E}" type="slidenum">
               <a:rPr lang="fr-FR" smtClean="0"/>
               <a:pPr/>
-              <a:t>‹#›</a:t>
+              <a:t>‹N°›</a:t>
             </a:fld>
             <a:endParaRPr lang="fr-FR"/>
           </a:p>
@@ -1717,7 +1721,7 @@
     </p:spTree>
     <p:extLst>
       <p:ext uri="{BB962C8B-B14F-4D97-AF65-F5344CB8AC3E}">
-        <p14:creationId xmlns:p14="http://schemas.microsoft.com/office/powerpoint/2010/main" val="658130668"/>
+        <p14:creationId xmlns:p14="http://schemas.microsoft.com/office/powerpoint/2010/main" xmlns="" val="658130668"/>
       </p:ext>
     </p:extLst>
   </p:cSld>
@@ -1992,7 +1996,7 @@
             <a:fld id="{44139E8D-6066-4080-AC46-DB89673BFC8E}" type="slidenum">
               <a:rPr lang="fr-FR" smtClean="0"/>
               <a:pPr/>
-              <a:t>‹#›</a:t>
+              <a:t>‹N°›</a:t>
             </a:fld>
             <a:endParaRPr lang="fr-FR"/>
           </a:p>
@@ -2001,7 +2005,7 @@
     </p:spTree>
     <p:extLst>
       <p:ext uri="{BB962C8B-B14F-4D97-AF65-F5344CB8AC3E}">
-        <p14:creationId xmlns:p14="http://schemas.microsoft.com/office/powerpoint/2010/main" val="3650240110"/>
+        <p14:creationId xmlns:p14="http://schemas.microsoft.com/office/powerpoint/2010/main" xmlns="" val="3650240110"/>
       </p:ext>
     </p:extLst>
   </p:cSld>
@@ -2406,7 +2410,7 @@
             <a:fld id="{44139E8D-6066-4080-AC46-DB89673BFC8E}" type="slidenum">
               <a:rPr lang="fr-FR" smtClean="0"/>
               <a:pPr/>
-              <a:t>‹#›</a:t>
+              <a:t>‹N°›</a:t>
             </a:fld>
             <a:endParaRPr lang="fr-FR"/>
           </a:p>
@@ -2415,7 +2419,7 @@
     </p:spTree>
     <p:extLst>
       <p:ext uri="{BB962C8B-B14F-4D97-AF65-F5344CB8AC3E}">
-        <p14:creationId xmlns:p14="http://schemas.microsoft.com/office/powerpoint/2010/main" val="2798887854"/>
+        <p14:creationId xmlns:p14="http://schemas.microsoft.com/office/powerpoint/2010/main" xmlns="" val="2798887854"/>
       </p:ext>
     </p:extLst>
   </p:cSld>
@@ -2576,7 +2580,7 @@
             <a:fld id="{44139E8D-6066-4080-AC46-DB89673BFC8E}" type="slidenum">
               <a:rPr lang="fr-FR" smtClean="0"/>
               <a:pPr/>
-              <a:t>‹#›</a:t>
+              <a:t>‹N°›</a:t>
             </a:fld>
             <a:endParaRPr lang="fr-FR"/>
           </a:p>
@@ -2585,7 +2589,7 @@
     </p:spTree>
     <p:extLst>
       <p:ext uri="{BB962C8B-B14F-4D97-AF65-F5344CB8AC3E}">
-        <p14:creationId xmlns:p14="http://schemas.microsoft.com/office/powerpoint/2010/main" val="1141629464"/>
+        <p14:creationId xmlns:p14="http://schemas.microsoft.com/office/powerpoint/2010/main" xmlns="" val="1141629464"/>
       </p:ext>
     </p:extLst>
   </p:cSld>
@@ -2683,7 +2687,7 @@
             <a:fld id="{44139E8D-6066-4080-AC46-DB89673BFC8E}" type="slidenum">
               <a:rPr lang="fr-FR" smtClean="0"/>
               <a:pPr/>
-              <a:t>‹#›</a:t>
+              <a:t>‹N°›</a:t>
             </a:fld>
             <a:endParaRPr lang="fr-FR"/>
           </a:p>
@@ -2692,7 +2696,7 @@
     </p:spTree>
     <p:extLst>
       <p:ext uri="{BB962C8B-B14F-4D97-AF65-F5344CB8AC3E}">
-        <p14:creationId xmlns:p14="http://schemas.microsoft.com/office/powerpoint/2010/main" val="1467798435"/>
+        <p14:creationId xmlns:p14="http://schemas.microsoft.com/office/powerpoint/2010/main" xmlns="" val="1467798435"/>
       </p:ext>
     </p:extLst>
   </p:cSld>
@@ -2972,7 +2976,7 @@
             <a:fld id="{44139E8D-6066-4080-AC46-DB89673BFC8E}" type="slidenum">
               <a:rPr lang="fr-FR" smtClean="0"/>
               <a:pPr/>
-              <a:t>‹#›</a:t>
+              <a:t>‹N°›</a:t>
             </a:fld>
             <a:endParaRPr lang="fr-FR"/>
           </a:p>
@@ -2981,7 +2985,7 @@
     </p:spTree>
     <p:extLst>
       <p:ext uri="{BB962C8B-B14F-4D97-AF65-F5344CB8AC3E}">
-        <p14:creationId xmlns:p14="http://schemas.microsoft.com/office/powerpoint/2010/main" val="3610359101"/>
+        <p14:creationId xmlns:p14="http://schemas.microsoft.com/office/powerpoint/2010/main" xmlns="" val="3610359101"/>
       </p:ext>
     </p:extLst>
   </p:cSld>
@@ -3237,7 +3241,7 @@
             <a:fld id="{44139E8D-6066-4080-AC46-DB89673BFC8E}" type="slidenum">
               <a:rPr lang="fr-FR" smtClean="0"/>
               <a:pPr/>
-              <a:t>‹#›</a:t>
+              <a:t>‹N°›</a:t>
             </a:fld>
             <a:endParaRPr lang="fr-FR"/>
           </a:p>
@@ -3246,7 +3250,7 @@
     </p:spTree>
     <p:extLst>
       <p:ext uri="{BB962C8B-B14F-4D97-AF65-F5344CB8AC3E}">
-        <p14:creationId xmlns:p14="http://schemas.microsoft.com/office/powerpoint/2010/main" val="3433813898"/>
+        <p14:creationId xmlns:p14="http://schemas.microsoft.com/office/powerpoint/2010/main" xmlns="" val="3433813898"/>
       </p:ext>
     </p:extLst>
   </p:cSld>
@@ -3498,7 +3502,7 @@
             <a:fld id="{44139E8D-6066-4080-AC46-DB89673BFC8E}" type="slidenum">
               <a:rPr lang="fr-FR" smtClean="0"/>
               <a:pPr/>
-              <a:t>‹#›</a:t>
+              <a:t>‹N°›</a:t>
             </a:fld>
             <a:endParaRPr lang="fr-FR"/>
           </a:p>
@@ -3507,7 +3511,7 @@
     </p:spTree>
     <p:extLst>
       <p:ext uri="{BB962C8B-B14F-4D97-AF65-F5344CB8AC3E}">
-        <p14:creationId xmlns:p14="http://schemas.microsoft.com/office/powerpoint/2010/main" val="530832461"/>
+        <p14:creationId xmlns:p14="http://schemas.microsoft.com/office/powerpoint/2010/main" xmlns="" val="530832461"/>
       </p:ext>
     </p:extLst>
   </p:cSld>
@@ -3849,10 +3853,10 @@
           <a:lstStyle/>
           <a:p>
             <a:r>
-              <a:rPr lang="en-US" dirty="0" smtClean="0"/>
+              <a:rPr lang="en-US" noProof="0" smtClean="0"/>
               <a:t>React &amp; Redux</a:t>
             </a:r>
-            <a:endParaRPr lang="fr-FR" dirty="0"/>
+            <a:endParaRPr lang="en-US" noProof="0"/>
           </a:p>
         </p:txBody>
       </p:sp>
@@ -3872,26 +3876,26 @@
           <a:lstStyle/>
           <a:p>
             <a:r>
-              <a:rPr lang="en-US" dirty="0" smtClean="0"/>
+              <a:rPr lang="en-US" noProof="0" smtClean="0"/>
               <a:t>Keep your head cool and focused, there’s a tons of stuff to see today</a:t>
             </a:r>
           </a:p>
           <a:p>
-            <a:endParaRPr lang="en-US" dirty="0"/>
-          </a:p>
-          <a:p>
-            <a:r>
-              <a:rPr lang="en-US" dirty="0" smtClean="0"/>
+            <a:endParaRPr lang="en-US" noProof="0" smtClean="0"/>
+          </a:p>
+          <a:p>
+            <a:r>
+              <a:rPr lang="en-US" noProof="0" smtClean="0"/>
               <a:t>Cedric Hartland</a:t>
             </a:r>
-            <a:endParaRPr lang="fr-FR" dirty="0"/>
+            <a:endParaRPr lang="en-US" noProof="0"/>
           </a:p>
         </p:txBody>
       </p:sp>
     </p:spTree>
     <p:extLst>
       <p:ext uri="{BB962C8B-B14F-4D97-AF65-F5344CB8AC3E}">
-        <p14:creationId xmlns:p14="http://schemas.microsoft.com/office/powerpoint/2010/main" val="1719999807"/>
+        <p14:creationId xmlns:p14="http://schemas.microsoft.com/office/powerpoint/2010/main" xmlns="" val="1719999807"/>
       </p:ext>
     </p:extLst>
   </p:cSld>
@@ -3941,10 +3945,10 @@
           <a:lstStyle/>
           <a:p>
             <a:r>
-              <a:rPr lang="en-US" dirty="0" smtClean="0"/>
-              <a:t>React</a:t>
-            </a:r>
-            <a:endParaRPr lang="fr-FR" dirty="0"/>
+              <a:rPr lang="en-US" noProof="0" smtClean="0"/>
+              <a:t>A few words on performance</a:t>
+            </a:r>
+            <a:endParaRPr lang="en-US" noProof="0"/>
           </a:p>
         </p:txBody>
       </p:sp>
@@ -3961,97 +3965,124 @@
         <p:spPr/>
         <p:txBody>
           <a:bodyPr>
-            <a:normAutofit lnSpcReduction="10000"/>
+            <a:normAutofit/>
           </a:bodyPr>
           <a:lstStyle/>
           <a:p>
             <a:r>
-              <a:rPr lang="en-US" dirty="0" smtClean="0"/>
-              <a:t>A few words before moving to next topic… </a:t>
-            </a:r>
-          </a:p>
-          <a:p>
-            <a:pPr lvl="1"/>
-            <a:r>
-              <a:rPr lang="en-US" dirty="0" smtClean="0"/>
-              <a:t>…just in case it was not that clear</a:t>
-            </a:r>
-          </a:p>
-          <a:p>
-            <a:pPr lvl="1"/>
-            <a:endParaRPr lang="en-US" dirty="0"/>
-          </a:p>
-          <a:p>
-            <a:r>
-              <a:rPr lang="en-US" dirty="0" smtClean="0"/>
-              <a:t>React is designed in a declarative way</a:t>
-            </a:r>
-          </a:p>
-          <a:p>
-            <a:pPr lvl="1"/>
-            <a:r>
-              <a:rPr lang="en-US" dirty="0" smtClean="0"/>
-              <a:t>It can define it’s own internal state, but…</a:t>
-            </a:r>
-            <a:endParaRPr lang="fr-FR" dirty="0" smtClean="0"/>
-          </a:p>
-          <a:p>
-            <a:pPr lvl="1"/>
-            <a:r>
-              <a:rPr lang="en-US" dirty="0" smtClean="0"/>
-              <a:t>...most components will always return same content for given input and not hold internal state </a:t>
-            </a:r>
-            <a:r>
-              <a:rPr lang="en-US" sz="1800" dirty="0" smtClean="0">
+              <a:rPr lang="en-US" noProof="0" dirty="0" smtClean="0"/>
+              <a:t>Mounting (first render) is not cheap </a:t>
+            </a:r>
+            <a:r>
+              <a:rPr lang="en-US" sz="2000" noProof="0" dirty="0" smtClean="0">
                 <a:solidFill>
                   <a:schemeClr val="accent6"/>
                 </a:solidFill>
               </a:rPr>
-              <a:t>dumb components</a:t>
-            </a:r>
-          </a:p>
-          <a:p>
-            <a:endParaRPr lang="en-US" dirty="0" smtClean="0"/>
-          </a:p>
-          <a:p>
-            <a:r>
-              <a:rPr lang="en-US" b="1" dirty="0" smtClean="0"/>
-              <a:t>No more </a:t>
-            </a:r>
-            <a:r>
-              <a:rPr lang="en-US" dirty="0" err="1" smtClean="0"/>
+              <a:t>estimated x 5 times slower to </a:t>
+            </a:r>
+            <a:r>
+              <a:rPr lang="en-US" sz="2000" noProof="0" dirty="0" err="1" smtClean="0">
+                <a:solidFill>
+                  <a:schemeClr val="accent6"/>
+                </a:solidFill>
+              </a:rPr>
               <a:t>jquery</a:t>
             </a:r>
-            <a:r>
-              <a:rPr lang="en-US" dirty="0"/>
-              <a:t>,</a:t>
-            </a:r>
-            <a:r>
-              <a:rPr lang="en-US" dirty="0" smtClean="0"/>
-              <a:t> backbone or whatever </a:t>
-            </a:r>
-            <a:r>
-              <a:rPr lang="en-US" b="1" dirty="0" smtClean="0"/>
-              <a:t>rendering tweaks </a:t>
-            </a:r>
-            <a:r>
-              <a:rPr lang="en-US" dirty="0" smtClean="0"/>
-              <a:t>on user  interactions or from other sources</a:t>
-            </a:r>
+            <a:endParaRPr lang="en-US" noProof="0" dirty="0" smtClean="0">
+              <a:solidFill>
+                <a:schemeClr val="accent6"/>
+              </a:solidFill>
+            </a:endParaRPr>
           </a:p>
           <a:p>
             <a:pPr lvl="1"/>
             <a:r>
-              <a:rPr lang="en-US" dirty="0" smtClean="0"/>
-              <a:t>A single DOM source of truth is the output of render function</a:t>
+              <a:rPr lang="en-US" noProof="0" dirty="0" smtClean="0"/>
+              <a:t>Creation of shadow DOM</a:t>
             </a:r>
           </a:p>
           <a:p>
             <a:pPr lvl="1"/>
             <a:r>
-              <a:rPr lang="en-US" dirty="0" smtClean="0"/>
-              <a:t>Application state is not held in component ! </a:t>
-            </a:r>
+              <a:rPr lang="en-US" noProof="0" dirty="0" smtClean="0"/>
+              <a:t>Rendering of shadow DOM elements to actual DOM</a:t>
+            </a:r>
+          </a:p>
+          <a:p>
+            <a:r>
+              <a:rPr lang="en-US" noProof="0" dirty="0" smtClean="0"/>
+              <a:t>Updating state</a:t>
+            </a:r>
+          </a:p>
+          <a:p>
+            <a:pPr marL="914400" lvl="1" indent="-457200">
+              <a:buFont typeface="+mj-lt"/>
+              <a:buAutoNum type="arabicPeriod"/>
+            </a:pPr>
+            <a:r>
+              <a:rPr lang="en-US" noProof="0" dirty="0" smtClean="0"/>
+              <a:t>Component properties (input) changes trigger re-rendering</a:t>
+            </a:r>
+          </a:p>
+          <a:p>
+            <a:pPr marL="914400" lvl="1" indent="-457200">
+              <a:buFont typeface="+mj-lt"/>
+              <a:buAutoNum type="arabicPeriod"/>
+            </a:pPr>
+            <a:r>
+              <a:rPr lang="en-US" noProof="0" dirty="0" smtClean="0"/>
+              <a:t>Creation of shadow DOM </a:t>
+            </a:r>
+          </a:p>
+          <a:p>
+            <a:pPr marL="914400" lvl="1" indent="-457200">
+              <a:buFont typeface="+mj-lt"/>
+              <a:buAutoNum type="arabicPeriod"/>
+            </a:pPr>
+            <a:r>
+              <a:rPr lang="en-US" noProof="0" dirty="0" smtClean="0"/>
+              <a:t>Rendering of only differences to actual DOM </a:t>
+            </a:r>
+            <a:r>
+              <a:rPr lang="en-US" sz="1800" noProof="0" dirty="0" smtClean="0">
+                <a:solidFill>
+                  <a:schemeClr val="accent6"/>
+                </a:solidFill>
+              </a:rPr>
+              <a:t>strong positive impact on performance</a:t>
+            </a:r>
+            <a:endParaRPr lang="en-US" noProof="0" dirty="0" smtClean="0">
+              <a:solidFill>
+                <a:schemeClr val="accent6"/>
+              </a:solidFill>
+            </a:endParaRPr>
+          </a:p>
+          <a:p>
+            <a:pPr lvl="2"/>
+            <a:r>
+              <a:rPr lang="en-US" noProof="0" dirty="0" smtClean="0"/>
+              <a:t>Creating and comparing shadow DOMs still not actually cheap</a:t>
+            </a:r>
+          </a:p>
+          <a:p>
+            <a:r>
+              <a:rPr lang="en-US" noProof="0" dirty="0" smtClean="0"/>
+              <a:t>Optimize via </a:t>
+            </a:r>
+            <a:r>
+              <a:rPr lang="en-US" i="1" noProof="0" dirty="0" err="1" smtClean="0"/>
+              <a:t>shouldComponentUpdate</a:t>
+            </a:r>
+            <a:endParaRPr lang="en-US" i="1" noProof="0" dirty="0" smtClean="0"/>
+          </a:p>
+          <a:p>
+            <a:pPr lvl="1"/>
+            <a:r>
+              <a:rPr lang="en-US" noProof="0" dirty="0" smtClean="0"/>
+              <a:t>Bring business logic and guess whether the component should call render at all to reduce impact of creating and comparing shadow DOMs</a:t>
+            </a:r>
+            <a:endParaRPr lang="en-US" noProof="0" dirty="0"/>
           </a:p>
         </p:txBody>
       </p:sp>
@@ -4094,7 +4125,7 @@
           <a:lstStyle/>
           <a:p>
             <a:r>
-              <a:rPr lang="fr-FR" smtClean="0"/>
+              <a:rPr lang="fr-FR" dirty="0" smtClean="0"/>
               <a:t>cedric.hartland@gmail.com</a:t>
             </a:r>
             <a:endParaRPr lang="fr-FR" dirty="0"/>
@@ -4128,7 +4159,7 @@
     </p:spTree>
     <p:extLst>
       <p:ext uri="{BB962C8B-B14F-4D97-AF65-F5344CB8AC3E}">
-        <p14:creationId xmlns:p14="http://schemas.microsoft.com/office/powerpoint/2010/main" val="2829083960"/>
+        <p14:creationId xmlns:p14="http://schemas.microsoft.com/office/powerpoint/2010/main" xmlns="" val="812129721"/>
       </p:ext>
     </p:extLst>
   </p:cSld>
@@ -4171,10 +4202,10 @@
           <a:lstStyle/>
           <a:p>
             <a:r>
-              <a:rPr lang="en-US" dirty="0" smtClean="0"/>
+              <a:rPr lang="en-US" noProof="0" smtClean="0"/>
               <a:t>React</a:t>
             </a:r>
-            <a:endParaRPr lang="fr-FR" dirty="0"/>
+            <a:endParaRPr lang="en-US" noProof="0"/>
           </a:p>
         </p:txBody>
       </p:sp>
@@ -4190,10 +4221,106 @@
         </p:nvSpPr>
         <p:spPr/>
         <p:txBody>
-          <a:bodyPr/>
-          <a:lstStyle/>
-          <a:p>
-            <a:endParaRPr lang="fr-FR"/>
+          <a:bodyPr>
+            <a:normAutofit fontScale="92500"/>
+          </a:bodyPr>
+          <a:lstStyle/>
+          <a:p>
+            <a:r>
+              <a:rPr lang="en-US" noProof="0" dirty="0" smtClean="0"/>
+              <a:t>A few words before moving to next topic… </a:t>
+            </a:r>
+          </a:p>
+          <a:p>
+            <a:pPr lvl="1"/>
+            <a:r>
+              <a:rPr lang="en-US" noProof="0" dirty="0" smtClean="0"/>
+              <a:t>…just in case it was not that clear</a:t>
+            </a:r>
+          </a:p>
+          <a:p>
+            <a:pPr lvl="1"/>
+            <a:endParaRPr lang="en-US" noProof="0" dirty="0" smtClean="0"/>
+          </a:p>
+          <a:p>
+            <a:r>
+              <a:rPr lang="en-US" noProof="0" dirty="0" smtClean="0"/>
+              <a:t>React is designed in a declarative way</a:t>
+            </a:r>
+          </a:p>
+          <a:p>
+            <a:pPr lvl="1"/>
+            <a:r>
+              <a:rPr lang="en-US" noProof="0" dirty="0" smtClean="0"/>
+              <a:t>It can define it’s own internal state, but…</a:t>
+            </a:r>
+          </a:p>
+          <a:p>
+            <a:pPr lvl="1"/>
+            <a:r>
+              <a:rPr lang="en-US" noProof="0" dirty="0" smtClean="0"/>
+              <a:t>...most components will always return same content for given input and not hold internal state </a:t>
+            </a:r>
+            <a:r>
+              <a:rPr lang="en-US" sz="1800" noProof="0" dirty="0" smtClean="0">
+                <a:solidFill>
+                  <a:schemeClr val="accent6"/>
+                </a:solidFill>
+              </a:rPr>
+              <a:t>dumb components, pure components</a:t>
+            </a:r>
+          </a:p>
+          <a:p>
+            <a:endParaRPr lang="en-US" noProof="0" dirty="0" smtClean="0"/>
+          </a:p>
+          <a:p>
+            <a:r>
+              <a:rPr lang="en-US" b="1" noProof="0" dirty="0" smtClean="0"/>
+              <a:t>No more </a:t>
+            </a:r>
+            <a:r>
+              <a:rPr lang="en-US" noProof="0" dirty="0" err="1" smtClean="0"/>
+              <a:t>jquery</a:t>
+            </a:r>
+            <a:r>
+              <a:rPr lang="en-US" noProof="0" dirty="0" smtClean="0"/>
+              <a:t>, backbone or whatever </a:t>
+            </a:r>
+            <a:r>
+              <a:rPr lang="en-US" b="1" noProof="0" dirty="0" smtClean="0"/>
+              <a:t>rendering tweaks </a:t>
+            </a:r>
+            <a:r>
+              <a:rPr lang="en-US" noProof="0" dirty="0" smtClean="0"/>
+              <a:t>on user  interactions or from other sources</a:t>
+            </a:r>
+          </a:p>
+          <a:p>
+            <a:pPr lvl="1"/>
+            <a:r>
+              <a:rPr lang="en-US" noProof="0" dirty="0" smtClean="0"/>
+              <a:t>A single DOM source of truth is the output of render function</a:t>
+            </a:r>
+          </a:p>
+          <a:p>
+            <a:pPr lvl="1"/>
+            <a:r>
+              <a:rPr lang="en-US" noProof="0" dirty="0" smtClean="0"/>
+              <a:t>Application state is not held in component ! </a:t>
+            </a:r>
+            <a:r>
+              <a:rPr lang="en-US" sz="1900" noProof="0" dirty="0" smtClean="0">
+                <a:solidFill>
+                  <a:schemeClr val="accent6"/>
+                </a:solidFill>
+              </a:rPr>
+              <a:t>Well, it could but to be considered with care</a:t>
+            </a:r>
+            <a:endParaRPr lang="en-US" noProof="0" dirty="0" smtClean="0">
+              <a:solidFill>
+                <a:schemeClr val="accent6"/>
+              </a:solidFill>
+            </a:endParaRPr>
           </a:p>
         </p:txBody>
       </p:sp>
@@ -4270,7 +4397,7 @@
     </p:spTree>
     <p:extLst>
       <p:ext uri="{BB962C8B-B14F-4D97-AF65-F5344CB8AC3E}">
-        <p14:creationId xmlns:p14="http://schemas.microsoft.com/office/powerpoint/2010/main" val="1464338354"/>
+        <p14:creationId xmlns:p14="http://schemas.microsoft.com/office/powerpoint/2010/main" xmlns="" val="2829083960"/>
       </p:ext>
     </p:extLst>
   </p:cSld>
@@ -4299,7 +4426,7 @@
       </p:grpSpPr>
       <p:sp>
         <p:nvSpPr>
-          <p:cNvPr id="7" name="Title 6"/>
+          <p:cNvPr id="2" name="Titre 1"/>
           <p:cNvSpPr>
             <a:spLocks noGrp="1"/>
           </p:cNvSpPr>
@@ -4313,39 +4440,108 @@
           <a:lstStyle/>
           <a:p>
             <a:r>
+              <a:rPr lang="fr-FR" dirty="0" err="1" smtClean="0"/>
+              <a:t>React</a:t>
+            </a:r>
+            <a:r>
+              <a:rPr lang="fr-FR" dirty="0" smtClean="0"/>
+              <a:t> – </a:t>
+            </a:r>
+            <a:r>
+              <a:rPr lang="fr-FR" dirty="0" err="1" smtClean="0"/>
+              <a:t>dumb</a:t>
+            </a:r>
+            <a:r>
+              <a:rPr lang="fr-FR" dirty="0" smtClean="0"/>
+              <a:t> &amp; smart components</a:t>
+            </a:r>
+            <a:endParaRPr lang="fr-FR" dirty="0"/>
+          </a:p>
+        </p:txBody>
+      </p:sp>
+      <p:sp>
+        <p:nvSpPr>
+          <p:cNvPr id="3" name="Espace réservé du contenu 2"/>
+          <p:cNvSpPr>
+            <a:spLocks noGrp="1"/>
+          </p:cNvSpPr>
+          <p:nvPr>
+            <p:ph idx="1"/>
+          </p:nvPr>
+        </p:nvSpPr>
+        <p:spPr/>
+        <p:txBody>
+          <a:bodyPr/>
+          <a:lstStyle/>
+          <a:p>
+            <a:r>
               <a:rPr lang="en-US" dirty="0" smtClean="0"/>
-              <a:t>Redux, a sweet introduction</a:t>
-            </a:r>
-            <a:endParaRPr lang="fr-FR" dirty="0"/>
-          </a:p>
-        </p:txBody>
-      </p:sp>
-      <p:sp>
-        <p:nvSpPr>
-          <p:cNvPr id="8" name="Text Placeholder 7"/>
-          <p:cNvSpPr>
-            <a:spLocks noGrp="1"/>
-          </p:cNvSpPr>
-          <p:nvPr>
-            <p:ph type="body" idx="1"/>
-          </p:nvPr>
-        </p:nvSpPr>
-        <p:spPr/>
-        <p:txBody>
-          <a:bodyPr/>
-          <a:lstStyle/>
-          <a:p>
+              <a:t>Application state is not held in </a:t>
+            </a:r>
             <a:r>
               <a:rPr lang="en-US" dirty="0" smtClean="0"/>
-              <a:t>Single source of truth, read-only state, pure functions</a:t>
-            </a:r>
-            <a:endParaRPr lang="fr-FR" dirty="0"/>
-          </a:p>
-        </p:txBody>
-      </p:sp>
-      <p:sp>
-        <p:nvSpPr>
-          <p:cNvPr id="4" name="Date Placeholder 3"/>
+              <a:t>component</a:t>
+            </a:r>
+          </a:p>
+          <a:p>
+            <a:pPr lvl="1"/>
+            <a:r>
+              <a:rPr lang="en-US" dirty="0" smtClean="0"/>
+              <a:t>Most components are said to be </a:t>
+            </a:r>
+            <a:r>
+              <a:rPr lang="en-US" i="1" dirty="0" smtClean="0"/>
+              <a:t>dumb</a:t>
+            </a:r>
+          </a:p>
+          <a:p>
+            <a:pPr lvl="2"/>
+            <a:r>
+              <a:rPr lang="en-US" dirty="0" smtClean="0"/>
+              <a:t>only display data</a:t>
+            </a:r>
+          </a:p>
+          <a:p>
+            <a:pPr lvl="2"/>
+            <a:r>
+              <a:rPr lang="en-US" dirty="0" smtClean="0"/>
+              <a:t>Dispatch events from user actions</a:t>
+            </a:r>
+          </a:p>
+          <a:p>
+            <a:pPr lvl="1"/>
+            <a:r>
+              <a:rPr lang="en-US" dirty="0" smtClean="0"/>
+              <a:t>Some </a:t>
+            </a:r>
+            <a:r>
+              <a:rPr lang="en-US" i="1" dirty="0" smtClean="0"/>
+              <a:t>smarter</a:t>
+            </a:r>
+            <a:r>
+              <a:rPr lang="en-US" dirty="0" smtClean="0"/>
+              <a:t> components</a:t>
+            </a:r>
+          </a:p>
+          <a:p>
+            <a:pPr lvl="2"/>
+            <a:r>
+              <a:rPr lang="en-US" dirty="0" smtClean="0"/>
+              <a:t>Operate other components and user actions functions</a:t>
+            </a:r>
+          </a:p>
+          <a:p>
+            <a:pPr lvl="2"/>
+            <a:r>
+              <a:rPr lang="en-US" dirty="0" smtClean="0"/>
+              <a:t>Some bind data-source to operated dumb components</a:t>
+            </a:r>
+          </a:p>
+        </p:txBody>
+      </p:sp>
+      <p:sp>
+        <p:nvSpPr>
+          <p:cNvPr id="4" name="Espace réservé de la date 3"/>
           <p:cNvSpPr>
             <a:spLocks noGrp="1"/>
           </p:cNvSpPr>
@@ -4368,7 +4564,7 @@
       </p:sp>
       <p:sp>
         <p:nvSpPr>
-          <p:cNvPr id="5" name="Footer Placeholder 4"/>
+          <p:cNvPr id="5" name="Espace réservé du pied de page 4"/>
           <p:cNvSpPr>
             <a:spLocks noGrp="1"/>
           </p:cNvSpPr>
@@ -4391,7 +4587,7 @@
       </p:sp>
       <p:sp>
         <p:nvSpPr>
-          <p:cNvPr id="6" name="Slide Number Placeholder 5"/>
+          <p:cNvPr id="6" name="Espace réservé du numéro de diapositive 5"/>
           <p:cNvSpPr>
             <a:spLocks noGrp="1"/>
           </p:cNvSpPr>
@@ -4414,22 +4610,10 @@
         </p:txBody>
       </p:sp>
     </p:spTree>
-    <p:extLst>
-      <p:ext uri="{BB962C8B-B14F-4D97-AF65-F5344CB8AC3E}">
-        <p14:creationId xmlns:p14="http://schemas.microsoft.com/office/powerpoint/2010/main" val="188073970"/>
-      </p:ext>
-    </p:extLst>
   </p:cSld>
   <p:clrMapOvr>
     <a:masterClrMapping/>
   </p:clrMapOvr>
-  <p:timing>
-    <p:tnLst>
-      <p:par>
-        <p:cTn id="1" dur="indefinite" restart="never" nodeType="tmRoot"/>
-      </p:par>
-    </p:tnLst>
-  </p:timing>
 </p:sld>
 </file>
 
@@ -4465,26 +4649,34 @@
           <a:bodyPr/>
           <a:lstStyle/>
           <a:p>
-            <a:endParaRPr lang="fr-FR"/>
-          </a:p>
-        </p:txBody>
-      </p:sp>
-      <p:sp>
-        <p:nvSpPr>
-          <p:cNvPr id="8" name="Content Placeholder 7"/>
-          <p:cNvSpPr>
-            <a:spLocks noGrp="1"/>
-          </p:cNvSpPr>
-          <p:nvPr>
-            <p:ph idx="1"/>
-          </p:nvPr>
-        </p:nvSpPr>
-        <p:spPr/>
-        <p:txBody>
-          <a:bodyPr/>
-          <a:lstStyle/>
-          <a:p>
-            <a:endParaRPr lang="fr-FR"/>
+            <a:r>
+              <a:rPr lang="en-US" noProof="0" smtClean="0"/>
+              <a:t>Redux, a sweet introduction</a:t>
+            </a:r>
+            <a:endParaRPr lang="en-US" noProof="0"/>
+          </a:p>
+        </p:txBody>
+      </p:sp>
+      <p:sp>
+        <p:nvSpPr>
+          <p:cNvPr id="8" name="Text Placeholder 7"/>
+          <p:cNvSpPr>
+            <a:spLocks noGrp="1"/>
+          </p:cNvSpPr>
+          <p:nvPr>
+            <p:ph type="body" idx="1"/>
+          </p:nvPr>
+        </p:nvSpPr>
+        <p:spPr/>
+        <p:txBody>
+          <a:bodyPr/>
+          <a:lstStyle/>
+          <a:p>
+            <a:r>
+              <a:rPr lang="en-US" noProof="0" smtClean="0"/>
+              <a:t>Single source of truth, read-only state, pure functions</a:t>
+            </a:r>
+            <a:endParaRPr lang="en-US" noProof="0"/>
           </a:p>
         </p:txBody>
       </p:sp>
@@ -4530,7 +4722,7 @@
               <a:rPr lang="fr-FR" smtClean="0"/>
               <a:t>cedric.hartland@gmail.com</a:t>
             </a:r>
-            <a:endParaRPr lang="fr-FR"/>
+            <a:endParaRPr lang="fr-FR" dirty="0"/>
           </a:p>
         </p:txBody>
       </p:sp>
@@ -4561,7 +4753,7 @@
     </p:spTree>
     <p:extLst>
       <p:ext uri="{BB962C8B-B14F-4D97-AF65-F5344CB8AC3E}">
-        <p14:creationId xmlns:p14="http://schemas.microsoft.com/office/powerpoint/2010/main" val="3916897931"/>
+        <p14:creationId xmlns:p14="http://schemas.microsoft.com/office/powerpoint/2010/main" xmlns="" val="188073970"/>
       </p:ext>
     </p:extLst>
   </p:cSld>
@@ -4597,7 +4789,7 @@
       </p:grpSpPr>
       <p:sp>
         <p:nvSpPr>
-          <p:cNvPr id="2" name="Title 1"/>
+          <p:cNvPr id="7" name="Title 6"/>
           <p:cNvSpPr>
             <a:spLocks noGrp="1"/>
           </p:cNvSpPr>
@@ -4611,33 +4803,97 @@
           <a:lstStyle/>
           <a:p>
             <a:r>
-              <a:rPr lang="en-US" dirty="0" smtClean="0"/>
-              <a:t>React &amp; Redux</a:t>
-            </a:r>
-            <a:endParaRPr lang="fr-FR" dirty="0"/>
-          </a:p>
-        </p:txBody>
-      </p:sp>
-      <p:sp>
-        <p:nvSpPr>
-          <p:cNvPr id="3" name="Text Placeholder 2"/>
-          <p:cNvSpPr>
-            <a:spLocks noGrp="1"/>
-          </p:cNvSpPr>
-          <p:nvPr>
-            <p:ph type="body" idx="1"/>
-          </p:nvPr>
-        </p:nvSpPr>
-        <p:spPr/>
-        <p:txBody>
-          <a:bodyPr/>
-          <a:lstStyle/>
-          <a:p>
-            <a:r>
-              <a:rPr lang="en-US" dirty="0" smtClean="0"/>
-              <a:t>Rock &amp; Roll</a:t>
-            </a:r>
-            <a:endParaRPr lang="fr-FR" dirty="0"/>
+              <a:rPr lang="en-US" noProof="0" dirty="0" err="1" smtClean="0"/>
+              <a:t>Redux</a:t>
+            </a:r>
+            <a:r>
+              <a:rPr lang="en-US" noProof="0" dirty="0" smtClean="0"/>
+              <a:t> – what the flux ?</a:t>
+            </a:r>
+            <a:endParaRPr lang="en-US" noProof="0" dirty="0"/>
+          </a:p>
+        </p:txBody>
+      </p:sp>
+      <p:sp>
+        <p:nvSpPr>
+          <p:cNvPr id="8" name="Content Placeholder 7"/>
+          <p:cNvSpPr>
+            <a:spLocks noGrp="1"/>
+          </p:cNvSpPr>
+          <p:nvPr>
+            <p:ph idx="1"/>
+          </p:nvPr>
+        </p:nvSpPr>
+        <p:spPr/>
+        <p:txBody>
+          <a:bodyPr/>
+          <a:lstStyle/>
+          <a:p>
+            <a:r>
+              <a:rPr lang="fr-FR" dirty="0" err="1" smtClean="0"/>
+              <a:t>React</a:t>
+            </a:r>
+            <a:r>
+              <a:rPr lang="fr-FR" dirty="0" smtClean="0"/>
+              <a:t> </a:t>
+            </a:r>
+            <a:r>
+              <a:rPr lang="fr-FR" dirty="0" err="1" smtClean="0"/>
+              <a:t>takes</a:t>
+            </a:r>
+            <a:r>
+              <a:rPr lang="fr-FR" dirty="0" smtClean="0"/>
+              <a:t> data and </a:t>
+            </a:r>
+            <a:r>
+              <a:rPr lang="fr-FR" dirty="0" err="1" smtClean="0"/>
+              <a:t>produce</a:t>
+            </a:r>
+            <a:r>
+              <a:rPr lang="fr-FR" dirty="0" smtClean="0"/>
+              <a:t> DOM</a:t>
+            </a:r>
+          </a:p>
+          <a:p>
+            <a:pPr lvl="1"/>
+            <a:r>
+              <a:rPr lang="fr-FR" dirty="0" err="1" smtClean="0"/>
+              <a:t>Need</a:t>
+            </a:r>
+            <a:r>
+              <a:rPr lang="fr-FR" dirty="0" smtClean="0"/>
+              <a:t> for a data-source-management </a:t>
+            </a:r>
+            <a:r>
+              <a:rPr lang="fr-FR" dirty="0" err="1" smtClean="0"/>
+              <a:t>workflow</a:t>
+            </a:r>
+            <a:endParaRPr lang="fr-FR" dirty="0" smtClean="0"/>
+          </a:p>
+          <a:p>
+            <a:r>
+              <a:rPr lang="fr-FR" dirty="0" smtClean="0"/>
+              <a:t>Single source of </a:t>
+            </a:r>
+            <a:r>
+              <a:rPr lang="fr-FR" dirty="0" err="1" smtClean="0"/>
+              <a:t>truth</a:t>
+            </a:r>
+            <a:endParaRPr lang="fr-FR" dirty="0" smtClean="0"/>
+          </a:p>
+          <a:p>
+            <a:r>
+              <a:rPr lang="fr-FR" dirty="0" smtClean="0"/>
+              <a:t>Flux, the original</a:t>
+            </a:r>
+            <a:br>
+              <a:rPr lang="fr-FR" dirty="0" smtClean="0"/>
+            </a:br>
+            <a:r>
+              <a:rPr lang="fr-FR" dirty="0" err="1" smtClean="0"/>
+              <a:t>worflow</a:t>
+            </a:r>
+            <a:endParaRPr lang="fr-FR" dirty="0" smtClean="0"/>
           </a:p>
         </p:txBody>
       </p:sp>
@@ -4680,10 +4936,10 @@
           <a:lstStyle/>
           <a:p>
             <a:r>
-              <a:rPr lang="fr-FR" dirty="0" smtClean="0"/>
+              <a:rPr lang="fr-FR" smtClean="0"/>
               <a:t>cedric.hartland@gmail.com</a:t>
             </a:r>
-            <a:endParaRPr lang="fr-FR" dirty="0"/>
+            <a:endParaRPr lang="fr-FR"/>
           </a:p>
         </p:txBody>
       </p:sp>
@@ -4711,10 +4967,446 @@
           </a:p>
         </p:txBody>
       </p:sp>
+      <p:cxnSp>
+        <p:nvCxnSpPr>
+          <p:cNvPr id="50" name="Forme 49"/>
+          <p:cNvCxnSpPr>
+            <a:stCxn id="11" idx="2"/>
+            <a:endCxn id="10" idx="3"/>
+          </p:cNvCxnSpPr>
+          <p:nvPr/>
+        </p:nvCxnSpPr>
+        <p:spPr>
+          <a:xfrm rot="5400000">
+            <a:off x="9429751" y="4476750"/>
+            <a:ext cx="792956" cy="1550194"/>
+          </a:xfrm>
+          <a:prstGeom prst="curvedConnector2">
+            <a:avLst/>
+          </a:prstGeom>
+          <a:ln w="38100">
+            <a:tailEnd type="arrow"/>
+          </a:ln>
+        </p:spPr>
+        <p:style>
+          <a:lnRef idx="1">
+            <a:schemeClr val="accent3"/>
+          </a:lnRef>
+          <a:fillRef idx="0">
+            <a:schemeClr val="accent3"/>
+          </a:fillRef>
+          <a:effectRef idx="0">
+            <a:schemeClr val="accent3"/>
+          </a:effectRef>
+          <a:fontRef idx="minor">
+            <a:schemeClr val="tx1"/>
+          </a:fontRef>
+        </p:style>
+      </p:cxnSp>
+      <p:cxnSp>
+        <p:nvCxnSpPr>
+          <p:cNvPr id="51" name="Forme 50"/>
+          <p:cNvCxnSpPr>
+            <a:stCxn id="10" idx="1"/>
+            <a:endCxn id="12" idx="2"/>
+          </p:cNvCxnSpPr>
+          <p:nvPr/>
+        </p:nvCxnSpPr>
+        <p:spPr>
+          <a:xfrm rot="10800000">
+            <a:off x="5948363" y="4864895"/>
+            <a:ext cx="1550194" cy="783431"/>
+          </a:xfrm>
+          <a:prstGeom prst="curvedConnector2">
+            <a:avLst/>
+          </a:prstGeom>
+          <a:ln w="38100">
+            <a:tailEnd type="arrow"/>
+          </a:ln>
+        </p:spPr>
+        <p:style>
+          <a:lnRef idx="1">
+            <a:schemeClr val="accent3"/>
+          </a:lnRef>
+          <a:fillRef idx="0">
+            <a:schemeClr val="accent3"/>
+          </a:fillRef>
+          <a:effectRef idx="0">
+            <a:schemeClr val="accent3"/>
+          </a:effectRef>
+          <a:fontRef idx="minor">
+            <a:schemeClr val="tx1"/>
+          </a:fontRef>
+        </p:style>
+      </p:cxnSp>
+      <p:cxnSp>
+        <p:nvCxnSpPr>
+          <p:cNvPr id="54" name="Forme 53"/>
+          <p:cNvCxnSpPr>
+            <a:stCxn id="12" idx="0"/>
+            <a:endCxn id="9" idx="1"/>
+          </p:cNvCxnSpPr>
+          <p:nvPr/>
+        </p:nvCxnSpPr>
+        <p:spPr>
+          <a:xfrm rot="5400000" flipH="1" flipV="1">
+            <a:off x="6372226" y="2909888"/>
+            <a:ext cx="702468" cy="1550194"/>
+          </a:xfrm>
+          <a:prstGeom prst="curvedConnector2">
+            <a:avLst/>
+          </a:prstGeom>
+          <a:ln w="38100">
+            <a:tailEnd type="arrow"/>
+          </a:ln>
+        </p:spPr>
+        <p:style>
+          <a:lnRef idx="1">
+            <a:schemeClr val="accent3"/>
+          </a:lnRef>
+          <a:fillRef idx="0">
+            <a:schemeClr val="accent3"/>
+          </a:fillRef>
+          <a:effectRef idx="0">
+            <a:schemeClr val="accent3"/>
+          </a:effectRef>
+          <a:fontRef idx="minor">
+            <a:schemeClr val="tx1"/>
+          </a:fontRef>
+        </p:style>
+      </p:cxnSp>
+      <p:cxnSp>
+        <p:nvCxnSpPr>
+          <p:cNvPr id="59" name="Forme 58"/>
+          <p:cNvCxnSpPr>
+            <a:stCxn id="9" idx="3"/>
+            <a:endCxn id="11" idx="0"/>
+          </p:cNvCxnSpPr>
+          <p:nvPr/>
+        </p:nvCxnSpPr>
+        <p:spPr>
+          <a:xfrm>
+            <a:off x="9051132" y="3333751"/>
+            <a:ext cx="1550194" cy="711993"/>
+          </a:xfrm>
+          <a:prstGeom prst="curvedConnector2">
+            <a:avLst/>
+          </a:prstGeom>
+          <a:ln w="38100">
+            <a:tailEnd type="arrow"/>
+          </a:ln>
+        </p:spPr>
+        <p:style>
+          <a:lnRef idx="1">
+            <a:schemeClr val="accent3"/>
+          </a:lnRef>
+          <a:fillRef idx="0">
+            <a:schemeClr val="accent3"/>
+          </a:fillRef>
+          <a:effectRef idx="0">
+            <a:schemeClr val="accent3"/>
+          </a:effectRef>
+          <a:fontRef idx="minor">
+            <a:schemeClr val="tx1"/>
+          </a:fontRef>
+        </p:style>
+      </p:cxnSp>
+      <p:cxnSp>
+        <p:nvCxnSpPr>
+          <p:cNvPr id="64" name="Connecteur droit avec flèche 63"/>
+          <p:cNvCxnSpPr>
+            <a:endCxn id="12" idx="1"/>
+          </p:cNvCxnSpPr>
+          <p:nvPr/>
+        </p:nvCxnSpPr>
+        <p:spPr>
+          <a:xfrm>
+            <a:off x="3933825" y="4448175"/>
+            <a:ext cx="1238250" cy="2382"/>
+          </a:xfrm>
+          <a:prstGeom prst="straightConnector1">
+            <a:avLst/>
+          </a:prstGeom>
+          <a:ln w="38100">
+            <a:tailEnd type="arrow"/>
+          </a:ln>
+        </p:spPr>
+        <p:style>
+          <a:lnRef idx="1">
+            <a:schemeClr val="accent3"/>
+          </a:lnRef>
+          <a:fillRef idx="0">
+            <a:schemeClr val="accent3"/>
+          </a:fillRef>
+          <a:effectRef idx="0">
+            <a:schemeClr val="accent3"/>
+          </a:effectRef>
+          <a:fontRef idx="minor">
+            <a:schemeClr val="tx1"/>
+          </a:fontRef>
+        </p:style>
+      </p:cxnSp>
+      <p:sp>
+        <p:nvSpPr>
+          <p:cNvPr id="9" name="Rectangle à coins arrondis 8"/>
+          <p:cNvSpPr/>
+          <p:nvPr/>
+        </p:nvSpPr>
+        <p:spPr>
+          <a:xfrm>
+            <a:off x="7498557" y="2943226"/>
+            <a:ext cx="1552575" cy="781050"/>
+          </a:xfrm>
+          <a:prstGeom prst="roundRect">
+            <a:avLst/>
+          </a:prstGeom>
+          <a:solidFill>
+            <a:schemeClr val="bg2">
+              <a:lumMod val="25000"/>
+            </a:schemeClr>
+          </a:solidFill>
+          <a:ln w="28575">
+            <a:solidFill>
+              <a:schemeClr val="bg1"/>
+            </a:solidFill>
+          </a:ln>
+          <a:effectLst>
+            <a:outerShdw blurRad="63500" sx="102000" sy="102000" algn="ctr" rotWithShape="0">
+              <a:prstClr val="black">
+                <a:alpha val="40000"/>
+              </a:prstClr>
+            </a:outerShdw>
+          </a:effectLst>
+        </p:spPr>
+        <p:style>
+          <a:lnRef idx="2">
+            <a:schemeClr val="accent1">
+              <a:shade val="50000"/>
+            </a:schemeClr>
+          </a:lnRef>
+          <a:fillRef idx="1">
+            <a:schemeClr val="accent1"/>
+          </a:fillRef>
+          <a:effectRef idx="0">
+            <a:schemeClr val="accent1"/>
+          </a:effectRef>
+          <a:fontRef idx="minor">
+            <a:schemeClr val="lt1"/>
+          </a:fontRef>
+        </p:style>
+        <p:txBody>
+          <a:bodyPr rtlCol="0" anchor="ctr"/>
+          <a:lstStyle/>
+          <a:p>
+            <a:pPr algn="ctr"/>
+            <a:r>
+              <a:rPr lang="fr-FR" b="1" dirty="0" smtClean="0"/>
+              <a:t>Dispatcher</a:t>
+            </a:r>
+            <a:endParaRPr lang="fr-FR" b="1" dirty="0"/>
+          </a:p>
+        </p:txBody>
+      </p:sp>
+      <p:sp>
+        <p:nvSpPr>
+          <p:cNvPr id="10" name="Rectangle à coins arrondis 9"/>
+          <p:cNvSpPr/>
+          <p:nvPr/>
+        </p:nvSpPr>
+        <p:spPr>
+          <a:xfrm>
+            <a:off x="7498557" y="5257800"/>
+            <a:ext cx="1552575" cy="781050"/>
+          </a:xfrm>
+          <a:prstGeom prst="roundRect">
+            <a:avLst/>
+          </a:prstGeom>
+          <a:solidFill>
+            <a:schemeClr val="accent5"/>
+          </a:solidFill>
+          <a:ln w="28575">
+            <a:solidFill>
+              <a:schemeClr val="bg1"/>
+            </a:solidFill>
+          </a:ln>
+          <a:effectLst>
+            <a:outerShdw blurRad="63500" sx="102000" sy="102000" algn="ctr" rotWithShape="0">
+              <a:prstClr val="black">
+                <a:alpha val="40000"/>
+              </a:prstClr>
+            </a:outerShdw>
+          </a:effectLst>
+        </p:spPr>
+        <p:style>
+          <a:lnRef idx="2">
+            <a:schemeClr val="accent1">
+              <a:shade val="50000"/>
+            </a:schemeClr>
+          </a:lnRef>
+          <a:fillRef idx="1">
+            <a:schemeClr val="accent1"/>
+          </a:fillRef>
+          <a:effectRef idx="0">
+            <a:schemeClr val="accent1"/>
+          </a:effectRef>
+          <a:fontRef idx="minor">
+            <a:schemeClr val="lt1"/>
+          </a:fontRef>
+        </p:style>
+        <p:txBody>
+          <a:bodyPr rtlCol="0" anchor="ctr"/>
+          <a:lstStyle/>
+          <a:p>
+            <a:pPr algn="ctr"/>
+            <a:r>
+              <a:rPr lang="fr-FR" b="1" dirty="0" err="1" smtClean="0"/>
+              <a:t>React</a:t>
+            </a:r>
+            <a:r>
+              <a:rPr lang="fr-FR" b="1" dirty="0" smtClean="0"/>
+              <a:t> </a:t>
+            </a:r>
+            <a:r>
+              <a:rPr lang="fr-FR" b="1" dirty="0" err="1" smtClean="0"/>
+              <a:t>views</a:t>
+            </a:r>
+            <a:endParaRPr lang="fr-FR" b="1" dirty="0"/>
+          </a:p>
+        </p:txBody>
+      </p:sp>
+      <p:sp>
+        <p:nvSpPr>
+          <p:cNvPr id="11" name="Rectangle à coins arrondis 10"/>
+          <p:cNvSpPr/>
+          <p:nvPr/>
+        </p:nvSpPr>
+        <p:spPr>
+          <a:xfrm>
+            <a:off x="9825038" y="4045744"/>
+            <a:ext cx="1552575" cy="809625"/>
+          </a:xfrm>
+          <a:prstGeom prst="roundRect">
+            <a:avLst/>
+          </a:prstGeom>
+          <a:solidFill>
+            <a:schemeClr val="accent4">
+              <a:lumMod val="60000"/>
+              <a:lumOff val="40000"/>
+            </a:schemeClr>
+          </a:solidFill>
+          <a:ln w="28575">
+            <a:solidFill>
+              <a:schemeClr val="bg1"/>
+            </a:solidFill>
+          </a:ln>
+          <a:effectLst>
+            <a:outerShdw blurRad="63500" sx="102000" sy="102000" algn="ctr" rotWithShape="0">
+              <a:prstClr val="black">
+                <a:alpha val="40000"/>
+              </a:prstClr>
+            </a:outerShdw>
+          </a:effectLst>
+        </p:spPr>
+        <p:style>
+          <a:lnRef idx="2">
+            <a:schemeClr val="accent1">
+              <a:shade val="50000"/>
+            </a:schemeClr>
+          </a:lnRef>
+          <a:fillRef idx="1">
+            <a:schemeClr val="accent1"/>
+          </a:fillRef>
+          <a:effectRef idx="0">
+            <a:schemeClr val="accent1"/>
+          </a:effectRef>
+          <a:fontRef idx="minor">
+            <a:schemeClr val="lt1"/>
+          </a:fontRef>
+        </p:style>
+        <p:txBody>
+          <a:bodyPr rtlCol="0" anchor="ctr"/>
+          <a:lstStyle/>
+          <a:p>
+            <a:pPr algn="ctr"/>
+            <a:r>
+              <a:rPr lang="fr-FR" b="1" dirty="0" smtClean="0">
+                <a:solidFill>
+                  <a:schemeClr val="tx1"/>
+                </a:solidFill>
+              </a:rPr>
+              <a:t>Store</a:t>
+            </a:r>
+            <a:endParaRPr lang="fr-FR" b="1" dirty="0">
+              <a:solidFill>
+                <a:schemeClr val="tx1"/>
+              </a:solidFill>
+            </a:endParaRPr>
+          </a:p>
+        </p:txBody>
+      </p:sp>
+      <p:sp>
+        <p:nvSpPr>
+          <p:cNvPr id="12" name="Rectangle à coins arrondis 11"/>
+          <p:cNvSpPr/>
+          <p:nvPr/>
+        </p:nvSpPr>
+        <p:spPr>
+          <a:xfrm>
+            <a:off x="5172075" y="4036219"/>
+            <a:ext cx="1552575" cy="828675"/>
+          </a:xfrm>
+          <a:prstGeom prst="roundRect">
+            <a:avLst/>
+          </a:prstGeom>
+          <a:solidFill>
+            <a:schemeClr val="accent2"/>
+          </a:solidFill>
+          <a:ln w="28575">
+            <a:solidFill>
+              <a:schemeClr val="bg1"/>
+            </a:solidFill>
+          </a:ln>
+          <a:effectLst>
+            <a:outerShdw blurRad="63500" sx="102000" sy="102000" algn="ctr" rotWithShape="0">
+              <a:prstClr val="black">
+                <a:alpha val="40000"/>
+              </a:prstClr>
+            </a:outerShdw>
+          </a:effectLst>
+        </p:spPr>
+        <p:style>
+          <a:lnRef idx="2">
+            <a:schemeClr val="accent1">
+              <a:shade val="50000"/>
+            </a:schemeClr>
+          </a:lnRef>
+          <a:fillRef idx="1">
+            <a:schemeClr val="accent1"/>
+          </a:fillRef>
+          <a:effectRef idx="0">
+            <a:schemeClr val="accent1"/>
+          </a:effectRef>
+          <a:fontRef idx="minor">
+            <a:schemeClr val="lt1"/>
+          </a:fontRef>
+        </p:style>
+        <p:txBody>
+          <a:bodyPr rtlCol="0" anchor="ctr"/>
+          <a:lstStyle/>
+          <a:p>
+            <a:pPr algn="ctr"/>
+            <a:r>
+              <a:rPr lang="fr-FR" b="1" dirty="0" smtClean="0"/>
+              <a:t>Action</a:t>
+            </a:r>
+            <a:endParaRPr lang="fr-FR" b="1" dirty="0"/>
+          </a:p>
+        </p:txBody>
+      </p:sp>
     </p:spTree>
     <p:extLst>
       <p:ext uri="{BB962C8B-B14F-4D97-AF65-F5344CB8AC3E}">
-        <p14:creationId xmlns:p14="http://schemas.microsoft.com/office/powerpoint/2010/main" val="3691361"/>
+        <p14:creationId xmlns:p14="http://schemas.microsoft.com/office/powerpoint/2010/main" xmlns="" val="3916897931"/>
       </p:ext>
     </p:extLst>
   </p:cSld>
@@ -4750,7 +5442,7 @@
       </p:grpSpPr>
       <p:sp>
         <p:nvSpPr>
-          <p:cNvPr id="2" name="Title 1"/>
+          <p:cNvPr id="7" name="Title 6"/>
           <p:cNvSpPr>
             <a:spLocks noGrp="1"/>
           </p:cNvSpPr>
@@ -4764,33 +5456,109 @@
           <a:lstStyle/>
           <a:p>
             <a:r>
-              <a:rPr lang="en-US" dirty="0" smtClean="0"/>
-              <a:t>Wait, there’s more</a:t>
-            </a:r>
-            <a:endParaRPr lang="fr-FR" dirty="0"/>
-          </a:p>
-        </p:txBody>
-      </p:sp>
-      <p:sp>
-        <p:nvSpPr>
-          <p:cNvPr id="3" name="Text Placeholder 2"/>
-          <p:cNvSpPr>
-            <a:spLocks noGrp="1"/>
-          </p:cNvSpPr>
-          <p:nvPr>
-            <p:ph type="body" idx="1"/>
-          </p:nvPr>
-        </p:nvSpPr>
-        <p:spPr/>
-        <p:txBody>
-          <a:bodyPr/>
-          <a:lstStyle/>
-          <a:p>
-            <a:r>
-              <a:rPr lang="en-US" dirty="0" smtClean="0"/>
-              <a:t>Build, enhanced development process and how to test</a:t>
-            </a:r>
-            <a:endParaRPr lang="fr-FR" dirty="0"/>
+              <a:rPr lang="en-US" noProof="0" dirty="0" err="1" smtClean="0"/>
+              <a:t>Redux</a:t>
+            </a:r>
+            <a:r>
+              <a:rPr lang="en-US" noProof="0" dirty="0" smtClean="0"/>
+              <a:t> – what the flux ?</a:t>
+            </a:r>
+            <a:endParaRPr lang="en-US" noProof="0" dirty="0"/>
+          </a:p>
+        </p:txBody>
+      </p:sp>
+      <p:sp>
+        <p:nvSpPr>
+          <p:cNvPr id="8" name="Content Placeholder 7"/>
+          <p:cNvSpPr>
+            <a:spLocks noGrp="1"/>
+          </p:cNvSpPr>
+          <p:nvPr>
+            <p:ph idx="1"/>
+          </p:nvPr>
+        </p:nvSpPr>
+        <p:spPr/>
+        <p:txBody>
+          <a:bodyPr/>
+          <a:lstStyle/>
+          <a:p>
+            <a:r>
+              <a:rPr lang="fr-FR" dirty="0" err="1" smtClean="0"/>
+              <a:t>React</a:t>
+            </a:r>
+            <a:r>
+              <a:rPr lang="fr-FR" dirty="0" smtClean="0"/>
+              <a:t> </a:t>
+            </a:r>
+            <a:r>
+              <a:rPr lang="fr-FR" dirty="0" err="1" smtClean="0"/>
+              <a:t>takes</a:t>
+            </a:r>
+            <a:r>
+              <a:rPr lang="fr-FR" dirty="0" smtClean="0"/>
+              <a:t> data and </a:t>
+            </a:r>
+            <a:r>
+              <a:rPr lang="fr-FR" dirty="0" err="1" smtClean="0"/>
+              <a:t>produce</a:t>
+            </a:r>
+            <a:r>
+              <a:rPr lang="fr-FR" dirty="0" smtClean="0"/>
+              <a:t> DOM</a:t>
+            </a:r>
+          </a:p>
+          <a:p>
+            <a:pPr lvl="1"/>
+            <a:r>
+              <a:rPr lang="fr-FR" dirty="0" err="1" smtClean="0"/>
+              <a:t>Need</a:t>
+            </a:r>
+            <a:r>
+              <a:rPr lang="fr-FR" dirty="0" smtClean="0"/>
+              <a:t> for a data-source-management </a:t>
+            </a:r>
+            <a:r>
+              <a:rPr lang="fr-FR" dirty="0" err="1" smtClean="0"/>
+              <a:t>workflow</a:t>
+            </a:r>
+            <a:endParaRPr lang="fr-FR" dirty="0" smtClean="0"/>
+          </a:p>
+          <a:p>
+            <a:r>
+              <a:rPr lang="fr-FR" dirty="0" smtClean="0"/>
+              <a:t>Single source of </a:t>
+            </a:r>
+            <a:r>
+              <a:rPr lang="fr-FR" dirty="0" err="1" smtClean="0"/>
+              <a:t>truth</a:t>
+            </a:r>
+            <a:endParaRPr lang="fr-FR" dirty="0" smtClean="0"/>
+          </a:p>
+          <a:p>
+            <a:r>
+              <a:rPr lang="fr-FR" dirty="0" smtClean="0"/>
+              <a:t>Flux, the </a:t>
+            </a:r>
+            <a:r>
+              <a:rPr lang="fr-FR" dirty="0" err="1" smtClean="0"/>
+              <a:t>worflow</a:t>
+            </a:r>
+            <a:r>
+              <a:rPr lang="fr-FR" dirty="0" smtClean="0"/>
+              <a:t/>
+            </a:r>
+            <a:br>
+              <a:rPr lang="fr-FR" dirty="0" smtClean="0"/>
+            </a:br>
+            <a:r>
+              <a:rPr lang="fr-FR" dirty="0" smtClean="0"/>
+              <a:t>more in </a:t>
+            </a:r>
+            <a:r>
+              <a:rPr lang="fr-FR" dirty="0" err="1" smtClean="0"/>
+              <a:t>details</a:t>
+            </a:r>
+            <a:endParaRPr lang="fr-FR" dirty="0" smtClean="0"/>
           </a:p>
         </p:txBody>
       </p:sp>
@@ -4864,10 +5632,1936 @@
           </a:p>
         </p:txBody>
       </p:sp>
+      <p:cxnSp>
+        <p:nvCxnSpPr>
+          <p:cNvPr id="20" name="Connecteur droit avec flèche 19"/>
+          <p:cNvCxnSpPr>
+            <a:stCxn id="16" idx="2"/>
+            <a:endCxn id="11" idx="0"/>
+          </p:cNvCxnSpPr>
+          <p:nvPr/>
+        </p:nvCxnSpPr>
+        <p:spPr>
+          <a:xfrm>
+            <a:off x="10601326" y="3500438"/>
+            <a:ext cx="0" cy="545306"/>
+          </a:xfrm>
+          <a:prstGeom prst="straightConnector1">
+            <a:avLst/>
+          </a:prstGeom>
+          <a:ln w="38100">
+            <a:tailEnd type="arrow"/>
+          </a:ln>
+        </p:spPr>
+        <p:style>
+          <a:lnRef idx="1">
+            <a:schemeClr val="accent3"/>
+          </a:lnRef>
+          <a:fillRef idx="0">
+            <a:schemeClr val="accent3"/>
+          </a:fillRef>
+          <a:effectRef idx="0">
+            <a:schemeClr val="accent3"/>
+          </a:effectRef>
+          <a:fontRef idx="minor">
+            <a:schemeClr val="tx1"/>
+          </a:fontRef>
+        </p:style>
+      </p:cxnSp>
+      <p:cxnSp>
+        <p:nvCxnSpPr>
+          <p:cNvPr id="25" name="Connecteur droit avec flèche 24"/>
+          <p:cNvCxnSpPr>
+            <a:stCxn id="11" idx="2"/>
+            <a:endCxn id="17" idx="0"/>
+          </p:cNvCxnSpPr>
+          <p:nvPr/>
+        </p:nvCxnSpPr>
+        <p:spPr>
+          <a:xfrm flipH="1">
+            <a:off x="10601325" y="4855369"/>
+            <a:ext cx="1" cy="521494"/>
+          </a:xfrm>
+          <a:prstGeom prst="straightConnector1">
+            <a:avLst/>
+          </a:prstGeom>
+          <a:ln w="38100">
+            <a:tailEnd type="arrow"/>
+          </a:ln>
+        </p:spPr>
+        <p:style>
+          <a:lnRef idx="1">
+            <a:schemeClr val="accent3"/>
+          </a:lnRef>
+          <a:fillRef idx="0">
+            <a:schemeClr val="accent3"/>
+          </a:fillRef>
+          <a:effectRef idx="0">
+            <a:schemeClr val="accent3"/>
+          </a:effectRef>
+          <a:fontRef idx="minor">
+            <a:schemeClr val="tx1"/>
+          </a:fontRef>
+        </p:style>
+      </p:cxnSp>
+      <p:cxnSp>
+        <p:nvCxnSpPr>
+          <p:cNvPr id="28" name="Connecteur droit avec flèche 27"/>
+          <p:cNvCxnSpPr>
+            <a:stCxn id="17" idx="1"/>
+            <a:endCxn id="10" idx="3"/>
+          </p:cNvCxnSpPr>
+          <p:nvPr/>
+        </p:nvCxnSpPr>
+        <p:spPr>
+          <a:xfrm flipH="1" flipV="1">
+            <a:off x="9051132" y="5648325"/>
+            <a:ext cx="835818" cy="1"/>
+          </a:xfrm>
+          <a:prstGeom prst="straightConnector1">
+            <a:avLst/>
+          </a:prstGeom>
+          <a:ln w="38100">
+            <a:tailEnd type="arrow"/>
+          </a:ln>
+        </p:spPr>
+        <p:style>
+          <a:lnRef idx="1">
+            <a:schemeClr val="accent3"/>
+          </a:lnRef>
+          <a:fillRef idx="0">
+            <a:schemeClr val="accent3"/>
+          </a:fillRef>
+          <a:effectRef idx="0">
+            <a:schemeClr val="accent3"/>
+          </a:effectRef>
+          <a:fontRef idx="minor">
+            <a:schemeClr val="tx1"/>
+          </a:fontRef>
+        </p:style>
+      </p:cxnSp>
+      <p:cxnSp>
+        <p:nvCxnSpPr>
+          <p:cNvPr id="30" name="Connecteur droit avec flèche 29"/>
+          <p:cNvCxnSpPr>
+            <a:stCxn id="18" idx="0"/>
+            <a:endCxn id="12" idx="2"/>
+          </p:cNvCxnSpPr>
+          <p:nvPr/>
+        </p:nvCxnSpPr>
+        <p:spPr>
+          <a:xfrm flipV="1">
+            <a:off x="5948363" y="4864894"/>
+            <a:ext cx="0" cy="507205"/>
+          </a:xfrm>
+          <a:prstGeom prst="straightConnector1">
+            <a:avLst/>
+          </a:prstGeom>
+          <a:ln w="38100">
+            <a:tailEnd type="arrow"/>
+          </a:ln>
+        </p:spPr>
+        <p:style>
+          <a:lnRef idx="1">
+            <a:schemeClr val="accent3"/>
+          </a:lnRef>
+          <a:fillRef idx="0">
+            <a:schemeClr val="accent3"/>
+          </a:fillRef>
+          <a:effectRef idx="0">
+            <a:schemeClr val="accent3"/>
+          </a:effectRef>
+          <a:fontRef idx="minor">
+            <a:schemeClr val="tx1"/>
+          </a:fontRef>
+        </p:style>
+      </p:cxnSp>
+      <p:cxnSp>
+        <p:nvCxnSpPr>
+          <p:cNvPr id="33" name="Connecteur droit avec flèche 32"/>
+          <p:cNvCxnSpPr>
+            <a:stCxn id="15" idx="3"/>
+            <a:endCxn id="9" idx="1"/>
+          </p:cNvCxnSpPr>
+          <p:nvPr/>
+        </p:nvCxnSpPr>
+        <p:spPr>
+          <a:xfrm>
+            <a:off x="6438900" y="3333751"/>
+            <a:ext cx="1059657" cy="0"/>
+          </a:xfrm>
+          <a:prstGeom prst="straightConnector1">
+            <a:avLst/>
+          </a:prstGeom>
+          <a:ln w="38100">
+            <a:tailEnd type="arrow"/>
+          </a:ln>
+        </p:spPr>
+        <p:style>
+          <a:lnRef idx="1">
+            <a:schemeClr val="accent3"/>
+          </a:lnRef>
+          <a:fillRef idx="0">
+            <a:schemeClr val="accent3"/>
+          </a:fillRef>
+          <a:effectRef idx="0">
+            <a:schemeClr val="accent3"/>
+          </a:effectRef>
+          <a:fontRef idx="minor">
+            <a:schemeClr val="tx1"/>
+          </a:fontRef>
+        </p:style>
+      </p:cxnSp>
+      <p:cxnSp>
+        <p:nvCxnSpPr>
+          <p:cNvPr id="37" name="Connecteur droit avec flèche 36"/>
+          <p:cNvCxnSpPr>
+            <a:stCxn id="14" idx="1"/>
+            <a:endCxn id="13" idx="3"/>
+          </p:cNvCxnSpPr>
+          <p:nvPr/>
+        </p:nvCxnSpPr>
+        <p:spPr>
+          <a:xfrm flipH="1">
+            <a:off x="2705101" y="4450557"/>
+            <a:ext cx="638175" cy="0"/>
+          </a:xfrm>
+          <a:prstGeom prst="straightConnector1">
+            <a:avLst/>
+          </a:prstGeom>
+          <a:ln w="38100">
+            <a:headEnd type="arrow"/>
+            <a:tailEnd type="arrow"/>
+          </a:ln>
+        </p:spPr>
+        <p:style>
+          <a:lnRef idx="1">
+            <a:schemeClr val="accent3"/>
+          </a:lnRef>
+          <a:fillRef idx="0">
+            <a:schemeClr val="accent3"/>
+          </a:fillRef>
+          <a:effectRef idx="0">
+            <a:schemeClr val="accent3"/>
+          </a:effectRef>
+          <a:fontRef idx="minor">
+            <a:schemeClr val="tx1"/>
+          </a:fontRef>
+        </p:style>
+      </p:cxnSp>
+      <p:cxnSp>
+        <p:nvCxnSpPr>
+          <p:cNvPr id="38" name="Connecteur droit avec flèche 37"/>
+          <p:cNvCxnSpPr>
+            <a:stCxn id="12" idx="1"/>
+            <a:endCxn id="14" idx="3"/>
+          </p:cNvCxnSpPr>
+          <p:nvPr/>
+        </p:nvCxnSpPr>
+        <p:spPr>
+          <a:xfrm flipH="1">
+            <a:off x="4505326" y="4450557"/>
+            <a:ext cx="666749" cy="0"/>
+          </a:xfrm>
+          <a:prstGeom prst="straightConnector1">
+            <a:avLst/>
+          </a:prstGeom>
+          <a:ln w="38100">
+            <a:headEnd type="arrow"/>
+            <a:tailEnd type="arrow"/>
+          </a:ln>
+        </p:spPr>
+        <p:style>
+          <a:lnRef idx="1">
+            <a:schemeClr val="accent3"/>
+          </a:lnRef>
+          <a:fillRef idx="0">
+            <a:schemeClr val="accent3"/>
+          </a:fillRef>
+          <a:effectRef idx="0">
+            <a:schemeClr val="accent3"/>
+          </a:effectRef>
+          <a:fontRef idx="minor">
+            <a:schemeClr val="tx1"/>
+          </a:fontRef>
+        </p:style>
+      </p:cxnSp>
+      <p:cxnSp>
+        <p:nvCxnSpPr>
+          <p:cNvPr id="42" name="Connecteur droit 41"/>
+          <p:cNvCxnSpPr>
+            <a:stCxn id="12" idx="0"/>
+            <a:endCxn id="15" idx="2"/>
+          </p:cNvCxnSpPr>
+          <p:nvPr/>
+        </p:nvCxnSpPr>
+        <p:spPr>
+          <a:xfrm flipV="1">
+            <a:off x="5948363" y="3500438"/>
+            <a:ext cx="0" cy="535781"/>
+          </a:xfrm>
+          <a:prstGeom prst="line">
+            <a:avLst/>
+          </a:prstGeom>
+          <a:ln w="38100"/>
+        </p:spPr>
+        <p:style>
+          <a:lnRef idx="1">
+            <a:schemeClr val="accent3"/>
+          </a:lnRef>
+          <a:fillRef idx="0">
+            <a:schemeClr val="accent3"/>
+          </a:fillRef>
+          <a:effectRef idx="0">
+            <a:schemeClr val="accent3"/>
+          </a:effectRef>
+          <a:fontRef idx="minor">
+            <a:schemeClr val="tx1"/>
+          </a:fontRef>
+        </p:style>
+      </p:cxnSp>
+      <p:cxnSp>
+        <p:nvCxnSpPr>
+          <p:cNvPr id="44" name="Connecteur droit 43"/>
+          <p:cNvCxnSpPr>
+            <a:stCxn id="9" idx="3"/>
+            <a:endCxn id="16" idx="1"/>
+          </p:cNvCxnSpPr>
+          <p:nvPr/>
+        </p:nvCxnSpPr>
+        <p:spPr>
+          <a:xfrm>
+            <a:off x="9051132" y="3333751"/>
+            <a:ext cx="1059656" cy="0"/>
+          </a:xfrm>
+          <a:prstGeom prst="line">
+            <a:avLst/>
+          </a:prstGeom>
+          <a:ln w="38100"/>
+        </p:spPr>
+        <p:style>
+          <a:lnRef idx="1">
+            <a:schemeClr val="accent3"/>
+          </a:lnRef>
+          <a:fillRef idx="0">
+            <a:schemeClr val="accent3"/>
+          </a:fillRef>
+          <a:effectRef idx="0">
+            <a:schemeClr val="accent3"/>
+          </a:effectRef>
+          <a:fontRef idx="minor">
+            <a:schemeClr val="tx1"/>
+          </a:fontRef>
+        </p:style>
+      </p:cxnSp>
+      <p:cxnSp>
+        <p:nvCxnSpPr>
+          <p:cNvPr id="46" name="Connecteur droit 45"/>
+          <p:cNvCxnSpPr>
+            <a:stCxn id="10" idx="1"/>
+            <a:endCxn id="18" idx="3"/>
+          </p:cNvCxnSpPr>
+          <p:nvPr/>
+        </p:nvCxnSpPr>
+        <p:spPr>
+          <a:xfrm flipH="1" flipV="1">
+            <a:off x="6543675" y="5643562"/>
+            <a:ext cx="954882" cy="4763"/>
+          </a:xfrm>
+          <a:prstGeom prst="line">
+            <a:avLst/>
+          </a:prstGeom>
+          <a:ln w="38100"/>
+        </p:spPr>
+        <p:style>
+          <a:lnRef idx="1">
+            <a:schemeClr val="accent3"/>
+          </a:lnRef>
+          <a:fillRef idx="0">
+            <a:schemeClr val="accent3"/>
+          </a:fillRef>
+          <a:effectRef idx="0">
+            <a:schemeClr val="accent3"/>
+          </a:effectRef>
+          <a:fontRef idx="minor">
+            <a:schemeClr val="tx1"/>
+          </a:fontRef>
+        </p:style>
+      </p:cxnSp>
+      <p:sp>
+        <p:nvSpPr>
+          <p:cNvPr id="9" name="Rectangle à coins arrondis 8"/>
+          <p:cNvSpPr/>
+          <p:nvPr/>
+        </p:nvSpPr>
+        <p:spPr>
+          <a:xfrm>
+            <a:off x="7498557" y="2943226"/>
+            <a:ext cx="1552575" cy="781050"/>
+          </a:xfrm>
+          <a:prstGeom prst="roundRect">
+            <a:avLst/>
+          </a:prstGeom>
+          <a:solidFill>
+            <a:schemeClr val="bg2">
+              <a:lumMod val="25000"/>
+            </a:schemeClr>
+          </a:solidFill>
+          <a:ln w="28575">
+            <a:solidFill>
+              <a:schemeClr val="bg1"/>
+            </a:solidFill>
+          </a:ln>
+          <a:effectLst>
+            <a:outerShdw blurRad="63500" sx="102000" sy="102000" algn="ctr" rotWithShape="0">
+              <a:prstClr val="black">
+                <a:alpha val="40000"/>
+              </a:prstClr>
+            </a:outerShdw>
+          </a:effectLst>
+        </p:spPr>
+        <p:style>
+          <a:lnRef idx="2">
+            <a:schemeClr val="accent1">
+              <a:shade val="50000"/>
+            </a:schemeClr>
+          </a:lnRef>
+          <a:fillRef idx="1">
+            <a:schemeClr val="accent1"/>
+          </a:fillRef>
+          <a:effectRef idx="0">
+            <a:schemeClr val="accent1"/>
+          </a:effectRef>
+          <a:fontRef idx="minor">
+            <a:schemeClr val="lt1"/>
+          </a:fontRef>
+        </p:style>
+        <p:txBody>
+          <a:bodyPr rtlCol="0" anchor="ctr"/>
+          <a:lstStyle/>
+          <a:p>
+            <a:pPr algn="ctr"/>
+            <a:r>
+              <a:rPr lang="fr-FR" b="1" dirty="0" smtClean="0"/>
+              <a:t>Dispatcher</a:t>
+            </a:r>
+            <a:endParaRPr lang="fr-FR" b="1" dirty="0"/>
+          </a:p>
+        </p:txBody>
+      </p:sp>
+      <p:sp>
+        <p:nvSpPr>
+          <p:cNvPr id="10" name="Rectangle à coins arrondis 9"/>
+          <p:cNvSpPr/>
+          <p:nvPr/>
+        </p:nvSpPr>
+        <p:spPr>
+          <a:xfrm>
+            <a:off x="7498557" y="5257800"/>
+            <a:ext cx="1552575" cy="781050"/>
+          </a:xfrm>
+          <a:prstGeom prst="roundRect">
+            <a:avLst/>
+          </a:prstGeom>
+          <a:solidFill>
+            <a:schemeClr val="accent5"/>
+          </a:solidFill>
+          <a:ln w="28575">
+            <a:solidFill>
+              <a:schemeClr val="bg1"/>
+            </a:solidFill>
+          </a:ln>
+          <a:effectLst>
+            <a:outerShdw blurRad="63500" sx="102000" sy="102000" algn="ctr" rotWithShape="0">
+              <a:prstClr val="black">
+                <a:alpha val="40000"/>
+              </a:prstClr>
+            </a:outerShdw>
+          </a:effectLst>
+        </p:spPr>
+        <p:style>
+          <a:lnRef idx="2">
+            <a:schemeClr val="accent1">
+              <a:shade val="50000"/>
+            </a:schemeClr>
+          </a:lnRef>
+          <a:fillRef idx="1">
+            <a:schemeClr val="accent1"/>
+          </a:fillRef>
+          <a:effectRef idx="0">
+            <a:schemeClr val="accent1"/>
+          </a:effectRef>
+          <a:fontRef idx="minor">
+            <a:schemeClr val="lt1"/>
+          </a:fontRef>
+        </p:style>
+        <p:txBody>
+          <a:bodyPr rtlCol="0" anchor="ctr"/>
+          <a:lstStyle/>
+          <a:p>
+            <a:pPr algn="ctr"/>
+            <a:r>
+              <a:rPr lang="fr-FR" b="1" dirty="0" err="1" smtClean="0"/>
+              <a:t>React</a:t>
+            </a:r>
+            <a:r>
+              <a:rPr lang="fr-FR" b="1" dirty="0" smtClean="0"/>
+              <a:t> </a:t>
+            </a:r>
+            <a:r>
+              <a:rPr lang="fr-FR" b="1" dirty="0" err="1" smtClean="0"/>
+              <a:t>views</a:t>
+            </a:r>
+            <a:endParaRPr lang="fr-FR" b="1" dirty="0"/>
+          </a:p>
+        </p:txBody>
+      </p:sp>
+      <p:sp>
+        <p:nvSpPr>
+          <p:cNvPr id="11" name="Rectangle à coins arrondis 10"/>
+          <p:cNvSpPr/>
+          <p:nvPr/>
+        </p:nvSpPr>
+        <p:spPr>
+          <a:xfrm>
+            <a:off x="9825038" y="4045744"/>
+            <a:ext cx="1552575" cy="809625"/>
+          </a:xfrm>
+          <a:prstGeom prst="roundRect">
+            <a:avLst/>
+          </a:prstGeom>
+          <a:solidFill>
+            <a:schemeClr val="accent4">
+              <a:lumMod val="60000"/>
+              <a:lumOff val="40000"/>
+            </a:schemeClr>
+          </a:solidFill>
+          <a:ln w="28575">
+            <a:solidFill>
+              <a:schemeClr val="bg1"/>
+            </a:solidFill>
+          </a:ln>
+          <a:effectLst>
+            <a:outerShdw blurRad="63500" sx="102000" sy="102000" algn="ctr" rotWithShape="0">
+              <a:prstClr val="black">
+                <a:alpha val="40000"/>
+              </a:prstClr>
+            </a:outerShdw>
+          </a:effectLst>
+        </p:spPr>
+        <p:style>
+          <a:lnRef idx="2">
+            <a:schemeClr val="accent1">
+              <a:shade val="50000"/>
+            </a:schemeClr>
+          </a:lnRef>
+          <a:fillRef idx="1">
+            <a:schemeClr val="accent1"/>
+          </a:fillRef>
+          <a:effectRef idx="0">
+            <a:schemeClr val="accent1"/>
+          </a:effectRef>
+          <a:fontRef idx="minor">
+            <a:schemeClr val="lt1"/>
+          </a:fontRef>
+        </p:style>
+        <p:txBody>
+          <a:bodyPr rtlCol="0" anchor="ctr"/>
+          <a:lstStyle/>
+          <a:p>
+            <a:pPr algn="ctr"/>
+            <a:r>
+              <a:rPr lang="fr-FR" b="1" dirty="0" smtClean="0">
+                <a:solidFill>
+                  <a:schemeClr val="tx1"/>
+                </a:solidFill>
+              </a:rPr>
+              <a:t>Store</a:t>
+            </a:r>
+            <a:endParaRPr lang="fr-FR" b="1" dirty="0">
+              <a:solidFill>
+                <a:schemeClr val="tx1"/>
+              </a:solidFill>
+            </a:endParaRPr>
+          </a:p>
+        </p:txBody>
+      </p:sp>
+      <p:sp>
+        <p:nvSpPr>
+          <p:cNvPr id="12" name="Rectangle à coins arrondis 11"/>
+          <p:cNvSpPr/>
+          <p:nvPr/>
+        </p:nvSpPr>
+        <p:spPr>
+          <a:xfrm>
+            <a:off x="5172075" y="4036219"/>
+            <a:ext cx="1552575" cy="828675"/>
+          </a:xfrm>
+          <a:prstGeom prst="roundRect">
+            <a:avLst/>
+          </a:prstGeom>
+          <a:solidFill>
+            <a:schemeClr val="accent2"/>
+          </a:solidFill>
+          <a:ln w="28575">
+            <a:solidFill>
+              <a:schemeClr val="bg1"/>
+            </a:solidFill>
+          </a:ln>
+          <a:effectLst>
+            <a:outerShdw blurRad="63500" sx="102000" sy="102000" algn="ctr" rotWithShape="0">
+              <a:prstClr val="black">
+                <a:alpha val="40000"/>
+              </a:prstClr>
+            </a:outerShdw>
+          </a:effectLst>
+        </p:spPr>
+        <p:style>
+          <a:lnRef idx="2">
+            <a:schemeClr val="accent1">
+              <a:shade val="50000"/>
+            </a:schemeClr>
+          </a:lnRef>
+          <a:fillRef idx="1">
+            <a:schemeClr val="accent1"/>
+          </a:fillRef>
+          <a:effectRef idx="0">
+            <a:schemeClr val="accent1"/>
+          </a:effectRef>
+          <a:fontRef idx="minor">
+            <a:schemeClr val="lt1"/>
+          </a:fontRef>
+        </p:style>
+        <p:txBody>
+          <a:bodyPr rtlCol="0" anchor="ctr"/>
+          <a:lstStyle/>
+          <a:p>
+            <a:pPr algn="ctr"/>
+            <a:r>
+              <a:rPr lang="fr-FR" b="1" dirty="0" smtClean="0"/>
+              <a:t>Action </a:t>
+            </a:r>
+            <a:r>
+              <a:rPr lang="fr-FR" b="1" dirty="0" err="1" smtClean="0"/>
+              <a:t>creators</a:t>
+            </a:r>
+            <a:endParaRPr lang="fr-FR" b="1" dirty="0"/>
+          </a:p>
+        </p:txBody>
+      </p:sp>
+      <p:sp>
+        <p:nvSpPr>
+          <p:cNvPr id="13" name="Rectangle à coins arrondis 12"/>
+          <p:cNvSpPr/>
+          <p:nvPr/>
+        </p:nvSpPr>
+        <p:spPr>
+          <a:xfrm>
+            <a:off x="1638301" y="4036219"/>
+            <a:ext cx="1066800" cy="828675"/>
+          </a:xfrm>
+          <a:prstGeom prst="roundRect">
+            <a:avLst/>
+          </a:prstGeom>
+          <a:solidFill>
+            <a:schemeClr val="bg2">
+              <a:lumMod val="25000"/>
+            </a:schemeClr>
+          </a:solidFill>
+          <a:ln w="28575">
+            <a:solidFill>
+              <a:schemeClr val="bg1"/>
+            </a:solidFill>
+          </a:ln>
+          <a:effectLst>
+            <a:outerShdw blurRad="63500" sx="102000" sy="102000" algn="ctr" rotWithShape="0">
+              <a:prstClr val="black">
+                <a:alpha val="40000"/>
+              </a:prstClr>
+            </a:outerShdw>
+          </a:effectLst>
+        </p:spPr>
+        <p:style>
+          <a:lnRef idx="2">
+            <a:schemeClr val="accent1">
+              <a:shade val="50000"/>
+            </a:schemeClr>
+          </a:lnRef>
+          <a:fillRef idx="1">
+            <a:schemeClr val="accent1"/>
+          </a:fillRef>
+          <a:effectRef idx="0">
+            <a:schemeClr val="accent1"/>
+          </a:effectRef>
+          <a:fontRef idx="minor">
+            <a:schemeClr val="lt1"/>
+          </a:fontRef>
+        </p:style>
+        <p:txBody>
+          <a:bodyPr rtlCol="0" anchor="ctr"/>
+          <a:lstStyle/>
+          <a:p>
+            <a:pPr algn="ctr"/>
+            <a:r>
+              <a:rPr lang="fr-FR" dirty="0" smtClean="0"/>
+              <a:t>Web</a:t>
+            </a:r>
+            <a:br>
+              <a:rPr lang="fr-FR" dirty="0" smtClean="0"/>
+            </a:br>
+            <a:r>
+              <a:rPr lang="fr-FR" dirty="0" smtClean="0"/>
+              <a:t>API</a:t>
+            </a:r>
+            <a:endParaRPr lang="fr-FR" dirty="0"/>
+          </a:p>
+        </p:txBody>
+      </p:sp>
+      <p:sp>
+        <p:nvSpPr>
+          <p:cNvPr id="14" name="Rectangle à coins arrondis 13"/>
+          <p:cNvSpPr/>
+          <p:nvPr/>
+        </p:nvSpPr>
+        <p:spPr>
+          <a:xfrm>
+            <a:off x="3343276" y="4036219"/>
+            <a:ext cx="1162050" cy="828675"/>
+          </a:xfrm>
+          <a:prstGeom prst="roundRect">
+            <a:avLst/>
+          </a:prstGeom>
+          <a:solidFill>
+            <a:srgbClr val="7030A0"/>
+          </a:solidFill>
+          <a:ln w="28575">
+            <a:solidFill>
+              <a:schemeClr val="bg1"/>
+            </a:solidFill>
+          </a:ln>
+          <a:effectLst>
+            <a:outerShdw blurRad="63500" sx="102000" sy="102000" algn="ctr" rotWithShape="0">
+              <a:prstClr val="black">
+                <a:alpha val="40000"/>
+              </a:prstClr>
+            </a:outerShdw>
+          </a:effectLst>
+        </p:spPr>
+        <p:style>
+          <a:lnRef idx="2">
+            <a:schemeClr val="accent1">
+              <a:shade val="50000"/>
+            </a:schemeClr>
+          </a:lnRef>
+          <a:fillRef idx="1">
+            <a:schemeClr val="accent1"/>
+          </a:fillRef>
+          <a:effectRef idx="0">
+            <a:schemeClr val="accent1"/>
+          </a:effectRef>
+          <a:fontRef idx="minor">
+            <a:schemeClr val="lt1"/>
+          </a:fontRef>
+        </p:style>
+        <p:txBody>
+          <a:bodyPr rtlCol="0" anchor="ctr"/>
+          <a:lstStyle/>
+          <a:p>
+            <a:pPr algn="ctr"/>
+            <a:r>
+              <a:rPr lang="fr-FR" dirty="0" smtClean="0"/>
+              <a:t>Web </a:t>
+            </a:r>
+            <a:br>
+              <a:rPr lang="fr-FR" dirty="0" smtClean="0"/>
+            </a:br>
+            <a:r>
+              <a:rPr lang="fr-FR" dirty="0" smtClean="0"/>
+              <a:t>API </a:t>
+            </a:r>
+            <a:r>
+              <a:rPr lang="fr-FR" dirty="0" err="1" smtClean="0"/>
+              <a:t>Utils</a:t>
+            </a:r>
+            <a:endParaRPr lang="fr-FR" dirty="0"/>
+          </a:p>
+        </p:txBody>
+      </p:sp>
+      <p:sp>
+        <p:nvSpPr>
+          <p:cNvPr id="15" name="Rectangle à coins arrondis 14"/>
+          <p:cNvSpPr/>
+          <p:nvPr/>
+        </p:nvSpPr>
+        <p:spPr>
+          <a:xfrm>
+            <a:off x="5457825" y="3167064"/>
+            <a:ext cx="981075" cy="333374"/>
+          </a:xfrm>
+          <a:prstGeom prst="roundRect">
+            <a:avLst/>
+          </a:prstGeom>
+          <a:solidFill>
+            <a:schemeClr val="accent2"/>
+          </a:solidFill>
+          <a:ln w="28575">
+            <a:solidFill>
+              <a:schemeClr val="bg1"/>
+            </a:solidFill>
+          </a:ln>
+          <a:effectLst>
+            <a:outerShdw blurRad="63500" sx="102000" sy="102000" algn="ctr" rotWithShape="0">
+              <a:prstClr val="black">
+                <a:alpha val="40000"/>
+              </a:prstClr>
+            </a:outerShdw>
+          </a:effectLst>
+        </p:spPr>
+        <p:style>
+          <a:lnRef idx="2">
+            <a:schemeClr val="accent1">
+              <a:shade val="50000"/>
+            </a:schemeClr>
+          </a:lnRef>
+          <a:fillRef idx="1">
+            <a:schemeClr val="accent1"/>
+          </a:fillRef>
+          <a:effectRef idx="0">
+            <a:schemeClr val="accent1"/>
+          </a:effectRef>
+          <a:fontRef idx="minor">
+            <a:schemeClr val="lt1"/>
+          </a:fontRef>
+        </p:style>
+        <p:txBody>
+          <a:bodyPr rtlCol="0" anchor="ctr"/>
+          <a:lstStyle/>
+          <a:p>
+            <a:pPr algn="ctr"/>
+            <a:r>
+              <a:rPr lang="fr-FR" sz="1400" dirty="0" smtClean="0"/>
+              <a:t>Actions</a:t>
+            </a:r>
+            <a:endParaRPr lang="fr-FR" sz="1400" dirty="0"/>
+          </a:p>
+        </p:txBody>
+      </p:sp>
+      <p:sp>
+        <p:nvSpPr>
+          <p:cNvPr id="16" name="Rectangle à coins arrondis 15"/>
+          <p:cNvSpPr/>
+          <p:nvPr/>
+        </p:nvSpPr>
+        <p:spPr>
+          <a:xfrm>
+            <a:off x="10110788" y="3167064"/>
+            <a:ext cx="981075" cy="333374"/>
+          </a:xfrm>
+          <a:prstGeom prst="roundRect">
+            <a:avLst/>
+          </a:prstGeom>
+          <a:solidFill>
+            <a:schemeClr val="accent4">
+              <a:lumMod val="60000"/>
+              <a:lumOff val="40000"/>
+            </a:schemeClr>
+          </a:solidFill>
+          <a:ln w="28575">
+            <a:solidFill>
+              <a:schemeClr val="bg1"/>
+            </a:solidFill>
+          </a:ln>
+          <a:effectLst>
+            <a:outerShdw blurRad="63500" sx="102000" sy="102000" algn="ctr" rotWithShape="0">
+              <a:prstClr val="black">
+                <a:alpha val="40000"/>
+              </a:prstClr>
+            </a:outerShdw>
+          </a:effectLst>
+        </p:spPr>
+        <p:style>
+          <a:lnRef idx="2">
+            <a:schemeClr val="accent1">
+              <a:shade val="50000"/>
+            </a:schemeClr>
+          </a:lnRef>
+          <a:fillRef idx="1">
+            <a:schemeClr val="accent1"/>
+          </a:fillRef>
+          <a:effectRef idx="0">
+            <a:schemeClr val="accent1"/>
+          </a:effectRef>
+          <a:fontRef idx="minor">
+            <a:schemeClr val="lt1"/>
+          </a:fontRef>
+        </p:style>
+        <p:txBody>
+          <a:bodyPr rtlCol="0" anchor="ctr"/>
+          <a:lstStyle/>
+          <a:p>
+            <a:pPr algn="ctr"/>
+            <a:r>
+              <a:rPr lang="fr-FR" sz="1400" dirty="0" smtClean="0">
+                <a:solidFill>
+                  <a:schemeClr val="tx1"/>
+                </a:solidFill>
+              </a:rPr>
+              <a:t>Callbacks</a:t>
+            </a:r>
+            <a:endParaRPr lang="fr-FR" sz="1400" dirty="0">
+              <a:solidFill>
+                <a:schemeClr val="tx1"/>
+              </a:solidFill>
+            </a:endParaRPr>
+          </a:p>
+        </p:txBody>
+      </p:sp>
+      <p:sp>
+        <p:nvSpPr>
+          <p:cNvPr id="17" name="Rectangle à coins arrondis 16"/>
+          <p:cNvSpPr/>
+          <p:nvPr/>
+        </p:nvSpPr>
+        <p:spPr>
+          <a:xfrm>
+            <a:off x="9886950" y="5376863"/>
+            <a:ext cx="1428750" cy="542925"/>
+          </a:xfrm>
+          <a:prstGeom prst="roundRect">
+            <a:avLst/>
+          </a:prstGeom>
+          <a:solidFill>
+            <a:schemeClr val="accent6"/>
+          </a:solidFill>
+          <a:ln w="28575">
+            <a:solidFill>
+              <a:schemeClr val="bg1"/>
+            </a:solidFill>
+          </a:ln>
+          <a:effectLst>
+            <a:outerShdw blurRad="63500" sx="102000" sy="102000" algn="ctr" rotWithShape="0">
+              <a:prstClr val="black">
+                <a:alpha val="40000"/>
+              </a:prstClr>
+            </a:outerShdw>
+          </a:effectLst>
+        </p:spPr>
+        <p:style>
+          <a:lnRef idx="2">
+            <a:schemeClr val="accent1">
+              <a:shade val="50000"/>
+            </a:schemeClr>
+          </a:lnRef>
+          <a:fillRef idx="1">
+            <a:schemeClr val="accent1"/>
+          </a:fillRef>
+          <a:effectRef idx="0">
+            <a:schemeClr val="accent1"/>
+          </a:effectRef>
+          <a:fontRef idx="minor">
+            <a:schemeClr val="lt1"/>
+          </a:fontRef>
+        </p:style>
+        <p:txBody>
+          <a:bodyPr rtlCol="0" anchor="ctr"/>
+          <a:lstStyle/>
+          <a:p>
+            <a:pPr algn="ctr"/>
+            <a:r>
+              <a:rPr lang="fr-FR" sz="1400" dirty="0" smtClean="0"/>
+              <a:t>Change </a:t>
+            </a:r>
+            <a:r>
+              <a:rPr lang="fr-FR" sz="1400" dirty="0" err="1" smtClean="0"/>
+              <a:t>events</a:t>
+            </a:r>
+            <a:r>
+              <a:rPr lang="fr-FR" sz="1400" dirty="0" smtClean="0"/>
+              <a:t> /</a:t>
+            </a:r>
+            <a:br>
+              <a:rPr lang="fr-FR" sz="1400" dirty="0" smtClean="0"/>
+            </a:br>
+            <a:r>
+              <a:rPr lang="fr-FR" sz="1400" dirty="0" smtClean="0"/>
+              <a:t>Store </a:t>
+            </a:r>
+            <a:r>
+              <a:rPr lang="fr-FR" sz="1400" dirty="0" err="1" smtClean="0"/>
+              <a:t>queries</a:t>
+            </a:r>
+            <a:r>
+              <a:rPr lang="fr-FR" sz="1400" dirty="0" smtClean="0"/>
+              <a:t> </a:t>
+            </a:r>
+            <a:endParaRPr lang="fr-FR" sz="1400" dirty="0"/>
+          </a:p>
+        </p:txBody>
+      </p:sp>
+      <p:sp>
+        <p:nvSpPr>
+          <p:cNvPr id="18" name="Rectangle à coins arrondis 17"/>
+          <p:cNvSpPr/>
+          <p:nvPr/>
+        </p:nvSpPr>
+        <p:spPr>
+          <a:xfrm>
+            <a:off x="5353050" y="5372099"/>
+            <a:ext cx="1190625" cy="542925"/>
+          </a:xfrm>
+          <a:prstGeom prst="roundRect">
+            <a:avLst/>
+          </a:prstGeom>
+          <a:solidFill>
+            <a:schemeClr val="accent5"/>
+          </a:solidFill>
+          <a:ln w="28575">
+            <a:solidFill>
+              <a:schemeClr val="bg1"/>
+            </a:solidFill>
+          </a:ln>
+          <a:effectLst>
+            <a:outerShdw blurRad="63500" sx="102000" sy="102000" algn="ctr" rotWithShape="0">
+              <a:prstClr val="black">
+                <a:alpha val="40000"/>
+              </a:prstClr>
+            </a:outerShdw>
+          </a:effectLst>
+        </p:spPr>
+        <p:style>
+          <a:lnRef idx="2">
+            <a:schemeClr val="accent1">
+              <a:shade val="50000"/>
+            </a:schemeClr>
+          </a:lnRef>
+          <a:fillRef idx="1">
+            <a:schemeClr val="accent1"/>
+          </a:fillRef>
+          <a:effectRef idx="0">
+            <a:schemeClr val="accent1"/>
+          </a:effectRef>
+          <a:fontRef idx="minor">
+            <a:schemeClr val="lt1"/>
+          </a:fontRef>
+        </p:style>
+        <p:txBody>
+          <a:bodyPr rtlCol="0" anchor="ctr"/>
+          <a:lstStyle/>
+          <a:p>
+            <a:pPr algn="ctr"/>
+            <a:r>
+              <a:rPr lang="fr-FR" sz="1400" dirty="0" smtClean="0"/>
+              <a:t>User</a:t>
+            </a:r>
+            <a:br>
+              <a:rPr lang="fr-FR" sz="1400" dirty="0" smtClean="0"/>
+            </a:br>
+            <a:r>
+              <a:rPr lang="fr-FR" sz="1400" dirty="0" smtClean="0"/>
+              <a:t>Interactions</a:t>
+            </a:r>
+            <a:endParaRPr lang="fr-FR" sz="1400" dirty="0"/>
+          </a:p>
+        </p:txBody>
+      </p:sp>
     </p:spTree>
     <p:extLst>
       <p:ext uri="{BB962C8B-B14F-4D97-AF65-F5344CB8AC3E}">
-        <p14:creationId xmlns:p14="http://schemas.microsoft.com/office/powerpoint/2010/main" val="1940074127"/>
+        <p14:creationId xmlns:p14="http://schemas.microsoft.com/office/powerpoint/2010/main" xmlns="" val="3916897931"/>
+      </p:ext>
+    </p:extLst>
+  </p:cSld>
+  <p:clrMapOvr>
+    <a:masterClrMapping/>
+  </p:clrMapOvr>
+  <p:timing>
+    <p:tnLst>
+      <p:par>
+        <p:cTn id="1" dur="indefinite" restart="never" nodeType="tmRoot"/>
+      </p:par>
+    </p:tnLst>
+  </p:timing>
+</p:sld>
+</file>
+
+<file path=ppt/slides/slide16.xml><?xml version="1.0" encoding="utf-8"?>
+<p:sld xmlns:a="http://schemas.openxmlformats.org/drawingml/2006/main" xmlns:r="http://schemas.openxmlformats.org/officeDocument/2006/relationships" xmlns:p="http://schemas.openxmlformats.org/presentationml/2006/main">
+  <p:cSld>
+    <p:spTree>
+      <p:nvGrpSpPr>
+        <p:cNvPr id="1" name=""/>
+        <p:cNvGrpSpPr/>
+        <p:nvPr/>
+      </p:nvGrpSpPr>
+      <p:grpSpPr>
+        <a:xfrm>
+          <a:off x="0" y="0"/>
+          <a:ext cx="0" cy="0"/>
+          <a:chOff x="0" y="0"/>
+          <a:chExt cx="0" cy="0"/>
+        </a:xfrm>
+      </p:grpSpPr>
+      <p:sp>
+        <p:nvSpPr>
+          <p:cNvPr id="2" name="Titre 1"/>
+          <p:cNvSpPr>
+            <a:spLocks noGrp="1"/>
+          </p:cNvSpPr>
+          <p:nvPr>
+            <p:ph type="title"/>
+          </p:nvPr>
+        </p:nvSpPr>
+        <p:spPr/>
+        <p:txBody>
+          <a:bodyPr/>
+          <a:lstStyle/>
+          <a:p>
+            <a:r>
+              <a:rPr lang="fr-FR" dirty="0" err="1" smtClean="0"/>
+              <a:t>Redux</a:t>
+            </a:r>
+            <a:r>
+              <a:rPr lang="fr-FR" dirty="0" smtClean="0"/>
+              <a:t> – flu</a:t>
+            </a:r>
+            <a:r>
+              <a:rPr lang="fr-FR" dirty="0" smtClean="0"/>
+              <a:t>x</a:t>
+            </a:r>
+            <a:endParaRPr lang="fr-FR" dirty="0"/>
+          </a:p>
+        </p:txBody>
+      </p:sp>
+      <p:sp>
+        <p:nvSpPr>
+          <p:cNvPr id="3" name="Espace réservé du contenu 2"/>
+          <p:cNvSpPr>
+            <a:spLocks noGrp="1"/>
+          </p:cNvSpPr>
+          <p:nvPr>
+            <p:ph idx="1"/>
+          </p:nvPr>
+        </p:nvSpPr>
+        <p:spPr/>
+        <p:txBody>
+          <a:bodyPr/>
+          <a:lstStyle/>
+          <a:p>
+            <a:r>
+              <a:rPr lang="fr-FR" dirty="0" err="1" smtClean="0"/>
+              <a:t>Redux</a:t>
+            </a:r>
+            <a:r>
+              <a:rPr lang="fr-FR" dirty="0" smtClean="0"/>
+              <a:t> proposes an alternative </a:t>
+            </a:r>
+            <a:r>
+              <a:rPr lang="fr-FR" dirty="0" err="1" smtClean="0"/>
+              <a:t>worflow</a:t>
+            </a:r>
+            <a:r>
+              <a:rPr lang="fr-FR" dirty="0" smtClean="0"/>
+              <a:t> </a:t>
+            </a:r>
+            <a:r>
+              <a:rPr lang="fr-FR" dirty="0" err="1" smtClean="0"/>
+              <a:t>emphasing</a:t>
+            </a:r>
+            <a:r>
+              <a:rPr lang="fr-FR" dirty="0" smtClean="0"/>
+              <a:t> on the data store</a:t>
+            </a:r>
+          </a:p>
+          <a:p>
+            <a:pPr lvl="1"/>
+            <a:r>
+              <a:rPr lang="fr-FR" dirty="0" smtClean="0"/>
+              <a:t>Store </a:t>
+            </a:r>
+            <a:r>
+              <a:rPr lang="fr-FR" dirty="0" err="1" smtClean="0"/>
+              <a:t>is</a:t>
+            </a:r>
+            <a:r>
+              <a:rPr lang="fr-FR" dirty="0" smtClean="0"/>
+              <a:t> </a:t>
+            </a:r>
+            <a:r>
+              <a:rPr lang="fr-FR" dirty="0" err="1" smtClean="0"/>
+              <a:t>defined</a:t>
+            </a:r>
+            <a:r>
+              <a:rPr lang="fr-FR" dirty="0" smtClean="0"/>
+              <a:t> </a:t>
+            </a:r>
+            <a:r>
+              <a:rPr lang="fr-FR" dirty="0" err="1" smtClean="0"/>
+              <a:t>through</a:t>
+            </a:r>
+            <a:r>
+              <a:rPr lang="fr-FR" dirty="0" smtClean="0"/>
+              <a:t> a state</a:t>
+            </a:r>
+          </a:p>
+          <a:p>
+            <a:pPr lvl="1"/>
+            <a:r>
+              <a:rPr lang="fr-FR" dirty="0" smtClean="0"/>
+              <a:t>Store updates </a:t>
+            </a:r>
+            <a:r>
+              <a:rPr lang="fr-FR" dirty="0" err="1" smtClean="0"/>
+              <a:t>goes</a:t>
+            </a:r>
+            <a:r>
+              <a:rPr lang="fr-FR" dirty="0" smtClean="0"/>
+              <a:t> </a:t>
+            </a:r>
+            <a:r>
+              <a:rPr lang="fr-FR" dirty="0" err="1" smtClean="0"/>
+              <a:t>through</a:t>
+            </a:r>
+            <a:r>
+              <a:rPr lang="fr-FR" dirty="0" smtClean="0"/>
+              <a:t> </a:t>
+            </a:r>
+            <a:r>
+              <a:rPr lang="fr-FR" dirty="0" err="1" smtClean="0"/>
+              <a:t>reducer</a:t>
+            </a:r>
+            <a:r>
+              <a:rPr lang="fr-FR" dirty="0" smtClean="0"/>
+              <a:t> </a:t>
+            </a:r>
+            <a:r>
+              <a:rPr lang="fr-FR" dirty="0" err="1" smtClean="0"/>
+              <a:t>functions</a:t>
+            </a:r>
+            <a:endParaRPr lang="fr-FR" dirty="0" smtClean="0"/>
+          </a:p>
+          <a:p>
+            <a:pPr lvl="2"/>
+            <a:r>
+              <a:rPr lang="fr-FR" dirty="0" err="1" smtClean="0"/>
+              <a:t>Reducers</a:t>
+            </a:r>
+            <a:r>
+              <a:rPr lang="fr-FR" dirty="0" smtClean="0"/>
+              <a:t> consume actions </a:t>
+            </a:r>
+            <a:r>
+              <a:rPr lang="fr-FR" sz="1600" dirty="0" err="1" smtClean="0">
+                <a:solidFill>
+                  <a:schemeClr val="accent6"/>
+                </a:solidFill>
+              </a:rPr>
+              <a:t>operations</a:t>
+            </a:r>
+            <a:r>
+              <a:rPr lang="fr-FR" sz="1600" dirty="0" smtClean="0">
+                <a:solidFill>
+                  <a:schemeClr val="accent6"/>
+                </a:solidFill>
+              </a:rPr>
+              <a:t> </a:t>
+            </a:r>
+            <a:r>
+              <a:rPr lang="fr-FR" sz="1600" dirty="0" err="1" smtClean="0">
+                <a:solidFill>
+                  <a:schemeClr val="accent6"/>
+                </a:solidFill>
+              </a:rPr>
+              <a:t>that</a:t>
+            </a:r>
+            <a:r>
+              <a:rPr lang="fr-FR" sz="1600" dirty="0" smtClean="0">
+                <a:solidFill>
+                  <a:schemeClr val="accent6"/>
+                </a:solidFill>
+              </a:rPr>
+              <a:t> </a:t>
+            </a:r>
+            <a:r>
+              <a:rPr lang="fr-FR" sz="1600" dirty="0" err="1" smtClean="0">
+                <a:solidFill>
+                  <a:schemeClr val="accent6"/>
+                </a:solidFill>
+              </a:rPr>
+              <a:t>could</a:t>
+            </a:r>
+            <a:r>
+              <a:rPr lang="fr-FR" sz="1600" dirty="0" smtClean="0">
+                <a:solidFill>
+                  <a:schemeClr val="accent6"/>
+                </a:solidFill>
+              </a:rPr>
+              <a:t> update state</a:t>
+            </a:r>
+          </a:p>
+          <a:p>
+            <a:pPr lvl="2"/>
+            <a:r>
+              <a:rPr lang="fr-FR" dirty="0" err="1" smtClean="0"/>
+              <a:t>Reducers</a:t>
+            </a:r>
+            <a:r>
+              <a:rPr lang="fr-FR" dirty="0" smtClean="0"/>
+              <a:t> </a:t>
+            </a:r>
+            <a:r>
+              <a:rPr lang="fr-FR" dirty="0" err="1" smtClean="0"/>
+              <a:t>define</a:t>
+            </a:r>
+            <a:r>
+              <a:rPr lang="fr-FR" dirty="0" smtClean="0"/>
+              <a:t> state mutations as pure </a:t>
+            </a:r>
+            <a:r>
+              <a:rPr lang="fr-FR" dirty="0" err="1" smtClean="0"/>
+              <a:t>functions</a:t>
+            </a:r>
+            <a:endParaRPr lang="fr-FR" dirty="0" smtClean="0"/>
+          </a:p>
+          <a:p>
+            <a:endParaRPr lang="fr-FR" dirty="0" smtClean="0"/>
+          </a:p>
+          <a:p>
+            <a:r>
+              <a:rPr lang="fr-FR" dirty="0" err="1" smtClean="0"/>
+              <a:t>Why</a:t>
+            </a:r>
+            <a:r>
+              <a:rPr lang="fr-FR" dirty="0" smtClean="0"/>
+              <a:t> pure </a:t>
+            </a:r>
+            <a:r>
+              <a:rPr lang="fr-FR" dirty="0" err="1" smtClean="0"/>
+              <a:t>functions</a:t>
+            </a:r>
+            <a:r>
+              <a:rPr lang="fr-FR" dirty="0" smtClean="0"/>
+              <a:t> ?</a:t>
+            </a:r>
+          </a:p>
+          <a:p>
+            <a:pPr lvl="1"/>
+            <a:r>
+              <a:rPr lang="fr-FR" dirty="0" smtClean="0"/>
+              <a:t>No </a:t>
+            </a:r>
+            <a:r>
+              <a:rPr lang="fr-FR" dirty="0" err="1" smtClean="0"/>
+              <a:t>side</a:t>
+            </a:r>
+            <a:r>
+              <a:rPr lang="fr-FR" dirty="0" smtClean="0"/>
+              <a:t> </a:t>
+            </a:r>
+            <a:r>
+              <a:rPr lang="fr-FR" dirty="0" err="1" smtClean="0"/>
+              <a:t>effects</a:t>
+            </a:r>
+            <a:r>
+              <a:rPr lang="fr-FR" dirty="0" smtClean="0"/>
+              <a:t> </a:t>
+            </a:r>
+          </a:p>
+          <a:p>
+            <a:pPr lvl="1" algn="ctr">
+              <a:buNone/>
+            </a:pPr>
+            <a:r>
+              <a:rPr lang="fr-FR" dirty="0" smtClean="0"/>
+              <a:t>(state, action) =&gt; state</a:t>
+            </a:r>
+            <a:endParaRPr lang="fr-FR" dirty="0" smtClean="0"/>
+          </a:p>
+        </p:txBody>
+      </p:sp>
+      <p:sp>
+        <p:nvSpPr>
+          <p:cNvPr id="4" name="Espace réservé de la date 3"/>
+          <p:cNvSpPr>
+            <a:spLocks noGrp="1"/>
+          </p:cNvSpPr>
+          <p:nvPr>
+            <p:ph type="dt" sz="half" idx="10"/>
+          </p:nvPr>
+        </p:nvSpPr>
+        <p:spPr/>
+        <p:txBody>
+          <a:bodyPr/>
+          <a:lstStyle/>
+          <a:p>
+            <a:r>
+              <a:rPr lang="fr-FR" smtClean="0"/>
+              <a:t>2017</a:t>
+            </a:r>
+            <a:endParaRPr lang="fr-FR"/>
+          </a:p>
+        </p:txBody>
+      </p:sp>
+      <p:sp>
+        <p:nvSpPr>
+          <p:cNvPr id="5" name="Espace réservé du pied de page 4"/>
+          <p:cNvSpPr>
+            <a:spLocks noGrp="1"/>
+          </p:cNvSpPr>
+          <p:nvPr>
+            <p:ph type="ftr" sz="quarter" idx="11"/>
+          </p:nvPr>
+        </p:nvSpPr>
+        <p:spPr/>
+        <p:txBody>
+          <a:bodyPr/>
+          <a:lstStyle/>
+          <a:p>
+            <a:r>
+              <a:rPr lang="fr-FR" smtClean="0"/>
+              <a:t>cedric.hartland@gmail.com</a:t>
+            </a:r>
+            <a:endParaRPr lang="fr-FR" dirty="0"/>
+          </a:p>
+        </p:txBody>
+      </p:sp>
+      <p:sp>
+        <p:nvSpPr>
+          <p:cNvPr id="6" name="Espace réservé du numéro de diapositive 5"/>
+          <p:cNvSpPr>
+            <a:spLocks noGrp="1"/>
+          </p:cNvSpPr>
+          <p:nvPr>
+            <p:ph type="sldNum" sz="quarter" idx="12"/>
+          </p:nvPr>
+        </p:nvSpPr>
+        <p:spPr/>
+        <p:txBody>
+          <a:bodyPr/>
+          <a:lstStyle/>
+          <a:p>
+            <a:fld id="{44139E8D-6066-4080-AC46-DB89673BFC8E}" type="slidenum">
+              <a:rPr lang="fr-FR" smtClean="0"/>
+              <a:pPr/>
+              <a:t>16</a:t>
+            </a:fld>
+            <a:endParaRPr lang="fr-FR"/>
+          </a:p>
+        </p:txBody>
+      </p:sp>
+    </p:spTree>
+  </p:cSld>
+  <p:clrMapOvr>
+    <a:masterClrMapping/>
+  </p:clrMapOvr>
+</p:sld>
+</file>
+
+<file path=ppt/slides/slide17.xml><?xml version="1.0" encoding="utf-8"?>
+<p:sld xmlns:a="http://schemas.openxmlformats.org/drawingml/2006/main" xmlns:r="http://schemas.openxmlformats.org/officeDocument/2006/relationships" xmlns:p="http://schemas.openxmlformats.org/presentationml/2006/main">
+  <p:cSld>
+    <p:spTree>
+      <p:nvGrpSpPr>
+        <p:cNvPr id="1" name=""/>
+        <p:cNvGrpSpPr/>
+        <p:nvPr/>
+      </p:nvGrpSpPr>
+      <p:grpSpPr>
+        <a:xfrm>
+          <a:off x="0" y="0"/>
+          <a:ext cx="0" cy="0"/>
+          <a:chOff x="0" y="0"/>
+          <a:chExt cx="0" cy="0"/>
+        </a:xfrm>
+      </p:grpSpPr>
+      <p:sp>
+        <p:nvSpPr>
+          <p:cNvPr id="2" name="Titre 1"/>
+          <p:cNvSpPr>
+            <a:spLocks noGrp="1"/>
+          </p:cNvSpPr>
+          <p:nvPr>
+            <p:ph type="title"/>
+          </p:nvPr>
+        </p:nvSpPr>
+        <p:spPr/>
+        <p:txBody>
+          <a:bodyPr/>
+          <a:lstStyle/>
+          <a:p>
+            <a:r>
+              <a:rPr lang="fr-FR" dirty="0" err="1" smtClean="0"/>
+              <a:t>Redux</a:t>
+            </a:r>
+            <a:r>
+              <a:rPr lang="fr-FR" dirty="0" smtClean="0"/>
+              <a:t> – </a:t>
+            </a:r>
+            <a:r>
+              <a:rPr lang="fr-FR" dirty="0" err="1" smtClean="0"/>
+              <a:t>workflow</a:t>
+            </a:r>
+            <a:r>
+              <a:rPr lang="fr-FR" dirty="0" smtClean="0"/>
+              <a:t> </a:t>
+            </a:r>
+            <a:endParaRPr lang="fr-FR" dirty="0"/>
+          </a:p>
+        </p:txBody>
+      </p:sp>
+      <p:sp>
+        <p:nvSpPr>
+          <p:cNvPr id="4" name="Espace réservé de la date 3"/>
+          <p:cNvSpPr>
+            <a:spLocks noGrp="1"/>
+          </p:cNvSpPr>
+          <p:nvPr>
+            <p:ph type="dt" sz="half" idx="10"/>
+          </p:nvPr>
+        </p:nvSpPr>
+        <p:spPr/>
+        <p:txBody>
+          <a:bodyPr/>
+          <a:lstStyle/>
+          <a:p>
+            <a:r>
+              <a:rPr lang="fr-FR" smtClean="0"/>
+              <a:t>2017</a:t>
+            </a:r>
+            <a:endParaRPr lang="fr-FR"/>
+          </a:p>
+        </p:txBody>
+      </p:sp>
+      <p:sp>
+        <p:nvSpPr>
+          <p:cNvPr id="5" name="Espace réservé du pied de page 4"/>
+          <p:cNvSpPr>
+            <a:spLocks noGrp="1"/>
+          </p:cNvSpPr>
+          <p:nvPr>
+            <p:ph type="ftr" sz="quarter" idx="11"/>
+          </p:nvPr>
+        </p:nvSpPr>
+        <p:spPr/>
+        <p:txBody>
+          <a:bodyPr/>
+          <a:lstStyle/>
+          <a:p>
+            <a:r>
+              <a:rPr lang="fr-FR" smtClean="0"/>
+              <a:t>cedric.hartland@gmail.com</a:t>
+            </a:r>
+            <a:endParaRPr lang="fr-FR" dirty="0"/>
+          </a:p>
+        </p:txBody>
+      </p:sp>
+      <p:sp>
+        <p:nvSpPr>
+          <p:cNvPr id="6" name="Espace réservé du numéro de diapositive 5"/>
+          <p:cNvSpPr>
+            <a:spLocks noGrp="1"/>
+          </p:cNvSpPr>
+          <p:nvPr>
+            <p:ph type="sldNum" sz="quarter" idx="12"/>
+          </p:nvPr>
+        </p:nvSpPr>
+        <p:spPr/>
+        <p:txBody>
+          <a:bodyPr/>
+          <a:lstStyle/>
+          <a:p>
+            <a:fld id="{44139E8D-6066-4080-AC46-DB89673BFC8E}" type="slidenum">
+              <a:rPr lang="fr-FR" smtClean="0"/>
+              <a:pPr/>
+              <a:t>17</a:t>
+            </a:fld>
+            <a:endParaRPr lang="fr-FR"/>
+          </a:p>
+        </p:txBody>
+      </p:sp>
+      <p:sp>
+        <p:nvSpPr>
+          <p:cNvPr id="33794" name="AutoShape 2" descr="Image result for redux workflow"/>
+          <p:cNvSpPr>
+            <a:spLocks noChangeAspect="1" noChangeArrowheads="1"/>
+          </p:cNvSpPr>
+          <p:nvPr/>
+        </p:nvSpPr>
+        <p:spPr bwMode="auto">
+          <a:xfrm>
+            <a:off x="155575" y="-2979738"/>
+            <a:ext cx="8296275" cy="6219826"/>
+          </a:xfrm>
+          <a:prstGeom prst="rect">
+            <a:avLst/>
+          </a:prstGeom>
+          <a:noFill/>
+        </p:spPr>
+        <p:txBody>
+          <a:bodyPr vert="horz" wrap="square" lIns="91440" tIns="45720" rIns="91440" bIns="45720" numCol="1" anchor="t" anchorCtr="0" compatLnSpc="1">
+            <a:prstTxWarp prst="textNoShape">
+              <a:avLst/>
+            </a:prstTxWarp>
+          </a:bodyPr>
+          <a:lstStyle/>
+          <a:p>
+            <a:endParaRPr lang="fr-FR"/>
+          </a:p>
+        </p:txBody>
+      </p:sp>
+      <p:sp>
+        <p:nvSpPr>
+          <p:cNvPr id="33796" name="AutoShape 4" descr="Image result for redux workflow"/>
+          <p:cNvSpPr>
+            <a:spLocks noChangeAspect="1" noChangeArrowheads="1"/>
+          </p:cNvSpPr>
+          <p:nvPr/>
+        </p:nvSpPr>
+        <p:spPr bwMode="auto">
+          <a:xfrm>
+            <a:off x="155575" y="-2979738"/>
+            <a:ext cx="8296275" cy="6219826"/>
+          </a:xfrm>
+          <a:prstGeom prst="rect">
+            <a:avLst/>
+          </a:prstGeom>
+          <a:noFill/>
+        </p:spPr>
+        <p:txBody>
+          <a:bodyPr vert="horz" wrap="square" lIns="91440" tIns="45720" rIns="91440" bIns="45720" numCol="1" anchor="t" anchorCtr="0" compatLnSpc="1">
+            <a:prstTxWarp prst="textNoShape">
+              <a:avLst/>
+            </a:prstTxWarp>
+          </a:bodyPr>
+          <a:lstStyle/>
+          <a:p>
+            <a:endParaRPr lang="fr-FR"/>
+          </a:p>
+        </p:txBody>
+      </p:sp>
+      <p:pic>
+        <p:nvPicPr>
+          <p:cNvPr id="33798" name="Picture 6" descr="Image result for redux workflow"/>
+          <p:cNvPicPr>
+            <a:picLocks noChangeAspect="1" noChangeArrowheads="1" noCrop="1"/>
+          </p:cNvPicPr>
+          <p:nvPr/>
+        </p:nvPicPr>
+        <p:blipFill>
+          <a:blip r:embed="rId2" cstate="print"/>
+          <a:srcRect/>
+          <a:stretch>
+            <a:fillRect/>
+          </a:stretch>
+        </p:blipFill>
+        <p:spPr bwMode="auto">
+          <a:xfrm>
+            <a:off x="2670600" y="1414234"/>
+            <a:ext cx="6397200" cy="4796065"/>
+          </a:xfrm>
+          <a:prstGeom prst="rect">
+            <a:avLst/>
+          </a:prstGeom>
+          <a:noFill/>
+        </p:spPr>
+      </p:pic>
+    </p:spTree>
+  </p:cSld>
+  <p:clrMapOvr>
+    <a:masterClrMapping/>
+  </p:clrMapOvr>
+</p:sld>
+</file>
+
+<file path=ppt/slides/slide18.xml><?xml version="1.0" encoding="utf-8"?>
+<p:sld xmlns:a="http://schemas.openxmlformats.org/drawingml/2006/main" xmlns:r="http://schemas.openxmlformats.org/officeDocument/2006/relationships" xmlns:p="http://schemas.openxmlformats.org/presentationml/2006/main">
+  <p:cSld>
+    <p:spTree>
+      <p:nvGrpSpPr>
+        <p:cNvPr id="1" name=""/>
+        <p:cNvGrpSpPr/>
+        <p:nvPr/>
+      </p:nvGrpSpPr>
+      <p:grpSpPr>
+        <a:xfrm>
+          <a:off x="0" y="0"/>
+          <a:ext cx="0" cy="0"/>
+          <a:chOff x="0" y="0"/>
+          <a:chExt cx="0" cy="0"/>
+        </a:xfrm>
+      </p:grpSpPr>
+      <p:sp>
+        <p:nvSpPr>
+          <p:cNvPr id="2" name="Title 1"/>
+          <p:cNvSpPr>
+            <a:spLocks noGrp="1"/>
+          </p:cNvSpPr>
+          <p:nvPr>
+            <p:ph type="title"/>
+          </p:nvPr>
+        </p:nvSpPr>
+        <p:spPr/>
+        <p:txBody>
+          <a:bodyPr/>
+          <a:lstStyle/>
+          <a:p>
+            <a:r>
+              <a:rPr lang="en-US" noProof="0" smtClean="0"/>
+              <a:t>React &amp; Redux</a:t>
+            </a:r>
+            <a:endParaRPr lang="en-US" noProof="0"/>
+          </a:p>
+        </p:txBody>
+      </p:sp>
+      <p:sp>
+        <p:nvSpPr>
+          <p:cNvPr id="3" name="Text Placeholder 2"/>
+          <p:cNvSpPr>
+            <a:spLocks noGrp="1"/>
+          </p:cNvSpPr>
+          <p:nvPr>
+            <p:ph type="body" idx="1"/>
+          </p:nvPr>
+        </p:nvSpPr>
+        <p:spPr/>
+        <p:txBody>
+          <a:bodyPr/>
+          <a:lstStyle/>
+          <a:p>
+            <a:r>
+              <a:rPr lang="en-US" noProof="0" smtClean="0"/>
+              <a:t>Rock &amp; Roll</a:t>
+            </a:r>
+            <a:endParaRPr lang="en-US" noProof="0"/>
+          </a:p>
+        </p:txBody>
+      </p:sp>
+      <p:sp>
+        <p:nvSpPr>
+          <p:cNvPr id="4" name="Date Placeholder 3"/>
+          <p:cNvSpPr>
+            <a:spLocks noGrp="1"/>
+          </p:cNvSpPr>
+          <p:nvPr>
+            <p:ph type="dt" sz="half" idx="10"/>
+          </p:nvPr>
+        </p:nvSpPr>
+        <p:spPr/>
+        <p:txBody>
+          <a:bodyPr/>
+          <a:lstStyle/>
+          <a:p>
+            <a:r>
+              <a:rPr lang="fr-FR" smtClean="0"/>
+              <a:t>2017</a:t>
+            </a:r>
+            <a:endParaRPr lang="fr-FR"/>
+          </a:p>
+        </p:txBody>
+      </p:sp>
+      <p:sp>
+        <p:nvSpPr>
+          <p:cNvPr id="5" name="Footer Placeholder 4"/>
+          <p:cNvSpPr>
+            <a:spLocks noGrp="1"/>
+          </p:cNvSpPr>
+          <p:nvPr>
+            <p:ph type="ftr" sz="quarter" idx="11"/>
+          </p:nvPr>
+        </p:nvSpPr>
+        <p:spPr/>
+        <p:txBody>
+          <a:bodyPr/>
+          <a:lstStyle/>
+          <a:p>
+            <a:r>
+              <a:rPr lang="fr-FR" dirty="0" smtClean="0"/>
+              <a:t>cedric.hartland@gmail.com</a:t>
+            </a:r>
+            <a:endParaRPr lang="fr-FR" dirty="0"/>
+          </a:p>
+        </p:txBody>
+      </p:sp>
+      <p:sp>
+        <p:nvSpPr>
+          <p:cNvPr id="6" name="Slide Number Placeholder 5"/>
+          <p:cNvSpPr>
+            <a:spLocks noGrp="1"/>
+          </p:cNvSpPr>
+          <p:nvPr>
+            <p:ph type="sldNum" sz="quarter" idx="12"/>
+          </p:nvPr>
+        </p:nvSpPr>
+        <p:spPr/>
+        <p:txBody>
+          <a:bodyPr/>
+          <a:lstStyle/>
+          <a:p>
+            <a:fld id="{44139E8D-6066-4080-AC46-DB89673BFC8E}" type="slidenum">
+              <a:rPr lang="fr-FR" smtClean="0"/>
+              <a:pPr/>
+              <a:t>18</a:t>
+            </a:fld>
+            <a:endParaRPr lang="fr-FR"/>
+          </a:p>
+        </p:txBody>
+      </p:sp>
+    </p:spTree>
+    <p:extLst>
+      <p:ext uri="{BB962C8B-B14F-4D97-AF65-F5344CB8AC3E}">
+        <p14:creationId xmlns:p14="http://schemas.microsoft.com/office/powerpoint/2010/main" xmlns="" val="3691361"/>
+      </p:ext>
+    </p:extLst>
+  </p:cSld>
+  <p:clrMapOvr>
+    <a:masterClrMapping/>
+  </p:clrMapOvr>
+  <p:timing>
+    <p:tnLst>
+      <p:par>
+        <p:cTn id="1" dur="indefinite" restart="never" nodeType="tmRoot"/>
+      </p:par>
+    </p:tnLst>
+  </p:timing>
+</p:sld>
+</file>
+
+<file path=ppt/slides/slide19.xml><?xml version="1.0" encoding="utf-8"?>
+<p:sld xmlns:a="http://schemas.openxmlformats.org/drawingml/2006/main" xmlns:r="http://schemas.openxmlformats.org/officeDocument/2006/relationships" xmlns:p="http://schemas.openxmlformats.org/presentationml/2006/main">
+  <p:cSld>
+    <p:spTree>
+      <p:nvGrpSpPr>
+        <p:cNvPr id="1" name=""/>
+        <p:cNvGrpSpPr/>
+        <p:nvPr/>
+      </p:nvGrpSpPr>
+      <p:grpSpPr>
+        <a:xfrm>
+          <a:off x="0" y="0"/>
+          <a:ext cx="0" cy="0"/>
+          <a:chOff x="0" y="0"/>
+          <a:chExt cx="0" cy="0"/>
+        </a:xfrm>
+      </p:grpSpPr>
+      <p:sp>
+        <p:nvSpPr>
+          <p:cNvPr id="2" name="Title 1"/>
+          <p:cNvSpPr>
+            <a:spLocks noGrp="1"/>
+          </p:cNvSpPr>
+          <p:nvPr>
+            <p:ph type="title"/>
+          </p:nvPr>
+        </p:nvSpPr>
+        <p:spPr/>
+        <p:txBody>
+          <a:bodyPr/>
+          <a:lstStyle/>
+          <a:p>
+            <a:r>
+              <a:rPr lang="en-US" noProof="0" smtClean="0"/>
+              <a:t>Wait, there’s more</a:t>
+            </a:r>
+            <a:endParaRPr lang="en-US" noProof="0"/>
+          </a:p>
+        </p:txBody>
+      </p:sp>
+      <p:sp>
+        <p:nvSpPr>
+          <p:cNvPr id="3" name="Text Placeholder 2"/>
+          <p:cNvSpPr>
+            <a:spLocks noGrp="1"/>
+          </p:cNvSpPr>
+          <p:nvPr>
+            <p:ph type="body" idx="1"/>
+          </p:nvPr>
+        </p:nvSpPr>
+        <p:spPr/>
+        <p:txBody>
+          <a:bodyPr/>
+          <a:lstStyle/>
+          <a:p>
+            <a:r>
+              <a:rPr lang="en-US" noProof="0" dirty="0" smtClean="0"/>
+              <a:t>Build, enhanced development process and how to test</a:t>
+            </a:r>
+            <a:endParaRPr lang="en-US" noProof="0" dirty="0"/>
+          </a:p>
+        </p:txBody>
+      </p:sp>
+      <p:sp>
+        <p:nvSpPr>
+          <p:cNvPr id="4" name="Date Placeholder 3"/>
+          <p:cNvSpPr>
+            <a:spLocks noGrp="1"/>
+          </p:cNvSpPr>
+          <p:nvPr>
+            <p:ph type="dt" sz="half" idx="10"/>
+          </p:nvPr>
+        </p:nvSpPr>
+        <p:spPr/>
+        <p:txBody>
+          <a:bodyPr/>
+          <a:lstStyle/>
+          <a:p>
+            <a:r>
+              <a:rPr lang="fr-FR" smtClean="0"/>
+              <a:t>2017</a:t>
+            </a:r>
+            <a:endParaRPr lang="fr-FR"/>
+          </a:p>
+        </p:txBody>
+      </p:sp>
+      <p:sp>
+        <p:nvSpPr>
+          <p:cNvPr id="5" name="Footer Placeholder 4"/>
+          <p:cNvSpPr>
+            <a:spLocks noGrp="1"/>
+          </p:cNvSpPr>
+          <p:nvPr>
+            <p:ph type="ftr" sz="quarter" idx="11"/>
+          </p:nvPr>
+        </p:nvSpPr>
+        <p:spPr/>
+        <p:txBody>
+          <a:bodyPr/>
+          <a:lstStyle/>
+          <a:p>
+            <a:r>
+              <a:rPr lang="fr-FR" smtClean="0"/>
+              <a:t>cedric.hartland@gmail.com</a:t>
+            </a:r>
+            <a:endParaRPr lang="fr-FR"/>
+          </a:p>
+        </p:txBody>
+      </p:sp>
+      <p:sp>
+        <p:nvSpPr>
+          <p:cNvPr id="6" name="Slide Number Placeholder 5"/>
+          <p:cNvSpPr>
+            <a:spLocks noGrp="1"/>
+          </p:cNvSpPr>
+          <p:nvPr>
+            <p:ph type="sldNum" sz="quarter" idx="12"/>
+          </p:nvPr>
+        </p:nvSpPr>
+        <p:spPr/>
+        <p:txBody>
+          <a:bodyPr/>
+          <a:lstStyle/>
+          <a:p>
+            <a:fld id="{44139E8D-6066-4080-AC46-DB89673BFC8E}" type="slidenum">
+              <a:rPr lang="fr-FR" smtClean="0"/>
+              <a:pPr/>
+              <a:t>19</a:t>
+            </a:fld>
+            <a:endParaRPr lang="fr-FR"/>
+          </a:p>
+        </p:txBody>
+      </p:sp>
+    </p:spTree>
+    <p:extLst>
+      <p:ext uri="{BB962C8B-B14F-4D97-AF65-F5344CB8AC3E}">
+        <p14:creationId xmlns:p14="http://schemas.microsoft.com/office/powerpoint/2010/main" xmlns="" val="1940074127"/>
       </p:ext>
     </p:extLst>
   </p:cSld>
@@ -4917,38 +7611,38 @@
           <a:lstStyle/>
           <a:p>
             <a:r>
-              <a:rPr lang="en-US" dirty="0" smtClean="0"/>
+              <a:rPr lang="en-US" noProof="0" smtClean="0"/>
               <a:t>A project we’re targeting	</a:t>
             </a:r>
+            <a:endParaRPr lang="en-US" noProof="0"/>
+          </a:p>
+        </p:txBody>
+      </p:sp>
+      <p:sp>
+        <p:nvSpPr>
+          <p:cNvPr id="4" name="Date Placeholder 3"/>
+          <p:cNvSpPr>
+            <a:spLocks noGrp="1"/>
+          </p:cNvSpPr>
+          <p:nvPr>
+            <p:ph type="dt" sz="half" idx="10"/>
+          </p:nvPr>
+        </p:nvSpPr>
+        <p:spPr/>
+        <p:txBody>
+          <a:bodyPr/>
+          <a:lstStyle/>
+          <a:p>
+            <a:r>
+              <a:rPr lang="fr-FR" dirty="0" smtClean="0"/>
+              <a:t>2017</a:t>
+            </a:r>
             <a:endParaRPr lang="fr-FR" dirty="0"/>
           </a:p>
         </p:txBody>
       </p:sp>
       <p:sp>
         <p:nvSpPr>
-          <p:cNvPr id="4" name="Date Placeholder 3"/>
-          <p:cNvSpPr>
-            <a:spLocks noGrp="1"/>
-          </p:cNvSpPr>
-          <p:nvPr>
-            <p:ph type="dt" sz="half" idx="10"/>
-          </p:nvPr>
-        </p:nvSpPr>
-        <p:spPr/>
-        <p:txBody>
-          <a:bodyPr/>
-          <a:lstStyle/>
-          <a:p>
-            <a:r>
-              <a:rPr lang="fr-FR" smtClean="0"/>
-              <a:t>2017</a:t>
-            </a:r>
-            <a:endParaRPr lang="fr-FR"/>
-          </a:p>
-        </p:txBody>
-      </p:sp>
-      <p:sp>
-        <p:nvSpPr>
           <p:cNvPr id="5" name="Footer Placeholder 4"/>
           <p:cNvSpPr>
             <a:spLocks noGrp="1"/>
@@ -4963,7 +7657,7 @@
           <a:lstStyle/>
           <a:p>
             <a:r>
-              <a:rPr lang="fr-FR" smtClean="0"/>
+              <a:rPr lang="fr-FR" dirty="0" smtClean="0"/>
               <a:t>cedric.hartland@gmail.com</a:t>
             </a:r>
             <a:endParaRPr lang="fr-FR" dirty="0"/>
@@ -4990,7 +7684,7 @@
               <a:pPr/>
               <a:t>2</a:t>
             </a:fld>
-            <a:endParaRPr lang="fr-FR"/>
+            <a:endParaRPr lang="fr-FR" dirty="0"/>
           </a:p>
         </p:txBody>
       </p:sp>
@@ -5003,7 +7697,7 @@
           <p:nvPr/>
         </p:nvPicPr>
         <p:blipFill>
-          <a:blip r:embed="rId2"/>
+          <a:blip r:embed="rId2" cstate="print"/>
           <a:stretch>
             <a:fillRect/>
           </a:stretch>
@@ -5021,7 +7715,7 @@
     </p:spTree>
     <p:extLst>
       <p:ext uri="{BB962C8B-B14F-4D97-AF65-F5344CB8AC3E}">
-        <p14:creationId xmlns:p14="http://schemas.microsoft.com/office/powerpoint/2010/main" val="1283000917"/>
+        <p14:creationId xmlns:p14="http://schemas.microsoft.com/office/powerpoint/2010/main" xmlns="" val="1283000917"/>
       </p:ext>
     </p:extLst>
   </p:cSld>
@@ -5064,10 +7758,10 @@
           <a:lstStyle/>
           <a:p>
             <a:r>
-              <a:rPr lang="en-US" dirty="0" smtClean="0"/>
+              <a:rPr lang="en-US" noProof="0" smtClean="0"/>
               <a:t>React – a gentle introduction</a:t>
             </a:r>
-            <a:endParaRPr lang="fr-FR" dirty="0"/>
+            <a:endParaRPr lang="en-US" noProof="0"/>
           </a:p>
         </p:txBody>
       </p:sp>
@@ -5090,14 +7784,10 @@
               <a:buNone/>
             </a:pPr>
             <a:r>
-              <a:rPr lang="en-US" i="1" dirty="0" err="1" smtClean="0"/>
-              <a:t>Javascript</a:t>
-            </a:r>
-            <a:r>
-              <a:rPr lang="en-US" i="1" dirty="0" smtClean="0"/>
-              <a:t> library for building user interfaces</a:t>
-            </a:r>
-            <a:endParaRPr lang="fr-FR" i="1" dirty="0"/>
+              <a:rPr lang="en-US" i="1" noProof="0" smtClean="0"/>
+              <a:t>Javascript library for building user interfaces</a:t>
+            </a:r>
+            <a:endParaRPr lang="en-US" i="1" noProof="0"/>
           </a:p>
         </p:txBody>
       </p:sp>
@@ -5174,7 +7864,7 @@
     </p:spTree>
     <p:extLst>
       <p:ext uri="{BB962C8B-B14F-4D97-AF65-F5344CB8AC3E}">
-        <p14:creationId xmlns:p14="http://schemas.microsoft.com/office/powerpoint/2010/main" val="1106585189"/>
+        <p14:creationId xmlns:p14="http://schemas.microsoft.com/office/powerpoint/2010/main" xmlns="" val="1106585189"/>
       </p:ext>
     </p:extLst>
   </p:cSld>
@@ -5224,14 +7914,10 @@
           <a:lstStyle/>
           <a:p>
             <a:r>
-              <a:rPr lang="en-US" dirty="0" smtClean="0"/>
-              <a:t>React – a </a:t>
-            </a:r>
-            <a:r>
-              <a:rPr lang="en-US" dirty="0" smtClean="0"/>
-              <a:t>library that defines views through components</a:t>
-            </a:r>
-            <a:endParaRPr lang="fr-FR" dirty="0"/>
+              <a:rPr lang="en-US" noProof="0" smtClean="0"/>
+              <a:t>React – a library that defines views through components</a:t>
+            </a:r>
+            <a:endParaRPr lang="en-US" noProof="0"/>
           </a:p>
         </p:txBody>
       </p:sp>
@@ -5253,57 +7939,87 @@
           <a:lstStyle/>
           <a:p>
             <a:r>
-              <a:rPr lang="en-US" dirty="0" smtClean="0"/>
-              <a:t>In </a:t>
-            </a:r>
-            <a:r>
-              <a:rPr lang="en-US" dirty="0" smtClean="0"/>
-              <a:t>a declarative way</a:t>
+              <a:rPr lang="en-US" noProof="0" smtClean="0"/>
+              <a:t>In a declarative way</a:t>
             </a:r>
           </a:p>
           <a:p>
             <a:pPr lvl="1"/>
             <a:r>
-              <a:rPr lang="en-US" dirty="0" smtClean="0"/>
-              <a:t>Given an application state, renders some </a:t>
-            </a:r>
-            <a:r>
-              <a:rPr lang="en-US" i="1" dirty="0" smtClean="0"/>
+              <a:rPr lang="en-US" noProof="0" smtClean="0"/>
+              <a:t>Components (objects…) means reusability</a:t>
+            </a:r>
+          </a:p>
+          <a:p>
+            <a:pPr lvl="1"/>
+            <a:r>
+              <a:rPr lang="en-US" noProof="0" smtClean="0"/>
+              <a:t>Given </a:t>
+            </a:r>
+            <a:r>
+              <a:rPr lang="en-US" noProof="0" smtClean="0"/>
+              <a:t>an application state, renders some </a:t>
+            </a:r>
+            <a:r>
+              <a:rPr lang="en-US" i="1" noProof="0" smtClean="0"/>
               <a:t>shadow </a:t>
             </a:r>
             <a:r>
-              <a:rPr lang="en-US" dirty="0" smtClean="0"/>
-              <a:t>DOM </a:t>
+              <a:rPr lang="en-US" noProof="0" smtClean="0"/>
+              <a:t>DOM</a:t>
+            </a:r>
+            <a:r>
+              <a:rPr lang="en-US" noProof="0" smtClean="0"/>
+              <a:t/>
             </a:r>
             <a:br>
-              <a:rPr lang="en-US" dirty="0" smtClean="0"/>
+              <a:rPr lang="en-US" noProof="0" smtClean="0"/>
             </a:br>
             <a:r>
-              <a:rPr lang="en-US" sz="1800" dirty="0" smtClean="0">
+              <a:rPr lang="en-US" sz="1800" noProof="0" smtClean="0">
                 <a:solidFill>
                   <a:schemeClr val="accent6"/>
                 </a:solidFill>
               </a:rPr>
-              <a:t>such inputs are named properties</a:t>
-            </a:r>
-            <a:endParaRPr lang="en-US" dirty="0" smtClean="0">
+              <a:t>application state are inputs named </a:t>
+            </a:r>
+            <a:r>
+              <a:rPr lang="en-US" sz="1800" noProof="0" smtClean="0">
+                <a:solidFill>
+                  <a:schemeClr val="accent6"/>
+                </a:solidFill>
+              </a:rPr>
+              <a:t>properties</a:t>
+            </a:r>
+            <a:endParaRPr lang="en-US" noProof="0" smtClean="0">
               <a:solidFill>
                 <a:schemeClr val="accent6"/>
               </a:solidFill>
             </a:endParaRPr>
           </a:p>
           <a:p>
+            <a:pPr lvl="2"/>
+            <a:r>
+              <a:rPr lang="en-US" noProof="0" smtClean="0"/>
+              <a:t>Business logic, state flow and DOM rendering are independent</a:t>
+            </a:r>
+          </a:p>
+          <a:p>
             <a:pPr lvl="1"/>
             <a:r>
-              <a:rPr lang="en-US" dirty="0"/>
-              <a:t>Optimized rendering </a:t>
-            </a:r>
-            <a:r>
-              <a:rPr lang="en-US" dirty="0" smtClean="0"/>
+              <a:rPr lang="en-US" noProof="0" smtClean="0"/>
+              <a:t>Optimized </a:t>
+            </a:r>
+            <a:r>
+              <a:rPr lang="en-US" noProof="0"/>
+              <a:t>rendering </a:t>
+            </a:r>
+            <a:r>
+              <a:rPr lang="en-US" noProof="0" smtClean="0"/>
               <a:t>engine </a:t>
             </a:r>
             <a:r>
-              <a:rPr lang="en-US" sz="1800" dirty="0" smtClean="0">
+              <a:rPr lang="en-US" sz="1800" noProof="0" smtClean="0">
                 <a:solidFill>
                   <a:schemeClr val="accent6"/>
                 </a:solidFill>
@@ -5311,14 +8027,14 @@
               <a:t>inspired </a:t>
             </a:r>
             <a:r>
-              <a:rPr lang="en-US" sz="1800" dirty="0">
+              <a:rPr lang="en-US" sz="1800" noProof="0">
                 <a:solidFill>
                   <a:schemeClr val="accent6"/>
                 </a:solidFill>
               </a:rPr>
               <a:t>from game engines</a:t>
             </a:r>
-            <a:endParaRPr lang="en-US" dirty="0">
+            <a:endParaRPr lang="en-US" noProof="0">
               <a:solidFill>
                 <a:schemeClr val="accent6"/>
               </a:solidFill>
@@ -5327,15 +8043,15 @@
           <a:p>
             <a:pPr lvl="1"/>
             <a:r>
-              <a:rPr lang="en-US" dirty="0" smtClean="0"/>
+              <a:rPr lang="en-US" noProof="0" smtClean="0"/>
               <a:t>Little </a:t>
             </a:r>
             <a:r>
-              <a:rPr lang="en-US" dirty="0"/>
+              <a:rPr lang="en-US" noProof="0"/>
               <a:t>assumption on application structure </a:t>
             </a:r>
             <a:r>
-              <a:rPr lang="en-US" sz="1800" dirty="0">
+              <a:rPr lang="en-US" sz="1800" noProof="0">
                 <a:solidFill>
                   <a:schemeClr val="accent6"/>
                 </a:solidFill>
@@ -5346,15 +8062,15 @@
           <a:p>
             <a:pPr lvl="1"/>
             <a:r>
-              <a:rPr lang="en-US" dirty="0" smtClean="0"/>
+              <a:rPr lang="en-US" noProof="0" smtClean="0"/>
               <a:t>Can </a:t>
             </a:r>
             <a:r>
-              <a:rPr lang="en-US" dirty="0"/>
+              <a:rPr lang="en-US" noProof="0"/>
               <a:t>render on server side </a:t>
             </a:r>
             <a:r>
-              <a:rPr lang="en-US" sz="1800" dirty="0">
+              <a:rPr lang="en-US" sz="1800" noProof="0">
                 <a:solidFill>
                   <a:schemeClr val="accent6"/>
                 </a:solidFill>
@@ -5362,7 +8078,7 @@
               <a:t>SEO </a:t>
             </a:r>
             <a:r>
-              <a:rPr lang="en-US" sz="1800" dirty="0" smtClean="0">
+              <a:rPr lang="en-US" sz="1800" noProof="0" smtClean="0">
                 <a:solidFill>
                   <a:schemeClr val="accent6"/>
                 </a:solidFill>
@@ -5372,7 +8088,7 @@
           </a:p>
           <a:p>
             <a:pPr lvl="1"/>
-            <a:endParaRPr lang="en-US" sz="1800" dirty="0">
+            <a:endParaRPr lang="en-US" sz="1800" noProof="0">
               <a:solidFill>
                 <a:schemeClr val="accent6"/>
               </a:solidFill>
@@ -5383,14 +8099,14 @@
               <a:buNone/>
             </a:pPr>
             <a:r>
-              <a:rPr lang="en-US" dirty="0" smtClean="0">
+              <a:rPr lang="en-US" noProof="0" smtClean="0">
                 <a:solidFill>
                   <a:schemeClr val="accent5"/>
                 </a:solidFill>
               </a:rPr>
               <a:t>What else ? Not so much</a:t>
             </a:r>
-            <a:endParaRPr lang="en-US" dirty="0">
+            <a:endParaRPr lang="en-US" noProof="0">
               <a:solidFill>
                 <a:schemeClr val="accent5"/>
               </a:solidFill>
@@ -5471,7 +8187,7 @@
     </p:spTree>
     <p:extLst>
       <p:ext uri="{BB962C8B-B14F-4D97-AF65-F5344CB8AC3E}">
-        <p14:creationId xmlns:p14="http://schemas.microsoft.com/office/powerpoint/2010/main" val="604540945"/>
+        <p14:creationId xmlns:p14="http://schemas.microsoft.com/office/powerpoint/2010/main" xmlns="" val="604540945"/>
       </p:ext>
     </p:extLst>
   </p:cSld>
@@ -5521,10 +8237,10 @@
           <a:lstStyle/>
           <a:p>
             <a:r>
-              <a:rPr lang="en-US" dirty="0" smtClean="0"/>
+              <a:rPr lang="en-US" noProof="0" smtClean="0"/>
               <a:t>React – what’s actually good in it ?</a:t>
             </a:r>
-            <a:endParaRPr lang="fr-FR" dirty="0"/>
+            <a:endParaRPr lang="en-US" noProof="0"/>
           </a:p>
         </p:txBody>
       </p:sp>
@@ -5544,19 +8260,18 @@
           <a:lstStyle/>
           <a:p>
             <a:r>
-              <a:rPr lang="en-US" dirty="0" smtClean="0"/>
+              <a:rPr lang="en-US" noProof="0" smtClean="0"/>
               <a:t>Components</a:t>
             </a:r>
-            <a:endParaRPr lang="en-US" dirty="0" smtClean="0"/>
           </a:p>
           <a:p>
             <a:pPr lvl="1"/>
             <a:r>
-              <a:rPr lang="en-US" dirty="0" smtClean="0"/>
+              <a:rPr lang="en-US" noProof="0" smtClean="0"/>
               <a:t>Enhanced reusability </a:t>
             </a:r>
             <a:r>
-              <a:rPr lang="en-US" sz="1800" dirty="0" smtClean="0">
+              <a:rPr lang="en-US" sz="1800" noProof="0" smtClean="0">
                 <a:solidFill>
                   <a:schemeClr val="accent6"/>
                 </a:solidFill>
@@ -5567,22 +8282,18 @@
           <a:p>
             <a:pPr lvl="1"/>
             <a:r>
-              <a:rPr lang="en-US" dirty="0" smtClean="0"/>
+              <a:rPr lang="en-US" noProof="0" smtClean="0"/>
               <a:t>Rendering lifecycle with optimizations</a:t>
             </a:r>
           </a:p>
           <a:p>
             <a:pPr lvl="1"/>
             <a:r>
-              <a:rPr lang="en-US" dirty="0" smtClean="0"/>
-              <a:t>Basic type </a:t>
-            </a:r>
-            <a:r>
-              <a:rPr lang="en-US" dirty="0" smtClean="0"/>
-              <a:t>checking </a:t>
-            </a:r>
-            <a:r>
-              <a:rPr lang="en-US" sz="1800" dirty="0" smtClean="0">
+              <a:rPr lang="en-US" noProof="0" smtClean="0"/>
+              <a:t>Basic type checking </a:t>
+            </a:r>
+            <a:r>
+              <a:rPr lang="en-US" sz="1800" noProof="0" smtClean="0">
                 <a:solidFill>
                   <a:schemeClr val="accent6"/>
                 </a:solidFill>
@@ -5590,33 +8301,28 @@
               <a:t>not so basic with </a:t>
             </a:r>
             <a:r>
-              <a:rPr lang="en-US" sz="1800" b="1" dirty="0" err="1" smtClean="0">
+              <a:rPr lang="en-US" sz="1800" b="1" noProof="0" smtClean="0">
                 <a:solidFill>
                   <a:schemeClr val="accent6"/>
                 </a:solidFill>
               </a:rPr>
               <a:t>propTypes</a:t>
             </a:r>
-            <a:endParaRPr lang="en-US" sz="1800" b="1" dirty="0" smtClean="0">
-              <a:solidFill>
-                <a:schemeClr val="accent6"/>
-              </a:solidFill>
-            </a:endParaRPr>
-          </a:p>
-          <a:p>
-            <a:r>
-              <a:rPr lang="en-US" dirty="0" smtClean="0"/>
+          </a:p>
+          <a:p>
+            <a:r>
+              <a:rPr lang="en-US" noProof="0" smtClean="0"/>
               <a:t>Becomes powerful with ES6 and more </a:t>
             </a:r>
             <a:r>
-              <a:rPr lang="en-US" sz="2000" dirty="0" smtClean="0">
+              <a:rPr lang="en-US" sz="2000" noProof="0" smtClean="0">
                 <a:solidFill>
                   <a:schemeClr val="accent6"/>
                 </a:solidFill>
               </a:rPr>
               <a:t>it’s not react, it’s ES6</a:t>
             </a:r>
-            <a:endParaRPr lang="en-US" dirty="0" smtClean="0">
+            <a:endParaRPr lang="en-US" noProof="0" smtClean="0">
               <a:solidFill>
                 <a:schemeClr val="accent6"/>
               </a:solidFill>
@@ -5625,42 +8331,34 @@
           <a:p>
             <a:pPr lvl="1"/>
             <a:r>
-              <a:rPr lang="en-US" dirty="0" smtClean="0"/>
+              <a:rPr lang="en-US" noProof="0" smtClean="0"/>
               <a:t>Dependency management</a:t>
             </a:r>
           </a:p>
           <a:p>
             <a:pPr lvl="1"/>
             <a:r>
-              <a:rPr lang="en-US" dirty="0" err="1" smtClean="0"/>
-              <a:t>Uptaded</a:t>
-            </a:r>
-            <a:r>
-              <a:rPr lang="en-US" dirty="0" smtClean="0"/>
-              <a:t> syntax and language features</a:t>
+              <a:rPr lang="en-US" noProof="0" smtClean="0"/>
+              <a:t>Uptaded syntax and language features</a:t>
             </a:r>
           </a:p>
           <a:p>
             <a:pPr lvl="1"/>
             <a:r>
-              <a:rPr lang="en-US" dirty="0" err="1" smtClean="0"/>
-              <a:t>Css</a:t>
-            </a:r>
-            <a:r>
-              <a:rPr lang="en-US" dirty="0" smtClean="0"/>
-              <a:t> inclusions</a:t>
-            </a:r>
-          </a:p>
-          <a:p>
-            <a:r>
-              <a:rPr lang="en-US" dirty="0" smtClean="0"/>
+              <a:rPr lang="en-US" noProof="0" smtClean="0"/>
+              <a:t>Css inclusions</a:t>
+            </a:r>
+          </a:p>
+          <a:p>
+            <a:r>
+              <a:rPr lang="en-US" noProof="0" smtClean="0"/>
               <a:t>Arguably JSX</a:t>
             </a:r>
           </a:p>
           <a:p>
             <a:pPr lvl="1"/>
             <a:r>
-              <a:rPr lang="en-US" dirty="0" smtClean="0"/>
+              <a:rPr lang="en-US" noProof="0" smtClean="0"/>
               <a:t>As opposed to string based templates</a:t>
             </a:r>
           </a:p>
@@ -5739,7 +8437,7 @@
     </p:spTree>
     <p:extLst>
       <p:ext uri="{BB962C8B-B14F-4D97-AF65-F5344CB8AC3E}">
-        <p14:creationId xmlns:p14="http://schemas.microsoft.com/office/powerpoint/2010/main" val="3005486473"/>
+        <p14:creationId xmlns:p14="http://schemas.microsoft.com/office/powerpoint/2010/main" xmlns="" val="3005486473"/>
       </p:ext>
     </p:extLst>
   </p:cSld>
@@ -5775,7 +8473,7 @@
       </p:grpSpPr>
       <p:sp>
         <p:nvSpPr>
-          <p:cNvPr id="2" name="Title 1"/>
+          <p:cNvPr id="2" name="Titre 1"/>
           <p:cNvSpPr>
             <a:spLocks noGrp="1"/>
           </p:cNvSpPr>
@@ -5789,20 +8487,111 @@
           <a:lstStyle/>
           <a:p>
             <a:r>
-              <a:rPr lang="fr-FR" dirty="0" smtClean="0"/>
-              <a:t>A </a:t>
-            </a:r>
-            <a:r>
-              <a:rPr lang="fr-FR" dirty="0" smtClean="0"/>
-              <a:t>(not </a:t>
-            </a:r>
-            <a:r>
-              <a:rPr lang="fr-FR" dirty="0" err="1" smtClean="0"/>
-              <a:t>so</a:t>
-            </a:r>
-            <a:r>
-              <a:rPr lang="fr-FR" dirty="0" smtClean="0"/>
-              <a:t>) simple component</a:t>
+              <a:rPr lang="en-US" noProof="0" smtClean="0"/>
+              <a:t>React – JSX</a:t>
+            </a:r>
+            <a:endParaRPr lang="en-US" noProof="0"/>
+          </a:p>
+        </p:txBody>
+      </p:sp>
+      <p:sp>
+        <p:nvSpPr>
+          <p:cNvPr id="3" name="Espace réservé du contenu 2"/>
+          <p:cNvSpPr>
+            <a:spLocks noGrp="1"/>
+          </p:cNvSpPr>
+          <p:nvPr>
+            <p:ph idx="1"/>
+          </p:nvPr>
+        </p:nvSpPr>
+        <p:spPr/>
+        <p:txBody>
+          <a:bodyPr/>
+          <a:lstStyle/>
+          <a:p>
+            <a:r>
+              <a:rPr lang="en-US" noProof="0" dirty="0" smtClean="0"/>
+              <a:t>Update to JS – ease the code writing and reading </a:t>
+            </a:r>
+            <a:r>
+              <a:rPr lang="en-US" noProof="0" dirty="0" err="1" smtClean="0"/>
+              <a:t>w.r.t</a:t>
+            </a:r>
+            <a:r>
+              <a:rPr lang="en-US" noProof="0" dirty="0" smtClean="0"/>
+              <a:t>. React</a:t>
+            </a:r>
+          </a:p>
+          <a:p>
+            <a:pPr lvl="1"/>
+            <a:r>
+              <a:rPr lang="en-US" dirty="0" smtClean="0"/>
+              <a:t>Elements, expressions, functions, etc. </a:t>
+            </a:r>
+          </a:p>
+          <a:p>
+            <a:pPr lvl="1"/>
+            <a:r>
+              <a:rPr lang="en-US" noProof="0" dirty="0" smtClean="0"/>
+              <a:t>CSS horror !! </a:t>
+            </a:r>
+            <a:r>
+              <a:rPr lang="en-US" sz="1800" dirty="0" smtClean="0">
+                <a:solidFill>
+                  <a:schemeClr val="accent6"/>
+                </a:solidFill>
+              </a:rPr>
+              <a:t>Js based CSS injection, prefer CSS imports/modular CSS</a:t>
+            </a:r>
+            <a:endParaRPr lang="en-US" noProof="0" dirty="0">
+              <a:solidFill>
+                <a:schemeClr val="accent6"/>
+              </a:solidFill>
+            </a:endParaRPr>
+          </a:p>
+        </p:txBody>
+      </p:sp>
+      <p:sp>
+        <p:nvSpPr>
+          <p:cNvPr id="4" name="Espace réservé de la date 3"/>
+          <p:cNvSpPr>
+            <a:spLocks noGrp="1"/>
+          </p:cNvSpPr>
+          <p:nvPr>
+            <p:ph type="dt" sz="half" idx="10"/>
+          </p:nvPr>
+        </p:nvSpPr>
+        <p:spPr/>
+        <p:txBody>
+          <a:bodyPr/>
+          <a:lstStyle/>
+          <a:p>
+            <a:r>
+              <a:rPr lang="fr-FR" smtClean="0"/>
+              <a:t>2017</a:t>
+            </a:r>
+            <a:endParaRPr lang="fr-FR"/>
+          </a:p>
+        </p:txBody>
+      </p:sp>
+      <p:sp>
+        <p:nvSpPr>
+          <p:cNvPr id="5" name="Espace réservé du pied de page 4"/>
+          <p:cNvSpPr>
+            <a:spLocks noGrp="1"/>
+          </p:cNvSpPr>
+          <p:nvPr>
+            <p:ph type="ftr" sz="quarter" idx="11"/>
+          </p:nvPr>
+        </p:nvSpPr>
+        <p:spPr/>
+        <p:txBody>
+          <a:bodyPr/>
+          <a:lstStyle/>
+          <a:p>
+            <a:r>
+              <a:rPr lang="fr-FR" smtClean="0"/>
+              <a:t>cedric.hartland@gmail.com</a:t>
             </a:r>
             <a:endParaRPr lang="fr-FR" dirty="0"/>
           </a:p>
@@ -5810,53 +8599,7 @@
       </p:sp>
       <p:sp>
         <p:nvSpPr>
-          <p:cNvPr id="4" name="Date Placeholder 3"/>
-          <p:cNvSpPr>
-            <a:spLocks noGrp="1"/>
-          </p:cNvSpPr>
-          <p:nvPr>
-            <p:ph type="dt" sz="half" idx="10"/>
-          </p:nvPr>
-        </p:nvSpPr>
-        <p:spPr/>
-        <p:txBody>
-          <a:bodyPr/>
-          <a:lstStyle/>
-          <a:p>
-            <a:r>
-              <a:rPr lang="fr-FR" dirty="0" smtClean="0"/>
-              <a:t>2017</a:t>
-            </a:r>
-            <a:endParaRPr lang="fr-FR" dirty="0"/>
-          </a:p>
-        </p:txBody>
-      </p:sp>
-      <p:sp>
-        <p:nvSpPr>
-          <p:cNvPr id="5" name="Footer Placeholder 4"/>
-          <p:cNvSpPr>
-            <a:spLocks noGrp="1"/>
-          </p:cNvSpPr>
-          <p:nvPr>
-            <p:ph type="ftr" sz="quarter" idx="11"/>
-          </p:nvPr>
-        </p:nvSpPr>
-        <p:spPr/>
-        <p:txBody>
-          <a:bodyPr/>
-          <a:lstStyle/>
-          <a:p>
-            <a:r>
-              <a:rPr lang="fr-FR" dirty="0" smtClean="0"/>
-              <a:t>cedric.hartland@gmail.com</a:t>
-            </a:r>
-            <a:endParaRPr lang="fr-FR" dirty="0"/>
-          </a:p>
-        </p:txBody>
-      </p:sp>
-      <p:sp>
-        <p:nvSpPr>
-          <p:cNvPr id="6" name="Slide Number Placeholder 5"/>
+          <p:cNvPr id="6" name="Espace réservé du numéro de diapositive 5"/>
           <p:cNvSpPr>
             <a:spLocks noGrp="1"/>
           </p:cNvSpPr>
@@ -5873,6 +8616,397 @@
               <a:rPr lang="fr-FR" smtClean="0"/>
               <a:pPr/>
               <a:t>6</a:t>
+            </a:fld>
+            <a:endParaRPr lang="fr-FR"/>
+          </a:p>
+        </p:txBody>
+      </p:sp>
+      <p:sp>
+        <p:nvSpPr>
+          <p:cNvPr id="12" name="Rectangle 11"/>
+          <p:cNvSpPr/>
+          <p:nvPr/>
+        </p:nvSpPr>
+        <p:spPr>
+          <a:xfrm>
+            <a:off x="1152524" y="2971800"/>
+            <a:ext cx="3838575" cy="3171825"/>
+          </a:xfrm>
+          <a:prstGeom prst="rect">
+            <a:avLst/>
+          </a:prstGeom>
+        </p:spPr>
+        <p:style>
+          <a:lnRef idx="3">
+            <a:schemeClr val="lt1"/>
+          </a:lnRef>
+          <a:fillRef idx="1">
+            <a:schemeClr val="accent1"/>
+          </a:fillRef>
+          <a:effectRef idx="1">
+            <a:schemeClr val="accent1"/>
+          </a:effectRef>
+          <a:fontRef idx="minor">
+            <a:schemeClr val="lt1"/>
+          </a:fontRef>
+        </p:style>
+        <p:txBody>
+          <a:bodyPr rtlCol="0" anchor="ctr"/>
+          <a:lstStyle/>
+          <a:p>
+            <a:pPr lvl="1"/>
+            <a:r>
+              <a:rPr lang="fr-FR" b="1" dirty="0" err="1" smtClean="0"/>
+              <a:t>React.createElement</a:t>
+            </a:r>
+            <a:r>
+              <a:rPr lang="fr-FR" b="1" dirty="0" smtClean="0"/>
+              <a:t>(</a:t>
+            </a:r>
+          </a:p>
+          <a:p>
+            <a:pPr lvl="1"/>
+            <a:r>
+              <a:rPr lang="fr-FR" b="1" dirty="0" smtClean="0"/>
+              <a:t>	</a:t>
+            </a:r>
+            <a:r>
+              <a:rPr lang="fr-FR" b="1" dirty="0" err="1" smtClean="0"/>
+              <a:t>MyButton</a:t>
+            </a:r>
+            <a:r>
+              <a:rPr lang="fr-FR" b="1" dirty="0" smtClean="0"/>
+              <a:t>, </a:t>
+            </a:r>
+          </a:p>
+          <a:p>
+            <a:pPr lvl="1"/>
+            <a:r>
+              <a:rPr lang="fr-FR" b="1" dirty="0" smtClean="0"/>
+              <a:t>	</a:t>
+            </a:r>
+            <a:r>
+              <a:rPr lang="fr-FR" b="1" dirty="0" smtClean="0"/>
+              <a:t>{</a:t>
+            </a:r>
+          </a:p>
+          <a:p>
+            <a:pPr lvl="1"/>
+            <a:r>
+              <a:rPr lang="fr-FR" b="1" dirty="0" smtClean="0"/>
+              <a:t>	  </a:t>
+            </a:r>
+            <a:r>
+              <a:rPr lang="fr-FR" b="1" dirty="0" err="1" smtClean="0"/>
+              <a:t>color</a:t>
+            </a:r>
+            <a:r>
+              <a:rPr lang="fr-FR" b="1" dirty="0" smtClean="0"/>
+              <a:t>: '</a:t>
+            </a:r>
+            <a:r>
+              <a:rPr lang="fr-FR" b="1" dirty="0" err="1" smtClean="0"/>
+              <a:t>blue</a:t>
+            </a:r>
+            <a:r>
+              <a:rPr lang="fr-FR" b="1" dirty="0" smtClean="0"/>
+              <a:t>', </a:t>
+            </a:r>
+          </a:p>
+          <a:p>
+            <a:pPr lvl="1"/>
+            <a:r>
+              <a:rPr lang="fr-FR" b="1" dirty="0" smtClean="0"/>
+              <a:t>	</a:t>
+            </a:r>
+            <a:r>
+              <a:rPr lang="fr-FR" b="1" dirty="0" smtClean="0"/>
+              <a:t>  </a:t>
+            </a:r>
+            <a:r>
+              <a:rPr lang="fr-FR" b="1" dirty="0" err="1" smtClean="0"/>
+              <a:t>shadowSize</a:t>
+            </a:r>
+            <a:r>
+              <a:rPr lang="fr-FR" b="1" dirty="0" smtClean="0"/>
+              <a:t>: 2</a:t>
+            </a:r>
+          </a:p>
+          <a:p>
+            <a:pPr lvl="1"/>
+            <a:r>
+              <a:rPr lang="fr-FR" b="1" dirty="0" smtClean="0"/>
+              <a:t>	</a:t>
+            </a:r>
+            <a:r>
+              <a:rPr lang="fr-FR" b="1" dirty="0" smtClean="0"/>
+              <a:t>}, </a:t>
+            </a:r>
+          </a:p>
+          <a:p>
+            <a:pPr lvl="1"/>
+            <a:r>
+              <a:rPr lang="fr-FR" b="1" dirty="0" smtClean="0"/>
+              <a:t>	</a:t>
+            </a:r>
+            <a:r>
+              <a:rPr lang="fr-FR" b="1" dirty="0" smtClean="0"/>
+              <a:t>'Click Me' </a:t>
+            </a:r>
+          </a:p>
+          <a:p>
+            <a:pPr lvl="1"/>
+            <a:r>
+              <a:rPr lang="fr-FR" b="1" dirty="0" smtClean="0"/>
+              <a:t>) ;</a:t>
+            </a:r>
+            <a:endParaRPr lang="fr-FR" b="1" dirty="0"/>
+          </a:p>
+        </p:txBody>
+      </p:sp>
+      <p:sp>
+        <p:nvSpPr>
+          <p:cNvPr id="13" name="Rectangle 12"/>
+          <p:cNvSpPr/>
+          <p:nvPr/>
+        </p:nvSpPr>
+        <p:spPr>
+          <a:xfrm>
+            <a:off x="7115174" y="2971800"/>
+            <a:ext cx="3838575" cy="3162300"/>
+          </a:xfrm>
+          <a:prstGeom prst="rect">
+            <a:avLst/>
+          </a:prstGeom>
+        </p:spPr>
+        <p:style>
+          <a:lnRef idx="3">
+            <a:schemeClr val="lt1"/>
+          </a:lnRef>
+          <a:fillRef idx="1">
+            <a:schemeClr val="accent6"/>
+          </a:fillRef>
+          <a:effectRef idx="1">
+            <a:schemeClr val="accent6"/>
+          </a:effectRef>
+          <a:fontRef idx="minor">
+            <a:schemeClr val="lt1"/>
+          </a:fontRef>
+        </p:style>
+        <p:txBody>
+          <a:bodyPr rtlCol="0" anchor="ctr"/>
+          <a:lstStyle/>
+          <a:p>
+            <a:pPr lvl="1"/>
+            <a:r>
+              <a:rPr lang="en-US" b="1" dirty="0" smtClean="0"/>
+              <a:t>&lt;</a:t>
+            </a:r>
+            <a:r>
+              <a:rPr lang="en-US" b="1" dirty="0" err="1" smtClean="0"/>
+              <a:t>MyButton</a:t>
+            </a:r>
+            <a:r>
+              <a:rPr lang="en-US" b="1" dirty="0" smtClean="0"/>
+              <a:t> color="blue" </a:t>
+            </a:r>
+            <a:r>
+              <a:rPr lang="en-US" b="1" dirty="0" smtClean="0"/>
+              <a:t>	</a:t>
+            </a:r>
+            <a:r>
+              <a:rPr lang="en-US" b="1" dirty="0" err="1" smtClean="0"/>
+              <a:t>shadowSize</a:t>
+            </a:r>
+            <a:r>
+              <a:rPr lang="en-US" b="1" dirty="0" smtClean="0"/>
+              <a:t>={2}&gt; Click Me &lt;/</a:t>
+            </a:r>
+            <a:r>
+              <a:rPr lang="en-US" b="1" dirty="0" err="1" smtClean="0"/>
+              <a:t>MyButton</a:t>
+            </a:r>
+            <a:r>
+              <a:rPr lang="en-US" b="1" dirty="0" smtClean="0"/>
+              <a:t>&gt; </a:t>
+            </a:r>
+            <a:endParaRPr lang="en-US" b="1" dirty="0"/>
+          </a:p>
+        </p:txBody>
+      </p:sp>
+      <p:sp>
+        <p:nvSpPr>
+          <p:cNvPr id="14" name="ZoneTexte 13"/>
+          <p:cNvSpPr txBox="1"/>
+          <p:nvPr/>
+        </p:nvSpPr>
+        <p:spPr>
+          <a:xfrm>
+            <a:off x="1152524" y="2562225"/>
+            <a:ext cx="517449" cy="369332"/>
+          </a:xfrm>
+          <a:prstGeom prst="rect">
+            <a:avLst/>
+          </a:prstGeom>
+          <a:noFill/>
+        </p:spPr>
+        <p:txBody>
+          <a:bodyPr wrap="none" rtlCol="0">
+            <a:spAutoFit/>
+          </a:bodyPr>
+          <a:lstStyle/>
+          <a:p>
+            <a:r>
+              <a:rPr lang="fr-FR" b="1" dirty="0" smtClean="0"/>
+              <a:t>ES5</a:t>
+            </a:r>
+            <a:endParaRPr lang="fr-FR" b="1" dirty="0"/>
+          </a:p>
+        </p:txBody>
+      </p:sp>
+      <p:sp>
+        <p:nvSpPr>
+          <p:cNvPr id="15" name="ZoneTexte 14"/>
+          <p:cNvSpPr txBox="1"/>
+          <p:nvPr/>
+        </p:nvSpPr>
+        <p:spPr>
+          <a:xfrm>
+            <a:off x="7115174" y="2562225"/>
+            <a:ext cx="495136" cy="369332"/>
+          </a:xfrm>
+          <a:prstGeom prst="rect">
+            <a:avLst/>
+          </a:prstGeom>
+          <a:noFill/>
+        </p:spPr>
+        <p:txBody>
+          <a:bodyPr wrap="none" rtlCol="0">
+            <a:spAutoFit/>
+          </a:bodyPr>
+          <a:lstStyle/>
+          <a:p>
+            <a:r>
+              <a:rPr lang="fr-FR" b="1" dirty="0" smtClean="0"/>
+              <a:t>JSX</a:t>
+            </a:r>
+            <a:endParaRPr lang="fr-FR" b="1" dirty="0"/>
+          </a:p>
+        </p:txBody>
+      </p:sp>
+    </p:spTree>
+  </p:cSld>
+  <p:clrMapOvr>
+    <a:masterClrMapping/>
+  </p:clrMapOvr>
+</p:sld>
+</file>
+
+<file path=ppt/slides/slide7.xml><?xml version="1.0" encoding="utf-8"?>
+<p:sld xmlns:a="http://schemas.openxmlformats.org/drawingml/2006/main" xmlns:r="http://schemas.openxmlformats.org/officeDocument/2006/relationships" xmlns:p="http://schemas.openxmlformats.org/presentationml/2006/main">
+  <p:cSld>
+    <p:spTree>
+      <p:nvGrpSpPr>
+        <p:cNvPr id="1" name=""/>
+        <p:cNvGrpSpPr/>
+        <p:nvPr/>
+      </p:nvGrpSpPr>
+      <p:grpSpPr>
+        <a:xfrm>
+          <a:off x="0" y="0"/>
+          <a:ext cx="0" cy="0"/>
+          <a:chOff x="0" y="0"/>
+          <a:chExt cx="0" cy="0"/>
+        </a:xfrm>
+      </p:grpSpPr>
+      <p:sp>
+        <p:nvSpPr>
+          <p:cNvPr id="2" name="Title 1"/>
+          <p:cNvSpPr>
+            <a:spLocks noGrp="1"/>
+          </p:cNvSpPr>
+          <p:nvPr>
+            <p:ph type="title"/>
+          </p:nvPr>
+        </p:nvSpPr>
+        <p:spPr/>
+        <p:txBody>
+          <a:bodyPr/>
+          <a:lstStyle/>
+          <a:p>
+            <a:r>
+              <a:rPr lang="en-US" noProof="0" smtClean="0"/>
+              <a:t>A (not so) simple component</a:t>
+            </a:r>
+            <a:endParaRPr lang="en-US" noProof="0"/>
+          </a:p>
+        </p:txBody>
+      </p:sp>
+      <p:sp>
+        <p:nvSpPr>
+          <p:cNvPr id="4" name="Date Placeholder 3"/>
+          <p:cNvSpPr>
+            <a:spLocks noGrp="1"/>
+          </p:cNvSpPr>
+          <p:nvPr>
+            <p:ph type="dt" sz="half" idx="10"/>
+          </p:nvPr>
+        </p:nvSpPr>
+        <p:spPr/>
+        <p:txBody>
+          <a:bodyPr/>
+          <a:lstStyle/>
+          <a:p>
+            <a:r>
+              <a:rPr lang="fr-FR" dirty="0" smtClean="0"/>
+              <a:t>2017</a:t>
+            </a:r>
+            <a:endParaRPr lang="fr-FR" dirty="0"/>
+          </a:p>
+        </p:txBody>
+      </p:sp>
+      <p:sp>
+        <p:nvSpPr>
+          <p:cNvPr id="5" name="Footer Placeholder 4"/>
+          <p:cNvSpPr>
+            <a:spLocks noGrp="1"/>
+          </p:cNvSpPr>
+          <p:nvPr>
+            <p:ph type="ftr" sz="quarter" idx="11"/>
+          </p:nvPr>
+        </p:nvSpPr>
+        <p:spPr/>
+        <p:txBody>
+          <a:bodyPr/>
+          <a:lstStyle/>
+          <a:p>
+            <a:r>
+              <a:rPr lang="fr-FR" dirty="0" smtClean="0"/>
+              <a:t>cedric.hartland@gmail.com</a:t>
+            </a:r>
+            <a:endParaRPr lang="fr-FR" dirty="0"/>
+          </a:p>
+        </p:txBody>
+      </p:sp>
+      <p:sp>
+        <p:nvSpPr>
+          <p:cNvPr id="6" name="Slide Number Placeholder 5"/>
+          <p:cNvSpPr>
+            <a:spLocks noGrp="1"/>
+          </p:cNvSpPr>
+          <p:nvPr>
+            <p:ph type="sldNum" sz="quarter" idx="12"/>
+          </p:nvPr>
+        </p:nvSpPr>
+        <p:spPr/>
+        <p:txBody>
+          <a:bodyPr/>
+          <a:lstStyle/>
+          <a:p>
+            <a:fld id="{44139E8D-6066-4080-AC46-DB89673BFC8E}" type="slidenum">
+              <a:rPr lang="fr-FR" smtClean="0"/>
+              <a:pPr/>
+              <a:t>7</a:t>
             </a:fld>
             <a:endParaRPr lang="fr-FR" dirty="0"/>
           </a:p>
@@ -6653,593 +9787,7 @@
     </p:spTree>
     <p:extLst>
       <p:ext uri="{BB962C8B-B14F-4D97-AF65-F5344CB8AC3E}">
-        <p14:creationId xmlns:p14="http://schemas.microsoft.com/office/powerpoint/2010/main" val="3296308957"/>
-      </p:ext>
-    </p:extLst>
-  </p:cSld>
-  <p:clrMapOvr>
-    <a:masterClrMapping/>
-  </p:clrMapOvr>
-  <p:timing>
-    <p:tnLst>
-      <p:par>
-        <p:cTn id="1" dur="indefinite" restart="never" nodeType="tmRoot"/>
-      </p:par>
-    </p:tnLst>
-  </p:timing>
-</p:sld>
-</file>
-
-<file path=ppt/slides/slide7.xml><?xml version="1.0" encoding="utf-8"?>
-<p:sld xmlns:a="http://schemas.openxmlformats.org/drawingml/2006/main" xmlns:r="http://schemas.openxmlformats.org/officeDocument/2006/relationships" xmlns:p="http://schemas.openxmlformats.org/presentationml/2006/main">
-  <p:cSld>
-    <p:spTree>
-      <p:nvGrpSpPr>
-        <p:cNvPr id="1" name=""/>
-        <p:cNvGrpSpPr/>
-        <p:nvPr/>
-      </p:nvGrpSpPr>
-      <p:grpSpPr>
-        <a:xfrm>
-          <a:off x="0" y="0"/>
-          <a:ext cx="0" cy="0"/>
-          <a:chOff x="0" y="0"/>
-          <a:chExt cx="0" cy="0"/>
-        </a:xfrm>
-      </p:grpSpPr>
-      <p:sp>
-        <p:nvSpPr>
-          <p:cNvPr id="2" name="Title 1"/>
-          <p:cNvSpPr>
-            <a:spLocks noGrp="1"/>
-          </p:cNvSpPr>
-          <p:nvPr>
-            <p:ph type="title"/>
-          </p:nvPr>
-        </p:nvSpPr>
-        <p:spPr/>
-        <p:txBody>
-          <a:bodyPr/>
-          <a:lstStyle/>
-          <a:p>
-            <a:r>
-              <a:rPr lang="fr-FR" dirty="0" err="1" smtClean="0"/>
-              <a:t>Adding</a:t>
-            </a:r>
-            <a:r>
-              <a:rPr lang="fr-FR" dirty="0" smtClean="0"/>
-              <a:t> user interactions</a:t>
-            </a:r>
-            <a:endParaRPr lang="fr-FR" dirty="0"/>
-          </a:p>
-        </p:txBody>
-      </p:sp>
-      <p:sp>
-        <p:nvSpPr>
-          <p:cNvPr id="4" name="Date Placeholder 3"/>
-          <p:cNvSpPr>
-            <a:spLocks noGrp="1"/>
-          </p:cNvSpPr>
-          <p:nvPr>
-            <p:ph type="dt" sz="half" idx="10"/>
-          </p:nvPr>
-        </p:nvSpPr>
-        <p:spPr/>
-        <p:txBody>
-          <a:bodyPr/>
-          <a:lstStyle/>
-          <a:p>
-            <a:r>
-              <a:rPr lang="fr-FR" dirty="0" smtClean="0"/>
-              <a:t>2017</a:t>
-            </a:r>
-            <a:endParaRPr lang="fr-FR" dirty="0"/>
-          </a:p>
-        </p:txBody>
-      </p:sp>
-      <p:sp>
-        <p:nvSpPr>
-          <p:cNvPr id="5" name="Footer Placeholder 4"/>
-          <p:cNvSpPr>
-            <a:spLocks noGrp="1"/>
-          </p:cNvSpPr>
-          <p:nvPr>
-            <p:ph type="ftr" sz="quarter" idx="11"/>
-          </p:nvPr>
-        </p:nvSpPr>
-        <p:spPr/>
-        <p:txBody>
-          <a:bodyPr/>
-          <a:lstStyle/>
-          <a:p>
-            <a:r>
-              <a:rPr lang="fr-FR" dirty="0" smtClean="0"/>
-              <a:t>cedric.hartland@gmail.com</a:t>
-            </a:r>
-            <a:endParaRPr lang="fr-FR" dirty="0"/>
-          </a:p>
-        </p:txBody>
-      </p:sp>
-      <p:sp>
-        <p:nvSpPr>
-          <p:cNvPr id="6" name="Slide Number Placeholder 5"/>
-          <p:cNvSpPr>
-            <a:spLocks noGrp="1"/>
-          </p:cNvSpPr>
-          <p:nvPr>
-            <p:ph type="sldNum" sz="quarter" idx="12"/>
-          </p:nvPr>
-        </p:nvSpPr>
-        <p:spPr/>
-        <p:txBody>
-          <a:bodyPr/>
-          <a:lstStyle/>
-          <a:p>
-            <a:fld id="{44139E8D-6066-4080-AC46-DB89673BFC8E}" type="slidenum">
-              <a:rPr lang="fr-FR" smtClean="0"/>
-              <a:pPr/>
-              <a:t>7</a:t>
-            </a:fld>
-            <a:endParaRPr lang="fr-FR" dirty="0"/>
-          </a:p>
-        </p:txBody>
-      </p:sp>
-      <p:sp>
-        <p:nvSpPr>
-          <p:cNvPr id="11" name="Rectangle 10"/>
-          <p:cNvSpPr/>
-          <p:nvPr/>
-        </p:nvSpPr>
-        <p:spPr>
-          <a:xfrm>
-            <a:off x="1851025" y="1714709"/>
-            <a:ext cx="8489950" cy="3970318"/>
-          </a:xfrm>
-          <a:prstGeom prst="rect">
-            <a:avLst/>
-          </a:prstGeom>
-          <a:solidFill>
-            <a:schemeClr val="bg1">
-              <a:lumMod val="95000"/>
-            </a:schemeClr>
-          </a:solidFill>
-          <a:effectLst>
-            <a:outerShdw blurRad="50800" dist="38100" dir="2700000" algn="tl" rotWithShape="0">
-              <a:prstClr val="black">
-                <a:alpha val="40000"/>
-              </a:prstClr>
-            </a:outerShdw>
-          </a:effectLst>
-        </p:spPr>
-        <p:txBody>
-          <a:bodyPr wrap="square">
-            <a:spAutoFit/>
-          </a:bodyPr>
-          <a:lstStyle/>
-          <a:p>
-            <a:r>
-              <a:rPr lang="fr-FR" b="1" dirty="0" smtClean="0">
-                <a:solidFill>
-                  <a:schemeClr val="accent5"/>
-                </a:solidFill>
-              </a:rPr>
-              <a:t>class</a:t>
-            </a:r>
-            <a:r>
-              <a:rPr lang="fr-FR" dirty="0" smtClean="0"/>
-              <a:t> </a:t>
-            </a:r>
-            <a:r>
-              <a:rPr lang="fr-FR" dirty="0" err="1" smtClean="0"/>
-              <a:t>Filter</a:t>
-            </a:r>
-            <a:r>
-              <a:rPr lang="fr-FR" dirty="0" smtClean="0"/>
-              <a:t> </a:t>
-            </a:r>
-            <a:r>
-              <a:rPr lang="fr-FR" b="1" dirty="0" err="1" smtClean="0">
-                <a:solidFill>
-                  <a:schemeClr val="accent5"/>
-                </a:solidFill>
-              </a:rPr>
-              <a:t>extends</a:t>
-            </a:r>
-            <a:r>
-              <a:rPr lang="fr-FR" dirty="0" smtClean="0"/>
-              <a:t> </a:t>
-            </a:r>
-            <a:r>
-              <a:rPr lang="fr-FR" dirty="0" err="1" smtClean="0"/>
-              <a:t>React.Component</a:t>
-            </a:r>
-            <a:r>
-              <a:rPr lang="fr-FR" dirty="0" smtClean="0"/>
-              <a:t> {</a:t>
-            </a:r>
-          </a:p>
-          <a:p>
-            <a:r>
-              <a:rPr lang="fr-FR" dirty="0" smtClean="0"/>
-              <a:t>  …</a:t>
-            </a:r>
-          </a:p>
-          <a:p>
-            <a:r>
-              <a:rPr lang="fr-FR" dirty="0" smtClean="0"/>
-              <a:t>  </a:t>
-            </a:r>
-            <a:r>
-              <a:rPr lang="fr-FR" dirty="0" err="1" smtClean="0">
-                <a:solidFill>
-                  <a:srgbClr val="7030A0"/>
-                </a:solidFill>
-              </a:rPr>
-              <a:t>render</a:t>
-            </a:r>
-            <a:r>
-              <a:rPr lang="fr-FR" dirty="0" smtClean="0"/>
-              <a:t>() {</a:t>
-            </a:r>
-          </a:p>
-          <a:p>
-            <a:r>
-              <a:rPr lang="fr-FR" dirty="0" smtClean="0"/>
-              <a:t>    </a:t>
-            </a:r>
-            <a:r>
-              <a:rPr lang="fr-FR" b="1" dirty="0" smtClean="0">
-                <a:solidFill>
-                  <a:schemeClr val="accent5"/>
-                </a:solidFill>
-              </a:rPr>
-              <a:t>return</a:t>
-            </a:r>
-            <a:r>
-              <a:rPr lang="fr-FR" dirty="0" smtClean="0"/>
-              <a:t> (</a:t>
-            </a:r>
-          </a:p>
-          <a:p>
-            <a:r>
-              <a:rPr lang="fr-FR" dirty="0" smtClean="0"/>
-              <a:t>      &lt;</a:t>
-            </a:r>
-            <a:r>
-              <a:rPr lang="fr-FR" dirty="0" err="1" smtClean="0">
-                <a:solidFill>
-                  <a:srgbClr val="C00000"/>
-                </a:solidFill>
-              </a:rPr>
-              <a:t>div</a:t>
-            </a:r>
-            <a:r>
-              <a:rPr lang="fr-FR" dirty="0" smtClean="0"/>
-              <a:t> </a:t>
-            </a:r>
-            <a:r>
-              <a:rPr lang="fr-FR" dirty="0" err="1" smtClean="0"/>
-              <a:t>className</a:t>
-            </a:r>
-            <a:r>
-              <a:rPr lang="fr-FR" dirty="0" smtClean="0"/>
-              <a:t>=</a:t>
-            </a:r>
-            <a:r>
-              <a:rPr lang="fr-FR" dirty="0" smtClean="0">
-                <a:solidFill>
-                  <a:schemeClr val="accent6">
-                    <a:lumMod val="75000"/>
-                  </a:schemeClr>
-                </a:solidFill>
-              </a:rPr>
-              <a:t>"</a:t>
-            </a:r>
-            <a:r>
-              <a:rPr lang="fr-FR" dirty="0" err="1" smtClean="0">
-                <a:solidFill>
-                  <a:schemeClr val="accent6">
-                    <a:lumMod val="75000"/>
-                  </a:schemeClr>
-                </a:solidFill>
-              </a:rPr>
-              <a:t>filter</a:t>
-            </a:r>
-            <a:r>
-              <a:rPr lang="fr-FR" dirty="0" smtClean="0">
-                <a:solidFill>
-                  <a:schemeClr val="accent6">
-                    <a:lumMod val="75000"/>
-                  </a:schemeClr>
-                </a:solidFill>
-              </a:rPr>
-              <a:t>-input"</a:t>
-            </a:r>
-            <a:r>
-              <a:rPr lang="fr-FR" dirty="0" smtClean="0"/>
-              <a:t>&gt;</a:t>
-            </a:r>
-          </a:p>
-          <a:p>
-            <a:r>
-              <a:rPr lang="fr-FR" dirty="0" smtClean="0"/>
-              <a:t>        &lt;</a:t>
-            </a:r>
-            <a:r>
-              <a:rPr lang="fr-FR" dirty="0" smtClean="0">
-                <a:solidFill>
-                  <a:srgbClr val="C00000"/>
-                </a:solidFill>
-              </a:rPr>
-              <a:t>input</a:t>
-            </a:r>
-          </a:p>
-          <a:p>
-            <a:r>
-              <a:rPr lang="fr-FR" dirty="0" smtClean="0"/>
-              <a:t>          type=</a:t>
-            </a:r>
-            <a:r>
-              <a:rPr lang="fr-FR" dirty="0" smtClean="0">
-                <a:solidFill>
-                  <a:schemeClr val="accent6">
-                    <a:lumMod val="75000"/>
-                  </a:schemeClr>
-                </a:solidFill>
-              </a:rPr>
-              <a:t>"</a:t>
-            </a:r>
-            <a:r>
-              <a:rPr lang="fr-FR" dirty="0" err="1" smtClean="0">
-                <a:solidFill>
-                  <a:schemeClr val="accent6">
-                    <a:lumMod val="75000"/>
-                  </a:schemeClr>
-                </a:solidFill>
-              </a:rPr>
-              <a:t>text</a:t>
-            </a:r>
-            <a:r>
-              <a:rPr lang="fr-FR" dirty="0" smtClean="0">
-                <a:solidFill>
-                  <a:schemeClr val="accent6">
-                    <a:lumMod val="75000"/>
-                  </a:schemeClr>
-                </a:solidFill>
-              </a:rPr>
-              <a:t>"</a:t>
-            </a:r>
-          </a:p>
-          <a:p>
-            <a:r>
-              <a:rPr lang="fr-FR" dirty="0" smtClean="0"/>
-              <a:t>          value={</a:t>
-            </a:r>
-            <a:r>
-              <a:rPr lang="fr-FR" dirty="0" err="1" smtClean="0"/>
-              <a:t>this.props.filterText</a:t>
-            </a:r>
-            <a:r>
-              <a:rPr lang="fr-FR" dirty="0" smtClean="0"/>
-              <a:t>}</a:t>
-            </a:r>
-          </a:p>
-          <a:p>
-            <a:r>
-              <a:rPr lang="fr-FR" dirty="0" smtClean="0"/>
-              <a:t>          </a:t>
-            </a:r>
-            <a:r>
-              <a:rPr lang="fr-FR" dirty="0" err="1" smtClean="0"/>
-              <a:t>placeholder</a:t>
-            </a:r>
-            <a:r>
-              <a:rPr lang="fr-FR" dirty="0" smtClean="0"/>
-              <a:t>={</a:t>
-            </a:r>
-            <a:r>
-              <a:rPr lang="fr-FR" dirty="0" err="1" smtClean="0"/>
-              <a:t>this.props.placeholder</a:t>
-            </a:r>
-            <a:r>
-              <a:rPr lang="fr-FR" dirty="0" smtClean="0"/>
-              <a:t>}</a:t>
-            </a:r>
-          </a:p>
-          <a:p>
-            <a:r>
-              <a:rPr lang="fr-FR" dirty="0" smtClean="0"/>
-              <a:t>          </a:t>
-            </a:r>
-            <a:r>
-              <a:rPr lang="fr-FR" dirty="0" err="1" smtClean="0"/>
-              <a:t>onChange</a:t>
-            </a:r>
-            <a:r>
-              <a:rPr lang="fr-FR" dirty="0" smtClean="0"/>
-              <a:t>={</a:t>
-            </a:r>
-            <a:r>
-              <a:rPr lang="fr-FR" dirty="0" err="1" smtClean="0"/>
-              <a:t>this.props.handleFilter</a:t>
-            </a:r>
-            <a:r>
-              <a:rPr lang="fr-FR" dirty="0" smtClean="0"/>
-              <a:t>}</a:t>
-            </a:r>
-          </a:p>
-          <a:p>
-            <a:r>
-              <a:rPr lang="fr-FR" dirty="0" smtClean="0"/>
-              <a:t>        /&gt;</a:t>
-            </a:r>
-          </a:p>
-          <a:p>
-            <a:r>
-              <a:rPr lang="fr-FR" dirty="0" smtClean="0"/>
-              <a:t>      &lt;/</a:t>
-            </a:r>
-            <a:r>
-              <a:rPr lang="fr-FR" dirty="0" err="1" smtClean="0">
-                <a:solidFill>
-                  <a:srgbClr val="C00000"/>
-                </a:solidFill>
-              </a:rPr>
-              <a:t>div</a:t>
-            </a:r>
-            <a:r>
-              <a:rPr lang="fr-FR" dirty="0" smtClean="0"/>
-              <a:t>&gt;);</a:t>
-            </a:r>
-          </a:p>
-          <a:p>
-            <a:r>
-              <a:rPr lang="fr-FR" dirty="0" smtClean="0"/>
-              <a:t>  }</a:t>
-            </a:r>
-          </a:p>
-          <a:p>
-            <a:r>
-              <a:rPr lang="fr-FR" dirty="0" smtClean="0"/>
-              <a:t>}</a:t>
-            </a:r>
-            <a:endParaRPr lang="fr-FR" dirty="0"/>
-          </a:p>
-        </p:txBody>
-      </p:sp>
-      <p:sp>
-        <p:nvSpPr>
-          <p:cNvPr id="12" name="Rectangle 11"/>
-          <p:cNvSpPr/>
-          <p:nvPr/>
-        </p:nvSpPr>
-        <p:spPr>
-          <a:xfrm>
-            <a:off x="190500" y="4356100"/>
-            <a:ext cx="1574800" cy="1295400"/>
-          </a:xfrm>
-          <a:prstGeom prst="wedgeRectCallout">
-            <a:avLst>
-              <a:gd name="adj1" fmla="val 91425"/>
-              <a:gd name="adj2" fmla="val -49370"/>
-            </a:avLst>
-          </a:prstGeom>
-        </p:spPr>
-        <p:style>
-          <a:lnRef idx="2">
-            <a:schemeClr val="accent1">
-              <a:shade val="50000"/>
-            </a:schemeClr>
-          </a:lnRef>
-          <a:fillRef idx="1">
-            <a:schemeClr val="accent1"/>
-          </a:fillRef>
-          <a:effectRef idx="0">
-            <a:schemeClr val="accent1"/>
-          </a:effectRef>
-          <a:fontRef idx="minor">
-            <a:schemeClr val="lt1"/>
-          </a:fontRef>
-        </p:style>
-        <p:txBody>
-          <a:bodyPr rtlCol="0" anchor="ctr"/>
-          <a:lstStyle/>
-          <a:p>
-            <a:pPr algn="ctr"/>
-            <a:r>
-              <a:rPr lang="fr-FR" dirty="0" err="1" smtClean="0"/>
-              <a:t>Beware</a:t>
-            </a:r>
-            <a:r>
-              <a:rPr lang="fr-FR" dirty="0" smtClean="0"/>
-              <a:t>, binding to </a:t>
-            </a:r>
-            <a:r>
-              <a:rPr lang="fr-FR" dirty="0" err="1" smtClean="0"/>
-              <a:t>this</a:t>
-            </a:r>
-            <a:r>
-              <a:rPr lang="fr-FR" dirty="0" smtClean="0"/>
-              <a:t/>
-            </a:r>
-            <a:br>
-              <a:rPr lang="fr-FR" dirty="0" smtClean="0"/>
-            </a:br>
-            <a:r>
-              <a:rPr lang="fr-FR" dirty="0" smtClean="0"/>
-              <a:t>use ES6 !</a:t>
-            </a:r>
-            <a:endParaRPr lang="fr-FR" dirty="0"/>
-          </a:p>
-        </p:txBody>
-      </p:sp>
-      <p:sp>
-        <p:nvSpPr>
-          <p:cNvPr id="8" name="Rectangle 11"/>
-          <p:cNvSpPr/>
-          <p:nvPr/>
-        </p:nvSpPr>
-        <p:spPr>
-          <a:xfrm>
-            <a:off x="190500" y="2815624"/>
-            <a:ext cx="1574800" cy="1295400"/>
-          </a:xfrm>
-          <a:prstGeom prst="wedgeRectCallout">
-            <a:avLst>
-              <a:gd name="adj1" fmla="val 85148"/>
-              <a:gd name="adj2" fmla="val 42204"/>
-            </a:avLst>
-          </a:prstGeom>
-        </p:spPr>
-        <p:style>
-          <a:lnRef idx="2">
-            <a:schemeClr val="accent1">
-              <a:shade val="50000"/>
-            </a:schemeClr>
-          </a:lnRef>
-          <a:fillRef idx="1">
-            <a:schemeClr val="accent1"/>
-          </a:fillRef>
-          <a:effectRef idx="0">
-            <a:schemeClr val="accent1"/>
-          </a:effectRef>
-          <a:fontRef idx="minor">
-            <a:schemeClr val="lt1"/>
-          </a:fontRef>
-        </p:style>
-        <p:txBody>
-          <a:bodyPr rtlCol="0" anchor="ctr"/>
-          <a:lstStyle/>
-          <a:p>
-            <a:pPr algn="ctr"/>
-            <a:r>
-              <a:rPr lang="fr-FR" dirty="0" err="1" smtClean="0"/>
-              <a:t>Bind</a:t>
-            </a:r>
-            <a:r>
-              <a:rPr lang="fr-FR" dirty="0" smtClean="0"/>
-              <a:t> </a:t>
-            </a:r>
-            <a:r>
-              <a:rPr lang="fr-FR" dirty="0" err="1" smtClean="0"/>
-              <a:t>functions</a:t>
-            </a:r>
-            <a:r>
-              <a:rPr lang="fr-FR" dirty="0" smtClean="0"/>
-              <a:t> to </a:t>
-            </a:r>
-            <a:r>
-              <a:rPr lang="fr-FR" dirty="0" err="1" smtClean="0"/>
-              <a:t>events</a:t>
-            </a:r>
-            <a:endParaRPr lang="fr-FR" dirty="0"/>
-          </a:p>
-        </p:txBody>
-      </p:sp>
-    </p:spTree>
-    <p:extLst>
-      <p:ext uri="{BB962C8B-B14F-4D97-AF65-F5344CB8AC3E}">
-        <p14:creationId xmlns:p14="http://schemas.microsoft.com/office/powerpoint/2010/main" val="3296308957"/>
+        <p14:creationId xmlns:p14="http://schemas.microsoft.com/office/powerpoint/2010/main" xmlns="" val="3296308957"/>
       </p:ext>
     </p:extLst>
   </p:cSld>
@@ -7275,7 +9823,7 @@
       </p:grpSpPr>
       <p:sp>
         <p:nvSpPr>
-          <p:cNvPr id="2" name="Titre 1"/>
+          <p:cNvPr id="2" name="Title 1"/>
           <p:cNvSpPr>
             <a:spLocks noGrp="1"/>
           </p:cNvSpPr>
@@ -7289,28 +9837,31 @@
           <a:lstStyle/>
           <a:p>
             <a:r>
-              <a:rPr lang="fr-FR" dirty="0" smtClean="0"/>
-              <a:t>(</a:t>
-            </a:r>
-            <a:r>
-              <a:rPr lang="fr-FR" dirty="0" err="1" smtClean="0"/>
-              <a:t>re</a:t>
-            </a:r>
-            <a:r>
-              <a:rPr lang="fr-FR" dirty="0" smtClean="0"/>
-              <a:t>-)</a:t>
-            </a:r>
-            <a:r>
-              <a:rPr lang="fr-FR" dirty="0" err="1" smtClean="0"/>
-              <a:t>Rendering</a:t>
-            </a:r>
-            <a:r>
-              <a:rPr lang="fr-FR" dirty="0" smtClean="0"/>
-              <a:t> </a:t>
-            </a:r>
-            <a:r>
-              <a:rPr lang="fr-FR" dirty="0" smtClean="0"/>
-              <a:t>workflow</a:t>
+              <a:rPr lang="en-US" noProof="0" smtClean="0"/>
+              <a:t>Adding user interactions</a:t>
+            </a:r>
+            <a:endParaRPr lang="en-US" noProof="0"/>
+          </a:p>
+        </p:txBody>
+      </p:sp>
+      <p:sp>
+        <p:nvSpPr>
+          <p:cNvPr id="4" name="Date Placeholder 3"/>
+          <p:cNvSpPr>
+            <a:spLocks noGrp="1"/>
+          </p:cNvSpPr>
+          <p:nvPr>
+            <p:ph type="dt" sz="half" idx="10"/>
+          </p:nvPr>
+        </p:nvSpPr>
+        <p:spPr/>
+        <p:txBody>
+          <a:bodyPr/>
+          <a:lstStyle/>
+          <a:p>
+            <a:r>
+              <a:rPr lang="fr-FR" dirty="0" smtClean="0"/>
+              <a:t>2017</a:t>
             </a:r>
             <a:endParaRPr lang="fr-FR" dirty="0"/>
           </a:p>
@@ -7318,30 +9869,7 @@
       </p:sp>
       <p:sp>
         <p:nvSpPr>
-          <p:cNvPr id="4" name="Espace réservé de la date 3"/>
-          <p:cNvSpPr>
-            <a:spLocks noGrp="1"/>
-          </p:cNvSpPr>
-          <p:nvPr>
-            <p:ph type="dt" sz="half" idx="10"/>
-          </p:nvPr>
-        </p:nvSpPr>
-        <p:spPr/>
-        <p:txBody>
-          <a:bodyPr/>
-          <a:lstStyle/>
-          <a:p>
-            <a:r>
-              <a:rPr lang="fr-FR" smtClean="0"/>
-              <a:t>2017</a:t>
-            </a:r>
-            <a:endParaRPr lang="fr-FR"/>
-          </a:p>
-        </p:txBody>
-      </p:sp>
-      <p:sp>
-        <p:nvSpPr>
-          <p:cNvPr id="5" name="Espace réservé du pied de page 4"/>
+          <p:cNvPr id="5" name="Footer Placeholder 4"/>
           <p:cNvSpPr>
             <a:spLocks noGrp="1"/>
           </p:cNvSpPr>
@@ -7355,7 +9883,7 @@
           <a:lstStyle/>
           <a:p>
             <a:r>
-              <a:rPr lang="fr-FR" smtClean="0"/>
+              <a:rPr lang="fr-FR" dirty="0" smtClean="0"/>
               <a:t>cedric.hartland@gmail.com</a:t>
             </a:r>
             <a:endParaRPr lang="fr-FR" dirty="0"/>
@@ -7364,7 +9892,7 @@
       </p:sp>
       <p:sp>
         <p:nvSpPr>
-          <p:cNvPr id="6" name="Espace réservé du numéro de diapositive 5"/>
+          <p:cNvPr id="6" name="Slide Number Placeholder 5"/>
           <p:cNvSpPr>
             <a:spLocks noGrp="1"/>
           </p:cNvSpPr>
@@ -7382,35 +9910,468 @@
               <a:pPr/>
               <a:t>8</a:t>
             </a:fld>
-            <a:endParaRPr lang="fr-FR"/>
-          </a:p>
-        </p:txBody>
-      </p:sp>
-      <p:pic>
-        <p:nvPicPr>
-          <p:cNvPr id="8" name="Picture 7"/>
-          <p:cNvPicPr>
-            <a:picLocks noChangeAspect="1"/>
-          </p:cNvPicPr>
+            <a:endParaRPr lang="fr-FR" dirty="0"/>
+          </a:p>
+        </p:txBody>
+      </p:sp>
+      <p:sp>
+        <p:nvSpPr>
+          <p:cNvPr id="11" name="Rectangle 10"/>
+          <p:cNvSpPr/>
           <p:nvPr/>
-        </p:nvPicPr>
-        <p:blipFill>
-          <a:blip r:embed="rId2"/>
-          <a:stretch>
-            <a:fillRect/>
-          </a:stretch>
-        </p:blipFill>
+        </p:nvSpPr>
         <p:spPr>
           <a:xfrm>
-            <a:off x="376063" y="1499286"/>
-            <a:ext cx="11439874" cy="4748084"/>
+            <a:off x="1851025" y="1714709"/>
+            <a:ext cx="8489950" cy="3970318"/>
           </a:xfrm>
           <a:prstGeom prst="rect">
             <a:avLst/>
           </a:prstGeom>
+          <a:solidFill>
+            <a:schemeClr val="bg1">
+              <a:lumMod val="95000"/>
+            </a:schemeClr>
+          </a:solidFill>
+          <a:effectLst>
+            <a:outerShdw blurRad="50800" dist="38100" dir="2700000" algn="tl" rotWithShape="0">
+              <a:prstClr val="black">
+                <a:alpha val="40000"/>
+              </a:prstClr>
+            </a:outerShdw>
+          </a:effectLst>
         </p:spPr>
-      </p:pic>
+        <p:txBody>
+          <a:bodyPr wrap="square">
+            <a:spAutoFit/>
+          </a:bodyPr>
+          <a:lstStyle/>
+          <a:p>
+            <a:r>
+              <a:rPr lang="fr-FR" b="1" dirty="0" smtClean="0">
+                <a:solidFill>
+                  <a:schemeClr val="accent5"/>
+                </a:solidFill>
+              </a:rPr>
+              <a:t>class</a:t>
+            </a:r>
+            <a:r>
+              <a:rPr lang="fr-FR" dirty="0" smtClean="0"/>
+              <a:t> </a:t>
+            </a:r>
+            <a:r>
+              <a:rPr lang="fr-FR" dirty="0" err="1" smtClean="0"/>
+              <a:t>Filter</a:t>
+            </a:r>
+            <a:r>
+              <a:rPr lang="fr-FR" dirty="0" smtClean="0"/>
+              <a:t> </a:t>
+            </a:r>
+            <a:r>
+              <a:rPr lang="fr-FR" b="1" dirty="0" err="1" smtClean="0">
+                <a:solidFill>
+                  <a:schemeClr val="accent5"/>
+                </a:solidFill>
+              </a:rPr>
+              <a:t>extends</a:t>
+            </a:r>
+            <a:r>
+              <a:rPr lang="fr-FR" dirty="0" smtClean="0"/>
+              <a:t> </a:t>
+            </a:r>
+            <a:r>
+              <a:rPr lang="fr-FR" dirty="0" err="1" smtClean="0"/>
+              <a:t>React.Component</a:t>
+            </a:r>
+            <a:r>
+              <a:rPr lang="fr-FR" dirty="0" smtClean="0"/>
+              <a:t> {</a:t>
+            </a:r>
+          </a:p>
+          <a:p>
+            <a:r>
+              <a:rPr lang="fr-FR" dirty="0" smtClean="0"/>
+              <a:t>  …</a:t>
+            </a:r>
+          </a:p>
+          <a:p>
+            <a:r>
+              <a:rPr lang="fr-FR" dirty="0" smtClean="0"/>
+              <a:t>  </a:t>
+            </a:r>
+            <a:r>
+              <a:rPr lang="fr-FR" dirty="0" err="1" smtClean="0">
+                <a:solidFill>
+                  <a:srgbClr val="7030A0"/>
+                </a:solidFill>
+              </a:rPr>
+              <a:t>render</a:t>
+            </a:r>
+            <a:r>
+              <a:rPr lang="fr-FR" dirty="0" smtClean="0"/>
+              <a:t>() {</a:t>
+            </a:r>
+          </a:p>
+          <a:p>
+            <a:r>
+              <a:rPr lang="fr-FR" dirty="0" smtClean="0"/>
+              <a:t>    </a:t>
+            </a:r>
+            <a:r>
+              <a:rPr lang="fr-FR" b="1" dirty="0" smtClean="0">
+                <a:solidFill>
+                  <a:schemeClr val="accent5"/>
+                </a:solidFill>
+              </a:rPr>
+              <a:t>return</a:t>
+            </a:r>
+            <a:r>
+              <a:rPr lang="fr-FR" dirty="0" smtClean="0"/>
+              <a:t> (</a:t>
+            </a:r>
+          </a:p>
+          <a:p>
+            <a:r>
+              <a:rPr lang="fr-FR" dirty="0" smtClean="0"/>
+              <a:t>      &lt;</a:t>
+            </a:r>
+            <a:r>
+              <a:rPr lang="fr-FR" dirty="0" err="1" smtClean="0">
+                <a:solidFill>
+                  <a:srgbClr val="C00000"/>
+                </a:solidFill>
+              </a:rPr>
+              <a:t>div</a:t>
+            </a:r>
+            <a:r>
+              <a:rPr lang="fr-FR" dirty="0" smtClean="0"/>
+              <a:t> </a:t>
+            </a:r>
+            <a:r>
+              <a:rPr lang="fr-FR" dirty="0" err="1" smtClean="0"/>
+              <a:t>className</a:t>
+            </a:r>
+            <a:r>
+              <a:rPr lang="fr-FR" dirty="0" smtClean="0"/>
+              <a:t>=</a:t>
+            </a:r>
+            <a:r>
+              <a:rPr lang="fr-FR" dirty="0" smtClean="0">
+                <a:solidFill>
+                  <a:schemeClr val="accent6">
+                    <a:lumMod val="75000"/>
+                  </a:schemeClr>
+                </a:solidFill>
+              </a:rPr>
+              <a:t>"</a:t>
+            </a:r>
+            <a:r>
+              <a:rPr lang="fr-FR" dirty="0" err="1" smtClean="0">
+                <a:solidFill>
+                  <a:schemeClr val="accent6">
+                    <a:lumMod val="75000"/>
+                  </a:schemeClr>
+                </a:solidFill>
+              </a:rPr>
+              <a:t>filter</a:t>
+            </a:r>
+            <a:r>
+              <a:rPr lang="fr-FR" dirty="0" smtClean="0">
+                <a:solidFill>
+                  <a:schemeClr val="accent6">
+                    <a:lumMod val="75000"/>
+                  </a:schemeClr>
+                </a:solidFill>
+              </a:rPr>
+              <a:t>-input"</a:t>
+            </a:r>
+            <a:r>
+              <a:rPr lang="fr-FR" dirty="0" smtClean="0"/>
+              <a:t>&gt;</a:t>
+            </a:r>
+          </a:p>
+          <a:p>
+            <a:r>
+              <a:rPr lang="fr-FR" dirty="0" smtClean="0"/>
+              <a:t>        &lt;</a:t>
+            </a:r>
+            <a:r>
+              <a:rPr lang="fr-FR" dirty="0" smtClean="0">
+                <a:solidFill>
+                  <a:srgbClr val="C00000"/>
+                </a:solidFill>
+              </a:rPr>
+              <a:t>input</a:t>
+            </a:r>
+          </a:p>
+          <a:p>
+            <a:r>
+              <a:rPr lang="fr-FR" dirty="0" smtClean="0"/>
+              <a:t>          type=</a:t>
+            </a:r>
+            <a:r>
+              <a:rPr lang="fr-FR" dirty="0" smtClean="0">
+                <a:solidFill>
+                  <a:schemeClr val="accent6">
+                    <a:lumMod val="75000"/>
+                  </a:schemeClr>
+                </a:solidFill>
+              </a:rPr>
+              <a:t>"</a:t>
+            </a:r>
+            <a:r>
+              <a:rPr lang="fr-FR" dirty="0" err="1" smtClean="0">
+                <a:solidFill>
+                  <a:schemeClr val="accent6">
+                    <a:lumMod val="75000"/>
+                  </a:schemeClr>
+                </a:solidFill>
+              </a:rPr>
+              <a:t>text</a:t>
+            </a:r>
+            <a:r>
+              <a:rPr lang="fr-FR" dirty="0" smtClean="0">
+                <a:solidFill>
+                  <a:schemeClr val="accent6">
+                    <a:lumMod val="75000"/>
+                  </a:schemeClr>
+                </a:solidFill>
+              </a:rPr>
+              <a:t>"</a:t>
+            </a:r>
+          </a:p>
+          <a:p>
+            <a:r>
+              <a:rPr lang="fr-FR" dirty="0" smtClean="0"/>
+              <a:t>          value={</a:t>
+            </a:r>
+            <a:r>
+              <a:rPr lang="fr-FR" dirty="0" err="1" smtClean="0"/>
+              <a:t>this.props.filterText</a:t>
+            </a:r>
+            <a:r>
+              <a:rPr lang="fr-FR" dirty="0" smtClean="0"/>
+              <a:t>}</a:t>
+            </a:r>
+          </a:p>
+          <a:p>
+            <a:r>
+              <a:rPr lang="fr-FR" dirty="0" smtClean="0"/>
+              <a:t>          </a:t>
+            </a:r>
+            <a:r>
+              <a:rPr lang="fr-FR" dirty="0" err="1" smtClean="0"/>
+              <a:t>placeholder</a:t>
+            </a:r>
+            <a:r>
+              <a:rPr lang="fr-FR" dirty="0" smtClean="0"/>
+              <a:t>={</a:t>
+            </a:r>
+            <a:r>
+              <a:rPr lang="fr-FR" dirty="0" err="1" smtClean="0"/>
+              <a:t>this.props.placeholder</a:t>
+            </a:r>
+            <a:r>
+              <a:rPr lang="fr-FR" dirty="0" smtClean="0"/>
+              <a:t>}</a:t>
+            </a:r>
+          </a:p>
+          <a:p>
+            <a:r>
+              <a:rPr lang="fr-FR" dirty="0" smtClean="0"/>
+              <a:t>          </a:t>
+            </a:r>
+            <a:r>
+              <a:rPr lang="fr-FR" dirty="0" err="1" smtClean="0"/>
+              <a:t>onChange</a:t>
+            </a:r>
+            <a:r>
+              <a:rPr lang="fr-FR" dirty="0" smtClean="0"/>
+              <a:t>={</a:t>
+            </a:r>
+            <a:r>
+              <a:rPr lang="fr-FR" dirty="0" err="1" smtClean="0"/>
+              <a:t>this.props.handleFilter</a:t>
+            </a:r>
+            <a:r>
+              <a:rPr lang="fr-FR" dirty="0" smtClean="0"/>
+              <a:t>}</a:t>
+            </a:r>
+          </a:p>
+          <a:p>
+            <a:r>
+              <a:rPr lang="fr-FR" dirty="0" smtClean="0"/>
+              <a:t>        /&gt;</a:t>
+            </a:r>
+          </a:p>
+          <a:p>
+            <a:r>
+              <a:rPr lang="fr-FR" dirty="0" smtClean="0"/>
+              <a:t>      &lt;/</a:t>
+            </a:r>
+            <a:r>
+              <a:rPr lang="fr-FR" dirty="0" err="1" smtClean="0">
+                <a:solidFill>
+                  <a:srgbClr val="C00000"/>
+                </a:solidFill>
+              </a:rPr>
+              <a:t>div</a:t>
+            </a:r>
+            <a:r>
+              <a:rPr lang="fr-FR" dirty="0" smtClean="0"/>
+              <a:t>&gt;);</a:t>
+            </a:r>
+          </a:p>
+          <a:p>
+            <a:r>
+              <a:rPr lang="fr-FR" dirty="0" smtClean="0"/>
+              <a:t>  }</a:t>
+            </a:r>
+          </a:p>
+          <a:p>
+            <a:r>
+              <a:rPr lang="fr-FR" dirty="0" smtClean="0"/>
+              <a:t>}</a:t>
+            </a:r>
+            <a:endParaRPr lang="fr-FR" dirty="0"/>
+          </a:p>
+        </p:txBody>
+      </p:sp>
+      <p:sp>
+        <p:nvSpPr>
+          <p:cNvPr id="12" name="Rectangle 11"/>
+          <p:cNvSpPr/>
+          <p:nvPr/>
+        </p:nvSpPr>
+        <p:spPr>
+          <a:xfrm>
+            <a:off x="190500" y="4356100"/>
+            <a:ext cx="1574800" cy="1295400"/>
+          </a:xfrm>
+          <a:prstGeom prst="wedgeRectCallout">
+            <a:avLst>
+              <a:gd name="adj1" fmla="val 91425"/>
+              <a:gd name="adj2" fmla="val -49370"/>
+            </a:avLst>
+          </a:prstGeom>
+        </p:spPr>
+        <p:style>
+          <a:lnRef idx="2">
+            <a:schemeClr val="accent1">
+              <a:shade val="50000"/>
+            </a:schemeClr>
+          </a:lnRef>
+          <a:fillRef idx="1">
+            <a:schemeClr val="accent1"/>
+          </a:fillRef>
+          <a:effectRef idx="0">
+            <a:schemeClr val="accent1"/>
+          </a:effectRef>
+          <a:fontRef idx="minor">
+            <a:schemeClr val="lt1"/>
+          </a:fontRef>
+        </p:style>
+        <p:txBody>
+          <a:bodyPr rtlCol="0" anchor="ctr"/>
+          <a:lstStyle/>
+          <a:p>
+            <a:pPr algn="ctr"/>
+            <a:r>
+              <a:rPr lang="fr-FR" dirty="0" err="1" smtClean="0"/>
+              <a:t>Beware</a:t>
+            </a:r>
+            <a:r>
+              <a:rPr lang="fr-FR" dirty="0" smtClean="0"/>
+              <a:t>, binding to </a:t>
+            </a:r>
+            <a:r>
+              <a:rPr lang="fr-FR" dirty="0" err="1" smtClean="0"/>
+              <a:t>this</a:t>
+            </a:r>
+            <a:r>
+              <a:rPr lang="fr-FR" dirty="0" smtClean="0"/>
+              <a:t/>
+            </a:r>
+            <a:br>
+              <a:rPr lang="fr-FR" dirty="0" smtClean="0"/>
+            </a:br>
+            <a:r>
+              <a:rPr lang="fr-FR" dirty="0" smtClean="0"/>
+              <a:t>use ES6 !</a:t>
+            </a:r>
+            <a:endParaRPr lang="fr-FR" dirty="0"/>
+          </a:p>
+        </p:txBody>
+      </p:sp>
+      <p:sp>
+        <p:nvSpPr>
+          <p:cNvPr id="8" name="Rectangle 11"/>
+          <p:cNvSpPr/>
+          <p:nvPr/>
+        </p:nvSpPr>
+        <p:spPr>
+          <a:xfrm>
+            <a:off x="190500" y="2815624"/>
+            <a:ext cx="1574800" cy="1295400"/>
+          </a:xfrm>
+          <a:prstGeom prst="wedgeRectCallout">
+            <a:avLst>
+              <a:gd name="adj1" fmla="val 85148"/>
+              <a:gd name="adj2" fmla="val 42204"/>
+            </a:avLst>
+          </a:prstGeom>
+        </p:spPr>
+        <p:style>
+          <a:lnRef idx="2">
+            <a:schemeClr val="accent1">
+              <a:shade val="50000"/>
+            </a:schemeClr>
+          </a:lnRef>
+          <a:fillRef idx="1">
+            <a:schemeClr val="accent1"/>
+          </a:fillRef>
+          <a:effectRef idx="0">
+            <a:schemeClr val="accent1"/>
+          </a:effectRef>
+          <a:fontRef idx="minor">
+            <a:schemeClr val="lt1"/>
+          </a:fontRef>
+        </p:style>
+        <p:txBody>
+          <a:bodyPr rtlCol="0" anchor="ctr"/>
+          <a:lstStyle/>
+          <a:p>
+            <a:pPr algn="ctr"/>
+            <a:r>
+              <a:rPr lang="fr-FR" dirty="0" err="1" smtClean="0"/>
+              <a:t>Bind</a:t>
+            </a:r>
+            <a:r>
+              <a:rPr lang="fr-FR" dirty="0" smtClean="0"/>
+              <a:t> </a:t>
+            </a:r>
+            <a:r>
+              <a:rPr lang="fr-FR" dirty="0" err="1" smtClean="0"/>
+              <a:t>functions</a:t>
+            </a:r>
+            <a:r>
+              <a:rPr lang="fr-FR" dirty="0" smtClean="0"/>
+              <a:t> to </a:t>
+            </a:r>
+            <a:r>
+              <a:rPr lang="fr-FR" dirty="0" err="1" smtClean="0"/>
+              <a:t>events</a:t>
+            </a:r>
+            <a:endParaRPr lang="fr-FR" dirty="0"/>
+          </a:p>
+        </p:txBody>
+      </p:sp>
     </p:spTree>
+    <p:extLst>
+      <p:ext uri="{BB962C8B-B14F-4D97-AF65-F5344CB8AC3E}">
+        <p14:creationId xmlns:p14="http://schemas.microsoft.com/office/powerpoint/2010/main" xmlns="" val="3296308957"/>
+      </p:ext>
+    </p:extLst>
   </p:cSld>
   <p:clrMapOvr>
     <a:masterClrMapping/>
@@ -7444,7 +10405,7 @@
       </p:grpSpPr>
       <p:sp>
         <p:nvSpPr>
-          <p:cNvPr id="2" name="Title 1"/>
+          <p:cNvPr id="2" name="Titre 1"/>
           <p:cNvSpPr>
             <a:spLocks noGrp="1"/>
           </p:cNvSpPr>
@@ -7458,141 +10419,16 @@
           <a:lstStyle/>
           <a:p>
             <a:r>
-              <a:rPr lang="en-US" dirty="0" smtClean="0"/>
-              <a:t>A few words on performance</a:t>
-            </a:r>
-            <a:endParaRPr lang="fr-FR" dirty="0"/>
-          </a:p>
-        </p:txBody>
-      </p:sp>
-      <p:sp>
-        <p:nvSpPr>
-          <p:cNvPr id="3" name="Content Placeholder 2"/>
-          <p:cNvSpPr>
-            <a:spLocks noGrp="1"/>
-          </p:cNvSpPr>
-          <p:nvPr>
-            <p:ph idx="1"/>
-          </p:nvPr>
-        </p:nvSpPr>
-        <p:spPr/>
-        <p:txBody>
-          <a:bodyPr>
-            <a:normAutofit/>
-          </a:bodyPr>
-          <a:lstStyle/>
-          <a:p>
-            <a:r>
-              <a:rPr lang="en-US" dirty="0" smtClean="0"/>
-              <a:t>Mounting (first render) is not cheap </a:t>
-            </a:r>
-            <a:r>
-              <a:rPr lang="en-US" sz="2000" dirty="0">
-                <a:solidFill>
-                  <a:schemeClr val="accent6"/>
-                </a:solidFill>
-              </a:rPr>
-              <a:t>estimated x 5 times slower to </a:t>
-            </a:r>
-            <a:r>
-              <a:rPr lang="en-US" sz="2000" dirty="0" err="1">
-                <a:solidFill>
-                  <a:schemeClr val="accent6"/>
-                </a:solidFill>
-              </a:rPr>
-              <a:t>jquery</a:t>
-            </a:r>
-            <a:endParaRPr lang="en-US" dirty="0">
-              <a:solidFill>
-                <a:schemeClr val="accent6"/>
-              </a:solidFill>
-            </a:endParaRPr>
-          </a:p>
-          <a:p>
-            <a:pPr lvl="1"/>
-            <a:r>
-              <a:rPr lang="en-US" dirty="0" smtClean="0"/>
-              <a:t>Creation of shadow DOM</a:t>
-            </a:r>
-          </a:p>
-          <a:p>
-            <a:pPr lvl="1"/>
-            <a:r>
-              <a:rPr lang="en-US" dirty="0" smtClean="0"/>
-              <a:t>Rendering of shadow DOM elements to actual DOM</a:t>
-            </a:r>
-          </a:p>
-          <a:p>
-            <a:r>
-              <a:rPr lang="en-US" dirty="0" smtClean="0"/>
-              <a:t>Updating state</a:t>
-            </a:r>
-          </a:p>
-          <a:p>
-            <a:pPr lvl="1"/>
-            <a:r>
-              <a:rPr lang="en-US" dirty="0" smtClean="0"/>
-              <a:t>Component properties (input) changes trigger re-rendering</a:t>
-            </a:r>
-          </a:p>
-          <a:p>
-            <a:pPr lvl="1"/>
-            <a:r>
-              <a:rPr lang="en-US" dirty="0" smtClean="0"/>
-              <a:t>Creation of shadow DOM </a:t>
-            </a:r>
-          </a:p>
-          <a:p>
-            <a:pPr lvl="1"/>
-            <a:r>
-              <a:rPr lang="en-US" dirty="0" smtClean="0"/>
-              <a:t>Rendering of only differences to actual DOM </a:t>
-            </a:r>
-            <a:r>
-              <a:rPr lang="en-US" sz="1800" dirty="0" smtClean="0">
-                <a:solidFill>
-                  <a:schemeClr val="accent6"/>
-                </a:solidFill>
-              </a:rPr>
-              <a:t>strong impact on performance</a:t>
-            </a:r>
-            <a:endParaRPr lang="en-US" dirty="0" smtClean="0">
-              <a:solidFill>
-                <a:schemeClr val="accent6"/>
-              </a:solidFill>
-            </a:endParaRPr>
-          </a:p>
-          <a:p>
-            <a:pPr lvl="1"/>
-            <a:r>
-              <a:rPr lang="en-US" dirty="0" smtClean="0"/>
-              <a:t>Creating and comparing shadow DOMs still not actually cheap</a:t>
-            </a:r>
-          </a:p>
-          <a:p>
-            <a:r>
-              <a:rPr lang="en-US" dirty="0" smtClean="0"/>
-              <a:t>Optimize via </a:t>
-            </a:r>
-            <a:r>
-              <a:rPr lang="en-US" i="1" dirty="0" err="1" smtClean="0"/>
-              <a:t>shouldComponentUpdate</a:t>
-            </a:r>
-            <a:endParaRPr lang="en-US" i="1" dirty="0" smtClean="0"/>
-          </a:p>
-          <a:p>
-            <a:pPr lvl="1"/>
-            <a:r>
-              <a:rPr lang="en-US" dirty="0" smtClean="0"/>
-              <a:t>Bring business logic and guess whether the component should call render at all to reduce impact of creating and comparing shadow DOMs</a:t>
-            </a:r>
-            <a:endParaRPr lang="fr-FR" dirty="0"/>
-          </a:p>
-        </p:txBody>
-      </p:sp>
-      <p:sp>
-        <p:nvSpPr>
-          <p:cNvPr id="4" name="Date Placeholder 3"/>
+              <a:rPr lang="en-US" noProof="0" smtClean="0"/>
+              <a:t>(re-)Rendering workflow</a:t>
+            </a:r>
+            <a:endParaRPr lang="en-US" noProof="0"/>
+          </a:p>
+        </p:txBody>
+      </p:sp>
+      <p:sp>
+        <p:nvSpPr>
+          <p:cNvPr id="4" name="Espace réservé de la date 3"/>
           <p:cNvSpPr>
             <a:spLocks noGrp="1"/>
           </p:cNvSpPr>
@@ -7615,7 +10451,7 @@
       </p:sp>
       <p:sp>
         <p:nvSpPr>
-          <p:cNvPr id="5" name="Footer Placeholder 4"/>
+          <p:cNvPr id="5" name="Espace réservé du pied de page 4"/>
           <p:cNvSpPr>
             <a:spLocks noGrp="1"/>
           </p:cNvSpPr>
@@ -7629,7 +10465,7 @@
           <a:lstStyle/>
           <a:p>
             <a:r>
-              <a:rPr lang="fr-FR" dirty="0" smtClean="0"/>
+              <a:rPr lang="fr-FR" smtClean="0"/>
               <a:t>cedric.hartland@gmail.com</a:t>
             </a:r>
             <a:endParaRPr lang="fr-FR" dirty="0"/>
@@ -7638,7 +10474,7 @@
       </p:sp>
       <p:sp>
         <p:nvSpPr>
-          <p:cNvPr id="6" name="Slide Number Placeholder 5"/>
+          <p:cNvPr id="6" name="Espace réservé du numéro de diapositive 5"/>
           <p:cNvSpPr>
             <a:spLocks noGrp="1"/>
           </p:cNvSpPr>
@@ -7660,16 +10496,42 @@
           </a:p>
         </p:txBody>
       </p:sp>
+      <p:pic>
+        <p:nvPicPr>
+          <p:cNvPr id="8" name="Picture 7"/>
+          <p:cNvPicPr>
+            <a:picLocks noChangeAspect="1"/>
+          </p:cNvPicPr>
+          <p:nvPr/>
+        </p:nvPicPr>
+        <p:blipFill>
+          <a:blip r:embed="rId2" cstate="print"/>
+          <a:stretch>
+            <a:fillRect/>
+          </a:stretch>
+        </p:blipFill>
+        <p:spPr>
+          <a:xfrm>
+            <a:off x="376063" y="1499286"/>
+            <a:ext cx="11439874" cy="4748084"/>
+          </a:xfrm>
+          <a:prstGeom prst="rect">
+            <a:avLst/>
+          </a:prstGeom>
+        </p:spPr>
+      </p:pic>
     </p:spTree>
-    <p:extLst>
-      <p:ext uri="{BB962C8B-B14F-4D97-AF65-F5344CB8AC3E}">
-        <p14:creationId xmlns:p14="http://schemas.microsoft.com/office/powerpoint/2010/main" val="812129721"/>
-      </p:ext>
-    </p:extLst>
   </p:cSld>
   <p:clrMapOvr>
     <a:masterClrMapping/>
   </p:clrMapOvr>
+  <p:timing>
+    <p:tnLst>
+      <p:par>
+        <p:cTn id="1" dur="indefinite" restart="never" nodeType="tmRoot"/>
+      </p:par>
+    </p:tnLst>
+  </p:timing>
 </p:sld>
 </file>
 
@@ -7928,7 +10790,7 @@
   <a:extraClrSchemeLst/>
   <a:extLst>
     <a:ext uri="{05A4C25C-085E-4340-85A3-A5531E510DB2}">
-      <thm15:themeFamily xmlns:thm15="http://schemas.microsoft.com/office/thememl/2012/main" name="Office Theme" id="{62F939B6-93AF-4DB8-9C6B-D6C7DFDC589F}" vid="{4A3C46E8-61CC-4603-A589-7422A47A8E4A}"/>
+      <thm15:themeFamily xmlns:thm15="http://schemas.microsoft.com/office/thememl/2012/main" xmlns="" name="Office Theme" id="{62F939B6-93AF-4DB8-9C6B-D6C7DFDC589F}" vid="{4A3C46E8-61CC-4603-A589-7422A47A8E4A}"/>
     </a:ext>
   </a:extLst>
 </a:theme>
@@ -8189,7 +11051,7 @@
   <a:extraClrSchemeLst/>
   <a:extLst>
     <a:ext uri="{05A4C25C-085E-4340-85A3-A5531E510DB2}">
-      <thm15:themeFamily xmlns:thm15="http://schemas.microsoft.com/office/thememl/2012/main" name="Office Theme" id="{62F939B6-93AF-4DB8-9C6B-D6C7DFDC589F}" vid="{4A3C46E8-61CC-4603-A589-7422A47A8E4A}"/>
+      <thm15:themeFamily xmlns:thm15="http://schemas.microsoft.com/office/thememl/2012/main" xmlns="" name="Office Theme" id="{62F939B6-93AF-4DB8-9C6B-D6C7DFDC589F}" vid="{4A3C46E8-61CC-4603-A589-7422A47A8E4A}"/>
     </a:ext>
   </a:extLst>
 </a:theme>

--- a/docs/React & Redux.pptx
+++ b/docs/React & Redux.pptx
@@ -137,7 +137,7 @@
   </p:defaultTextStyle>
   <p:extLst>
     <p:ext uri="{521415D9-36F7-43E2-AB2F-B90AF26B5E84}">
-      <p14:sectionLst xmlns:p14="http://schemas.microsoft.com/office/powerpoint/2010/main">
+      <p14:sectionLst xmlns:p14="http://schemas.microsoft.com/office/powerpoint/2010/main" xmlns="">
         <p14:section name="Default Section" id="{38AEF286-1107-4392-A940-F023FF97C08A}">
           <p14:sldIdLst>
             <p14:sldId id="256"/>
@@ -190,7 +190,7 @@
       </p14:sectionLst>
     </p:ext>
     <p:ext uri="{EFAFB233-063F-42B5-8137-9DF3F51BA10A}">
-      <p15:sldGuideLst xmlns:p15="http://schemas.microsoft.com/office/powerpoint/2012/main">
+      <p15:sldGuideLst xmlns:p15="http://schemas.microsoft.com/office/powerpoint/2012/main" xmlns="">
         <p15:guide id="1" orient="horz" pos="2160">
           <p15:clr>
             <a:srgbClr val="A4A3A4"/>
@@ -204,7 +204,7 @@
       </p15:sldGuideLst>
     </p:ext>
     <p:ext uri="{2D200454-40CA-4A62-9FC3-DE9A4176ACB9}">
-      <p15:notesGuideLst xmlns:p15="http://schemas.microsoft.com/office/powerpoint/2012/main"/>
+      <p15:notesGuideLst xmlns:p15="http://schemas.microsoft.com/office/powerpoint/2012/main" xmlns=""/>
     </p:ext>
   </p:extLst>
 </p:presentation>
@@ -453,7 +453,7 @@
             <a:fld id="{BEBDC360-122B-48B3-A8C4-3D87876233B6}" type="slidenum">
               <a:rPr lang="fr-FR" smtClean="0"/>
               <a:pPr/>
-              <a:t>‹#›</a:t>
+              <a:t>‹N°›</a:t>
             </a:fld>
             <a:endParaRPr lang="fr-FR"/>
           </a:p>
@@ -462,7 +462,7 @@
     </p:spTree>
     <p:extLst>
       <p:ext uri="{BB962C8B-B14F-4D97-AF65-F5344CB8AC3E}">
-        <p14:creationId xmlns:p14="http://schemas.microsoft.com/office/powerpoint/2010/main" val="713127464"/>
+        <p14:creationId xmlns:p14="http://schemas.microsoft.com/office/powerpoint/2010/main" xmlns="" val="713127464"/>
       </p:ext>
     </p:extLst>
   </p:cSld>
@@ -637,7 +637,7 @@
     </p:spTree>
     <p:extLst>
       <p:ext uri="{BB962C8B-B14F-4D97-AF65-F5344CB8AC3E}">
-        <p14:creationId xmlns:p14="http://schemas.microsoft.com/office/powerpoint/2010/main" val="3739366414"/>
+        <p14:creationId xmlns:p14="http://schemas.microsoft.com/office/powerpoint/2010/main" xmlns="" val="3739366414"/>
       </p:ext>
     </p:extLst>
   </p:cSld>
@@ -676,7 +676,7 @@
           <a:blip r:embed="rId2" cstate="print">
             <a:extLst>
               <a:ext uri="{28A0092B-C50C-407E-A947-70E740481C1C}">
-                <a14:useLocalDpi xmlns:a14="http://schemas.microsoft.com/office/drawing/2010/main" val="0"/>
+                <a14:useLocalDpi xmlns:a14="http://schemas.microsoft.com/office/drawing/2010/main" xmlns="" val="0"/>
               </a:ext>
             </a:extLst>
           </a:blip>
@@ -859,7 +859,7 @@
             <a:fld id="{44139E8D-6066-4080-AC46-DB89673BFC8E}" type="slidenum">
               <a:rPr lang="fr-FR" smtClean="0"/>
               <a:pPr/>
-              <a:t>‹#›</a:t>
+              <a:t>‹N°›</a:t>
             </a:fld>
             <a:endParaRPr lang="fr-FR"/>
           </a:p>
@@ -868,7 +868,7 @@
     </p:spTree>
     <p:extLst>
       <p:ext uri="{BB962C8B-B14F-4D97-AF65-F5344CB8AC3E}">
-        <p14:creationId xmlns:p14="http://schemas.microsoft.com/office/powerpoint/2010/main" val="2394847408"/>
+        <p14:creationId xmlns:p14="http://schemas.microsoft.com/office/powerpoint/2010/main" xmlns="" val="2394847408"/>
       </p:ext>
     </p:extLst>
   </p:cSld>
@@ -1041,7 +1041,7 @@
             <a:fld id="{44139E8D-6066-4080-AC46-DB89673BFC8E}" type="slidenum">
               <a:rPr lang="fr-FR" smtClean="0"/>
               <a:pPr/>
-              <a:t>‹#›</a:t>
+              <a:t>‹N°›</a:t>
             </a:fld>
             <a:endParaRPr lang="fr-FR"/>
           </a:p>
@@ -1050,7 +1050,7 @@
     </p:spTree>
     <p:extLst>
       <p:ext uri="{BB962C8B-B14F-4D97-AF65-F5344CB8AC3E}">
-        <p14:creationId xmlns:p14="http://schemas.microsoft.com/office/powerpoint/2010/main" val="2354828228"/>
+        <p14:creationId xmlns:p14="http://schemas.microsoft.com/office/powerpoint/2010/main" xmlns="" val="2354828228"/>
       </p:ext>
     </p:extLst>
   </p:cSld>
@@ -1226,7 +1226,7 @@
             <a:fld id="{44139E8D-6066-4080-AC46-DB89673BFC8E}" type="slidenum">
               <a:rPr lang="fr-FR" smtClean="0"/>
               <a:pPr/>
-              <a:t>‹#›</a:t>
+              <a:t>‹N°›</a:t>
             </a:fld>
             <a:endParaRPr lang="fr-FR"/>
           </a:p>
@@ -1235,7 +1235,7 @@
     </p:spTree>
     <p:extLst>
       <p:ext uri="{BB962C8B-B14F-4D97-AF65-F5344CB8AC3E}">
-        <p14:creationId xmlns:p14="http://schemas.microsoft.com/office/powerpoint/2010/main" val="449464392"/>
+        <p14:creationId xmlns:p14="http://schemas.microsoft.com/office/powerpoint/2010/main" xmlns="" val="449464392"/>
       </p:ext>
     </p:extLst>
   </p:cSld>
@@ -1445,7 +1445,7 @@
             <a:fld id="{44139E8D-6066-4080-AC46-DB89673BFC8E}" type="slidenum">
               <a:rPr lang="fr-FR" smtClean="0"/>
               <a:pPr/>
-              <a:t>‹#›</a:t>
+              <a:t>‹N°›</a:t>
             </a:fld>
             <a:endParaRPr lang="fr-FR"/>
           </a:p>
@@ -1454,7 +1454,7 @@
     </p:spTree>
     <p:extLst>
       <p:ext uri="{BB962C8B-B14F-4D97-AF65-F5344CB8AC3E}">
-        <p14:creationId xmlns:p14="http://schemas.microsoft.com/office/powerpoint/2010/main" val="2540995877"/>
+        <p14:creationId xmlns:p14="http://schemas.microsoft.com/office/powerpoint/2010/main" xmlns="" val="2540995877"/>
       </p:ext>
     </p:extLst>
   </p:cSld>
@@ -1736,7 +1736,7 @@
             <a:fld id="{44139E8D-6066-4080-AC46-DB89673BFC8E}" type="slidenum">
               <a:rPr lang="fr-FR" smtClean="0"/>
               <a:pPr/>
-              <a:t>‹#›</a:t>
+              <a:t>‹N°›</a:t>
             </a:fld>
             <a:endParaRPr lang="fr-FR"/>
           </a:p>
@@ -1745,7 +1745,7 @@
     </p:spTree>
     <p:extLst>
       <p:ext uri="{BB962C8B-B14F-4D97-AF65-F5344CB8AC3E}">
-        <p14:creationId xmlns:p14="http://schemas.microsoft.com/office/powerpoint/2010/main" val="658130668"/>
+        <p14:creationId xmlns:p14="http://schemas.microsoft.com/office/powerpoint/2010/main" xmlns="" val="658130668"/>
       </p:ext>
     </p:extLst>
   </p:cSld>
@@ -2020,7 +2020,7 @@
             <a:fld id="{44139E8D-6066-4080-AC46-DB89673BFC8E}" type="slidenum">
               <a:rPr lang="fr-FR" smtClean="0"/>
               <a:pPr/>
-              <a:t>‹#›</a:t>
+              <a:t>‹N°›</a:t>
             </a:fld>
             <a:endParaRPr lang="fr-FR"/>
           </a:p>
@@ -2029,7 +2029,7 @@
     </p:spTree>
     <p:extLst>
       <p:ext uri="{BB962C8B-B14F-4D97-AF65-F5344CB8AC3E}">
-        <p14:creationId xmlns:p14="http://schemas.microsoft.com/office/powerpoint/2010/main" val="3650240110"/>
+        <p14:creationId xmlns:p14="http://schemas.microsoft.com/office/powerpoint/2010/main" xmlns="" val="3650240110"/>
       </p:ext>
     </p:extLst>
   </p:cSld>
@@ -2434,7 +2434,7 @@
             <a:fld id="{44139E8D-6066-4080-AC46-DB89673BFC8E}" type="slidenum">
               <a:rPr lang="fr-FR" smtClean="0"/>
               <a:pPr/>
-              <a:t>‹#›</a:t>
+              <a:t>‹N°›</a:t>
             </a:fld>
             <a:endParaRPr lang="fr-FR"/>
           </a:p>
@@ -2443,7 +2443,7 @@
     </p:spTree>
     <p:extLst>
       <p:ext uri="{BB962C8B-B14F-4D97-AF65-F5344CB8AC3E}">
-        <p14:creationId xmlns:p14="http://schemas.microsoft.com/office/powerpoint/2010/main" val="2798887854"/>
+        <p14:creationId xmlns:p14="http://schemas.microsoft.com/office/powerpoint/2010/main" xmlns="" val="2798887854"/>
       </p:ext>
     </p:extLst>
   </p:cSld>
@@ -2604,7 +2604,7 @@
             <a:fld id="{44139E8D-6066-4080-AC46-DB89673BFC8E}" type="slidenum">
               <a:rPr lang="fr-FR" smtClean="0"/>
               <a:pPr/>
-              <a:t>‹#›</a:t>
+              <a:t>‹N°›</a:t>
             </a:fld>
             <a:endParaRPr lang="fr-FR"/>
           </a:p>
@@ -2613,7 +2613,7 @@
     </p:spTree>
     <p:extLst>
       <p:ext uri="{BB962C8B-B14F-4D97-AF65-F5344CB8AC3E}">
-        <p14:creationId xmlns:p14="http://schemas.microsoft.com/office/powerpoint/2010/main" val="1141629464"/>
+        <p14:creationId xmlns:p14="http://schemas.microsoft.com/office/powerpoint/2010/main" xmlns="" val="1141629464"/>
       </p:ext>
     </p:extLst>
   </p:cSld>
@@ -2711,7 +2711,7 @@
             <a:fld id="{44139E8D-6066-4080-AC46-DB89673BFC8E}" type="slidenum">
               <a:rPr lang="fr-FR" smtClean="0"/>
               <a:pPr/>
-              <a:t>‹#›</a:t>
+              <a:t>‹N°›</a:t>
             </a:fld>
             <a:endParaRPr lang="fr-FR"/>
           </a:p>
@@ -2720,7 +2720,7 @@
     </p:spTree>
     <p:extLst>
       <p:ext uri="{BB962C8B-B14F-4D97-AF65-F5344CB8AC3E}">
-        <p14:creationId xmlns:p14="http://schemas.microsoft.com/office/powerpoint/2010/main" val="1467798435"/>
+        <p14:creationId xmlns:p14="http://schemas.microsoft.com/office/powerpoint/2010/main" xmlns="" val="1467798435"/>
       </p:ext>
     </p:extLst>
   </p:cSld>
@@ -3000,7 +3000,7 @@
             <a:fld id="{44139E8D-6066-4080-AC46-DB89673BFC8E}" type="slidenum">
               <a:rPr lang="fr-FR" smtClean="0"/>
               <a:pPr/>
-              <a:t>‹#›</a:t>
+              <a:t>‹N°›</a:t>
             </a:fld>
             <a:endParaRPr lang="fr-FR"/>
           </a:p>
@@ -3009,7 +3009,7 @@
     </p:spTree>
     <p:extLst>
       <p:ext uri="{BB962C8B-B14F-4D97-AF65-F5344CB8AC3E}">
-        <p14:creationId xmlns:p14="http://schemas.microsoft.com/office/powerpoint/2010/main" val="3610359101"/>
+        <p14:creationId xmlns:p14="http://schemas.microsoft.com/office/powerpoint/2010/main" xmlns="" val="3610359101"/>
       </p:ext>
     </p:extLst>
   </p:cSld>
@@ -3265,7 +3265,7 @@
             <a:fld id="{44139E8D-6066-4080-AC46-DB89673BFC8E}" type="slidenum">
               <a:rPr lang="fr-FR" smtClean="0"/>
               <a:pPr/>
-              <a:t>‹#›</a:t>
+              <a:t>‹N°›</a:t>
             </a:fld>
             <a:endParaRPr lang="fr-FR"/>
           </a:p>
@@ -3274,7 +3274,7 @@
     </p:spTree>
     <p:extLst>
       <p:ext uri="{BB962C8B-B14F-4D97-AF65-F5344CB8AC3E}">
-        <p14:creationId xmlns:p14="http://schemas.microsoft.com/office/powerpoint/2010/main" val="3433813898"/>
+        <p14:creationId xmlns:p14="http://schemas.microsoft.com/office/powerpoint/2010/main" xmlns="" val="3433813898"/>
       </p:ext>
     </p:extLst>
   </p:cSld>
@@ -3526,7 +3526,7 @@
             <a:fld id="{44139E8D-6066-4080-AC46-DB89673BFC8E}" type="slidenum">
               <a:rPr lang="fr-FR" smtClean="0"/>
               <a:pPr/>
-              <a:t>‹#›</a:t>
+              <a:t>‹N°›</a:t>
             </a:fld>
             <a:endParaRPr lang="fr-FR"/>
           </a:p>
@@ -3535,7 +3535,7 @@
     </p:spTree>
     <p:extLst>
       <p:ext uri="{BB962C8B-B14F-4D97-AF65-F5344CB8AC3E}">
-        <p14:creationId xmlns:p14="http://schemas.microsoft.com/office/powerpoint/2010/main" val="530832461"/>
+        <p14:creationId xmlns:p14="http://schemas.microsoft.com/office/powerpoint/2010/main" xmlns="" val="530832461"/>
       </p:ext>
     </p:extLst>
   </p:cSld>
@@ -3919,7 +3919,7 @@
     </p:spTree>
     <p:extLst>
       <p:ext uri="{BB962C8B-B14F-4D97-AF65-F5344CB8AC3E}">
-        <p14:creationId xmlns:p14="http://schemas.microsoft.com/office/powerpoint/2010/main" val="1719999807"/>
+        <p14:creationId xmlns:p14="http://schemas.microsoft.com/office/powerpoint/2010/main" xmlns="" val="1719999807"/>
       </p:ext>
     </p:extLst>
   </p:cSld>
@@ -4055,7 +4055,7 @@
           <p:nvPr/>
         </p:nvPicPr>
         <p:blipFill>
-          <a:blip r:embed="rId2"/>
+          <a:blip r:embed="rId2" cstate="print"/>
           <a:stretch>
             <a:fillRect/>
           </a:stretch>
@@ -4332,7 +4332,7 @@
     </p:spTree>
     <p:extLst>
       <p:ext uri="{BB962C8B-B14F-4D97-AF65-F5344CB8AC3E}">
-        <p14:creationId xmlns:p14="http://schemas.microsoft.com/office/powerpoint/2010/main" val="812129721"/>
+        <p14:creationId xmlns:p14="http://schemas.microsoft.com/office/powerpoint/2010/main" xmlns="" val="812129721"/>
       </p:ext>
     </p:extLst>
   </p:cSld>
@@ -4570,7 +4570,7 @@
     </p:spTree>
     <p:extLst>
       <p:ext uri="{BB962C8B-B14F-4D97-AF65-F5344CB8AC3E}">
-        <p14:creationId xmlns:p14="http://schemas.microsoft.com/office/powerpoint/2010/main" val="2829083960"/>
+        <p14:creationId xmlns:p14="http://schemas.microsoft.com/office/powerpoint/2010/main" xmlns="" val="2829083960"/>
       </p:ext>
     </p:extLst>
   </p:cSld>
@@ -4922,7 +4922,7 @@
     </p:spTree>
     <p:extLst>
       <p:ext uri="{BB962C8B-B14F-4D97-AF65-F5344CB8AC3E}">
-        <p14:creationId xmlns:p14="http://schemas.microsoft.com/office/powerpoint/2010/main" val="188073970"/>
+        <p14:creationId xmlns:p14="http://schemas.microsoft.com/office/powerpoint/2010/main" xmlns="" val="188073970"/>
       </p:ext>
     </p:extLst>
   </p:cSld>
@@ -5575,7 +5575,7 @@
     </p:spTree>
     <p:extLst>
       <p:ext uri="{BB962C8B-B14F-4D97-AF65-F5344CB8AC3E}">
-        <p14:creationId xmlns:p14="http://schemas.microsoft.com/office/powerpoint/2010/main" val="3916897931"/>
+        <p14:creationId xmlns:p14="http://schemas.microsoft.com/office/powerpoint/2010/main" xmlns="" val="3916897931"/>
       </p:ext>
     </p:extLst>
   </p:cSld>
@@ -6836,7 +6836,7 @@
     </p:spTree>
     <p:extLst>
       <p:ext uri="{BB962C8B-B14F-4D97-AF65-F5344CB8AC3E}">
-        <p14:creationId xmlns:p14="http://schemas.microsoft.com/office/powerpoint/2010/main" val="3916897931"/>
+        <p14:creationId xmlns:p14="http://schemas.microsoft.com/office/powerpoint/2010/main" xmlns="" val="3916897931"/>
       </p:ext>
     </p:extLst>
   </p:cSld>
@@ -6844,7 +6844,7 @@
     <a:masterClrMapping/>
   </p:clrMapOvr>
   <mc:AlternateContent xmlns:mc="http://schemas.openxmlformats.org/markup-compatibility/2006">
-    <mc:Choice xmlns:p14="http://schemas.microsoft.com/office/powerpoint/2010/main" Requires="p14">
+    <mc:Choice xmlns:p14="http://schemas.microsoft.com/office/powerpoint/2010/main" xmlns="" Requires="p14">
       <p:transition spd="slow" p14:dur="2000"/>
     </mc:Choice>
     <mc:Fallback>
@@ -7148,11 +7148,7 @@
             </a:pPr>
             <a:r>
               <a:rPr lang="fr-FR" dirty="0" smtClean="0"/>
-              <a:t>(</a:t>
-            </a:r>
-            <a:r>
-              <a:rPr lang="fr-FR" dirty="0" smtClean="0"/>
-              <a:t>state, action) =&gt; state</a:t>
+              <a:t>(state, action) =&gt; state</a:t>
             </a:r>
           </a:p>
         </p:txBody>
@@ -7592,14 +7588,6 @@
               </a:solidFill>
             </a:endParaRPr>
           </a:p>
-          <a:p>
-            <a:pPr algn="ctr"/>
-            <a:endParaRPr lang="fr-FR" b="1" dirty="0">
-              <a:solidFill>
-                <a:schemeClr val="tx1"/>
-              </a:solidFill>
-            </a:endParaRPr>
-          </a:p>
         </p:txBody>
       </p:sp>
       <p:sp>
@@ -7776,7 +7764,7 @@
     </p:spTree>
     <p:extLst>
       <p:ext uri="{BB962C8B-B14F-4D97-AF65-F5344CB8AC3E}">
-        <p14:creationId xmlns:p14="http://schemas.microsoft.com/office/powerpoint/2010/main" val="2970959322"/>
+        <p14:creationId xmlns:p14="http://schemas.microsoft.com/office/powerpoint/2010/main" xmlns="" val="2970959322"/>
       </p:ext>
     </p:extLst>
   </p:cSld>
@@ -8660,7 +8648,7 @@
     </p:spTree>
     <p:extLst>
       <p:ext uri="{BB962C8B-B14F-4D97-AF65-F5344CB8AC3E}">
-        <p14:creationId xmlns:p14="http://schemas.microsoft.com/office/powerpoint/2010/main" val="1056566985"/>
+        <p14:creationId xmlns:p14="http://schemas.microsoft.com/office/powerpoint/2010/main" xmlns="" val="1056566985"/>
       </p:ext>
     </p:extLst>
   </p:cSld>
@@ -8814,7 +8802,7 @@
     </p:spTree>
     <p:extLst>
       <p:ext uri="{BB962C8B-B14F-4D97-AF65-F5344CB8AC3E}">
-        <p14:creationId xmlns:p14="http://schemas.microsoft.com/office/powerpoint/2010/main" val="1283000917"/>
+        <p14:creationId xmlns:p14="http://schemas.microsoft.com/office/powerpoint/2010/main" xmlns="" val="1283000917"/>
       </p:ext>
     </p:extLst>
   </p:cSld>
@@ -10170,7 +10158,7 @@
     </p:spTree>
     <p:extLst>
       <p:ext uri="{BB962C8B-B14F-4D97-AF65-F5344CB8AC3E}">
-        <p14:creationId xmlns:p14="http://schemas.microsoft.com/office/powerpoint/2010/main" val="3822647716"/>
+        <p14:creationId xmlns:p14="http://schemas.microsoft.com/office/powerpoint/2010/main" xmlns="" val="3822647716"/>
       </p:ext>
     </p:extLst>
   </p:cSld>
@@ -11573,7 +11561,7 @@
     </p:spTree>
     <p:extLst>
       <p:ext uri="{BB962C8B-B14F-4D97-AF65-F5344CB8AC3E}">
-        <p14:creationId xmlns:p14="http://schemas.microsoft.com/office/powerpoint/2010/main" val="1808425269"/>
+        <p14:creationId xmlns:p14="http://schemas.microsoft.com/office/powerpoint/2010/main" xmlns="" val="1808425269"/>
       </p:ext>
     </p:extLst>
   </p:cSld>
@@ -12976,7 +12964,7 @@
     </p:spTree>
     <p:extLst>
       <p:ext uri="{BB962C8B-B14F-4D97-AF65-F5344CB8AC3E}">
-        <p14:creationId xmlns:p14="http://schemas.microsoft.com/office/powerpoint/2010/main" val="214338730"/>
+        <p14:creationId xmlns:p14="http://schemas.microsoft.com/office/powerpoint/2010/main" xmlns="" val="214338730"/>
       </p:ext>
     </p:extLst>
   </p:cSld>
@@ -13997,6 +13985,9 @@
             <a:avLst/>
           </a:prstGeom>
           <a:ln w="38100">
+            <a:solidFill>
+              <a:srgbClr val="FF0000"/>
+            </a:solidFill>
             <a:tailEnd type="arrow"/>
           </a:ln>
         </p:spPr>
@@ -14459,7 +14450,7 @@
     </p:spTree>
     <p:extLst>
       <p:ext uri="{BB962C8B-B14F-4D97-AF65-F5344CB8AC3E}">
-        <p14:creationId xmlns:p14="http://schemas.microsoft.com/office/powerpoint/2010/main" val="3988002708"/>
+        <p14:creationId xmlns:p14="http://schemas.microsoft.com/office/powerpoint/2010/main" xmlns="" val="3988002708"/>
       </p:ext>
     </p:extLst>
   </p:cSld>
@@ -15862,7 +15853,7 @@
     </p:spTree>
     <p:extLst>
       <p:ext uri="{BB962C8B-B14F-4D97-AF65-F5344CB8AC3E}">
-        <p14:creationId xmlns:p14="http://schemas.microsoft.com/office/powerpoint/2010/main" val="2590363394"/>
+        <p14:creationId xmlns:p14="http://schemas.microsoft.com/office/powerpoint/2010/main" xmlns="" val="2590363394"/>
       </p:ext>
     </p:extLst>
   </p:cSld>
@@ -17265,7 +17256,7 @@
     </p:spTree>
     <p:extLst>
       <p:ext uri="{BB962C8B-B14F-4D97-AF65-F5344CB8AC3E}">
-        <p14:creationId xmlns:p14="http://schemas.microsoft.com/office/powerpoint/2010/main" val="128642618"/>
+        <p14:creationId xmlns:p14="http://schemas.microsoft.com/office/powerpoint/2010/main" xmlns="" val="128642618"/>
       </p:ext>
     </p:extLst>
   </p:cSld>
@@ -18113,7 +18104,6 @@
               <a:rPr lang="fr-FR" b="1" dirty="0"/>
               <a:t>API</a:t>
             </a:r>
-            <a:endParaRPr lang="fr-FR" b="1" dirty="0"/>
           </a:p>
         </p:txBody>
       </p:sp>
@@ -18172,7 +18162,6 @@
               <a:rPr lang="fr-FR" b="1" dirty="0"/>
               <a:t>Logs</a:t>
             </a:r>
-            <a:endParaRPr lang="fr-FR" b="1" dirty="0"/>
           </a:p>
         </p:txBody>
       </p:sp>
@@ -18708,7 +18697,7 @@
     </p:spTree>
     <p:extLst>
       <p:ext uri="{BB962C8B-B14F-4D97-AF65-F5344CB8AC3E}">
-        <p14:creationId xmlns:p14="http://schemas.microsoft.com/office/powerpoint/2010/main" val="2685233104"/>
+        <p14:creationId xmlns:p14="http://schemas.microsoft.com/office/powerpoint/2010/main" xmlns="" val="2685233104"/>
       </p:ext>
     </p:extLst>
   </p:cSld>
@@ -19591,7 +19580,6 @@
               <a:rPr lang="fr-FR" b="1" dirty="0"/>
               <a:t>API</a:t>
             </a:r>
-            <a:endParaRPr lang="fr-FR" b="1" dirty="0"/>
           </a:p>
         </p:txBody>
       </p:sp>
@@ -20111,7 +20099,7 @@
     </p:spTree>
     <p:extLst>
       <p:ext uri="{BB962C8B-B14F-4D97-AF65-F5344CB8AC3E}">
-        <p14:creationId xmlns:p14="http://schemas.microsoft.com/office/powerpoint/2010/main" val="899195258"/>
+        <p14:creationId xmlns:p14="http://schemas.microsoft.com/office/powerpoint/2010/main" xmlns="" val="899195258"/>
       </p:ext>
     </p:extLst>
   </p:cSld>
@@ -20264,7 +20252,7 @@
     </p:spTree>
     <p:extLst>
       <p:ext uri="{BB962C8B-B14F-4D97-AF65-F5344CB8AC3E}">
-        <p14:creationId xmlns:p14="http://schemas.microsoft.com/office/powerpoint/2010/main" val="3691361"/>
+        <p14:creationId xmlns:p14="http://schemas.microsoft.com/office/powerpoint/2010/main" xmlns="" val="3691361"/>
       </p:ext>
     </p:extLst>
   </p:cSld>
@@ -20417,7 +20405,7 @@
     </p:spTree>
     <p:extLst>
       <p:ext uri="{BB962C8B-B14F-4D97-AF65-F5344CB8AC3E}">
-        <p14:creationId xmlns:p14="http://schemas.microsoft.com/office/powerpoint/2010/main" val="1940074127"/>
+        <p14:creationId xmlns:p14="http://schemas.microsoft.com/office/powerpoint/2010/main" xmlns="" val="1940074127"/>
       </p:ext>
     </p:extLst>
   </p:cSld>
@@ -20573,7 +20561,7 @@
     </p:spTree>
     <p:extLst>
       <p:ext uri="{BB962C8B-B14F-4D97-AF65-F5344CB8AC3E}">
-        <p14:creationId xmlns:p14="http://schemas.microsoft.com/office/powerpoint/2010/main" val="1106585189"/>
+        <p14:creationId xmlns:p14="http://schemas.microsoft.com/office/powerpoint/2010/main" xmlns="" val="1106585189"/>
       </p:ext>
     </p:extLst>
   </p:cSld>
@@ -20880,7 +20868,7 @@
     </p:spTree>
     <p:extLst>
       <p:ext uri="{BB962C8B-B14F-4D97-AF65-F5344CB8AC3E}">
-        <p14:creationId xmlns:p14="http://schemas.microsoft.com/office/powerpoint/2010/main" val="604540945"/>
+        <p14:creationId xmlns:p14="http://schemas.microsoft.com/office/powerpoint/2010/main" xmlns="" val="604540945"/>
       </p:ext>
     </p:extLst>
   </p:cSld>
@@ -21130,7 +21118,7 @@
     </p:spTree>
     <p:extLst>
       <p:ext uri="{BB962C8B-B14F-4D97-AF65-F5344CB8AC3E}">
-        <p14:creationId xmlns:p14="http://schemas.microsoft.com/office/powerpoint/2010/main" val="3005486473"/>
+        <p14:creationId xmlns:p14="http://schemas.microsoft.com/office/powerpoint/2010/main" xmlns="" val="3005486473"/>
       </p:ext>
     </p:extLst>
   </p:cSld>
@@ -21204,13 +21192,8 @@
           <a:p>
             <a:r>
               <a:rPr lang="en-US" noProof="0" dirty="0" smtClean="0"/>
-              <a:t>Update to JS – ease the </a:t>
-            </a:r>
-            <a:r>
-              <a:rPr lang="en-US" noProof="0" dirty="0" smtClean="0"/>
-              <a:t>code readability for React</a:t>
-            </a:r>
-            <a:endParaRPr lang="en-US" noProof="0" dirty="0" smtClean="0"/>
+              <a:t>Update to JS – ease the code readability for React</a:t>
+            </a:r>
           </a:p>
           <a:p>
             <a:pPr lvl="1"/>
@@ -21711,7 +21694,6 @@
               <a:rPr lang="fr-FR" sz="1100" b="1" dirty="0"/>
               <a:t>);</a:t>
             </a:r>
-            <a:endParaRPr lang="fr-FR" sz="1100" b="1" dirty="0"/>
           </a:p>
         </p:txBody>
       </p:sp>
@@ -22786,7 +22768,7 @@
           <p:nvPr/>
         </p:nvPicPr>
         <p:blipFill>
-          <a:blip r:embed="rId2"/>
+          <a:blip r:embed="rId2" cstate="print"/>
           <a:stretch>
             <a:fillRect/>
           </a:stretch>
@@ -22844,7 +22826,7 @@
     </p:spTree>
     <p:extLst>
       <p:ext uri="{BB962C8B-B14F-4D97-AF65-F5344CB8AC3E}">
-        <p14:creationId xmlns:p14="http://schemas.microsoft.com/office/powerpoint/2010/main" val="3296308957"/>
+        <p14:creationId xmlns:p14="http://schemas.microsoft.com/office/powerpoint/2010/main" xmlns="" val="3296308957"/>
       </p:ext>
     </p:extLst>
   </p:cSld>
@@ -23066,7 +23048,6 @@
               <a:rPr lang="fr-FR" dirty="0" smtClean="0"/>
               <a:t>&gt;</a:t>
             </a:r>
-            <a:endParaRPr lang="fr-FR" dirty="0" smtClean="0"/>
           </a:p>
           <a:p>
             <a:r>
@@ -23415,7 +23396,6 @@
               <a:rPr lang="fr-FR" dirty="0" smtClean="0"/>
               <a:t>})}</a:t>
             </a:r>
-            <a:endParaRPr lang="fr-FR" dirty="0" smtClean="0"/>
           </a:p>
           <a:p>
             <a:pPr lvl="1"/>
@@ -23785,7 +23765,7 @@
     </p:spTree>
     <p:extLst>
       <p:ext uri="{BB962C8B-B14F-4D97-AF65-F5344CB8AC3E}">
-        <p14:creationId xmlns:p14="http://schemas.microsoft.com/office/powerpoint/2010/main" val="2384916904"/>
+        <p14:creationId xmlns:p14="http://schemas.microsoft.com/office/powerpoint/2010/main" xmlns="" val="2384916904"/>
       </p:ext>
     </p:extLst>
   </p:cSld>
@@ -24366,7 +24346,7 @@
           <p:nvPr/>
         </p:nvPicPr>
         <p:blipFill>
-          <a:blip r:embed="rId2"/>
+          <a:blip r:embed="rId2" cstate="print"/>
           <a:stretch>
             <a:fillRect/>
           </a:stretch>
@@ -24424,7 +24404,7 @@
     </p:spTree>
     <p:extLst>
       <p:ext uri="{BB962C8B-B14F-4D97-AF65-F5344CB8AC3E}">
-        <p14:creationId xmlns:p14="http://schemas.microsoft.com/office/powerpoint/2010/main" val="3296308957"/>
+        <p14:creationId xmlns:p14="http://schemas.microsoft.com/office/powerpoint/2010/main" xmlns="" val="3296308957"/>
       </p:ext>
     </p:extLst>
   </p:cSld>
@@ -24696,7 +24676,7 @@
   <a:extraClrSchemeLst/>
   <a:extLst>
     <a:ext uri="{05A4C25C-085E-4340-85A3-A5531E510DB2}">
-      <thm15:themeFamily xmlns:thm15="http://schemas.microsoft.com/office/thememl/2012/main" name="Office Theme" id="{62F939B6-93AF-4DB8-9C6B-D6C7DFDC589F}" vid="{4A3C46E8-61CC-4603-A589-7422A47A8E4A}"/>
+      <thm15:themeFamily xmlns:thm15="http://schemas.microsoft.com/office/thememl/2012/main" xmlns="" name="Office Theme" id="{62F939B6-93AF-4DB8-9C6B-D6C7DFDC589F}" vid="{4A3C46E8-61CC-4603-A589-7422A47A8E4A}"/>
     </a:ext>
   </a:extLst>
 </a:theme>
@@ -24957,7 +24937,7 @@
   <a:extraClrSchemeLst/>
   <a:extLst>
     <a:ext uri="{05A4C25C-085E-4340-85A3-A5531E510DB2}">
-      <thm15:themeFamily xmlns:thm15="http://schemas.microsoft.com/office/thememl/2012/main" name="Office Theme" id="{62F939B6-93AF-4DB8-9C6B-D6C7DFDC589F}" vid="{4A3C46E8-61CC-4603-A589-7422A47A8E4A}"/>
+      <thm15:themeFamily xmlns:thm15="http://schemas.microsoft.com/office/thememl/2012/main" xmlns="" name="Office Theme" id="{62F939B6-93AF-4DB8-9C6B-D6C7DFDC589F}" vid="{4A3C46E8-61CC-4603-A589-7422A47A8E4A}"/>
     </a:ext>
   </a:extLst>
 </a:theme>

--- a/docs/React & Redux.pptx
+++ b/docs/React & Redux.pptx
@@ -137,7 +137,7 @@
   </p:defaultTextStyle>
   <p:extLst>
     <p:ext uri="{521415D9-36F7-43E2-AB2F-B90AF26B5E84}">
-      <p14:sectionLst xmlns:p14="http://schemas.microsoft.com/office/powerpoint/2010/main" xmlns="">
+      <p14:sectionLst xmlns:p14="http://schemas.microsoft.com/office/powerpoint/2010/main">
         <p14:section name="Default Section" id="{38AEF286-1107-4392-A940-F023FF97C08A}">
           <p14:sldIdLst>
             <p14:sldId id="256"/>
@@ -190,7 +190,7 @@
       </p14:sectionLst>
     </p:ext>
     <p:ext uri="{EFAFB233-063F-42B5-8137-9DF3F51BA10A}">
-      <p15:sldGuideLst xmlns:p15="http://schemas.microsoft.com/office/powerpoint/2012/main" xmlns="">
+      <p15:sldGuideLst xmlns:p15="http://schemas.microsoft.com/office/powerpoint/2012/main">
         <p15:guide id="1" orient="horz" pos="2160">
           <p15:clr>
             <a:srgbClr val="A4A3A4"/>
@@ -204,7 +204,7 @@
       </p15:sldGuideLst>
     </p:ext>
     <p:ext uri="{2D200454-40CA-4A62-9FC3-DE9A4176ACB9}">
-      <p15:notesGuideLst xmlns:p15="http://schemas.microsoft.com/office/powerpoint/2012/main" xmlns=""/>
+      <p15:notesGuideLst xmlns:p15="http://schemas.microsoft.com/office/powerpoint/2012/main"/>
     </p:ext>
   </p:extLst>
 </p:presentation>
@@ -293,7 +293,7 @@
             <a:fld id="{68F520A5-0AD6-418C-8F4A-9FB003B35E28}" type="datetimeFigureOut">
               <a:rPr lang="fr-FR" smtClean="0"/>
               <a:pPr/>
-              <a:t>27/03/2017</a:t>
+              <a:t>31/03/2017</a:t>
             </a:fld>
             <a:endParaRPr lang="fr-FR"/>
           </a:p>
@@ -453,7 +453,7 @@
             <a:fld id="{BEBDC360-122B-48B3-A8C4-3D87876233B6}" type="slidenum">
               <a:rPr lang="fr-FR" smtClean="0"/>
               <a:pPr/>
-              <a:t>‹N°›</a:t>
+              <a:t>‹#›</a:t>
             </a:fld>
             <a:endParaRPr lang="fr-FR"/>
           </a:p>
@@ -462,7 +462,7 @@
     </p:spTree>
     <p:extLst>
       <p:ext uri="{BB962C8B-B14F-4D97-AF65-F5344CB8AC3E}">
-        <p14:creationId xmlns:p14="http://schemas.microsoft.com/office/powerpoint/2010/main" xmlns="" val="713127464"/>
+        <p14:creationId xmlns:p14="http://schemas.microsoft.com/office/powerpoint/2010/main" val="713127464"/>
       </p:ext>
     </p:extLst>
   </p:cSld>
@@ -637,7 +637,7 @@
     </p:spTree>
     <p:extLst>
       <p:ext uri="{BB962C8B-B14F-4D97-AF65-F5344CB8AC3E}">
-        <p14:creationId xmlns:p14="http://schemas.microsoft.com/office/powerpoint/2010/main" xmlns="" val="3739366414"/>
+        <p14:creationId xmlns:p14="http://schemas.microsoft.com/office/powerpoint/2010/main" val="3739366414"/>
       </p:ext>
     </p:extLst>
   </p:cSld>
@@ -676,7 +676,7 @@
           <a:blip r:embed="rId2" cstate="print">
             <a:extLst>
               <a:ext uri="{28A0092B-C50C-407E-A947-70E740481C1C}">
-                <a14:useLocalDpi xmlns:a14="http://schemas.microsoft.com/office/drawing/2010/main" xmlns="" val="0"/>
+                <a14:useLocalDpi xmlns:a14="http://schemas.microsoft.com/office/drawing/2010/main" val="0"/>
               </a:ext>
             </a:extLst>
           </a:blip>
@@ -859,7 +859,7 @@
             <a:fld id="{44139E8D-6066-4080-AC46-DB89673BFC8E}" type="slidenum">
               <a:rPr lang="fr-FR" smtClean="0"/>
               <a:pPr/>
-              <a:t>‹N°›</a:t>
+              <a:t>‹#›</a:t>
             </a:fld>
             <a:endParaRPr lang="fr-FR"/>
           </a:p>
@@ -868,7 +868,7 @@
     </p:spTree>
     <p:extLst>
       <p:ext uri="{BB962C8B-B14F-4D97-AF65-F5344CB8AC3E}">
-        <p14:creationId xmlns:p14="http://schemas.microsoft.com/office/powerpoint/2010/main" xmlns="" val="2394847408"/>
+        <p14:creationId xmlns:p14="http://schemas.microsoft.com/office/powerpoint/2010/main" val="2394847408"/>
       </p:ext>
     </p:extLst>
   </p:cSld>
@@ -1041,7 +1041,7 @@
             <a:fld id="{44139E8D-6066-4080-AC46-DB89673BFC8E}" type="slidenum">
               <a:rPr lang="fr-FR" smtClean="0"/>
               <a:pPr/>
-              <a:t>‹N°›</a:t>
+              <a:t>‹#›</a:t>
             </a:fld>
             <a:endParaRPr lang="fr-FR"/>
           </a:p>
@@ -1050,7 +1050,7 @@
     </p:spTree>
     <p:extLst>
       <p:ext uri="{BB962C8B-B14F-4D97-AF65-F5344CB8AC3E}">
-        <p14:creationId xmlns:p14="http://schemas.microsoft.com/office/powerpoint/2010/main" xmlns="" val="2354828228"/>
+        <p14:creationId xmlns:p14="http://schemas.microsoft.com/office/powerpoint/2010/main" val="2354828228"/>
       </p:ext>
     </p:extLst>
   </p:cSld>
@@ -1226,7 +1226,7 @@
             <a:fld id="{44139E8D-6066-4080-AC46-DB89673BFC8E}" type="slidenum">
               <a:rPr lang="fr-FR" smtClean="0"/>
               <a:pPr/>
-              <a:t>‹N°›</a:t>
+              <a:t>‹#›</a:t>
             </a:fld>
             <a:endParaRPr lang="fr-FR"/>
           </a:p>
@@ -1235,7 +1235,7 @@
     </p:spTree>
     <p:extLst>
       <p:ext uri="{BB962C8B-B14F-4D97-AF65-F5344CB8AC3E}">
-        <p14:creationId xmlns:p14="http://schemas.microsoft.com/office/powerpoint/2010/main" xmlns="" val="449464392"/>
+        <p14:creationId xmlns:p14="http://schemas.microsoft.com/office/powerpoint/2010/main" val="449464392"/>
       </p:ext>
     </p:extLst>
   </p:cSld>
@@ -1445,7 +1445,7 @@
             <a:fld id="{44139E8D-6066-4080-AC46-DB89673BFC8E}" type="slidenum">
               <a:rPr lang="fr-FR" smtClean="0"/>
               <a:pPr/>
-              <a:t>‹N°›</a:t>
+              <a:t>‹#›</a:t>
             </a:fld>
             <a:endParaRPr lang="fr-FR"/>
           </a:p>
@@ -1454,7 +1454,7 @@
     </p:spTree>
     <p:extLst>
       <p:ext uri="{BB962C8B-B14F-4D97-AF65-F5344CB8AC3E}">
-        <p14:creationId xmlns:p14="http://schemas.microsoft.com/office/powerpoint/2010/main" xmlns="" val="2540995877"/>
+        <p14:creationId xmlns:p14="http://schemas.microsoft.com/office/powerpoint/2010/main" val="2540995877"/>
       </p:ext>
     </p:extLst>
   </p:cSld>
@@ -1736,7 +1736,7 @@
             <a:fld id="{44139E8D-6066-4080-AC46-DB89673BFC8E}" type="slidenum">
               <a:rPr lang="fr-FR" smtClean="0"/>
               <a:pPr/>
-              <a:t>‹N°›</a:t>
+              <a:t>‹#›</a:t>
             </a:fld>
             <a:endParaRPr lang="fr-FR"/>
           </a:p>
@@ -1745,7 +1745,7 @@
     </p:spTree>
     <p:extLst>
       <p:ext uri="{BB962C8B-B14F-4D97-AF65-F5344CB8AC3E}">
-        <p14:creationId xmlns:p14="http://schemas.microsoft.com/office/powerpoint/2010/main" xmlns="" val="658130668"/>
+        <p14:creationId xmlns:p14="http://schemas.microsoft.com/office/powerpoint/2010/main" val="658130668"/>
       </p:ext>
     </p:extLst>
   </p:cSld>
@@ -2020,7 +2020,7 @@
             <a:fld id="{44139E8D-6066-4080-AC46-DB89673BFC8E}" type="slidenum">
               <a:rPr lang="fr-FR" smtClean="0"/>
               <a:pPr/>
-              <a:t>‹N°›</a:t>
+              <a:t>‹#›</a:t>
             </a:fld>
             <a:endParaRPr lang="fr-FR"/>
           </a:p>
@@ -2029,7 +2029,7 @@
     </p:spTree>
     <p:extLst>
       <p:ext uri="{BB962C8B-B14F-4D97-AF65-F5344CB8AC3E}">
-        <p14:creationId xmlns:p14="http://schemas.microsoft.com/office/powerpoint/2010/main" xmlns="" val="3650240110"/>
+        <p14:creationId xmlns:p14="http://schemas.microsoft.com/office/powerpoint/2010/main" val="3650240110"/>
       </p:ext>
     </p:extLst>
   </p:cSld>
@@ -2434,7 +2434,7 @@
             <a:fld id="{44139E8D-6066-4080-AC46-DB89673BFC8E}" type="slidenum">
               <a:rPr lang="fr-FR" smtClean="0"/>
               <a:pPr/>
-              <a:t>‹N°›</a:t>
+              <a:t>‹#›</a:t>
             </a:fld>
             <a:endParaRPr lang="fr-FR"/>
           </a:p>
@@ -2443,7 +2443,7 @@
     </p:spTree>
     <p:extLst>
       <p:ext uri="{BB962C8B-B14F-4D97-AF65-F5344CB8AC3E}">
-        <p14:creationId xmlns:p14="http://schemas.microsoft.com/office/powerpoint/2010/main" xmlns="" val="2798887854"/>
+        <p14:creationId xmlns:p14="http://schemas.microsoft.com/office/powerpoint/2010/main" val="2798887854"/>
       </p:ext>
     </p:extLst>
   </p:cSld>
@@ -2604,7 +2604,7 @@
             <a:fld id="{44139E8D-6066-4080-AC46-DB89673BFC8E}" type="slidenum">
               <a:rPr lang="fr-FR" smtClean="0"/>
               <a:pPr/>
-              <a:t>‹N°›</a:t>
+              <a:t>‹#›</a:t>
             </a:fld>
             <a:endParaRPr lang="fr-FR"/>
           </a:p>
@@ -2613,7 +2613,7 @@
     </p:spTree>
     <p:extLst>
       <p:ext uri="{BB962C8B-B14F-4D97-AF65-F5344CB8AC3E}">
-        <p14:creationId xmlns:p14="http://schemas.microsoft.com/office/powerpoint/2010/main" xmlns="" val="1141629464"/>
+        <p14:creationId xmlns:p14="http://schemas.microsoft.com/office/powerpoint/2010/main" val="1141629464"/>
       </p:ext>
     </p:extLst>
   </p:cSld>
@@ -2711,7 +2711,7 @@
             <a:fld id="{44139E8D-6066-4080-AC46-DB89673BFC8E}" type="slidenum">
               <a:rPr lang="fr-FR" smtClean="0"/>
               <a:pPr/>
-              <a:t>‹N°›</a:t>
+              <a:t>‹#›</a:t>
             </a:fld>
             <a:endParaRPr lang="fr-FR"/>
           </a:p>
@@ -2720,7 +2720,7 @@
     </p:spTree>
     <p:extLst>
       <p:ext uri="{BB962C8B-B14F-4D97-AF65-F5344CB8AC3E}">
-        <p14:creationId xmlns:p14="http://schemas.microsoft.com/office/powerpoint/2010/main" xmlns="" val="1467798435"/>
+        <p14:creationId xmlns:p14="http://schemas.microsoft.com/office/powerpoint/2010/main" val="1467798435"/>
       </p:ext>
     </p:extLst>
   </p:cSld>
@@ -3000,7 +3000,7 @@
             <a:fld id="{44139E8D-6066-4080-AC46-DB89673BFC8E}" type="slidenum">
               <a:rPr lang="fr-FR" smtClean="0"/>
               <a:pPr/>
-              <a:t>‹N°›</a:t>
+              <a:t>‹#›</a:t>
             </a:fld>
             <a:endParaRPr lang="fr-FR"/>
           </a:p>
@@ -3009,7 +3009,7 @@
     </p:spTree>
     <p:extLst>
       <p:ext uri="{BB962C8B-B14F-4D97-AF65-F5344CB8AC3E}">
-        <p14:creationId xmlns:p14="http://schemas.microsoft.com/office/powerpoint/2010/main" xmlns="" val="3610359101"/>
+        <p14:creationId xmlns:p14="http://schemas.microsoft.com/office/powerpoint/2010/main" val="3610359101"/>
       </p:ext>
     </p:extLst>
   </p:cSld>
@@ -3265,7 +3265,7 @@
             <a:fld id="{44139E8D-6066-4080-AC46-DB89673BFC8E}" type="slidenum">
               <a:rPr lang="fr-FR" smtClean="0"/>
               <a:pPr/>
-              <a:t>‹N°›</a:t>
+              <a:t>‹#›</a:t>
             </a:fld>
             <a:endParaRPr lang="fr-FR"/>
           </a:p>
@@ -3274,7 +3274,7 @@
     </p:spTree>
     <p:extLst>
       <p:ext uri="{BB962C8B-B14F-4D97-AF65-F5344CB8AC3E}">
-        <p14:creationId xmlns:p14="http://schemas.microsoft.com/office/powerpoint/2010/main" xmlns="" val="3433813898"/>
+        <p14:creationId xmlns:p14="http://schemas.microsoft.com/office/powerpoint/2010/main" val="3433813898"/>
       </p:ext>
     </p:extLst>
   </p:cSld>
@@ -3526,7 +3526,7 @@
             <a:fld id="{44139E8D-6066-4080-AC46-DB89673BFC8E}" type="slidenum">
               <a:rPr lang="fr-FR" smtClean="0"/>
               <a:pPr/>
-              <a:t>‹N°›</a:t>
+              <a:t>‹#›</a:t>
             </a:fld>
             <a:endParaRPr lang="fr-FR"/>
           </a:p>
@@ -3535,7 +3535,7 @@
     </p:spTree>
     <p:extLst>
       <p:ext uri="{BB962C8B-B14F-4D97-AF65-F5344CB8AC3E}">
-        <p14:creationId xmlns:p14="http://schemas.microsoft.com/office/powerpoint/2010/main" xmlns="" val="530832461"/>
+        <p14:creationId xmlns:p14="http://schemas.microsoft.com/office/powerpoint/2010/main" val="530832461"/>
       </p:ext>
     </p:extLst>
   </p:cSld>
@@ -3919,7 +3919,7 @@
     </p:spTree>
     <p:extLst>
       <p:ext uri="{BB962C8B-B14F-4D97-AF65-F5344CB8AC3E}">
-        <p14:creationId xmlns:p14="http://schemas.microsoft.com/office/powerpoint/2010/main" xmlns="" val="1719999807"/>
+        <p14:creationId xmlns:p14="http://schemas.microsoft.com/office/powerpoint/2010/main" val="1719999807"/>
       </p:ext>
     </p:extLst>
   </p:cSld>
@@ -4048,22 +4048,22 @@
       </p:sp>
       <p:pic>
         <p:nvPicPr>
-          <p:cNvPr id="3" name="Picture 2"/>
+          <p:cNvPr id="8" name="Picture 7"/>
           <p:cNvPicPr>
             <a:picLocks noChangeAspect="1"/>
           </p:cNvPicPr>
           <p:nvPr/>
         </p:nvPicPr>
         <p:blipFill>
-          <a:blip r:embed="rId2" cstate="print"/>
+          <a:blip r:embed="rId2"/>
           <a:stretch>
             <a:fillRect/>
           </a:stretch>
         </p:blipFill>
         <p:spPr>
           <a:xfrm>
-            <a:off x="634089" y="1638300"/>
-            <a:ext cx="10923822" cy="4533900"/>
+            <a:off x="611682" y="1645920"/>
+            <a:ext cx="10968636" cy="4427220"/>
           </a:xfrm>
           <a:prstGeom prst="rect">
             <a:avLst/>
@@ -4332,7 +4332,7 @@
     </p:spTree>
     <p:extLst>
       <p:ext uri="{BB962C8B-B14F-4D97-AF65-F5344CB8AC3E}">
-        <p14:creationId xmlns:p14="http://schemas.microsoft.com/office/powerpoint/2010/main" xmlns="" val="812129721"/>
+        <p14:creationId xmlns:p14="http://schemas.microsoft.com/office/powerpoint/2010/main" val="812129721"/>
       </p:ext>
     </p:extLst>
   </p:cSld>
@@ -4570,7 +4570,7 @@
     </p:spTree>
     <p:extLst>
       <p:ext uri="{BB962C8B-B14F-4D97-AF65-F5344CB8AC3E}">
-        <p14:creationId xmlns:p14="http://schemas.microsoft.com/office/powerpoint/2010/main" xmlns="" val="2829083960"/>
+        <p14:creationId xmlns:p14="http://schemas.microsoft.com/office/powerpoint/2010/main" val="2829083960"/>
       </p:ext>
     </p:extLst>
   </p:cSld>
@@ -4922,7 +4922,7 @@
     </p:spTree>
     <p:extLst>
       <p:ext uri="{BB962C8B-B14F-4D97-AF65-F5344CB8AC3E}">
-        <p14:creationId xmlns:p14="http://schemas.microsoft.com/office/powerpoint/2010/main" xmlns="" val="188073970"/>
+        <p14:creationId xmlns:p14="http://schemas.microsoft.com/office/powerpoint/2010/main" val="188073970"/>
       </p:ext>
     </p:extLst>
   </p:cSld>
@@ -5575,7 +5575,7 @@
     </p:spTree>
     <p:extLst>
       <p:ext uri="{BB962C8B-B14F-4D97-AF65-F5344CB8AC3E}">
-        <p14:creationId xmlns:p14="http://schemas.microsoft.com/office/powerpoint/2010/main" xmlns="" val="3916897931"/>
+        <p14:creationId xmlns:p14="http://schemas.microsoft.com/office/powerpoint/2010/main" val="3916897931"/>
       </p:ext>
     </p:extLst>
   </p:cSld>
@@ -6836,18 +6836,18 @@
     </p:spTree>
     <p:extLst>
       <p:ext uri="{BB962C8B-B14F-4D97-AF65-F5344CB8AC3E}">
-        <p14:creationId xmlns:p14="http://schemas.microsoft.com/office/powerpoint/2010/main" xmlns="" val="3916897931"/>
+        <p14:creationId xmlns:p14="http://schemas.microsoft.com/office/powerpoint/2010/main" val="3916897931"/>
       </p:ext>
     </p:extLst>
   </p:cSld>
   <p:clrMapOvr>
     <a:masterClrMapping/>
   </p:clrMapOvr>
-  <mc:AlternateContent xmlns:mc="http://schemas.openxmlformats.org/markup-compatibility/2006">
-    <mc:Choice xmlns:p14="http://schemas.microsoft.com/office/powerpoint/2010/main" xmlns="" Requires="p14">
+  <mc:AlternateContent xmlns:mc="http://schemas.openxmlformats.org/markup-compatibility/2006" xmlns:p14="http://schemas.microsoft.com/office/powerpoint/2010/main">
+    <mc:Choice Requires="p14">
       <p:transition spd="slow" p14:dur="2000"/>
     </mc:Choice>
-    <mc:Fallback>
+    <mc:Fallback xmlns="">
       <p:transition spd="slow"/>
     </mc:Fallback>
   </mc:AlternateContent>
@@ -7764,7 +7764,7 @@
     </p:spTree>
     <p:extLst>
       <p:ext uri="{BB962C8B-B14F-4D97-AF65-F5344CB8AC3E}">
-        <p14:creationId xmlns:p14="http://schemas.microsoft.com/office/powerpoint/2010/main" xmlns="" val="2970959322"/>
+        <p14:creationId xmlns:p14="http://schemas.microsoft.com/office/powerpoint/2010/main" val="2970959322"/>
       </p:ext>
     </p:extLst>
   </p:cSld>
@@ -8648,7 +8648,7 @@
     </p:spTree>
     <p:extLst>
       <p:ext uri="{BB962C8B-B14F-4D97-AF65-F5344CB8AC3E}">
-        <p14:creationId xmlns:p14="http://schemas.microsoft.com/office/powerpoint/2010/main" xmlns="" val="1056566985"/>
+        <p14:creationId xmlns:p14="http://schemas.microsoft.com/office/powerpoint/2010/main" val="1056566985"/>
       </p:ext>
     </p:extLst>
   </p:cSld>
@@ -8802,7 +8802,7 @@
     </p:spTree>
     <p:extLst>
       <p:ext uri="{BB962C8B-B14F-4D97-AF65-F5344CB8AC3E}">
-        <p14:creationId xmlns:p14="http://schemas.microsoft.com/office/powerpoint/2010/main" xmlns="" val="1283000917"/>
+        <p14:creationId xmlns:p14="http://schemas.microsoft.com/office/powerpoint/2010/main" val="1283000917"/>
       </p:ext>
     </p:extLst>
   </p:cSld>
@@ -10158,7 +10158,7 @@
     </p:spTree>
     <p:extLst>
       <p:ext uri="{BB962C8B-B14F-4D97-AF65-F5344CB8AC3E}">
-        <p14:creationId xmlns:p14="http://schemas.microsoft.com/office/powerpoint/2010/main" xmlns="" val="3822647716"/>
+        <p14:creationId xmlns:p14="http://schemas.microsoft.com/office/powerpoint/2010/main" val="3822647716"/>
       </p:ext>
     </p:extLst>
   </p:cSld>
@@ -11561,7 +11561,7 @@
     </p:spTree>
     <p:extLst>
       <p:ext uri="{BB962C8B-B14F-4D97-AF65-F5344CB8AC3E}">
-        <p14:creationId xmlns:p14="http://schemas.microsoft.com/office/powerpoint/2010/main" xmlns="" val="1808425269"/>
+        <p14:creationId xmlns:p14="http://schemas.microsoft.com/office/powerpoint/2010/main" val="1808425269"/>
       </p:ext>
     </p:extLst>
   </p:cSld>
@@ -12964,7 +12964,7 @@
     </p:spTree>
     <p:extLst>
       <p:ext uri="{BB962C8B-B14F-4D97-AF65-F5344CB8AC3E}">
-        <p14:creationId xmlns:p14="http://schemas.microsoft.com/office/powerpoint/2010/main" xmlns="" val="214338730"/>
+        <p14:creationId xmlns:p14="http://schemas.microsoft.com/office/powerpoint/2010/main" val="214338730"/>
       </p:ext>
     </p:extLst>
   </p:cSld>
@@ -14450,7 +14450,7 @@
     </p:spTree>
     <p:extLst>
       <p:ext uri="{BB962C8B-B14F-4D97-AF65-F5344CB8AC3E}">
-        <p14:creationId xmlns:p14="http://schemas.microsoft.com/office/powerpoint/2010/main" xmlns="" val="3988002708"/>
+        <p14:creationId xmlns:p14="http://schemas.microsoft.com/office/powerpoint/2010/main" val="3988002708"/>
       </p:ext>
     </p:extLst>
   </p:cSld>
@@ -15853,7 +15853,7 @@
     </p:spTree>
     <p:extLst>
       <p:ext uri="{BB962C8B-B14F-4D97-AF65-F5344CB8AC3E}">
-        <p14:creationId xmlns:p14="http://schemas.microsoft.com/office/powerpoint/2010/main" xmlns="" val="2590363394"/>
+        <p14:creationId xmlns:p14="http://schemas.microsoft.com/office/powerpoint/2010/main" val="2590363394"/>
       </p:ext>
     </p:extLst>
   </p:cSld>
@@ -17256,7 +17256,7 @@
     </p:spTree>
     <p:extLst>
       <p:ext uri="{BB962C8B-B14F-4D97-AF65-F5344CB8AC3E}">
-        <p14:creationId xmlns:p14="http://schemas.microsoft.com/office/powerpoint/2010/main" xmlns="" val="128642618"/>
+        <p14:creationId xmlns:p14="http://schemas.microsoft.com/office/powerpoint/2010/main" val="128642618"/>
       </p:ext>
     </p:extLst>
   </p:cSld>
@@ -18697,7 +18697,7 @@
     </p:spTree>
     <p:extLst>
       <p:ext uri="{BB962C8B-B14F-4D97-AF65-F5344CB8AC3E}">
-        <p14:creationId xmlns:p14="http://schemas.microsoft.com/office/powerpoint/2010/main" xmlns="" val="2685233104"/>
+        <p14:creationId xmlns:p14="http://schemas.microsoft.com/office/powerpoint/2010/main" val="2685233104"/>
       </p:ext>
     </p:extLst>
   </p:cSld>
@@ -20099,7 +20099,7 @@
     </p:spTree>
     <p:extLst>
       <p:ext uri="{BB962C8B-B14F-4D97-AF65-F5344CB8AC3E}">
-        <p14:creationId xmlns:p14="http://schemas.microsoft.com/office/powerpoint/2010/main" xmlns="" val="899195258"/>
+        <p14:creationId xmlns:p14="http://schemas.microsoft.com/office/powerpoint/2010/main" val="899195258"/>
       </p:ext>
     </p:extLst>
   </p:cSld>
@@ -20252,7 +20252,7 @@
     </p:spTree>
     <p:extLst>
       <p:ext uri="{BB962C8B-B14F-4D97-AF65-F5344CB8AC3E}">
-        <p14:creationId xmlns:p14="http://schemas.microsoft.com/office/powerpoint/2010/main" xmlns="" val="3691361"/>
+        <p14:creationId xmlns:p14="http://schemas.microsoft.com/office/powerpoint/2010/main" val="3691361"/>
       </p:ext>
     </p:extLst>
   </p:cSld>
@@ -20405,7 +20405,7 @@
     </p:spTree>
     <p:extLst>
       <p:ext uri="{BB962C8B-B14F-4D97-AF65-F5344CB8AC3E}">
-        <p14:creationId xmlns:p14="http://schemas.microsoft.com/office/powerpoint/2010/main" xmlns="" val="1940074127"/>
+        <p14:creationId xmlns:p14="http://schemas.microsoft.com/office/powerpoint/2010/main" val="1940074127"/>
       </p:ext>
     </p:extLst>
   </p:cSld>
@@ -20561,7 +20561,7 @@
     </p:spTree>
     <p:extLst>
       <p:ext uri="{BB962C8B-B14F-4D97-AF65-F5344CB8AC3E}">
-        <p14:creationId xmlns:p14="http://schemas.microsoft.com/office/powerpoint/2010/main" xmlns="" val="1106585189"/>
+        <p14:creationId xmlns:p14="http://schemas.microsoft.com/office/powerpoint/2010/main" val="1106585189"/>
       </p:ext>
     </p:extLst>
   </p:cSld>
@@ -20868,7 +20868,7 @@
     </p:spTree>
     <p:extLst>
       <p:ext uri="{BB962C8B-B14F-4D97-AF65-F5344CB8AC3E}">
-        <p14:creationId xmlns:p14="http://schemas.microsoft.com/office/powerpoint/2010/main" xmlns="" val="604540945"/>
+        <p14:creationId xmlns:p14="http://schemas.microsoft.com/office/powerpoint/2010/main" val="604540945"/>
       </p:ext>
     </p:extLst>
   </p:cSld>
@@ -21118,7 +21118,7 @@
     </p:spTree>
     <p:extLst>
       <p:ext uri="{BB962C8B-B14F-4D97-AF65-F5344CB8AC3E}">
-        <p14:creationId xmlns:p14="http://schemas.microsoft.com/office/powerpoint/2010/main" xmlns="" val="3005486473"/>
+        <p14:creationId xmlns:p14="http://schemas.microsoft.com/office/powerpoint/2010/main" val="3005486473"/>
       </p:ext>
     </p:extLst>
   </p:cSld>
@@ -22826,7 +22826,7 @@
     </p:spTree>
     <p:extLst>
       <p:ext uri="{BB962C8B-B14F-4D97-AF65-F5344CB8AC3E}">
-        <p14:creationId xmlns:p14="http://schemas.microsoft.com/office/powerpoint/2010/main" xmlns="" val="3296308957"/>
+        <p14:creationId xmlns:p14="http://schemas.microsoft.com/office/powerpoint/2010/main" val="3296308957"/>
       </p:ext>
     </p:extLst>
   </p:cSld>
@@ -23765,7 +23765,7 @@
     </p:spTree>
     <p:extLst>
       <p:ext uri="{BB962C8B-B14F-4D97-AF65-F5344CB8AC3E}">
-        <p14:creationId xmlns:p14="http://schemas.microsoft.com/office/powerpoint/2010/main" xmlns="" val="2384916904"/>
+        <p14:creationId xmlns:p14="http://schemas.microsoft.com/office/powerpoint/2010/main" val="2384916904"/>
       </p:ext>
     </p:extLst>
   </p:cSld>
@@ -24404,7 +24404,7 @@
     </p:spTree>
     <p:extLst>
       <p:ext uri="{BB962C8B-B14F-4D97-AF65-F5344CB8AC3E}">
-        <p14:creationId xmlns:p14="http://schemas.microsoft.com/office/powerpoint/2010/main" xmlns="" val="3296308957"/>
+        <p14:creationId xmlns:p14="http://schemas.microsoft.com/office/powerpoint/2010/main" val="3296308957"/>
       </p:ext>
     </p:extLst>
   </p:cSld>
@@ -24676,7 +24676,7 @@
   <a:extraClrSchemeLst/>
   <a:extLst>
     <a:ext uri="{05A4C25C-085E-4340-85A3-A5531E510DB2}">
-      <thm15:themeFamily xmlns:thm15="http://schemas.microsoft.com/office/thememl/2012/main" xmlns="" name="Office Theme" id="{62F939B6-93AF-4DB8-9C6B-D6C7DFDC589F}" vid="{4A3C46E8-61CC-4603-A589-7422A47A8E4A}"/>
+      <thm15:themeFamily xmlns:thm15="http://schemas.microsoft.com/office/thememl/2012/main" name="Office Theme" id="{62F939B6-93AF-4DB8-9C6B-D6C7DFDC589F}" vid="{4A3C46E8-61CC-4603-A589-7422A47A8E4A}"/>
     </a:ext>
   </a:extLst>
 </a:theme>
@@ -24937,7 +24937,7 @@
   <a:extraClrSchemeLst/>
   <a:extLst>
     <a:ext uri="{05A4C25C-085E-4340-85A3-A5531E510DB2}">
-      <thm15:themeFamily xmlns:thm15="http://schemas.microsoft.com/office/thememl/2012/main" xmlns="" name="Office Theme" id="{62F939B6-93AF-4DB8-9C6B-D6C7DFDC589F}" vid="{4A3C46E8-61CC-4603-A589-7422A47A8E4A}"/>
+      <thm15:themeFamily xmlns:thm15="http://schemas.microsoft.com/office/thememl/2012/main" name="Office Theme" id="{62F939B6-93AF-4DB8-9C6B-D6C7DFDC589F}" vid="{4A3C46E8-61CC-4603-A589-7422A47A8E4A}"/>
     </a:ext>
   </a:extLst>
 </a:theme>

--- a/docs/React & Redux.pptx
+++ b/docs/React & Redux.pptx
@@ -5,7 +5,7 @@
     <p:sldMasterId id="2147483648" r:id="rId1"/>
   </p:sldMasterIdLst>
   <p:notesMasterIdLst>
-    <p:notesMasterId r:id="rId31"/>
+    <p:notesMasterId r:id="rId35"/>
   </p:notesMasterIdLst>
   <p:sldIdLst>
     <p:sldId id="256" r:id="rId2"/>
@@ -30,13 +30,17 @@
     <p:sldId id="282" r:id="rId21"/>
     <p:sldId id="286" r:id="rId22"/>
     <p:sldId id="287" r:id="rId23"/>
-    <p:sldId id="288" r:id="rId24"/>
-    <p:sldId id="289" r:id="rId25"/>
-    <p:sldId id="290" r:id="rId26"/>
-    <p:sldId id="293" r:id="rId27"/>
-    <p:sldId id="294" r:id="rId28"/>
-    <p:sldId id="262" r:id="rId29"/>
-    <p:sldId id="263" r:id="rId30"/>
+    <p:sldId id="298" r:id="rId24"/>
+    <p:sldId id="288" r:id="rId25"/>
+    <p:sldId id="289" r:id="rId26"/>
+    <p:sldId id="290" r:id="rId27"/>
+    <p:sldId id="299" r:id="rId28"/>
+    <p:sldId id="293" r:id="rId29"/>
+    <p:sldId id="294" r:id="rId30"/>
+    <p:sldId id="295" r:id="rId31"/>
+    <p:sldId id="297" r:id="rId32"/>
+    <p:sldId id="262" r:id="rId33"/>
+    <p:sldId id="263" r:id="rId34"/>
   </p:sldIdLst>
   <p:sldSz cx="12192000" cy="6858000"/>
   <p:notesSz cx="6858000" cy="9144000"/>
@@ -170,11 +174,15 @@
             <p14:sldId id="282"/>
             <p14:sldId id="286"/>
             <p14:sldId id="287"/>
+            <p14:sldId id="298"/>
             <p14:sldId id="288"/>
             <p14:sldId id="289"/>
             <p14:sldId id="290"/>
+            <p14:sldId id="299"/>
             <p14:sldId id="293"/>
             <p14:sldId id="294"/>
+            <p14:sldId id="295"/>
+            <p14:sldId id="297"/>
           </p14:sldIdLst>
         </p14:section>
         <p14:section name="React &amp; redux" id="{B6BBBED2-AAF2-42B9-90F4-682CAD6B1544}">
@@ -293,7 +301,7 @@
             <a:fld id="{68F520A5-0AD6-418C-8F4A-9FB003B35E28}" type="datetimeFigureOut">
               <a:rPr lang="fr-FR" smtClean="0"/>
               <a:pPr/>
-              <a:t>31/03/2017</a:t>
+              <a:t>02/04/2017</a:t>
             </a:fld>
             <a:endParaRPr lang="fr-FR"/>
           </a:p>
@@ -4138,7 +4146,7 @@
         <p:spPr/>
         <p:txBody>
           <a:bodyPr>
-            <a:normAutofit/>
+            <a:normAutofit fontScale="92500" lnSpcReduction="20000"/>
           </a:bodyPr>
           <a:lstStyle/>
           <a:p>
@@ -4152,7 +4160,39 @@
                   <a:schemeClr val="accent6"/>
                 </a:solidFill>
               </a:rPr>
-              <a:t>estimated x 5 times slower to </a:t>
+              <a:t>estimated </a:t>
+            </a:r>
+            <a:r>
+              <a:rPr lang="en-US" sz="2000" noProof="0" dirty="0" smtClean="0">
+                <a:solidFill>
+                  <a:srgbClr val="C00000"/>
+                </a:solidFill>
+              </a:rPr>
+              <a:t>x5</a:t>
+            </a:r>
+            <a:r>
+              <a:rPr lang="en-US" sz="2000" noProof="0" dirty="0" smtClean="0">
+                <a:solidFill>
+                  <a:schemeClr val="accent6"/>
+                </a:solidFill>
+              </a:rPr>
+              <a:t> </a:t>
+            </a:r>
+            <a:r>
+              <a:rPr lang="en-US" sz="2000" noProof="0" dirty="0" smtClean="0">
+                <a:solidFill>
+                  <a:schemeClr val="accent6"/>
+                </a:solidFill>
+              </a:rPr>
+              <a:t>times slower </a:t>
+            </a:r>
+            <a:r>
+              <a:rPr lang="en-US" sz="2000" noProof="0" dirty="0" smtClean="0">
+                <a:solidFill>
+                  <a:schemeClr val="accent6"/>
+                </a:solidFill>
+              </a:rPr>
+              <a:t>than </a:t>
             </a:r>
             <a:r>
               <a:rPr lang="en-US" sz="2000" noProof="0" dirty="0" err="1" smtClean="0">
@@ -4179,8 +4219,15 @@
             <a:pPr lvl="1"/>
             <a:r>
               <a:rPr lang="en-US" noProof="0" dirty="0" smtClean="0"/>
-              <a:t>Rendering of shadow DOM elements to actual DOM</a:t>
-            </a:r>
+              <a:t>Rendering of shadow DOM elements to actual </a:t>
+            </a:r>
+            <a:r>
+              <a:rPr lang="en-US" noProof="0" dirty="0" smtClean="0"/>
+              <a:t>DOM</a:t>
+            </a:r>
+          </a:p>
+          <a:p>
+            <a:endParaRPr lang="en-US" noProof="0" dirty="0" smtClean="0"/>
           </a:p>
           <a:p>
             <a:r>
@@ -4195,8 +4242,52 @@
             </a:pPr>
             <a:r>
               <a:rPr lang="en-US" noProof="0" dirty="0" smtClean="0"/>
-              <a:t>Component properties (input) changes trigger re-rendering</a:t>
-            </a:r>
+              <a:t>Component properties (</a:t>
+            </a:r>
+            <a:r>
+              <a:rPr lang="en-US" noProof="0" dirty="0" smtClean="0"/>
+              <a:t>inputs) </a:t>
+            </a:r>
+            <a:r>
+              <a:rPr lang="en-US" noProof="0" dirty="0" smtClean="0"/>
+              <a:t>changes trigger </a:t>
+            </a:r>
+            <a:r>
+              <a:rPr lang="en-US" noProof="0" dirty="0" smtClean="0"/>
+              <a:t>re-rendering </a:t>
+            </a:r>
+            <a:br>
+              <a:rPr lang="en-US" noProof="0" dirty="0" smtClean="0"/>
+            </a:br>
+            <a:r>
+              <a:rPr lang="en-US" sz="1900" noProof="0" dirty="0" smtClean="0">
+                <a:solidFill>
+                  <a:schemeClr val="accent6"/>
+                </a:solidFill>
+              </a:rPr>
+              <a:t>comparing properties has </a:t>
+            </a:r>
+            <a:r>
+              <a:rPr lang="en-US" sz="1900" noProof="0" dirty="0" smtClean="0">
+                <a:solidFill>
+                  <a:srgbClr val="C00000"/>
+                </a:solidFill>
+              </a:rPr>
+              <a:t>negative</a:t>
+            </a:r>
+            <a:r>
+              <a:rPr lang="en-US" sz="1900" noProof="0" dirty="0" smtClean="0">
+                <a:solidFill>
+                  <a:schemeClr val="accent6"/>
+                </a:solidFill>
+              </a:rPr>
+              <a:t> impact on performance</a:t>
+            </a:r>
+            <a:endParaRPr lang="en-US" noProof="0" dirty="0" smtClean="0">
+              <a:solidFill>
+                <a:schemeClr val="accent6"/>
+              </a:solidFill>
+            </a:endParaRPr>
           </a:p>
           <a:p>
             <a:pPr marL="914400" lvl="1" indent="-457200">
@@ -4205,8 +4296,60 @@
             </a:pPr>
             <a:r>
               <a:rPr lang="en-US" noProof="0" dirty="0" smtClean="0"/>
-              <a:t>Creation of shadow DOM </a:t>
-            </a:r>
+              <a:t>Rendering creates a </a:t>
+            </a:r>
+            <a:r>
+              <a:rPr lang="en-US" noProof="0" dirty="0" smtClean="0"/>
+              <a:t>shadow </a:t>
+            </a:r>
+            <a:r>
+              <a:rPr lang="en-US" noProof="0" dirty="0" smtClean="0"/>
+              <a:t>DOM </a:t>
+            </a:r>
+            <a:r>
+              <a:rPr lang="en-US" sz="1900" noProof="0" dirty="0" smtClean="0">
+                <a:solidFill>
+                  <a:schemeClr val="accent6"/>
+                </a:solidFill>
+              </a:rPr>
+              <a:t>little impact on performance</a:t>
+            </a:r>
+            <a:endParaRPr lang="en-US" noProof="0" dirty="0" smtClean="0">
+              <a:solidFill>
+                <a:schemeClr val="accent6"/>
+              </a:solidFill>
+            </a:endParaRPr>
+          </a:p>
+          <a:p>
+            <a:pPr marL="914400" lvl="1" indent="-457200">
+              <a:buFont typeface="+mj-lt"/>
+              <a:buAutoNum type="arabicPeriod"/>
+            </a:pPr>
+            <a:r>
+              <a:rPr lang="en-US" dirty="0" smtClean="0"/>
+              <a:t>Compare new shadow DOM to previous one </a:t>
+            </a:r>
+            <a:r>
+              <a:rPr lang="en-US" sz="1800" dirty="0" smtClean="0">
+                <a:solidFill>
+                  <a:srgbClr val="C00000"/>
+                </a:solidFill>
+              </a:rPr>
+              <a:t>negative</a:t>
+            </a:r>
+            <a:r>
+              <a:rPr lang="en-US" sz="1800" dirty="0" smtClean="0">
+                <a:solidFill>
+                  <a:schemeClr val="accent6"/>
+                </a:solidFill>
+              </a:rPr>
+              <a:t> impact on performance</a:t>
+            </a:r>
+            <a:endParaRPr lang="en-US" noProof="0" dirty="0" smtClean="0">
+              <a:solidFill>
+                <a:schemeClr val="accent6"/>
+              </a:solidFill>
+            </a:endParaRPr>
           </a:p>
           <a:p>
             <a:pPr marL="914400" lvl="1" indent="-457200">
@@ -4223,39 +4366,62 @@
                   <a:schemeClr val="accent6"/>
                 </a:solidFill>
               </a:rPr>
-              <a:t>strong positive impact on performance</a:t>
+              <a:t>strong positive impact on </a:t>
+            </a:r>
+            <a:r>
+              <a:rPr lang="en-US" sz="1800" noProof="0" dirty="0" smtClean="0">
+                <a:solidFill>
+                  <a:schemeClr val="accent6"/>
+                </a:solidFill>
+              </a:rPr>
+              <a:t>performance</a:t>
+            </a:r>
+            <a:endParaRPr lang="en-US" noProof="0" dirty="0" smtClean="0"/>
+          </a:p>
+          <a:p>
+            <a:endParaRPr lang="en-US" noProof="0" dirty="0" smtClean="0"/>
+          </a:p>
+          <a:p>
+            <a:r>
+              <a:rPr lang="en-US" noProof="0" dirty="0" smtClean="0"/>
+              <a:t>Optimize </a:t>
+            </a:r>
+            <a:r>
+              <a:rPr lang="en-US" noProof="0" dirty="0" smtClean="0"/>
+              <a:t>via </a:t>
+            </a:r>
+            <a:r>
+              <a:rPr lang="en-US" i="1" noProof="0" dirty="0" err="1" smtClean="0"/>
+              <a:t>shouldComponentUpdate</a:t>
+            </a:r>
+            <a:endParaRPr lang="en-US" i="1" noProof="0" dirty="0" smtClean="0"/>
+          </a:p>
+          <a:p>
+            <a:pPr lvl="1"/>
+            <a:r>
+              <a:rPr lang="en-US" noProof="0" dirty="0" smtClean="0"/>
+              <a:t>Bring business logic and guess whether the component should call render at </a:t>
+            </a:r>
+            <a:r>
+              <a:rPr lang="en-US" noProof="0" dirty="0" smtClean="0"/>
+              <a:t>all </a:t>
+            </a:r>
+            <a:br>
+              <a:rPr lang="en-US" noProof="0" dirty="0" smtClean="0"/>
+            </a:br>
+            <a:r>
+              <a:rPr lang="en-US" sz="1900" noProof="0" dirty="0" smtClean="0">
+                <a:solidFill>
+                  <a:schemeClr val="accent6"/>
+                </a:solidFill>
+              </a:rPr>
+              <a:t>not rendering when data are not changing has positive impact on performance</a:t>
             </a:r>
             <a:endParaRPr lang="en-US" noProof="0" dirty="0" smtClean="0">
               <a:solidFill>
                 <a:schemeClr val="accent6"/>
               </a:solidFill>
             </a:endParaRPr>
-          </a:p>
-          <a:p>
-            <a:pPr lvl="2"/>
-            <a:r>
-              <a:rPr lang="en-US" noProof="0" dirty="0" smtClean="0"/>
-              <a:t>Creating and comparing shadow DOMs still not actually cheap</a:t>
-            </a:r>
-          </a:p>
-          <a:p>
-            <a:r>
-              <a:rPr lang="en-US" noProof="0" dirty="0" smtClean="0"/>
-              <a:t>Optimize via </a:t>
-            </a:r>
-            <a:r>
-              <a:rPr lang="en-US" i="1" noProof="0" dirty="0" err="1" smtClean="0"/>
-              <a:t>shouldComponentUpdate</a:t>
-            </a:r>
-            <a:endParaRPr lang="en-US" i="1" noProof="0" dirty="0" smtClean="0"/>
-          </a:p>
-          <a:p>
-            <a:pPr lvl="1"/>
-            <a:r>
-              <a:rPr lang="en-US" noProof="0" dirty="0" smtClean="0"/>
-              <a:t>Bring business logic and guess whether the component should call render at all to reduce impact of creating and comparing shadow DOMs</a:t>
-            </a:r>
-            <a:endParaRPr lang="en-US" noProof="0" dirty="0"/>
           </a:p>
         </p:txBody>
       </p:sp>
@@ -4395,7 +4561,7 @@
         <p:spPr/>
         <p:txBody>
           <a:bodyPr>
-            <a:normAutofit fontScale="92500"/>
+            <a:normAutofit fontScale="92500" lnSpcReduction="10000"/>
           </a:bodyPr>
           <a:lstStyle/>
           <a:p>
@@ -4432,7 +4598,23 @@
             <a:pPr lvl="1"/>
             <a:r>
               <a:rPr lang="en-US" noProof="0" dirty="0" smtClean="0"/>
-              <a:t>...most components will always return same content for given input and not hold internal state </a:t>
+              <a:t>...most components </a:t>
+            </a:r>
+            <a:r>
+              <a:rPr lang="en-US" noProof="0" dirty="0" smtClean="0"/>
+              <a:t>should always </a:t>
+            </a:r>
+            <a:r>
+              <a:rPr lang="en-US" noProof="0" dirty="0" smtClean="0"/>
+              <a:t>return same content for given input and not </a:t>
+            </a:r>
+            <a:r>
+              <a:rPr lang="en-US" noProof="0" dirty="0" smtClean="0"/>
+              <a:t>have internal </a:t>
+            </a:r>
+            <a:r>
+              <a:rPr lang="en-US" noProof="0" dirty="0" smtClean="0"/>
+              <a:t>state </a:t>
             </a:r>
             <a:r>
               <a:rPr lang="en-US" sz="1800" noProof="0" dirty="0" smtClean="0">
@@ -4444,42 +4626,10 @@
             </a:r>
           </a:p>
           <a:p>
-            <a:endParaRPr lang="en-US" noProof="0" dirty="0" smtClean="0"/>
-          </a:p>
-          <a:p>
-            <a:r>
-              <a:rPr lang="en-US" b="1" noProof="0" dirty="0" smtClean="0"/>
-              <a:t>No more </a:t>
-            </a:r>
-            <a:r>
-              <a:rPr lang="en-US" noProof="0" dirty="0" err="1" smtClean="0"/>
-              <a:t>jquery</a:t>
-            </a:r>
+            <a:pPr lvl="1"/>
             <a:r>
               <a:rPr lang="en-US" noProof="0" dirty="0" smtClean="0"/>
-              <a:t>, backbone or whatever </a:t>
-            </a:r>
-            <a:r>
-              <a:rPr lang="en-US" b="1" noProof="0" dirty="0" smtClean="0"/>
-              <a:t>rendering tweaks </a:t>
-            </a:r>
-            <a:r>
-              <a:rPr lang="en-US" noProof="0" dirty="0" smtClean="0"/>
-              <a:t>on user  interactions or from other sources</a:t>
-            </a:r>
-          </a:p>
-          <a:p>
-            <a:pPr lvl="1"/>
-            <a:r>
-              <a:rPr lang="en-US" noProof="0" dirty="0" smtClean="0"/>
-              <a:t>A single DOM source of truth is the output of render function</a:t>
-            </a:r>
-          </a:p>
-          <a:p>
-            <a:pPr lvl="1"/>
-            <a:r>
-              <a:rPr lang="en-US" noProof="0" dirty="0" smtClean="0"/>
-              <a:t>Application state is not held in component ! </a:t>
+              <a:t>State only comes from data </a:t>
             </a:r>
             <a:r>
               <a:rPr lang="en-US" sz="1900" noProof="0" dirty="0" smtClean="0">
@@ -4487,7 +4637,80 @@
                   <a:schemeClr val="accent6"/>
                 </a:solidFill>
               </a:rPr>
-              <a:t>Well, it could but to be considered with care</a:t>
+              <a:t>properties, state</a:t>
+            </a:r>
+            <a:endParaRPr lang="en-US" noProof="0" dirty="0" smtClean="0">
+              <a:solidFill>
+                <a:schemeClr val="accent6"/>
+              </a:solidFill>
+            </a:endParaRPr>
+          </a:p>
+          <a:p>
+            <a:pPr lvl="1"/>
+            <a:endParaRPr lang="en-US" noProof="0" dirty="0" smtClean="0"/>
+          </a:p>
+          <a:p>
+            <a:r>
+              <a:rPr lang="en-US" b="1" noProof="0" dirty="0" smtClean="0"/>
+              <a:t>No more </a:t>
+            </a:r>
+            <a:r>
+              <a:rPr lang="en-US" noProof="0" dirty="0" err="1" smtClean="0"/>
+              <a:t>jquery</a:t>
+            </a:r>
+            <a:r>
+              <a:rPr lang="en-US" noProof="0" dirty="0" smtClean="0"/>
+              <a:t>, backbone or whatever </a:t>
+            </a:r>
+            <a:r>
+              <a:rPr lang="en-US" b="1" noProof="0" dirty="0" smtClean="0"/>
+              <a:t>rendering tweaks </a:t>
+            </a:r>
+            <a:r>
+              <a:rPr lang="en-US" noProof="0" dirty="0" smtClean="0"/>
+              <a:t>on user  interactions or from other sources</a:t>
+            </a:r>
+          </a:p>
+          <a:p>
+            <a:pPr lvl="1"/>
+            <a:r>
+              <a:rPr lang="en-US" noProof="0" dirty="0" smtClean="0"/>
+              <a:t>A single DOM source of truth is the output of render function</a:t>
+            </a:r>
+          </a:p>
+          <a:p>
+            <a:pPr lvl="1"/>
+            <a:r>
+              <a:rPr lang="en-US" noProof="0" dirty="0" smtClean="0"/>
+              <a:t>Application state </a:t>
+            </a:r>
+            <a:r>
+              <a:rPr lang="en-US" noProof="0" dirty="0" smtClean="0"/>
+              <a:t>only belong in data </a:t>
+            </a:r>
+            <a:r>
+              <a:rPr lang="en-US" sz="1900" noProof="0" dirty="0" smtClean="0">
+                <a:solidFill>
+                  <a:schemeClr val="accent6"/>
+                </a:solidFill>
+              </a:rPr>
+              <a:t>properties, state, </a:t>
+            </a:r>
+            <a:r>
+              <a:rPr lang="en-US" sz="1900" noProof="0" dirty="0" err="1" smtClean="0">
+                <a:solidFill>
+                  <a:schemeClr val="accent6"/>
+                </a:solidFill>
+              </a:rPr>
+              <a:t>dom</a:t>
+            </a:r>
+            <a:r>
+              <a:rPr lang="en-US" sz="1900" noProof="0" dirty="0" smtClean="0">
+                <a:solidFill>
+                  <a:schemeClr val="accent6"/>
+                </a:solidFill>
+              </a:rPr>
+              <a:t> reflects this</a:t>
             </a:r>
             <a:endParaRPr lang="en-US" noProof="0" dirty="0" smtClean="0">
               <a:solidFill>
@@ -4656,7 +4879,11 @@
             <a:pPr lvl="1"/>
             <a:r>
               <a:rPr lang="en-US" dirty="0" smtClean="0"/>
-              <a:t>Most components are said to be </a:t>
+              <a:t>Many components </a:t>
+            </a:r>
+            <a:r>
+              <a:rPr lang="en-US" dirty="0" smtClean="0"/>
+              <a:t>are said to be </a:t>
             </a:r>
             <a:r>
               <a:rPr lang="en-US" i="1" dirty="0" smtClean="0"/>
@@ -4678,7 +4905,9 @@
             </a:r>
           </a:p>
           <a:p>
-            <a:pPr lvl="1"/>
+            <a:endParaRPr lang="en-US" dirty="0" smtClean="0"/>
+          </a:p>
+          <a:p>
             <a:r>
               <a:rPr lang="en-US" dirty="0" smtClean="0"/>
               <a:t>Some </a:t>
@@ -4693,18 +4922,23 @@
             </a:r>
           </a:p>
           <a:p>
-            <a:pPr lvl="2"/>
+            <a:pPr lvl="1"/>
             <a:r>
               <a:rPr lang="en-US" dirty="0" smtClean="0"/>
               <a:t>Operate other components and user actions functions</a:t>
             </a:r>
           </a:p>
           <a:p>
-            <a:pPr lvl="2"/>
+            <a:pPr lvl="1"/>
             <a:r>
               <a:rPr lang="en-US" dirty="0" smtClean="0"/>
-              <a:t>Some bind data-source to operated dumb components</a:t>
-            </a:r>
+              <a:t>Some bind </a:t>
+            </a:r>
+            <a:r>
+              <a:rPr lang="en-US" dirty="0" smtClean="0"/>
+              <a:t>to data-source to manage application state updates</a:t>
+            </a:r>
+            <a:endParaRPr lang="en-US" dirty="0" smtClean="0"/>
           </a:p>
         </p:txBody>
       </p:sp>
@@ -5004,65 +5238,147 @@
             </a:r>
             <a:r>
               <a:rPr lang="fr-FR" dirty="0" smtClean="0"/>
-              <a:t> </a:t>
-            </a:r>
-            <a:r>
-              <a:rPr lang="fr-FR" dirty="0" err="1" smtClean="0"/>
-              <a:t>takes</a:t>
+              <a:t> consumes </a:t>
             </a:r>
             <a:r>
               <a:rPr lang="fr-FR" dirty="0" smtClean="0"/>
-              <a:t> data and </a:t>
-            </a:r>
-            <a:r>
-              <a:rPr lang="fr-FR" dirty="0" err="1" smtClean="0"/>
-              <a:t>produce</a:t>
-            </a:r>
-            <a:r>
-              <a:rPr lang="fr-FR" dirty="0" smtClean="0"/>
-              <a:t> DOM</a:t>
-            </a:r>
-          </a:p>
-          <a:p>
-            <a:pPr lvl="1"/>
-            <a:r>
-              <a:rPr lang="fr-FR" dirty="0" err="1" smtClean="0"/>
-              <a:t>Need</a:t>
-            </a:r>
-            <a:r>
-              <a:rPr lang="fr-FR" dirty="0" smtClean="0"/>
-              <a:t> for a data-source-management </a:t>
-            </a:r>
-            <a:r>
-              <a:rPr lang="fr-FR" dirty="0" err="1" smtClean="0"/>
-              <a:t>workflow</a:t>
-            </a:r>
-            <a:endParaRPr lang="fr-FR" dirty="0" smtClean="0"/>
-          </a:p>
-          <a:p>
-            <a:r>
-              <a:rPr lang="fr-FR" dirty="0" smtClean="0"/>
-              <a:t>Single source of </a:t>
-            </a:r>
-            <a:r>
-              <a:rPr lang="fr-FR" dirty="0" err="1" smtClean="0"/>
-              <a:t>truth</a:t>
-            </a:r>
-            <a:endParaRPr lang="fr-FR" dirty="0" smtClean="0"/>
-          </a:p>
-          <a:p>
-            <a:r>
-              <a:rPr lang="fr-FR" dirty="0" smtClean="0"/>
-              <a:t>Flux, the original</a:t>
+              <a:t>data and </a:t>
             </a:r>
             <a:br>
               <a:rPr lang="fr-FR" dirty="0" smtClean="0"/>
             </a:br>
             <a:r>
               <a:rPr lang="fr-FR" dirty="0" err="1" smtClean="0"/>
+              <a:t>produce</a:t>
+            </a:r>
+            <a:r>
+              <a:rPr lang="fr-FR" dirty="0" smtClean="0"/>
+              <a:t> DOM</a:t>
+            </a:r>
+            <a:br>
+              <a:rPr lang="fr-FR" dirty="0" smtClean="0"/>
+            </a:br>
+            <a:r>
+              <a:rPr lang="fr-FR" dirty="0" err="1" smtClean="0"/>
+              <a:t>React</a:t>
+            </a:r>
+            <a:r>
+              <a:rPr lang="fr-FR" dirty="0" smtClean="0"/>
+              <a:t> updates DOM </a:t>
+            </a:r>
+            <a:r>
+              <a:rPr lang="fr-FR" dirty="0" err="1" smtClean="0"/>
+              <a:t>when</a:t>
+            </a:r>
+            <a:r>
+              <a:rPr lang="fr-FR" dirty="0" smtClean="0"/>
+              <a:t/>
+            </a:r>
+            <a:br>
+              <a:rPr lang="fr-FR" dirty="0" smtClean="0"/>
+            </a:br>
+            <a:r>
+              <a:rPr lang="fr-FR" dirty="0" smtClean="0"/>
+              <a:t>data changes</a:t>
+            </a:r>
+            <a:endParaRPr lang="fr-FR" dirty="0" smtClean="0"/>
+          </a:p>
+          <a:p>
+            <a:pPr lvl="1"/>
+            <a:r>
+              <a:rPr lang="fr-FR" dirty="0" err="1" smtClean="0"/>
+              <a:t>Need</a:t>
+            </a:r>
+            <a:r>
+              <a:rPr lang="fr-FR" dirty="0" smtClean="0"/>
+              <a:t> for a data-source</a:t>
+            </a:r>
+            <a:br>
+              <a:rPr lang="fr-FR" dirty="0" smtClean="0"/>
+            </a:br>
+            <a:r>
+              <a:rPr lang="fr-FR" dirty="0" smtClean="0"/>
+              <a:t>management workflow</a:t>
+            </a:r>
+          </a:p>
+          <a:p>
+            <a:r>
+              <a:rPr lang="fr-FR" dirty="0" smtClean="0"/>
+              <a:t>Single source of </a:t>
+            </a:r>
+            <a:r>
+              <a:rPr lang="fr-FR" dirty="0" err="1" smtClean="0"/>
+              <a:t>truth</a:t>
+            </a:r>
+            <a:endParaRPr lang="fr-FR" dirty="0" smtClean="0"/>
+          </a:p>
+          <a:p>
+            <a:pPr lvl="1"/>
+            <a:r>
+              <a:rPr lang="en-US" dirty="0" smtClean="0"/>
+              <a:t>Whole application state in the </a:t>
+            </a:r>
+            <a:br>
+              <a:rPr lang="en-US" dirty="0" smtClean="0"/>
+            </a:br>
+            <a:r>
+              <a:rPr lang="en-US" dirty="0" smtClean="0"/>
+              <a:t>centralized data </a:t>
+            </a:r>
+            <a:r>
+              <a:rPr lang="en-US" dirty="0" smtClean="0"/>
+              <a:t>store</a:t>
+            </a:r>
+            <a:r>
+              <a:rPr lang="en-US" dirty="0" smtClean="0"/>
+              <a:t/>
+            </a:r>
+            <a:br>
+              <a:rPr lang="en-US" dirty="0" smtClean="0"/>
+            </a:br>
+            <a:r>
+              <a:rPr lang="en-US" sz="1800" dirty="0" smtClean="0">
+                <a:solidFill>
+                  <a:schemeClr val="accent6"/>
+                </a:solidFill>
+              </a:rPr>
+              <a:t>not hidden in </a:t>
+            </a:r>
+            <a:r>
+              <a:rPr lang="en-US" sz="1800" dirty="0" smtClean="0">
+                <a:solidFill>
+                  <a:schemeClr val="accent6"/>
+                </a:solidFill>
+              </a:rPr>
+              <a:t>DOM </a:t>
+            </a:r>
+            <a:r>
+              <a:rPr lang="en-US" sz="1800" dirty="0" smtClean="0">
+                <a:solidFill>
+                  <a:schemeClr val="accent6"/>
+                </a:solidFill>
+              </a:rPr>
+              <a:t>or other weird places</a:t>
+            </a:r>
+            <a:endParaRPr lang="fr-FR" sz="1800" dirty="0" smtClean="0">
+              <a:solidFill>
+                <a:schemeClr val="accent6"/>
+              </a:solidFill>
+            </a:endParaRPr>
+          </a:p>
+          <a:p>
+            <a:r>
+              <a:rPr lang="fr-FR" dirty="0" smtClean="0"/>
+              <a:t>Flux, the original </a:t>
+            </a:r>
+            <a:r>
+              <a:rPr lang="fr-FR" dirty="0" err="1" smtClean="0"/>
               <a:t>worflow</a:t>
             </a:r>
-            <a:endParaRPr lang="fr-FR" dirty="0" smtClean="0"/>
+            <a:r>
+              <a:rPr lang="fr-FR" dirty="0" smtClean="0"/>
+              <a:t> :</a:t>
+            </a:r>
           </a:p>
         </p:txBody>
       </p:sp>
@@ -5138,19 +5454,18 @@
       </p:sp>
       <p:cxnSp>
         <p:nvCxnSpPr>
-          <p:cNvPr id="50" name="Forme 49"/>
+          <p:cNvPr id="64" name="Connecteur droit avec flèche 63"/>
           <p:cNvCxnSpPr>
-            <a:stCxn id="11" idx="2"/>
-            <a:endCxn id="10" idx="3"/>
+            <a:endCxn id="30" idx="1"/>
           </p:cNvCxnSpPr>
           <p:nvPr/>
         </p:nvCxnSpPr>
         <p:spPr>
-          <a:xfrm rot="5400000">
-            <a:off x="9429751" y="4476750"/>
-            <a:ext cx="792956" cy="1550194"/>
-          </a:xfrm>
-          <a:prstGeom prst="curvedConnector2">
+          <a:xfrm>
+            <a:off x="6096000" y="2466357"/>
+            <a:ext cx="1251743" cy="2383"/>
+          </a:xfrm>
+          <a:prstGeom prst="straightConnector1">
             <a:avLst/>
           </a:prstGeom>
           <a:ln w="38100">
@@ -5174,20 +5489,22 @@
       </p:cxnSp>
       <p:cxnSp>
         <p:nvCxnSpPr>
-          <p:cNvPr id="51" name="Forme 50"/>
+          <p:cNvPr id="26" name="Forme 58"/>
           <p:cNvCxnSpPr>
-            <a:stCxn id="10" idx="1"/>
-            <a:endCxn id="12" idx="2"/>
+            <a:stCxn id="27" idx="2"/>
+            <a:endCxn id="29" idx="0"/>
           </p:cNvCxnSpPr>
           <p:nvPr/>
         </p:nvCxnSpPr>
         <p:spPr>
-          <a:xfrm rot="10800000">
-            <a:off x="5948363" y="4864895"/>
-            <a:ext cx="1550194" cy="783431"/>
-          </a:xfrm>
-          <a:prstGeom prst="curvedConnector2">
-            <a:avLst/>
+          <a:xfrm rot="16200000" flipH="1">
+            <a:off x="9740282" y="3818727"/>
+            <a:ext cx="1874481" cy="3179"/>
+          </a:xfrm>
+          <a:prstGeom prst="curvedConnector3">
+            <a:avLst>
+              <a:gd name="adj1" fmla="val 50000"/>
+            </a:avLst>
           </a:prstGeom>
           <a:ln w="38100">
             <a:tailEnd type="arrow"/>
@@ -5208,123 +5525,16 @@
           </a:fontRef>
         </p:style>
       </p:cxnSp>
-      <p:cxnSp>
-        <p:nvCxnSpPr>
-          <p:cNvPr id="54" name="Forme 53"/>
-          <p:cNvCxnSpPr>
-            <a:stCxn id="12" idx="0"/>
-            <a:endCxn id="9" idx="1"/>
-          </p:cNvCxnSpPr>
-          <p:nvPr/>
-        </p:nvCxnSpPr>
-        <p:spPr>
-          <a:xfrm rot="5400000" flipH="1" flipV="1">
-            <a:off x="6372226" y="2909888"/>
-            <a:ext cx="702468" cy="1550194"/>
-          </a:xfrm>
-          <a:prstGeom prst="curvedConnector2">
-            <a:avLst/>
-          </a:prstGeom>
-          <a:ln w="38100">
-            <a:tailEnd type="arrow"/>
-          </a:ln>
-        </p:spPr>
-        <p:style>
-          <a:lnRef idx="1">
-            <a:schemeClr val="accent3"/>
-          </a:lnRef>
-          <a:fillRef idx="0">
-            <a:schemeClr val="accent3"/>
-          </a:fillRef>
-          <a:effectRef idx="0">
-            <a:schemeClr val="accent3"/>
-          </a:effectRef>
-          <a:fontRef idx="minor">
-            <a:schemeClr val="tx1"/>
-          </a:fontRef>
-        </p:style>
-      </p:cxnSp>
-      <p:cxnSp>
-        <p:nvCxnSpPr>
-          <p:cNvPr id="59" name="Forme 58"/>
-          <p:cNvCxnSpPr>
-            <a:stCxn id="9" idx="3"/>
-            <a:endCxn id="11" idx="0"/>
-          </p:cNvCxnSpPr>
-          <p:nvPr/>
-        </p:nvCxnSpPr>
+      <p:sp>
+        <p:nvSpPr>
+          <p:cNvPr id="27" name="Rectangle à coins arrondis 8"/>
+          <p:cNvSpPr/>
+          <p:nvPr/>
+        </p:nvSpPr>
         <p:spPr>
           <a:xfrm>
-            <a:off x="9051132" y="3333751"/>
-            <a:ext cx="1550194" cy="711993"/>
-          </a:xfrm>
-          <a:prstGeom prst="curvedConnector2">
-            <a:avLst/>
-          </a:prstGeom>
-          <a:ln w="38100">
-            <a:tailEnd type="arrow"/>
-          </a:ln>
-        </p:spPr>
-        <p:style>
-          <a:lnRef idx="1">
-            <a:schemeClr val="accent3"/>
-          </a:lnRef>
-          <a:fillRef idx="0">
-            <a:schemeClr val="accent3"/>
-          </a:fillRef>
-          <a:effectRef idx="0">
-            <a:schemeClr val="accent3"/>
-          </a:effectRef>
-          <a:fontRef idx="minor">
-            <a:schemeClr val="tx1"/>
-          </a:fontRef>
-        </p:style>
-      </p:cxnSp>
-      <p:cxnSp>
-        <p:nvCxnSpPr>
-          <p:cNvPr id="64" name="Connecteur droit avec flèche 63"/>
-          <p:cNvCxnSpPr>
-            <a:endCxn id="12" idx="1"/>
-          </p:cNvCxnSpPr>
-          <p:nvPr/>
-        </p:nvCxnSpPr>
-        <p:spPr>
-          <a:xfrm>
-            <a:off x="3933825" y="4448175"/>
-            <a:ext cx="1238250" cy="2382"/>
-          </a:xfrm>
-          <a:prstGeom prst="straightConnector1">
-            <a:avLst/>
-          </a:prstGeom>
-          <a:ln w="38100">
-            <a:tailEnd type="arrow"/>
-          </a:ln>
-        </p:spPr>
-        <p:style>
-          <a:lnRef idx="1">
-            <a:schemeClr val="accent3"/>
-          </a:lnRef>
-          <a:fillRef idx="0">
-            <a:schemeClr val="accent3"/>
-          </a:fillRef>
-          <a:effectRef idx="0">
-            <a:schemeClr val="accent3"/>
-          </a:effectRef>
-          <a:fontRef idx="minor">
-            <a:schemeClr val="tx1"/>
-          </a:fontRef>
-        </p:style>
-      </p:cxnSp>
-      <p:sp>
-        <p:nvSpPr>
-          <p:cNvPr id="9" name="Rectangle à coins arrondis 8"/>
-          <p:cNvSpPr/>
-          <p:nvPr/>
-        </p:nvSpPr>
-        <p:spPr>
-          <a:xfrm>
-            <a:off x="7498557" y="2943226"/>
-            <a:ext cx="1552575" cy="781050"/>
+            <a:off x="9899645" y="2054402"/>
+            <a:ext cx="1552575" cy="828675"/>
           </a:xfrm>
           <a:prstGeom prst="roundRect">
             <a:avLst/>
@@ -5378,13 +5588,13 @@
       </p:sp>
       <p:sp>
         <p:nvSpPr>
-          <p:cNvPr id="10" name="Rectangle à coins arrondis 9"/>
+          <p:cNvPr id="28" name="Rectangle à coins arrondis 9"/>
           <p:cNvSpPr/>
           <p:nvPr/>
         </p:nvSpPr>
         <p:spPr>
           <a:xfrm>
-            <a:off x="7498557" y="5257800"/>
+            <a:off x="7347743" y="4757559"/>
             <a:ext cx="1552575" cy="781050"/>
           </a:xfrm>
           <a:prstGeom prst="roundRect">
@@ -5429,15 +5639,7 @@
             <a:pPr algn="ctr"/>
             <a:r>
               <a:rPr lang="fr-FR" b="1" dirty="0" err="1" smtClean="0"/>
-              <a:t>React</a:t>
-            </a:r>
-            <a:r>
-              <a:rPr lang="fr-FR" b="1" dirty="0" smtClean="0"/>
-              <a:t> </a:t>
-            </a:r>
-            <a:r>
-              <a:rPr lang="fr-FR" b="1" dirty="0" err="1" smtClean="0"/>
-              <a:t>views</a:t>
+              <a:t>View</a:t>
             </a:r>
             <a:endParaRPr lang="fr-FR" b="1" dirty="0"/>
           </a:p>
@@ -5445,17 +5647,19 @@
       </p:sp>
       <p:sp>
         <p:nvSpPr>
-          <p:cNvPr id="11" name="Rectangle à coins arrondis 10"/>
+          <p:cNvPr id="29" name="Rectangle à coins arrondis 10"/>
           <p:cNvSpPr/>
           <p:nvPr/>
         </p:nvSpPr>
         <p:spPr>
           <a:xfrm>
-            <a:off x="9825038" y="4045744"/>
-            <a:ext cx="1552575" cy="809625"/>
+            <a:off x="9745981" y="4757558"/>
+            <a:ext cx="1866262" cy="776009"/>
           </a:xfrm>
           <a:prstGeom prst="roundRect">
-            <a:avLst/>
+            <a:avLst>
+              <a:gd name="adj" fmla="val 15450"/>
+            </a:avLst>
           </a:prstGeom>
           <a:solidFill>
             <a:schemeClr val="accent4">
@@ -5505,7 +5709,7 @@
               </a:rPr>
               <a:t>Store</a:t>
             </a:r>
-            <a:endParaRPr lang="fr-FR" b="1" dirty="0">
+            <a:endParaRPr lang="en-US" b="1" dirty="0">
               <a:solidFill>
                 <a:schemeClr val="tx1"/>
               </a:solidFill>
@@ -5515,13 +5719,13 @@
       </p:sp>
       <p:sp>
         <p:nvSpPr>
-          <p:cNvPr id="12" name="Rectangle à coins arrondis 11"/>
+          <p:cNvPr id="30" name="Rectangle à coins arrondis 11"/>
           <p:cNvSpPr/>
           <p:nvPr/>
         </p:nvSpPr>
         <p:spPr>
           <a:xfrm>
-            <a:off x="5172075" y="4036219"/>
+            <a:off x="7347743" y="2054402"/>
             <a:ext cx="1552575" cy="828675"/>
           </a:xfrm>
           <a:prstGeom prst="roundRect">
@@ -5572,6 +5776,118 @@
           </a:p>
         </p:txBody>
       </p:sp>
+      <p:cxnSp>
+        <p:nvCxnSpPr>
+          <p:cNvPr id="31" name="Straight Arrow Connector 30"/>
+          <p:cNvCxnSpPr>
+            <a:stCxn id="28" idx="0"/>
+            <a:endCxn id="30" idx="2"/>
+          </p:cNvCxnSpPr>
+          <p:nvPr/>
+        </p:nvCxnSpPr>
+        <p:spPr>
+          <a:xfrm flipV="1">
+            <a:off x="8124031" y="2883077"/>
+            <a:ext cx="0" cy="1874482"/>
+          </a:xfrm>
+          <a:prstGeom prst="straightConnector1">
+            <a:avLst/>
+          </a:prstGeom>
+          <a:ln w="38100">
+            <a:tailEnd type="arrow"/>
+          </a:ln>
+        </p:spPr>
+        <p:style>
+          <a:lnRef idx="1">
+            <a:schemeClr val="accent3"/>
+          </a:lnRef>
+          <a:fillRef idx="0">
+            <a:schemeClr val="accent3"/>
+          </a:fillRef>
+          <a:effectRef idx="0">
+            <a:schemeClr val="accent3"/>
+          </a:effectRef>
+          <a:fontRef idx="minor">
+            <a:schemeClr val="tx1"/>
+          </a:fontRef>
+        </p:style>
+      </p:cxnSp>
+      <p:cxnSp>
+        <p:nvCxnSpPr>
+          <p:cNvPr id="32" name="Elbow Connector 31"/>
+          <p:cNvCxnSpPr>
+            <a:stCxn id="29" idx="2"/>
+            <a:endCxn id="28" idx="2"/>
+          </p:cNvCxnSpPr>
+          <p:nvPr/>
+        </p:nvCxnSpPr>
+        <p:spPr>
+          <a:xfrm rot="5400000">
+            <a:off x="9399051" y="4258548"/>
+            <a:ext cx="5042" cy="2555081"/>
+          </a:xfrm>
+          <a:prstGeom prst="bentConnector3">
+            <a:avLst>
+              <a:gd name="adj1" fmla="val 6145220"/>
+            </a:avLst>
+          </a:prstGeom>
+          <a:ln w="38100">
+            <a:tailEnd type="arrow"/>
+          </a:ln>
+        </p:spPr>
+        <p:style>
+          <a:lnRef idx="1">
+            <a:schemeClr val="accent3"/>
+          </a:lnRef>
+          <a:fillRef idx="0">
+            <a:schemeClr val="accent3"/>
+          </a:fillRef>
+          <a:effectRef idx="0">
+            <a:schemeClr val="accent3"/>
+          </a:effectRef>
+          <a:fontRef idx="minor">
+            <a:schemeClr val="tx1"/>
+          </a:fontRef>
+        </p:style>
+      </p:cxnSp>
+      <p:cxnSp>
+        <p:nvCxnSpPr>
+          <p:cNvPr id="33" name="Elbow Connector 32"/>
+          <p:cNvCxnSpPr>
+            <a:stCxn id="30" idx="0"/>
+            <a:endCxn id="27" idx="0"/>
+          </p:cNvCxnSpPr>
+          <p:nvPr/>
+        </p:nvCxnSpPr>
+        <p:spPr>
+          <a:xfrm rot="5400000" flipH="1" flipV="1">
+            <a:off x="9399982" y="778451"/>
+            <a:ext cx="12700" cy="2551902"/>
+          </a:xfrm>
+          <a:prstGeom prst="bentConnector3">
+            <a:avLst>
+              <a:gd name="adj1" fmla="val 1800000"/>
+            </a:avLst>
+          </a:prstGeom>
+          <a:ln w="38100">
+            <a:tailEnd type="arrow"/>
+          </a:ln>
+        </p:spPr>
+        <p:style>
+          <a:lnRef idx="1">
+            <a:schemeClr val="accent3"/>
+          </a:lnRef>
+          <a:fillRef idx="0">
+            <a:schemeClr val="accent3"/>
+          </a:fillRef>
+          <a:effectRef idx="0">
+            <a:schemeClr val="accent3"/>
+          </a:effectRef>
+          <a:fontRef idx="minor">
+            <a:schemeClr val="tx1"/>
+          </a:fontRef>
+        </p:style>
+      </p:cxnSp>
     </p:spTree>
     <p:extLst>
       <p:ext uri="{BB962C8B-B14F-4D97-AF65-F5344CB8AC3E}">
@@ -6917,16 +7233,14 @@
         </p:nvSpPr>
         <p:spPr/>
         <p:txBody>
-          <a:bodyPr/>
-          <a:lstStyle/>
-          <a:p>
-            <a:r>
-              <a:rPr lang="fr-FR" dirty="0" err="1" smtClean="0"/>
-              <a:t>Redux</a:t>
-            </a:r>
+          <a:bodyPr>
+            <a:normAutofit lnSpcReduction="10000"/>
+          </a:bodyPr>
+          <a:lstStyle/>
+          <a:p>
             <a:r>
               <a:rPr lang="fr-FR" dirty="0" smtClean="0"/>
-              <a:t> proposes an alternative </a:t>
+              <a:t>Alternative </a:t>
             </a:r>
             <a:r>
               <a:rPr lang="fr-FR" dirty="0" err="1" smtClean="0"/>
@@ -6936,14 +7250,6 @@
               <a:rPr lang="fr-FR" dirty="0" smtClean="0"/>
               <a:t> </a:t>
             </a:r>
-            <a:r>
-              <a:rPr lang="fr-FR" dirty="0" err="1" smtClean="0"/>
-              <a:t>emphasing</a:t>
-            </a:r>
-            <a:r>
-              <a:rPr lang="fr-FR" dirty="0" smtClean="0"/>
-              <a:t> on the data store</a:t>
-            </a:r>
           </a:p>
           <a:p>
             <a:pPr lvl="1"/>
@@ -6971,59 +7277,72 @@
               <a:rPr lang="fr-FR" dirty="0" err="1" smtClean="0"/>
               <a:t>through</a:t>
             </a:r>
+            <a:endParaRPr lang="fr-FR" dirty="0" smtClean="0"/>
+          </a:p>
+          <a:p>
+            <a:pPr lvl="2"/>
+            <a:r>
+              <a:rPr lang="en-US" dirty="0"/>
+              <a:t>State</a:t>
+            </a:r>
+            <a:endParaRPr lang="fr-FR" dirty="0"/>
+          </a:p>
+          <a:p>
+            <a:pPr lvl="2"/>
+            <a:r>
+              <a:rPr lang="en-US" dirty="0" smtClean="0"/>
+              <a:t>Reducers</a:t>
+            </a:r>
+            <a:r>
+              <a:rPr lang="en-US" dirty="0"/>
+              <a:t> </a:t>
+            </a:r>
+            <a:r>
+              <a:rPr lang="en-US" sz="1600" dirty="0" smtClean="0">
+                <a:solidFill>
+                  <a:schemeClr val="accent6"/>
+                </a:solidFill>
+              </a:rPr>
+              <a:t>state </a:t>
+            </a:r>
+            <a:r>
+              <a:rPr lang="en-US" sz="1600" dirty="0" err="1" smtClean="0">
+                <a:solidFill>
+                  <a:schemeClr val="accent6"/>
+                </a:solidFill>
+              </a:rPr>
+              <a:t>mutator</a:t>
+            </a:r>
+            <a:r>
+              <a:rPr lang="en-US" sz="1600" dirty="0" smtClean="0">
+                <a:solidFill>
+                  <a:schemeClr val="accent6"/>
+                </a:solidFill>
+              </a:rPr>
+              <a:t> functions</a:t>
+            </a:r>
+            <a:endParaRPr lang="en-US" dirty="0" smtClean="0">
+              <a:solidFill>
+                <a:schemeClr val="accent6"/>
+              </a:solidFill>
+            </a:endParaRPr>
+          </a:p>
+          <a:p>
+            <a:pPr lvl="3"/>
+            <a:r>
+              <a:rPr lang="en-US" dirty="0" smtClean="0"/>
+              <a:t>Consumes current state</a:t>
+            </a:r>
+            <a:endParaRPr lang="fr-FR" dirty="0" smtClean="0"/>
+          </a:p>
+          <a:p>
+            <a:pPr lvl="3"/>
             <a:r>
               <a:rPr lang="fr-FR" dirty="0" smtClean="0"/>
-              <a:t> a state</a:t>
-            </a:r>
-          </a:p>
-          <a:p>
-            <a:pPr lvl="1"/>
-            <a:r>
-              <a:rPr lang="fr-FR" dirty="0" smtClean="0"/>
-              <a:t>Store updates </a:t>
-            </a:r>
-            <a:r>
-              <a:rPr lang="fr-FR" dirty="0" err="1" smtClean="0"/>
-              <a:t>goes</a:t>
-            </a:r>
-            <a:r>
-              <a:rPr lang="fr-FR" dirty="0" smtClean="0"/>
-              <a:t> </a:t>
-            </a:r>
-            <a:r>
-              <a:rPr lang="fr-FR" dirty="0" err="1" smtClean="0"/>
-              <a:t>through</a:t>
-            </a:r>
-            <a:r>
-              <a:rPr lang="fr-FR" dirty="0" smtClean="0"/>
-              <a:t> </a:t>
-            </a:r>
-            <a:r>
-              <a:rPr lang="fr-FR" dirty="0" err="1" smtClean="0"/>
-              <a:t>reducer</a:t>
-            </a:r>
-            <a:r>
-              <a:rPr lang="fr-FR" dirty="0" smtClean="0"/>
-              <a:t> </a:t>
-            </a:r>
-            <a:r>
-              <a:rPr lang="fr-FR" dirty="0" err="1" smtClean="0"/>
-              <a:t>functions</a:t>
-            </a:r>
-            <a:endParaRPr lang="fr-FR" dirty="0" smtClean="0"/>
-          </a:p>
-          <a:p>
-            <a:pPr lvl="2"/>
-            <a:r>
-              <a:rPr lang="fr-FR" dirty="0" err="1" smtClean="0"/>
-              <a:t>Reducers</a:t>
-            </a:r>
-            <a:r>
-              <a:rPr lang="fr-FR" dirty="0" smtClean="0"/>
-              <a:t> consume actions </a:t>
-            </a:r>
-            <a:r>
-              <a:rPr lang="fr-FR" sz="1600" dirty="0" err="1" smtClean="0">
+              <a:t>Consumes actions </a:t>
+            </a:r>
+            <a:r>
+              <a:rPr lang="fr-FR" sz="1400" dirty="0" err="1" smtClean="0">
                 <a:solidFill>
                   <a:schemeClr val="accent6"/>
                 </a:solidFill>
@@ -7031,7 +7350,7 @@
               <a:t>operations</a:t>
             </a:r>
             <a:r>
-              <a:rPr lang="fr-FR" sz="1600" dirty="0" smtClean="0">
+              <a:rPr lang="fr-FR" sz="1400" dirty="0" smtClean="0">
                 <a:solidFill>
                   <a:schemeClr val="accent6"/>
                 </a:solidFill>
@@ -7039,7 +7358,7 @@
               <a:t> </a:t>
             </a:r>
             <a:r>
-              <a:rPr lang="fr-FR" sz="1600" dirty="0" err="1" smtClean="0">
+              <a:rPr lang="fr-FR" sz="1400" dirty="0" err="1" smtClean="0">
                 <a:solidFill>
                   <a:schemeClr val="accent6"/>
                 </a:solidFill>
@@ -7047,7 +7366,7 @@
               <a:t>that</a:t>
             </a:r>
             <a:r>
-              <a:rPr lang="fr-FR" sz="1600" dirty="0" smtClean="0">
+              <a:rPr lang="fr-FR" sz="1400" dirty="0" smtClean="0">
                 <a:solidFill>
                   <a:schemeClr val="accent6"/>
                 </a:solidFill>
@@ -7055,7 +7374,7 @@
               <a:t> </a:t>
             </a:r>
             <a:r>
-              <a:rPr lang="fr-FR" sz="1600" dirty="0" err="1" smtClean="0">
+              <a:rPr lang="fr-FR" sz="1400" dirty="0" err="1" smtClean="0">
                 <a:solidFill>
                   <a:schemeClr val="accent6"/>
                 </a:solidFill>
@@ -7063,7 +7382,7 @@
               <a:t>could</a:t>
             </a:r>
             <a:r>
-              <a:rPr lang="fr-FR" sz="1600" dirty="0" smtClean="0">
+              <a:rPr lang="fr-FR" sz="1400" dirty="0" smtClean="0">
                 <a:solidFill>
                   <a:schemeClr val="accent6"/>
                 </a:solidFill>
@@ -7072,22 +7391,111 @@
             </a:r>
           </a:p>
           <a:p>
+            <a:pPr lvl="3"/>
+            <a:r>
+              <a:rPr lang="fr-FR" dirty="0" err="1" smtClean="0"/>
+              <a:t>Produces</a:t>
+            </a:r>
+            <a:r>
+              <a:rPr lang="fr-FR" dirty="0" smtClean="0"/>
+              <a:t> new state </a:t>
+            </a:r>
+            <a:r>
+              <a:rPr lang="fr-FR" sz="1400" dirty="0" smtClean="0">
+                <a:solidFill>
+                  <a:schemeClr val="accent6"/>
+                </a:solidFill>
+              </a:rPr>
+              <a:t>…or return the </a:t>
+            </a:r>
+            <a:r>
+              <a:rPr lang="fr-FR" sz="1400" dirty="0" err="1" smtClean="0">
+                <a:solidFill>
+                  <a:schemeClr val="accent6"/>
+                </a:solidFill>
+              </a:rPr>
+              <a:t>previous</a:t>
+            </a:r>
+            <a:r>
+              <a:rPr lang="fr-FR" sz="1400" dirty="0" smtClean="0">
+                <a:solidFill>
+                  <a:schemeClr val="accent6"/>
+                </a:solidFill>
+              </a:rPr>
+              <a:t> state if not </a:t>
+            </a:r>
+            <a:r>
+              <a:rPr lang="fr-FR" sz="1400" dirty="0" err="1" smtClean="0">
+                <a:solidFill>
+                  <a:schemeClr val="accent6"/>
+                </a:solidFill>
+              </a:rPr>
+              <a:t>changed</a:t>
+            </a:r>
+            <a:endParaRPr lang="fr-FR" sz="1400" dirty="0" smtClean="0">
+              <a:solidFill>
+                <a:schemeClr val="accent6"/>
+              </a:solidFill>
+            </a:endParaRPr>
+          </a:p>
+          <a:p>
+            <a:pPr marL="0" indent="0" algn="ctr">
+              <a:buNone/>
+            </a:pPr>
+            <a:r>
+              <a:rPr lang="en-US" b="1" i="1" dirty="0">
+                <a:solidFill>
+                  <a:schemeClr val="accent1"/>
+                </a:solidFill>
+              </a:rPr>
+              <a:t>(state, action) → state</a:t>
+            </a:r>
+            <a:r>
+              <a:rPr lang="en-US" b="1" i="1" dirty="0" smtClean="0">
+                <a:solidFill>
+                  <a:schemeClr val="accent1"/>
+                </a:solidFill>
+              </a:rPr>
+              <a:t>’</a:t>
+            </a:r>
+            <a:endParaRPr lang="fr-FR" dirty="0" smtClean="0"/>
+          </a:p>
+          <a:p>
+            <a:pPr lvl="1"/>
+            <a:r>
+              <a:rPr lang="en-US" dirty="0" smtClean="0"/>
+              <a:t>Reducers can be combined</a:t>
+            </a:r>
+          </a:p>
+          <a:p>
             <a:pPr lvl="2"/>
+            <a:r>
+              <a:rPr lang="en-US" dirty="0" smtClean="0"/>
+              <a:t>Manage complexity at </a:t>
+            </a:r>
+            <a:r>
+              <a:rPr lang="en-US" smtClean="0"/>
+              <a:t>lower scale</a:t>
+            </a:r>
+            <a:endParaRPr lang="fr-FR" dirty="0" smtClean="0"/>
+          </a:p>
+          <a:p>
+            <a:pPr lvl="1"/>
             <a:r>
               <a:rPr lang="fr-FR" dirty="0" err="1" smtClean="0"/>
               <a:t>Reducers</a:t>
             </a:r>
             <a:r>
               <a:rPr lang="fr-FR" dirty="0" smtClean="0"/>
-              <a:t> </a:t>
+              <a:t> have to </a:t>
             </a:r>
             <a:r>
               <a:rPr lang="fr-FR" dirty="0" err="1" smtClean="0"/>
-              <a:t>define</a:t>
+              <a:t>be</a:t>
             </a:r>
             <a:r>
               <a:rPr lang="fr-FR" dirty="0" smtClean="0"/>
-              <a:t> state mutations as pure </a:t>
+              <a:t> pure </a:t>
             </a:r>
             <a:r>
               <a:rPr lang="fr-FR" dirty="0" err="1" smtClean="0"/>
@@ -7096,34 +7504,28 @@
             <a:endParaRPr lang="fr-FR" dirty="0" smtClean="0"/>
           </a:p>
           <a:p>
+            <a:pPr lvl="2"/>
+            <a:r>
+              <a:rPr lang="en-US" dirty="0" smtClean="0"/>
+              <a:t>If states are different, their reference pointer are different</a:t>
+            </a:r>
             <a:endParaRPr lang="fr-FR" dirty="0" smtClean="0"/>
           </a:p>
           <a:p>
-            <a:r>
-              <a:rPr lang="fr-FR" dirty="0" err="1" smtClean="0"/>
-              <a:t>Why</a:t>
-            </a:r>
-            <a:r>
-              <a:rPr lang="fr-FR" dirty="0" smtClean="0"/>
-              <a:t> pure </a:t>
-            </a:r>
-            <a:r>
-              <a:rPr lang="fr-FR" dirty="0" err="1" smtClean="0"/>
-              <a:t>functions</a:t>
-            </a:r>
-            <a:r>
-              <a:rPr lang="fr-FR" dirty="0" smtClean="0"/>
-              <a:t> ?</a:t>
-            </a:r>
-          </a:p>
-          <a:p>
-            <a:pPr lvl="1"/>
+            <a:pPr lvl="3"/>
             <a:r>
               <a:rPr lang="en-US" dirty="0" smtClean="0"/>
-              <a:t>No need for deep object comparison </a:t>
-            </a:r>
-            <a:r>
-              <a:rPr lang="en-US" sz="1800" dirty="0" smtClean="0">
+              <a:t>Benefit from predictability and testability</a:t>
+            </a:r>
+          </a:p>
+          <a:p>
+            <a:pPr lvl="3"/>
+            <a:r>
+              <a:rPr lang="en-US" dirty="0" smtClean="0"/>
+              <a:t>No need for deep object comparison through components lifecycle </a:t>
+            </a:r>
+            <a:r>
+              <a:rPr lang="en-US" sz="1200" dirty="0" smtClean="0">
                 <a:solidFill>
                   <a:schemeClr val="accent6"/>
                 </a:solidFill>
@@ -7141,15 +7543,6 @@
               <a:buNone/>
             </a:pPr>
             <a:endParaRPr lang="fr-FR" dirty="0" smtClean="0"/>
-          </a:p>
-          <a:p>
-            <a:pPr lvl="1" algn="ctr">
-              <a:buNone/>
-            </a:pPr>
-            <a:r>
-              <a:rPr lang="fr-FR" dirty="0" smtClean="0"/>
-              <a:t>(state, action) =&gt; state</a:t>
-            </a:r>
           </a:p>
         </p:txBody>
       </p:sp>
@@ -13677,9 +14070,6 @@
             </a:avLst>
           </a:prstGeom>
           <a:ln w="38100">
-            <a:solidFill>
-              <a:srgbClr val="FF0000"/>
-            </a:solidFill>
             <a:tailEnd type="arrow"/>
           </a:ln>
         </p:spPr>
@@ -14300,14 +14690,14 @@
           <p:cNvPr id="20" name="Forme 58"/>
           <p:cNvCxnSpPr>
             <a:stCxn id="22" idx="2"/>
-            <a:endCxn id="26" idx="0"/>
+            <a:endCxn id="24" idx="0"/>
           </p:cNvCxnSpPr>
           <p:nvPr/>
         </p:nvCxnSpPr>
         <p:spPr>
           <a:xfrm rot="16200000" flipH="1">
-            <a:off x="6830241" y="3433150"/>
-            <a:ext cx="928799" cy="3974"/>
+            <a:off x="7075429" y="3187961"/>
+            <a:ext cx="437626" cy="3179"/>
           </a:xfrm>
           <a:prstGeom prst="curvedConnector3">
             <a:avLst>
@@ -14315,9 +14705,6 @@
             </a:avLst>
           </a:prstGeom>
           <a:ln w="38100">
-            <a:solidFill>
-              <a:srgbClr val="FF0000"/>
-            </a:solidFill>
             <a:tailEnd type="arrow"/>
           </a:ln>
         </p:spPr>
@@ -14338,50 +14725,13 @@
       </p:cxnSp>
       <p:sp>
         <p:nvSpPr>
-          <p:cNvPr id="32" name="Rectangle 31"/>
+          <p:cNvPr id="34" name="Rectangle 33"/>
           <p:cNvSpPr/>
           <p:nvPr/>
         </p:nvSpPr>
         <p:spPr>
           <a:xfrm>
-            <a:off x="5749808" y="4228878"/>
-            <a:ext cx="644344" cy="369332"/>
-          </a:xfrm>
-          <a:prstGeom prst="rect">
-            <a:avLst/>
-          </a:prstGeom>
-        </p:spPr>
-        <p:txBody>
-          <a:bodyPr wrap="none">
-            <a:spAutoFit/>
-          </a:bodyPr>
-          <a:lstStyle/>
-          <a:p>
-            <a:r>
-              <a:rPr lang="en-US" dirty="0" smtClean="0">
-                <a:solidFill>
-                  <a:srgbClr val="FF0000"/>
-                </a:solidFill>
-              </a:rPr>
-              <a:t>state</a:t>
-            </a:r>
-            <a:endParaRPr lang="fr-FR" dirty="0">
-              <a:solidFill>
-                <a:srgbClr val="FF0000"/>
-              </a:solidFill>
-            </a:endParaRPr>
-          </a:p>
-        </p:txBody>
-      </p:sp>
-      <p:sp>
-        <p:nvSpPr>
-          <p:cNvPr id="33" name="Rectangle 32"/>
-          <p:cNvSpPr/>
-          <p:nvPr/>
-        </p:nvSpPr>
-        <p:spPr>
-          <a:xfrm>
-            <a:off x="7251642" y="3004885"/>
+            <a:off x="7955280" y="1800964"/>
             <a:ext cx="766557" cy="369332"/>
           </a:xfrm>
           <a:prstGeom prst="rect">
@@ -14410,47 +14760,10 @@
           </a:p>
         </p:txBody>
       </p:sp>
-      <p:sp>
-        <p:nvSpPr>
-          <p:cNvPr id="34" name="Rectangle 33"/>
-          <p:cNvSpPr/>
-          <p:nvPr/>
-        </p:nvSpPr>
-        <p:spPr>
-          <a:xfrm>
-            <a:off x="7955280" y="1800964"/>
-            <a:ext cx="766557" cy="369332"/>
-          </a:xfrm>
-          <a:prstGeom prst="rect">
-            <a:avLst/>
-          </a:prstGeom>
-        </p:spPr>
-        <p:txBody>
-          <a:bodyPr wrap="none">
-            <a:spAutoFit/>
-          </a:bodyPr>
-          <a:lstStyle/>
-          <a:p>
-            <a:r>
-              <a:rPr lang="en-US" dirty="0" smtClean="0">
-                <a:solidFill>
-                  <a:srgbClr val="FF0000"/>
-                </a:solidFill>
-              </a:rPr>
-              <a:t>action</a:t>
-            </a:r>
-            <a:endParaRPr lang="fr-FR" dirty="0">
-              <a:solidFill>
-                <a:srgbClr val="FF0000"/>
-              </a:solidFill>
-            </a:endParaRPr>
-          </a:p>
-        </p:txBody>
-      </p:sp>
     </p:spTree>
     <p:extLst>
       <p:ext uri="{BB962C8B-B14F-4D97-AF65-F5344CB8AC3E}">
-        <p14:creationId xmlns:p14="http://schemas.microsoft.com/office/powerpoint/2010/main" val="3988002708"/>
+        <p14:creationId xmlns:p14="http://schemas.microsoft.com/office/powerpoint/2010/main" val="2081350360"/>
       </p:ext>
     </p:extLst>
   </p:cSld>
@@ -14589,44 +14902,6 @@
           </a:p>
         </p:txBody>
       </p:sp>
-      <p:cxnSp>
-        <p:nvCxnSpPr>
-          <p:cNvPr id="20" name="Forme 58"/>
-          <p:cNvCxnSpPr>
-            <a:stCxn id="22" idx="2"/>
-            <a:endCxn id="24" idx="0"/>
-          </p:cNvCxnSpPr>
-          <p:nvPr/>
-        </p:nvCxnSpPr>
-        <p:spPr>
-          <a:xfrm rot="16200000" flipH="1">
-            <a:off x="7075429" y="3187961"/>
-            <a:ext cx="437626" cy="3179"/>
-          </a:xfrm>
-          <a:prstGeom prst="curvedConnector3">
-            <a:avLst>
-              <a:gd name="adj1" fmla="val 50000"/>
-            </a:avLst>
-          </a:prstGeom>
-          <a:ln w="38100">
-            <a:tailEnd type="arrow"/>
-          </a:ln>
-        </p:spPr>
-        <p:style>
-          <a:lnRef idx="1">
-            <a:schemeClr val="accent3"/>
-          </a:lnRef>
-          <a:fillRef idx="0">
-            <a:schemeClr val="accent3"/>
-          </a:fillRef>
-          <a:effectRef idx="0">
-            <a:schemeClr val="accent3"/>
-          </a:effectRef>
-          <a:fontRef idx="minor">
-            <a:schemeClr val="tx1"/>
-          </a:fontRef>
-        </p:style>
-      </p:cxnSp>
       <p:sp>
         <p:nvSpPr>
           <p:cNvPr id="22" name="Rectangle à coins arrondis 8"/>
@@ -15201,6 +15476,9 @@
             </a:avLst>
           </a:prstGeom>
           <a:ln w="38100">
+            <a:solidFill>
+              <a:srgbClr val="FF0000"/>
+            </a:solidFill>
             <a:tailEnd type="arrow"/>
           </a:ln>
         </p:spPr>
@@ -15389,7 +15667,7 @@
           <a:p>
             <a:pPr algn="ctr"/>
             <a:r>
-              <a:rPr lang="fr-FR" b="1" dirty="0" smtClean="0"/>
+              <a:rPr lang="fr-FR" b="1" dirty="0"/>
               <a:t>Logs</a:t>
             </a:r>
             <a:endParaRPr lang="fr-FR" b="1" dirty="0"/>
@@ -15577,9 +15855,6 @@
             </a:avLst>
           </a:prstGeom>
           <a:ln w="38100">
-            <a:solidFill>
-              <a:srgbClr val="FF0000"/>
-            </a:solidFill>
             <a:tailEnd type="arrow"/>
           </a:ln>
         </p:spPr>
@@ -15813,16 +16088,57 @@
           </a:p>
         </p:txBody>
       </p:sp>
-      <p:sp>
-        <p:nvSpPr>
-          <p:cNvPr id="31" name="Rectangle 30"/>
+      <p:cxnSp>
+        <p:nvCxnSpPr>
+          <p:cNvPr id="20" name="Forme 58"/>
+          <p:cNvCxnSpPr>
+            <a:stCxn id="22" idx="2"/>
+            <a:endCxn id="26" idx="0"/>
+          </p:cNvCxnSpPr>
+          <p:nvPr/>
+        </p:nvCxnSpPr>
+        <p:spPr>
+          <a:xfrm rot="16200000" flipH="1">
+            <a:off x="6830241" y="3433150"/>
+            <a:ext cx="928799" cy="3974"/>
+          </a:xfrm>
+          <a:prstGeom prst="curvedConnector3">
+            <a:avLst>
+              <a:gd name="adj1" fmla="val 50000"/>
+            </a:avLst>
+          </a:prstGeom>
+          <a:ln w="38100">
+            <a:solidFill>
+              <a:srgbClr val="FF0000"/>
+            </a:solidFill>
+            <a:tailEnd type="arrow"/>
+          </a:ln>
+        </p:spPr>
+        <p:style>
+          <a:lnRef idx="1">
+            <a:schemeClr val="accent3"/>
+          </a:lnRef>
+          <a:fillRef idx="0">
+            <a:schemeClr val="accent3"/>
+          </a:fillRef>
+          <a:effectRef idx="0">
+            <a:schemeClr val="accent3"/>
+          </a:effectRef>
+          <a:fontRef idx="minor">
+            <a:schemeClr val="tx1"/>
+          </a:fontRef>
+        </p:style>
+      </p:cxnSp>
+      <p:sp>
+        <p:nvSpPr>
+          <p:cNvPr id="32" name="Rectangle 31"/>
           <p:cNvSpPr/>
           <p:nvPr/>
         </p:nvSpPr>
         <p:spPr>
           <a:xfrm>
-            <a:off x="5633423" y="5901927"/>
-            <a:ext cx="1098442" cy="369332"/>
+            <a:off x="5749808" y="4228878"/>
+            <a:ext cx="644344" cy="369332"/>
           </a:xfrm>
           <a:prstGeom prst="rect">
             <a:avLst/>
@@ -15840,7 +16156,7 @@
                   <a:srgbClr val="FF0000"/>
                 </a:solidFill>
               </a:rPr>
-              <a:t>new state</a:t>
+              <a:t>state</a:t>
             </a:r>
             <a:endParaRPr lang="fr-FR" dirty="0">
               <a:solidFill>
@@ -15850,10 +16166,47 @@
           </a:p>
         </p:txBody>
       </p:sp>
+      <p:sp>
+        <p:nvSpPr>
+          <p:cNvPr id="33" name="Rectangle 32"/>
+          <p:cNvSpPr/>
+          <p:nvPr/>
+        </p:nvSpPr>
+        <p:spPr>
+          <a:xfrm>
+            <a:off x="7251642" y="3004885"/>
+            <a:ext cx="766557" cy="369332"/>
+          </a:xfrm>
+          <a:prstGeom prst="rect">
+            <a:avLst/>
+          </a:prstGeom>
+        </p:spPr>
+        <p:txBody>
+          <a:bodyPr wrap="none">
+            <a:spAutoFit/>
+          </a:bodyPr>
+          <a:lstStyle/>
+          <a:p>
+            <a:r>
+              <a:rPr lang="en-US" dirty="0" smtClean="0">
+                <a:solidFill>
+                  <a:srgbClr val="FF0000"/>
+                </a:solidFill>
+              </a:rPr>
+              <a:t>action</a:t>
+            </a:r>
+            <a:endParaRPr lang="fr-FR" dirty="0">
+              <a:solidFill>
+                <a:srgbClr val="FF0000"/>
+              </a:solidFill>
+            </a:endParaRPr>
+          </a:p>
+        </p:txBody>
+      </p:sp>
     </p:spTree>
     <p:extLst>
       <p:ext uri="{BB962C8B-B14F-4D97-AF65-F5344CB8AC3E}">
-        <p14:creationId xmlns:p14="http://schemas.microsoft.com/office/powerpoint/2010/main" val="2590363394"/>
+        <p14:creationId xmlns:p14="http://schemas.microsoft.com/office/powerpoint/2010/main" val="3988002708"/>
       </p:ext>
     </p:extLst>
   </p:cSld>
@@ -16906,9 +17259,6 @@
             <a:avLst/>
           </a:prstGeom>
           <a:ln w="38100">
-            <a:solidFill>
-              <a:srgbClr val="FF0000"/>
-            </a:solidFill>
             <a:tailEnd type="arrow"/>
           </a:ln>
         </p:spPr>
@@ -16983,6 +17333,9 @@
             </a:avLst>
           </a:prstGeom>
           <a:ln w="38100">
+            <a:solidFill>
+              <a:srgbClr val="FF0000"/>
+            </a:solidFill>
             <a:tailEnd type="arrow"/>
           </a:ln>
         </p:spPr>
@@ -17224,8 +17577,8 @@
         </p:nvSpPr>
         <p:spPr>
           <a:xfrm>
-            <a:off x="8068940" y="2343150"/>
-            <a:ext cx="599716" cy="369332"/>
+            <a:off x="5633423" y="5901927"/>
+            <a:ext cx="1098442" cy="369332"/>
           </a:xfrm>
           <a:prstGeom prst="rect">
             <a:avLst/>
@@ -17243,7 +17596,7 @@
                   <a:srgbClr val="FF0000"/>
                 </a:solidFill>
               </a:rPr>
-              <a:t>data</a:t>
+              <a:t>new state</a:t>
             </a:r>
             <a:endParaRPr lang="fr-FR" dirty="0">
               <a:solidFill>
@@ -17256,7 +17609,7 @@
     </p:spTree>
     <p:extLst>
       <p:ext uri="{BB962C8B-B14F-4D97-AF65-F5344CB8AC3E}">
-        <p14:creationId xmlns:p14="http://schemas.microsoft.com/office/powerpoint/2010/main" val="128642618"/>
+        <p14:creationId xmlns:p14="http://schemas.microsoft.com/office/powerpoint/2010/main" val="2590363394"/>
       </p:ext>
     </p:extLst>
   </p:cSld>
@@ -17395,6 +17748,44 @@
           </a:p>
         </p:txBody>
       </p:sp>
+      <p:cxnSp>
+        <p:nvCxnSpPr>
+          <p:cNvPr id="20" name="Forme 58"/>
+          <p:cNvCxnSpPr>
+            <a:stCxn id="22" idx="2"/>
+            <a:endCxn id="24" idx="0"/>
+          </p:cNvCxnSpPr>
+          <p:nvPr/>
+        </p:nvCxnSpPr>
+        <p:spPr>
+          <a:xfrm rot="16200000" flipH="1">
+            <a:off x="7075429" y="3187961"/>
+            <a:ext cx="437626" cy="3179"/>
+          </a:xfrm>
+          <a:prstGeom prst="curvedConnector3">
+            <a:avLst>
+              <a:gd name="adj1" fmla="val 50000"/>
+            </a:avLst>
+          </a:prstGeom>
+          <a:ln w="38100">
+            <a:tailEnd type="arrow"/>
+          </a:ln>
+        </p:spPr>
+        <p:style>
+          <a:lnRef idx="1">
+            <a:schemeClr val="accent3"/>
+          </a:lnRef>
+          <a:fillRef idx="0">
+            <a:schemeClr val="accent3"/>
+          </a:fillRef>
+          <a:effectRef idx="0">
+            <a:schemeClr val="accent3"/>
+          </a:effectRef>
+          <a:fontRef idx="minor">
+            <a:schemeClr val="tx1"/>
+          </a:fontRef>
+        </p:style>
+      </p:cxnSp>
       <p:sp>
         <p:nvSpPr>
           <p:cNvPr id="22" name="Rectangle à coins arrondis 8"/>
@@ -17969,9 +18360,6 @@
             </a:avLst>
           </a:prstGeom>
           <a:ln w="38100">
-            <a:solidFill>
-              <a:srgbClr val="FF0000"/>
-            </a:solidFill>
             <a:tailEnd type="arrow"/>
           </a:ln>
         </p:spPr>
@@ -18064,7 +18452,7 @@
             <a:avLst/>
           </a:prstGeom>
           <a:solidFill>
-            <a:schemeClr val="accent2"/>
+            <a:srgbClr val="FF0000"/>
           </a:solidFill>
           <a:ln w="28575">
             <a:solidFill>
@@ -18101,9 +18489,10 @@
           <a:p>
             <a:pPr algn="ctr"/>
             <a:r>
-              <a:rPr lang="fr-FR" b="1" dirty="0"/>
+              <a:rPr lang="fr-FR" b="1" dirty="0" smtClean="0"/>
               <a:t>API</a:t>
             </a:r>
+            <a:endParaRPr lang="fr-FR" b="1" dirty="0"/>
           </a:p>
         </p:txBody>
       </p:sp>
@@ -18159,9 +18548,10 @@
           <a:p>
             <a:pPr algn="ctr"/>
             <a:r>
-              <a:rPr lang="fr-FR" b="1" dirty="0"/>
+              <a:rPr lang="fr-FR" b="1" dirty="0" smtClean="0"/>
               <a:t>Logs</a:t>
             </a:r>
+            <a:endParaRPr lang="fr-FR" b="1" dirty="0"/>
           </a:p>
         </p:txBody>
       </p:sp>
@@ -18272,6 +18662,9 @@
             <a:avLst/>
           </a:prstGeom>
           <a:ln w="38100">
+            <a:solidFill>
+              <a:srgbClr val="FF0000"/>
+            </a:solidFill>
             <a:tailEnd type="arrow"/>
           </a:ln>
         </p:spPr>
@@ -18579,93 +18972,15 @@
           </a:p>
         </p:txBody>
       </p:sp>
-      <p:cxnSp>
-        <p:nvCxnSpPr>
-          <p:cNvPr id="20" name="Forme 58"/>
-          <p:cNvCxnSpPr>
-            <a:stCxn id="22" idx="2"/>
-            <a:endCxn id="26" idx="0"/>
-          </p:cNvCxnSpPr>
-          <p:nvPr/>
-        </p:nvCxnSpPr>
-        <p:spPr>
-          <a:xfrm rot="16200000" flipH="1">
-            <a:off x="6830241" y="3433150"/>
-            <a:ext cx="928799" cy="3974"/>
-          </a:xfrm>
-          <a:prstGeom prst="curvedConnector3">
-            <a:avLst>
-              <a:gd name="adj1" fmla="val 50000"/>
-            </a:avLst>
-          </a:prstGeom>
-          <a:ln w="38100">
-            <a:solidFill>
-              <a:srgbClr val="FF0000"/>
-            </a:solidFill>
-            <a:tailEnd type="arrow"/>
-          </a:ln>
-        </p:spPr>
-        <p:style>
-          <a:lnRef idx="1">
-            <a:schemeClr val="accent3"/>
-          </a:lnRef>
-          <a:fillRef idx="0">
-            <a:schemeClr val="accent3"/>
-          </a:fillRef>
-          <a:effectRef idx="0">
-            <a:schemeClr val="accent3"/>
-          </a:effectRef>
-          <a:fontRef idx="minor">
-            <a:schemeClr val="tx1"/>
-          </a:fontRef>
-        </p:style>
-      </p:cxnSp>
-      <p:sp>
-        <p:nvSpPr>
-          <p:cNvPr id="32" name="Rectangle 31"/>
+      <p:sp>
+        <p:nvSpPr>
+          <p:cNvPr id="31" name="Rectangle 30"/>
           <p:cNvSpPr/>
           <p:nvPr/>
         </p:nvSpPr>
         <p:spPr>
           <a:xfrm>
-            <a:off x="5749808" y="4228878"/>
-            <a:ext cx="644344" cy="369332"/>
-          </a:xfrm>
-          <a:prstGeom prst="rect">
-            <a:avLst/>
-          </a:prstGeom>
-        </p:spPr>
-        <p:txBody>
-          <a:bodyPr wrap="none">
-            <a:spAutoFit/>
-          </a:bodyPr>
-          <a:lstStyle/>
-          <a:p>
-            <a:r>
-              <a:rPr lang="en-US" dirty="0" smtClean="0">
-                <a:solidFill>
-                  <a:srgbClr val="FF0000"/>
-                </a:solidFill>
-              </a:rPr>
-              <a:t>state</a:t>
-            </a:r>
-            <a:endParaRPr lang="fr-FR" dirty="0">
-              <a:solidFill>
-                <a:srgbClr val="FF0000"/>
-              </a:solidFill>
-            </a:endParaRPr>
-          </a:p>
-        </p:txBody>
-      </p:sp>
-      <p:sp>
-        <p:nvSpPr>
-          <p:cNvPr id="33" name="Rectangle 32"/>
-          <p:cNvSpPr/>
-          <p:nvPr/>
-        </p:nvSpPr>
-        <p:spPr>
-          <a:xfrm>
-            <a:off x="7251642" y="3004885"/>
+            <a:off x="8025395" y="2343150"/>
             <a:ext cx="766557" cy="369332"/>
           </a:xfrm>
           <a:prstGeom prst="rect">
@@ -18697,7 +19012,7 @@
     </p:spTree>
     <p:extLst>
       <p:ext uri="{BB962C8B-B14F-4D97-AF65-F5344CB8AC3E}">
-        <p14:creationId xmlns:p14="http://schemas.microsoft.com/office/powerpoint/2010/main" val="2685233104"/>
+        <p14:creationId xmlns:p14="http://schemas.microsoft.com/office/powerpoint/2010/main" val="128642618"/>
       </p:ext>
     </p:extLst>
   </p:cSld>
@@ -18836,44 +19151,6 @@
           </a:p>
         </p:txBody>
       </p:sp>
-      <p:cxnSp>
-        <p:nvCxnSpPr>
-          <p:cNvPr id="20" name="Forme 58"/>
-          <p:cNvCxnSpPr>
-            <a:stCxn id="22" idx="2"/>
-            <a:endCxn id="24" idx="0"/>
-          </p:cNvCxnSpPr>
-          <p:nvPr/>
-        </p:nvCxnSpPr>
-        <p:spPr>
-          <a:xfrm rot="16200000" flipH="1">
-            <a:off x="7075429" y="3187961"/>
-            <a:ext cx="437626" cy="3179"/>
-          </a:xfrm>
-          <a:prstGeom prst="curvedConnector3">
-            <a:avLst>
-              <a:gd name="adj1" fmla="val 50000"/>
-            </a:avLst>
-          </a:prstGeom>
-          <a:ln w="38100">
-            <a:tailEnd type="arrow"/>
-          </a:ln>
-        </p:spPr>
-        <p:style>
-          <a:lnRef idx="1">
-            <a:schemeClr val="accent3"/>
-          </a:lnRef>
-          <a:fillRef idx="0">
-            <a:schemeClr val="accent3"/>
-          </a:fillRef>
-          <a:effectRef idx="0">
-            <a:schemeClr val="accent3"/>
-          </a:effectRef>
-          <a:fontRef idx="minor">
-            <a:schemeClr val="tx1"/>
-          </a:fontRef>
-        </p:style>
-      </p:cxnSp>
       <p:sp>
         <p:nvSpPr>
           <p:cNvPr id="22" name="Rectangle à coins arrondis 8"/>
@@ -19580,6 +19857,7 @@
               <a:rPr lang="fr-FR" b="1" dirty="0"/>
               <a:t>API</a:t>
             </a:r>
+            <a:endParaRPr lang="fr-FR" b="1" dirty="0"/>
           </a:p>
         </p:txBody>
       </p:sp>
@@ -19592,6 +19870,65 @@
         <p:spPr>
           <a:xfrm>
             <a:off x="8749556" y="2446943"/>
+            <a:ext cx="1552575" cy="414337"/>
+          </a:xfrm>
+          <a:prstGeom prst="roundRect">
+            <a:avLst/>
+          </a:prstGeom>
+          <a:solidFill>
+            <a:srgbClr val="FF0000"/>
+          </a:solidFill>
+          <a:ln w="28575">
+            <a:solidFill>
+              <a:schemeClr val="bg1"/>
+            </a:solidFill>
+          </a:ln>
+          <a:effectLst>
+            <a:outerShdw blurRad="63500" sx="102000" sy="102000" algn="ctr" rotWithShape="0">
+              <a:prstClr val="black">
+                <a:alpha val="40000"/>
+              </a:prstClr>
+            </a:outerShdw>
+          </a:effectLst>
+        </p:spPr>
+        <p:style>
+          <a:lnRef idx="2">
+            <a:schemeClr val="accent1">
+              <a:shade val="50000"/>
+            </a:schemeClr>
+          </a:lnRef>
+          <a:fillRef idx="1">
+            <a:schemeClr val="accent1"/>
+          </a:fillRef>
+          <a:effectRef idx="0">
+            <a:schemeClr val="accent1"/>
+          </a:effectRef>
+          <a:fontRef idx="minor">
+            <a:schemeClr val="lt1"/>
+          </a:fontRef>
+        </p:style>
+        <p:txBody>
+          <a:bodyPr rtlCol="0" anchor="ctr"/>
+          <a:lstStyle/>
+          <a:p>
+            <a:pPr algn="ctr"/>
+            <a:r>
+              <a:rPr lang="fr-FR" b="1" dirty="0" smtClean="0"/>
+              <a:t>Logs</a:t>
+            </a:r>
+            <a:endParaRPr lang="fr-FR" b="1" dirty="0"/>
+          </a:p>
+        </p:txBody>
+      </p:sp>
+      <p:sp>
+        <p:nvSpPr>
+          <p:cNvPr id="48" name="Rectangle à coins arrondis 11"/>
+          <p:cNvSpPr/>
+          <p:nvPr/>
+        </p:nvSpPr>
+        <p:spPr>
+          <a:xfrm>
+            <a:off x="8749555" y="2984760"/>
             <a:ext cx="1552575" cy="414337"/>
           </a:xfrm>
           <a:prstGeom prst="roundRect">
@@ -19636,21 +19973,205 @@
             <a:pPr algn="ctr"/>
             <a:r>
               <a:rPr lang="fr-FR" b="1" dirty="0" smtClean="0"/>
-              <a:t>Logs</a:t>
+              <a:t>Delay actions</a:t>
             </a:r>
             <a:endParaRPr lang="fr-FR" b="1" dirty="0"/>
           </a:p>
         </p:txBody>
       </p:sp>
-      <p:sp>
-        <p:nvSpPr>
-          <p:cNvPr id="48" name="Rectangle à coins arrondis 11"/>
+      <p:cxnSp>
+        <p:nvCxnSpPr>
+          <p:cNvPr id="41" name="Straight Arrow Connector 40"/>
+          <p:cNvCxnSpPr/>
+          <p:nvPr/>
+        </p:nvCxnSpPr>
+        <p:spPr>
+          <a:xfrm>
+            <a:off x="7962901" y="2219800"/>
+            <a:ext cx="579119" cy="0"/>
+          </a:xfrm>
+          <a:prstGeom prst="straightConnector1">
+            <a:avLst/>
+          </a:prstGeom>
+          <a:ln w="38100">
+            <a:solidFill>
+              <a:srgbClr val="FF0000"/>
+            </a:solidFill>
+            <a:tailEnd type="arrow"/>
+          </a:ln>
+        </p:spPr>
+        <p:style>
+          <a:lnRef idx="1">
+            <a:schemeClr val="accent3"/>
+          </a:lnRef>
+          <a:fillRef idx="0">
+            <a:schemeClr val="accent3"/>
+          </a:fillRef>
+          <a:effectRef idx="0">
+            <a:schemeClr val="accent3"/>
+          </a:effectRef>
+          <a:fontRef idx="minor">
+            <a:schemeClr val="tx1"/>
+          </a:fontRef>
+        </p:style>
+      </p:cxnSp>
+      <p:cxnSp>
+        <p:nvCxnSpPr>
+          <p:cNvPr id="51" name="Straight Arrow Connector 50"/>
+          <p:cNvCxnSpPr/>
+          <p:nvPr/>
+        </p:nvCxnSpPr>
+        <p:spPr>
+          <a:xfrm flipH="1">
+            <a:off x="7955280" y="2365210"/>
+            <a:ext cx="579119" cy="0"/>
+          </a:xfrm>
+          <a:prstGeom prst="straightConnector1">
+            <a:avLst/>
+          </a:prstGeom>
+          <a:ln w="38100">
+            <a:solidFill>
+              <a:srgbClr val="FF0000"/>
+            </a:solidFill>
+            <a:tailEnd type="arrow"/>
+          </a:ln>
+        </p:spPr>
+        <p:style>
+          <a:lnRef idx="1">
+            <a:schemeClr val="accent3"/>
+          </a:lnRef>
+          <a:fillRef idx="0">
+            <a:schemeClr val="accent3"/>
+          </a:fillRef>
+          <a:effectRef idx="0">
+            <a:schemeClr val="accent3"/>
+          </a:effectRef>
+          <a:fontRef idx="minor">
+            <a:schemeClr val="tx1"/>
+          </a:fontRef>
+        </p:style>
+      </p:cxnSp>
+      <p:cxnSp>
+        <p:nvCxnSpPr>
+          <p:cNvPr id="49" name="Straight Arrow Connector 48"/>
+          <p:cNvCxnSpPr>
+            <a:stCxn id="23" idx="0"/>
+            <a:endCxn id="25" idx="2"/>
+          </p:cNvCxnSpPr>
+          <p:nvPr/>
+        </p:nvCxnSpPr>
+        <p:spPr>
+          <a:xfrm flipV="1">
+            <a:off x="4740751" y="2937193"/>
+            <a:ext cx="0" cy="1874482"/>
+          </a:xfrm>
+          <a:prstGeom prst="straightConnector1">
+            <a:avLst/>
+          </a:prstGeom>
+          <a:ln w="38100">
+            <a:tailEnd type="arrow"/>
+          </a:ln>
+        </p:spPr>
+        <p:style>
+          <a:lnRef idx="1">
+            <a:schemeClr val="accent3"/>
+          </a:lnRef>
+          <a:fillRef idx="0">
+            <a:schemeClr val="accent3"/>
+          </a:fillRef>
+          <a:effectRef idx="0">
+            <a:schemeClr val="accent3"/>
+          </a:effectRef>
+          <a:fontRef idx="minor">
+            <a:schemeClr val="tx1"/>
+          </a:fontRef>
+        </p:style>
+      </p:cxnSp>
+      <p:cxnSp>
+        <p:nvCxnSpPr>
+          <p:cNvPr id="54" name="Elbow Connector 53"/>
+          <p:cNvCxnSpPr>
+            <a:stCxn id="44" idx="2"/>
+            <a:endCxn id="23" idx="2"/>
+          </p:cNvCxnSpPr>
+          <p:nvPr/>
+        </p:nvCxnSpPr>
+        <p:spPr>
+          <a:xfrm rot="5400000" flipH="1">
+            <a:off x="5978664" y="4354812"/>
+            <a:ext cx="80049" cy="2555876"/>
+          </a:xfrm>
+          <a:prstGeom prst="bentConnector3">
+            <a:avLst>
+              <a:gd name="adj1" fmla="val -285575"/>
+            </a:avLst>
+          </a:prstGeom>
+          <a:ln w="38100">
+            <a:tailEnd type="arrow"/>
+          </a:ln>
+        </p:spPr>
+        <p:style>
+          <a:lnRef idx="1">
+            <a:schemeClr val="accent3"/>
+          </a:lnRef>
+          <a:fillRef idx="0">
+            <a:schemeClr val="accent3"/>
+          </a:fillRef>
+          <a:effectRef idx="0">
+            <a:schemeClr val="accent3"/>
+          </a:effectRef>
+          <a:fontRef idx="minor">
+            <a:schemeClr val="tx1"/>
+          </a:fontRef>
+        </p:style>
+      </p:cxnSp>
+      <p:cxnSp>
+        <p:nvCxnSpPr>
+          <p:cNvPr id="56" name="Elbow Connector 55"/>
+          <p:cNvCxnSpPr>
+            <a:stCxn id="25" idx="0"/>
+            <a:endCxn id="22" idx="0"/>
+          </p:cNvCxnSpPr>
+          <p:nvPr/>
+        </p:nvCxnSpPr>
+        <p:spPr>
+          <a:xfrm rot="5400000" flipH="1" flipV="1">
+            <a:off x="5960842" y="776707"/>
+            <a:ext cx="111720" cy="2551902"/>
+          </a:xfrm>
+          <a:prstGeom prst="bentConnector3">
+            <a:avLst>
+              <a:gd name="adj1" fmla="val 304619"/>
+            </a:avLst>
+          </a:prstGeom>
+          <a:ln w="38100">
+            <a:tailEnd type="arrow"/>
+          </a:ln>
+        </p:spPr>
+        <p:style>
+          <a:lnRef idx="1">
+            <a:schemeClr val="accent3"/>
+          </a:lnRef>
+          <a:fillRef idx="0">
+            <a:schemeClr val="accent3"/>
+          </a:fillRef>
+          <a:effectRef idx="0">
+            <a:schemeClr val="accent3"/>
+          </a:effectRef>
+          <a:fontRef idx="minor">
+            <a:schemeClr val="tx1"/>
+          </a:fontRef>
+        </p:style>
+      </p:cxnSp>
+      <p:sp>
+        <p:nvSpPr>
+          <p:cNvPr id="61" name="Rectangle à coins arrondis 11"/>
           <p:cNvSpPr/>
           <p:nvPr/>
         </p:nvSpPr>
         <p:spPr>
           <a:xfrm>
-            <a:off x="8749555" y="2984760"/>
+            <a:off x="8749555" y="3522577"/>
             <a:ext cx="1552575" cy="414337"/>
           </a:xfrm>
           <a:prstGeom prst="roundRect">
@@ -19695,202 +20216,21 @@
             <a:pPr algn="ctr"/>
             <a:r>
               <a:rPr lang="fr-FR" b="1" dirty="0" smtClean="0"/>
-              <a:t>Delay actions</a:t>
+              <a:t>Loop actions</a:t>
             </a:r>
             <a:endParaRPr lang="fr-FR" b="1" dirty="0"/>
           </a:p>
         </p:txBody>
       </p:sp>
-      <p:cxnSp>
-        <p:nvCxnSpPr>
-          <p:cNvPr id="41" name="Straight Arrow Connector 40"/>
-          <p:cNvCxnSpPr/>
-          <p:nvPr/>
-        </p:nvCxnSpPr>
+      <p:sp>
+        <p:nvSpPr>
+          <p:cNvPr id="62" name="Rectangle à coins arrondis 11"/>
+          <p:cNvSpPr/>
+          <p:nvPr/>
+        </p:nvSpPr>
         <p:spPr>
           <a:xfrm>
-            <a:off x="7962901" y="2219800"/>
-            <a:ext cx="579119" cy="0"/>
-          </a:xfrm>
-          <a:prstGeom prst="straightConnector1">
-            <a:avLst/>
-          </a:prstGeom>
-          <a:ln w="38100">
-            <a:tailEnd type="arrow"/>
-          </a:ln>
-        </p:spPr>
-        <p:style>
-          <a:lnRef idx="1">
-            <a:schemeClr val="accent3"/>
-          </a:lnRef>
-          <a:fillRef idx="0">
-            <a:schemeClr val="accent3"/>
-          </a:fillRef>
-          <a:effectRef idx="0">
-            <a:schemeClr val="accent3"/>
-          </a:effectRef>
-          <a:fontRef idx="minor">
-            <a:schemeClr val="tx1"/>
-          </a:fontRef>
-        </p:style>
-      </p:cxnSp>
-      <p:cxnSp>
-        <p:nvCxnSpPr>
-          <p:cNvPr id="51" name="Straight Arrow Connector 50"/>
-          <p:cNvCxnSpPr/>
-          <p:nvPr/>
-        </p:nvCxnSpPr>
-        <p:spPr>
-          <a:xfrm flipH="1">
-            <a:off x="7955280" y="2365210"/>
-            <a:ext cx="579119" cy="0"/>
-          </a:xfrm>
-          <a:prstGeom prst="straightConnector1">
-            <a:avLst/>
-          </a:prstGeom>
-          <a:ln w="38100">
-            <a:tailEnd type="arrow"/>
-          </a:ln>
-        </p:spPr>
-        <p:style>
-          <a:lnRef idx="1">
-            <a:schemeClr val="accent3"/>
-          </a:lnRef>
-          <a:fillRef idx="0">
-            <a:schemeClr val="accent3"/>
-          </a:fillRef>
-          <a:effectRef idx="0">
-            <a:schemeClr val="accent3"/>
-          </a:effectRef>
-          <a:fontRef idx="minor">
-            <a:schemeClr val="tx1"/>
-          </a:fontRef>
-        </p:style>
-      </p:cxnSp>
-      <p:cxnSp>
-        <p:nvCxnSpPr>
-          <p:cNvPr id="49" name="Straight Arrow Connector 48"/>
-          <p:cNvCxnSpPr>
-            <a:stCxn id="23" idx="0"/>
-            <a:endCxn id="25" idx="2"/>
-          </p:cNvCxnSpPr>
-          <p:nvPr/>
-        </p:nvCxnSpPr>
-        <p:spPr>
-          <a:xfrm flipV="1">
-            <a:off x="4740751" y="2937193"/>
-            <a:ext cx="0" cy="1874482"/>
-          </a:xfrm>
-          <a:prstGeom prst="straightConnector1">
-            <a:avLst/>
-          </a:prstGeom>
-          <a:ln w="38100">
-            <a:tailEnd type="arrow"/>
-          </a:ln>
-        </p:spPr>
-        <p:style>
-          <a:lnRef idx="1">
-            <a:schemeClr val="accent3"/>
-          </a:lnRef>
-          <a:fillRef idx="0">
-            <a:schemeClr val="accent3"/>
-          </a:fillRef>
-          <a:effectRef idx="0">
-            <a:schemeClr val="accent3"/>
-          </a:effectRef>
-          <a:fontRef idx="minor">
-            <a:schemeClr val="tx1"/>
-          </a:fontRef>
-        </p:style>
-      </p:cxnSp>
-      <p:cxnSp>
-        <p:nvCxnSpPr>
-          <p:cNvPr id="54" name="Elbow Connector 53"/>
-          <p:cNvCxnSpPr>
-            <a:stCxn id="44" idx="2"/>
-            <a:endCxn id="23" idx="2"/>
-          </p:cNvCxnSpPr>
-          <p:nvPr/>
-        </p:nvCxnSpPr>
-        <p:spPr>
-          <a:xfrm rot="5400000" flipH="1">
-            <a:off x="5978664" y="4354812"/>
-            <a:ext cx="80049" cy="2555876"/>
-          </a:xfrm>
-          <a:prstGeom prst="bentConnector3">
-            <a:avLst>
-              <a:gd name="adj1" fmla="val -285575"/>
-            </a:avLst>
-          </a:prstGeom>
-          <a:ln w="38100">
-            <a:solidFill>
-              <a:srgbClr val="FF0000"/>
-            </a:solidFill>
-            <a:tailEnd type="arrow"/>
-          </a:ln>
-        </p:spPr>
-        <p:style>
-          <a:lnRef idx="1">
-            <a:schemeClr val="accent3"/>
-          </a:lnRef>
-          <a:fillRef idx="0">
-            <a:schemeClr val="accent3"/>
-          </a:fillRef>
-          <a:effectRef idx="0">
-            <a:schemeClr val="accent3"/>
-          </a:effectRef>
-          <a:fontRef idx="minor">
-            <a:schemeClr val="tx1"/>
-          </a:fontRef>
-        </p:style>
-      </p:cxnSp>
-      <p:cxnSp>
-        <p:nvCxnSpPr>
-          <p:cNvPr id="56" name="Elbow Connector 55"/>
-          <p:cNvCxnSpPr>
-            <a:stCxn id="25" idx="0"/>
-            <a:endCxn id="22" idx="0"/>
-          </p:cNvCxnSpPr>
-          <p:nvPr/>
-        </p:nvCxnSpPr>
-        <p:spPr>
-          <a:xfrm rot="5400000" flipH="1" flipV="1">
-            <a:off x="5960842" y="776707"/>
-            <a:ext cx="111720" cy="2551902"/>
-          </a:xfrm>
-          <a:prstGeom prst="bentConnector3">
-            <a:avLst>
-              <a:gd name="adj1" fmla="val 304619"/>
-            </a:avLst>
-          </a:prstGeom>
-          <a:ln w="38100">
-            <a:tailEnd type="arrow"/>
-          </a:ln>
-        </p:spPr>
-        <p:style>
-          <a:lnRef idx="1">
-            <a:schemeClr val="accent3"/>
-          </a:lnRef>
-          <a:fillRef idx="0">
-            <a:schemeClr val="accent3"/>
-          </a:fillRef>
-          <a:effectRef idx="0">
-            <a:schemeClr val="accent3"/>
-          </a:effectRef>
-          <a:fontRef idx="minor">
-            <a:schemeClr val="tx1"/>
-          </a:fontRef>
-        </p:style>
-      </p:cxnSp>
-      <p:sp>
-        <p:nvSpPr>
-          <p:cNvPr id="61" name="Rectangle à coins arrondis 11"/>
-          <p:cNvSpPr/>
-          <p:nvPr/>
-        </p:nvSpPr>
-        <p:spPr>
-          <a:xfrm>
-            <a:off x="8749555" y="3522577"/>
+            <a:off x="8749555" y="4060394"/>
             <a:ext cx="1552575" cy="414337"/>
           </a:xfrm>
           <a:prstGeom prst="roundRect">
@@ -19935,7 +20275,7 @@
             <a:pPr algn="ctr"/>
             <a:r>
               <a:rPr lang="fr-FR" b="1" dirty="0" smtClean="0"/>
-              <a:t>Loop actions</a:t>
+              <a:t>Crash report</a:t>
             </a:r>
             <a:endParaRPr lang="fr-FR" b="1" dirty="0"/>
           </a:p>
@@ -19943,13 +20283,13 @@
       </p:sp>
       <p:sp>
         <p:nvSpPr>
-          <p:cNvPr id="62" name="Rectangle à coins arrondis 11"/>
+          <p:cNvPr id="63" name="Rectangle à coins arrondis 11"/>
           <p:cNvSpPr/>
           <p:nvPr/>
         </p:nvSpPr>
         <p:spPr>
           <a:xfrm>
-            <a:off x="8749555" y="4060394"/>
+            <a:off x="8749555" y="4598210"/>
             <a:ext cx="1552575" cy="414337"/>
           </a:xfrm>
           <a:prstGeom prst="roundRect">
@@ -19994,81 +20334,60 @@
             <a:pPr algn="ctr"/>
             <a:r>
               <a:rPr lang="fr-FR" b="1" dirty="0" smtClean="0"/>
-              <a:t>Crash report</a:t>
+              <a:t>…</a:t>
             </a:r>
             <a:endParaRPr lang="fr-FR" b="1" dirty="0"/>
           </a:p>
         </p:txBody>
       </p:sp>
-      <p:sp>
-        <p:nvSpPr>
-          <p:cNvPr id="63" name="Rectangle à coins arrondis 11"/>
+      <p:cxnSp>
+        <p:nvCxnSpPr>
+          <p:cNvPr id="20" name="Forme 58"/>
+          <p:cNvCxnSpPr>
+            <a:stCxn id="22" idx="2"/>
+            <a:endCxn id="24" idx="0"/>
+          </p:cNvCxnSpPr>
+          <p:nvPr/>
+        </p:nvCxnSpPr>
+        <p:spPr>
+          <a:xfrm rot="16200000" flipH="1">
+            <a:off x="7075429" y="3187961"/>
+            <a:ext cx="437626" cy="3179"/>
+          </a:xfrm>
+          <a:prstGeom prst="curvedConnector3">
+            <a:avLst>
+              <a:gd name="adj1" fmla="val 50000"/>
+            </a:avLst>
+          </a:prstGeom>
+          <a:ln w="38100">
+            <a:tailEnd type="arrow"/>
+          </a:ln>
+        </p:spPr>
+        <p:style>
+          <a:lnRef idx="1">
+            <a:schemeClr val="accent3"/>
+          </a:lnRef>
+          <a:fillRef idx="0">
+            <a:schemeClr val="accent3"/>
+          </a:fillRef>
+          <a:effectRef idx="0">
+            <a:schemeClr val="accent3"/>
+          </a:effectRef>
+          <a:fontRef idx="minor">
+            <a:schemeClr val="tx1"/>
+          </a:fontRef>
+        </p:style>
+      </p:cxnSp>
+      <p:sp>
+        <p:nvSpPr>
+          <p:cNvPr id="34" name="Rectangle 33"/>
           <p:cNvSpPr/>
           <p:nvPr/>
         </p:nvSpPr>
         <p:spPr>
           <a:xfrm>
-            <a:off x="8749555" y="4598210"/>
-            <a:ext cx="1552575" cy="414337"/>
-          </a:xfrm>
-          <a:prstGeom prst="roundRect">
-            <a:avLst/>
-          </a:prstGeom>
-          <a:solidFill>
-            <a:schemeClr val="accent2"/>
-          </a:solidFill>
-          <a:ln w="28575">
-            <a:solidFill>
-              <a:schemeClr val="bg1"/>
-            </a:solidFill>
-          </a:ln>
-          <a:effectLst>
-            <a:outerShdw blurRad="63500" sx="102000" sy="102000" algn="ctr" rotWithShape="0">
-              <a:prstClr val="black">
-                <a:alpha val="40000"/>
-              </a:prstClr>
-            </a:outerShdw>
-          </a:effectLst>
-        </p:spPr>
-        <p:style>
-          <a:lnRef idx="2">
-            <a:schemeClr val="accent1">
-              <a:shade val="50000"/>
-            </a:schemeClr>
-          </a:lnRef>
-          <a:fillRef idx="1">
-            <a:schemeClr val="accent1"/>
-          </a:fillRef>
-          <a:effectRef idx="0">
-            <a:schemeClr val="accent1"/>
-          </a:effectRef>
-          <a:fontRef idx="minor">
-            <a:schemeClr val="lt1"/>
-          </a:fontRef>
-        </p:style>
-        <p:txBody>
-          <a:bodyPr rtlCol="0" anchor="ctr"/>
-          <a:lstStyle/>
-          <a:p>
-            <a:pPr algn="ctr"/>
-            <a:r>
-              <a:rPr lang="fr-FR" b="1" dirty="0" smtClean="0"/>
-              <a:t>…</a:t>
-            </a:r>
-            <a:endParaRPr lang="fr-FR" b="1" dirty="0"/>
-          </a:p>
-        </p:txBody>
-      </p:sp>
-      <p:sp>
-        <p:nvSpPr>
-          <p:cNvPr id="31" name="Rectangle 30"/>
-          <p:cNvSpPr/>
-          <p:nvPr/>
-        </p:nvSpPr>
-        <p:spPr>
-          <a:xfrm>
-            <a:off x="5633423" y="5901927"/>
-            <a:ext cx="1098442" cy="369332"/>
+            <a:off x="7955280" y="1800964"/>
+            <a:ext cx="766557" cy="369332"/>
           </a:xfrm>
           <a:prstGeom prst="rect">
             <a:avLst/>
@@ -20086,7 +20405,7 @@
                   <a:srgbClr val="FF0000"/>
                 </a:solidFill>
               </a:rPr>
-              <a:t>new state</a:t>
+              <a:t>action</a:t>
             </a:r>
             <a:endParaRPr lang="fr-FR" dirty="0">
               <a:solidFill>
@@ -20099,7 +20418,7 @@
     </p:spTree>
     <p:extLst>
       <p:ext uri="{BB962C8B-B14F-4D97-AF65-F5344CB8AC3E}">
-        <p14:creationId xmlns:p14="http://schemas.microsoft.com/office/powerpoint/2010/main" val="899195258"/>
+        <p14:creationId xmlns:p14="http://schemas.microsoft.com/office/powerpoint/2010/main" val="1283896326"/>
       </p:ext>
     </p:extLst>
   </p:cSld>
@@ -20135,7 +20454,7 @@
       </p:grpSpPr>
       <p:sp>
         <p:nvSpPr>
-          <p:cNvPr id="2" name="Title 1"/>
+          <p:cNvPr id="2" name="Titre 1"/>
           <p:cNvSpPr>
             <a:spLocks noGrp="1"/>
           </p:cNvSpPr>
@@ -20149,39 +20468,28 @@
           <a:lstStyle/>
           <a:p>
             <a:r>
-              <a:rPr lang="en-US" noProof="0" smtClean="0"/>
-              <a:t>React &amp; Redux</a:t>
-            </a:r>
-            <a:endParaRPr lang="en-US" noProof="0"/>
-          </a:p>
-        </p:txBody>
-      </p:sp>
-      <p:sp>
-        <p:nvSpPr>
-          <p:cNvPr id="3" name="Text Placeholder 2"/>
-          <p:cNvSpPr>
-            <a:spLocks noGrp="1"/>
-          </p:cNvSpPr>
-          <p:nvPr>
-            <p:ph type="body" idx="1"/>
-          </p:nvPr>
-        </p:nvSpPr>
-        <p:spPr/>
-        <p:txBody>
-          <a:bodyPr/>
-          <a:lstStyle/>
-          <a:p>
-            <a:r>
-              <a:rPr lang="en-US" noProof="0" smtClean="0"/>
-              <a:t>Rock &amp; Roll</a:t>
-            </a:r>
-            <a:endParaRPr lang="en-US" noProof="0"/>
-          </a:p>
-        </p:txBody>
-      </p:sp>
-      <p:sp>
-        <p:nvSpPr>
-          <p:cNvPr id="4" name="Date Placeholder 3"/>
+              <a:rPr lang="fr-FR" dirty="0" err="1" smtClean="0"/>
+              <a:t>Redux</a:t>
+            </a:r>
+            <a:r>
+              <a:rPr lang="fr-FR" dirty="0" smtClean="0"/>
+              <a:t> – </a:t>
+            </a:r>
+            <a:r>
+              <a:rPr lang="fr-FR" dirty="0" err="1" smtClean="0"/>
+              <a:t>workflow</a:t>
+            </a:r>
+            <a:r>
+              <a:rPr lang="fr-FR" dirty="0" smtClean="0"/>
+              <a:t> </a:t>
+            </a:r>
+            <a:endParaRPr lang="fr-FR" dirty="0"/>
+          </a:p>
+        </p:txBody>
+      </p:sp>
+      <p:sp>
+        <p:nvSpPr>
+          <p:cNvPr id="4" name="Espace réservé de la date 3"/>
           <p:cNvSpPr>
             <a:spLocks noGrp="1"/>
           </p:cNvSpPr>
@@ -20204,7 +20512,7 @@
       </p:sp>
       <p:sp>
         <p:nvSpPr>
-          <p:cNvPr id="5" name="Footer Placeholder 4"/>
+          <p:cNvPr id="5" name="Espace réservé du pied de page 4"/>
           <p:cNvSpPr>
             <a:spLocks noGrp="1"/>
           </p:cNvSpPr>
@@ -20218,7 +20526,7 @@
           <a:lstStyle/>
           <a:p>
             <a:r>
-              <a:rPr lang="fr-FR" dirty="0" smtClean="0"/>
+              <a:rPr lang="fr-FR" smtClean="0"/>
               <a:t>cedric.hartland@gmail.com</a:t>
             </a:r>
             <a:endParaRPr lang="fr-FR" dirty="0"/>
@@ -20227,7 +20535,7 @@
       </p:sp>
       <p:sp>
         <p:nvSpPr>
-          <p:cNvPr id="6" name="Slide Number Placeholder 5"/>
+          <p:cNvPr id="6" name="Espace réservé du numéro de diapositive 5"/>
           <p:cNvSpPr>
             <a:spLocks noGrp="1"/>
           </p:cNvSpPr>
@@ -20249,10 +20557,1309 @@
           </a:p>
         </p:txBody>
       </p:sp>
+      <p:sp>
+        <p:nvSpPr>
+          <p:cNvPr id="22" name="Rectangle à coins arrondis 8"/>
+          <p:cNvSpPr/>
+          <p:nvPr/>
+        </p:nvSpPr>
+        <p:spPr>
+          <a:xfrm>
+            <a:off x="6516365" y="1996798"/>
+            <a:ext cx="1552575" cy="973940"/>
+          </a:xfrm>
+          <a:prstGeom prst="roundRect">
+            <a:avLst/>
+          </a:prstGeom>
+          <a:solidFill>
+            <a:schemeClr val="bg2">
+              <a:lumMod val="25000"/>
+            </a:schemeClr>
+          </a:solidFill>
+          <a:ln w="28575">
+            <a:solidFill>
+              <a:schemeClr val="bg1"/>
+            </a:solidFill>
+          </a:ln>
+          <a:effectLst>
+            <a:outerShdw blurRad="63500" sx="102000" sy="102000" algn="ctr" rotWithShape="0">
+              <a:prstClr val="black">
+                <a:alpha val="40000"/>
+              </a:prstClr>
+            </a:outerShdw>
+          </a:effectLst>
+        </p:spPr>
+        <p:style>
+          <a:lnRef idx="2">
+            <a:schemeClr val="accent1">
+              <a:shade val="50000"/>
+            </a:schemeClr>
+          </a:lnRef>
+          <a:fillRef idx="1">
+            <a:schemeClr val="accent1"/>
+          </a:fillRef>
+          <a:effectRef idx="0">
+            <a:schemeClr val="accent1"/>
+          </a:effectRef>
+          <a:fontRef idx="minor">
+            <a:schemeClr val="lt1"/>
+          </a:fontRef>
+        </p:style>
+        <p:txBody>
+          <a:bodyPr rtlCol="0" anchor="b"/>
+          <a:lstStyle/>
+          <a:p>
+            <a:pPr algn="ctr"/>
+            <a:r>
+              <a:rPr lang="fr-FR" b="1" dirty="0" smtClean="0"/>
+              <a:t>Dispatcher</a:t>
+            </a:r>
+            <a:endParaRPr lang="fr-FR" b="1" dirty="0"/>
+          </a:p>
+        </p:txBody>
+      </p:sp>
+      <p:sp>
+        <p:nvSpPr>
+          <p:cNvPr id="23" name="Rectangle à coins arrondis 9"/>
+          <p:cNvSpPr/>
+          <p:nvPr/>
+        </p:nvSpPr>
+        <p:spPr>
+          <a:xfrm>
+            <a:off x="3964463" y="4811675"/>
+            <a:ext cx="1552575" cy="781050"/>
+          </a:xfrm>
+          <a:prstGeom prst="roundRect">
+            <a:avLst/>
+          </a:prstGeom>
+          <a:solidFill>
+            <a:schemeClr val="accent5"/>
+          </a:solidFill>
+          <a:ln w="28575">
+            <a:solidFill>
+              <a:schemeClr val="bg1"/>
+            </a:solidFill>
+          </a:ln>
+          <a:effectLst>
+            <a:outerShdw blurRad="63500" sx="102000" sy="102000" algn="ctr" rotWithShape="0">
+              <a:prstClr val="black">
+                <a:alpha val="40000"/>
+              </a:prstClr>
+            </a:outerShdw>
+          </a:effectLst>
+        </p:spPr>
+        <p:style>
+          <a:lnRef idx="2">
+            <a:schemeClr val="accent1">
+              <a:shade val="50000"/>
+            </a:schemeClr>
+          </a:lnRef>
+          <a:fillRef idx="1">
+            <a:schemeClr val="accent1"/>
+          </a:fillRef>
+          <a:effectRef idx="0">
+            <a:schemeClr val="accent1"/>
+          </a:effectRef>
+          <a:fontRef idx="minor">
+            <a:schemeClr val="lt1"/>
+          </a:fontRef>
+        </p:style>
+        <p:txBody>
+          <a:bodyPr rtlCol="0" anchor="ctr"/>
+          <a:lstStyle/>
+          <a:p>
+            <a:pPr algn="ctr"/>
+            <a:r>
+              <a:rPr lang="fr-FR" b="1" dirty="0" err="1" smtClean="0"/>
+              <a:t>View</a:t>
+            </a:r>
+            <a:endParaRPr lang="fr-FR" b="1" dirty="0"/>
+          </a:p>
+        </p:txBody>
+      </p:sp>
+      <p:sp>
+        <p:nvSpPr>
+          <p:cNvPr id="24" name="Rectangle à coins arrondis 10"/>
+          <p:cNvSpPr/>
+          <p:nvPr/>
+        </p:nvSpPr>
+        <p:spPr>
+          <a:xfrm>
+            <a:off x="6362701" y="3408364"/>
+            <a:ext cx="1866262" cy="2179320"/>
+          </a:xfrm>
+          <a:prstGeom prst="roundRect">
+            <a:avLst>
+              <a:gd name="adj" fmla="val 6613"/>
+            </a:avLst>
+          </a:prstGeom>
+          <a:solidFill>
+            <a:schemeClr val="accent4">
+              <a:lumMod val="60000"/>
+              <a:lumOff val="40000"/>
+            </a:schemeClr>
+          </a:solidFill>
+          <a:ln w="28575">
+            <a:solidFill>
+              <a:schemeClr val="bg1"/>
+            </a:solidFill>
+          </a:ln>
+          <a:effectLst>
+            <a:outerShdw blurRad="63500" sx="102000" sy="102000" algn="ctr" rotWithShape="0">
+              <a:prstClr val="black">
+                <a:alpha val="40000"/>
+              </a:prstClr>
+            </a:outerShdw>
+          </a:effectLst>
+        </p:spPr>
+        <p:style>
+          <a:lnRef idx="2">
+            <a:schemeClr val="accent1">
+              <a:shade val="50000"/>
+            </a:schemeClr>
+          </a:lnRef>
+          <a:fillRef idx="1">
+            <a:schemeClr val="accent1"/>
+          </a:fillRef>
+          <a:effectRef idx="0">
+            <a:schemeClr val="accent1"/>
+          </a:effectRef>
+          <a:fontRef idx="minor">
+            <a:schemeClr val="lt1"/>
+          </a:fontRef>
+        </p:style>
+        <p:txBody>
+          <a:bodyPr rtlCol="0" anchor="t"/>
+          <a:lstStyle/>
+          <a:p>
+            <a:pPr algn="ctr"/>
+            <a:r>
+              <a:rPr lang="fr-FR" b="1" dirty="0" smtClean="0">
+                <a:solidFill>
+                  <a:schemeClr val="tx1"/>
+                </a:solidFill>
+              </a:rPr>
+              <a:t>Store</a:t>
+            </a:r>
+            <a:endParaRPr lang="en-US" b="1" dirty="0">
+              <a:solidFill>
+                <a:schemeClr val="tx1"/>
+              </a:solidFill>
+            </a:endParaRPr>
+          </a:p>
+          <a:p>
+            <a:pPr algn="ctr"/>
+            <a:endParaRPr lang="fr-FR" b="1" dirty="0">
+              <a:solidFill>
+                <a:schemeClr val="tx1"/>
+              </a:solidFill>
+            </a:endParaRPr>
+          </a:p>
+        </p:txBody>
+      </p:sp>
+      <p:sp>
+        <p:nvSpPr>
+          <p:cNvPr id="25" name="Rectangle à coins arrondis 11"/>
+          <p:cNvSpPr/>
+          <p:nvPr/>
+        </p:nvSpPr>
+        <p:spPr>
+          <a:xfrm>
+            <a:off x="3964463" y="2108518"/>
+            <a:ext cx="1552575" cy="828675"/>
+          </a:xfrm>
+          <a:prstGeom prst="roundRect">
+            <a:avLst/>
+          </a:prstGeom>
+          <a:solidFill>
+            <a:schemeClr val="accent2"/>
+          </a:solidFill>
+          <a:ln w="28575">
+            <a:solidFill>
+              <a:schemeClr val="bg1"/>
+            </a:solidFill>
+          </a:ln>
+          <a:effectLst>
+            <a:outerShdw blurRad="63500" sx="102000" sy="102000" algn="ctr" rotWithShape="0">
+              <a:prstClr val="black">
+                <a:alpha val="40000"/>
+              </a:prstClr>
+            </a:outerShdw>
+          </a:effectLst>
+        </p:spPr>
+        <p:style>
+          <a:lnRef idx="2">
+            <a:schemeClr val="accent1">
+              <a:shade val="50000"/>
+            </a:schemeClr>
+          </a:lnRef>
+          <a:fillRef idx="1">
+            <a:schemeClr val="accent1"/>
+          </a:fillRef>
+          <a:effectRef idx="0">
+            <a:schemeClr val="accent1"/>
+          </a:effectRef>
+          <a:fontRef idx="minor">
+            <a:schemeClr val="lt1"/>
+          </a:fontRef>
+        </p:style>
+        <p:txBody>
+          <a:bodyPr rtlCol="0" anchor="ctr"/>
+          <a:lstStyle/>
+          <a:p>
+            <a:pPr algn="ctr"/>
+            <a:r>
+              <a:rPr lang="fr-FR" b="1" dirty="0" smtClean="0"/>
+              <a:t>Action</a:t>
+            </a:r>
+            <a:endParaRPr lang="fr-FR" b="1" dirty="0"/>
+          </a:p>
+        </p:txBody>
+      </p:sp>
+      <p:sp>
+        <p:nvSpPr>
+          <p:cNvPr id="26" name="Rectangle à coins arrondis 11"/>
+          <p:cNvSpPr/>
+          <p:nvPr/>
+        </p:nvSpPr>
+        <p:spPr>
+          <a:xfrm>
+            <a:off x="6630353" y="3899537"/>
+            <a:ext cx="1332548" cy="1194117"/>
+          </a:xfrm>
+          <a:prstGeom prst="roundRect">
+            <a:avLst>
+              <a:gd name="adj" fmla="val 9698"/>
+            </a:avLst>
+          </a:prstGeom>
+          <a:solidFill>
+            <a:schemeClr val="accent6"/>
+          </a:solidFill>
+          <a:ln w="28575">
+            <a:solidFill>
+              <a:schemeClr val="bg1"/>
+            </a:solidFill>
+          </a:ln>
+          <a:effectLst>
+            <a:outerShdw blurRad="63500" sx="102000" sy="102000" algn="ctr" rotWithShape="0">
+              <a:prstClr val="black">
+                <a:alpha val="40000"/>
+              </a:prstClr>
+            </a:outerShdw>
+          </a:effectLst>
+        </p:spPr>
+        <p:style>
+          <a:lnRef idx="2">
+            <a:schemeClr val="accent1">
+              <a:shade val="50000"/>
+            </a:schemeClr>
+          </a:lnRef>
+          <a:fillRef idx="1">
+            <a:schemeClr val="accent1"/>
+          </a:fillRef>
+          <a:effectRef idx="0">
+            <a:schemeClr val="accent1"/>
+          </a:effectRef>
+          <a:fontRef idx="minor">
+            <a:schemeClr val="lt1"/>
+          </a:fontRef>
+        </p:style>
+        <p:txBody>
+          <a:bodyPr rtlCol="0" anchor="t"/>
+          <a:lstStyle/>
+          <a:p>
+            <a:pPr algn="ctr"/>
+            <a:r>
+              <a:rPr lang="fr-FR" b="1" dirty="0" err="1" smtClean="0"/>
+              <a:t>Reducers</a:t>
+            </a:r>
+            <a:endParaRPr lang="en-US" b="1" dirty="0" smtClean="0"/>
+          </a:p>
+        </p:txBody>
+      </p:sp>
+      <p:sp>
+        <p:nvSpPr>
+          <p:cNvPr id="27" name="Rectangle à coins arrondis 11"/>
+          <p:cNvSpPr/>
+          <p:nvPr/>
+        </p:nvSpPr>
+        <p:spPr>
+          <a:xfrm>
+            <a:off x="6804461" y="4357143"/>
+            <a:ext cx="274717" cy="302537"/>
+          </a:xfrm>
+          <a:prstGeom prst="roundRect">
+            <a:avLst/>
+          </a:prstGeom>
+          <a:solidFill>
+            <a:schemeClr val="accent6">
+              <a:lumMod val="75000"/>
+            </a:schemeClr>
+          </a:solidFill>
+          <a:ln w="28575">
+            <a:noFill/>
+          </a:ln>
+          <a:effectLst>
+            <a:outerShdw blurRad="63500" sx="102000" sy="102000" algn="ctr" rotWithShape="0">
+              <a:prstClr val="black">
+                <a:alpha val="40000"/>
+              </a:prstClr>
+            </a:outerShdw>
+          </a:effectLst>
+        </p:spPr>
+        <p:style>
+          <a:lnRef idx="2">
+            <a:schemeClr val="accent1">
+              <a:shade val="50000"/>
+            </a:schemeClr>
+          </a:lnRef>
+          <a:fillRef idx="1">
+            <a:schemeClr val="accent1"/>
+          </a:fillRef>
+          <a:effectRef idx="0">
+            <a:schemeClr val="accent1"/>
+          </a:effectRef>
+          <a:fontRef idx="minor">
+            <a:schemeClr val="lt1"/>
+          </a:fontRef>
+        </p:style>
+        <p:txBody>
+          <a:bodyPr rtlCol="0" anchor="ctr"/>
+          <a:lstStyle/>
+          <a:p>
+            <a:pPr algn="ctr"/>
+            <a:r>
+              <a:rPr lang="fr-FR" b="1" dirty="0" smtClean="0"/>
+              <a:t>R</a:t>
+            </a:r>
+            <a:endParaRPr lang="en-US" b="1" dirty="0" smtClean="0"/>
+          </a:p>
+        </p:txBody>
+      </p:sp>
+      <p:sp>
+        <p:nvSpPr>
+          <p:cNvPr id="28" name="Rectangle à coins arrondis 11"/>
+          <p:cNvSpPr/>
+          <p:nvPr/>
+        </p:nvSpPr>
+        <p:spPr>
+          <a:xfrm>
+            <a:off x="7155295" y="4689458"/>
+            <a:ext cx="274717" cy="302537"/>
+          </a:xfrm>
+          <a:prstGeom prst="roundRect">
+            <a:avLst/>
+          </a:prstGeom>
+          <a:solidFill>
+            <a:schemeClr val="accent6">
+              <a:lumMod val="75000"/>
+            </a:schemeClr>
+          </a:solidFill>
+          <a:ln w="28575">
+            <a:noFill/>
+          </a:ln>
+          <a:effectLst>
+            <a:outerShdw blurRad="63500" sx="102000" sy="102000" algn="ctr" rotWithShape="0">
+              <a:prstClr val="black">
+                <a:alpha val="40000"/>
+              </a:prstClr>
+            </a:outerShdw>
+          </a:effectLst>
+        </p:spPr>
+        <p:style>
+          <a:lnRef idx="2">
+            <a:schemeClr val="accent1">
+              <a:shade val="50000"/>
+            </a:schemeClr>
+          </a:lnRef>
+          <a:fillRef idx="1">
+            <a:schemeClr val="accent1"/>
+          </a:fillRef>
+          <a:effectRef idx="0">
+            <a:schemeClr val="accent1"/>
+          </a:effectRef>
+          <a:fontRef idx="minor">
+            <a:schemeClr val="lt1"/>
+          </a:fontRef>
+        </p:style>
+        <p:txBody>
+          <a:bodyPr rtlCol="0" anchor="ctr"/>
+          <a:lstStyle/>
+          <a:p>
+            <a:pPr algn="ctr"/>
+            <a:r>
+              <a:rPr lang="fr-FR" b="1" dirty="0" smtClean="0"/>
+              <a:t>R</a:t>
+            </a:r>
+            <a:endParaRPr lang="en-US" b="1" dirty="0" smtClean="0"/>
+          </a:p>
+        </p:txBody>
+      </p:sp>
+      <p:sp>
+        <p:nvSpPr>
+          <p:cNvPr id="29" name="Rectangle à coins arrondis 11"/>
+          <p:cNvSpPr/>
+          <p:nvPr/>
+        </p:nvSpPr>
+        <p:spPr>
+          <a:xfrm>
+            <a:off x="7497563" y="4353491"/>
+            <a:ext cx="274717" cy="302537"/>
+          </a:xfrm>
+          <a:prstGeom prst="roundRect">
+            <a:avLst/>
+          </a:prstGeom>
+          <a:solidFill>
+            <a:schemeClr val="accent6">
+              <a:lumMod val="75000"/>
+            </a:schemeClr>
+          </a:solidFill>
+          <a:ln w="28575">
+            <a:noFill/>
+          </a:ln>
+          <a:effectLst>
+            <a:outerShdw blurRad="63500" sx="102000" sy="102000" algn="ctr" rotWithShape="0">
+              <a:prstClr val="black">
+                <a:alpha val="40000"/>
+              </a:prstClr>
+            </a:outerShdw>
+          </a:effectLst>
+        </p:spPr>
+        <p:style>
+          <a:lnRef idx="2">
+            <a:schemeClr val="accent1">
+              <a:shade val="50000"/>
+            </a:schemeClr>
+          </a:lnRef>
+          <a:fillRef idx="1">
+            <a:schemeClr val="accent1"/>
+          </a:fillRef>
+          <a:effectRef idx="0">
+            <a:schemeClr val="accent1"/>
+          </a:effectRef>
+          <a:fontRef idx="minor">
+            <a:schemeClr val="lt1"/>
+          </a:fontRef>
+        </p:style>
+        <p:txBody>
+          <a:bodyPr rtlCol="0" anchor="ctr"/>
+          <a:lstStyle/>
+          <a:p>
+            <a:pPr algn="ctr"/>
+            <a:r>
+              <a:rPr lang="fr-FR" b="1" dirty="0" smtClean="0"/>
+              <a:t>R</a:t>
+            </a:r>
+            <a:endParaRPr lang="en-US" b="1" dirty="0" smtClean="0"/>
+          </a:p>
+        </p:txBody>
+      </p:sp>
+      <p:sp>
+        <p:nvSpPr>
+          <p:cNvPr id="44" name="Rectangle à coins arrondis 11"/>
+          <p:cNvSpPr/>
+          <p:nvPr/>
+        </p:nvSpPr>
+        <p:spPr>
+          <a:xfrm>
+            <a:off x="6630353" y="5258436"/>
+            <a:ext cx="1332548" cy="414338"/>
+          </a:xfrm>
+          <a:prstGeom prst="roundRect">
+            <a:avLst/>
+          </a:prstGeom>
+          <a:solidFill>
+            <a:schemeClr val="accent2"/>
+          </a:solidFill>
+          <a:ln w="28575">
+            <a:noFill/>
+          </a:ln>
+          <a:effectLst>
+            <a:outerShdw blurRad="63500" sx="102000" sy="102000" algn="ctr" rotWithShape="0">
+              <a:prstClr val="black">
+                <a:alpha val="40000"/>
+              </a:prstClr>
+            </a:outerShdw>
+          </a:effectLst>
+        </p:spPr>
+        <p:style>
+          <a:lnRef idx="2">
+            <a:schemeClr val="accent1">
+              <a:shade val="50000"/>
+            </a:schemeClr>
+          </a:lnRef>
+          <a:fillRef idx="1">
+            <a:schemeClr val="accent1"/>
+          </a:fillRef>
+          <a:effectRef idx="0">
+            <a:schemeClr val="accent1"/>
+          </a:effectRef>
+          <a:fontRef idx="minor">
+            <a:schemeClr val="lt1"/>
+          </a:fontRef>
+        </p:style>
+        <p:txBody>
+          <a:bodyPr rtlCol="0" anchor="ctr"/>
+          <a:lstStyle/>
+          <a:p>
+            <a:pPr algn="ctr"/>
+            <a:r>
+              <a:rPr lang="fr-FR" b="1" dirty="0" smtClean="0"/>
+              <a:t>State</a:t>
+            </a:r>
+            <a:endParaRPr lang="fr-FR" b="1" dirty="0"/>
+          </a:p>
+        </p:txBody>
+      </p:sp>
+      <p:cxnSp>
+        <p:nvCxnSpPr>
+          <p:cNvPr id="33812" name="Elbow Connector 33811"/>
+          <p:cNvCxnSpPr>
+            <a:stCxn id="44" idx="1"/>
+          </p:cNvCxnSpPr>
+          <p:nvPr/>
+        </p:nvCxnSpPr>
+        <p:spPr>
+          <a:xfrm rot="10800000" flipH="1">
+            <a:off x="6630353" y="3863999"/>
+            <a:ext cx="258880" cy="1601606"/>
+          </a:xfrm>
+          <a:prstGeom prst="bentConnector4">
+            <a:avLst>
+              <a:gd name="adj1" fmla="val -55925"/>
+              <a:gd name="adj2" fmla="val 115464"/>
+            </a:avLst>
+          </a:prstGeom>
+          <a:ln w="38100">
+            <a:solidFill>
+              <a:srgbClr val="FF0000"/>
+            </a:solidFill>
+            <a:tailEnd type="arrow"/>
+          </a:ln>
+        </p:spPr>
+        <p:style>
+          <a:lnRef idx="1">
+            <a:schemeClr val="accent3"/>
+          </a:lnRef>
+          <a:fillRef idx="0">
+            <a:schemeClr val="accent3"/>
+          </a:fillRef>
+          <a:effectRef idx="0">
+            <a:schemeClr val="accent3"/>
+          </a:effectRef>
+          <a:fontRef idx="minor">
+            <a:schemeClr val="tx1"/>
+          </a:fontRef>
+        </p:style>
+      </p:cxnSp>
+      <p:sp>
+        <p:nvSpPr>
+          <p:cNvPr id="43" name="Rectangle à coins arrondis 11"/>
+          <p:cNvSpPr/>
+          <p:nvPr/>
+        </p:nvSpPr>
+        <p:spPr>
+          <a:xfrm>
+            <a:off x="6630353" y="2096451"/>
+            <a:ext cx="1332548" cy="414338"/>
+          </a:xfrm>
+          <a:prstGeom prst="roundRect">
+            <a:avLst/>
+          </a:prstGeom>
+          <a:solidFill>
+            <a:schemeClr val="bg1">
+              <a:lumMod val="75000"/>
+            </a:schemeClr>
+          </a:solidFill>
+          <a:ln w="28575">
+            <a:noFill/>
+          </a:ln>
+          <a:effectLst>
+            <a:outerShdw blurRad="63500" sx="102000" sy="102000" algn="ctr" rotWithShape="0">
+              <a:prstClr val="black">
+                <a:alpha val="40000"/>
+              </a:prstClr>
+            </a:outerShdw>
+          </a:effectLst>
+        </p:spPr>
+        <p:style>
+          <a:lnRef idx="2">
+            <a:schemeClr val="accent1">
+              <a:shade val="50000"/>
+            </a:schemeClr>
+          </a:lnRef>
+          <a:fillRef idx="1">
+            <a:schemeClr val="accent1"/>
+          </a:fillRef>
+          <a:effectRef idx="0">
+            <a:schemeClr val="accent1"/>
+          </a:effectRef>
+          <a:fontRef idx="minor">
+            <a:schemeClr val="lt1"/>
+          </a:fontRef>
+        </p:style>
+        <p:txBody>
+          <a:bodyPr rtlCol="0" anchor="ctr"/>
+          <a:lstStyle/>
+          <a:p>
+            <a:pPr algn="ctr"/>
+            <a:r>
+              <a:rPr lang="fr-FR" sz="1600" b="1" dirty="0" smtClean="0"/>
+              <a:t>middlewares</a:t>
+            </a:r>
+            <a:endParaRPr lang="fr-FR" sz="1600" b="1" dirty="0"/>
+          </a:p>
+        </p:txBody>
+      </p:sp>
+      <p:sp>
+        <p:nvSpPr>
+          <p:cNvPr id="46" name="Rectangle à coins arrondis 11"/>
+          <p:cNvSpPr/>
+          <p:nvPr/>
+        </p:nvSpPr>
+        <p:spPr>
+          <a:xfrm>
+            <a:off x="8749557" y="1909126"/>
+            <a:ext cx="1552575" cy="414337"/>
+          </a:xfrm>
+          <a:prstGeom prst="roundRect">
+            <a:avLst/>
+          </a:prstGeom>
+          <a:solidFill>
+            <a:schemeClr val="accent2"/>
+          </a:solidFill>
+          <a:ln w="28575">
+            <a:solidFill>
+              <a:schemeClr val="bg1"/>
+            </a:solidFill>
+          </a:ln>
+          <a:effectLst>
+            <a:outerShdw blurRad="63500" sx="102000" sy="102000" algn="ctr" rotWithShape="0">
+              <a:prstClr val="black">
+                <a:alpha val="40000"/>
+              </a:prstClr>
+            </a:outerShdw>
+          </a:effectLst>
+        </p:spPr>
+        <p:style>
+          <a:lnRef idx="2">
+            <a:schemeClr val="accent1">
+              <a:shade val="50000"/>
+            </a:schemeClr>
+          </a:lnRef>
+          <a:fillRef idx="1">
+            <a:schemeClr val="accent1"/>
+          </a:fillRef>
+          <a:effectRef idx="0">
+            <a:schemeClr val="accent1"/>
+          </a:effectRef>
+          <a:fontRef idx="minor">
+            <a:schemeClr val="lt1"/>
+          </a:fontRef>
+        </p:style>
+        <p:txBody>
+          <a:bodyPr rtlCol="0" anchor="ctr"/>
+          <a:lstStyle/>
+          <a:p>
+            <a:pPr algn="ctr"/>
+            <a:r>
+              <a:rPr lang="fr-FR" b="1" dirty="0"/>
+              <a:t>API</a:t>
+            </a:r>
+          </a:p>
+        </p:txBody>
+      </p:sp>
+      <p:sp>
+        <p:nvSpPr>
+          <p:cNvPr id="47" name="Rectangle à coins arrondis 11"/>
+          <p:cNvSpPr/>
+          <p:nvPr/>
+        </p:nvSpPr>
+        <p:spPr>
+          <a:xfrm>
+            <a:off x="8749556" y="2446943"/>
+            <a:ext cx="1552575" cy="414337"/>
+          </a:xfrm>
+          <a:prstGeom prst="roundRect">
+            <a:avLst/>
+          </a:prstGeom>
+          <a:solidFill>
+            <a:schemeClr val="accent2"/>
+          </a:solidFill>
+          <a:ln w="28575">
+            <a:solidFill>
+              <a:schemeClr val="bg1"/>
+            </a:solidFill>
+          </a:ln>
+          <a:effectLst>
+            <a:outerShdw blurRad="63500" sx="102000" sy="102000" algn="ctr" rotWithShape="0">
+              <a:prstClr val="black">
+                <a:alpha val="40000"/>
+              </a:prstClr>
+            </a:outerShdw>
+          </a:effectLst>
+        </p:spPr>
+        <p:style>
+          <a:lnRef idx="2">
+            <a:schemeClr val="accent1">
+              <a:shade val="50000"/>
+            </a:schemeClr>
+          </a:lnRef>
+          <a:fillRef idx="1">
+            <a:schemeClr val="accent1"/>
+          </a:fillRef>
+          <a:effectRef idx="0">
+            <a:schemeClr val="accent1"/>
+          </a:effectRef>
+          <a:fontRef idx="minor">
+            <a:schemeClr val="lt1"/>
+          </a:fontRef>
+        </p:style>
+        <p:txBody>
+          <a:bodyPr rtlCol="0" anchor="ctr"/>
+          <a:lstStyle/>
+          <a:p>
+            <a:pPr algn="ctr"/>
+            <a:r>
+              <a:rPr lang="fr-FR" b="1" dirty="0"/>
+              <a:t>Logs</a:t>
+            </a:r>
+          </a:p>
+        </p:txBody>
+      </p:sp>
+      <p:sp>
+        <p:nvSpPr>
+          <p:cNvPr id="48" name="Rectangle à coins arrondis 11"/>
+          <p:cNvSpPr/>
+          <p:nvPr/>
+        </p:nvSpPr>
+        <p:spPr>
+          <a:xfrm>
+            <a:off x="8749555" y="2984760"/>
+            <a:ext cx="1552575" cy="414337"/>
+          </a:xfrm>
+          <a:prstGeom prst="roundRect">
+            <a:avLst/>
+          </a:prstGeom>
+          <a:solidFill>
+            <a:schemeClr val="accent2"/>
+          </a:solidFill>
+          <a:ln w="28575">
+            <a:solidFill>
+              <a:schemeClr val="bg1"/>
+            </a:solidFill>
+          </a:ln>
+          <a:effectLst>
+            <a:outerShdw blurRad="63500" sx="102000" sy="102000" algn="ctr" rotWithShape="0">
+              <a:prstClr val="black">
+                <a:alpha val="40000"/>
+              </a:prstClr>
+            </a:outerShdw>
+          </a:effectLst>
+        </p:spPr>
+        <p:style>
+          <a:lnRef idx="2">
+            <a:schemeClr val="accent1">
+              <a:shade val="50000"/>
+            </a:schemeClr>
+          </a:lnRef>
+          <a:fillRef idx="1">
+            <a:schemeClr val="accent1"/>
+          </a:fillRef>
+          <a:effectRef idx="0">
+            <a:schemeClr val="accent1"/>
+          </a:effectRef>
+          <a:fontRef idx="minor">
+            <a:schemeClr val="lt1"/>
+          </a:fontRef>
+        </p:style>
+        <p:txBody>
+          <a:bodyPr rtlCol="0" anchor="ctr"/>
+          <a:lstStyle/>
+          <a:p>
+            <a:pPr algn="ctr"/>
+            <a:r>
+              <a:rPr lang="fr-FR" b="1" dirty="0" smtClean="0"/>
+              <a:t>Delay actions</a:t>
+            </a:r>
+            <a:endParaRPr lang="fr-FR" b="1" dirty="0"/>
+          </a:p>
+        </p:txBody>
+      </p:sp>
+      <p:cxnSp>
+        <p:nvCxnSpPr>
+          <p:cNvPr id="41" name="Straight Arrow Connector 40"/>
+          <p:cNvCxnSpPr/>
+          <p:nvPr/>
+        </p:nvCxnSpPr>
+        <p:spPr>
+          <a:xfrm>
+            <a:off x="7962901" y="2219800"/>
+            <a:ext cx="579119" cy="0"/>
+          </a:xfrm>
+          <a:prstGeom prst="straightConnector1">
+            <a:avLst/>
+          </a:prstGeom>
+          <a:ln w="38100">
+            <a:tailEnd type="arrow"/>
+          </a:ln>
+        </p:spPr>
+        <p:style>
+          <a:lnRef idx="1">
+            <a:schemeClr val="accent3"/>
+          </a:lnRef>
+          <a:fillRef idx="0">
+            <a:schemeClr val="accent3"/>
+          </a:fillRef>
+          <a:effectRef idx="0">
+            <a:schemeClr val="accent3"/>
+          </a:effectRef>
+          <a:fontRef idx="minor">
+            <a:schemeClr val="tx1"/>
+          </a:fontRef>
+        </p:style>
+      </p:cxnSp>
+      <p:cxnSp>
+        <p:nvCxnSpPr>
+          <p:cNvPr id="51" name="Straight Arrow Connector 50"/>
+          <p:cNvCxnSpPr/>
+          <p:nvPr/>
+        </p:nvCxnSpPr>
+        <p:spPr>
+          <a:xfrm flipH="1">
+            <a:off x="7955280" y="2365210"/>
+            <a:ext cx="579119" cy="0"/>
+          </a:xfrm>
+          <a:prstGeom prst="straightConnector1">
+            <a:avLst/>
+          </a:prstGeom>
+          <a:ln w="38100">
+            <a:tailEnd type="arrow"/>
+          </a:ln>
+        </p:spPr>
+        <p:style>
+          <a:lnRef idx="1">
+            <a:schemeClr val="accent3"/>
+          </a:lnRef>
+          <a:fillRef idx="0">
+            <a:schemeClr val="accent3"/>
+          </a:fillRef>
+          <a:effectRef idx="0">
+            <a:schemeClr val="accent3"/>
+          </a:effectRef>
+          <a:fontRef idx="minor">
+            <a:schemeClr val="tx1"/>
+          </a:fontRef>
+        </p:style>
+      </p:cxnSp>
+      <p:cxnSp>
+        <p:nvCxnSpPr>
+          <p:cNvPr id="49" name="Straight Arrow Connector 48"/>
+          <p:cNvCxnSpPr>
+            <a:stCxn id="23" idx="0"/>
+            <a:endCxn id="25" idx="2"/>
+          </p:cNvCxnSpPr>
+          <p:nvPr/>
+        </p:nvCxnSpPr>
+        <p:spPr>
+          <a:xfrm flipV="1">
+            <a:off x="4740751" y="2937193"/>
+            <a:ext cx="0" cy="1874482"/>
+          </a:xfrm>
+          <a:prstGeom prst="straightConnector1">
+            <a:avLst/>
+          </a:prstGeom>
+          <a:ln w="38100">
+            <a:tailEnd type="arrow"/>
+          </a:ln>
+        </p:spPr>
+        <p:style>
+          <a:lnRef idx="1">
+            <a:schemeClr val="accent3"/>
+          </a:lnRef>
+          <a:fillRef idx="0">
+            <a:schemeClr val="accent3"/>
+          </a:fillRef>
+          <a:effectRef idx="0">
+            <a:schemeClr val="accent3"/>
+          </a:effectRef>
+          <a:fontRef idx="minor">
+            <a:schemeClr val="tx1"/>
+          </a:fontRef>
+        </p:style>
+      </p:cxnSp>
+      <p:cxnSp>
+        <p:nvCxnSpPr>
+          <p:cNvPr id="54" name="Elbow Connector 53"/>
+          <p:cNvCxnSpPr>
+            <a:stCxn id="44" idx="2"/>
+            <a:endCxn id="23" idx="2"/>
+          </p:cNvCxnSpPr>
+          <p:nvPr/>
+        </p:nvCxnSpPr>
+        <p:spPr>
+          <a:xfrm rot="5400000" flipH="1">
+            <a:off x="5978664" y="4354812"/>
+            <a:ext cx="80049" cy="2555876"/>
+          </a:xfrm>
+          <a:prstGeom prst="bentConnector3">
+            <a:avLst>
+              <a:gd name="adj1" fmla="val -285575"/>
+            </a:avLst>
+          </a:prstGeom>
+          <a:ln w="38100">
+            <a:tailEnd type="arrow"/>
+          </a:ln>
+        </p:spPr>
+        <p:style>
+          <a:lnRef idx="1">
+            <a:schemeClr val="accent3"/>
+          </a:lnRef>
+          <a:fillRef idx="0">
+            <a:schemeClr val="accent3"/>
+          </a:fillRef>
+          <a:effectRef idx="0">
+            <a:schemeClr val="accent3"/>
+          </a:effectRef>
+          <a:fontRef idx="minor">
+            <a:schemeClr val="tx1"/>
+          </a:fontRef>
+        </p:style>
+      </p:cxnSp>
+      <p:cxnSp>
+        <p:nvCxnSpPr>
+          <p:cNvPr id="56" name="Elbow Connector 55"/>
+          <p:cNvCxnSpPr>
+            <a:stCxn id="25" idx="0"/>
+            <a:endCxn id="22" idx="0"/>
+          </p:cNvCxnSpPr>
+          <p:nvPr/>
+        </p:nvCxnSpPr>
+        <p:spPr>
+          <a:xfrm rot="5400000" flipH="1" flipV="1">
+            <a:off x="5960842" y="776707"/>
+            <a:ext cx="111720" cy="2551902"/>
+          </a:xfrm>
+          <a:prstGeom prst="bentConnector3">
+            <a:avLst>
+              <a:gd name="adj1" fmla="val 304619"/>
+            </a:avLst>
+          </a:prstGeom>
+          <a:ln w="38100">
+            <a:tailEnd type="arrow"/>
+          </a:ln>
+        </p:spPr>
+        <p:style>
+          <a:lnRef idx="1">
+            <a:schemeClr val="accent3"/>
+          </a:lnRef>
+          <a:fillRef idx="0">
+            <a:schemeClr val="accent3"/>
+          </a:fillRef>
+          <a:effectRef idx="0">
+            <a:schemeClr val="accent3"/>
+          </a:effectRef>
+          <a:fontRef idx="minor">
+            <a:schemeClr val="tx1"/>
+          </a:fontRef>
+        </p:style>
+      </p:cxnSp>
+      <p:sp>
+        <p:nvSpPr>
+          <p:cNvPr id="61" name="Rectangle à coins arrondis 11"/>
+          <p:cNvSpPr/>
+          <p:nvPr/>
+        </p:nvSpPr>
+        <p:spPr>
+          <a:xfrm>
+            <a:off x="8749555" y="3522577"/>
+            <a:ext cx="1552575" cy="414337"/>
+          </a:xfrm>
+          <a:prstGeom prst="roundRect">
+            <a:avLst/>
+          </a:prstGeom>
+          <a:solidFill>
+            <a:schemeClr val="accent2"/>
+          </a:solidFill>
+          <a:ln w="28575">
+            <a:solidFill>
+              <a:schemeClr val="bg1"/>
+            </a:solidFill>
+          </a:ln>
+          <a:effectLst>
+            <a:outerShdw blurRad="63500" sx="102000" sy="102000" algn="ctr" rotWithShape="0">
+              <a:prstClr val="black">
+                <a:alpha val="40000"/>
+              </a:prstClr>
+            </a:outerShdw>
+          </a:effectLst>
+        </p:spPr>
+        <p:style>
+          <a:lnRef idx="2">
+            <a:schemeClr val="accent1">
+              <a:shade val="50000"/>
+            </a:schemeClr>
+          </a:lnRef>
+          <a:fillRef idx="1">
+            <a:schemeClr val="accent1"/>
+          </a:fillRef>
+          <a:effectRef idx="0">
+            <a:schemeClr val="accent1"/>
+          </a:effectRef>
+          <a:fontRef idx="minor">
+            <a:schemeClr val="lt1"/>
+          </a:fontRef>
+        </p:style>
+        <p:txBody>
+          <a:bodyPr rtlCol="0" anchor="ctr"/>
+          <a:lstStyle/>
+          <a:p>
+            <a:pPr algn="ctr"/>
+            <a:r>
+              <a:rPr lang="fr-FR" b="1" dirty="0" smtClean="0"/>
+              <a:t>Loop actions</a:t>
+            </a:r>
+            <a:endParaRPr lang="fr-FR" b="1" dirty="0"/>
+          </a:p>
+        </p:txBody>
+      </p:sp>
+      <p:sp>
+        <p:nvSpPr>
+          <p:cNvPr id="62" name="Rectangle à coins arrondis 11"/>
+          <p:cNvSpPr/>
+          <p:nvPr/>
+        </p:nvSpPr>
+        <p:spPr>
+          <a:xfrm>
+            <a:off x="8749555" y="4060394"/>
+            <a:ext cx="1552575" cy="414337"/>
+          </a:xfrm>
+          <a:prstGeom prst="roundRect">
+            <a:avLst/>
+          </a:prstGeom>
+          <a:solidFill>
+            <a:schemeClr val="accent2"/>
+          </a:solidFill>
+          <a:ln w="28575">
+            <a:solidFill>
+              <a:schemeClr val="bg1"/>
+            </a:solidFill>
+          </a:ln>
+          <a:effectLst>
+            <a:outerShdw blurRad="63500" sx="102000" sy="102000" algn="ctr" rotWithShape="0">
+              <a:prstClr val="black">
+                <a:alpha val="40000"/>
+              </a:prstClr>
+            </a:outerShdw>
+          </a:effectLst>
+        </p:spPr>
+        <p:style>
+          <a:lnRef idx="2">
+            <a:schemeClr val="accent1">
+              <a:shade val="50000"/>
+            </a:schemeClr>
+          </a:lnRef>
+          <a:fillRef idx="1">
+            <a:schemeClr val="accent1"/>
+          </a:fillRef>
+          <a:effectRef idx="0">
+            <a:schemeClr val="accent1"/>
+          </a:effectRef>
+          <a:fontRef idx="minor">
+            <a:schemeClr val="lt1"/>
+          </a:fontRef>
+        </p:style>
+        <p:txBody>
+          <a:bodyPr rtlCol="0" anchor="ctr"/>
+          <a:lstStyle/>
+          <a:p>
+            <a:pPr algn="ctr"/>
+            <a:r>
+              <a:rPr lang="fr-FR" b="1" dirty="0" smtClean="0"/>
+              <a:t>Crash report</a:t>
+            </a:r>
+            <a:endParaRPr lang="fr-FR" b="1" dirty="0"/>
+          </a:p>
+        </p:txBody>
+      </p:sp>
+      <p:sp>
+        <p:nvSpPr>
+          <p:cNvPr id="63" name="Rectangle à coins arrondis 11"/>
+          <p:cNvSpPr/>
+          <p:nvPr/>
+        </p:nvSpPr>
+        <p:spPr>
+          <a:xfrm>
+            <a:off x="8749555" y="4598210"/>
+            <a:ext cx="1552575" cy="414337"/>
+          </a:xfrm>
+          <a:prstGeom prst="roundRect">
+            <a:avLst/>
+          </a:prstGeom>
+          <a:solidFill>
+            <a:schemeClr val="accent2"/>
+          </a:solidFill>
+          <a:ln w="28575">
+            <a:solidFill>
+              <a:schemeClr val="bg1"/>
+            </a:solidFill>
+          </a:ln>
+          <a:effectLst>
+            <a:outerShdw blurRad="63500" sx="102000" sy="102000" algn="ctr" rotWithShape="0">
+              <a:prstClr val="black">
+                <a:alpha val="40000"/>
+              </a:prstClr>
+            </a:outerShdw>
+          </a:effectLst>
+        </p:spPr>
+        <p:style>
+          <a:lnRef idx="2">
+            <a:schemeClr val="accent1">
+              <a:shade val="50000"/>
+            </a:schemeClr>
+          </a:lnRef>
+          <a:fillRef idx="1">
+            <a:schemeClr val="accent1"/>
+          </a:fillRef>
+          <a:effectRef idx="0">
+            <a:schemeClr val="accent1"/>
+          </a:effectRef>
+          <a:fontRef idx="minor">
+            <a:schemeClr val="lt1"/>
+          </a:fontRef>
+        </p:style>
+        <p:txBody>
+          <a:bodyPr rtlCol="0" anchor="ctr"/>
+          <a:lstStyle/>
+          <a:p>
+            <a:pPr algn="ctr"/>
+            <a:r>
+              <a:rPr lang="fr-FR" b="1" dirty="0" smtClean="0"/>
+              <a:t>…</a:t>
+            </a:r>
+            <a:endParaRPr lang="fr-FR" b="1" dirty="0"/>
+          </a:p>
+        </p:txBody>
+      </p:sp>
+      <p:cxnSp>
+        <p:nvCxnSpPr>
+          <p:cNvPr id="20" name="Forme 58"/>
+          <p:cNvCxnSpPr>
+            <a:stCxn id="22" idx="2"/>
+            <a:endCxn id="26" idx="0"/>
+          </p:cNvCxnSpPr>
+          <p:nvPr/>
+        </p:nvCxnSpPr>
+        <p:spPr>
+          <a:xfrm rot="16200000" flipH="1">
+            <a:off x="6830241" y="3433150"/>
+            <a:ext cx="928799" cy="3974"/>
+          </a:xfrm>
+          <a:prstGeom prst="curvedConnector3">
+            <a:avLst>
+              <a:gd name="adj1" fmla="val 50000"/>
+            </a:avLst>
+          </a:prstGeom>
+          <a:ln w="38100">
+            <a:solidFill>
+              <a:srgbClr val="FF0000"/>
+            </a:solidFill>
+            <a:tailEnd type="arrow"/>
+          </a:ln>
+        </p:spPr>
+        <p:style>
+          <a:lnRef idx="1">
+            <a:schemeClr val="accent3"/>
+          </a:lnRef>
+          <a:fillRef idx="0">
+            <a:schemeClr val="accent3"/>
+          </a:fillRef>
+          <a:effectRef idx="0">
+            <a:schemeClr val="accent3"/>
+          </a:effectRef>
+          <a:fontRef idx="minor">
+            <a:schemeClr val="tx1"/>
+          </a:fontRef>
+        </p:style>
+      </p:cxnSp>
+      <p:sp>
+        <p:nvSpPr>
+          <p:cNvPr id="32" name="Rectangle 31"/>
+          <p:cNvSpPr/>
+          <p:nvPr/>
+        </p:nvSpPr>
+        <p:spPr>
+          <a:xfrm>
+            <a:off x="5749808" y="4228878"/>
+            <a:ext cx="644344" cy="369332"/>
+          </a:xfrm>
+          <a:prstGeom prst="rect">
+            <a:avLst/>
+          </a:prstGeom>
+        </p:spPr>
+        <p:txBody>
+          <a:bodyPr wrap="none">
+            <a:spAutoFit/>
+          </a:bodyPr>
+          <a:lstStyle/>
+          <a:p>
+            <a:r>
+              <a:rPr lang="en-US" dirty="0" smtClean="0">
+                <a:solidFill>
+                  <a:srgbClr val="FF0000"/>
+                </a:solidFill>
+              </a:rPr>
+              <a:t>state</a:t>
+            </a:r>
+            <a:endParaRPr lang="fr-FR" dirty="0">
+              <a:solidFill>
+                <a:srgbClr val="FF0000"/>
+              </a:solidFill>
+            </a:endParaRPr>
+          </a:p>
+        </p:txBody>
+      </p:sp>
+      <p:sp>
+        <p:nvSpPr>
+          <p:cNvPr id="33" name="Rectangle 32"/>
+          <p:cNvSpPr/>
+          <p:nvPr/>
+        </p:nvSpPr>
+        <p:spPr>
+          <a:xfrm>
+            <a:off x="7251642" y="3004885"/>
+            <a:ext cx="766557" cy="369332"/>
+          </a:xfrm>
+          <a:prstGeom prst="rect">
+            <a:avLst/>
+          </a:prstGeom>
+        </p:spPr>
+        <p:txBody>
+          <a:bodyPr wrap="none">
+            <a:spAutoFit/>
+          </a:bodyPr>
+          <a:lstStyle/>
+          <a:p>
+            <a:r>
+              <a:rPr lang="en-US" dirty="0" smtClean="0">
+                <a:solidFill>
+                  <a:srgbClr val="FF0000"/>
+                </a:solidFill>
+              </a:rPr>
+              <a:t>action</a:t>
+            </a:r>
+            <a:endParaRPr lang="fr-FR" dirty="0">
+              <a:solidFill>
+                <a:srgbClr val="FF0000"/>
+              </a:solidFill>
+            </a:endParaRPr>
+          </a:p>
+        </p:txBody>
+      </p:sp>
     </p:spTree>
     <p:extLst>
       <p:ext uri="{BB962C8B-B14F-4D97-AF65-F5344CB8AC3E}">
-        <p14:creationId xmlns:p14="http://schemas.microsoft.com/office/powerpoint/2010/main" val="3691361"/>
+        <p14:creationId xmlns:p14="http://schemas.microsoft.com/office/powerpoint/2010/main" val="2685233104"/>
       </p:ext>
     </p:extLst>
   </p:cSld>
@@ -20288,7 +21895,7 @@
       </p:grpSpPr>
       <p:sp>
         <p:nvSpPr>
-          <p:cNvPr id="2" name="Title 1"/>
+          <p:cNvPr id="2" name="Titre 1"/>
           <p:cNvSpPr>
             <a:spLocks noGrp="1"/>
           </p:cNvSpPr>
@@ -20302,39 +21909,28 @@
           <a:lstStyle/>
           <a:p>
             <a:r>
-              <a:rPr lang="en-US" noProof="0" smtClean="0"/>
-              <a:t>Wait, there’s more</a:t>
-            </a:r>
-            <a:endParaRPr lang="en-US" noProof="0"/>
-          </a:p>
-        </p:txBody>
-      </p:sp>
-      <p:sp>
-        <p:nvSpPr>
-          <p:cNvPr id="3" name="Text Placeholder 2"/>
-          <p:cNvSpPr>
-            <a:spLocks noGrp="1"/>
-          </p:cNvSpPr>
-          <p:nvPr>
-            <p:ph type="body" idx="1"/>
-          </p:nvPr>
-        </p:nvSpPr>
-        <p:spPr/>
-        <p:txBody>
-          <a:bodyPr/>
-          <a:lstStyle/>
-          <a:p>
-            <a:r>
-              <a:rPr lang="en-US" noProof="0" dirty="0" smtClean="0"/>
-              <a:t>Build, enhanced development process and how to test</a:t>
-            </a:r>
-            <a:endParaRPr lang="en-US" noProof="0" dirty="0"/>
-          </a:p>
-        </p:txBody>
-      </p:sp>
-      <p:sp>
-        <p:nvSpPr>
-          <p:cNvPr id="4" name="Date Placeholder 3"/>
+              <a:rPr lang="fr-FR" dirty="0" err="1" smtClean="0"/>
+              <a:t>Redux</a:t>
+            </a:r>
+            <a:r>
+              <a:rPr lang="fr-FR" dirty="0" smtClean="0"/>
+              <a:t> – </a:t>
+            </a:r>
+            <a:r>
+              <a:rPr lang="fr-FR" dirty="0" err="1" smtClean="0"/>
+              <a:t>workflow</a:t>
+            </a:r>
+            <a:r>
+              <a:rPr lang="fr-FR" dirty="0" smtClean="0"/>
+              <a:t> </a:t>
+            </a:r>
+            <a:endParaRPr lang="fr-FR" dirty="0"/>
+          </a:p>
+        </p:txBody>
+      </p:sp>
+      <p:sp>
+        <p:nvSpPr>
+          <p:cNvPr id="4" name="Espace réservé de la date 3"/>
           <p:cNvSpPr>
             <a:spLocks noGrp="1"/>
           </p:cNvSpPr>
@@ -20357,7 +21953,7 @@
       </p:sp>
       <p:sp>
         <p:nvSpPr>
-          <p:cNvPr id="5" name="Footer Placeholder 4"/>
+          <p:cNvPr id="5" name="Espace réservé du pied de page 4"/>
           <p:cNvSpPr>
             <a:spLocks noGrp="1"/>
           </p:cNvSpPr>
@@ -20374,13 +21970,13 @@
               <a:rPr lang="fr-FR" smtClean="0"/>
               <a:t>cedric.hartland@gmail.com</a:t>
             </a:r>
-            <a:endParaRPr lang="fr-FR"/>
-          </a:p>
-        </p:txBody>
-      </p:sp>
-      <p:sp>
-        <p:nvSpPr>
-          <p:cNvPr id="6" name="Slide Number Placeholder 5"/>
+            <a:endParaRPr lang="fr-FR" dirty="0"/>
+          </a:p>
+        </p:txBody>
+      </p:sp>
+      <p:sp>
+        <p:nvSpPr>
+          <p:cNvPr id="6" name="Espace réservé du numéro de diapositive 5"/>
           <p:cNvSpPr>
             <a:spLocks noGrp="1"/>
           </p:cNvSpPr>
@@ -20402,10 +21998,1270 @@
           </a:p>
         </p:txBody>
       </p:sp>
+      <p:cxnSp>
+        <p:nvCxnSpPr>
+          <p:cNvPr id="20" name="Forme 58"/>
+          <p:cNvCxnSpPr>
+            <a:stCxn id="22" idx="2"/>
+            <a:endCxn id="24" idx="0"/>
+          </p:cNvCxnSpPr>
+          <p:nvPr/>
+        </p:nvCxnSpPr>
+        <p:spPr>
+          <a:xfrm rot="16200000" flipH="1">
+            <a:off x="7075429" y="3187961"/>
+            <a:ext cx="437626" cy="3179"/>
+          </a:xfrm>
+          <a:prstGeom prst="curvedConnector3">
+            <a:avLst>
+              <a:gd name="adj1" fmla="val 50000"/>
+            </a:avLst>
+          </a:prstGeom>
+          <a:ln w="38100">
+            <a:tailEnd type="arrow"/>
+          </a:ln>
+        </p:spPr>
+        <p:style>
+          <a:lnRef idx="1">
+            <a:schemeClr val="accent3"/>
+          </a:lnRef>
+          <a:fillRef idx="0">
+            <a:schemeClr val="accent3"/>
+          </a:fillRef>
+          <a:effectRef idx="0">
+            <a:schemeClr val="accent3"/>
+          </a:effectRef>
+          <a:fontRef idx="minor">
+            <a:schemeClr val="tx1"/>
+          </a:fontRef>
+        </p:style>
+      </p:cxnSp>
+      <p:sp>
+        <p:nvSpPr>
+          <p:cNvPr id="22" name="Rectangle à coins arrondis 8"/>
+          <p:cNvSpPr/>
+          <p:nvPr/>
+        </p:nvSpPr>
+        <p:spPr>
+          <a:xfrm>
+            <a:off x="6516365" y="1996798"/>
+            <a:ext cx="1552575" cy="973940"/>
+          </a:xfrm>
+          <a:prstGeom prst="roundRect">
+            <a:avLst/>
+          </a:prstGeom>
+          <a:solidFill>
+            <a:schemeClr val="bg2">
+              <a:lumMod val="25000"/>
+            </a:schemeClr>
+          </a:solidFill>
+          <a:ln w="28575">
+            <a:solidFill>
+              <a:schemeClr val="bg1"/>
+            </a:solidFill>
+          </a:ln>
+          <a:effectLst>
+            <a:outerShdw blurRad="63500" sx="102000" sy="102000" algn="ctr" rotWithShape="0">
+              <a:prstClr val="black">
+                <a:alpha val="40000"/>
+              </a:prstClr>
+            </a:outerShdw>
+          </a:effectLst>
+        </p:spPr>
+        <p:style>
+          <a:lnRef idx="2">
+            <a:schemeClr val="accent1">
+              <a:shade val="50000"/>
+            </a:schemeClr>
+          </a:lnRef>
+          <a:fillRef idx="1">
+            <a:schemeClr val="accent1"/>
+          </a:fillRef>
+          <a:effectRef idx="0">
+            <a:schemeClr val="accent1"/>
+          </a:effectRef>
+          <a:fontRef idx="minor">
+            <a:schemeClr val="lt1"/>
+          </a:fontRef>
+        </p:style>
+        <p:txBody>
+          <a:bodyPr rtlCol="0" anchor="b"/>
+          <a:lstStyle/>
+          <a:p>
+            <a:pPr algn="ctr"/>
+            <a:r>
+              <a:rPr lang="fr-FR" b="1" dirty="0" smtClean="0"/>
+              <a:t>Dispatcher</a:t>
+            </a:r>
+            <a:endParaRPr lang="fr-FR" b="1" dirty="0"/>
+          </a:p>
+        </p:txBody>
+      </p:sp>
+      <p:sp>
+        <p:nvSpPr>
+          <p:cNvPr id="23" name="Rectangle à coins arrondis 9"/>
+          <p:cNvSpPr/>
+          <p:nvPr/>
+        </p:nvSpPr>
+        <p:spPr>
+          <a:xfrm>
+            <a:off x="3964463" y="4811675"/>
+            <a:ext cx="1552575" cy="781050"/>
+          </a:xfrm>
+          <a:prstGeom prst="roundRect">
+            <a:avLst/>
+          </a:prstGeom>
+          <a:solidFill>
+            <a:schemeClr val="accent5"/>
+          </a:solidFill>
+          <a:ln w="28575">
+            <a:solidFill>
+              <a:schemeClr val="bg1"/>
+            </a:solidFill>
+          </a:ln>
+          <a:effectLst>
+            <a:outerShdw blurRad="63500" sx="102000" sy="102000" algn="ctr" rotWithShape="0">
+              <a:prstClr val="black">
+                <a:alpha val="40000"/>
+              </a:prstClr>
+            </a:outerShdw>
+          </a:effectLst>
+        </p:spPr>
+        <p:style>
+          <a:lnRef idx="2">
+            <a:schemeClr val="accent1">
+              <a:shade val="50000"/>
+            </a:schemeClr>
+          </a:lnRef>
+          <a:fillRef idx="1">
+            <a:schemeClr val="accent1"/>
+          </a:fillRef>
+          <a:effectRef idx="0">
+            <a:schemeClr val="accent1"/>
+          </a:effectRef>
+          <a:fontRef idx="minor">
+            <a:schemeClr val="lt1"/>
+          </a:fontRef>
+        </p:style>
+        <p:txBody>
+          <a:bodyPr rtlCol="0" anchor="ctr"/>
+          <a:lstStyle/>
+          <a:p>
+            <a:pPr algn="ctr"/>
+            <a:r>
+              <a:rPr lang="fr-FR" b="1" dirty="0" err="1" smtClean="0"/>
+              <a:t>View</a:t>
+            </a:r>
+            <a:endParaRPr lang="fr-FR" b="1" dirty="0"/>
+          </a:p>
+        </p:txBody>
+      </p:sp>
+      <p:sp>
+        <p:nvSpPr>
+          <p:cNvPr id="24" name="Rectangle à coins arrondis 10"/>
+          <p:cNvSpPr/>
+          <p:nvPr/>
+        </p:nvSpPr>
+        <p:spPr>
+          <a:xfrm>
+            <a:off x="6362701" y="3408364"/>
+            <a:ext cx="1866262" cy="2179320"/>
+          </a:xfrm>
+          <a:prstGeom prst="roundRect">
+            <a:avLst>
+              <a:gd name="adj" fmla="val 6613"/>
+            </a:avLst>
+          </a:prstGeom>
+          <a:solidFill>
+            <a:schemeClr val="accent4">
+              <a:lumMod val="60000"/>
+              <a:lumOff val="40000"/>
+            </a:schemeClr>
+          </a:solidFill>
+          <a:ln w="28575">
+            <a:solidFill>
+              <a:schemeClr val="bg1"/>
+            </a:solidFill>
+          </a:ln>
+          <a:effectLst>
+            <a:outerShdw blurRad="63500" sx="102000" sy="102000" algn="ctr" rotWithShape="0">
+              <a:prstClr val="black">
+                <a:alpha val="40000"/>
+              </a:prstClr>
+            </a:outerShdw>
+          </a:effectLst>
+        </p:spPr>
+        <p:style>
+          <a:lnRef idx="2">
+            <a:schemeClr val="accent1">
+              <a:shade val="50000"/>
+            </a:schemeClr>
+          </a:lnRef>
+          <a:fillRef idx="1">
+            <a:schemeClr val="accent1"/>
+          </a:fillRef>
+          <a:effectRef idx="0">
+            <a:schemeClr val="accent1"/>
+          </a:effectRef>
+          <a:fontRef idx="minor">
+            <a:schemeClr val="lt1"/>
+          </a:fontRef>
+        </p:style>
+        <p:txBody>
+          <a:bodyPr rtlCol="0" anchor="t"/>
+          <a:lstStyle/>
+          <a:p>
+            <a:pPr algn="ctr"/>
+            <a:r>
+              <a:rPr lang="fr-FR" b="1" dirty="0" smtClean="0">
+                <a:solidFill>
+                  <a:schemeClr val="tx1"/>
+                </a:solidFill>
+              </a:rPr>
+              <a:t>Store</a:t>
+            </a:r>
+            <a:endParaRPr lang="en-US" b="1" dirty="0">
+              <a:solidFill>
+                <a:schemeClr val="tx1"/>
+              </a:solidFill>
+            </a:endParaRPr>
+          </a:p>
+          <a:p>
+            <a:pPr algn="ctr"/>
+            <a:endParaRPr lang="fr-FR" b="1" dirty="0">
+              <a:solidFill>
+                <a:schemeClr val="tx1"/>
+              </a:solidFill>
+            </a:endParaRPr>
+          </a:p>
+        </p:txBody>
+      </p:sp>
+      <p:sp>
+        <p:nvSpPr>
+          <p:cNvPr id="25" name="Rectangle à coins arrondis 11"/>
+          <p:cNvSpPr/>
+          <p:nvPr/>
+        </p:nvSpPr>
+        <p:spPr>
+          <a:xfrm>
+            <a:off x="3964463" y="2108518"/>
+            <a:ext cx="1552575" cy="828675"/>
+          </a:xfrm>
+          <a:prstGeom prst="roundRect">
+            <a:avLst/>
+          </a:prstGeom>
+          <a:solidFill>
+            <a:schemeClr val="accent2"/>
+          </a:solidFill>
+          <a:ln w="28575">
+            <a:solidFill>
+              <a:schemeClr val="bg1"/>
+            </a:solidFill>
+          </a:ln>
+          <a:effectLst>
+            <a:outerShdw blurRad="63500" sx="102000" sy="102000" algn="ctr" rotWithShape="0">
+              <a:prstClr val="black">
+                <a:alpha val="40000"/>
+              </a:prstClr>
+            </a:outerShdw>
+          </a:effectLst>
+        </p:spPr>
+        <p:style>
+          <a:lnRef idx="2">
+            <a:schemeClr val="accent1">
+              <a:shade val="50000"/>
+            </a:schemeClr>
+          </a:lnRef>
+          <a:fillRef idx="1">
+            <a:schemeClr val="accent1"/>
+          </a:fillRef>
+          <a:effectRef idx="0">
+            <a:schemeClr val="accent1"/>
+          </a:effectRef>
+          <a:fontRef idx="minor">
+            <a:schemeClr val="lt1"/>
+          </a:fontRef>
+        </p:style>
+        <p:txBody>
+          <a:bodyPr rtlCol="0" anchor="ctr"/>
+          <a:lstStyle/>
+          <a:p>
+            <a:pPr algn="ctr"/>
+            <a:r>
+              <a:rPr lang="fr-FR" b="1" dirty="0" smtClean="0"/>
+              <a:t>Action</a:t>
+            </a:r>
+            <a:endParaRPr lang="fr-FR" b="1" dirty="0"/>
+          </a:p>
+        </p:txBody>
+      </p:sp>
+      <p:sp>
+        <p:nvSpPr>
+          <p:cNvPr id="26" name="Rectangle à coins arrondis 11"/>
+          <p:cNvSpPr/>
+          <p:nvPr/>
+        </p:nvSpPr>
+        <p:spPr>
+          <a:xfrm>
+            <a:off x="6630353" y="3899537"/>
+            <a:ext cx="1332548" cy="1194117"/>
+          </a:xfrm>
+          <a:prstGeom prst="roundRect">
+            <a:avLst>
+              <a:gd name="adj" fmla="val 9698"/>
+            </a:avLst>
+          </a:prstGeom>
+          <a:solidFill>
+            <a:schemeClr val="accent6"/>
+          </a:solidFill>
+          <a:ln w="28575">
+            <a:solidFill>
+              <a:schemeClr val="bg1"/>
+            </a:solidFill>
+          </a:ln>
+          <a:effectLst>
+            <a:outerShdw blurRad="63500" sx="102000" sy="102000" algn="ctr" rotWithShape="0">
+              <a:prstClr val="black">
+                <a:alpha val="40000"/>
+              </a:prstClr>
+            </a:outerShdw>
+          </a:effectLst>
+        </p:spPr>
+        <p:style>
+          <a:lnRef idx="2">
+            <a:schemeClr val="accent1">
+              <a:shade val="50000"/>
+            </a:schemeClr>
+          </a:lnRef>
+          <a:fillRef idx="1">
+            <a:schemeClr val="accent1"/>
+          </a:fillRef>
+          <a:effectRef idx="0">
+            <a:schemeClr val="accent1"/>
+          </a:effectRef>
+          <a:fontRef idx="minor">
+            <a:schemeClr val="lt1"/>
+          </a:fontRef>
+        </p:style>
+        <p:txBody>
+          <a:bodyPr rtlCol="0" anchor="t"/>
+          <a:lstStyle/>
+          <a:p>
+            <a:pPr algn="ctr"/>
+            <a:r>
+              <a:rPr lang="fr-FR" b="1" dirty="0" err="1" smtClean="0"/>
+              <a:t>Reducers</a:t>
+            </a:r>
+            <a:endParaRPr lang="en-US" b="1" dirty="0" smtClean="0"/>
+          </a:p>
+        </p:txBody>
+      </p:sp>
+      <p:sp>
+        <p:nvSpPr>
+          <p:cNvPr id="27" name="Rectangle à coins arrondis 11"/>
+          <p:cNvSpPr/>
+          <p:nvPr/>
+        </p:nvSpPr>
+        <p:spPr>
+          <a:xfrm>
+            <a:off x="6804461" y="4357143"/>
+            <a:ext cx="274717" cy="302537"/>
+          </a:xfrm>
+          <a:prstGeom prst="roundRect">
+            <a:avLst/>
+          </a:prstGeom>
+          <a:solidFill>
+            <a:schemeClr val="accent6">
+              <a:lumMod val="75000"/>
+            </a:schemeClr>
+          </a:solidFill>
+          <a:ln w="28575">
+            <a:noFill/>
+          </a:ln>
+          <a:effectLst>
+            <a:outerShdw blurRad="63500" sx="102000" sy="102000" algn="ctr" rotWithShape="0">
+              <a:prstClr val="black">
+                <a:alpha val="40000"/>
+              </a:prstClr>
+            </a:outerShdw>
+          </a:effectLst>
+        </p:spPr>
+        <p:style>
+          <a:lnRef idx="2">
+            <a:schemeClr val="accent1">
+              <a:shade val="50000"/>
+            </a:schemeClr>
+          </a:lnRef>
+          <a:fillRef idx="1">
+            <a:schemeClr val="accent1"/>
+          </a:fillRef>
+          <a:effectRef idx="0">
+            <a:schemeClr val="accent1"/>
+          </a:effectRef>
+          <a:fontRef idx="minor">
+            <a:schemeClr val="lt1"/>
+          </a:fontRef>
+        </p:style>
+        <p:txBody>
+          <a:bodyPr rtlCol="0" anchor="ctr"/>
+          <a:lstStyle/>
+          <a:p>
+            <a:pPr algn="ctr"/>
+            <a:r>
+              <a:rPr lang="fr-FR" b="1" dirty="0" smtClean="0"/>
+              <a:t>R</a:t>
+            </a:r>
+            <a:endParaRPr lang="en-US" b="1" dirty="0" smtClean="0"/>
+          </a:p>
+        </p:txBody>
+      </p:sp>
+      <p:sp>
+        <p:nvSpPr>
+          <p:cNvPr id="28" name="Rectangle à coins arrondis 11"/>
+          <p:cNvSpPr/>
+          <p:nvPr/>
+        </p:nvSpPr>
+        <p:spPr>
+          <a:xfrm>
+            <a:off x="7155295" y="4689458"/>
+            <a:ext cx="274717" cy="302537"/>
+          </a:xfrm>
+          <a:prstGeom prst="roundRect">
+            <a:avLst/>
+          </a:prstGeom>
+          <a:solidFill>
+            <a:schemeClr val="accent6">
+              <a:lumMod val="75000"/>
+            </a:schemeClr>
+          </a:solidFill>
+          <a:ln w="28575">
+            <a:noFill/>
+          </a:ln>
+          <a:effectLst>
+            <a:outerShdw blurRad="63500" sx="102000" sy="102000" algn="ctr" rotWithShape="0">
+              <a:prstClr val="black">
+                <a:alpha val="40000"/>
+              </a:prstClr>
+            </a:outerShdw>
+          </a:effectLst>
+        </p:spPr>
+        <p:style>
+          <a:lnRef idx="2">
+            <a:schemeClr val="accent1">
+              <a:shade val="50000"/>
+            </a:schemeClr>
+          </a:lnRef>
+          <a:fillRef idx="1">
+            <a:schemeClr val="accent1"/>
+          </a:fillRef>
+          <a:effectRef idx="0">
+            <a:schemeClr val="accent1"/>
+          </a:effectRef>
+          <a:fontRef idx="minor">
+            <a:schemeClr val="lt1"/>
+          </a:fontRef>
+        </p:style>
+        <p:txBody>
+          <a:bodyPr rtlCol="0" anchor="ctr"/>
+          <a:lstStyle/>
+          <a:p>
+            <a:pPr algn="ctr"/>
+            <a:r>
+              <a:rPr lang="fr-FR" b="1" dirty="0" smtClean="0"/>
+              <a:t>R</a:t>
+            </a:r>
+            <a:endParaRPr lang="en-US" b="1" dirty="0" smtClean="0"/>
+          </a:p>
+        </p:txBody>
+      </p:sp>
+      <p:sp>
+        <p:nvSpPr>
+          <p:cNvPr id="29" name="Rectangle à coins arrondis 11"/>
+          <p:cNvSpPr/>
+          <p:nvPr/>
+        </p:nvSpPr>
+        <p:spPr>
+          <a:xfrm>
+            <a:off x="7497563" y="4353491"/>
+            <a:ext cx="274717" cy="302537"/>
+          </a:xfrm>
+          <a:prstGeom prst="roundRect">
+            <a:avLst/>
+          </a:prstGeom>
+          <a:solidFill>
+            <a:schemeClr val="accent6">
+              <a:lumMod val="75000"/>
+            </a:schemeClr>
+          </a:solidFill>
+          <a:ln w="28575">
+            <a:noFill/>
+          </a:ln>
+          <a:effectLst>
+            <a:outerShdw blurRad="63500" sx="102000" sy="102000" algn="ctr" rotWithShape="0">
+              <a:prstClr val="black">
+                <a:alpha val="40000"/>
+              </a:prstClr>
+            </a:outerShdw>
+          </a:effectLst>
+        </p:spPr>
+        <p:style>
+          <a:lnRef idx="2">
+            <a:schemeClr val="accent1">
+              <a:shade val="50000"/>
+            </a:schemeClr>
+          </a:lnRef>
+          <a:fillRef idx="1">
+            <a:schemeClr val="accent1"/>
+          </a:fillRef>
+          <a:effectRef idx="0">
+            <a:schemeClr val="accent1"/>
+          </a:effectRef>
+          <a:fontRef idx="minor">
+            <a:schemeClr val="lt1"/>
+          </a:fontRef>
+        </p:style>
+        <p:txBody>
+          <a:bodyPr rtlCol="0" anchor="ctr"/>
+          <a:lstStyle/>
+          <a:p>
+            <a:pPr algn="ctr"/>
+            <a:r>
+              <a:rPr lang="fr-FR" b="1" dirty="0" smtClean="0"/>
+              <a:t>R</a:t>
+            </a:r>
+            <a:endParaRPr lang="en-US" b="1" dirty="0" smtClean="0"/>
+          </a:p>
+        </p:txBody>
+      </p:sp>
+      <p:sp>
+        <p:nvSpPr>
+          <p:cNvPr id="44" name="Rectangle à coins arrondis 11"/>
+          <p:cNvSpPr/>
+          <p:nvPr/>
+        </p:nvSpPr>
+        <p:spPr>
+          <a:xfrm>
+            <a:off x="6630353" y="5258436"/>
+            <a:ext cx="1332548" cy="414338"/>
+          </a:xfrm>
+          <a:prstGeom prst="roundRect">
+            <a:avLst/>
+          </a:prstGeom>
+          <a:solidFill>
+            <a:schemeClr val="accent2"/>
+          </a:solidFill>
+          <a:ln w="28575">
+            <a:noFill/>
+          </a:ln>
+          <a:effectLst>
+            <a:outerShdw blurRad="63500" sx="102000" sy="102000" algn="ctr" rotWithShape="0">
+              <a:prstClr val="black">
+                <a:alpha val="40000"/>
+              </a:prstClr>
+            </a:outerShdw>
+          </a:effectLst>
+        </p:spPr>
+        <p:style>
+          <a:lnRef idx="2">
+            <a:schemeClr val="accent1">
+              <a:shade val="50000"/>
+            </a:schemeClr>
+          </a:lnRef>
+          <a:fillRef idx="1">
+            <a:schemeClr val="accent1"/>
+          </a:fillRef>
+          <a:effectRef idx="0">
+            <a:schemeClr val="accent1"/>
+          </a:effectRef>
+          <a:fontRef idx="minor">
+            <a:schemeClr val="lt1"/>
+          </a:fontRef>
+        </p:style>
+        <p:txBody>
+          <a:bodyPr rtlCol="0" anchor="ctr"/>
+          <a:lstStyle/>
+          <a:p>
+            <a:pPr algn="ctr"/>
+            <a:r>
+              <a:rPr lang="fr-FR" b="1" dirty="0" smtClean="0"/>
+              <a:t>State</a:t>
+            </a:r>
+            <a:endParaRPr lang="fr-FR" b="1" dirty="0"/>
+          </a:p>
+        </p:txBody>
+      </p:sp>
+      <p:cxnSp>
+        <p:nvCxnSpPr>
+          <p:cNvPr id="33812" name="Elbow Connector 33811"/>
+          <p:cNvCxnSpPr>
+            <a:stCxn id="44" idx="1"/>
+          </p:cNvCxnSpPr>
+          <p:nvPr/>
+        </p:nvCxnSpPr>
+        <p:spPr>
+          <a:xfrm rot="10800000" flipH="1">
+            <a:off x="6630353" y="3863999"/>
+            <a:ext cx="258880" cy="1601606"/>
+          </a:xfrm>
+          <a:prstGeom prst="bentConnector4">
+            <a:avLst>
+              <a:gd name="adj1" fmla="val -55925"/>
+              <a:gd name="adj2" fmla="val 115464"/>
+            </a:avLst>
+          </a:prstGeom>
+          <a:ln w="38100">
+            <a:tailEnd type="arrow"/>
+          </a:ln>
+        </p:spPr>
+        <p:style>
+          <a:lnRef idx="1">
+            <a:schemeClr val="accent3"/>
+          </a:lnRef>
+          <a:fillRef idx="0">
+            <a:schemeClr val="accent3"/>
+          </a:fillRef>
+          <a:effectRef idx="0">
+            <a:schemeClr val="accent3"/>
+          </a:effectRef>
+          <a:fontRef idx="minor">
+            <a:schemeClr val="tx1"/>
+          </a:fontRef>
+        </p:style>
+      </p:cxnSp>
+      <p:sp>
+        <p:nvSpPr>
+          <p:cNvPr id="43" name="Rectangle à coins arrondis 11"/>
+          <p:cNvSpPr/>
+          <p:nvPr/>
+        </p:nvSpPr>
+        <p:spPr>
+          <a:xfrm>
+            <a:off x="6630353" y="2096451"/>
+            <a:ext cx="1332548" cy="414338"/>
+          </a:xfrm>
+          <a:prstGeom prst="roundRect">
+            <a:avLst/>
+          </a:prstGeom>
+          <a:solidFill>
+            <a:schemeClr val="bg1">
+              <a:lumMod val="75000"/>
+            </a:schemeClr>
+          </a:solidFill>
+          <a:ln w="28575">
+            <a:noFill/>
+          </a:ln>
+          <a:effectLst>
+            <a:outerShdw blurRad="63500" sx="102000" sy="102000" algn="ctr" rotWithShape="0">
+              <a:prstClr val="black">
+                <a:alpha val="40000"/>
+              </a:prstClr>
+            </a:outerShdw>
+          </a:effectLst>
+        </p:spPr>
+        <p:style>
+          <a:lnRef idx="2">
+            <a:schemeClr val="accent1">
+              <a:shade val="50000"/>
+            </a:schemeClr>
+          </a:lnRef>
+          <a:fillRef idx="1">
+            <a:schemeClr val="accent1"/>
+          </a:fillRef>
+          <a:effectRef idx="0">
+            <a:schemeClr val="accent1"/>
+          </a:effectRef>
+          <a:fontRef idx="minor">
+            <a:schemeClr val="lt1"/>
+          </a:fontRef>
+        </p:style>
+        <p:txBody>
+          <a:bodyPr rtlCol="0" anchor="ctr"/>
+          <a:lstStyle/>
+          <a:p>
+            <a:pPr algn="ctr"/>
+            <a:r>
+              <a:rPr lang="fr-FR" sz="1600" b="1" dirty="0" smtClean="0"/>
+              <a:t>middlewares</a:t>
+            </a:r>
+            <a:endParaRPr lang="fr-FR" sz="1600" b="1" dirty="0"/>
+          </a:p>
+        </p:txBody>
+      </p:sp>
+      <p:sp>
+        <p:nvSpPr>
+          <p:cNvPr id="46" name="Rectangle à coins arrondis 11"/>
+          <p:cNvSpPr/>
+          <p:nvPr/>
+        </p:nvSpPr>
+        <p:spPr>
+          <a:xfrm>
+            <a:off x="8749557" y="1909126"/>
+            <a:ext cx="1552575" cy="414337"/>
+          </a:xfrm>
+          <a:prstGeom prst="roundRect">
+            <a:avLst/>
+          </a:prstGeom>
+          <a:solidFill>
+            <a:schemeClr val="accent2"/>
+          </a:solidFill>
+          <a:ln w="28575">
+            <a:solidFill>
+              <a:schemeClr val="bg1"/>
+            </a:solidFill>
+          </a:ln>
+          <a:effectLst>
+            <a:outerShdw blurRad="63500" sx="102000" sy="102000" algn="ctr" rotWithShape="0">
+              <a:prstClr val="black">
+                <a:alpha val="40000"/>
+              </a:prstClr>
+            </a:outerShdw>
+          </a:effectLst>
+        </p:spPr>
+        <p:style>
+          <a:lnRef idx="2">
+            <a:schemeClr val="accent1">
+              <a:shade val="50000"/>
+            </a:schemeClr>
+          </a:lnRef>
+          <a:fillRef idx="1">
+            <a:schemeClr val="accent1"/>
+          </a:fillRef>
+          <a:effectRef idx="0">
+            <a:schemeClr val="accent1"/>
+          </a:effectRef>
+          <a:fontRef idx="minor">
+            <a:schemeClr val="lt1"/>
+          </a:fontRef>
+        </p:style>
+        <p:txBody>
+          <a:bodyPr rtlCol="0" anchor="ctr"/>
+          <a:lstStyle/>
+          <a:p>
+            <a:pPr algn="ctr"/>
+            <a:r>
+              <a:rPr lang="fr-FR" b="1" dirty="0"/>
+              <a:t>API</a:t>
+            </a:r>
+          </a:p>
+        </p:txBody>
+      </p:sp>
+      <p:sp>
+        <p:nvSpPr>
+          <p:cNvPr id="47" name="Rectangle à coins arrondis 11"/>
+          <p:cNvSpPr/>
+          <p:nvPr/>
+        </p:nvSpPr>
+        <p:spPr>
+          <a:xfrm>
+            <a:off x="8749556" y="2446943"/>
+            <a:ext cx="1552575" cy="414337"/>
+          </a:xfrm>
+          <a:prstGeom prst="roundRect">
+            <a:avLst/>
+          </a:prstGeom>
+          <a:solidFill>
+            <a:schemeClr val="accent2"/>
+          </a:solidFill>
+          <a:ln w="28575">
+            <a:solidFill>
+              <a:schemeClr val="bg1"/>
+            </a:solidFill>
+          </a:ln>
+          <a:effectLst>
+            <a:outerShdw blurRad="63500" sx="102000" sy="102000" algn="ctr" rotWithShape="0">
+              <a:prstClr val="black">
+                <a:alpha val="40000"/>
+              </a:prstClr>
+            </a:outerShdw>
+          </a:effectLst>
+        </p:spPr>
+        <p:style>
+          <a:lnRef idx="2">
+            <a:schemeClr val="accent1">
+              <a:shade val="50000"/>
+            </a:schemeClr>
+          </a:lnRef>
+          <a:fillRef idx="1">
+            <a:schemeClr val="accent1"/>
+          </a:fillRef>
+          <a:effectRef idx="0">
+            <a:schemeClr val="accent1"/>
+          </a:effectRef>
+          <a:fontRef idx="minor">
+            <a:schemeClr val="lt1"/>
+          </a:fontRef>
+        </p:style>
+        <p:txBody>
+          <a:bodyPr rtlCol="0" anchor="ctr"/>
+          <a:lstStyle/>
+          <a:p>
+            <a:pPr algn="ctr"/>
+            <a:r>
+              <a:rPr lang="fr-FR" b="1" dirty="0" smtClean="0"/>
+              <a:t>Logs</a:t>
+            </a:r>
+            <a:endParaRPr lang="fr-FR" b="1" dirty="0"/>
+          </a:p>
+        </p:txBody>
+      </p:sp>
+      <p:sp>
+        <p:nvSpPr>
+          <p:cNvPr id="48" name="Rectangle à coins arrondis 11"/>
+          <p:cNvSpPr/>
+          <p:nvPr/>
+        </p:nvSpPr>
+        <p:spPr>
+          <a:xfrm>
+            <a:off x="8749555" y="2984760"/>
+            <a:ext cx="1552575" cy="414337"/>
+          </a:xfrm>
+          <a:prstGeom prst="roundRect">
+            <a:avLst/>
+          </a:prstGeom>
+          <a:solidFill>
+            <a:schemeClr val="accent2"/>
+          </a:solidFill>
+          <a:ln w="28575">
+            <a:solidFill>
+              <a:schemeClr val="bg1"/>
+            </a:solidFill>
+          </a:ln>
+          <a:effectLst>
+            <a:outerShdw blurRad="63500" sx="102000" sy="102000" algn="ctr" rotWithShape="0">
+              <a:prstClr val="black">
+                <a:alpha val="40000"/>
+              </a:prstClr>
+            </a:outerShdw>
+          </a:effectLst>
+        </p:spPr>
+        <p:style>
+          <a:lnRef idx="2">
+            <a:schemeClr val="accent1">
+              <a:shade val="50000"/>
+            </a:schemeClr>
+          </a:lnRef>
+          <a:fillRef idx="1">
+            <a:schemeClr val="accent1"/>
+          </a:fillRef>
+          <a:effectRef idx="0">
+            <a:schemeClr val="accent1"/>
+          </a:effectRef>
+          <a:fontRef idx="minor">
+            <a:schemeClr val="lt1"/>
+          </a:fontRef>
+        </p:style>
+        <p:txBody>
+          <a:bodyPr rtlCol="0" anchor="ctr"/>
+          <a:lstStyle/>
+          <a:p>
+            <a:pPr algn="ctr"/>
+            <a:r>
+              <a:rPr lang="fr-FR" b="1" dirty="0" smtClean="0"/>
+              <a:t>Delay actions</a:t>
+            </a:r>
+            <a:endParaRPr lang="fr-FR" b="1" dirty="0"/>
+          </a:p>
+        </p:txBody>
+      </p:sp>
+      <p:cxnSp>
+        <p:nvCxnSpPr>
+          <p:cNvPr id="41" name="Straight Arrow Connector 40"/>
+          <p:cNvCxnSpPr/>
+          <p:nvPr/>
+        </p:nvCxnSpPr>
+        <p:spPr>
+          <a:xfrm>
+            <a:off x="7962901" y="2219800"/>
+            <a:ext cx="579119" cy="0"/>
+          </a:xfrm>
+          <a:prstGeom prst="straightConnector1">
+            <a:avLst/>
+          </a:prstGeom>
+          <a:ln w="38100">
+            <a:tailEnd type="arrow"/>
+          </a:ln>
+        </p:spPr>
+        <p:style>
+          <a:lnRef idx="1">
+            <a:schemeClr val="accent3"/>
+          </a:lnRef>
+          <a:fillRef idx="0">
+            <a:schemeClr val="accent3"/>
+          </a:fillRef>
+          <a:effectRef idx="0">
+            <a:schemeClr val="accent3"/>
+          </a:effectRef>
+          <a:fontRef idx="minor">
+            <a:schemeClr val="tx1"/>
+          </a:fontRef>
+        </p:style>
+      </p:cxnSp>
+      <p:cxnSp>
+        <p:nvCxnSpPr>
+          <p:cNvPr id="51" name="Straight Arrow Connector 50"/>
+          <p:cNvCxnSpPr/>
+          <p:nvPr/>
+        </p:nvCxnSpPr>
+        <p:spPr>
+          <a:xfrm flipH="1">
+            <a:off x="7955280" y="2365210"/>
+            <a:ext cx="579119" cy="0"/>
+          </a:xfrm>
+          <a:prstGeom prst="straightConnector1">
+            <a:avLst/>
+          </a:prstGeom>
+          <a:ln w="38100">
+            <a:tailEnd type="arrow"/>
+          </a:ln>
+        </p:spPr>
+        <p:style>
+          <a:lnRef idx="1">
+            <a:schemeClr val="accent3"/>
+          </a:lnRef>
+          <a:fillRef idx="0">
+            <a:schemeClr val="accent3"/>
+          </a:fillRef>
+          <a:effectRef idx="0">
+            <a:schemeClr val="accent3"/>
+          </a:effectRef>
+          <a:fontRef idx="minor">
+            <a:schemeClr val="tx1"/>
+          </a:fontRef>
+        </p:style>
+      </p:cxnSp>
+      <p:cxnSp>
+        <p:nvCxnSpPr>
+          <p:cNvPr id="49" name="Straight Arrow Connector 48"/>
+          <p:cNvCxnSpPr>
+            <a:stCxn id="23" idx="0"/>
+            <a:endCxn id="25" idx="2"/>
+          </p:cNvCxnSpPr>
+          <p:nvPr/>
+        </p:nvCxnSpPr>
+        <p:spPr>
+          <a:xfrm flipV="1">
+            <a:off x="4740751" y="2937193"/>
+            <a:ext cx="0" cy="1874482"/>
+          </a:xfrm>
+          <a:prstGeom prst="straightConnector1">
+            <a:avLst/>
+          </a:prstGeom>
+          <a:ln w="38100">
+            <a:tailEnd type="arrow"/>
+          </a:ln>
+        </p:spPr>
+        <p:style>
+          <a:lnRef idx="1">
+            <a:schemeClr val="accent3"/>
+          </a:lnRef>
+          <a:fillRef idx="0">
+            <a:schemeClr val="accent3"/>
+          </a:fillRef>
+          <a:effectRef idx="0">
+            <a:schemeClr val="accent3"/>
+          </a:effectRef>
+          <a:fontRef idx="minor">
+            <a:schemeClr val="tx1"/>
+          </a:fontRef>
+        </p:style>
+      </p:cxnSp>
+      <p:cxnSp>
+        <p:nvCxnSpPr>
+          <p:cNvPr id="54" name="Elbow Connector 53"/>
+          <p:cNvCxnSpPr>
+            <a:stCxn id="44" idx="2"/>
+            <a:endCxn id="23" idx="2"/>
+          </p:cNvCxnSpPr>
+          <p:nvPr/>
+        </p:nvCxnSpPr>
+        <p:spPr>
+          <a:xfrm rot="5400000" flipH="1">
+            <a:off x="5978664" y="4354812"/>
+            <a:ext cx="80049" cy="2555876"/>
+          </a:xfrm>
+          <a:prstGeom prst="bentConnector3">
+            <a:avLst>
+              <a:gd name="adj1" fmla="val -285575"/>
+            </a:avLst>
+          </a:prstGeom>
+          <a:ln w="38100">
+            <a:solidFill>
+              <a:srgbClr val="FF0000"/>
+            </a:solidFill>
+            <a:tailEnd type="arrow"/>
+          </a:ln>
+        </p:spPr>
+        <p:style>
+          <a:lnRef idx="1">
+            <a:schemeClr val="accent3"/>
+          </a:lnRef>
+          <a:fillRef idx="0">
+            <a:schemeClr val="accent3"/>
+          </a:fillRef>
+          <a:effectRef idx="0">
+            <a:schemeClr val="accent3"/>
+          </a:effectRef>
+          <a:fontRef idx="minor">
+            <a:schemeClr val="tx1"/>
+          </a:fontRef>
+        </p:style>
+      </p:cxnSp>
+      <p:cxnSp>
+        <p:nvCxnSpPr>
+          <p:cNvPr id="56" name="Elbow Connector 55"/>
+          <p:cNvCxnSpPr>
+            <a:stCxn id="25" idx="0"/>
+            <a:endCxn id="22" idx="0"/>
+          </p:cNvCxnSpPr>
+          <p:nvPr/>
+        </p:nvCxnSpPr>
+        <p:spPr>
+          <a:xfrm rot="5400000" flipH="1" flipV="1">
+            <a:off x="5960842" y="776707"/>
+            <a:ext cx="111720" cy="2551902"/>
+          </a:xfrm>
+          <a:prstGeom prst="bentConnector3">
+            <a:avLst>
+              <a:gd name="adj1" fmla="val 304619"/>
+            </a:avLst>
+          </a:prstGeom>
+          <a:ln w="38100">
+            <a:tailEnd type="arrow"/>
+          </a:ln>
+        </p:spPr>
+        <p:style>
+          <a:lnRef idx="1">
+            <a:schemeClr val="accent3"/>
+          </a:lnRef>
+          <a:fillRef idx="0">
+            <a:schemeClr val="accent3"/>
+          </a:fillRef>
+          <a:effectRef idx="0">
+            <a:schemeClr val="accent3"/>
+          </a:effectRef>
+          <a:fontRef idx="minor">
+            <a:schemeClr val="tx1"/>
+          </a:fontRef>
+        </p:style>
+      </p:cxnSp>
+      <p:sp>
+        <p:nvSpPr>
+          <p:cNvPr id="61" name="Rectangle à coins arrondis 11"/>
+          <p:cNvSpPr/>
+          <p:nvPr/>
+        </p:nvSpPr>
+        <p:spPr>
+          <a:xfrm>
+            <a:off x="8749555" y="3522577"/>
+            <a:ext cx="1552575" cy="414337"/>
+          </a:xfrm>
+          <a:prstGeom prst="roundRect">
+            <a:avLst/>
+          </a:prstGeom>
+          <a:solidFill>
+            <a:schemeClr val="accent2"/>
+          </a:solidFill>
+          <a:ln w="28575">
+            <a:solidFill>
+              <a:schemeClr val="bg1"/>
+            </a:solidFill>
+          </a:ln>
+          <a:effectLst>
+            <a:outerShdw blurRad="63500" sx="102000" sy="102000" algn="ctr" rotWithShape="0">
+              <a:prstClr val="black">
+                <a:alpha val="40000"/>
+              </a:prstClr>
+            </a:outerShdw>
+          </a:effectLst>
+        </p:spPr>
+        <p:style>
+          <a:lnRef idx="2">
+            <a:schemeClr val="accent1">
+              <a:shade val="50000"/>
+            </a:schemeClr>
+          </a:lnRef>
+          <a:fillRef idx="1">
+            <a:schemeClr val="accent1"/>
+          </a:fillRef>
+          <a:effectRef idx="0">
+            <a:schemeClr val="accent1"/>
+          </a:effectRef>
+          <a:fontRef idx="minor">
+            <a:schemeClr val="lt1"/>
+          </a:fontRef>
+        </p:style>
+        <p:txBody>
+          <a:bodyPr rtlCol="0" anchor="ctr"/>
+          <a:lstStyle/>
+          <a:p>
+            <a:pPr algn="ctr"/>
+            <a:r>
+              <a:rPr lang="fr-FR" b="1" dirty="0" smtClean="0"/>
+              <a:t>Loop actions</a:t>
+            </a:r>
+            <a:endParaRPr lang="fr-FR" b="1" dirty="0"/>
+          </a:p>
+        </p:txBody>
+      </p:sp>
+      <p:sp>
+        <p:nvSpPr>
+          <p:cNvPr id="62" name="Rectangle à coins arrondis 11"/>
+          <p:cNvSpPr/>
+          <p:nvPr/>
+        </p:nvSpPr>
+        <p:spPr>
+          <a:xfrm>
+            <a:off x="8749555" y="4060394"/>
+            <a:ext cx="1552575" cy="414337"/>
+          </a:xfrm>
+          <a:prstGeom prst="roundRect">
+            <a:avLst/>
+          </a:prstGeom>
+          <a:solidFill>
+            <a:schemeClr val="accent2"/>
+          </a:solidFill>
+          <a:ln w="28575">
+            <a:solidFill>
+              <a:schemeClr val="bg1"/>
+            </a:solidFill>
+          </a:ln>
+          <a:effectLst>
+            <a:outerShdw blurRad="63500" sx="102000" sy="102000" algn="ctr" rotWithShape="0">
+              <a:prstClr val="black">
+                <a:alpha val="40000"/>
+              </a:prstClr>
+            </a:outerShdw>
+          </a:effectLst>
+        </p:spPr>
+        <p:style>
+          <a:lnRef idx="2">
+            <a:schemeClr val="accent1">
+              <a:shade val="50000"/>
+            </a:schemeClr>
+          </a:lnRef>
+          <a:fillRef idx="1">
+            <a:schemeClr val="accent1"/>
+          </a:fillRef>
+          <a:effectRef idx="0">
+            <a:schemeClr val="accent1"/>
+          </a:effectRef>
+          <a:fontRef idx="minor">
+            <a:schemeClr val="lt1"/>
+          </a:fontRef>
+        </p:style>
+        <p:txBody>
+          <a:bodyPr rtlCol="0" anchor="ctr"/>
+          <a:lstStyle/>
+          <a:p>
+            <a:pPr algn="ctr"/>
+            <a:r>
+              <a:rPr lang="fr-FR" b="1" dirty="0" smtClean="0"/>
+              <a:t>Crash report</a:t>
+            </a:r>
+            <a:endParaRPr lang="fr-FR" b="1" dirty="0"/>
+          </a:p>
+        </p:txBody>
+      </p:sp>
+      <p:sp>
+        <p:nvSpPr>
+          <p:cNvPr id="63" name="Rectangle à coins arrondis 11"/>
+          <p:cNvSpPr/>
+          <p:nvPr/>
+        </p:nvSpPr>
+        <p:spPr>
+          <a:xfrm>
+            <a:off x="8749555" y="4598210"/>
+            <a:ext cx="1552575" cy="414337"/>
+          </a:xfrm>
+          <a:prstGeom prst="roundRect">
+            <a:avLst/>
+          </a:prstGeom>
+          <a:solidFill>
+            <a:schemeClr val="accent2"/>
+          </a:solidFill>
+          <a:ln w="28575">
+            <a:solidFill>
+              <a:schemeClr val="bg1"/>
+            </a:solidFill>
+          </a:ln>
+          <a:effectLst>
+            <a:outerShdw blurRad="63500" sx="102000" sy="102000" algn="ctr" rotWithShape="0">
+              <a:prstClr val="black">
+                <a:alpha val="40000"/>
+              </a:prstClr>
+            </a:outerShdw>
+          </a:effectLst>
+        </p:spPr>
+        <p:style>
+          <a:lnRef idx="2">
+            <a:schemeClr val="accent1">
+              <a:shade val="50000"/>
+            </a:schemeClr>
+          </a:lnRef>
+          <a:fillRef idx="1">
+            <a:schemeClr val="accent1"/>
+          </a:fillRef>
+          <a:effectRef idx="0">
+            <a:schemeClr val="accent1"/>
+          </a:effectRef>
+          <a:fontRef idx="minor">
+            <a:schemeClr val="lt1"/>
+          </a:fontRef>
+        </p:style>
+        <p:txBody>
+          <a:bodyPr rtlCol="0" anchor="ctr"/>
+          <a:lstStyle/>
+          <a:p>
+            <a:pPr algn="ctr"/>
+            <a:r>
+              <a:rPr lang="fr-FR" b="1" dirty="0" smtClean="0"/>
+              <a:t>…</a:t>
+            </a:r>
+            <a:endParaRPr lang="fr-FR" b="1" dirty="0"/>
+          </a:p>
+        </p:txBody>
+      </p:sp>
+      <p:sp>
+        <p:nvSpPr>
+          <p:cNvPr id="31" name="Rectangle 30"/>
+          <p:cNvSpPr/>
+          <p:nvPr/>
+        </p:nvSpPr>
+        <p:spPr>
+          <a:xfrm>
+            <a:off x="5633423" y="5901927"/>
+            <a:ext cx="1098442" cy="369332"/>
+          </a:xfrm>
+          <a:prstGeom prst="rect">
+            <a:avLst/>
+          </a:prstGeom>
+        </p:spPr>
+        <p:txBody>
+          <a:bodyPr wrap="none">
+            <a:spAutoFit/>
+          </a:bodyPr>
+          <a:lstStyle/>
+          <a:p>
+            <a:r>
+              <a:rPr lang="en-US" dirty="0" smtClean="0">
+                <a:solidFill>
+                  <a:srgbClr val="FF0000"/>
+                </a:solidFill>
+              </a:rPr>
+              <a:t>new state</a:t>
+            </a:r>
+            <a:endParaRPr lang="fr-FR" dirty="0">
+              <a:solidFill>
+                <a:srgbClr val="FF0000"/>
+              </a:solidFill>
+            </a:endParaRPr>
+          </a:p>
+        </p:txBody>
+      </p:sp>
     </p:spTree>
     <p:extLst>
       <p:ext uri="{BB962C8B-B14F-4D97-AF65-F5344CB8AC3E}">
-        <p14:creationId xmlns:p14="http://schemas.microsoft.com/office/powerpoint/2010/main" val="1940074127"/>
+        <p14:creationId xmlns:p14="http://schemas.microsoft.com/office/powerpoint/2010/main" val="899195258"/>
       </p:ext>
     </p:extLst>
   </p:cSld>
@@ -20562,6 +23418,898 @@
     <p:extLst>
       <p:ext uri="{BB962C8B-B14F-4D97-AF65-F5344CB8AC3E}">
         <p14:creationId xmlns:p14="http://schemas.microsoft.com/office/powerpoint/2010/main" val="1106585189"/>
+      </p:ext>
+    </p:extLst>
+  </p:cSld>
+  <p:clrMapOvr>
+    <a:masterClrMapping/>
+  </p:clrMapOvr>
+  <p:timing>
+    <p:tnLst>
+      <p:par>
+        <p:cTn id="1" dur="indefinite" restart="never" nodeType="tmRoot"/>
+      </p:par>
+    </p:tnLst>
+  </p:timing>
+</p:sld>
+</file>
+
+<file path=ppt/slides/slide30.xml><?xml version="1.0" encoding="utf-8"?>
+<p:sld xmlns:a="http://schemas.openxmlformats.org/drawingml/2006/main" xmlns:r="http://schemas.openxmlformats.org/officeDocument/2006/relationships" xmlns:p="http://schemas.openxmlformats.org/presentationml/2006/main">
+  <p:cSld>
+    <p:spTree>
+      <p:nvGrpSpPr>
+        <p:cNvPr id="1" name=""/>
+        <p:cNvGrpSpPr/>
+        <p:nvPr/>
+      </p:nvGrpSpPr>
+      <p:grpSpPr>
+        <a:xfrm>
+          <a:off x="0" y="0"/>
+          <a:ext cx="0" cy="0"/>
+          <a:chOff x="0" y="0"/>
+          <a:chExt cx="0" cy="0"/>
+        </a:xfrm>
+      </p:grpSpPr>
+      <p:sp>
+        <p:nvSpPr>
+          <p:cNvPr id="2" name="Title 1"/>
+          <p:cNvSpPr>
+            <a:spLocks noGrp="1"/>
+          </p:cNvSpPr>
+          <p:nvPr>
+            <p:ph type="title"/>
+          </p:nvPr>
+        </p:nvSpPr>
+        <p:spPr/>
+        <p:txBody>
+          <a:bodyPr/>
+          <a:lstStyle/>
+          <a:p>
+            <a:r>
+              <a:rPr lang="en-US" dirty="0" smtClean="0"/>
+              <a:t>Redux – reducers and combinations</a:t>
+            </a:r>
+            <a:endParaRPr lang="fr-FR" dirty="0"/>
+          </a:p>
+        </p:txBody>
+      </p:sp>
+      <p:sp>
+        <p:nvSpPr>
+          <p:cNvPr id="3" name="Content Placeholder 2"/>
+          <p:cNvSpPr>
+            <a:spLocks noGrp="1"/>
+          </p:cNvSpPr>
+          <p:nvPr>
+            <p:ph idx="1"/>
+          </p:nvPr>
+        </p:nvSpPr>
+        <p:spPr/>
+        <p:txBody>
+          <a:bodyPr>
+            <a:normAutofit/>
+          </a:bodyPr>
+          <a:lstStyle/>
+          <a:p>
+            <a:r>
+              <a:rPr lang="en-US" dirty="0" smtClean="0"/>
+              <a:t>One reducer </a:t>
+            </a:r>
+            <a:r>
+              <a:rPr lang="en-US" b="1" i="1" dirty="0" smtClean="0"/>
+              <a:t>a</a:t>
+            </a:r>
+            <a:endParaRPr lang="en-US" i="1" dirty="0" smtClean="0"/>
+          </a:p>
+          <a:p>
+            <a:pPr lvl="1"/>
+            <a:r>
+              <a:rPr lang="en-US" dirty="0" smtClean="0"/>
+              <a:t>State will be </a:t>
+            </a:r>
+            <a:r>
+              <a:rPr lang="en-US" b="1" i="1" dirty="0" smtClean="0"/>
+              <a:t>state = { a: {…} }</a:t>
+            </a:r>
+          </a:p>
+          <a:p>
+            <a:pPr lvl="1"/>
+            <a:r>
+              <a:rPr lang="en-US" dirty="0"/>
+              <a:t>When reducer </a:t>
+            </a:r>
+            <a:r>
+              <a:rPr lang="en-US" b="1" dirty="0"/>
+              <a:t>a</a:t>
+            </a:r>
+            <a:r>
+              <a:rPr lang="en-US" dirty="0"/>
+              <a:t> activates, it’s input state is not </a:t>
+            </a:r>
+            <a:r>
+              <a:rPr lang="en-US" b="1" i="1" dirty="0"/>
+              <a:t>state </a:t>
+            </a:r>
+            <a:r>
+              <a:rPr lang="en-US" dirty="0"/>
+              <a:t>but </a:t>
+            </a:r>
+            <a:r>
+              <a:rPr lang="en-US" b="1" i="1" dirty="0" err="1" smtClean="0"/>
+              <a:t>state.a</a:t>
+            </a:r>
+            <a:endParaRPr lang="en-US" dirty="0" smtClean="0"/>
+          </a:p>
+          <a:p>
+            <a:r>
+              <a:rPr lang="en-US" dirty="0" smtClean="0"/>
+              <a:t>Combine 2 reducers </a:t>
+            </a:r>
+            <a:r>
+              <a:rPr lang="en-US" b="1" i="1" dirty="0" smtClean="0"/>
+              <a:t>(a, b)</a:t>
+            </a:r>
+          </a:p>
+          <a:p>
+            <a:pPr lvl="1"/>
+            <a:r>
+              <a:rPr lang="en-US" dirty="0" smtClean="0"/>
+              <a:t>State will be </a:t>
+            </a:r>
+            <a:r>
+              <a:rPr lang="en-US" b="1" i="1" dirty="0" smtClean="0"/>
+              <a:t>state = { a: { … }, b: { … } }</a:t>
+            </a:r>
+          </a:p>
+          <a:p>
+            <a:pPr lvl="1"/>
+            <a:r>
+              <a:rPr lang="en-US" dirty="0" smtClean="0"/>
+              <a:t>Reducer </a:t>
+            </a:r>
+            <a:r>
+              <a:rPr lang="en-US" b="1" i="1" dirty="0" smtClean="0"/>
+              <a:t>a </a:t>
+            </a:r>
+            <a:r>
+              <a:rPr lang="en-US" dirty="0" smtClean="0"/>
+              <a:t>consumes </a:t>
+            </a:r>
+            <a:r>
+              <a:rPr lang="en-US" b="1" i="1" dirty="0" err="1" smtClean="0"/>
+              <a:t>state.a</a:t>
+            </a:r>
+            <a:r>
+              <a:rPr lang="en-US" b="1" i="1" dirty="0" smtClean="0"/>
+              <a:t> </a:t>
+            </a:r>
+            <a:r>
+              <a:rPr lang="en-US" dirty="0" smtClean="0"/>
+              <a:t>and reducer </a:t>
+            </a:r>
+            <a:r>
+              <a:rPr lang="en-US" b="1" i="1" dirty="0" smtClean="0"/>
+              <a:t>b </a:t>
+            </a:r>
+            <a:r>
+              <a:rPr lang="en-US" b="1" i="1" dirty="0" err="1" smtClean="0"/>
+              <a:t>state.b</a:t>
+            </a:r>
+            <a:endParaRPr lang="en-US" b="1" i="1" dirty="0" smtClean="0"/>
+          </a:p>
+          <a:p>
+            <a:r>
+              <a:rPr lang="en-US" dirty="0" smtClean="0"/>
+              <a:t>Combine and sub-combine </a:t>
+            </a:r>
+            <a:r>
+              <a:rPr lang="en-US" b="1" i="1" dirty="0" smtClean="0"/>
+              <a:t>a, (b, c)</a:t>
+            </a:r>
+          </a:p>
+          <a:p>
+            <a:pPr lvl="1"/>
+            <a:r>
+              <a:rPr lang="en-US" dirty="0" smtClean="0"/>
+              <a:t>State will be </a:t>
+            </a:r>
+          </a:p>
+          <a:p>
+            <a:pPr lvl="2"/>
+            <a:r>
+              <a:rPr lang="en-US" b="1" i="1" dirty="0" smtClean="0"/>
+              <a:t>state = { a: { … }, </a:t>
+            </a:r>
+            <a:r>
+              <a:rPr lang="en-US" b="1" i="1" dirty="0" err="1" smtClean="0"/>
+              <a:t>bc</a:t>
+            </a:r>
+            <a:r>
+              <a:rPr lang="en-US" b="1" i="1" dirty="0" smtClean="0"/>
+              <a:t>: { b: { … }, c: { …} } } </a:t>
+            </a:r>
+          </a:p>
+          <a:p>
+            <a:pPr lvl="2"/>
+            <a:r>
+              <a:rPr lang="en-US" dirty="0" smtClean="0"/>
+              <a:t>or </a:t>
+            </a:r>
+            <a:r>
+              <a:rPr lang="en-US" b="1" i="1" dirty="0" smtClean="0"/>
+              <a:t>state = { </a:t>
+            </a:r>
+            <a:r>
+              <a:rPr lang="en-US" b="1" i="1" dirty="0"/>
+              <a:t>a: { … </a:t>
+            </a:r>
+            <a:r>
+              <a:rPr lang="en-US" b="1" i="1" dirty="0" smtClean="0"/>
+              <a:t>}, b</a:t>
+            </a:r>
+            <a:r>
+              <a:rPr lang="en-US" b="1" i="1" dirty="0"/>
+              <a:t>: { … }, c: { …} }</a:t>
+            </a:r>
+            <a:r>
+              <a:rPr lang="en-US" b="1" i="1" dirty="0" smtClean="0"/>
+              <a:t> </a:t>
+            </a:r>
+          </a:p>
+          <a:p>
+            <a:pPr lvl="1"/>
+            <a:r>
+              <a:rPr lang="en-US" dirty="0" smtClean="0"/>
+              <a:t>Reducer </a:t>
+            </a:r>
+            <a:r>
+              <a:rPr lang="en-US" b="1" i="1" dirty="0" err="1" smtClean="0"/>
+              <a:t>bc</a:t>
+            </a:r>
+            <a:r>
+              <a:rPr lang="en-US" b="1" i="1" dirty="0" smtClean="0"/>
+              <a:t> </a:t>
+            </a:r>
+            <a:r>
+              <a:rPr lang="en-US" dirty="0" smtClean="0"/>
+              <a:t>can exist as a sliced reducer that has access to </a:t>
+            </a:r>
+            <a:r>
+              <a:rPr lang="en-US" dirty="0" err="1" smtClean="0"/>
+              <a:t>state.b</a:t>
+            </a:r>
+            <a:r>
+              <a:rPr lang="en-US" dirty="0" smtClean="0"/>
+              <a:t> &amp; </a:t>
+            </a:r>
+            <a:r>
+              <a:rPr lang="en-US" dirty="0" err="1" smtClean="0"/>
+              <a:t>state.c</a:t>
+            </a:r>
+            <a:endParaRPr lang="en-US" dirty="0" smtClean="0"/>
+          </a:p>
+          <a:p>
+            <a:pPr lvl="1"/>
+            <a:endParaRPr lang="fr-FR" dirty="0"/>
+          </a:p>
+        </p:txBody>
+      </p:sp>
+      <p:sp>
+        <p:nvSpPr>
+          <p:cNvPr id="4" name="Date Placeholder 3"/>
+          <p:cNvSpPr>
+            <a:spLocks noGrp="1"/>
+          </p:cNvSpPr>
+          <p:nvPr>
+            <p:ph type="dt" sz="half" idx="10"/>
+          </p:nvPr>
+        </p:nvSpPr>
+        <p:spPr/>
+        <p:txBody>
+          <a:bodyPr/>
+          <a:lstStyle/>
+          <a:p>
+            <a:r>
+              <a:rPr lang="fr-FR" smtClean="0"/>
+              <a:t>2017</a:t>
+            </a:r>
+            <a:endParaRPr lang="fr-FR"/>
+          </a:p>
+        </p:txBody>
+      </p:sp>
+      <p:sp>
+        <p:nvSpPr>
+          <p:cNvPr id="5" name="Footer Placeholder 4"/>
+          <p:cNvSpPr>
+            <a:spLocks noGrp="1"/>
+          </p:cNvSpPr>
+          <p:nvPr>
+            <p:ph type="ftr" sz="quarter" idx="11"/>
+          </p:nvPr>
+        </p:nvSpPr>
+        <p:spPr/>
+        <p:txBody>
+          <a:bodyPr/>
+          <a:lstStyle/>
+          <a:p>
+            <a:r>
+              <a:rPr lang="fr-FR" smtClean="0"/>
+              <a:t>cedric.hartland@gmail.com</a:t>
+            </a:r>
+            <a:endParaRPr lang="fr-FR" dirty="0"/>
+          </a:p>
+        </p:txBody>
+      </p:sp>
+      <p:sp>
+        <p:nvSpPr>
+          <p:cNvPr id="6" name="Slide Number Placeholder 5"/>
+          <p:cNvSpPr>
+            <a:spLocks noGrp="1"/>
+          </p:cNvSpPr>
+          <p:nvPr>
+            <p:ph type="sldNum" sz="quarter" idx="12"/>
+          </p:nvPr>
+        </p:nvSpPr>
+        <p:spPr/>
+        <p:txBody>
+          <a:bodyPr/>
+          <a:lstStyle/>
+          <a:p>
+            <a:fld id="{44139E8D-6066-4080-AC46-DB89673BFC8E}" type="slidenum">
+              <a:rPr lang="fr-FR" smtClean="0"/>
+              <a:pPr/>
+              <a:t>30</a:t>
+            </a:fld>
+            <a:endParaRPr lang="fr-FR"/>
+          </a:p>
+        </p:txBody>
+      </p:sp>
+    </p:spTree>
+    <p:extLst>
+      <p:ext uri="{BB962C8B-B14F-4D97-AF65-F5344CB8AC3E}">
+        <p14:creationId xmlns:p14="http://schemas.microsoft.com/office/powerpoint/2010/main" val="4014935318"/>
+      </p:ext>
+    </p:extLst>
+  </p:cSld>
+  <p:clrMapOvr>
+    <a:masterClrMapping/>
+  </p:clrMapOvr>
+</p:sld>
+</file>
+
+<file path=ppt/slides/slide31.xml><?xml version="1.0" encoding="utf-8"?>
+<p:sld xmlns:a="http://schemas.openxmlformats.org/drawingml/2006/main" xmlns:r="http://schemas.openxmlformats.org/officeDocument/2006/relationships" xmlns:p="http://schemas.openxmlformats.org/presentationml/2006/main">
+  <p:cSld>
+    <p:spTree>
+      <p:nvGrpSpPr>
+        <p:cNvPr id="1" name=""/>
+        <p:cNvGrpSpPr/>
+        <p:nvPr/>
+      </p:nvGrpSpPr>
+      <p:grpSpPr>
+        <a:xfrm>
+          <a:off x="0" y="0"/>
+          <a:ext cx="0" cy="0"/>
+          <a:chOff x="0" y="0"/>
+          <a:chExt cx="0" cy="0"/>
+        </a:xfrm>
+      </p:grpSpPr>
+      <p:sp>
+        <p:nvSpPr>
+          <p:cNvPr id="2" name="Title 1"/>
+          <p:cNvSpPr>
+            <a:spLocks noGrp="1"/>
+          </p:cNvSpPr>
+          <p:nvPr>
+            <p:ph type="title"/>
+          </p:nvPr>
+        </p:nvSpPr>
+        <p:spPr/>
+        <p:txBody>
+          <a:bodyPr/>
+          <a:lstStyle/>
+          <a:p>
+            <a:r>
+              <a:rPr lang="en-US" dirty="0" smtClean="0"/>
+              <a:t>Redux – Data normalization</a:t>
+            </a:r>
+            <a:endParaRPr lang="fr-FR" dirty="0"/>
+          </a:p>
+        </p:txBody>
+      </p:sp>
+      <p:sp>
+        <p:nvSpPr>
+          <p:cNvPr id="3" name="Content Placeholder 2"/>
+          <p:cNvSpPr>
+            <a:spLocks noGrp="1"/>
+          </p:cNvSpPr>
+          <p:nvPr>
+            <p:ph idx="1"/>
+          </p:nvPr>
+        </p:nvSpPr>
+        <p:spPr/>
+        <p:txBody>
+          <a:bodyPr>
+            <a:normAutofit/>
+          </a:bodyPr>
+          <a:lstStyle/>
+          <a:p>
+            <a:r>
+              <a:rPr lang="en-US" dirty="0" smtClean="0"/>
+              <a:t>Different reducers work on different state data</a:t>
+            </a:r>
+          </a:p>
+          <a:p>
+            <a:pPr lvl="1"/>
+            <a:r>
+              <a:rPr lang="en-US" dirty="0" smtClean="0"/>
+              <a:t>Complex data structures may require elaborate operations</a:t>
+            </a:r>
+          </a:p>
+          <a:p>
+            <a:pPr lvl="2"/>
+            <a:r>
+              <a:rPr lang="en-US" dirty="0" smtClean="0"/>
+              <a:t>Share actions across reducers</a:t>
+            </a:r>
+          </a:p>
+          <a:p>
+            <a:pPr lvl="2"/>
+            <a:r>
+              <a:rPr lang="en-US" dirty="0" smtClean="0"/>
+              <a:t>Data duplication across reducers</a:t>
+            </a:r>
+          </a:p>
+          <a:p>
+            <a:pPr lvl="1"/>
+            <a:r>
+              <a:rPr lang="en-US" dirty="0" smtClean="0"/>
+              <a:t>Those require extra synchronization effort when writing or updating code</a:t>
+            </a:r>
+          </a:p>
+          <a:p>
+            <a:pPr lvl="1"/>
+            <a:r>
+              <a:rPr lang="en-US" dirty="0" smtClean="0"/>
+              <a:t>Accessing data may not be easy or consistent by default</a:t>
+            </a:r>
+          </a:p>
+          <a:p>
+            <a:endParaRPr lang="en-US" dirty="0"/>
+          </a:p>
+          <a:p>
+            <a:r>
+              <a:rPr lang="en-US" dirty="0" smtClean="0"/>
+              <a:t>Normalizing data can help </a:t>
+            </a:r>
+            <a:r>
+              <a:rPr lang="en-US" sz="2000" dirty="0" err="1" smtClean="0">
+                <a:solidFill>
+                  <a:schemeClr val="accent6"/>
+                </a:solidFill>
+              </a:rPr>
+              <a:t>normalizr</a:t>
+            </a:r>
+            <a:endParaRPr lang="en-US" dirty="0" smtClean="0">
+              <a:solidFill>
+                <a:schemeClr val="accent6"/>
+              </a:solidFill>
+            </a:endParaRPr>
+          </a:p>
+          <a:p>
+            <a:pPr lvl="1"/>
+            <a:r>
+              <a:rPr lang="en-US" dirty="0" smtClean="0"/>
+              <a:t>Relational mapping to structure data </a:t>
+            </a:r>
+            <a:r>
+              <a:rPr lang="en-US" sz="1800" dirty="0" smtClean="0">
+                <a:solidFill>
+                  <a:schemeClr val="accent6"/>
+                </a:solidFill>
+              </a:rPr>
+              <a:t>client side database !</a:t>
+            </a:r>
+            <a:endParaRPr lang="en-US" dirty="0" smtClean="0">
+              <a:solidFill>
+                <a:schemeClr val="accent6"/>
+              </a:solidFill>
+            </a:endParaRPr>
+          </a:p>
+          <a:p>
+            <a:pPr lvl="1"/>
+            <a:r>
+              <a:rPr lang="en-US" dirty="0" smtClean="0"/>
+              <a:t>Remove data duplication</a:t>
+            </a:r>
+          </a:p>
+          <a:p>
+            <a:pPr lvl="1"/>
+            <a:r>
+              <a:rPr lang="en-US" dirty="0" smtClean="0"/>
+              <a:t>Separate collections from elements</a:t>
+            </a:r>
+            <a:endParaRPr lang="fr-FR" dirty="0">
+              <a:solidFill>
+                <a:schemeClr val="accent6"/>
+              </a:solidFill>
+            </a:endParaRPr>
+          </a:p>
+        </p:txBody>
+      </p:sp>
+      <p:sp>
+        <p:nvSpPr>
+          <p:cNvPr id="4" name="Date Placeholder 3"/>
+          <p:cNvSpPr>
+            <a:spLocks noGrp="1"/>
+          </p:cNvSpPr>
+          <p:nvPr>
+            <p:ph type="dt" sz="half" idx="10"/>
+          </p:nvPr>
+        </p:nvSpPr>
+        <p:spPr/>
+        <p:txBody>
+          <a:bodyPr/>
+          <a:lstStyle/>
+          <a:p>
+            <a:r>
+              <a:rPr lang="fr-FR" smtClean="0"/>
+              <a:t>2017</a:t>
+            </a:r>
+            <a:endParaRPr lang="fr-FR"/>
+          </a:p>
+        </p:txBody>
+      </p:sp>
+      <p:sp>
+        <p:nvSpPr>
+          <p:cNvPr id="5" name="Footer Placeholder 4"/>
+          <p:cNvSpPr>
+            <a:spLocks noGrp="1"/>
+          </p:cNvSpPr>
+          <p:nvPr>
+            <p:ph type="ftr" sz="quarter" idx="11"/>
+          </p:nvPr>
+        </p:nvSpPr>
+        <p:spPr/>
+        <p:txBody>
+          <a:bodyPr/>
+          <a:lstStyle/>
+          <a:p>
+            <a:r>
+              <a:rPr lang="fr-FR" smtClean="0"/>
+              <a:t>cedric.hartland@gmail.com</a:t>
+            </a:r>
+            <a:endParaRPr lang="fr-FR" dirty="0"/>
+          </a:p>
+        </p:txBody>
+      </p:sp>
+      <p:sp>
+        <p:nvSpPr>
+          <p:cNvPr id="6" name="Slide Number Placeholder 5"/>
+          <p:cNvSpPr>
+            <a:spLocks noGrp="1"/>
+          </p:cNvSpPr>
+          <p:nvPr>
+            <p:ph type="sldNum" sz="quarter" idx="12"/>
+          </p:nvPr>
+        </p:nvSpPr>
+        <p:spPr/>
+        <p:txBody>
+          <a:bodyPr/>
+          <a:lstStyle/>
+          <a:p>
+            <a:fld id="{44139E8D-6066-4080-AC46-DB89673BFC8E}" type="slidenum">
+              <a:rPr lang="fr-FR" smtClean="0"/>
+              <a:pPr/>
+              <a:t>31</a:t>
+            </a:fld>
+            <a:endParaRPr lang="fr-FR"/>
+          </a:p>
+        </p:txBody>
+      </p:sp>
+    </p:spTree>
+    <p:extLst>
+      <p:ext uri="{BB962C8B-B14F-4D97-AF65-F5344CB8AC3E}">
+        <p14:creationId xmlns:p14="http://schemas.microsoft.com/office/powerpoint/2010/main" val="2636191371"/>
+      </p:ext>
+    </p:extLst>
+  </p:cSld>
+  <p:clrMapOvr>
+    <a:masterClrMapping/>
+  </p:clrMapOvr>
+</p:sld>
+</file>
+
+<file path=ppt/slides/slide32.xml><?xml version="1.0" encoding="utf-8"?>
+<p:sld xmlns:a="http://schemas.openxmlformats.org/drawingml/2006/main" xmlns:r="http://schemas.openxmlformats.org/officeDocument/2006/relationships" xmlns:p="http://schemas.openxmlformats.org/presentationml/2006/main">
+  <p:cSld>
+    <p:spTree>
+      <p:nvGrpSpPr>
+        <p:cNvPr id="1" name=""/>
+        <p:cNvGrpSpPr/>
+        <p:nvPr/>
+      </p:nvGrpSpPr>
+      <p:grpSpPr>
+        <a:xfrm>
+          <a:off x="0" y="0"/>
+          <a:ext cx="0" cy="0"/>
+          <a:chOff x="0" y="0"/>
+          <a:chExt cx="0" cy="0"/>
+        </a:xfrm>
+      </p:grpSpPr>
+      <p:sp>
+        <p:nvSpPr>
+          <p:cNvPr id="2" name="Title 1"/>
+          <p:cNvSpPr>
+            <a:spLocks noGrp="1"/>
+          </p:cNvSpPr>
+          <p:nvPr>
+            <p:ph type="title"/>
+          </p:nvPr>
+        </p:nvSpPr>
+        <p:spPr/>
+        <p:txBody>
+          <a:bodyPr/>
+          <a:lstStyle/>
+          <a:p>
+            <a:r>
+              <a:rPr lang="en-US" noProof="0" smtClean="0"/>
+              <a:t>React &amp; Redux</a:t>
+            </a:r>
+            <a:endParaRPr lang="en-US" noProof="0"/>
+          </a:p>
+        </p:txBody>
+      </p:sp>
+      <p:sp>
+        <p:nvSpPr>
+          <p:cNvPr id="3" name="Text Placeholder 2"/>
+          <p:cNvSpPr>
+            <a:spLocks noGrp="1"/>
+          </p:cNvSpPr>
+          <p:nvPr>
+            <p:ph type="body" idx="1"/>
+          </p:nvPr>
+        </p:nvSpPr>
+        <p:spPr/>
+        <p:txBody>
+          <a:bodyPr/>
+          <a:lstStyle/>
+          <a:p>
+            <a:r>
+              <a:rPr lang="en-US" noProof="0" smtClean="0"/>
+              <a:t>Rock &amp; Roll</a:t>
+            </a:r>
+            <a:endParaRPr lang="en-US" noProof="0"/>
+          </a:p>
+        </p:txBody>
+      </p:sp>
+      <p:sp>
+        <p:nvSpPr>
+          <p:cNvPr id="4" name="Date Placeholder 3"/>
+          <p:cNvSpPr>
+            <a:spLocks noGrp="1"/>
+          </p:cNvSpPr>
+          <p:nvPr>
+            <p:ph type="dt" sz="half" idx="10"/>
+          </p:nvPr>
+        </p:nvSpPr>
+        <p:spPr/>
+        <p:txBody>
+          <a:bodyPr/>
+          <a:lstStyle/>
+          <a:p>
+            <a:r>
+              <a:rPr lang="fr-FR" smtClean="0"/>
+              <a:t>2017</a:t>
+            </a:r>
+            <a:endParaRPr lang="fr-FR"/>
+          </a:p>
+        </p:txBody>
+      </p:sp>
+      <p:sp>
+        <p:nvSpPr>
+          <p:cNvPr id="5" name="Footer Placeholder 4"/>
+          <p:cNvSpPr>
+            <a:spLocks noGrp="1"/>
+          </p:cNvSpPr>
+          <p:nvPr>
+            <p:ph type="ftr" sz="quarter" idx="11"/>
+          </p:nvPr>
+        </p:nvSpPr>
+        <p:spPr/>
+        <p:txBody>
+          <a:bodyPr/>
+          <a:lstStyle/>
+          <a:p>
+            <a:r>
+              <a:rPr lang="fr-FR" dirty="0" smtClean="0"/>
+              <a:t>cedric.hartland@gmail.com</a:t>
+            </a:r>
+            <a:endParaRPr lang="fr-FR" dirty="0"/>
+          </a:p>
+        </p:txBody>
+      </p:sp>
+      <p:sp>
+        <p:nvSpPr>
+          <p:cNvPr id="6" name="Slide Number Placeholder 5"/>
+          <p:cNvSpPr>
+            <a:spLocks noGrp="1"/>
+          </p:cNvSpPr>
+          <p:nvPr>
+            <p:ph type="sldNum" sz="quarter" idx="12"/>
+          </p:nvPr>
+        </p:nvSpPr>
+        <p:spPr/>
+        <p:txBody>
+          <a:bodyPr/>
+          <a:lstStyle/>
+          <a:p>
+            <a:fld id="{44139E8D-6066-4080-AC46-DB89673BFC8E}" type="slidenum">
+              <a:rPr lang="fr-FR" smtClean="0"/>
+              <a:pPr/>
+              <a:t>32</a:t>
+            </a:fld>
+            <a:endParaRPr lang="fr-FR"/>
+          </a:p>
+        </p:txBody>
+      </p:sp>
+    </p:spTree>
+    <p:extLst>
+      <p:ext uri="{BB962C8B-B14F-4D97-AF65-F5344CB8AC3E}">
+        <p14:creationId xmlns:p14="http://schemas.microsoft.com/office/powerpoint/2010/main" val="3691361"/>
+      </p:ext>
+    </p:extLst>
+  </p:cSld>
+  <p:clrMapOvr>
+    <a:masterClrMapping/>
+  </p:clrMapOvr>
+  <p:timing>
+    <p:tnLst>
+      <p:par>
+        <p:cTn id="1" dur="indefinite" restart="never" nodeType="tmRoot"/>
+      </p:par>
+    </p:tnLst>
+  </p:timing>
+</p:sld>
+</file>
+
+<file path=ppt/slides/slide33.xml><?xml version="1.0" encoding="utf-8"?>
+<p:sld xmlns:a="http://schemas.openxmlformats.org/drawingml/2006/main" xmlns:r="http://schemas.openxmlformats.org/officeDocument/2006/relationships" xmlns:p="http://schemas.openxmlformats.org/presentationml/2006/main">
+  <p:cSld>
+    <p:spTree>
+      <p:nvGrpSpPr>
+        <p:cNvPr id="1" name=""/>
+        <p:cNvGrpSpPr/>
+        <p:nvPr/>
+      </p:nvGrpSpPr>
+      <p:grpSpPr>
+        <a:xfrm>
+          <a:off x="0" y="0"/>
+          <a:ext cx="0" cy="0"/>
+          <a:chOff x="0" y="0"/>
+          <a:chExt cx="0" cy="0"/>
+        </a:xfrm>
+      </p:grpSpPr>
+      <p:sp>
+        <p:nvSpPr>
+          <p:cNvPr id="2" name="Title 1"/>
+          <p:cNvSpPr>
+            <a:spLocks noGrp="1"/>
+          </p:cNvSpPr>
+          <p:nvPr>
+            <p:ph type="title"/>
+          </p:nvPr>
+        </p:nvSpPr>
+        <p:spPr/>
+        <p:txBody>
+          <a:bodyPr/>
+          <a:lstStyle/>
+          <a:p>
+            <a:r>
+              <a:rPr lang="en-US" noProof="0" smtClean="0"/>
+              <a:t>Wait, there’s more</a:t>
+            </a:r>
+            <a:endParaRPr lang="en-US" noProof="0"/>
+          </a:p>
+        </p:txBody>
+      </p:sp>
+      <p:sp>
+        <p:nvSpPr>
+          <p:cNvPr id="3" name="Text Placeholder 2"/>
+          <p:cNvSpPr>
+            <a:spLocks noGrp="1"/>
+          </p:cNvSpPr>
+          <p:nvPr>
+            <p:ph type="body" idx="1"/>
+          </p:nvPr>
+        </p:nvSpPr>
+        <p:spPr/>
+        <p:txBody>
+          <a:bodyPr/>
+          <a:lstStyle/>
+          <a:p>
+            <a:r>
+              <a:rPr lang="en-US" noProof="0" dirty="0" smtClean="0"/>
+              <a:t>Build, enhanced development process and how to test</a:t>
+            </a:r>
+            <a:endParaRPr lang="en-US" noProof="0" dirty="0"/>
+          </a:p>
+        </p:txBody>
+      </p:sp>
+      <p:sp>
+        <p:nvSpPr>
+          <p:cNvPr id="4" name="Date Placeholder 3"/>
+          <p:cNvSpPr>
+            <a:spLocks noGrp="1"/>
+          </p:cNvSpPr>
+          <p:nvPr>
+            <p:ph type="dt" sz="half" idx="10"/>
+          </p:nvPr>
+        </p:nvSpPr>
+        <p:spPr/>
+        <p:txBody>
+          <a:bodyPr/>
+          <a:lstStyle/>
+          <a:p>
+            <a:r>
+              <a:rPr lang="fr-FR" smtClean="0"/>
+              <a:t>2017</a:t>
+            </a:r>
+            <a:endParaRPr lang="fr-FR"/>
+          </a:p>
+        </p:txBody>
+      </p:sp>
+      <p:sp>
+        <p:nvSpPr>
+          <p:cNvPr id="5" name="Footer Placeholder 4"/>
+          <p:cNvSpPr>
+            <a:spLocks noGrp="1"/>
+          </p:cNvSpPr>
+          <p:nvPr>
+            <p:ph type="ftr" sz="quarter" idx="11"/>
+          </p:nvPr>
+        </p:nvSpPr>
+        <p:spPr/>
+        <p:txBody>
+          <a:bodyPr/>
+          <a:lstStyle/>
+          <a:p>
+            <a:r>
+              <a:rPr lang="fr-FR" smtClean="0"/>
+              <a:t>cedric.hartland@gmail.com</a:t>
+            </a:r>
+            <a:endParaRPr lang="fr-FR"/>
+          </a:p>
+        </p:txBody>
+      </p:sp>
+      <p:sp>
+        <p:nvSpPr>
+          <p:cNvPr id="6" name="Slide Number Placeholder 5"/>
+          <p:cNvSpPr>
+            <a:spLocks noGrp="1"/>
+          </p:cNvSpPr>
+          <p:nvPr>
+            <p:ph type="sldNum" sz="quarter" idx="12"/>
+          </p:nvPr>
+        </p:nvSpPr>
+        <p:spPr/>
+        <p:txBody>
+          <a:bodyPr/>
+          <a:lstStyle/>
+          <a:p>
+            <a:fld id="{44139E8D-6066-4080-AC46-DB89673BFC8E}" type="slidenum">
+              <a:rPr lang="fr-FR" smtClean="0"/>
+              <a:pPr/>
+              <a:t>33</a:t>
+            </a:fld>
+            <a:endParaRPr lang="fr-FR"/>
+          </a:p>
+        </p:txBody>
+      </p:sp>
+    </p:spTree>
+    <p:extLst>
+      <p:ext uri="{BB962C8B-B14F-4D97-AF65-F5344CB8AC3E}">
+        <p14:creationId xmlns:p14="http://schemas.microsoft.com/office/powerpoint/2010/main" val="1940074127"/>
       </p:ext>
     </p:extLst>
   </p:cSld>
@@ -20918,10 +24666,10 @@
           <a:lstStyle/>
           <a:p>
             <a:r>
-              <a:rPr lang="en-US" noProof="0" smtClean="0"/>
+              <a:rPr lang="en-US" noProof="0" dirty="0" smtClean="0"/>
               <a:t>React – what’s actually good in it ?</a:t>
             </a:r>
-            <a:endParaRPr lang="en-US" noProof="0"/>
+            <a:endParaRPr lang="en-US" noProof="0" dirty="0"/>
           </a:p>
         </p:txBody>
       </p:sp>

--- a/docs/React & Redux.pptx
+++ b/docs/React & Redux.pptx
@@ -21,25 +21,25 @@
     <p:sldId id="269" r:id="rId12"/>
     <p:sldId id="270" r:id="rId13"/>
     <p:sldId id="273" r:id="rId14"/>
-    <p:sldId id="261" r:id="rId15"/>
+    <p:sldId id="262" r:id="rId15"/>
     <p:sldId id="264" r:id="rId16"/>
     <p:sldId id="275" r:id="rId17"/>
-    <p:sldId id="274" r:id="rId18"/>
-    <p:sldId id="284" r:id="rId19"/>
-    <p:sldId id="283" r:id="rId20"/>
-    <p:sldId id="282" r:id="rId21"/>
-    <p:sldId id="286" r:id="rId22"/>
-    <p:sldId id="287" r:id="rId23"/>
-    <p:sldId id="298" r:id="rId24"/>
-    <p:sldId id="288" r:id="rId25"/>
-    <p:sldId id="289" r:id="rId26"/>
-    <p:sldId id="290" r:id="rId27"/>
-    <p:sldId id="299" r:id="rId28"/>
-    <p:sldId id="293" r:id="rId29"/>
-    <p:sldId id="294" r:id="rId30"/>
-    <p:sldId id="295" r:id="rId31"/>
-    <p:sldId id="297" r:id="rId32"/>
-    <p:sldId id="262" r:id="rId33"/>
+    <p:sldId id="301" r:id="rId18"/>
+    <p:sldId id="274" r:id="rId19"/>
+    <p:sldId id="284" r:id="rId20"/>
+    <p:sldId id="283" r:id="rId21"/>
+    <p:sldId id="282" r:id="rId22"/>
+    <p:sldId id="286" r:id="rId23"/>
+    <p:sldId id="287" r:id="rId24"/>
+    <p:sldId id="298" r:id="rId25"/>
+    <p:sldId id="288" r:id="rId26"/>
+    <p:sldId id="289" r:id="rId27"/>
+    <p:sldId id="290" r:id="rId28"/>
+    <p:sldId id="299" r:id="rId29"/>
+    <p:sldId id="293" r:id="rId30"/>
+    <p:sldId id="294" r:id="rId31"/>
+    <p:sldId id="295" r:id="rId32"/>
+    <p:sldId id="297" r:id="rId33"/>
     <p:sldId id="263" r:id="rId34"/>
   </p:sldIdLst>
   <p:sldSz cx="12192000" cy="6858000"/>
@@ -165,9 +165,10 @@
         </p14:section>
         <p14:section name="Redux" id="{16342404-4B47-46E4-8E67-21489C16DD5A}">
           <p14:sldIdLst>
-            <p14:sldId id="261"/>
+            <p14:sldId id="262"/>
             <p14:sldId id="264"/>
             <p14:sldId id="275"/>
+            <p14:sldId id="301"/>
             <p14:sldId id="274"/>
             <p14:sldId id="284"/>
             <p14:sldId id="283"/>
@@ -186,9 +187,7 @@
           </p14:sldIdLst>
         </p14:section>
         <p14:section name="React &amp; redux" id="{B6BBBED2-AAF2-42B9-90F4-682CAD6B1544}">
-          <p14:sldIdLst>
-            <p14:sldId id="262"/>
-          </p14:sldIdLst>
+          <p14:sldIdLst/>
         </p14:section>
         <p14:section name="build, development &amp; testing" id="{B7ABC3F2-4084-450A-B2C4-E886F60B3B22}">
           <p14:sldIdLst>
@@ -5039,7 +5038,7 @@
       </p:grpSpPr>
       <p:sp>
         <p:nvSpPr>
-          <p:cNvPr id="7" name="Title 6"/>
+          <p:cNvPr id="2" name="Title 1"/>
           <p:cNvSpPr>
             <a:spLocks noGrp="1"/>
           </p:cNvSpPr>
@@ -5054,7 +5053,7 @@
           <a:p>
             <a:r>
               <a:rPr lang="en-US" noProof="0" smtClean="0"/>
-              <a:t>Redux, a sweet introduction</a:t>
+              <a:t>React &amp; Redux</a:t>
             </a:r>
             <a:endParaRPr lang="en-US" noProof="0"/>
           </a:p>
@@ -5062,7 +5061,7 @@
       </p:sp>
       <p:sp>
         <p:nvSpPr>
-          <p:cNvPr id="8" name="Text Placeholder 7"/>
+          <p:cNvPr id="3" name="Text Placeholder 2"/>
           <p:cNvSpPr>
             <a:spLocks noGrp="1"/>
           </p:cNvSpPr>
@@ -5077,7 +5076,7 @@
           <a:p>
             <a:r>
               <a:rPr lang="en-US" noProof="0" smtClean="0"/>
-              <a:t>Single source of truth, read-only state, pure functions</a:t>
+              <a:t>Rock &amp; Roll</a:t>
             </a:r>
             <a:endParaRPr lang="en-US" noProof="0"/>
           </a:p>
@@ -5122,7 +5121,7 @@
           <a:lstStyle/>
           <a:p>
             <a:r>
-              <a:rPr lang="fr-FR" smtClean="0"/>
+              <a:rPr lang="fr-FR" dirty="0" smtClean="0"/>
               <a:t>cedric.hartland@gmail.com</a:t>
             </a:r>
             <a:endParaRPr lang="fr-FR" dirty="0"/>
@@ -5156,7 +5155,7 @@
     </p:spTree>
     <p:extLst>
       <p:ext uri="{BB962C8B-B14F-4D97-AF65-F5344CB8AC3E}">
-        <p14:creationId xmlns:p14="http://schemas.microsoft.com/office/powerpoint/2010/main" val="188073970"/>
+        <p14:creationId xmlns:p14="http://schemas.microsoft.com/office/powerpoint/2010/main" val="3691361"/>
       </p:ext>
     </p:extLst>
   </p:cSld>
@@ -7196,7 +7195,7 @@
       </p:grpSpPr>
       <p:sp>
         <p:nvSpPr>
-          <p:cNvPr id="2" name="Titre 1"/>
+          <p:cNvPr id="2" name="Title 1"/>
           <p:cNvSpPr>
             <a:spLocks noGrp="1"/>
           </p:cNvSpPr>
@@ -7210,12 +7209,8 @@
           <a:lstStyle/>
           <a:p>
             <a:r>
-              <a:rPr lang="fr-FR" dirty="0" err="1" smtClean="0"/>
-              <a:t>Redux</a:t>
-            </a:r>
-            <a:r>
-              <a:rPr lang="fr-FR" dirty="0" smtClean="0"/>
-              <a:t> – flux</a:t>
+              <a:rPr lang="en-US" dirty="0" smtClean="0"/>
+              <a:t>Redux - workflow close to that of flux</a:t>
             </a:r>
             <a:endParaRPr lang="fr-FR" dirty="0"/>
           </a:p>
@@ -7223,7 +7218,7 @@
       </p:sp>
       <p:sp>
         <p:nvSpPr>
-          <p:cNvPr id="3" name="Espace réservé du contenu 2"/>
+          <p:cNvPr id="3" name="Content Placeholder 2"/>
           <p:cNvSpPr>
             <a:spLocks noGrp="1"/>
           </p:cNvSpPr>
@@ -7239,63 +7234,133 @@
           <a:lstStyle/>
           <a:p>
             <a:r>
-              <a:rPr lang="fr-FR" dirty="0" smtClean="0"/>
-              <a:t>Alternative </a:t>
-            </a:r>
-            <a:r>
-              <a:rPr lang="fr-FR" dirty="0" err="1" smtClean="0"/>
-              <a:t>worflow</a:t>
-            </a:r>
-            <a:r>
-              <a:rPr lang="fr-FR" dirty="0" smtClean="0"/>
-              <a:t> </a:t>
+              <a:rPr lang="en-US" dirty="0" smtClean="0"/>
+              <a:t>Motivation</a:t>
             </a:r>
           </a:p>
           <a:p>
             <a:pPr lvl="1"/>
             <a:r>
-              <a:rPr lang="fr-FR" dirty="0" smtClean="0"/>
-              <a:t>Store </a:t>
-            </a:r>
-            <a:r>
-              <a:rPr lang="fr-FR" dirty="0" err="1" smtClean="0"/>
-              <a:t>is</a:t>
-            </a:r>
-            <a:r>
-              <a:rPr lang="fr-FR" dirty="0" smtClean="0"/>
-              <a:t> </a:t>
-            </a:r>
-            <a:r>
-              <a:rPr lang="fr-FR" dirty="0" err="1" smtClean="0"/>
-              <a:t>defined</a:t>
-            </a:r>
-            <a:r>
-              <a:rPr lang="fr-FR" dirty="0" smtClean="0"/>
-              <a:t> </a:t>
-            </a:r>
-            <a:r>
-              <a:rPr lang="fr-FR" dirty="0" err="1" smtClean="0"/>
-              <a:t>through</a:t>
-            </a:r>
-            <a:endParaRPr lang="fr-FR" dirty="0" smtClean="0"/>
+              <a:rPr lang="en-US" dirty="0" smtClean="0"/>
+              <a:t>MVC makes it hard to understand &amp; debug application</a:t>
+            </a:r>
+            <a:br>
+              <a:rPr lang="en-US" dirty="0" smtClean="0"/>
+            </a:br>
+            <a:r>
+              <a:rPr lang="en-US" sz="1800" dirty="0" smtClean="0">
+                <a:solidFill>
+                  <a:schemeClr val="accent6"/>
+                </a:solidFill>
+              </a:rPr>
+              <a:t>model update another model, then update a view that update a model, then…</a:t>
+            </a:r>
+            <a:endParaRPr lang="en-US" dirty="0" smtClean="0">
+              <a:solidFill>
+                <a:schemeClr val="accent6"/>
+              </a:solidFill>
+            </a:endParaRPr>
+          </a:p>
+          <a:p>
+            <a:pPr lvl="1"/>
+            <a:r>
+              <a:rPr lang="en-US" dirty="0" smtClean="0"/>
+              <a:t>SPAs high complexity data, interactions, </a:t>
+            </a:r>
+            <a:r>
+              <a:rPr lang="en-US" dirty="0" err="1" smtClean="0"/>
+              <a:t>asynchronicity</a:t>
+            </a:r>
+            <a:r>
+              <a:rPr lang="en-US" dirty="0" smtClean="0"/>
+              <a:t>, routing, etc.</a:t>
+            </a:r>
+            <a:br>
+              <a:rPr lang="en-US" dirty="0" smtClean="0"/>
+            </a:br>
+            <a:r>
+              <a:rPr lang="en-US" sz="2000" dirty="0" smtClean="0">
+                <a:solidFill>
+                  <a:schemeClr val="accent6"/>
+                </a:solidFill>
+              </a:rPr>
+              <a:t>data mutation and </a:t>
+            </a:r>
+            <a:r>
+              <a:rPr lang="en-US" sz="2000" dirty="0" err="1" smtClean="0">
+                <a:solidFill>
+                  <a:schemeClr val="accent6"/>
+                </a:solidFill>
+              </a:rPr>
+              <a:t>asynchronicity</a:t>
+            </a:r>
+            <a:r>
+              <a:rPr lang="en-US" sz="2000" dirty="0" smtClean="0">
+                <a:solidFill>
+                  <a:schemeClr val="accent6"/>
+                </a:solidFill>
+              </a:rPr>
+              <a:t> makes it hard to reason about the application</a:t>
+            </a:r>
+            <a:endParaRPr lang="en-US" dirty="0" smtClean="0">
+              <a:solidFill>
+                <a:schemeClr val="accent6"/>
+              </a:solidFill>
+            </a:endParaRPr>
+          </a:p>
+          <a:p>
+            <a:endParaRPr lang="en-US" dirty="0" smtClean="0"/>
+          </a:p>
+          <a:p>
+            <a:r>
+              <a:rPr lang="en-US" dirty="0" smtClean="0"/>
+              <a:t>Core principles</a:t>
+            </a:r>
+          </a:p>
+          <a:p>
+            <a:pPr lvl="1"/>
+            <a:r>
+              <a:rPr lang="en-US" dirty="0" smtClean="0"/>
+              <a:t>Single source of truth </a:t>
+            </a:r>
           </a:p>
           <a:p>
             <a:pPr lvl="2"/>
             <a:r>
-              <a:rPr lang="en-US" dirty="0"/>
-              <a:t>State</a:t>
-            </a:r>
-            <a:endParaRPr lang="fr-FR" dirty="0"/>
-          </a:p>
-          <a:p>
-            <a:pPr lvl="2"/>
-            <a:r>
               <a:rPr lang="en-US" dirty="0" smtClean="0"/>
-              <a:t>Reducers</a:t>
-            </a:r>
+              <a:t>The state of application stored in single object tree in single data store</a:t>
+            </a:r>
+          </a:p>
+          <a:p>
+            <a:pPr lvl="1"/>
             <a:r>
               <a:rPr lang="en-US" dirty="0"/>
               <a:t> </a:t>
+            </a:r>
+            <a:r>
+              <a:rPr lang="en-US" dirty="0" smtClean="0"/>
+              <a:t>State is read-only</a:t>
+            </a:r>
+          </a:p>
+          <a:p>
+            <a:pPr lvl="2"/>
+            <a:r>
+              <a:rPr lang="en-US" dirty="0" smtClean="0"/>
+              <a:t>Changing state requires an action that describes operation</a:t>
+            </a:r>
+          </a:p>
+          <a:p>
+            <a:pPr lvl="1"/>
+            <a:r>
+              <a:rPr lang="en-US" dirty="0" smtClean="0"/>
+              <a:t>Changes are made with pure functions </a:t>
+            </a:r>
+          </a:p>
+          <a:p>
+            <a:pPr lvl="2"/>
+            <a:r>
+              <a:rPr lang="en-US" dirty="0" smtClean="0"/>
+              <a:t>New state is new object </a:t>
             </a:r>
             <a:r>
               <a:rPr lang="en-US" sz="1600" dirty="0" smtClean="0">
@@ -7303,252 +7368,19 @@
                   <a:schemeClr val="accent6"/>
                 </a:solidFill>
               </a:rPr>
-              <a:t>state </a:t>
-            </a:r>
-            <a:r>
-              <a:rPr lang="en-US" sz="1600" dirty="0" err="1" smtClean="0">
-                <a:solidFill>
-                  <a:schemeClr val="accent6"/>
-                </a:solidFill>
-              </a:rPr>
-              <a:t>mutator</a:t>
-            </a:r>
-            <a:r>
-              <a:rPr lang="en-US" sz="1600" dirty="0" smtClean="0">
-                <a:solidFill>
-                  <a:schemeClr val="accent6"/>
-                </a:solidFill>
-              </a:rPr>
-              <a:t> functions</a:t>
-            </a:r>
-            <a:endParaRPr lang="en-US" dirty="0" smtClean="0">
+              <a:t>no mutations</a:t>
+            </a:r>
+            <a:endParaRPr lang="fr-FR" dirty="0">
               <a:solidFill>
                 <a:schemeClr val="accent6"/>
               </a:solidFill>
             </a:endParaRPr>
           </a:p>
-          <a:p>
-            <a:pPr lvl="3"/>
-            <a:r>
-              <a:rPr lang="en-US" dirty="0" smtClean="0"/>
-              <a:t>Consumes current state</a:t>
-            </a:r>
-            <a:endParaRPr lang="fr-FR" dirty="0" smtClean="0"/>
-          </a:p>
-          <a:p>
-            <a:pPr lvl="3"/>
-            <a:r>
-              <a:rPr lang="fr-FR" dirty="0" smtClean="0"/>
-              <a:t>Consumes actions </a:t>
-            </a:r>
-            <a:r>
-              <a:rPr lang="fr-FR" sz="1400" dirty="0" err="1" smtClean="0">
-                <a:solidFill>
-                  <a:schemeClr val="accent6"/>
-                </a:solidFill>
-              </a:rPr>
-              <a:t>operations</a:t>
-            </a:r>
-            <a:r>
-              <a:rPr lang="fr-FR" sz="1400" dirty="0" smtClean="0">
-                <a:solidFill>
-                  <a:schemeClr val="accent6"/>
-                </a:solidFill>
-              </a:rPr>
-              <a:t> </a:t>
-            </a:r>
-            <a:r>
-              <a:rPr lang="fr-FR" sz="1400" dirty="0" err="1" smtClean="0">
-                <a:solidFill>
-                  <a:schemeClr val="accent6"/>
-                </a:solidFill>
-              </a:rPr>
-              <a:t>that</a:t>
-            </a:r>
-            <a:r>
-              <a:rPr lang="fr-FR" sz="1400" dirty="0" smtClean="0">
-                <a:solidFill>
-                  <a:schemeClr val="accent6"/>
-                </a:solidFill>
-              </a:rPr>
-              <a:t> </a:t>
-            </a:r>
-            <a:r>
-              <a:rPr lang="fr-FR" sz="1400" dirty="0" err="1" smtClean="0">
-                <a:solidFill>
-                  <a:schemeClr val="accent6"/>
-                </a:solidFill>
-              </a:rPr>
-              <a:t>could</a:t>
-            </a:r>
-            <a:r>
-              <a:rPr lang="fr-FR" sz="1400" dirty="0" smtClean="0">
-                <a:solidFill>
-                  <a:schemeClr val="accent6"/>
-                </a:solidFill>
-              </a:rPr>
-              <a:t> update state</a:t>
-            </a:r>
-          </a:p>
-          <a:p>
-            <a:pPr lvl="3"/>
-            <a:r>
-              <a:rPr lang="fr-FR" dirty="0" err="1" smtClean="0"/>
-              <a:t>Produces</a:t>
-            </a:r>
-            <a:r>
-              <a:rPr lang="fr-FR" dirty="0" smtClean="0"/>
-              <a:t> new state </a:t>
-            </a:r>
-            <a:r>
-              <a:rPr lang="fr-FR" sz="1400" dirty="0" smtClean="0">
-                <a:solidFill>
-                  <a:schemeClr val="accent6"/>
-                </a:solidFill>
-              </a:rPr>
-              <a:t>…or return the </a:t>
-            </a:r>
-            <a:r>
-              <a:rPr lang="fr-FR" sz="1400" dirty="0" err="1" smtClean="0">
-                <a:solidFill>
-                  <a:schemeClr val="accent6"/>
-                </a:solidFill>
-              </a:rPr>
-              <a:t>previous</a:t>
-            </a:r>
-            <a:r>
-              <a:rPr lang="fr-FR" sz="1400" dirty="0" smtClean="0">
-                <a:solidFill>
-                  <a:schemeClr val="accent6"/>
-                </a:solidFill>
-              </a:rPr>
-              <a:t> state if not </a:t>
-            </a:r>
-            <a:r>
-              <a:rPr lang="fr-FR" sz="1400" dirty="0" err="1" smtClean="0">
-                <a:solidFill>
-                  <a:schemeClr val="accent6"/>
-                </a:solidFill>
-              </a:rPr>
-              <a:t>changed</a:t>
-            </a:r>
-            <a:endParaRPr lang="fr-FR" sz="1400" dirty="0" smtClean="0">
-              <a:solidFill>
-                <a:schemeClr val="accent6"/>
-              </a:solidFill>
-            </a:endParaRPr>
-          </a:p>
-          <a:p>
-            <a:pPr marL="0" indent="0" algn="ctr">
-              <a:buNone/>
-            </a:pPr>
-            <a:r>
-              <a:rPr lang="en-US" b="1" i="1" dirty="0">
-                <a:solidFill>
-                  <a:schemeClr val="accent1"/>
-                </a:solidFill>
-              </a:rPr>
-              <a:t>(state, action) → state</a:t>
-            </a:r>
-            <a:r>
-              <a:rPr lang="en-US" b="1" i="1" dirty="0" smtClean="0">
-                <a:solidFill>
-                  <a:schemeClr val="accent1"/>
-                </a:solidFill>
-              </a:rPr>
-              <a:t>’</a:t>
-            </a:r>
-            <a:endParaRPr lang="fr-FR" dirty="0" smtClean="0"/>
-          </a:p>
-          <a:p>
-            <a:pPr lvl="1"/>
-            <a:r>
-              <a:rPr lang="en-US" dirty="0" smtClean="0"/>
-              <a:t>Reducers can be combined</a:t>
-            </a:r>
-          </a:p>
-          <a:p>
-            <a:pPr lvl="2"/>
-            <a:r>
-              <a:rPr lang="en-US" dirty="0" smtClean="0"/>
-              <a:t>Manage complexity at </a:t>
-            </a:r>
-            <a:r>
-              <a:rPr lang="en-US" smtClean="0"/>
-              <a:t>lower scale</a:t>
-            </a:r>
-            <a:endParaRPr lang="fr-FR" dirty="0" smtClean="0"/>
-          </a:p>
-          <a:p>
-            <a:pPr lvl="1"/>
-            <a:r>
-              <a:rPr lang="fr-FR" dirty="0" err="1" smtClean="0"/>
-              <a:t>Reducers</a:t>
-            </a:r>
-            <a:r>
-              <a:rPr lang="fr-FR" dirty="0" smtClean="0"/>
-              <a:t> have to </a:t>
-            </a:r>
-            <a:r>
-              <a:rPr lang="fr-FR" dirty="0" err="1" smtClean="0"/>
-              <a:t>be</a:t>
-            </a:r>
-            <a:r>
-              <a:rPr lang="fr-FR" dirty="0" smtClean="0"/>
-              <a:t> pure </a:t>
-            </a:r>
-            <a:r>
-              <a:rPr lang="fr-FR" dirty="0" err="1" smtClean="0"/>
-              <a:t>functions</a:t>
-            </a:r>
-            <a:endParaRPr lang="fr-FR" dirty="0" smtClean="0"/>
-          </a:p>
-          <a:p>
-            <a:pPr lvl="2"/>
-            <a:r>
-              <a:rPr lang="en-US" dirty="0" smtClean="0"/>
-              <a:t>If states are different, their reference pointer are different</a:t>
-            </a:r>
-            <a:endParaRPr lang="fr-FR" dirty="0" smtClean="0"/>
-          </a:p>
-          <a:p>
-            <a:pPr lvl="3"/>
-            <a:r>
-              <a:rPr lang="en-US" dirty="0" smtClean="0"/>
-              <a:t>Benefit from predictability and testability</a:t>
-            </a:r>
-          </a:p>
-          <a:p>
-            <a:pPr lvl="3"/>
-            <a:r>
-              <a:rPr lang="en-US" dirty="0" smtClean="0"/>
-              <a:t>No need for deep object comparison through components lifecycle </a:t>
-            </a:r>
-            <a:r>
-              <a:rPr lang="en-US" sz="1200" dirty="0" smtClean="0">
-                <a:solidFill>
-                  <a:schemeClr val="accent6"/>
-                </a:solidFill>
-              </a:rPr>
-              <a:t>save on most expensive operation</a:t>
-            </a:r>
-            <a:endParaRPr lang="fr-FR" dirty="0" smtClean="0">
-              <a:solidFill>
-                <a:schemeClr val="accent6"/>
-              </a:solidFill>
-            </a:endParaRPr>
-          </a:p>
-          <a:p>
-            <a:pPr lvl="1" algn="ctr">
-              <a:buNone/>
-            </a:pPr>
-            <a:endParaRPr lang="fr-FR" dirty="0" smtClean="0"/>
-          </a:p>
-        </p:txBody>
-      </p:sp>
-      <p:sp>
-        <p:nvSpPr>
-          <p:cNvPr id="4" name="Espace réservé de la date 3"/>
+        </p:txBody>
+      </p:sp>
+      <p:sp>
+        <p:nvSpPr>
+          <p:cNvPr id="4" name="Date Placeholder 3"/>
           <p:cNvSpPr>
             <a:spLocks noGrp="1"/>
           </p:cNvSpPr>
@@ -7571,7 +7403,7 @@
       </p:sp>
       <p:sp>
         <p:nvSpPr>
-          <p:cNvPr id="5" name="Espace réservé du pied de page 4"/>
+          <p:cNvPr id="5" name="Footer Placeholder 4"/>
           <p:cNvSpPr>
             <a:spLocks noGrp="1"/>
           </p:cNvSpPr>
@@ -7594,7 +7426,7 @@
       </p:sp>
       <p:sp>
         <p:nvSpPr>
-          <p:cNvPr id="6" name="Espace réservé du numéro de diapositive 5"/>
+          <p:cNvPr id="6" name="Slide Number Placeholder 5"/>
           <p:cNvSpPr>
             <a:spLocks noGrp="1"/>
           </p:cNvSpPr>
@@ -7617,17 +7449,15 @@
         </p:txBody>
       </p:sp>
     </p:spTree>
+    <p:extLst>
+      <p:ext uri="{BB962C8B-B14F-4D97-AF65-F5344CB8AC3E}">
+        <p14:creationId xmlns:p14="http://schemas.microsoft.com/office/powerpoint/2010/main" val="440583336"/>
+      </p:ext>
+    </p:extLst>
   </p:cSld>
   <p:clrMapOvr>
     <a:masterClrMapping/>
   </p:clrMapOvr>
-  <p:timing>
-    <p:tnLst>
-      <p:par>
-        <p:cTn id="1" dur="indefinite" restart="never" nodeType="tmRoot"/>
-      </p:par>
-    </p:tnLst>
-  </p:timing>
 </p:sld>
 </file>
 
@@ -7669,17 +7499,333 @@
             </a:r>
             <a:r>
               <a:rPr lang="fr-FR" dirty="0" smtClean="0"/>
-              <a:t> – </a:t>
+              <a:t> – flux</a:t>
+            </a:r>
+            <a:endParaRPr lang="fr-FR" dirty="0"/>
+          </a:p>
+        </p:txBody>
+      </p:sp>
+      <p:sp>
+        <p:nvSpPr>
+          <p:cNvPr id="3" name="Espace réservé du contenu 2"/>
+          <p:cNvSpPr>
+            <a:spLocks noGrp="1"/>
+          </p:cNvSpPr>
+          <p:nvPr>
+            <p:ph idx="1"/>
+          </p:nvPr>
+        </p:nvSpPr>
+        <p:spPr/>
+        <p:txBody>
+          <a:bodyPr>
+            <a:normAutofit fontScale="85000" lnSpcReduction="20000"/>
+          </a:bodyPr>
+          <a:lstStyle/>
+          <a:p>
+            <a:r>
+              <a:rPr lang="fr-FR" dirty="0" smtClean="0"/>
+              <a:t>Store </a:t>
             </a:r>
             <a:r>
               <a:rPr lang="fr-FR" dirty="0" err="1" smtClean="0"/>
-              <a:t>workflow</a:t>
+              <a:t>is</a:t>
             </a:r>
             <a:r>
               <a:rPr lang="fr-FR" dirty="0" smtClean="0"/>
               <a:t> </a:t>
             </a:r>
+            <a:r>
+              <a:rPr lang="fr-FR" dirty="0" err="1" smtClean="0"/>
+              <a:t>defined</a:t>
+            </a:r>
+            <a:r>
+              <a:rPr lang="fr-FR" dirty="0" smtClean="0"/>
+              <a:t> </a:t>
+            </a:r>
+            <a:r>
+              <a:rPr lang="fr-FR" dirty="0" err="1" smtClean="0"/>
+              <a:t>through</a:t>
+            </a:r>
+            <a:endParaRPr lang="fr-FR" dirty="0" smtClean="0"/>
+          </a:p>
+          <a:p>
+            <a:pPr lvl="1"/>
+            <a:r>
+              <a:rPr lang="en-US" dirty="0"/>
+              <a:t>State</a:t>
+            </a:r>
             <a:endParaRPr lang="fr-FR" dirty="0"/>
+          </a:p>
+          <a:p>
+            <a:pPr lvl="1"/>
+            <a:r>
+              <a:rPr lang="en-US" dirty="0" smtClean="0"/>
+              <a:t>Reducers</a:t>
+            </a:r>
+            <a:r>
+              <a:rPr lang="en-US" dirty="0"/>
+              <a:t> </a:t>
+            </a:r>
+            <a:r>
+              <a:rPr lang="en-US" dirty="0" smtClean="0">
+                <a:solidFill>
+                  <a:schemeClr val="accent6"/>
+                </a:solidFill>
+              </a:rPr>
+              <a:t>state </a:t>
+            </a:r>
+            <a:r>
+              <a:rPr lang="en-US" dirty="0" err="1" smtClean="0">
+                <a:solidFill>
+                  <a:schemeClr val="accent6"/>
+                </a:solidFill>
+              </a:rPr>
+              <a:t>mutator</a:t>
+            </a:r>
+            <a:r>
+              <a:rPr lang="en-US" dirty="0" smtClean="0">
+                <a:solidFill>
+                  <a:schemeClr val="accent6"/>
+                </a:solidFill>
+              </a:rPr>
+              <a:t> functions</a:t>
+            </a:r>
+          </a:p>
+          <a:p>
+            <a:pPr lvl="2"/>
+            <a:r>
+              <a:rPr lang="en-US" dirty="0" smtClean="0"/>
+              <a:t>Consumes current state</a:t>
+            </a:r>
+            <a:endParaRPr lang="fr-FR" dirty="0" smtClean="0"/>
+          </a:p>
+          <a:p>
+            <a:pPr lvl="2"/>
+            <a:r>
+              <a:rPr lang="fr-FR" dirty="0" smtClean="0"/>
+              <a:t>Consumes actions </a:t>
+            </a:r>
+            <a:r>
+              <a:rPr lang="fr-FR" sz="1600" dirty="0" err="1" smtClean="0">
+                <a:solidFill>
+                  <a:schemeClr val="accent6"/>
+                </a:solidFill>
+              </a:rPr>
+              <a:t>operations</a:t>
+            </a:r>
+            <a:r>
+              <a:rPr lang="fr-FR" sz="1600" dirty="0" smtClean="0">
+                <a:solidFill>
+                  <a:schemeClr val="accent6"/>
+                </a:solidFill>
+              </a:rPr>
+              <a:t> </a:t>
+            </a:r>
+            <a:r>
+              <a:rPr lang="fr-FR" sz="1600" dirty="0" err="1" smtClean="0">
+                <a:solidFill>
+                  <a:schemeClr val="accent6"/>
+                </a:solidFill>
+              </a:rPr>
+              <a:t>that</a:t>
+            </a:r>
+            <a:r>
+              <a:rPr lang="fr-FR" sz="1600" dirty="0" smtClean="0">
+                <a:solidFill>
+                  <a:schemeClr val="accent6"/>
+                </a:solidFill>
+              </a:rPr>
+              <a:t> </a:t>
+            </a:r>
+            <a:r>
+              <a:rPr lang="fr-FR" sz="1600" dirty="0" err="1" smtClean="0">
+                <a:solidFill>
+                  <a:schemeClr val="accent6"/>
+                </a:solidFill>
+              </a:rPr>
+              <a:t>could</a:t>
+            </a:r>
+            <a:r>
+              <a:rPr lang="fr-FR" sz="1600" dirty="0" smtClean="0">
+                <a:solidFill>
+                  <a:schemeClr val="accent6"/>
+                </a:solidFill>
+              </a:rPr>
+              <a:t> update state</a:t>
+            </a:r>
+          </a:p>
+          <a:p>
+            <a:pPr lvl="2"/>
+            <a:r>
+              <a:rPr lang="fr-FR" dirty="0" err="1" smtClean="0"/>
+              <a:t>Produces</a:t>
+            </a:r>
+            <a:r>
+              <a:rPr lang="fr-FR" dirty="0" smtClean="0"/>
+              <a:t> new state </a:t>
+            </a:r>
+            <a:r>
+              <a:rPr lang="fr-FR" sz="1600" dirty="0" smtClean="0">
+                <a:solidFill>
+                  <a:schemeClr val="accent6"/>
+                </a:solidFill>
+              </a:rPr>
+              <a:t>…or return the </a:t>
+            </a:r>
+            <a:r>
+              <a:rPr lang="fr-FR" sz="1600" dirty="0" err="1" smtClean="0">
+                <a:solidFill>
+                  <a:schemeClr val="accent6"/>
+                </a:solidFill>
+              </a:rPr>
+              <a:t>previous</a:t>
+            </a:r>
+            <a:r>
+              <a:rPr lang="fr-FR" sz="1600" dirty="0" smtClean="0">
+                <a:solidFill>
+                  <a:schemeClr val="accent6"/>
+                </a:solidFill>
+              </a:rPr>
+              <a:t> state if not </a:t>
+            </a:r>
+            <a:r>
+              <a:rPr lang="fr-FR" sz="1600" dirty="0" err="1" smtClean="0">
+                <a:solidFill>
+                  <a:schemeClr val="accent6"/>
+                </a:solidFill>
+              </a:rPr>
+              <a:t>changed</a:t>
+            </a:r>
+            <a:endParaRPr lang="fr-FR" sz="1600" dirty="0" smtClean="0">
+              <a:solidFill>
+                <a:schemeClr val="accent6"/>
+              </a:solidFill>
+            </a:endParaRPr>
+          </a:p>
+          <a:p>
+            <a:pPr marL="0" indent="0" algn="ctr">
+              <a:buNone/>
+            </a:pPr>
+            <a:endParaRPr lang="en-US" b="1" i="1" dirty="0" smtClean="0">
+              <a:solidFill>
+                <a:schemeClr val="accent1"/>
+              </a:solidFill>
+            </a:endParaRPr>
+          </a:p>
+          <a:p>
+            <a:pPr marL="0" indent="0" algn="ctr">
+              <a:buNone/>
+            </a:pPr>
+            <a:r>
+              <a:rPr lang="en-US" b="1" i="1" dirty="0" smtClean="0">
+                <a:solidFill>
+                  <a:schemeClr val="accent1"/>
+                </a:solidFill>
+              </a:rPr>
+              <a:t>(</a:t>
+            </a:r>
+            <a:r>
+              <a:rPr lang="en-US" b="1" i="1" dirty="0">
+                <a:solidFill>
+                  <a:schemeClr val="accent1"/>
+                </a:solidFill>
+              </a:rPr>
+              <a:t>state, action) → state</a:t>
+            </a:r>
+            <a:r>
+              <a:rPr lang="en-US" b="1" i="1" dirty="0" smtClean="0">
+                <a:solidFill>
+                  <a:schemeClr val="accent1"/>
+                </a:solidFill>
+              </a:rPr>
+              <a:t>’</a:t>
+            </a:r>
+            <a:endParaRPr lang="fr-FR" dirty="0" smtClean="0"/>
+          </a:p>
+          <a:p>
+            <a:endParaRPr lang="en-US" dirty="0" smtClean="0"/>
+          </a:p>
+          <a:p>
+            <a:r>
+              <a:rPr lang="en-US" dirty="0" smtClean="0"/>
+              <a:t>Reducers </a:t>
+            </a:r>
+            <a:r>
+              <a:rPr lang="en-US" dirty="0" smtClean="0"/>
+              <a:t>can be combined</a:t>
+            </a:r>
+          </a:p>
+          <a:p>
+            <a:pPr lvl="1"/>
+            <a:r>
+              <a:rPr lang="en-US" dirty="0" smtClean="0"/>
+              <a:t>Divide &amp; conquer</a:t>
+            </a:r>
+            <a:endParaRPr lang="fr-FR" dirty="0" smtClean="0"/>
+          </a:p>
+          <a:p>
+            <a:r>
+              <a:rPr lang="fr-FR" dirty="0" err="1" smtClean="0"/>
+              <a:t>Reducers</a:t>
+            </a:r>
+            <a:r>
+              <a:rPr lang="fr-FR" dirty="0" smtClean="0"/>
+              <a:t> have to </a:t>
+            </a:r>
+            <a:r>
+              <a:rPr lang="fr-FR" dirty="0" err="1" smtClean="0"/>
+              <a:t>be</a:t>
+            </a:r>
+            <a:r>
+              <a:rPr lang="fr-FR" dirty="0" smtClean="0"/>
+              <a:t> pure </a:t>
+            </a:r>
+            <a:r>
+              <a:rPr lang="fr-FR" dirty="0" err="1" smtClean="0"/>
+              <a:t>functions</a:t>
+            </a:r>
+            <a:endParaRPr lang="fr-FR" dirty="0" smtClean="0"/>
+          </a:p>
+          <a:p>
+            <a:pPr lvl="1"/>
+            <a:r>
+              <a:rPr lang="en-US" dirty="0" smtClean="0"/>
+              <a:t>If states are different, their reference pointer are different</a:t>
+            </a:r>
+            <a:endParaRPr lang="fr-FR" dirty="0" smtClean="0"/>
+          </a:p>
+          <a:p>
+            <a:pPr lvl="2"/>
+            <a:r>
+              <a:rPr lang="en-US" dirty="0" smtClean="0"/>
+              <a:t>Benefit from predictability and testability</a:t>
+            </a:r>
+          </a:p>
+          <a:p>
+            <a:pPr lvl="2"/>
+            <a:r>
+              <a:rPr lang="en-US" dirty="0" smtClean="0"/>
+              <a:t>No need for deep object comparison through components lifecycle </a:t>
+            </a:r>
+            <a:r>
+              <a:rPr lang="en-US" sz="1400" dirty="0" smtClean="0">
+                <a:solidFill>
+                  <a:schemeClr val="accent6"/>
+                </a:solidFill>
+              </a:rPr>
+              <a:t>save on most expensive operation</a:t>
+            </a:r>
+            <a:endParaRPr lang="fr-FR" dirty="0" smtClean="0">
+              <a:solidFill>
+                <a:schemeClr val="accent6"/>
+              </a:solidFill>
+            </a:endParaRPr>
+          </a:p>
+          <a:p>
+            <a:pPr lvl="1" algn="ctr">
+              <a:buNone/>
+            </a:pPr>
+            <a:endParaRPr lang="fr-FR" dirty="0" smtClean="0"/>
           </a:p>
         </p:txBody>
       </p:sp>
@@ -7753,413 +7899,7 @@
           </a:p>
         </p:txBody>
       </p:sp>
-      <p:cxnSp>
-        <p:nvCxnSpPr>
-          <p:cNvPr id="20" name="Forme 58"/>
-          <p:cNvCxnSpPr>
-            <a:stCxn id="22" idx="2"/>
-            <a:endCxn id="24" idx="0"/>
-          </p:cNvCxnSpPr>
-          <p:nvPr/>
-        </p:nvCxnSpPr>
-        <p:spPr>
-          <a:xfrm rot="16200000" flipH="1">
-            <a:off x="6357002" y="3872843"/>
-            <a:ext cx="1874481" cy="3179"/>
-          </a:xfrm>
-          <a:prstGeom prst="curvedConnector3">
-            <a:avLst>
-              <a:gd name="adj1" fmla="val 50000"/>
-            </a:avLst>
-          </a:prstGeom>
-          <a:ln w="38100">
-            <a:tailEnd type="arrow"/>
-          </a:ln>
-        </p:spPr>
-        <p:style>
-          <a:lnRef idx="1">
-            <a:schemeClr val="accent3"/>
-          </a:lnRef>
-          <a:fillRef idx="0">
-            <a:schemeClr val="accent3"/>
-          </a:fillRef>
-          <a:effectRef idx="0">
-            <a:schemeClr val="accent3"/>
-          </a:effectRef>
-          <a:fontRef idx="minor">
-            <a:schemeClr val="tx1"/>
-          </a:fontRef>
-        </p:style>
-      </p:cxnSp>
-      <p:sp>
-        <p:nvSpPr>
-          <p:cNvPr id="22" name="Rectangle à coins arrondis 8"/>
-          <p:cNvSpPr/>
-          <p:nvPr/>
-        </p:nvSpPr>
-        <p:spPr>
-          <a:xfrm>
-            <a:off x="6516365" y="2108518"/>
-            <a:ext cx="1552575" cy="828675"/>
-          </a:xfrm>
-          <a:prstGeom prst="roundRect">
-            <a:avLst/>
-          </a:prstGeom>
-          <a:solidFill>
-            <a:schemeClr val="bg2">
-              <a:lumMod val="25000"/>
-            </a:schemeClr>
-          </a:solidFill>
-          <a:ln w="28575">
-            <a:solidFill>
-              <a:schemeClr val="bg1"/>
-            </a:solidFill>
-          </a:ln>
-          <a:effectLst>
-            <a:outerShdw blurRad="63500" sx="102000" sy="102000" algn="ctr" rotWithShape="0">
-              <a:prstClr val="black">
-                <a:alpha val="40000"/>
-              </a:prstClr>
-            </a:outerShdw>
-          </a:effectLst>
-        </p:spPr>
-        <p:style>
-          <a:lnRef idx="2">
-            <a:schemeClr val="accent1">
-              <a:shade val="50000"/>
-            </a:schemeClr>
-          </a:lnRef>
-          <a:fillRef idx="1">
-            <a:schemeClr val="accent1"/>
-          </a:fillRef>
-          <a:effectRef idx="0">
-            <a:schemeClr val="accent1"/>
-          </a:effectRef>
-          <a:fontRef idx="minor">
-            <a:schemeClr val="lt1"/>
-          </a:fontRef>
-        </p:style>
-        <p:txBody>
-          <a:bodyPr rtlCol="0" anchor="ctr"/>
-          <a:lstStyle/>
-          <a:p>
-            <a:pPr algn="ctr"/>
-            <a:r>
-              <a:rPr lang="fr-FR" b="1" dirty="0" smtClean="0"/>
-              <a:t>Dispatcher</a:t>
-            </a:r>
-            <a:endParaRPr lang="fr-FR" b="1" dirty="0"/>
-          </a:p>
-        </p:txBody>
-      </p:sp>
-      <p:sp>
-        <p:nvSpPr>
-          <p:cNvPr id="23" name="Rectangle à coins arrondis 9"/>
-          <p:cNvSpPr/>
-          <p:nvPr/>
-        </p:nvSpPr>
-        <p:spPr>
-          <a:xfrm>
-            <a:off x="3964463" y="4811675"/>
-            <a:ext cx="1552575" cy="781050"/>
-          </a:xfrm>
-          <a:prstGeom prst="roundRect">
-            <a:avLst/>
-          </a:prstGeom>
-          <a:solidFill>
-            <a:schemeClr val="accent5"/>
-          </a:solidFill>
-          <a:ln w="28575">
-            <a:solidFill>
-              <a:schemeClr val="bg1"/>
-            </a:solidFill>
-          </a:ln>
-          <a:effectLst>
-            <a:outerShdw blurRad="63500" sx="102000" sy="102000" algn="ctr" rotWithShape="0">
-              <a:prstClr val="black">
-                <a:alpha val="40000"/>
-              </a:prstClr>
-            </a:outerShdw>
-          </a:effectLst>
-        </p:spPr>
-        <p:style>
-          <a:lnRef idx="2">
-            <a:schemeClr val="accent1">
-              <a:shade val="50000"/>
-            </a:schemeClr>
-          </a:lnRef>
-          <a:fillRef idx="1">
-            <a:schemeClr val="accent1"/>
-          </a:fillRef>
-          <a:effectRef idx="0">
-            <a:schemeClr val="accent1"/>
-          </a:effectRef>
-          <a:fontRef idx="minor">
-            <a:schemeClr val="lt1"/>
-          </a:fontRef>
-        </p:style>
-        <p:txBody>
-          <a:bodyPr rtlCol="0" anchor="ctr"/>
-          <a:lstStyle/>
-          <a:p>
-            <a:pPr algn="ctr"/>
-            <a:r>
-              <a:rPr lang="fr-FR" b="1" dirty="0" err="1" smtClean="0"/>
-              <a:t>View</a:t>
-            </a:r>
-            <a:endParaRPr lang="fr-FR" b="1" dirty="0"/>
-          </a:p>
-        </p:txBody>
-      </p:sp>
-      <p:sp>
-        <p:nvSpPr>
-          <p:cNvPr id="24" name="Rectangle à coins arrondis 10"/>
-          <p:cNvSpPr/>
-          <p:nvPr/>
-        </p:nvSpPr>
-        <p:spPr>
-          <a:xfrm>
-            <a:off x="6362701" y="4811674"/>
-            <a:ext cx="1866262" cy="776009"/>
-          </a:xfrm>
-          <a:prstGeom prst="roundRect">
-            <a:avLst>
-              <a:gd name="adj" fmla="val 15450"/>
-            </a:avLst>
-          </a:prstGeom>
-          <a:solidFill>
-            <a:schemeClr val="accent4">
-              <a:lumMod val="60000"/>
-              <a:lumOff val="40000"/>
-            </a:schemeClr>
-          </a:solidFill>
-          <a:ln w="28575">
-            <a:solidFill>
-              <a:schemeClr val="bg1"/>
-            </a:solidFill>
-          </a:ln>
-          <a:effectLst>
-            <a:outerShdw blurRad="63500" sx="102000" sy="102000" algn="ctr" rotWithShape="0">
-              <a:prstClr val="black">
-                <a:alpha val="40000"/>
-              </a:prstClr>
-            </a:outerShdw>
-          </a:effectLst>
-        </p:spPr>
-        <p:style>
-          <a:lnRef idx="2">
-            <a:schemeClr val="accent1">
-              <a:shade val="50000"/>
-            </a:schemeClr>
-          </a:lnRef>
-          <a:fillRef idx="1">
-            <a:schemeClr val="accent1"/>
-          </a:fillRef>
-          <a:effectRef idx="0">
-            <a:schemeClr val="accent1"/>
-          </a:effectRef>
-          <a:fontRef idx="minor">
-            <a:schemeClr val="lt1"/>
-          </a:fontRef>
-        </p:style>
-        <p:txBody>
-          <a:bodyPr rtlCol="0" anchor="ctr"/>
-          <a:lstStyle/>
-          <a:p>
-            <a:pPr algn="ctr"/>
-            <a:r>
-              <a:rPr lang="fr-FR" b="1" dirty="0" smtClean="0">
-                <a:solidFill>
-                  <a:schemeClr val="tx1"/>
-                </a:solidFill>
-              </a:rPr>
-              <a:t>Store</a:t>
-            </a:r>
-            <a:endParaRPr lang="en-US" b="1" dirty="0">
-              <a:solidFill>
-                <a:schemeClr val="tx1"/>
-              </a:solidFill>
-            </a:endParaRPr>
-          </a:p>
-        </p:txBody>
-      </p:sp>
-      <p:sp>
-        <p:nvSpPr>
-          <p:cNvPr id="25" name="Rectangle à coins arrondis 11"/>
-          <p:cNvSpPr/>
-          <p:nvPr/>
-        </p:nvSpPr>
-        <p:spPr>
-          <a:xfrm>
-            <a:off x="3964463" y="2108518"/>
-            <a:ext cx="1552575" cy="828675"/>
-          </a:xfrm>
-          <a:prstGeom prst="roundRect">
-            <a:avLst/>
-          </a:prstGeom>
-          <a:solidFill>
-            <a:schemeClr val="accent2"/>
-          </a:solidFill>
-          <a:ln w="28575">
-            <a:solidFill>
-              <a:schemeClr val="bg1"/>
-            </a:solidFill>
-          </a:ln>
-          <a:effectLst>
-            <a:outerShdw blurRad="63500" sx="102000" sy="102000" algn="ctr" rotWithShape="0">
-              <a:prstClr val="black">
-                <a:alpha val="40000"/>
-              </a:prstClr>
-            </a:outerShdw>
-          </a:effectLst>
-        </p:spPr>
-        <p:style>
-          <a:lnRef idx="2">
-            <a:schemeClr val="accent1">
-              <a:shade val="50000"/>
-            </a:schemeClr>
-          </a:lnRef>
-          <a:fillRef idx="1">
-            <a:schemeClr val="accent1"/>
-          </a:fillRef>
-          <a:effectRef idx="0">
-            <a:schemeClr val="accent1"/>
-          </a:effectRef>
-          <a:fontRef idx="minor">
-            <a:schemeClr val="lt1"/>
-          </a:fontRef>
-        </p:style>
-        <p:txBody>
-          <a:bodyPr rtlCol="0" anchor="ctr"/>
-          <a:lstStyle/>
-          <a:p>
-            <a:pPr algn="ctr"/>
-            <a:r>
-              <a:rPr lang="fr-FR" b="1" dirty="0" smtClean="0"/>
-              <a:t>Action</a:t>
-            </a:r>
-            <a:endParaRPr lang="fr-FR" b="1" dirty="0"/>
-          </a:p>
-        </p:txBody>
-      </p:sp>
-      <p:cxnSp>
-        <p:nvCxnSpPr>
-          <p:cNvPr id="49" name="Straight Arrow Connector 48"/>
-          <p:cNvCxnSpPr>
-            <a:stCxn id="23" idx="0"/>
-            <a:endCxn id="25" idx="2"/>
-          </p:cNvCxnSpPr>
-          <p:nvPr/>
-        </p:nvCxnSpPr>
-        <p:spPr>
-          <a:xfrm flipV="1">
-            <a:off x="4740751" y="2937193"/>
-            <a:ext cx="0" cy="1874482"/>
-          </a:xfrm>
-          <a:prstGeom prst="straightConnector1">
-            <a:avLst/>
-          </a:prstGeom>
-          <a:ln w="38100">
-            <a:tailEnd type="arrow"/>
-          </a:ln>
-        </p:spPr>
-        <p:style>
-          <a:lnRef idx="1">
-            <a:schemeClr val="accent3"/>
-          </a:lnRef>
-          <a:fillRef idx="0">
-            <a:schemeClr val="accent3"/>
-          </a:fillRef>
-          <a:effectRef idx="0">
-            <a:schemeClr val="accent3"/>
-          </a:effectRef>
-          <a:fontRef idx="minor">
-            <a:schemeClr val="tx1"/>
-          </a:fontRef>
-        </p:style>
-      </p:cxnSp>
-      <p:cxnSp>
-        <p:nvCxnSpPr>
-          <p:cNvPr id="54" name="Elbow Connector 53"/>
-          <p:cNvCxnSpPr>
-            <a:stCxn id="24" idx="2"/>
-            <a:endCxn id="23" idx="2"/>
-          </p:cNvCxnSpPr>
-          <p:nvPr/>
-        </p:nvCxnSpPr>
-        <p:spPr>
-          <a:xfrm rot="5400000">
-            <a:off x="6015771" y="4312664"/>
-            <a:ext cx="5042" cy="2555081"/>
-          </a:xfrm>
-          <a:prstGeom prst="bentConnector3">
-            <a:avLst>
-              <a:gd name="adj1" fmla="val 6145220"/>
-            </a:avLst>
-          </a:prstGeom>
-          <a:ln w="38100">
-            <a:tailEnd type="arrow"/>
-          </a:ln>
-        </p:spPr>
-        <p:style>
-          <a:lnRef idx="1">
-            <a:schemeClr val="accent3"/>
-          </a:lnRef>
-          <a:fillRef idx="0">
-            <a:schemeClr val="accent3"/>
-          </a:fillRef>
-          <a:effectRef idx="0">
-            <a:schemeClr val="accent3"/>
-          </a:effectRef>
-          <a:fontRef idx="minor">
-            <a:schemeClr val="tx1"/>
-          </a:fontRef>
-        </p:style>
-      </p:cxnSp>
-      <p:cxnSp>
-        <p:nvCxnSpPr>
-          <p:cNvPr id="56" name="Elbow Connector 55"/>
-          <p:cNvCxnSpPr>
-            <a:stCxn id="25" idx="0"/>
-            <a:endCxn id="22" idx="0"/>
-          </p:cNvCxnSpPr>
-          <p:nvPr/>
-        </p:nvCxnSpPr>
-        <p:spPr>
-          <a:xfrm rot="5400000" flipH="1" flipV="1">
-            <a:off x="6016702" y="832567"/>
-            <a:ext cx="12700" cy="2551902"/>
-          </a:xfrm>
-          <a:prstGeom prst="bentConnector3">
-            <a:avLst>
-              <a:gd name="adj1" fmla="val 1800000"/>
-            </a:avLst>
-          </a:prstGeom>
-          <a:ln w="38100">
-            <a:tailEnd type="arrow"/>
-          </a:ln>
-        </p:spPr>
-        <p:style>
-          <a:lnRef idx="1">
-            <a:schemeClr val="accent3"/>
-          </a:lnRef>
-          <a:fillRef idx="0">
-            <a:schemeClr val="accent3"/>
-          </a:fillRef>
-          <a:effectRef idx="0">
-            <a:schemeClr val="accent3"/>
-          </a:effectRef>
-          <a:fontRef idx="minor">
-            <a:schemeClr val="tx1"/>
-          </a:fontRef>
-        </p:style>
-      </p:cxnSp>
     </p:spTree>
-    <p:extLst>
-      <p:ext uri="{BB962C8B-B14F-4D97-AF65-F5344CB8AC3E}">
-        <p14:creationId xmlns:p14="http://schemas.microsoft.com/office/powerpoint/2010/main" val="2970959322"/>
-      </p:ext>
-    </p:extLst>
   </p:cSld>
   <p:clrMapOvr>
     <a:masterClrMapping/>
@@ -8307,8 +8047,8 @@
         </p:nvCxnSpPr>
         <p:spPr>
           <a:xfrm rot="16200000" flipH="1">
-            <a:off x="7058657" y="3171188"/>
-            <a:ext cx="471171" cy="3179"/>
+            <a:off x="6357002" y="3872843"/>
+            <a:ext cx="1874481" cy="3179"/>
           </a:xfrm>
           <a:prstGeom prst="curvedConnector3">
             <a:avLst>
@@ -8462,12 +8202,12 @@
         </p:nvSpPr>
         <p:spPr>
           <a:xfrm>
-            <a:off x="6362701" y="3408364"/>
-            <a:ext cx="1866262" cy="2179320"/>
+            <a:off x="6362701" y="4811674"/>
+            <a:ext cx="1866262" cy="776009"/>
           </a:xfrm>
           <a:prstGeom prst="roundRect">
             <a:avLst>
-              <a:gd name="adj" fmla="val 6613"/>
+              <a:gd name="adj" fmla="val 15450"/>
             </a:avLst>
           </a:prstGeom>
           <a:solidFill>
@@ -8506,7 +8246,7 @@
           </a:fontRef>
         </p:style>
         <p:txBody>
-          <a:bodyPr rtlCol="0" anchor="t"/>
+          <a:bodyPr rtlCol="0" anchor="ctr"/>
           <a:lstStyle/>
           <a:p>
             <a:pPr algn="ctr"/>
@@ -8519,14 +8259,6 @@
               <a:t>Store</a:t>
             </a:r>
             <a:endParaRPr lang="en-US" b="1" dirty="0">
-              <a:solidFill>
-                <a:schemeClr val="tx1"/>
-              </a:solidFill>
-            </a:endParaRPr>
-          </a:p>
-          <a:p>
-            <a:pPr algn="ctr"/>
-            <a:endParaRPr lang="fr-FR" b="1" dirty="0">
               <a:solidFill>
                 <a:schemeClr val="tx1"/>
               </a:solidFill>
@@ -8593,339 +8325,6 @@
           </a:p>
         </p:txBody>
       </p:sp>
-      <p:sp>
-        <p:nvSpPr>
-          <p:cNvPr id="26" name="Rectangle à coins arrondis 11"/>
-          <p:cNvSpPr/>
-          <p:nvPr/>
-        </p:nvSpPr>
-        <p:spPr>
-          <a:xfrm>
-            <a:off x="6630353" y="3899537"/>
-            <a:ext cx="1332548" cy="1194117"/>
-          </a:xfrm>
-          <a:prstGeom prst="roundRect">
-            <a:avLst>
-              <a:gd name="adj" fmla="val 9698"/>
-            </a:avLst>
-          </a:prstGeom>
-          <a:solidFill>
-            <a:schemeClr val="accent6"/>
-          </a:solidFill>
-          <a:ln w="28575">
-            <a:solidFill>
-              <a:schemeClr val="bg1"/>
-            </a:solidFill>
-          </a:ln>
-          <a:effectLst>
-            <a:outerShdw blurRad="63500" sx="102000" sy="102000" algn="ctr" rotWithShape="0">
-              <a:prstClr val="black">
-                <a:alpha val="40000"/>
-              </a:prstClr>
-            </a:outerShdw>
-          </a:effectLst>
-        </p:spPr>
-        <p:style>
-          <a:lnRef idx="2">
-            <a:schemeClr val="accent1">
-              <a:shade val="50000"/>
-            </a:schemeClr>
-          </a:lnRef>
-          <a:fillRef idx="1">
-            <a:schemeClr val="accent1"/>
-          </a:fillRef>
-          <a:effectRef idx="0">
-            <a:schemeClr val="accent1"/>
-          </a:effectRef>
-          <a:fontRef idx="minor">
-            <a:schemeClr val="lt1"/>
-          </a:fontRef>
-        </p:style>
-        <p:txBody>
-          <a:bodyPr rtlCol="0" anchor="t"/>
-          <a:lstStyle/>
-          <a:p>
-            <a:pPr algn="ctr"/>
-            <a:r>
-              <a:rPr lang="fr-FR" b="1" dirty="0" err="1" smtClean="0"/>
-              <a:t>Reducers</a:t>
-            </a:r>
-            <a:endParaRPr lang="en-US" b="1" dirty="0" smtClean="0"/>
-          </a:p>
-        </p:txBody>
-      </p:sp>
-      <p:sp>
-        <p:nvSpPr>
-          <p:cNvPr id="27" name="Rectangle à coins arrondis 11"/>
-          <p:cNvSpPr/>
-          <p:nvPr/>
-        </p:nvSpPr>
-        <p:spPr>
-          <a:xfrm>
-            <a:off x="6804461" y="4357143"/>
-            <a:ext cx="274717" cy="302537"/>
-          </a:xfrm>
-          <a:prstGeom prst="roundRect">
-            <a:avLst/>
-          </a:prstGeom>
-          <a:solidFill>
-            <a:schemeClr val="accent6">
-              <a:lumMod val="75000"/>
-            </a:schemeClr>
-          </a:solidFill>
-          <a:ln w="28575">
-            <a:noFill/>
-          </a:ln>
-          <a:effectLst>
-            <a:outerShdw blurRad="63500" sx="102000" sy="102000" algn="ctr" rotWithShape="0">
-              <a:prstClr val="black">
-                <a:alpha val="40000"/>
-              </a:prstClr>
-            </a:outerShdw>
-          </a:effectLst>
-        </p:spPr>
-        <p:style>
-          <a:lnRef idx="2">
-            <a:schemeClr val="accent1">
-              <a:shade val="50000"/>
-            </a:schemeClr>
-          </a:lnRef>
-          <a:fillRef idx="1">
-            <a:schemeClr val="accent1"/>
-          </a:fillRef>
-          <a:effectRef idx="0">
-            <a:schemeClr val="accent1"/>
-          </a:effectRef>
-          <a:fontRef idx="minor">
-            <a:schemeClr val="lt1"/>
-          </a:fontRef>
-        </p:style>
-        <p:txBody>
-          <a:bodyPr rtlCol="0" anchor="ctr"/>
-          <a:lstStyle/>
-          <a:p>
-            <a:pPr algn="ctr"/>
-            <a:r>
-              <a:rPr lang="fr-FR" b="1" dirty="0" smtClean="0"/>
-              <a:t>R</a:t>
-            </a:r>
-            <a:endParaRPr lang="en-US" b="1" dirty="0" smtClean="0"/>
-          </a:p>
-        </p:txBody>
-      </p:sp>
-      <p:sp>
-        <p:nvSpPr>
-          <p:cNvPr id="28" name="Rectangle à coins arrondis 11"/>
-          <p:cNvSpPr/>
-          <p:nvPr/>
-        </p:nvSpPr>
-        <p:spPr>
-          <a:xfrm>
-            <a:off x="7155295" y="4689458"/>
-            <a:ext cx="274717" cy="302537"/>
-          </a:xfrm>
-          <a:prstGeom prst="roundRect">
-            <a:avLst/>
-          </a:prstGeom>
-          <a:solidFill>
-            <a:schemeClr val="accent6">
-              <a:lumMod val="75000"/>
-            </a:schemeClr>
-          </a:solidFill>
-          <a:ln w="28575">
-            <a:noFill/>
-          </a:ln>
-          <a:effectLst>
-            <a:outerShdw blurRad="63500" sx="102000" sy="102000" algn="ctr" rotWithShape="0">
-              <a:prstClr val="black">
-                <a:alpha val="40000"/>
-              </a:prstClr>
-            </a:outerShdw>
-          </a:effectLst>
-        </p:spPr>
-        <p:style>
-          <a:lnRef idx="2">
-            <a:schemeClr val="accent1">
-              <a:shade val="50000"/>
-            </a:schemeClr>
-          </a:lnRef>
-          <a:fillRef idx="1">
-            <a:schemeClr val="accent1"/>
-          </a:fillRef>
-          <a:effectRef idx="0">
-            <a:schemeClr val="accent1"/>
-          </a:effectRef>
-          <a:fontRef idx="minor">
-            <a:schemeClr val="lt1"/>
-          </a:fontRef>
-        </p:style>
-        <p:txBody>
-          <a:bodyPr rtlCol="0" anchor="ctr"/>
-          <a:lstStyle/>
-          <a:p>
-            <a:pPr algn="ctr"/>
-            <a:r>
-              <a:rPr lang="fr-FR" b="1" dirty="0" smtClean="0"/>
-              <a:t>R</a:t>
-            </a:r>
-            <a:endParaRPr lang="en-US" b="1" dirty="0" smtClean="0"/>
-          </a:p>
-        </p:txBody>
-      </p:sp>
-      <p:sp>
-        <p:nvSpPr>
-          <p:cNvPr id="29" name="Rectangle à coins arrondis 11"/>
-          <p:cNvSpPr/>
-          <p:nvPr/>
-        </p:nvSpPr>
-        <p:spPr>
-          <a:xfrm>
-            <a:off x="7497563" y="4353491"/>
-            <a:ext cx="274717" cy="302537"/>
-          </a:xfrm>
-          <a:prstGeom prst="roundRect">
-            <a:avLst/>
-          </a:prstGeom>
-          <a:solidFill>
-            <a:schemeClr val="accent6">
-              <a:lumMod val="75000"/>
-            </a:schemeClr>
-          </a:solidFill>
-          <a:ln w="28575">
-            <a:noFill/>
-          </a:ln>
-          <a:effectLst>
-            <a:outerShdw blurRad="63500" sx="102000" sy="102000" algn="ctr" rotWithShape="0">
-              <a:prstClr val="black">
-                <a:alpha val="40000"/>
-              </a:prstClr>
-            </a:outerShdw>
-          </a:effectLst>
-        </p:spPr>
-        <p:style>
-          <a:lnRef idx="2">
-            <a:schemeClr val="accent1">
-              <a:shade val="50000"/>
-            </a:schemeClr>
-          </a:lnRef>
-          <a:fillRef idx="1">
-            <a:schemeClr val="accent1"/>
-          </a:fillRef>
-          <a:effectRef idx="0">
-            <a:schemeClr val="accent1"/>
-          </a:effectRef>
-          <a:fontRef idx="minor">
-            <a:schemeClr val="lt1"/>
-          </a:fontRef>
-        </p:style>
-        <p:txBody>
-          <a:bodyPr rtlCol="0" anchor="ctr"/>
-          <a:lstStyle/>
-          <a:p>
-            <a:pPr algn="ctr"/>
-            <a:r>
-              <a:rPr lang="fr-FR" b="1" dirty="0" smtClean="0"/>
-              <a:t>R</a:t>
-            </a:r>
-            <a:endParaRPr lang="en-US" b="1" dirty="0" smtClean="0"/>
-          </a:p>
-        </p:txBody>
-      </p:sp>
-      <p:sp>
-        <p:nvSpPr>
-          <p:cNvPr id="44" name="Rectangle à coins arrondis 11"/>
-          <p:cNvSpPr/>
-          <p:nvPr/>
-        </p:nvSpPr>
-        <p:spPr>
-          <a:xfrm>
-            <a:off x="6630353" y="5258436"/>
-            <a:ext cx="1332548" cy="414338"/>
-          </a:xfrm>
-          <a:prstGeom prst="roundRect">
-            <a:avLst/>
-          </a:prstGeom>
-          <a:solidFill>
-            <a:schemeClr val="accent2"/>
-          </a:solidFill>
-          <a:ln w="28575">
-            <a:noFill/>
-          </a:ln>
-          <a:effectLst>
-            <a:outerShdw blurRad="63500" sx="102000" sy="102000" algn="ctr" rotWithShape="0">
-              <a:prstClr val="black">
-                <a:alpha val="40000"/>
-              </a:prstClr>
-            </a:outerShdw>
-          </a:effectLst>
-        </p:spPr>
-        <p:style>
-          <a:lnRef idx="2">
-            <a:schemeClr val="accent1">
-              <a:shade val="50000"/>
-            </a:schemeClr>
-          </a:lnRef>
-          <a:fillRef idx="1">
-            <a:schemeClr val="accent1"/>
-          </a:fillRef>
-          <a:effectRef idx="0">
-            <a:schemeClr val="accent1"/>
-          </a:effectRef>
-          <a:fontRef idx="minor">
-            <a:schemeClr val="lt1"/>
-          </a:fontRef>
-        </p:style>
-        <p:txBody>
-          <a:bodyPr rtlCol="0" anchor="ctr"/>
-          <a:lstStyle/>
-          <a:p>
-            <a:pPr algn="ctr"/>
-            <a:r>
-              <a:rPr lang="fr-FR" b="1" dirty="0" smtClean="0"/>
-              <a:t>State</a:t>
-            </a:r>
-            <a:endParaRPr lang="fr-FR" b="1" dirty="0"/>
-          </a:p>
-        </p:txBody>
-      </p:sp>
-      <p:cxnSp>
-        <p:nvCxnSpPr>
-          <p:cNvPr id="33812" name="Elbow Connector 33811"/>
-          <p:cNvCxnSpPr>
-            <a:stCxn id="44" idx="1"/>
-          </p:cNvCxnSpPr>
-          <p:nvPr/>
-        </p:nvCxnSpPr>
-        <p:spPr>
-          <a:xfrm rot="10800000" flipH="1">
-            <a:off x="6630353" y="3863999"/>
-            <a:ext cx="258880" cy="1601606"/>
-          </a:xfrm>
-          <a:prstGeom prst="bentConnector4">
-            <a:avLst>
-              <a:gd name="adj1" fmla="val -55925"/>
-              <a:gd name="adj2" fmla="val 115464"/>
-            </a:avLst>
-          </a:prstGeom>
-          <a:ln w="38100">
-            <a:tailEnd type="arrow"/>
-          </a:ln>
-        </p:spPr>
-        <p:style>
-          <a:lnRef idx="1">
-            <a:schemeClr val="accent3"/>
-          </a:lnRef>
-          <a:fillRef idx="0">
-            <a:schemeClr val="accent3"/>
-          </a:fillRef>
-          <a:effectRef idx="0">
-            <a:schemeClr val="accent3"/>
-          </a:effectRef>
-          <a:fontRef idx="minor">
-            <a:schemeClr val="tx1"/>
-          </a:fontRef>
-        </p:style>
-      </p:cxnSp>
       <p:cxnSp>
         <p:nvCxnSpPr>
           <p:cNvPr id="49" name="Straight Arrow Connector 48"/>
@@ -8966,19 +8365,19 @@
         <p:nvCxnSpPr>
           <p:cNvPr id="54" name="Elbow Connector 53"/>
           <p:cNvCxnSpPr>
-            <a:stCxn id="44" idx="2"/>
+            <a:stCxn id="24" idx="2"/>
             <a:endCxn id="23" idx="2"/>
           </p:cNvCxnSpPr>
           <p:nvPr/>
         </p:nvCxnSpPr>
         <p:spPr>
-          <a:xfrm rot="5400000" flipH="1">
-            <a:off x="5978664" y="4354812"/>
-            <a:ext cx="80049" cy="2555876"/>
+          <a:xfrm rot="5400000">
+            <a:off x="6015771" y="4312664"/>
+            <a:ext cx="5042" cy="2555081"/>
           </a:xfrm>
           <a:prstGeom prst="bentConnector3">
             <a:avLst>
-              <a:gd name="adj1" fmla="val -285575"/>
+              <a:gd name="adj1" fmla="val 6145220"/>
             </a:avLst>
           </a:prstGeom>
           <a:ln w="38100">
@@ -9041,7 +8440,7 @@
     </p:spTree>
     <p:extLst>
       <p:ext uri="{BB962C8B-B14F-4D97-AF65-F5344CB8AC3E}">
-        <p14:creationId xmlns:p14="http://schemas.microsoft.com/office/powerpoint/2010/main" val="1056566985"/>
+        <p14:creationId xmlns:p14="http://schemas.microsoft.com/office/powerpoint/2010/main" val="2970959322"/>
       </p:ext>
     </p:extLst>
   </p:cSld>
@@ -9338,8 +8737,8 @@
         </p:nvCxnSpPr>
         <p:spPr>
           <a:xfrm rot="16200000" flipH="1">
-            <a:off x="7075429" y="3187961"/>
-            <a:ext cx="437626" cy="3179"/>
+            <a:off x="7058657" y="3171188"/>
+            <a:ext cx="471171" cy="3179"/>
           </a:xfrm>
           <a:prstGeom prst="curvedConnector3">
             <a:avLst>
@@ -9373,8 +8772,8 @@
         </p:nvSpPr>
         <p:spPr>
           <a:xfrm>
-            <a:off x="6516365" y="1996798"/>
-            <a:ext cx="1552575" cy="973940"/>
+            <a:off x="6516365" y="2108518"/>
+            <a:ext cx="1552575" cy="828675"/>
           </a:xfrm>
           <a:prstGeom prst="roundRect">
             <a:avLst/>
@@ -9414,7 +8813,7 @@
           </a:fontRef>
         </p:style>
         <p:txBody>
-          <a:bodyPr rtlCol="0" anchor="b"/>
+          <a:bodyPr rtlCol="0" anchor="ctr"/>
           <a:lstStyle/>
           <a:p>
             <a:pPr algn="ctr"/>
@@ -9957,308 +9356,6 @@
           </a:fontRef>
         </p:style>
       </p:cxnSp>
-      <p:sp>
-        <p:nvSpPr>
-          <p:cNvPr id="43" name="Rectangle à coins arrondis 11"/>
-          <p:cNvSpPr/>
-          <p:nvPr/>
-        </p:nvSpPr>
-        <p:spPr>
-          <a:xfrm>
-            <a:off x="6630353" y="2096451"/>
-            <a:ext cx="1332548" cy="414338"/>
-          </a:xfrm>
-          <a:prstGeom prst="roundRect">
-            <a:avLst/>
-          </a:prstGeom>
-          <a:solidFill>
-            <a:schemeClr val="bg1">
-              <a:lumMod val="75000"/>
-            </a:schemeClr>
-          </a:solidFill>
-          <a:ln w="28575">
-            <a:noFill/>
-          </a:ln>
-          <a:effectLst>
-            <a:outerShdw blurRad="63500" sx="102000" sy="102000" algn="ctr" rotWithShape="0">
-              <a:prstClr val="black">
-                <a:alpha val="40000"/>
-              </a:prstClr>
-            </a:outerShdw>
-          </a:effectLst>
-        </p:spPr>
-        <p:style>
-          <a:lnRef idx="2">
-            <a:schemeClr val="accent1">
-              <a:shade val="50000"/>
-            </a:schemeClr>
-          </a:lnRef>
-          <a:fillRef idx="1">
-            <a:schemeClr val="accent1"/>
-          </a:fillRef>
-          <a:effectRef idx="0">
-            <a:schemeClr val="accent1"/>
-          </a:effectRef>
-          <a:fontRef idx="minor">
-            <a:schemeClr val="lt1"/>
-          </a:fontRef>
-        </p:style>
-        <p:txBody>
-          <a:bodyPr rtlCol="0" anchor="ctr"/>
-          <a:lstStyle/>
-          <a:p>
-            <a:pPr algn="ctr"/>
-            <a:r>
-              <a:rPr lang="fr-FR" sz="1600" b="1" dirty="0" smtClean="0"/>
-              <a:t>middlewares</a:t>
-            </a:r>
-            <a:endParaRPr lang="fr-FR" sz="1600" b="1" dirty="0"/>
-          </a:p>
-        </p:txBody>
-      </p:sp>
-      <p:sp>
-        <p:nvSpPr>
-          <p:cNvPr id="46" name="Rectangle à coins arrondis 11"/>
-          <p:cNvSpPr/>
-          <p:nvPr/>
-        </p:nvSpPr>
-        <p:spPr>
-          <a:xfrm>
-            <a:off x="8749557" y="1909126"/>
-            <a:ext cx="1552575" cy="414337"/>
-          </a:xfrm>
-          <a:prstGeom prst="roundRect">
-            <a:avLst/>
-          </a:prstGeom>
-          <a:solidFill>
-            <a:schemeClr val="accent2"/>
-          </a:solidFill>
-          <a:ln w="28575">
-            <a:solidFill>
-              <a:schemeClr val="bg1"/>
-            </a:solidFill>
-          </a:ln>
-          <a:effectLst>
-            <a:outerShdw blurRad="63500" sx="102000" sy="102000" algn="ctr" rotWithShape="0">
-              <a:prstClr val="black">
-                <a:alpha val="40000"/>
-              </a:prstClr>
-            </a:outerShdw>
-          </a:effectLst>
-        </p:spPr>
-        <p:style>
-          <a:lnRef idx="2">
-            <a:schemeClr val="accent1">
-              <a:shade val="50000"/>
-            </a:schemeClr>
-          </a:lnRef>
-          <a:fillRef idx="1">
-            <a:schemeClr val="accent1"/>
-          </a:fillRef>
-          <a:effectRef idx="0">
-            <a:schemeClr val="accent1"/>
-          </a:effectRef>
-          <a:fontRef idx="minor">
-            <a:schemeClr val="lt1"/>
-          </a:fontRef>
-        </p:style>
-        <p:txBody>
-          <a:bodyPr rtlCol="0" anchor="ctr"/>
-          <a:lstStyle/>
-          <a:p>
-            <a:pPr algn="ctr"/>
-            <a:r>
-              <a:rPr lang="fr-FR" b="1" dirty="0" smtClean="0"/>
-              <a:t>API</a:t>
-            </a:r>
-            <a:endParaRPr lang="fr-FR" b="1" dirty="0"/>
-          </a:p>
-        </p:txBody>
-      </p:sp>
-      <p:sp>
-        <p:nvSpPr>
-          <p:cNvPr id="47" name="Rectangle à coins arrondis 11"/>
-          <p:cNvSpPr/>
-          <p:nvPr/>
-        </p:nvSpPr>
-        <p:spPr>
-          <a:xfrm>
-            <a:off x="8749556" y="2446943"/>
-            <a:ext cx="1552575" cy="414337"/>
-          </a:xfrm>
-          <a:prstGeom prst="roundRect">
-            <a:avLst/>
-          </a:prstGeom>
-          <a:solidFill>
-            <a:schemeClr val="accent2"/>
-          </a:solidFill>
-          <a:ln w="28575">
-            <a:solidFill>
-              <a:schemeClr val="bg1"/>
-            </a:solidFill>
-          </a:ln>
-          <a:effectLst>
-            <a:outerShdw blurRad="63500" sx="102000" sy="102000" algn="ctr" rotWithShape="0">
-              <a:prstClr val="black">
-                <a:alpha val="40000"/>
-              </a:prstClr>
-            </a:outerShdw>
-          </a:effectLst>
-        </p:spPr>
-        <p:style>
-          <a:lnRef idx="2">
-            <a:schemeClr val="accent1">
-              <a:shade val="50000"/>
-            </a:schemeClr>
-          </a:lnRef>
-          <a:fillRef idx="1">
-            <a:schemeClr val="accent1"/>
-          </a:fillRef>
-          <a:effectRef idx="0">
-            <a:schemeClr val="accent1"/>
-          </a:effectRef>
-          <a:fontRef idx="minor">
-            <a:schemeClr val="lt1"/>
-          </a:fontRef>
-        </p:style>
-        <p:txBody>
-          <a:bodyPr rtlCol="0" anchor="ctr"/>
-          <a:lstStyle/>
-          <a:p>
-            <a:pPr algn="ctr"/>
-            <a:r>
-              <a:rPr lang="fr-FR" b="1" dirty="0" smtClean="0"/>
-              <a:t>Logs</a:t>
-            </a:r>
-            <a:endParaRPr lang="fr-FR" b="1" dirty="0"/>
-          </a:p>
-        </p:txBody>
-      </p:sp>
-      <p:sp>
-        <p:nvSpPr>
-          <p:cNvPr id="48" name="Rectangle à coins arrondis 11"/>
-          <p:cNvSpPr/>
-          <p:nvPr/>
-        </p:nvSpPr>
-        <p:spPr>
-          <a:xfrm>
-            <a:off x="8749555" y="2984760"/>
-            <a:ext cx="1552575" cy="414337"/>
-          </a:xfrm>
-          <a:prstGeom prst="roundRect">
-            <a:avLst/>
-          </a:prstGeom>
-          <a:solidFill>
-            <a:schemeClr val="accent2"/>
-          </a:solidFill>
-          <a:ln w="28575">
-            <a:solidFill>
-              <a:schemeClr val="bg1"/>
-            </a:solidFill>
-          </a:ln>
-          <a:effectLst>
-            <a:outerShdw blurRad="63500" sx="102000" sy="102000" algn="ctr" rotWithShape="0">
-              <a:prstClr val="black">
-                <a:alpha val="40000"/>
-              </a:prstClr>
-            </a:outerShdw>
-          </a:effectLst>
-        </p:spPr>
-        <p:style>
-          <a:lnRef idx="2">
-            <a:schemeClr val="accent1">
-              <a:shade val="50000"/>
-            </a:schemeClr>
-          </a:lnRef>
-          <a:fillRef idx="1">
-            <a:schemeClr val="accent1"/>
-          </a:fillRef>
-          <a:effectRef idx="0">
-            <a:schemeClr val="accent1"/>
-          </a:effectRef>
-          <a:fontRef idx="minor">
-            <a:schemeClr val="lt1"/>
-          </a:fontRef>
-        </p:style>
-        <p:txBody>
-          <a:bodyPr rtlCol="0" anchor="ctr"/>
-          <a:lstStyle/>
-          <a:p>
-            <a:pPr algn="ctr"/>
-            <a:r>
-              <a:rPr lang="fr-FR" b="1" dirty="0" smtClean="0"/>
-              <a:t>Delay actions</a:t>
-            </a:r>
-            <a:endParaRPr lang="fr-FR" b="1" dirty="0"/>
-          </a:p>
-        </p:txBody>
-      </p:sp>
-      <p:cxnSp>
-        <p:nvCxnSpPr>
-          <p:cNvPr id="41" name="Straight Arrow Connector 40"/>
-          <p:cNvCxnSpPr/>
-          <p:nvPr/>
-        </p:nvCxnSpPr>
-        <p:spPr>
-          <a:xfrm>
-            <a:off x="7962901" y="2219800"/>
-            <a:ext cx="579119" cy="0"/>
-          </a:xfrm>
-          <a:prstGeom prst="straightConnector1">
-            <a:avLst/>
-          </a:prstGeom>
-          <a:ln w="38100">
-            <a:tailEnd type="arrow"/>
-          </a:ln>
-        </p:spPr>
-        <p:style>
-          <a:lnRef idx="1">
-            <a:schemeClr val="accent3"/>
-          </a:lnRef>
-          <a:fillRef idx="0">
-            <a:schemeClr val="accent3"/>
-          </a:fillRef>
-          <a:effectRef idx="0">
-            <a:schemeClr val="accent3"/>
-          </a:effectRef>
-          <a:fontRef idx="minor">
-            <a:schemeClr val="tx1"/>
-          </a:fontRef>
-        </p:style>
-      </p:cxnSp>
-      <p:cxnSp>
-        <p:nvCxnSpPr>
-          <p:cNvPr id="51" name="Straight Arrow Connector 50"/>
-          <p:cNvCxnSpPr/>
-          <p:nvPr/>
-        </p:nvCxnSpPr>
-        <p:spPr>
-          <a:xfrm flipH="1">
-            <a:off x="7955280" y="2365210"/>
-            <a:ext cx="579119" cy="0"/>
-          </a:xfrm>
-          <a:prstGeom prst="straightConnector1">
-            <a:avLst/>
-          </a:prstGeom>
-          <a:ln w="38100">
-            <a:tailEnd type="arrow"/>
-          </a:ln>
-        </p:spPr>
-        <p:style>
-          <a:lnRef idx="1">
-            <a:schemeClr val="accent3"/>
-          </a:lnRef>
-          <a:fillRef idx="0">
-            <a:schemeClr val="accent3"/>
-          </a:fillRef>
-          <a:effectRef idx="0">
-            <a:schemeClr val="accent3"/>
-          </a:effectRef>
-          <a:fontRef idx="minor">
-            <a:schemeClr val="tx1"/>
-          </a:fontRef>
-        </p:style>
-      </p:cxnSp>
       <p:cxnSp>
         <p:nvCxnSpPr>
           <p:cNvPr id="49" name="Straight Arrow Connector 48"/>
@@ -10344,12 +9441,12 @@
         </p:nvCxnSpPr>
         <p:spPr>
           <a:xfrm rot="5400000" flipH="1" flipV="1">
-            <a:off x="5960842" y="776707"/>
-            <a:ext cx="111720" cy="2551902"/>
+            <a:off x="6016702" y="832567"/>
+            <a:ext cx="12700" cy="2551902"/>
           </a:xfrm>
           <a:prstGeom prst="bentConnector3">
             <a:avLst>
-              <a:gd name="adj1" fmla="val 304619"/>
+              <a:gd name="adj1" fmla="val 1800000"/>
             </a:avLst>
           </a:prstGeom>
           <a:ln w="38100">
@@ -10371,187 +9468,10 @@
           </a:fontRef>
         </p:style>
       </p:cxnSp>
-      <p:sp>
-        <p:nvSpPr>
-          <p:cNvPr id="61" name="Rectangle à coins arrondis 11"/>
-          <p:cNvSpPr/>
-          <p:nvPr/>
-        </p:nvSpPr>
-        <p:spPr>
-          <a:xfrm>
-            <a:off x="8749555" y="3522577"/>
-            <a:ext cx="1552575" cy="414337"/>
-          </a:xfrm>
-          <a:prstGeom prst="roundRect">
-            <a:avLst/>
-          </a:prstGeom>
-          <a:solidFill>
-            <a:schemeClr val="accent2"/>
-          </a:solidFill>
-          <a:ln w="28575">
-            <a:solidFill>
-              <a:schemeClr val="bg1"/>
-            </a:solidFill>
-          </a:ln>
-          <a:effectLst>
-            <a:outerShdw blurRad="63500" sx="102000" sy="102000" algn="ctr" rotWithShape="0">
-              <a:prstClr val="black">
-                <a:alpha val="40000"/>
-              </a:prstClr>
-            </a:outerShdw>
-          </a:effectLst>
-        </p:spPr>
-        <p:style>
-          <a:lnRef idx="2">
-            <a:schemeClr val="accent1">
-              <a:shade val="50000"/>
-            </a:schemeClr>
-          </a:lnRef>
-          <a:fillRef idx="1">
-            <a:schemeClr val="accent1"/>
-          </a:fillRef>
-          <a:effectRef idx="0">
-            <a:schemeClr val="accent1"/>
-          </a:effectRef>
-          <a:fontRef idx="minor">
-            <a:schemeClr val="lt1"/>
-          </a:fontRef>
-        </p:style>
-        <p:txBody>
-          <a:bodyPr rtlCol="0" anchor="ctr"/>
-          <a:lstStyle/>
-          <a:p>
-            <a:pPr algn="ctr"/>
-            <a:r>
-              <a:rPr lang="fr-FR" b="1" dirty="0" smtClean="0"/>
-              <a:t>Loop actions</a:t>
-            </a:r>
-            <a:endParaRPr lang="fr-FR" b="1" dirty="0"/>
-          </a:p>
-        </p:txBody>
-      </p:sp>
-      <p:sp>
-        <p:nvSpPr>
-          <p:cNvPr id="62" name="Rectangle à coins arrondis 11"/>
-          <p:cNvSpPr/>
-          <p:nvPr/>
-        </p:nvSpPr>
-        <p:spPr>
-          <a:xfrm>
-            <a:off x="8749555" y="4060394"/>
-            <a:ext cx="1552575" cy="414337"/>
-          </a:xfrm>
-          <a:prstGeom prst="roundRect">
-            <a:avLst/>
-          </a:prstGeom>
-          <a:solidFill>
-            <a:schemeClr val="accent2"/>
-          </a:solidFill>
-          <a:ln w="28575">
-            <a:solidFill>
-              <a:schemeClr val="bg1"/>
-            </a:solidFill>
-          </a:ln>
-          <a:effectLst>
-            <a:outerShdw blurRad="63500" sx="102000" sy="102000" algn="ctr" rotWithShape="0">
-              <a:prstClr val="black">
-                <a:alpha val="40000"/>
-              </a:prstClr>
-            </a:outerShdw>
-          </a:effectLst>
-        </p:spPr>
-        <p:style>
-          <a:lnRef idx="2">
-            <a:schemeClr val="accent1">
-              <a:shade val="50000"/>
-            </a:schemeClr>
-          </a:lnRef>
-          <a:fillRef idx="1">
-            <a:schemeClr val="accent1"/>
-          </a:fillRef>
-          <a:effectRef idx="0">
-            <a:schemeClr val="accent1"/>
-          </a:effectRef>
-          <a:fontRef idx="minor">
-            <a:schemeClr val="lt1"/>
-          </a:fontRef>
-        </p:style>
-        <p:txBody>
-          <a:bodyPr rtlCol="0" anchor="ctr"/>
-          <a:lstStyle/>
-          <a:p>
-            <a:pPr algn="ctr"/>
-            <a:r>
-              <a:rPr lang="fr-FR" b="1" dirty="0" smtClean="0"/>
-              <a:t>Crash report</a:t>
-            </a:r>
-            <a:endParaRPr lang="fr-FR" b="1" dirty="0"/>
-          </a:p>
-        </p:txBody>
-      </p:sp>
-      <p:sp>
-        <p:nvSpPr>
-          <p:cNvPr id="63" name="Rectangle à coins arrondis 11"/>
-          <p:cNvSpPr/>
-          <p:nvPr/>
-        </p:nvSpPr>
-        <p:spPr>
-          <a:xfrm>
-            <a:off x="8749555" y="4598210"/>
-            <a:ext cx="1552575" cy="414337"/>
-          </a:xfrm>
-          <a:prstGeom prst="roundRect">
-            <a:avLst/>
-          </a:prstGeom>
-          <a:solidFill>
-            <a:schemeClr val="accent2"/>
-          </a:solidFill>
-          <a:ln w="28575">
-            <a:solidFill>
-              <a:schemeClr val="bg1"/>
-            </a:solidFill>
-          </a:ln>
-          <a:effectLst>
-            <a:outerShdw blurRad="63500" sx="102000" sy="102000" algn="ctr" rotWithShape="0">
-              <a:prstClr val="black">
-                <a:alpha val="40000"/>
-              </a:prstClr>
-            </a:outerShdw>
-          </a:effectLst>
-        </p:spPr>
-        <p:style>
-          <a:lnRef idx="2">
-            <a:schemeClr val="accent1">
-              <a:shade val="50000"/>
-            </a:schemeClr>
-          </a:lnRef>
-          <a:fillRef idx="1">
-            <a:schemeClr val="accent1"/>
-          </a:fillRef>
-          <a:effectRef idx="0">
-            <a:schemeClr val="accent1"/>
-          </a:effectRef>
-          <a:fontRef idx="minor">
-            <a:schemeClr val="lt1"/>
-          </a:fontRef>
-        </p:style>
-        <p:txBody>
-          <a:bodyPr rtlCol="0" anchor="ctr"/>
-          <a:lstStyle/>
-          <a:p>
-            <a:pPr algn="ctr"/>
-            <a:r>
-              <a:rPr lang="fr-FR" b="1" dirty="0" smtClean="0"/>
-              <a:t>…</a:t>
-            </a:r>
-            <a:endParaRPr lang="fr-FR" b="1" dirty="0"/>
-          </a:p>
-        </p:txBody>
-      </p:sp>
     </p:spTree>
     <p:extLst>
       <p:ext uri="{BB962C8B-B14F-4D97-AF65-F5344CB8AC3E}">
-        <p14:creationId xmlns:p14="http://schemas.microsoft.com/office/powerpoint/2010/main" val="3822647716"/>
+        <p14:creationId xmlns:p14="http://schemas.microsoft.com/office/powerpoint/2010/main" val="1056566985"/>
       </p:ext>
     </p:extLst>
   </p:cSld>
@@ -11640,9 +10560,6 @@
             <a:avLst/>
           </a:prstGeom>
           <a:ln w="38100">
-            <a:solidFill>
-              <a:srgbClr val="FF0000"/>
-            </a:solidFill>
             <a:tailEnd type="arrow"/>
           </a:ln>
         </p:spPr>
@@ -11914,47 +10831,10 @@
           </a:p>
         </p:txBody>
       </p:sp>
-      <p:sp>
-        <p:nvSpPr>
-          <p:cNvPr id="7" name="Rectangle 6"/>
-          <p:cNvSpPr/>
-          <p:nvPr/>
-        </p:nvSpPr>
-        <p:spPr>
-          <a:xfrm>
-            <a:off x="4005706" y="3606284"/>
-            <a:ext cx="712952" cy="369332"/>
-          </a:xfrm>
-          <a:prstGeom prst="rect">
-            <a:avLst/>
-          </a:prstGeom>
-        </p:spPr>
-        <p:txBody>
-          <a:bodyPr wrap="none">
-            <a:spAutoFit/>
-          </a:bodyPr>
-          <a:lstStyle/>
-          <a:p>
-            <a:r>
-              <a:rPr lang="en-US" dirty="0">
-                <a:solidFill>
-                  <a:srgbClr val="FF0000"/>
-                </a:solidFill>
-              </a:rPr>
-              <a:t>event</a:t>
-            </a:r>
-            <a:endParaRPr lang="fr-FR" dirty="0">
-              <a:solidFill>
-                <a:srgbClr val="FF0000"/>
-              </a:solidFill>
-            </a:endParaRPr>
-          </a:p>
-        </p:txBody>
-      </p:sp>
     </p:spTree>
     <p:extLst>
       <p:ext uri="{BB962C8B-B14F-4D97-AF65-F5344CB8AC3E}">
-        <p14:creationId xmlns:p14="http://schemas.microsoft.com/office/powerpoint/2010/main" val="1808425269"/>
+        <p14:creationId xmlns:p14="http://schemas.microsoft.com/office/powerpoint/2010/main" val="3822647716"/>
       </p:ext>
     </p:extLst>
   </p:cSld>
@@ -13043,6 +11923,9 @@
             <a:avLst/>
           </a:prstGeom>
           <a:ln w="38100">
+            <a:solidFill>
+              <a:srgbClr val="FF0000"/>
+            </a:solidFill>
             <a:tailEnd type="arrow"/>
           </a:ln>
         </p:spPr>
@@ -13119,9 +12002,6 @@
             </a:avLst>
           </a:prstGeom>
           <a:ln w="38100">
-            <a:solidFill>
-              <a:srgbClr val="FF0000"/>
-            </a:solidFill>
             <a:tailEnd type="arrow"/>
           </a:ln>
         </p:spPr>
@@ -13319,14 +12199,14 @@
       </p:sp>
       <p:sp>
         <p:nvSpPr>
-          <p:cNvPr id="31" name="Rectangle 30"/>
+          <p:cNvPr id="7" name="Rectangle 6"/>
           <p:cNvSpPr/>
           <p:nvPr/>
         </p:nvSpPr>
         <p:spPr>
           <a:xfrm>
-            <a:off x="5660226" y="1382671"/>
-            <a:ext cx="766557" cy="369332"/>
+            <a:off x="4005706" y="3606284"/>
+            <a:ext cx="712952" cy="369332"/>
           </a:xfrm>
           <a:prstGeom prst="rect">
             <a:avLst/>
@@ -13339,12 +12219,12 @@
           <a:lstStyle/>
           <a:p>
             <a:r>
-              <a:rPr lang="en-US" dirty="0" smtClean="0">
+              <a:rPr lang="en-US" dirty="0">
                 <a:solidFill>
                   <a:srgbClr val="FF0000"/>
                 </a:solidFill>
               </a:rPr>
-              <a:t>action</a:t>
+              <a:t>event</a:t>
             </a:r>
             <a:endParaRPr lang="fr-FR" dirty="0">
               <a:solidFill>
@@ -13357,7 +12237,7 @@
     </p:spTree>
     <p:extLst>
       <p:ext uri="{BB962C8B-B14F-4D97-AF65-F5344CB8AC3E}">
-        <p14:creationId xmlns:p14="http://schemas.microsoft.com/office/powerpoint/2010/main" val="214338730"/>
+        <p14:creationId xmlns:p14="http://schemas.microsoft.com/office/powerpoint/2010/main" val="1808425269"/>
       </p:ext>
     </p:extLst>
   </p:cSld>
@@ -13496,6 +12376,44 @@
           </a:p>
         </p:txBody>
       </p:sp>
+      <p:cxnSp>
+        <p:nvCxnSpPr>
+          <p:cNvPr id="20" name="Forme 58"/>
+          <p:cNvCxnSpPr>
+            <a:stCxn id="22" idx="2"/>
+            <a:endCxn id="24" idx="0"/>
+          </p:cNvCxnSpPr>
+          <p:nvPr/>
+        </p:nvCxnSpPr>
+        <p:spPr>
+          <a:xfrm rot="16200000" flipH="1">
+            <a:off x="7075429" y="3187961"/>
+            <a:ext cx="437626" cy="3179"/>
+          </a:xfrm>
+          <a:prstGeom prst="curvedConnector3">
+            <a:avLst>
+              <a:gd name="adj1" fmla="val 50000"/>
+            </a:avLst>
+          </a:prstGeom>
+          <a:ln w="38100">
+            <a:tailEnd type="arrow"/>
+          </a:ln>
+        </p:spPr>
+        <p:style>
+          <a:lnRef idx="1">
+            <a:schemeClr val="accent3"/>
+          </a:lnRef>
+          <a:fillRef idx="0">
+            <a:schemeClr val="accent3"/>
+          </a:fillRef>
+          <a:effectRef idx="0">
+            <a:schemeClr val="accent3"/>
+          </a:effectRef>
+          <a:fontRef idx="minor">
+            <a:schemeClr val="tx1"/>
+          </a:fontRef>
+        </p:style>
+      </p:cxnSp>
       <p:sp>
         <p:nvSpPr>
           <p:cNvPr id="22" name="Rectangle à coins arrondis 8"/>
@@ -14162,7 +13080,7 @@
             <a:avLst/>
           </a:prstGeom>
           <a:solidFill>
-            <a:srgbClr val="FF0000"/>
+            <a:schemeClr val="accent2"/>
           </a:solidFill>
           <a:ln w="28575">
             <a:solidFill>
@@ -14215,65 +13133,6 @@
         <p:spPr>
           <a:xfrm>
             <a:off x="8749556" y="2446943"/>
-            <a:ext cx="1552575" cy="414337"/>
-          </a:xfrm>
-          <a:prstGeom prst="roundRect">
-            <a:avLst/>
-          </a:prstGeom>
-          <a:solidFill>
-            <a:srgbClr val="FF0000"/>
-          </a:solidFill>
-          <a:ln w="28575">
-            <a:solidFill>
-              <a:schemeClr val="bg1"/>
-            </a:solidFill>
-          </a:ln>
-          <a:effectLst>
-            <a:outerShdw blurRad="63500" sx="102000" sy="102000" algn="ctr" rotWithShape="0">
-              <a:prstClr val="black">
-                <a:alpha val="40000"/>
-              </a:prstClr>
-            </a:outerShdw>
-          </a:effectLst>
-        </p:spPr>
-        <p:style>
-          <a:lnRef idx="2">
-            <a:schemeClr val="accent1">
-              <a:shade val="50000"/>
-            </a:schemeClr>
-          </a:lnRef>
-          <a:fillRef idx="1">
-            <a:schemeClr val="accent1"/>
-          </a:fillRef>
-          <a:effectRef idx="0">
-            <a:schemeClr val="accent1"/>
-          </a:effectRef>
-          <a:fontRef idx="minor">
-            <a:schemeClr val="lt1"/>
-          </a:fontRef>
-        </p:style>
-        <p:txBody>
-          <a:bodyPr rtlCol="0" anchor="ctr"/>
-          <a:lstStyle/>
-          <a:p>
-            <a:pPr algn="ctr"/>
-            <a:r>
-              <a:rPr lang="fr-FR" b="1" dirty="0" smtClean="0"/>
-              <a:t>Logs</a:t>
-            </a:r>
-            <a:endParaRPr lang="fr-FR" b="1" dirty="0"/>
-          </a:p>
-        </p:txBody>
-      </p:sp>
-      <p:sp>
-        <p:nvSpPr>
-          <p:cNvPr id="48" name="Rectangle à coins arrondis 11"/>
-          <p:cNvSpPr/>
-          <p:nvPr/>
-        </p:nvSpPr>
-        <p:spPr>
-          <a:xfrm>
-            <a:off x="8749555" y="2984760"/>
             <a:ext cx="1552575" cy="414337"/>
           </a:xfrm>
           <a:prstGeom prst="roundRect">
@@ -14318,205 +13177,21 @@
             <a:pPr algn="ctr"/>
             <a:r>
               <a:rPr lang="fr-FR" b="1" dirty="0" smtClean="0"/>
-              <a:t>Delay actions</a:t>
+              <a:t>Logs</a:t>
             </a:r>
             <a:endParaRPr lang="fr-FR" b="1" dirty="0"/>
           </a:p>
         </p:txBody>
       </p:sp>
-      <p:cxnSp>
-        <p:nvCxnSpPr>
-          <p:cNvPr id="41" name="Straight Arrow Connector 40"/>
-          <p:cNvCxnSpPr/>
-          <p:nvPr/>
-        </p:nvCxnSpPr>
+      <p:sp>
+        <p:nvSpPr>
+          <p:cNvPr id="48" name="Rectangle à coins arrondis 11"/>
+          <p:cNvSpPr/>
+          <p:nvPr/>
+        </p:nvSpPr>
         <p:spPr>
           <a:xfrm>
-            <a:off x="7962901" y="2219800"/>
-            <a:ext cx="579119" cy="0"/>
-          </a:xfrm>
-          <a:prstGeom prst="straightConnector1">
-            <a:avLst/>
-          </a:prstGeom>
-          <a:ln w="38100">
-            <a:solidFill>
-              <a:srgbClr val="FF0000"/>
-            </a:solidFill>
-            <a:tailEnd type="arrow"/>
-          </a:ln>
-        </p:spPr>
-        <p:style>
-          <a:lnRef idx="1">
-            <a:schemeClr val="accent3"/>
-          </a:lnRef>
-          <a:fillRef idx="0">
-            <a:schemeClr val="accent3"/>
-          </a:fillRef>
-          <a:effectRef idx="0">
-            <a:schemeClr val="accent3"/>
-          </a:effectRef>
-          <a:fontRef idx="minor">
-            <a:schemeClr val="tx1"/>
-          </a:fontRef>
-        </p:style>
-      </p:cxnSp>
-      <p:cxnSp>
-        <p:nvCxnSpPr>
-          <p:cNvPr id="51" name="Straight Arrow Connector 50"/>
-          <p:cNvCxnSpPr/>
-          <p:nvPr/>
-        </p:nvCxnSpPr>
-        <p:spPr>
-          <a:xfrm flipH="1">
-            <a:off x="7955280" y="2365210"/>
-            <a:ext cx="579119" cy="0"/>
-          </a:xfrm>
-          <a:prstGeom prst="straightConnector1">
-            <a:avLst/>
-          </a:prstGeom>
-          <a:ln w="38100">
-            <a:solidFill>
-              <a:srgbClr val="FF0000"/>
-            </a:solidFill>
-            <a:tailEnd type="arrow"/>
-          </a:ln>
-        </p:spPr>
-        <p:style>
-          <a:lnRef idx="1">
-            <a:schemeClr val="accent3"/>
-          </a:lnRef>
-          <a:fillRef idx="0">
-            <a:schemeClr val="accent3"/>
-          </a:fillRef>
-          <a:effectRef idx="0">
-            <a:schemeClr val="accent3"/>
-          </a:effectRef>
-          <a:fontRef idx="minor">
-            <a:schemeClr val="tx1"/>
-          </a:fontRef>
-        </p:style>
-      </p:cxnSp>
-      <p:cxnSp>
-        <p:nvCxnSpPr>
-          <p:cNvPr id="49" name="Straight Arrow Connector 48"/>
-          <p:cNvCxnSpPr>
-            <a:stCxn id="23" idx="0"/>
-            <a:endCxn id="25" idx="2"/>
-          </p:cNvCxnSpPr>
-          <p:nvPr/>
-        </p:nvCxnSpPr>
-        <p:spPr>
-          <a:xfrm flipV="1">
-            <a:off x="4740751" y="2937193"/>
-            <a:ext cx="0" cy="1874482"/>
-          </a:xfrm>
-          <a:prstGeom prst="straightConnector1">
-            <a:avLst/>
-          </a:prstGeom>
-          <a:ln w="38100">
-            <a:tailEnd type="arrow"/>
-          </a:ln>
-        </p:spPr>
-        <p:style>
-          <a:lnRef idx="1">
-            <a:schemeClr val="accent3"/>
-          </a:lnRef>
-          <a:fillRef idx="0">
-            <a:schemeClr val="accent3"/>
-          </a:fillRef>
-          <a:effectRef idx="0">
-            <a:schemeClr val="accent3"/>
-          </a:effectRef>
-          <a:fontRef idx="minor">
-            <a:schemeClr val="tx1"/>
-          </a:fontRef>
-        </p:style>
-      </p:cxnSp>
-      <p:cxnSp>
-        <p:nvCxnSpPr>
-          <p:cNvPr id="54" name="Elbow Connector 53"/>
-          <p:cNvCxnSpPr>
-            <a:stCxn id="44" idx="2"/>
-            <a:endCxn id="23" idx="2"/>
-          </p:cNvCxnSpPr>
-          <p:nvPr/>
-        </p:nvCxnSpPr>
-        <p:spPr>
-          <a:xfrm rot="5400000" flipH="1">
-            <a:off x="5978664" y="4354812"/>
-            <a:ext cx="80049" cy="2555876"/>
-          </a:xfrm>
-          <a:prstGeom prst="bentConnector3">
-            <a:avLst>
-              <a:gd name="adj1" fmla="val -285575"/>
-            </a:avLst>
-          </a:prstGeom>
-          <a:ln w="38100">
-            <a:tailEnd type="arrow"/>
-          </a:ln>
-        </p:spPr>
-        <p:style>
-          <a:lnRef idx="1">
-            <a:schemeClr val="accent3"/>
-          </a:lnRef>
-          <a:fillRef idx="0">
-            <a:schemeClr val="accent3"/>
-          </a:fillRef>
-          <a:effectRef idx="0">
-            <a:schemeClr val="accent3"/>
-          </a:effectRef>
-          <a:fontRef idx="minor">
-            <a:schemeClr val="tx1"/>
-          </a:fontRef>
-        </p:style>
-      </p:cxnSp>
-      <p:cxnSp>
-        <p:nvCxnSpPr>
-          <p:cNvPr id="56" name="Elbow Connector 55"/>
-          <p:cNvCxnSpPr>
-            <a:stCxn id="25" idx="0"/>
-            <a:endCxn id="22" idx="0"/>
-          </p:cNvCxnSpPr>
-          <p:nvPr/>
-        </p:nvCxnSpPr>
-        <p:spPr>
-          <a:xfrm rot="5400000" flipH="1" flipV="1">
-            <a:off x="5960842" y="776707"/>
-            <a:ext cx="111720" cy="2551902"/>
-          </a:xfrm>
-          <a:prstGeom prst="bentConnector3">
-            <a:avLst>
-              <a:gd name="adj1" fmla="val 304619"/>
-            </a:avLst>
-          </a:prstGeom>
-          <a:ln w="38100">
-            <a:tailEnd type="arrow"/>
-          </a:ln>
-        </p:spPr>
-        <p:style>
-          <a:lnRef idx="1">
-            <a:schemeClr val="accent3"/>
-          </a:lnRef>
-          <a:fillRef idx="0">
-            <a:schemeClr val="accent3"/>
-          </a:fillRef>
-          <a:effectRef idx="0">
-            <a:schemeClr val="accent3"/>
-          </a:effectRef>
-          <a:fontRef idx="minor">
-            <a:schemeClr val="tx1"/>
-          </a:fontRef>
-        </p:style>
-      </p:cxnSp>
-      <p:sp>
-        <p:nvSpPr>
-          <p:cNvPr id="61" name="Rectangle à coins arrondis 11"/>
-          <p:cNvSpPr/>
-          <p:nvPr/>
-        </p:nvSpPr>
-        <p:spPr>
-          <a:xfrm>
-            <a:off x="8749555" y="3522577"/>
+            <a:off x="8749555" y="2984760"/>
             <a:ext cx="1552575" cy="414337"/>
           </a:xfrm>
           <a:prstGeom prst="roundRect">
@@ -14561,21 +13236,202 @@
             <a:pPr algn="ctr"/>
             <a:r>
               <a:rPr lang="fr-FR" b="1" dirty="0" smtClean="0"/>
-              <a:t>Loop actions</a:t>
+              <a:t>Delay actions</a:t>
             </a:r>
             <a:endParaRPr lang="fr-FR" b="1" dirty="0"/>
           </a:p>
         </p:txBody>
       </p:sp>
-      <p:sp>
-        <p:nvSpPr>
-          <p:cNvPr id="62" name="Rectangle à coins arrondis 11"/>
+      <p:cxnSp>
+        <p:nvCxnSpPr>
+          <p:cNvPr id="41" name="Straight Arrow Connector 40"/>
+          <p:cNvCxnSpPr/>
+          <p:nvPr/>
+        </p:nvCxnSpPr>
+        <p:spPr>
+          <a:xfrm>
+            <a:off x="7962901" y="2219800"/>
+            <a:ext cx="579119" cy="0"/>
+          </a:xfrm>
+          <a:prstGeom prst="straightConnector1">
+            <a:avLst/>
+          </a:prstGeom>
+          <a:ln w="38100">
+            <a:tailEnd type="arrow"/>
+          </a:ln>
+        </p:spPr>
+        <p:style>
+          <a:lnRef idx="1">
+            <a:schemeClr val="accent3"/>
+          </a:lnRef>
+          <a:fillRef idx="0">
+            <a:schemeClr val="accent3"/>
+          </a:fillRef>
+          <a:effectRef idx="0">
+            <a:schemeClr val="accent3"/>
+          </a:effectRef>
+          <a:fontRef idx="minor">
+            <a:schemeClr val="tx1"/>
+          </a:fontRef>
+        </p:style>
+      </p:cxnSp>
+      <p:cxnSp>
+        <p:nvCxnSpPr>
+          <p:cNvPr id="51" name="Straight Arrow Connector 50"/>
+          <p:cNvCxnSpPr/>
+          <p:nvPr/>
+        </p:nvCxnSpPr>
+        <p:spPr>
+          <a:xfrm flipH="1">
+            <a:off x="7955280" y="2365210"/>
+            <a:ext cx="579119" cy="0"/>
+          </a:xfrm>
+          <a:prstGeom prst="straightConnector1">
+            <a:avLst/>
+          </a:prstGeom>
+          <a:ln w="38100">
+            <a:tailEnd type="arrow"/>
+          </a:ln>
+        </p:spPr>
+        <p:style>
+          <a:lnRef idx="1">
+            <a:schemeClr val="accent3"/>
+          </a:lnRef>
+          <a:fillRef idx="0">
+            <a:schemeClr val="accent3"/>
+          </a:fillRef>
+          <a:effectRef idx="0">
+            <a:schemeClr val="accent3"/>
+          </a:effectRef>
+          <a:fontRef idx="minor">
+            <a:schemeClr val="tx1"/>
+          </a:fontRef>
+        </p:style>
+      </p:cxnSp>
+      <p:cxnSp>
+        <p:nvCxnSpPr>
+          <p:cNvPr id="49" name="Straight Arrow Connector 48"/>
+          <p:cNvCxnSpPr>
+            <a:stCxn id="23" idx="0"/>
+            <a:endCxn id="25" idx="2"/>
+          </p:cNvCxnSpPr>
+          <p:nvPr/>
+        </p:nvCxnSpPr>
+        <p:spPr>
+          <a:xfrm flipV="1">
+            <a:off x="4740751" y="2937193"/>
+            <a:ext cx="0" cy="1874482"/>
+          </a:xfrm>
+          <a:prstGeom prst="straightConnector1">
+            <a:avLst/>
+          </a:prstGeom>
+          <a:ln w="38100">
+            <a:tailEnd type="arrow"/>
+          </a:ln>
+        </p:spPr>
+        <p:style>
+          <a:lnRef idx="1">
+            <a:schemeClr val="accent3"/>
+          </a:lnRef>
+          <a:fillRef idx="0">
+            <a:schemeClr val="accent3"/>
+          </a:fillRef>
+          <a:effectRef idx="0">
+            <a:schemeClr val="accent3"/>
+          </a:effectRef>
+          <a:fontRef idx="minor">
+            <a:schemeClr val="tx1"/>
+          </a:fontRef>
+        </p:style>
+      </p:cxnSp>
+      <p:cxnSp>
+        <p:nvCxnSpPr>
+          <p:cNvPr id="54" name="Elbow Connector 53"/>
+          <p:cNvCxnSpPr>
+            <a:stCxn id="44" idx="2"/>
+            <a:endCxn id="23" idx="2"/>
+          </p:cNvCxnSpPr>
+          <p:nvPr/>
+        </p:nvCxnSpPr>
+        <p:spPr>
+          <a:xfrm rot="5400000" flipH="1">
+            <a:off x="5978664" y="4354812"/>
+            <a:ext cx="80049" cy="2555876"/>
+          </a:xfrm>
+          <a:prstGeom prst="bentConnector3">
+            <a:avLst>
+              <a:gd name="adj1" fmla="val -285575"/>
+            </a:avLst>
+          </a:prstGeom>
+          <a:ln w="38100">
+            <a:tailEnd type="arrow"/>
+          </a:ln>
+        </p:spPr>
+        <p:style>
+          <a:lnRef idx="1">
+            <a:schemeClr val="accent3"/>
+          </a:lnRef>
+          <a:fillRef idx="0">
+            <a:schemeClr val="accent3"/>
+          </a:fillRef>
+          <a:effectRef idx="0">
+            <a:schemeClr val="accent3"/>
+          </a:effectRef>
+          <a:fontRef idx="minor">
+            <a:schemeClr val="tx1"/>
+          </a:fontRef>
+        </p:style>
+      </p:cxnSp>
+      <p:cxnSp>
+        <p:nvCxnSpPr>
+          <p:cNvPr id="56" name="Elbow Connector 55"/>
+          <p:cNvCxnSpPr>
+            <a:stCxn id="25" idx="0"/>
+            <a:endCxn id="22" idx="0"/>
+          </p:cNvCxnSpPr>
+          <p:nvPr/>
+        </p:nvCxnSpPr>
+        <p:spPr>
+          <a:xfrm rot="5400000" flipH="1" flipV="1">
+            <a:off x="5960842" y="776707"/>
+            <a:ext cx="111720" cy="2551902"/>
+          </a:xfrm>
+          <a:prstGeom prst="bentConnector3">
+            <a:avLst>
+              <a:gd name="adj1" fmla="val 304619"/>
+            </a:avLst>
+          </a:prstGeom>
+          <a:ln w="38100">
+            <a:solidFill>
+              <a:srgbClr val="FF0000"/>
+            </a:solidFill>
+            <a:tailEnd type="arrow"/>
+          </a:ln>
+        </p:spPr>
+        <p:style>
+          <a:lnRef idx="1">
+            <a:schemeClr val="accent3"/>
+          </a:lnRef>
+          <a:fillRef idx="0">
+            <a:schemeClr val="accent3"/>
+          </a:fillRef>
+          <a:effectRef idx="0">
+            <a:schemeClr val="accent3"/>
+          </a:effectRef>
+          <a:fontRef idx="minor">
+            <a:schemeClr val="tx1"/>
+          </a:fontRef>
+        </p:style>
+      </p:cxnSp>
+      <p:sp>
+        <p:nvSpPr>
+          <p:cNvPr id="61" name="Rectangle à coins arrondis 11"/>
           <p:cNvSpPr/>
           <p:nvPr/>
         </p:nvSpPr>
         <p:spPr>
           <a:xfrm>
-            <a:off x="8749555" y="4060394"/>
+            <a:off x="8749555" y="3522577"/>
             <a:ext cx="1552575" cy="414337"/>
           </a:xfrm>
           <a:prstGeom prst="roundRect">
@@ -14620,7 +13476,7 @@
             <a:pPr algn="ctr"/>
             <a:r>
               <a:rPr lang="fr-FR" b="1" dirty="0" smtClean="0"/>
-              <a:t>Crash report</a:t>
+              <a:t>Loop actions</a:t>
             </a:r>
             <a:endParaRPr lang="fr-FR" b="1" dirty="0"/>
           </a:p>
@@ -14628,13 +13484,13 @@
       </p:sp>
       <p:sp>
         <p:nvSpPr>
-          <p:cNvPr id="63" name="Rectangle à coins arrondis 11"/>
+          <p:cNvPr id="62" name="Rectangle à coins arrondis 11"/>
           <p:cNvSpPr/>
           <p:nvPr/>
         </p:nvSpPr>
         <p:spPr>
           <a:xfrm>
-            <a:off x="8749555" y="4598210"/>
+            <a:off x="8749555" y="4060394"/>
             <a:ext cx="1552575" cy="414337"/>
           </a:xfrm>
           <a:prstGeom prst="roundRect">
@@ -14679,59 +13535,80 @@
             <a:pPr algn="ctr"/>
             <a:r>
               <a:rPr lang="fr-FR" b="1" dirty="0" smtClean="0"/>
+              <a:t>Crash report</a:t>
+            </a:r>
+            <a:endParaRPr lang="fr-FR" b="1" dirty="0"/>
+          </a:p>
+        </p:txBody>
+      </p:sp>
+      <p:sp>
+        <p:nvSpPr>
+          <p:cNvPr id="63" name="Rectangle à coins arrondis 11"/>
+          <p:cNvSpPr/>
+          <p:nvPr/>
+        </p:nvSpPr>
+        <p:spPr>
+          <a:xfrm>
+            <a:off x="8749555" y="4598210"/>
+            <a:ext cx="1552575" cy="414337"/>
+          </a:xfrm>
+          <a:prstGeom prst="roundRect">
+            <a:avLst/>
+          </a:prstGeom>
+          <a:solidFill>
+            <a:schemeClr val="accent2"/>
+          </a:solidFill>
+          <a:ln w="28575">
+            <a:solidFill>
+              <a:schemeClr val="bg1"/>
+            </a:solidFill>
+          </a:ln>
+          <a:effectLst>
+            <a:outerShdw blurRad="63500" sx="102000" sy="102000" algn="ctr" rotWithShape="0">
+              <a:prstClr val="black">
+                <a:alpha val="40000"/>
+              </a:prstClr>
+            </a:outerShdw>
+          </a:effectLst>
+        </p:spPr>
+        <p:style>
+          <a:lnRef idx="2">
+            <a:schemeClr val="accent1">
+              <a:shade val="50000"/>
+            </a:schemeClr>
+          </a:lnRef>
+          <a:fillRef idx="1">
+            <a:schemeClr val="accent1"/>
+          </a:fillRef>
+          <a:effectRef idx="0">
+            <a:schemeClr val="accent1"/>
+          </a:effectRef>
+          <a:fontRef idx="minor">
+            <a:schemeClr val="lt1"/>
+          </a:fontRef>
+        </p:style>
+        <p:txBody>
+          <a:bodyPr rtlCol="0" anchor="ctr"/>
+          <a:lstStyle/>
+          <a:p>
+            <a:pPr algn="ctr"/>
+            <a:r>
+              <a:rPr lang="fr-FR" b="1" dirty="0" smtClean="0"/>
               <a:t>…</a:t>
             </a:r>
             <a:endParaRPr lang="fr-FR" b="1" dirty="0"/>
           </a:p>
         </p:txBody>
       </p:sp>
-      <p:cxnSp>
-        <p:nvCxnSpPr>
-          <p:cNvPr id="20" name="Forme 58"/>
-          <p:cNvCxnSpPr>
-            <a:stCxn id="22" idx="2"/>
-            <a:endCxn id="24" idx="0"/>
-          </p:cNvCxnSpPr>
-          <p:nvPr/>
-        </p:nvCxnSpPr>
-        <p:spPr>
-          <a:xfrm rot="16200000" flipH="1">
-            <a:off x="7075429" y="3187961"/>
-            <a:ext cx="437626" cy="3179"/>
-          </a:xfrm>
-          <a:prstGeom prst="curvedConnector3">
-            <a:avLst>
-              <a:gd name="adj1" fmla="val 50000"/>
-            </a:avLst>
-          </a:prstGeom>
-          <a:ln w="38100">
-            <a:tailEnd type="arrow"/>
-          </a:ln>
-        </p:spPr>
-        <p:style>
-          <a:lnRef idx="1">
-            <a:schemeClr val="accent3"/>
-          </a:lnRef>
-          <a:fillRef idx="0">
-            <a:schemeClr val="accent3"/>
-          </a:fillRef>
-          <a:effectRef idx="0">
-            <a:schemeClr val="accent3"/>
-          </a:effectRef>
-          <a:fontRef idx="minor">
-            <a:schemeClr val="tx1"/>
-          </a:fontRef>
-        </p:style>
-      </p:cxnSp>
-      <p:sp>
-        <p:nvSpPr>
-          <p:cNvPr id="34" name="Rectangle 33"/>
+      <p:sp>
+        <p:nvSpPr>
+          <p:cNvPr id="31" name="Rectangle 30"/>
           <p:cNvSpPr/>
           <p:nvPr/>
         </p:nvSpPr>
         <p:spPr>
           <a:xfrm>
-            <a:off x="7955280" y="1800964"/>
+            <a:off x="5660226" y="1382671"/>
             <a:ext cx="766557" cy="369332"/>
           </a:xfrm>
           <a:prstGeom prst="rect">
@@ -14763,7 +13640,7 @@
     </p:spTree>
     <p:extLst>
       <p:ext uri="{BB962C8B-B14F-4D97-AF65-F5344CB8AC3E}">
-        <p14:creationId xmlns:p14="http://schemas.microsoft.com/office/powerpoint/2010/main" val="2081350360"/>
+        <p14:creationId xmlns:p14="http://schemas.microsoft.com/office/powerpoint/2010/main" val="214338730"/>
       </p:ext>
     </p:extLst>
   </p:cSld>
@@ -15476,9 +14353,6 @@
             </a:avLst>
           </a:prstGeom>
           <a:ln w="38100">
-            <a:solidFill>
-              <a:srgbClr val="FF0000"/>
-            </a:solidFill>
             <a:tailEnd type="arrow"/>
           </a:ln>
         </p:spPr>
@@ -15630,7 +14504,7 @@
             <a:avLst/>
           </a:prstGeom>
           <a:solidFill>
-            <a:schemeClr val="accent2"/>
+            <a:srgbClr val="FF0000"/>
           </a:solidFill>
           <a:ln w="28575">
             <a:solidFill>
@@ -15667,7 +14541,7 @@
           <a:p>
             <a:pPr algn="ctr"/>
             <a:r>
-              <a:rPr lang="fr-FR" b="1" dirty="0"/>
+              <a:rPr lang="fr-FR" b="1" dirty="0" smtClean="0"/>
               <a:t>Logs</a:t>
             </a:r>
             <a:endParaRPr lang="fr-FR" b="1" dirty="0"/>
@@ -15748,6 +14622,9 @@
             <a:avLst/>
           </a:prstGeom>
           <a:ln w="38100">
+            <a:solidFill>
+              <a:srgbClr val="FF0000"/>
+            </a:solidFill>
             <a:tailEnd type="arrow"/>
           </a:ln>
         </p:spPr>
@@ -15781,6 +14658,9 @@
             <a:avLst/>
           </a:prstGeom>
           <a:ln w="38100">
+            <a:solidFill>
+              <a:srgbClr val="FF0000"/>
+            </a:solidFill>
             <a:tailEnd type="arrow"/>
           </a:ln>
         </p:spPr>
@@ -16093,14 +14973,14 @@
           <p:cNvPr id="20" name="Forme 58"/>
           <p:cNvCxnSpPr>
             <a:stCxn id="22" idx="2"/>
-            <a:endCxn id="26" idx="0"/>
+            <a:endCxn id="24" idx="0"/>
           </p:cNvCxnSpPr>
           <p:nvPr/>
         </p:nvCxnSpPr>
         <p:spPr>
           <a:xfrm rot="16200000" flipH="1">
-            <a:off x="6830241" y="3433150"/>
-            <a:ext cx="928799" cy="3974"/>
+            <a:off x="7075429" y="3187961"/>
+            <a:ext cx="437626" cy="3179"/>
           </a:xfrm>
           <a:prstGeom prst="curvedConnector3">
             <a:avLst>
@@ -16108,9 +14988,6 @@
             </a:avLst>
           </a:prstGeom>
           <a:ln w="38100">
-            <a:solidFill>
-              <a:srgbClr val="FF0000"/>
-            </a:solidFill>
             <a:tailEnd type="arrow"/>
           </a:ln>
         </p:spPr>
@@ -16131,50 +15008,13 @@
       </p:cxnSp>
       <p:sp>
         <p:nvSpPr>
-          <p:cNvPr id="32" name="Rectangle 31"/>
+          <p:cNvPr id="34" name="Rectangle 33"/>
           <p:cNvSpPr/>
           <p:nvPr/>
         </p:nvSpPr>
         <p:spPr>
           <a:xfrm>
-            <a:off x="5749808" y="4228878"/>
-            <a:ext cx="644344" cy="369332"/>
-          </a:xfrm>
-          <a:prstGeom prst="rect">
-            <a:avLst/>
-          </a:prstGeom>
-        </p:spPr>
-        <p:txBody>
-          <a:bodyPr wrap="none">
-            <a:spAutoFit/>
-          </a:bodyPr>
-          <a:lstStyle/>
-          <a:p>
-            <a:r>
-              <a:rPr lang="en-US" dirty="0" smtClean="0">
-                <a:solidFill>
-                  <a:srgbClr val="FF0000"/>
-                </a:solidFill>
-              </a:rPr>
-              <a:t>state</a:t>
-            </a:r>
-            <a:endParaRPr lang="fr-FR" dirty="0">
-              <a:solidFill>
-                <a:srgbClr val="FF0000"/>
-              </a:solidFill>
-            </a:endParaRPr>
-          </a:p>
-        </p:txBody>
-      </p:sp>
-      <p:sp>
-        <p:nvSpPr>
-          <p:cNvPr id="33" name="Rectangle 32"/>
-          <p:cNvSpPr/>
-          <p:nvPr/>
-        </p:nvSpPr>
-        <p:spPr>
-          <a:xfrm>
-            <a:off x="7251642" y="3004885"/>
+            <a:off x="7955280" y="1800964"/>
             <a:ext cx="766557" cy="369332"/>
           </a:xfrm>
           <a:prstGeom prst="rect">
@@ -16206,7 +15046,7 @@
     </p:spTree>
     <p:extLst>
       <p:ext uri="{BB962C8B-B14F-4D97-AF65-F5344CB8AC3E}">
-        <p14:creationId xmlns:p14="http://schemas.microsoft.com/office/powerpoint/2010/main" val="3988002708"/>
+        <p14:creationId xmlns:p14="http://schemas.microsoft.com/office/powerpoint/2010/main" val="2081350360"/>
       </p:ext>
     </p:extLst>
   </p:cSld>
@@ -16345,44 +15185,6 @@
           </a:p>
         </p:txBody>
       </p:sp>
-      <p:cxnSp>
-        <p:nvCxnSpPr>
-          <p:cNvPr id="20" name="Forme 58"/>
-          <p:cNvCxnSpPr>
-            <a:stCxn id="22" idx="2"/>
-            <a:endCxn id="24" idx="0"/>
-          </p:cNvCxnSpPr>
-          <p:nvPr/>
-        </p:nvCxnSpPr>
-        <p:spPr>
-          <a:xfrm rot="16200000" flipH="1">
-            <a:off x="7075429" y="3187961"/>
-            <a:ext cx="437626" cy="3179"/>
-          </a:xfrm>
-          <a:prstGeom prst="curvedConnector3">
-            <a:avLst>
-              <a:gd name="adj1" fmla="val 50000"/>
-            </a:avLst>
-          </a:prstGeom>
-          <a:ln w="38100">
-            <a:tailEnd type="arrow"/>
-          </a:ln>
-        </p:spPr>
-        <p:style>
-          <a:lnRef idx="1">
-            <a:schemeClr val="accent3"/>
-          </a:lnRef>
-          <a:fillRef idx="0">
-            <a:schemeClr val="accent3"/>
-          </a:fillRef>
-          <a:effectRef idx="0">
-            <a:schemeClr val="accent3"/>
-          </a:effectRef>
-          <a:fontRef idx="minor">
-            <a:schemeClr val="tx1"/>
-          </a:fontRef>
-        </p:style>
-      </p:cxnSp>
       <p:sp>
         <p:nvSpPr>
           <p:cNvPr id="22" name="Rectangle à coins arrondis 8"/>
@@ -16957,6 +15759,9 @@
             </a:avLst>
           </a:prstGeom>
           <a:ln w="38100">
+            <a:solidFill>
+              <a:srgbClr val="FF0000"/>
+            </a:solidFill>
             <a:tailEnd type="arrow"/>
           </a:ln>
         </p:spPr>
@@ -17145,7 +15950,7 @@
           <a:p>
             <a:pPr algn="ctr"/>
             <a:r>
-              <a:rPr lang="fr-FR" b="1" dirty="0" smtClean="0"/>
+              <a:rPr lang="fr-FR" b="1" dirty="0"/>
               <a:t>Logs</a:t>
             </a:r>
             <a:endParaRPr lang="fr-FR" b="1" dirty="0"/>
@@ -17333,9 +16138,6 @@
             </a:avLst>
           </a:prstGeom>
           <a:ln w="38100">
-            <a:solidFill>
-              <a:srgbClr val="FF0000"/>
-            </a:solidFill>
             <a:tailEnd type="arrow"/>
           </a:ln>
         </p:spPr>
@@ -17569,16 +16371,57 @@
           </a:p>
         </p:txBody>
       </p:sp>
-      <p:sp>
-        <p:nvSpPr>
-          <p:cNvPr id="31" name="Rectangle 30"/>
+      <p:cxnSp>
+        <p:nvCxnSpPr>
+          <p:cNvPr id="20" name="Forme 58"/>
+          <p:cNvCxnSpPr>
+            <a:stCxn id="22" idx="2"/>
+            <a:endCxn id="26" idx="0"/>
+          </p:cNvCxnSpPr>
+          <p:nvPr/>
+        </p:nvCxnSpPr>
+        <p:spPr>
+          <a:xfrm rot="16200000" flipH="1">
+            <a:off x="6830241" y="3433150"/>
+            <a:ext cx="928799" cy="3974"/>
+          </a:xfrm>
+          <a:prstGeom prst="curvedConnector3">
+            <a:avLst>
+              <a:gd name="adj1" fmla="val 50000"/>
+            </a:avLst>
+          </a:prstGeom>
+          <a:ln w="38100">
+            <a:solidFill>
+              <a:srgbClr val="FF0000"/>
+            </a:solidFill>
+            <a:tailEnd type="arrow"/>
+          </a:ln>
+        </p:spPr>
+        <p:style>
+          <a:lnRef idx="1">
+            <a:schemeClr val="accent3"/>
+          </a:lnRef>
+          <a:fillRef idx="0">
+            <a:schemeClr val="accent3"/>
+          </a:fillRef>
+          <a:effectRef idx="0">
+            <a:schemeClr val="accent3"/>
+          </a:effectRef>
+          <a:fontRef idx="minor">
+            <a:schemeClr val="tx1"/>
+          </a:fontRef>
+        </p:style>
+      </p:cxnSp>
+      <p:sp>
+        <p:nvSpPr>
+          <p:cNvPr id="32" name="Rectangle 31"/>
           <p:cNvSpPr/>
           <p:nvPr/>
         </p:nvSpPr>
         <p:spPr>
           <a:xfrm>
-            <a:off x="5633423" y="5901927"/>
-            <a:ext cx="1098442" cy="369332"/>
+            <a:off x="5749808" y="4228878"/>
+            <a:ext cx="644344" cy="369332"/>
           </a:xfrm>
           <a:prstGeom prst="rect">
             <a:avLst/>
@@ -17596,7 +16439,7 @@
                   <a:srgbClr val="FF0000"/>
                 </a:solidFill>
               </a:rPr>
-              <a:t>new state</a:t>
+              <a:t>state</a:t>
             </a:r>
             <a:endParaRPr lang="fr-FR" dirty="0">
               <a:solidFill>
@@ -17606,10 +16449,47 @@
           </a:p>
         </p:txBody>
       </p:sp>
+      <p:sp>
+        <p:nvSpPr>
+          <p:cNvPr id="33" name="Rectangle 32"/>
+          <p:cNvSpPr/>
+          <p:nvPr/>
+        </p:nvSpPr>
+        <p:spPr>
+          <a:xfrm>
+            <a:off x="7251642" y="3004885"/>
+            <a:ext cx="766557" cy="369332"/>
+          </a:xfrm>
+          <a:prstGeom prst="rect">
+            <a:avLst/>
+          </a:prstGeom>
+        </p:spPr>
+        <p:txBody>
+          <a:bodyPr wrap="none">
+            <a:spAutoFit/>
+          </a:bodyPr>
+          <a:lstStyle/>
+          <a:p>
+            <a:r>
+              <a:rPr lang="en-US" dirty="0" smtClean="0">
+                <a:solidFill>
+                  <a:srgbClr val="FF0000"/>
+                </a:solidFill>
+              </a:rPr>
+              <a:t>action</a:t>
+            </a:r>
+            <a:endParaRPr lang="fr-FR" dirty="0">
+              <a:solidFill>
+                <a:srgbClr val="FF0000"/>
+              </a:solidFill>
+            </a:endParaRPr>
+          </a:p>
+        </p:txBody>
+      </p:sp>
     </p:spTree>
     <p:extLst>
       <p:ext uri="{BB962C8B-B14F-4D97-AF65-F5344CB8AC3E}">
-        <p14:creationId xmlns:p14="http://schemas.microsoft.com/office/powerpoint/2010/main" val="2590363394"/>
+        <p14:creationId xmlns:p14="http://schemas.microsoft.com/office/powerpoint/2010/main" val="3988002708"/>
       </p:ext>
     </p:extLst>
   </p:cSld>
@@ -18662,9 +17542,6 @@
             <a:avLst/>
           </a:prstGeom>
           <a:ln w="38100">
-            <a:solidFill>
-              <a:srgbClr val="FF0000"/>
-            </a:solidFill>
             <a:tailEnd type="arrow"/>
           </a:ln>
         </p:spPr>
@@ -18739,6 +17616,9 @@
             </a:avLst>
           </a:prstGeom>
           <a:ln w="38100">
+            <a:solidFill>
+              <a:srgbClr val="FF0000"/>
+            </a:solidFill>
             <a:tailEnd type="arrow"/>
           </a:ln>
         </p:spPr>
@@ -18980,8 +17860,8 @@
         </p:nvSpPr>
         <p:spPr>
           <a:xfrm>
-            <a:off x="8025395" y="2343150"/>
-            <a:ext cx="766557" cy="369332"/>
+            <a:off x="5633423" y="5901927"/>
+            <a:ext cx="1098442" cy="369332"/>
           </a:xfrm>
           <a:prstGeom prst="rect">
             <a:avLst/>
@@ -18999,7 +17879,7 @@
                   <a:srgbClr val="FF0000"/>
                 </a:solidFill>
               </a:rPr>
-              <a:t>action</a:t>
+              <a:t>new state</a:t>
             </a:r>
             <a:endParaRPr lang="fr-FR" dirty="0">
               <a:solidFill>
@@ -19012,7 +17892,7 @@
     </p:spTree>
     <p:extLst>
       <p:ext uri="{BB962C8B-B14F-4D97-AF65-F5344CB8AC3E}">
-        <p14:creationId xmlns:p14="http://schemas.microsoft.com/office/powerpoint/2010/main" val="128642618"/>
+        <p14:creationId xmlns:p14="http://schemas.microsoft.com/office/powerpoint/2010/main" val="2590363394"/>
       </p:ext>
     </p:extLst>
   </p:cSld>
@@ -19151,6 +18031,44 @@
           </a:p>
         </p:txBody>
       </p:sp>
+      <p:cxnSp>
+        <p:nvCxnSpPr>
+          <p:cNvPr id="20" name="Forme 58"/>
+          <p:cNvCxnSpPr>
+            <a:stCxn id="22" idx="2"/>
+            <a:endCxn id="24" idx="0"/>
+          </p:cNvCxnSpPr>
+          <p:nvPr/>
+        </p:nvCxnSpPr>
+        <p:spPr>
+          <a:xfrm rot="16200000" flipH="1">
+            <a:off x="7075429" y="3187961"/>
+            <a:ext cx="437626" cy="3179"/>
+          </a:xfrm>
+          <a:prstGeom prst="curvedConnector3">
+            <a:avLst>
+              <a:gd name="adj1" fmla="val 50000"/>
+            </a:avLst>
+          </a:prstGeom>
+          <a:ln w="38100">
+            <a:tailEnd type="arrow"/>
+          </a:ln>
+        </p:spPr>
+        <p:style>
+          <a:lnRef idx="1">
+            <a:schemeClr val="accent3"/>
+          </a:lnRef>
+          <a:fillRef idx="0">
+            <a:schemeClr val="accent3"/>
+          </a:fillRef>
+          <a:effectRef idx="0">
+            <a:schemeClr val="accent3"/>
+          </a:effectRef>
+          <a:fontRef idx="minor">
+            <a:schemeClr val="tx1"/>
+          </a:fontRef>
+        </p:style>
+      </p:cxnSp>
       <p:sp>
         <p:nvSpPr>
           <p:cNvPr id="22" name="Rectangle à coins arrondis 8"/>
@@ -19817,65 +18735,6 @@
             <a:avLst/>
           </a:prstGeom>
           <a:solidFill>
-            <a:schemeClr val="accent2"/>
-          </a:solidFill>
-          <a:ln w="28575">
-            <a:solidFill>
-              <a:schemeClr val="bg1"/>
-            </a:solidFill>
-          </a:ln>
-          <a:effectLst>
-            <a:outerShdw blurRad="63500" sx="102000" sy="102000" algn="ctr" rotWithShape="0">
-              <a:prstClr val="black">
-                <a:alpha val="40000"/>
-              </a:prstClr>
-            </a:outerShdw>
-          </a:effectLst>
-        </p:spPr>
-        <p:style>
-          <a:lnRef idx="2">
-            <a:schemeClr val="accent1">
-              <a:shade val="50000"/>
-            </a:schemeClr>
-          </a:lnRef>
-          <a:fillRef idx="1">
-            <a:schemeClr val="accent1"/>
-          </a:fillRef>
-          <a:effectRef idx="0">
-            <a:schemeClr val="accent1"/>
-          </a:effectRef>
-          <a:fontRef idx="minor">
-            <a:schemeClr val="lt1"/>
-          </a:fontRef>
-        </p:style>
-        <p:txBody>
-          <a:bodyPr rtlCol="0" anchor="ctr"/>
-          <a:lstStyle/>
-          <a:p>
-            <a:pPr algn="ctr"/>
-            <a:r>
-              <a:rPr lang="fr-FR" b="1" dirty="0"/>
-              <a:t>API</a:t>
-            </a:r>
-            <a:endParaRPr lang="fr-FR" b="1" dirty="0"/>
-          </a:p>
-        </p:txBody>
-      </p:sp>
-      <p:sp>
-        <p:nvSpPr>
-          <p:cNvPr id="47" name="Rectangle à coins arrondis 11"/>
-          <p:cNvSpPr/>
-          <p:nvPr/>
-        </p:nvSpPr>
-        <p:spPr>
-          <a:xfrm>
-            <a:off x="8749556" y="2446943"/>
-            <a:ext cx="1552575" cy="414337"/>
-          </a:xfrm>
-          <a:prstGeom prst="roundRect">
-            <a:avLst/>
-          </a:prstGeom>
-          <a:solidFill>
             <a:srgbClr val="FF0000"/>
           </a:solidFill>
           <a:ln w="28575">
@@ -19914,7 +18773,7 @@
             <a:pPr algn="ctr"/>
             <a:r>
               <a:rPr lang="fr-FR" b="1" dirty="0" smtClean="0"/>
-              <a:t>Logs</a:t>
+              <a:t>API</a:t>
             </a:r>
             <a:endParaRPr lang="fr-FR" b="1" dirty="0"/>
           </a:p>
@@ -19922,13 +18781,13 @@
       </p:sp>
       <p:sp>
         <p:nvSpPr>
-          <p:cNvPr id="48" name="Rectangle à coins arrondis 11"/>
+          <p:cNvPr id="47" name="Rectangle à coins arrondis 11"/>
           <p:cNvSpPr/>
           <p:nvPr/>
         </p:nvSpPr>
         <p:spPr>
           <a:xfrm>
-            <a:off x="8749555" y="2984760"/>
+            <a:off x="8749556" y="2446943"/>
             <a:ext cx="1552575" cy="414337"/>
           </a:xfrm>
           <a:prstGeom prst="roundRect">
@@ -19973,205 +18832,21 @@
             <a:pPr algn="ctr"/>
             <a:r>
               <a:rPr lang="fr-FR" b="1" dirty="0" smtClean="0"/>
-              <a:t>Delay actions</a:t>
+              <a:t>Logs</a:t>
             </a:r>
             <a:endParaRPr lang="fr-FR" b="1" dirty="0"/>
           </a:p>
         </p:txBody>
       </p:sp>
-      <p:cxnSp>
-        <p:nvCxnSpPr>
-          <p:cNvPr id="41" name="Straight Arrow Connector 40"/>
-          <p:cNvCxnSpPr/>
-          <p:nvPr/>
-        </p:nvCxnSpPr>
+      <p:sp>
+        <p:nvSpPr>
+          <p:cNvPr id="48" name="Rectangle à coins arrondis 11"/>
+          <p:cNvSpPr/>
+          <p:nvPr/>
+        </p:nvSpPr>
         <p:spPr>
           <a:xfrm>
-            <a:off x="7962901" y="2219800"/>
-            <a:ext cx="579119" cy="0"/>
-          </a:xfrm>
-          <a:prstGeom prst="straightConnector1">
-            <a:avLst/>
-          </a:prstGeom>
-          <a:ln w="38100">
-            <a:solidFill>
-              <a:srgbClr val="FF0000"/>
-            </a:solidFill>
-            <a:tailEnd type="arrow"/>
-          </a:ln>
-        </p:spPr>
-        <p:style>
-          <a:lnRef idx="1">
-            <a:schemeClr val="accent3"/>
-          </a:lnRef>
-          <a:fillRef idx="0">
-            <a:schemeClr val="accent3"/>
-          </a:fillRef>
-          <a:effectRef idx="0">
-            <a:schemeClr val="accent3"/>
-          </a:effectRef>
-          <a:fontRef idx="minor">
-            <a:schemeClr val="tx1"/>
-          </a:fontRef>
-        </p:style>
-      </p:cxnSp>
-      <p:cxnSp>
-        <p:nvCxnSpPr>
-          <p:cNvPr id="51" name="Straight Arrow Connector 50"/>
-          <p:cNvCxnSpPr/>
-          <p:nvPr/>
-        </p:nvCxnSpPr>
-        <p:spPr>
-          <a:xfrm flipH="1">
-            <a:off x="7955280" y="2365210"/>
-            <a:ext cx="579119" cy="0"/>
-          </a:xfrm>
-          <a:prstGeom prst="straightConnector1">
-            <a:avLst/>
-          </a:prstGeom>
-          <a:ln w="38100">
-            <a:solidFill>
-              <a:srgbClr val="FF0000"/>
-            </a:solidFill>
-            <a:tailEnd type="arrow"/>
-          </a:ln>
-        </p:spPr>
-        <p:style>
-          <a:lnRef idx="1">
-            <a:schemeClr val="accent3"/>
-          </a:lnRef>
-          <a:fillRef idx="0">
-            <a:schemeClr val="accent3"/>
-          </a:fillRef>
-          <a:effectRef idx="0">
-            <a:schemeClr val="accent3"/>
-          </a:effectRef>
-          <a:fontRef idx="minor">
-            <a:schemeClr val="tx1"/>
-          </a:fontRef>
-        </p:style>
-      </p:cxnSp>
-      <p:cxnSp>
-        <p:nvCxnSpPr>
-          <p:cNvPr id="49" name="Straight Arrow Connector 48"/>
-          <p:cNvCxnSpPr>
-            <a:stCxn id="23" idx="0"/>
-            <a:endCxn id="25" idx="2"/>
-          </p:cNvCxnSpPr>
-          <p:nvPr/>
-        </p:nvCxnSpPr>
-        <p:spPr>
-          <a:xfrm flipV="1">
-            <a:off x="4740751" y="2937193"/>
-            <a:ext cx="0" cy="1874482"/>
-          </a:xfrm>
-          <a:prstGeom prst="straightConnector1">
-            <a:avLst/>
-          </a:prstGeom>
-          <a:ln w="38100">
-            <a:tailEnd type="arrow"/>
-          </a:ln>
-        </p:spPr>
-        <p:style>
-          <a:lnRef idx="1">
-            <a:schemeClr val="accent3"/>
-          </a:lnRef>
-          <a:fillRef idx="0">
-            <a:schemeClr val="accent3"/>
-          </a:fillRef>
-          <a:effectRef idx="0">
-            <a:schemeClr val="accent3"/>
-          </a:effectRef>
-          <a:fontRef idx="minor">
-            <a:schemeClr val="tx1"/>
-          </a:fontRef>
-        </p:style>
-      </p:cxnSp>
-      <p:cxnSp>
-        <p:nvCxnSpPr>
-          <p:cNvPr id="54" name="Elbow Connector 53"/>
-          <p:cNvCxnSpPr>
-            <a:stCxn id="44" idx="2"/>
-            <a:endCxn id="23" idx="2"/>
-          </p:cNvCxnSpPr>
-          <p:nvPr/>
-        </p:nvCxnSpPr>
-        <p:spPr>
-          <a:xfrm rot="5400000" flipH="1">
-            <a:off x="5978664" y="4354812"/>
-            <a:ext cx="80049" cy="2555876"/>
-          </a:xfrm>
-          <a:prstGeom prst="bentConnector3">
-            <a:avLst>
-              <a:gd name="adj1" fmla="val -285575"/>
-            </a:avLst>
-          </a:prstGeom>
-          <a:ln w="38100">
-            <a:tailEnd type="arrow"/>
-          </a:ln>
-        </p:spPr>
-        <p:style>
-          <a:lnRef idx="1">
-            <a:schemeClr val="accent3"/>
-          </a:lnRef>
-          <a:fillRef idx="0">
-            <a:schemeClr val="accent3"/>
-          </a:fillRef>
-          <a:effectRef idx="0">
-            <a:schemeClr val="accent3"/>
-          </a:effectRef>
-          <a:fontRef idx="minor">
-            <a:schemeClr val="tx1"/>
-          </a:fontRef>
-        </p:style>
-      </p:cxnSp>
-      <p:cxnSp>
-        <p:nvCxnSpPr>
-          <p:cNvPr id="56" name="Elbow Connector 55"/>
-          <p:cNvCxnSpPr>
-            <a:stCxn id="25" idx="0"/>
-            <a:endCxn id="22" idx="0"/>
-          </p:cNvCxnSpPr>
-          <p:nvPr/>
-        </p:nvCxnSpPr>
-        <p:spPr>
-          <a:xfrm rot="5400000" flipH="1" flipV="1">
-            <a:off x="5960842" y="776707"/>
-            <a:ext cx="111720" cy="2551902"/>
-          </a:xfrm>
-          <a:prstGeom prst="bentConnector3">
-            <a:avLst>
-              <a:gd name="adj1" fmla="val 304619"/>
-            </a:avLst>
-          </a:prstGeom>
-          <a:ln w="38100">
-            <a:tailEnd type="arrow"/>
-          </a:ln>
-        </p:spPr>
-        <p:style>
-          <a:lnRef idx="1">
-            <a:schemeClr val="accent3"/>
-          </a:lnRef>
-          <a:fillRef idx="0">
-            <a:schemeClr val="accent3"/>
-          </a:fillRef>
-          <a:effectRef idx="0">
-            <a:schemeClr val="accent3"/>
-          </a:effectRef>
-          <a:fontRef idx="minor">
-            <a:schemeClr val="tx1"/>
-          </a:fontRef>
-        </p:style>
-      </p:cxnSp>
-      <p:sp>
-        <p:nvSpPr>
-          <p:cNvPr id="61" name="Rectangle à coins arrondis 11"/>
-          <p:cNvSpPr/>
-          <p:nvPr/>
-        </p:nvSpPr>
-        <p:spPr>
-          <a:xfrm>
-            <a:off x="8749555" y="3522577"/>
+            <a:off x="8749555" y="2984760"/>
             <a:ext cx="1552575" cy="414337"/>
           </a:xfrm>
           <a:prstGeom prst="roundRect">
@@ -20216,21 +18891,202 @@
             <a:pPr algn="ctr"/>
             <a:r>
               <a:rPr lang="fr-FR" b="1" dirty="0" smtClean="0"/>
-              <a:t>Loop actions</a:t>
+              <a:t>Delay actions</a:t>
             </a:r>
             <a:endParaRPr lang="fr-FR" b="1" dirty="0"/>
           </a:p>
         </p:txBody>
       </p:sp>
-      <p:sp>
-        <p:nvSpPr>
-          <p:cNvPr id="62" name="Rectangle à coins arrondis 11"/>
+      <p:cxnSp>
+        <p:nvCxnSpPr>
+          <p:cNvPr id="41" name="Straight Arrow Connector 40"/>
+          <p:cNvCxnSpPr/>
+          <p:nvPr/>
+        </p:nvCxnSpPr>
+        <p:spPr>
+          <a:xfrm>
+            <a:off x="7962901" y="2219800"/>
+            <a:ext cx="579119" cy="0"/>
+          </a:xfrm>
+          <a:prstGeom prst="straightConnector1">
+            <a:avLst/>
+          </a:prstGeom>
+          <a:ln w="38100">
+            <a:tailEnd type="arrow"/>
+          </a:ln>
+        </p:spPr>
+        <p:style>
+          <a:lnRef idx="1">
+            <a:schemeClr val="accent3"/>
+          </a:lnRef>
+          <a:fillRef idx="0">
+            <a:schemeClr val="accent3"/>
+          </a:fillRef>
+          <a:effectRef idx="0">
+            <a:schemeClr val="accent3"/>
+          </a:effectRef>
+          <a:fontRef idx="minor">
+            <a:schemeClr val="tx1"/>
+          </a:fontRef>
+        </p:style>
+      </p:cxnSp>
+      <p:cxnSp>
+        <p:nvCxnSpPr>
+          <p:cNvPr id="51" name="Straight Arrow Connector 50"/>
+          <p:cNvCxnSpPr/>
+          <p:nvPr/>
+        </p:nvCxnSpPr>
+        <p:spPr>
+          <a:xfrm flipH="1">
+            <a:off x="7955280" y="2365210"/>
+            <a:ext cx="579119" cy="0"/>
+          </a:xfrm>
+          <a:prstGeom prst="straightConnector1">
+            <a:avLst/>
+          </a:prstGeom>
+          <a:ln w="38100">
+            <a:solidFill>
+              <a:srgbClr val="FF0000"/>
+            </a:solidFill>
+            <a:tailEnd type="arrow"/>
+          </a:ln>
+        </p:spPr>
+        <p:style>
+          <a:lnRef idx="1">
+            <a:schemeClr val="accent3"/>
+          </a:lnRef>
+          <a:fillRef idx="0">
+            <a:schemeClr val="accent3"/>
+          </a:fillRef>
+          <a:effectRef idx="0">
+            <a:schemeClr val="accent3"/>
+          </a:effectRef>
+          <a:fontRef idx="minor">
+            <a:schemeClr val="tx1"/>
+          </a:fontRef>
+        </p:style>
+      </p:cxnSp>
+      <p:cxnSp>
+        <p:nvCxnSpPr>
+          <p:cNvPr id="49" name="Straight Arrow Connector 48"/>
+          <p:cNvCxnSpPr>
+            <a:stCxn id="23" idx="0"/>
+            <a:endCxn id="25" idx="2"/>
+          </p:cNvCxnSpPr>
+          <p:nvPr/>
+        </p:nvCxnSpPr>
+        <p:spPr>
+          <a:xfrm flipV="1">
+            <a:off x="4740751" y="2937193"/>
+            <a:ext cx="0" cy="1874482"/>
+          </a:xfrm>
+          <a:prstGeom prst="straightConnector1">
+            <a:avLst/>
+          </a:prstGeom>
+          <a:ln w="38100">
+            <a:tailEnd type="arrow"/>
+          </a:ln>
+        </p:spPr>
+        <p:style>
+          <a:lnRef idx="1">
+            <a:schemeClr val="accent3"/>
+          </a:lnRef>
+          <a:fillRef idx="0">
+            <a:schemeClr val="accent3"/>
+          </a:fillRef>
+          <a:effectRef idx="0">
+            <a:schemeClr val="accent3"/>
+          </a:effectRef>
+          <a:fontRef idx="minor">
+            <a:schemeClr val="tx1"/>
+          </a:fontRef>
+        </p:style>
+      </p:cxnSp>
+      <p:cxnSp>
+        <p:nvCxnSpPr>
+          <p:cNvPr id="54" name="Elbow Connector 53"/>
+          <p:cNvCxnSpPr>
+            <a:stCxn id="44" idx="2"/>
+            <a:endCxn id="23" idx="2"/>
+          </p:cNvCxnSpPr>
+          <p:nvPr/>
+        </p:nvCxnSpPr>
+        <p:spPr>
+          <a:xfrm rot="5400000" flipH="1">
+            <a:off x="5978664" y="4354812"/>
+            <a:ext cx="80049" cy="2555876"/>
+          </a:xfrm>
+          <a:prstGeom prst="bentConnector3">
+            <a:avLst>
+              <a:gd name="adj1" fmla="val -285575"/>
+            </a:avLst>
+          </a:prstGeom>
+          <a:ln w="38100">
+            <a:tailEnd type="arrow"/>
+          </a:ln>
+        </p:spPr>
+        <p:style>
+          <a:lnRef idx="1">
+            <a:schemeClr val="accent3"/>
+          </a:lnRef>
+          <a:fillRef idx="0">
+            <a:schemeClr val="accent3"/>
+          </a:fillRef>
+          <a:effectRef idx="0">
+            <a:schemeClr val="accent3"/>
+          </a:effectRef>
+          <a:fontRef idx="minor">
+            <a:schemeClr val="tx1"/>
+          </a:fontRef>
+        </p:style>
+      </p:cxnSp>
+      <p:cxnSp>
+        <p:nvCxnSpPr>
+          <p:cNvPr id="56" name="Elbow Connector 55"/>
+          <p:cNvCxnSpPr>
+            <a:stCxn id="25" idx="0"/>
+            <a:endCxn id="22" idx="0"/>
+          </p:cNvCxnSpPr>
+          <p:nvPr/>
+        </p:nvCxnSpPr>
+        <p:spPr>
+          <a:xfrm rot="5400000" flipH="1" flipV="1">
+            <a:off x="5960842" y="776707"/>
+            <a:ext cx="111720" cy="2551902"/>
+          </a:xfrm>
+          <a:prstGeom prst="bentConnector3">
+            <a:avLst>
+              <a:gd name="adj1" fmla="val 304619"/>
+            </a:avLst>
+          </a:prstGeom>
+          <a:ln w="38100">
+            <a:tailEnd type="arrow"/>
+          </a:ln>
+        </p:spPr>
+        <p:style>
+          <a:lnRef idx="1">
+            <a:schemeClr val="accent3"/>
+          </a:lnRef>
+          <a:fillRef idx="0">
+            <a:schemeClr val="accent3"/>
+          </a:fillRef>
+          <a:effectRef idx="0">
+            <a:schemeClr val="accent3"/>
+          </a:effectRef>
+          <a:fontRef idx="minor">
+            <a:schemeClr val="tx1"/>
+          </a:fontRef>
+        </p:style>
+      </p:cxnSp>
+      <p:sp>
+        <p:nvSpPr>
+          <p:cNvPr id="61" name="Rectangle à coins arrondis 11"/>
           <p:cNvSpPr/>
           <p:nvPr/>
         </p:nvSpPr>
         <p:spPr>
           <a:xfrm>
-            <a:off x="8749555" y="4060394"/>
+            <a:off x="8749555" y="3522577"/>
             <a:ext cx="1552575" cy="414337"/>
           </a:xfrm>
           <a:prstGeom prst="roundRect">
@@ -20275,7 +19131,7 @@
             <a:pPr algn="ctr"/>
             <a:r>
               <a:rPr lang="fr-FR" b="1" dirty="0" smtClean="0"/>
-              <a:t>Crash report</a:t>
+              <a:t>Loop actions</a:t>
             </a:r>
             <a:endParaRPr lang="fr-FR" b="1" dirty="0"/>
           </a:p>
@@ -20283,13 +19139,13 @@
       </p:sp>
       <p:sp>
         <p:nvSpPr>
-          <p:cNvPr id="63" name="Rectangle à coins arrondis 11"/>
+          <p:cNvPr id="62" name="Rectangle à coins arrondis 11"/>
           <p:cNvSpPr/>
           <p:nvPr/>
         </p:nvSpPr>
         <p:spPr>
           <a:xfrm>
-            <a:off x="8749555" y="4598210"/>
+            <a:off x="8749555" y="4060394"/>
             <a:ext cx="1552575" cy="414337"/>
           </a:xfrm>
           <a:prstGeom prst="roundRect">
@@ -20334,59 +19190,80 @@
             <a:pPr algn="ctr"/>
             <a:r>
               <a:rPr lang="fr-FR" b="1" dirty="0" smtClean="0"/>
+              <a:t>Crash report</a:t>
+            </a:r>
+            <a:endParaRPr lang="fr-FR" b="1" dirty="0"/>
+          </a:p>
+        </p:txBody>
+      </p:sp>
+      <p:sp>
+        <p:nvSpPr>
+          <p:cNvPr id="63" name="Rectangle à coins arrondis 11"/>
+          <p:cNvSpPr/>
+          <p:nvPr/>
+        </p:nvSpPr>
+        <p:spPr>
+          <a:xfrm>
+            <a:off x="8749555" y="4598210"/>
+            <a:ext cx="1552575" cy="414337"/>
+          </a:xfrm>
+          <a:prstGeom prst="roundRect">
+            <a:avLst/>
+          </a:prstGeom>
+          <a:solidFill>
+            <a:schemeClr val="accent2"/>
+          </a:solidFill>
+          <a:ln w="28575">
+            <a:solidFill>
+              <a:schemeClr val="bg1"/>
+            </a:solidFill>
+          </a:ln>
+          <a:effectLst>
+            <a:outerShdw blurRad="63500" sx="102000" sy="102000" algn="ctr" rotWithShape="0">
+              <a:prstClr val="black">
+                <a:alpha val="40000"/>
+              </a:prstClr>
+            </a:outerShdw>
+          </a:effectLst>
+        </p:spPr>
+        <p:style>
+          <a:lnRef idx="2">
+            <a:schemeClr val="accent1">
+              <a:shade val="50000"/>
+            </a:schemeClr>
+          </a:lnRef>
+          <a:fillRef idx="1">
+            <a:schemeClr val="accent1"/>
+          </a:fillRef>
+          <a:effectRef idx="0">
+            <a:schemeClr val="accent1"/>
+          </a:effectRef>
+          <a:fontRef idx="minor">
+            <a:schemeClr val="lt1"/>
+          </a:fontRef>
+        </p:style>
+        <p:txBody>
+          <a:bodyPr rtlCol="0" anchor="ctr"/>
+          <a:lstStyle/>
+          <a:p>
+            <a:pPr algn="ctr"/>
+            <a:r>
+              <a:rPr lang="fr-FR" b="1" dirty="0" smtClean="0"/>
               <a:t>…</a:t>
             </a:r>
             <a:endParaRPr lang="fr-FR" b="1" dirty="0"/>
           </a:p>
         </p:txBody>
       </p:sp>
-      <p:cxnSp>
-        <p:nvCxnSpPr>
-          <p:cNvPr id="20" name="Forme 58"/>
-          <p:cNvCxnSpPr>
-            <a:stCxn id="22" idx="2"/>
-            <a:endCxn id="24" idx="0"/>
-          </p:cNvCxnSpPr>
-          <p:nvPr/>
-        </p:nvCxnSpPr>
-        <p:spPr>
-          <a:xfrm rot="16200000" flipH="1">
-            <a:off x="7075429" y="3187961"/>
-            <a:ext cx="437626" cy="3179"/>
-          </a:xfrm>
-          <a:prstGeom prst="curvedConnector3">
-            <a:avLst>
-              <a:gd name="adj1" fmla="val 50000"/>
-            </a:avLst>
-          </a:prstGeom>
-          <a:ln w="38100">
-            <a:tailEnd type="arrow"/>
-          </a:ln>
-        </p:spPr>
-        <p:style>
-          <a:lnRef idx="1">
-            <a:schemeClr val="accent3"/>
-          </a:lnRef>
-          <a:fillRef idx="0">
-            <a:schemeClr val="accent3"/>
-          </a:fillRef>
-          <a:effectRef idx="0">
-            <a:schemeClr val="accent3"/>
-          </a:effectRef>
-          <a:fontRef idx="minor">
-            <a:schemeClr val="tx1"/>
-          </a:fontRef>
-        </p:style>
-      </p:cxnSp>
-      <p:sp>
-        <p:nvSpPr>
-          <p:cNvPr id="34" name="Rectangle 33"/>
+      <p:sp>
+        <p:nvSpPr>
+          <p:cNvPr id="31" name="Rectangle 30"/>
           <p:cNvSpPr/>
           <p:nvPr/>
         </p:nvSpPr>
         <p:spPr>
           <a:xfrm>
-            <a:off x="7955280" y="1800964"/>
+            <a:off x="8025395" y="2343150"/>
             <a:ext cx="766557" cy="369332"/>
           </a:xfrm>
           <a:prstGeom prst="rect">
@@ -20418,7 +19295,7 @@
     </p:spTree>
     <p:extLst>
       <p:ext uri="{BB962C8B-B14F-4D97-AF65-F5344CB8AC3E}">
-        <p14:creationId xmlns:p14="http://schemas.microsoft.com/office/powerpoint/2010/main" val="1283896326"/>
+        <p14:creationId xmlns:p14="http://schemas.microsoft.com/office/powerpoint/2010/main" val="128642618"/>
       </p:ext>
     </p:extLst>
   </p:cSld>
@@ -21131,9 +20008,6 @@
             </a:avLst>
           </a:prstGeom>
           <a:ln w="38100">
-            <a:solidFill>
-              <a:srgbClr val="FF0000"/>
-            </a:solidFill>
             <a:tailEnd type="arrow"/>
           </a:ln>
         </p:spPr>
@@ -21266,6 +20140,7 @@
               <a:rPr lang="fr-FR" b="1" dirty="0"/>
               <a:t>API</a:t>
             </a:r>
+            <a:endParaRPr lang="fr-FR" b="1" dirty="0"/>
           </a:p>
         </p:txBody>
       </p:sp>
@@ -21278,6 +20153,65 @@
         <p:spPr>
           <a:xfrm>
             <a:off x="8749556" y="2446943"/>
+            <a:ext cx="1552575" cy="414337"/>
+          </a:xfrm>
+          <a:prstGeom prst="roundRect">
+            <a:avLst/>
+          </a:prstGeom>
+          <a:solidFill>
+            <a:srgbClr val="FF0000"/>
+          </a:solidFill>
+          <a:ln w="28575">
+            <a:solidFill>
+              <a:schemeClr val="bg1"/>
+            </a:solidFill>
+          </a:ln>
+          <a:effectLst>
+            <a:outerShdw blurRad="63500" sx="102000" sy="102000" algn="ctr" rotWithShape="0">
+              <a:prstClr val="black">
+                <a:alpha val="40000"/>
+              </a:prstClr>
+            </a:outerShdw>
+          </a:effectLst>
+        </p:spPr>
+        <p:style>
+          <a:lnRef idx="2">
+            <a:schemeClr val="accent1">
+              <a:shade val="50000"/>
+            </a:schemeClr>
+          </a:lnRef>
+          <a:fillRef idx="1">
+            <a:schemeClr val="accent1"/>
+          </a:fillRef>
+          <a:effectRef idx="0">
+            <a:schemeClr val="accent1"/>
+          </a:effectRef>
+          <a:fontRef idx="minor">
+            <a:schemeClr val="lt1"/>
+          </a:fontRef>
+        </p:style>
+        <p:txBody>
+          <a:bodyPr rtlCol="0" anchor="ctr"/>
+          <a:lstStyle/>
+          <a:p>
+            <a:pPr algn="ctr"/>
+            <a:r>
+              <a:rPr lang="fr-FR" b="1" dirty="0" smtClean="0"/>
+              <a:t>Logs</a:t>
+            </a:r>
+            <a:endParaRPr lang="fr-FR" b="1" dirty="0"/>
+          </a:p>
+        </p:txBody>
+      </p:sp>
+      <p:sp>
+        <p:nvSpPr>
+          <p:cNvPr id="48" name="Rectangle à coins arrondis 11"/>
+          <p:cNvSpPr/>
+          <p:nvPr/>
+        </p:nvSpPr>
+        <p:spPr>
+          <a:xfrm>
+            <a:off x="8749555" y="2984760"/>
             <a:ext cx="1552575" cy="414337"/>
           </a:xfrm>
           <a:prstGeom prst="roundRect">
@@ -21321,21 +20255,206 @@
           <a:p>
             <a:pPr algn="ctr"/>
             <a:r>
-              <a:rPr lang="fr-FR" b="1" dirty="0"/>
-              <a:t>Logs</a:t>
-            </a:r>
-          </a:p>
-        </p:txBody>
-      </p:sp>
-      <p:sp>
-        <p:nvSpPr>
-          <p:cNvPr id="48" name="Rectangle à coins arrondis 11"/>
+              <a:rPr lang="fr-FR" b="1" dirty="0" smtClean="0"/>
+              <a:t>Delay actions</a:t>
+            </a:r>
+            <a:endParaRPr lang="fr-FR" b="1" dirty="0"/>
+          </a:p>
+        </p:txBody>
+      </p:sp>
+      <p:cxnSp>
+        <p:nvCxnSpPr>
+          <p:cNvPr id="41" name="Straight Arrow Connector 40"/>
+          <p:cNvCxnSpPr/>
+          <p:nvPr/>
+        </p:nvCxnSpPr>
+        <p:spPr>
+          <a:xfrm>
+            <a:off x="7962901" y="2219800"/>
+            <a:ext cx="579119" cy="0"/>
+          </a:xfrm>
+          <a:prstGeom prst="straightConnector1">
+            <a:avLst/>
+          </a:prstGeom>
+          <a:ln w="38100">
+            <a:solidFill>
+              <a:srgbClr val="FF0000"/>
+            </a:solidFill>
+            <a:tailEnd type="arrow"/>
+          </a:ln>
+        </p:spPr>
+        <p:style>
+          <a:lnRef idx="1">
+            <a:schemeClr val="accent3"/>
+          </a:lnRef>
+          <a:fillRef idx="0">
+            <a:schemeClr val="accent3"/>
+          </a:fillRef>
+          <a:effectRef idx="0">
+            <a:schemeClr val="accent3"/>
+          </a:effectRef>
+          <a:fontRef idx="minor">
+            <a:schemeClr val="tx1"/>
+          </a:fontRef>
+        </p:style>
+      </p:cxnSp>
+      <p:cxnSp>
+        <p:nvCxnSpPr>
+          <p:cNvPr id="51" name="Straight Arrow Connector 50"/>
+          <p:cNvCxnSpPr/>
+          <p:nvPr/>
+        </p:nvCxnSpPr>
+        <p:spPr>
+          <a:xfrm flipH="1">
+            <a:off x="7955280" y="2365210"/>
+            <a:ext cx="579119" cy="0"/>
+          </a:xfrm>
+          <a:prstGeom prst="straightConnector1">
+            <a:avLst/>
+          </a:prstGeom>
+          <a:ln w="38100">
+            <a:solidFill>
+              <a:srgbClr val="FF0000"/>
+            </a:solidFill>
+            <a:tailEnd type="arrow"/>
+          </a:ln>
+        </p:spPr>
+        <p:style>
+          <a:lnRef idx="1">
+            <a:schemeClr val="accent3"/>
+          </a:lnRef>
+          <a:fillRef idx="0">
+            <a:schemeClr val="accent3"/>
+          </a:fillRef>
+          <a:effectRef idx="0">
+            <a:schemeClr val="accent3"/>
+          </a:effectRef>
+          <a:fontRef idx="minor">
+            <a:schemeClr val="tx1"/>
+          </a:fontRef>
+        </p:style>
+      </p:cxnSp>
+      <p:cxnSp>
+        <p:nvCxnSpPr>
+          <p:cNvPr id="49" name="Straight Arrow Connector 48"/>
+          <p:cNvCxnSpPr>
+            <a:stCxn id="23" idx="0"/>
+            <a:endCxn id="25" idx="2"/>
+          </p:cNvCxnSpPr>
+          <p:nvPr/>
+        </p:nvCxnSpPr>
+        <p:spPr>
+          <a:xfrm flipV="1">
+            <a:off x="4740751" y="2937193"/>
+            <a:ext cx="0" cy="1874482"/>
+          </a:xfrm>
+          <a:prstGeom prst="straightConnector1">
+            <a:avLst/>
+          </a:prstGeom>
+          <a:ln w="38100">
+            <a:tailEnd type="arrow"/>
+          </a:ln>
+        </p:spPr>
+        <p:style>
+          <a:lnRef idx="1">
+            <a:schemeClr val="accent3"/>
+          </a:lnRef>
+          <a:fillRef idx="0">
+            <a:schemeClr val="accent3"/>
+          </a:fillRef>
+          <a:effectRef idx="0">
+            <a:schemeClr val="accent3"/>
+          </a:effectRef>
+          <a:fontRef idx="minor">
+            <a:schemeClr val="tx1"/>
+          </a:fontRef>
+        </p:style>
+      </p:cxnSp>
+      <p:cxnSp>
+        <p:nvCxnSpPr>
+          <p:cNvPr id="54" name="Elbow Connector 53"/>
+          <p:cNvCxnSpPr>
+            <a:stCxn id="44" idx="2"/>
+            <a:endCxn id="23" idx="2"/>
+          </p:cNvCxnSpPr>
+          <p:nvPr/>
+        </p:nvCxnSpPr>
+        <p:spPr>
+          <a:xfrm rot="5400000" flipH="1">
+            <a:off x="5978664" y="4354812"/>
+            <a:ext cx="80049" cy="2555876"/>
+          </a:xfrm>
+          <a:prstGeom prst="bentConnector3">
+            <a:avLst>
+              <a:gd name="adj1" fmla="val -285575"/>
+            </a:avLst>
+          </a:prstGeom>
+          <a:ln w="38100">
+            <a:tailEnd type="arrow"/>
+          </a:ln>
+        </p:spPr>
+        <p:style>
+          <a:lnRef idx="1">
+            <a:schemeClr val="accent3"/>
+          </a:lnRef>
+          <a:fillRef idx="0">
+            <a:schemeClr val="accent3"/>
+          </a:fillRef>
+          <a:effectRef idx="0">
+            <a:schemeClr val="accent3"/>
+          </a:effectRef>
+          <a:fontRef idx="minor">
+            <a:schemeClr val="tx1"/>
+          </a:fontRef>
+        </p:style>
+      </p:cxnSp>
+      <p:cxnSp>
+        <p:nvCxnSpPr>
+          <p:cNvPr id="56" name="Elbow Connector 55"/>
+          <p:cNvCxnSpPr>
+            <a:stCxn id="25" idx="0"/>
+            <a:endCxn id="22" idx="0"/>
+          </p:cNvCxnSpPr>
+          <p:nvPr/>
+        </p:nvCxnSpPr>
+        <p:spPr>
+          <a:xfrm rot="5400000" flipH="1" flipV="1">
+            <a:off x="5960842" y="776707"/>
+            <a:ext cx="111720" cy="2551902"/>
+          </a:xfrm>
+          <a:prstGeom prst="bentConnector3">
+            <a:avLst>
+              <a:gd name="adj1" fmla="val 304619"/>
+            </a:avLst>
+          </a:prstGeom>
+          <a:ln w="38100">
+            <a:tailEnd type="arrow"/>
+          </a:ln>
+        </p:spPr>
+        <p:style>
+          <a:lnRef idx="1">
+            <a:schemeClr val="accent3"/>
+          </a:lnRef>
+          <a:fillRef idx="0">
+            <a:schemeClr val="accent3"/>
+          </a:fillRef>
+          <a:effectRef idx="0">
+            <a:schemeClr val="accent3"/>
+          </a:effectRef>
+          <a:fontRef idx="minor">
+            <a:schemeClr val="tx1"/>
+          </a:fontRef>
+        </p:style>
+      </p:cxnSp>
+      <p:sp>
+        <p:nvSpPr>
+          <p:cNvPr id="61" name="Rectangle à coins arrondis 11"/>
           <p:cNvSpPr/>
           <p:nvPr/>
         </p:nvSpPr>
         <p:spPr>
           <a:xfrm>
-            <a:off x="8749555" y="2984760"/>
+            <a:off x="8749555" y="3522577"/>
             <a:ext cx="1552575" cy="414337"/>
           </a:xfrm>
           <a:prstGeom prst="roundRect">
@@ -21380,199 +20499,21 @@
             <a:pPr algn="ctr"/>
             <a:r>
               <a:rPr lang="fr-FR" b="1" dirty="0" smtClean="0"/>
-              <a:t>Delay actions</a:t>
+              <a:t>Loop actions</a:t>
             </a:r>
             <a:endParaRPr lang="fr-FR" b="1" dirty="0"/>
           </a:p>
         </p:txBody>
       </p:sp>
-      <p:cxnSp>
-        <p:nvCxnSpPr>
-          <p:cNvPr id="41" name="Straight Arrow Connector 40"/>
-          <p:cNvCxnSpPr/>
-          <p:nvPr/>
-        </p:nvCxnSpPr>
+      <p:sp>
+        <p:nvSpPr>
+          <p:cNvPr id="62" name="Rectangle à coins arrondis 11"/>
+          <p:cNvSpPr/>
+          <p:nvPr/>
+        </p:nvSpPr>
         <p:spPr>
           <a:xfrm>
-            <a:off x="7962901" y="2219800"/>
-            <a:ext cx="579119" cy="0"/>
-          </a:xfrm>
-          <a:prstGeom prst="straightConnector1">
-            <a:avLst/>
-          </a:prstGeom>
-          <a:ln w="38100">
-            <a:tailEnd type="arrow"/>
-          </a:ln>
-        </p:spPr>
-        <p:style>
-          <a:lnRef idx="1">
-            <a:schemeClr val="accent3"/>
-          </a:lnRef>
-          <a:fillRef idx="0">
-            <a:schemeClr val="accent3"/>
-          </a:fillRef>
-          <a:effectRef idx="0">
-            <a:schemeClr val="accent3"/>
-          </a:effectRef>
-          <a:fontRef idx="minor">
-            <a:schemeClr val="tx1"/>
-          </a:fontRef>
-        </p:style>
-      </p:cxnSp>
-      <p:cxnSp>
-        <p:nvCxnSpPr>
-          <p:cNvPr id="51" name="Straight Arrow Connector 50"/>
-          <p:cNvCxnSpPr/>
-          <p:nvPr/>
-        </p:nvCxnSpPr>
-        <p:spPr>
-          <a:xfrm flipH="1">
-            <a:off x="7955280" y="2365210"/>
-            <a:ext cx="579119" cy="0"/>
-          </a:xfrm>
-          <a:prstGeom prst="straightConnector1">
-            <a:avLst/>
-          </a:prstGeom>
-          <a:ln w="38100">
-            <a:tailEnd type="arrow"/>
-          </a:ln>
-        </p:spPr>
-        <p:style>
-          <a:lnRef idx="1">
-            <a:schemeClr val="accent3"/>
-          </a:lnRef>
-          <a:fillRef idx="0">
-            <a:schemeClr val="accent3"/>
-          </a:fillRef>
-          <a:effectRef idx="0">
-            <a:schemeClr val="accent3"/>
-          </a:effectRef>
-          <a:fontRef idx="minor">
-            <a:schemeClr val="tx1"/>
-          </a:fontRef>
-        </p:style>
-      </p:cxnSp>
-      <p:cxnSp>
-        <p:nvCxnSpPr>
-          <p:cNvPr id="49" name="Straight Arrow Connector 48"/>
-          <p:cNvCxnSpPr>
-            <a:stCxn id="23" idx="0"/>
-            <a:endCxn id="25" idx="2"/>
-          </p:cNvCxnSpPr>
-          <p:nvPr/>
-        </p:nvCxnSpPr>
-        <p:spPr>
-          <a:xfrm flipV="1">
-            <a:off x="4740751" y="2937193"/>
-            <a:ext cx="0" cy="1874482"/>
-          </a:xfrm>
-          <a:prstGeom prst="straightConnector1">
-            <a:avLst/>
-          </a:prstGeom>
-          <a:ln w="38100">
-            <a:tailEnd type="arrow"/>
-          </a:ln>
-        </p:spPr>
-        <p:style>
-          <a:lnRef idx="1">
-            <a:schemeClr val="accent3"/>
-          </a:lnRef>
-          <a:fillRef idx="0">
-            <a:schemeClr val="accent3"/>
-          </a:fillRef>
-          <a:effectRef idx="0">
-            <a:schemeClr val="accent3"/>
-          </a:effectRef>
-          <a:fontRef idx="minor">
-            <a:schemeClr val="tx1"/>
-          </a:fontRef>
-        </p:style>
-      </p:cxnSp>
-      <p:cxnSp>
-        <p:nvCxnSpPr>
-          <p:cNvPr id="54" name="Elbow Connector 53"/>
-          <p:cNvCxnSpPr>
-            <a:stCxn id="44" idx="2"/>
-            <a:endCxn id="23" idx="2"/>
-          </p:cNvCxnSpPr>
-          <p:nvPr/>
-        </p:nvCxnSpPr>
-        <p:spPr>
-          <a:xfrm rot="5400000" flipH="1">
-            <a:off x="5978664" y="4354812"/>
-            <a:ext cx="80049" cy="2555876"/>
-          </a:xfrm>
-          <a:prstGeom prst="bentConnector3">
-            <a:avLst>
-              <a:gd name="adj1" fmla="val -285575"/>
-            </a:avLst>
-          </a:prstGeom>
-          <a:ln w="38100">
-            <a:tailEnd type="arrow"/>
-          </a:ln>
-        </p:spPr>
-        <p:style>
-          <a:lnRef idx="1">
-            <a:schemeClr val="accent3"/>
-          </a:lnRef>
-          <a:fillRef idx="0">
-            <a:schemeClr val="accent3"/>
-          </a:fillRef>
-          <a:effectRef idx="0">
-            <a:schemeClr val="accent3"/>
-          </a:effectRef>
-          <a:fontRef idx="minor">
-            <a:schemeClr val="tx1"/>
-          </a:fontRef>
-        </p:style>
-      </p:cxnSp>
-      <p:cxnSp>
-        <p:nvCxnSpPr>
-          <p:cNvPr id="56" name="Elbow Connector 55"/>
-          <p:cNvCxnSpPr>
-            <a:stCxn id="25" idx="0"/>
-            <a:endCxn id="22" idx="0"/>
-          </p:cNvCxnSpPr>
-          <p:nvPr/>
-        </p:nvCxnSpPr>
-        <p:spPr>
-          <a:xfrm rot="5400000" flipH="1" flipV="1">
-            <a:off x="5960842" y="776707"/>
-            <a:ext cx="111720" cy="2551902"/>
-          </a:xfrm>
-          <a:prstGeom prst="bentConnector3">
-            <a:avLst>
-              <a:gd name="adj1" fmla="val 304619"/>
-            </a:avLst>
-          </a:prstGeom>
-          <a:ln w="38100">
-            <a:tailEnd type="arrow"/>
-          </a:ln>
-        </p:spPr>
-        <p:style>
-          <a:lnRef idx="1">
-            <a:schemeClr val="accent3"/>
-          </a:lnRef>
-          <a:fillRef idx="0">
-            <a:schemeClr val="accent3"/>
-          </a:fillRef>
-          <a:effectRef idx="0">
-            <a:schemeClr val="accent3"/>
-          </a:effectRef>
-          <a:fontRef idx="minor">
-            <a:schemeClr val="tx1"/>
-          </a:fontRef>
-        </p:style>
-      </p:cxnSp>
-      <p:sp>
-        <p:nvSpPr>
-          <p:cNvPr id="61" name="Rectangle à coins arrondis 11"/>
-          <p:cNvSpPr/>
-          <p:nvPr/>
-        </p:nvSpPr>
-        <p:spPr>
-          <a:xfrm>
-            <a:off x="8749555" y="3522577"/>
+            <a:off x="8749555" y="4060394"/>
             <a:ext cx="1552575" cy="414337"/>
           </a:xfrm>
           <a:prstGeom prst="roundRect">
@@ -21617,7 +20558,7 @@
             <a:pPr algn="ctr"/>
             <a:r>
               <a:rPr lang="fr-FR" b="1" dirty="0" smtClean="0"/>
-              <a:t>Loop actions</a:t>
+              <a:t>Crash report</a:t>
             </a:r>
             <a:endParaRPr lang="fr-FR" b="1" dirty="0"/>
           </a:p>
@@ -21625,13 +20566,13 @@
       </p:sp>
       <p:sp>
         <p:nvSpPr>
-          <p:cNvPr id="62" name="Rectangle à coins arrondis 11"/>
+          <p:cNvPr id="63" name="Rectangle à coins arrondis 11"/>
           <p:cNvSpPr/>
           <p:nvPr/>
         </p:nvSpPr>
         <p:spPr>
           <a:xfrm>
-            <a:off x="8749555" y="4060394"/>
+            <a:off x="8749555" y="4598210"/>
             <a:ext cx="1552575" cy="414337"/>
           </a:xfrm>
           <a:prstGeom prst="roundRect">
@@ -21676,65 +20617,6 @@
             <a:pPr algn="ctr"/>
             <a:r>
               <a:rPr lang="fr-FR" b="1" dirty="0" smtClean="0"/>
-              <a:t>Crash report</a:t>
-            </a:r>
-            <a:endParaRPr lang="fr-FR" b="1" dirty="0"/>
-          </a:p>
-        </p:txBody>
-      </p:sp>
-      <p:sp>
-        <p:nvSpPr>
-          <p:cNvPr id="63" name="Rectangle à coins arrondis 11"/>
-          <p:cNvSpPr/>
-          <p:nvPr/>
-        </p:nvSpPr>
-        <p:spPr>
-          <a:xfrm>
-            <a:off x="8749555" y="4598210"/>
-            <a:ext cx="1552575" cy="414337"/>
-          </a:xfrm>
-          <a:prstGeom prst="roundRect">
-            <a:avLst/>
-          </a:prstGeom>
-          <a:solidFill>
-            <a:schemeClr val="accent2"/>
-          </a:solidFill>
-          <a:ln w="28575">
-            <a:solidFill>
-              <a:schemeClr val="bg1"/>
-            </a:solidFill>
-          </a:ln>
-          <a:effectLst>
-            <a:outerShdw blurRad="63500" sx="102000" sy="102000" algn="ctr" rotWithShape="0">
-              <a:prstClr val="black">
-                <a:alpha val="40000"/>
-              </a:prstClr>
-            </a:outerShdw>
-          </a:effectLst>
-        </p:spPr>
-        <p:style>
-          <a:lnRef idx="2">
-            <a:schemeClr val="accent1">
-              <a:shade val="50000"/>
-            </a:schemeClr>
-          </a:lnRef>
-          <a:fillRef idx="1">
-            <a:schemeClr val="accent1"/>
-          </a:fillRef>
-          <a:effectRef idx="0">
-            <a:schemeClr val="accent1"/>
-          </a:effectRef>
-          <a:fontRef idx="minor">
-            <a:schemeClr val="lt1"/>
-          </a:fontRef>
-        </p:style>
-        <p:txBody>
-          <a:bodyPr rtlCol="0" anchor="ctr"/>
-          <a:lstStyle/>
-          <a:p>
-            <a:pPr algn="ctr"/>
-            <a:r>
-              <a:rPr lang="fr-FR" b="1" dirty="0" smtClean="0"/>
               <a:t>…</a:t>
             </a:r>
             <a:endParaRPr lang="fr-FR" b="1" dirty="0"/>
@@ -21746,14 +20628,14 @@
           <p:cNvPr id="20" name="Forme 58"/>
           <p:cNvCxnSpPr>
             <a:stCxn id="22" idx="2"/>
-            <a:endCxn id="26" idx="0"/>
+            <a:endCxn id="24" idx="0"/>
           </p:cNvCxnSpPr>
           <p:nvPr/>
         </p:nvCxnSpPr>
         <p:spPr>
           <a:xfrm rot="16200000" flipH="1">
-            <a:off x="6830241" y="3433150"/>
-            <a:ext cx="928799" cy="3974"/>
+            <a:off x="7075429" y="3187961"/>
+            <a:ext cx="437626" cy="3179"/>
           </a:xfrm>
           <a:prstGeom prst="curvedConnector3">
             <a:avLst>
@@ -21761,9 +20643,6 @@
             </a:avLst>
           </a:prstGeom>
           <a:ln w="38100">
-            <a:solidFill>
-              <a:srgbClr val="FF0000"/>
-            </a:solidFill>
             <a:tailEnd type="arrow"/>
           </a:ln>
         </p:spPr>
@@ -21784,50 +20663,13 @@
       </p:cxnSp>
       <p:sp>
         <p:nvSpPr>
-          <p:cNvPr id="32" name="Rectangle 31"/>
+          <p:cNvPr id="34" name="Rectangle 33"/>
           <p:cNvSpPr/>
           <p:nvPr/>
         </p:nvSpPr>
         <p:spPr>
           <a:xfrm>
-            <a:off x="5749808" y="4228878"/>
-            <a:ext cx="644344" cy="369332"/>
-          </a:xfrm>
-          <a:prstGeom prst="rect">
-            <a:avLst/>
-          </a:prstGeom>
-        </p:spPr>
-        <p:txBody>
-          <a:bodyPr wrap="none">
-            <a:spAutoFit/>
-          </a:bodyPr>
-          <a:lstStyle/>
-          <a:p>
-            <a:r>
-              <a:rPr lang="en-US" dirty="0" smtClean="0">
-                <a:solidFill>
-                  <a:srgbClr val="FF0000"/>
-                </a:solidFill>
-              </a:rPr>
-              <a:t>state</a:t>
-            </a:r>
-            <a:endParaRPr lang="fr-FR" dirty="0">
-              <a:solidFill>
-                <a:srgbClr val="FF0000"/>
-              </a:solidFill>
-            </a:endParaRPr>
-          </a:p>
-        </p:txBody>
-      </p:sp>
-      <p:sp>
-        <p:nvSpPr>
-          <p:cNvPr id="33" name="Rectangle 32"/>
-          <p:cNvSpPr/>
-          <p:nvPr/>
-        </p:nvSpPr>
-        <p:spPr>
-          <a:xfrm>
-            <a:off x="7251642" y="3004885"/>
+            <a:off x="7955280" y="1800964"/>
             <a:ext cx="766557" cy="369332"/>
           </a:xfrm>
           <a:prstGeom prst="rect">
@@ -21859,7 +20701,7 @@
     </p:spTree>
     <p:extLst>
       <p:ext uri="{BB962C8B-B14F-4D97-AF65-F5344CB8AC3E}">
-        <p14:creationId xmlns:p14="http://schemas.microsoft.com/office/powerpoint/2010/main" val="2685233104"/>
+        <p14:creationId xmlns:p14="http://schemas.microsoft.com/office/powerpoint/2010/main" val="1283896326"/>
       </p:ext>
     </p:extLst>
   </p:cSld>
@@ -21998,44 +20840,6 @@
           </a:p>
         </p:txBody>
       </p:sp>
-      <p:cxnSp>
-        <p:nvCxnSpPr>
-          <p:cNvPr id="20" name="Forme 58"/>
-          <p:cNvCxnSpPr>
-            <a:stCxn id="22" idx="2"/>
-            <a:endCxn id="24" idx="0"/>
-          </p:cNvCxnSpPr>
-          <p:nvPr/>
-        </p:nvCxnSpPr>
-        <p:spPr>
-          <a:xfrm rot="16200000" flipH="1">
-            <a:off x="7075429" y="3187961"/>
-            <a:ext cx="437626" cy="3179"/>
-          </a:xfrm>
-          <a:prstGeom prst="curvedConnector3">
-            <a:avLst>
-              <a:gd name="adj1" fmla="val 50000"/>
-            </a:avLst>
-          </a:prstGeom>
-          <a:ln w="38100">
-            <a:tailEnd type="arrow"/>
-          </a:ln>
-        </p:spPr>
-        <p:style>
-          <a:lnRef idx="1">
-            <a:schemeClr val="accent3"/>
-          </a:lnRef>
-          <a:fillRef idx="0">
-            <a:schemeClr val="accent3"/>
-          </a:fillRef>
-          <a:effectRef idx="0">
-            <a:schemeClr val="accent3"/>
-          </a:effectRef>
-          <a:fontRef idx="minor">
-            <a:schemeClr val="tx1"/>
-          </a:fontRef>
-        </p:style>
-      </p:cxnSp>
       <p:sp>
         <p:nvSpPr>
           <p:cNvPr id="22" name="Rectangle à coins arrondis 8"/>
@@ -22610,6 +21414,9 @@
             </a:avLst>
           </a:prstGeom>
           <a:ln w="38100">
+            <a:solidFill>
+              <a:srgbClr val="FF0000"/>
+            </a:solidFill>
             <a:tailEnd type="arrow"/>
           </a:ln>
         </p:spPr>
@@ -22797,10 +21604,9 @@
           <a:p>
             <a:pPr algn="ctr"/>
             <a:r>
-              <a:rPr lang="fr-FR" b="1" dirty="0" smtClean="0"/>
+              <a:rPr lang="fr-FR" b="1" dirty="0"/>
               <a:t>Logs</a:t>
             </a:r>
-            <a:endParaRPr lang="fr-FR" b="1" dirty="0"/>
           </a:p>
         </p:txBody>
       </p:sp>
@@ -22985,9 +21791,6 @@
             </a:avLst>
           </a:prstGeom>
           <a:ln w="38100">
-            <a:solidFill>
-              <a:srgbClr val="FF0000"/>
-            </a:solidFill>
             <a:tailEnd type="arrow"/>
           </a:ln>
         </p:spPr>
@@ -23221,16 +22024,57 @@
           </a:p>
         </p:txBody>
       </p:sp>
-      <p:sp>
-        <p:nvSpPr>
-          <p:cNvPr id="31" name="Rectangle 30"/>
+      <p:cxnSp>
+        <p:nvCxnSpPr>
+          <p:cNvPr id="20" name="Forme 58"/>
+          <p:cNvCxnSpPr>
+            <a:stCxn id="22" idx="2"/>
+            <a:endCxn id="26" idx="0"/>
+          </p:cNvCxnSpPr>
+          <p:nvPr/>
+        </p:nvCxnSpPr>
+        <p:spPr>
+          <a:xfrm rot="16200000" flipH="1">
+            <a:off x="6830241" y="3433150"/>
+            <a:ext cx="928799" cy="3974"/>
+          </a:xfrm>
+          <a:prstGeom prst="curvedConnector3">
+            <a:avLst>
+              <a:gd name="adj1" fmla="val 50000"/>
+            </a:avLst>
+          </a:prstGeom>
+          <a:ln w="38100">
+            <a:solidFill>
+              <a:srgbClr val="FF0000"/>
+            </a:solidFill>
+            <a:tailEnd type="arrow"/>
+          </a:ln>
+        </p:spPr>
+        <p:style>
+          <a:lnRef idx="1">
+            <a:schemeClr val="accent3"/>
+          </a:lnRef>
+          <a:fillRef idx="0">
+            <a:schemeClr val="accent3"/>
+          </a:fillRef>
+          <a:effectRef idx="0">
+            <a:schemeClr val="accent3"/>
+          </a:effectRef>
+          <a:fontRef idx="minor">
+            <a:schemeClr val="tx1"/>
+          </a:fontRef>
+        </p:style>
+      </p:cxnSp>
+      <p:sp>
+        <p:nvSpPr>
+          <p:cNvPr id="32" name="Rectangle 31"/>
           <p:cNvSpPr/>
           <p:nvPr/>
         </p:nvSpPr>
         <p:spPr>
           <a:xfrm>
-            <a:off x="5633423" y="5901927"/>
-            <a:ext cx="1098442" cy="369332"/>
+            <a:off x="5749808" y="4228878"/>
+            <a:ext cx="644344" cy="369332"/>
           </a:xfrm>
           <a:prstGeom prst="rect">
             <a:avLst/>
@@ -23248,7 +22092,7 @@
                   <a:srgbClr val="FF0000"/>
                 </a:solidFill>
               </a:rPr>
-              <a:t>new state</a:t>
+              <a:t>state</a:t>
             </a:r>
             <a:endParaRPr lang="fr-FR" dirty="0">
               <a:solidFill>
@@ -23258,10 +22102,47 @@
           </a:p>
         </p:txBody>
       </p:sp>
+      <p:sp>
+        <p:nvSpPr>
+          <p:cNvPr id="33" name="Rectangle 32"/>
+          <p:cNvSpPr/>
+          <p:nvPr/>
+        </p:nvSpPr>
+        <p:spPr>
+          <a:xfrm>
+            <a:off x="7251642" y="3004885"/>
+            <a:ext cx="766557" cy="369332"/>
+          </a:xfrm>
+          <a:prstGeom prst="rect">
+            <a:avLst/>
+          </a:prstGeom>
+        </p:spPr>
+        <p:txBody>
+          <a:bodyPr wrap="none">
+            <a:spAutoFit/>
+          </a:bodyPr>
+          <a:lstStyle/>
+          <a:p>
+            <a:r>
+              <a:rPr lang="en-US" dirty="0" smtClean="0">
+                <a:solidFill>
+                  <a:srgbClr val="FF0000"/>
+                </a:solidFill>
+              </a:rPr>
+              <a:t>action</a:t>
+            </a:r>
+            <a:endParaRPr lang="fr-FR" dirty="0">
+              <a:solidFill>
+                <a:srgbClr val="FF0000"/>
+              </a:solidFill>
+            </a:endParaRPr>
+          </a:p>
+        </p:txBody>
+      </p:sp>
     </p:spTree>
     <p:extLst>
       <p:ext uri="{BB962C8B-B14F-4D97-AF65-F5344CB8AC3E}">
-        <p14:creationId xmlns:p14="http://schemas.microsoft.com/office/powerpoint/2010/main" val="899195258"/>
+        <p14:creationId xmlns:p14="http://schemas.microsoft.com/office/powerpoint/2010/main" val="2685233104"/>
       </p:ext>
     </p:extLst>
   </p:cSld>
@@ -23453,7 +22334,7 @@
       </p:grpSpPr>
       <p:sp>
         <p:nvSpPr>
-          <p:cNvPr id="2" name="Title 1"/>
+          <p:cNvPr id="2" name="Titre 1"/>
           <p:cNvSpPr>
             <a:spLocks noGrp="1"/>
           </p:cNvSpPr>
@@ -23467,8 +22348,20 @@
           <a:lstStyle/>
           <a:p>
             <a:r>
-              <a:rPr lang="en-US" dirty="0" smtClean="0"/>
-              <a:t>Redux – reducers and combinations</a:t>
+              <a:rPr lang="fr-FR" dirty="0" err="1" smtClean="0"/>
+              <a:t>Redux</a:t>
+            </a:r>
+            <a:r>
+              <a:rPr lang="fr-FR" dirty="0" smtClean="0"/>
+              <a:t> – </a:t>
+            </a:r>
+            <a:r>
+              <a:rPr lang="fr-FR" dirty="0" err="1" smtClean="0"/>
+              <a:t>workflow</a:t>
+            </a:r>
+            <a:r>
+              <a:rPr lang="fr-FR" dirty="0" smtClean="0"/>
+              <a:t> </a:t>
             </a:r>
             <a:endParaRPr lang="fr-FR" dirty="0"/>
           </a:p>
@@ -23476,227 +22369,7 @@
       </p:sp>
       <p:sp>
         <p:nvSpPr>
-          <p:cNvPr id="3" name="Content Placeholder 2"/>
-          <p:cNvSpPr>
-            <a:spLocks noGrp="1"/>
-          </p:cNvSpPr>
-          <p:nvPr>
-            <p:ph idx="1"/>
-          </p:nvPr>
-        </p:nvSpPr>
-        <p:spPr/>
-        <p:txBody>
-          <a:bodyPr>
-            <a:normAutofit/>
-          </a:bodyPr>
-          <a:lstStyle/>
-          <a:p>
-            <a:r>
-              <a:rPr lang="en-US" dirty="0" smtClean="0"/>
-              <a:t>One reducer </a:t>
-            </a:r>
-            <a:r>
-              <a:rPr lang="en-US" b="1" i="1" dirty="0" smtClean="0"/>
-              <a:t>a</a:t>
-            </a:r>
-            <a:endParaRPr lang="en-US" i="1" dirty="0" smtClean="0"/>
-          </a:p>
-          <a:p>
-            <a:pPr lvl="1"/>
-            <a:r>
-              <a:rPr lang="en-US" dirty="0" smtClean="0"/>
-              <a:t>State will be </a:t>
-            </a:r>
-            <a:r>
-              <a:rPr lang="en-US" b="1" i="1" dirty="0" smtClean="0"/>
-              <a:t>state = { a: {…} }</a:t>
-            </a:r>
-          </a:p>
-          <a:p>
-            <a:pPr lvl="1"/>
-            <a:r>
-              <a:rPr lang="en-US" dirty="0"/>
-              <a:t>When reducer </a:t>
-            </a:r>
-            <a:r>
-              <a:rPr lang="en-US" b="1" dirty="0"/>
-              <a:t>a</a:t>
-            </a:r>
-            <a:r>
-              <a:rPr lang="en-US" dirty="0"/>
-              <a:t> activates, it’s input state is not </a:t>
-            </a:r>
-            <a:r>
-              <a:rPr lang="en-US" b="1" i="1" dirty="0"/>
-              <a:t>state </a:t>
-            </a:r>
-            <a:r>
-              <a:rPr lang="en-US" dirty="0"/>
-              <a:t>but </a:t>
-            </a:r>
-            <a:r>
-              <a:rPr lang="en-US" b="1" i="1" dirty="0" err="1" smtClean="0"/>
-              <a:t>state.a</a:t>
-            </a:r>
-            <a:endParaRPr lang="en-US" dirty="0" smtClean="0"/>
-          </a:p>
-          <a:p>
-            <a:r>
-              <a:rPr lang="en-US" dirty="0" smtClean="0"/>
-              <a:t>Combine 2 reducers </a:t>
-            </a:r>
-            <a:r>
-              <a:rPr lang="en-US" b="1" i="1" dirty="0" smtClean="0"/>
-              <a:t>(a, b)</a:t>
-            </a:r>
-          </a:p>
-          <a:p>
-            <a:pPr lvl="1"/>
-            <a:r>
-              <a:rPr lang="en-US" dirty="0" smtClean="0"/>
-              <a:t>State will be </a:t>
-            </a:r>
-            <a:r>
-              <a:rPr lang="en-US" b="1" i="1" dirty="0" smtClean="0"/>
-              <a:t>state = { a: { … }, b: { … } }</a:t>
-            </a:r>
-          </a:p>
-          <a:p>
-            <a:pPr lvl="1"/>
-            <a:r>
-              <a:rPr lang="en-US" dirty="0" smtClean="0"/>
-              <a:t>Reducer </a:t>
-            </a:r>
-            <a:r>
-              <a:rPr lang="en-US" b="1" i="1" dirty="0" smtClean="0"/>
-              <a:t>a </a:t>
-            </a:r>
-            <a:r>
-              <a:rPr lang="en-US" dirty="0" smtClean="0"/>
-              <a:t>consumes </a:t>
-            </a:r>
-            <a:r>
-              <a:rPr lang="en-US" b="1" i="1" dirty="0" err="1" smtClean="0"/>
-              <a:t>state.a</a:t>
-            </a:r>
-            <a:r>
-              <a:rPr lang="en-US" b="1" i="1" dirty="0" smtClean="0"/>
-              <a:t> </a:t>
-            </a:r>
-            <a:r>
-              <a:rPr lang="en-US" dirty="0" smtClean="0"/>
-              <a:t>and reducer </a:t>
-            </a:r>
-            <a:r>
-              <a:rPr lang="en-US" b="1" i="1" dirty="0" smtClean="0"/>
-              <a:t>b </a:t>
-            </a:r>
-            <a:r>
-              <a:rPr lang="en-US" b="1" i="1" dirty="0" err="1" smtClean="0"/>
-              <a:t>state.b</a:t>
-            </a:r>
-            <a:endParaRPr lang="en-US" b="1" i="1" dirty="0" smtClean="0"/>
-          </a:p>
-          <a:p>
-            <a:r>
-              <a:rPr lang="en-US" dirty="0" smtClean="0"/>
-              <a:t>Combine and sub-combine </a:t>
-            </a:r>
-            <a:r>
-              <a:rPr lang="en-US" b="1" i="1" dirty="0" smtClean="0"/>
-              <a:t>a, (b, c)</a:t>
-            </a:r>
-          </a:p>
-          <a:p>
-            <a:pPr lvl="1"/>
-            <a:r>
-              <a:rPr lang="en-US" dirty="0" smtClean="0"/>
-              <a:t>State will be </a:t>
-            </a:r>
-          </a:p>
-          <a:p>
-            <a:pPr lvl="2"/>
-            <a:r>
-              <a:rPr lang="en-US" b="1" i="1" dirty="0" smtClean="0"/>
-              <a:t>state = { a: { … }, </a:t>
-            </a:r>
-            <a:r>
-              <a:rPr lang="en-US" b="1" i="1" dirty="0" err="1" smtClean="0"/>
-              <a:t>bc</a:t>
-            </a:r>
-            <a:r>
-              <a:rPr lang="en-US" b="1" i="1" dirty="0" smtClean="0"/>
-              <a:t>: { b: { … }, c: { …} } } </a:t>
-            </a:r>
-          </a:p>
-          <a:p>
-            <a:pPr lvl="2"/>
-            <a:r>
-              <a:rPr lang="en-US" dirty="0" smtClean="0"/>
-              <a:t>or </a:t>
-            </a:r>
-            <a:r>
-              <a:rPr lang="en-US" b="1" i="1" dirty="0" smtClean="0"/>
-              <a:t>state = { </a:t>
-            </a:r>
-            <a:r>
-              <a:rPr lang="en-US" b="1" i="1" dirty="0"/>
-              <a:t>a: { … </a:t>
-            </a:r>
-            <a:r>
-              <a:rPr lang="en-US" b="1" i="1" dirty="0" smtClean="0"/>
-              <a:t>}, b</a:t>
-            </a:r>
-            <a:r>
-              <a:rPr lang="en-US" b="1" i="1" dirty="0"/>
-              <a:t>: { … }, c: { …} }</a:t>
-            </a:r>
-            <a:r>
-              <a:rPr lang="en-US" b="1" i="1" dirty="0" smtClean="0"/>
-              <a:t> </a:t>
-            </a:r>
-          </a:p>
-          <a:p>
-            <a:pPr lvl="1"/>
-            <a:r>
-              <a:rPr lang="en-US" dirty="0" smtClean="0"/>
-              <a:t>Reducer </a:t>
-            </a:r>
-            <a:r>
-              <a:rPr lang="en-US" b="1" i="1" dirty="0" err="1" smtClean="0"/>
-              <a:t>bc</a:t>
-            </a:r>
-            <a:r>
-              <a:rPr lang="en-US" b="1" i="1" dirty="0" smtClean="0"/>
-              <a:t> </a:t>
-            </a:r>
-            <a:r>
-              <a:rPr lang="en-US" dirty="0" smtClean="0"/>
-              <a:t>can exist as a sliced reducer that has access to </a:t>
-            </a:r>
-            <a:r>
-              <a:rPr lang="en-US" dirty="0" err="1" smtClean="0"/>
-              <a:t>state.b</a:t>
-            </a:r>
-            <a:r>
-              <a:rPr lang="en-US" dirty="0" smtClean="0"/>
-              <a:t> &amp; </a:t>
-            </a:r>
-            <a:r>
-              <a:rPr lang="en-US" dirty="0" err="1" smtClean="0"/>
-              <a:t>state.c</a:t>
-            </a:r>
-            <a:endParaRPr lang="en-US" dirty="0" smtClean="0"/>
-          </a:p>
-          <a:p>
-            <a:pPr lvl="1"/>
-            <a:endParaRPr lang="fr-FR" dirty="0"/>
-          </a:p>
-        </p:txBody>
-      </p:sp>
-      <p:sp>
-        <p:nvSpPr>
-          <p:cNvPr id="4" name="Date Placeholder 3"/>
+          <p:cNvPr id="4" name="Espace réservé de la date 3"/>
           <p:cNvSpPr>
             <a:spLocks noGrp="1"/>
           </p:cNvSpPr>
@@ -23719,7 +22392,7 @@
       </p:sp>
       <p:sp>
         <p:nvSpPr>
-          <p:cNvPr id="5" name="Footer Placeholder 4"/>
+          <p:cNvPr id="5" name="Espace réservé du pied de page 4"/>
           <p:cNvSpPr>
             <a:spLocks noGrp="1"/>
           </p:cNvSpPr>
@@ -23742,7 +22415,7 @@
       </p:sp>
       <p:sp>
         <p:nvSpPr>
-          <p:cNvPr id="6" name="Slide Number Placeholder 5"/>
+          <p:cNvPr id="6" name="Espace réservé du numéro de diapositive 5"/>
           <p:cNvSpPr>
             <a:spLocks noGrp="1"/>
           </p:cNvSpPr>
@@ -23764,16 +22437,1283 @@
           </a:p>
         </p:txBody>
       </p:sp>
+      <p:cxnSp>
+        <p:nvCxnSpPr>
+          <p:cNvPr id="20" name="Forme 58"/>
+          <p:cNvCxnSpPr>
+            <a:stCxn id="22" idx="2"/>
+            <a:endCxn id="24" idx="0"/>
+          </p:cNvCxnSpPr>
+          <p:nvPr/>
+        </p:nvCxnSpPr>
+        <p:spPr>
+          <a:xfrm rot="16200000" flipH="1">
+            <a:off x="7075429" y="3187961"/>
+            <a:ext cx="437626" cy="3179"/>
+          </a:xfrm>
+          <a:prstGeom prst="curvedConnector3">
+            <a:avLst>
+              <a:gd name="adj1" fmla="val 50000"/>
+            </a:avLst>
+          </a:prstGeom>
+          <a:ln w="38100">
+            <a:tailEnd type="arrow"/>
+          </a:ln>
+        </p:spPr>
+        <p:style>
+          <a:lnRef idx="1">
+            <a:schemeClr val="accent3"/>
+          </a:lnRef>
+          <a:fillRef idx="0">
+            <a:schemeClr val="accent3"/>
+          </a:fillRef>
+          <a:effectRef idx="0">
+            <a:schemeClr val="accent3"/>
+          </a:effectRef>
+          <a:fontRef idx="minor">
+            <a:schemeClr val="tx1"/>
+          </a:fontRef>
+        </p:style>
+      </p:cxnSp>
+      <p:sp>
+        <p:nvSpPr>
+          <p:cNvPr id="22" name="Rectangle à coins arrondis 8"/>
+          <p:cNvSpPr/>
+          <p:nvPr/>
+        </p:nvSpPr>
+        <p:spPr>
+          <a:xfrm>
+            <a:off x="6516365" y="1996798"/>
+            <a:ext cx="1552575" cy="973940"/>
+          </a:xfrm>
+          <a:prstGeom prst="roundRect">
+            <a:avLst/>
+          </a:prstGeom>
+          <a:solidFill>
+            <a:schemeClr val="bg2">
+              <a:lumMod val="25000"/>
+            </a:schemeClr>
+          </a:solidFill>
+          <a:ln w="28575">
+            <a:solidFill>
+              <a:schemeClr val="bg1"/>
+            </a:solidFill>
+          </a:ln>
+          <a:effectLst>
+            <a:outerShdw blurRad="63500" sx="102000" sy="102000" algn="ctr" rotWithShape="0">
+              <a:prstClr val="black">
+                <a:alpha val="40000"/>
+              </a:prstClr>
+            </a:outerShdw>
+          </a:effectLst>
+        </p:spPr>
+        <p:style>
+          <a:lnRef idx="2">
+            <a:schemeClr val="accent1">
+              <a:shade val="50000"/>
+            </a:schemeClr>
+          </a:lnRef>
+          <a:fillRef idx="1">
+            <a:schemeClr val="accent1"/>
+          </a:fillRef>
+          <a:effectRef idx="0">
+            <a:schemeClr val="accent1"/>
+          </a:effectRef>
+          <a:fontRef idx="minor">
+            <a:schemeClr val="lt1"/>
+          </a:fontRef>
+        </p:style>
+        <p:txBody>
+          <a:bodyPr rtlCol="0" anchor="b"/>
+          <a:lstStyle/>
+          <a:p>
+            <a:pPr algn="ctr"/>
+            <a:r>
+              <a:rPr lang="fr-FR" b="1" dirty="0" smtClean="0"/>
+              <a:t>Dispatcher</a:t>
+            </a:r>
+            <a:endParaRPr lang="fr-FR" b="1" dirty="0"/>
+          </a:p>
+        </p:txBody>
+      </p:sp>
+      <p:sp>
+        <p:nvSpPr>
+          <p:cNvPr id="23" name="Rectangle à coins arrondis 9"/>
+          <p:cNvSpPr/>
+          <p:nvPr/>
+        </p:nvSpPr>
+        <p:spPr>
+          <a:xfrm>
+            <a:off x="3964463" y="4811675"/>
+            <a:ext cx="1552575" cy="781050"/>
+          </a:xfrm>
+          <a:prstGeom prst="roundRect">
+            <a:avLst/>
+          </a:prstGeom>
+          <a:solidFill>
+            <a:schemeClr val="accent5"/>
+          </a:solidFill>
+          <a:ln w="28575">
+            <a:solidFill>
+              <a:schemeClr val="bg1"/>
+            </a:solidFill>
+          </a:ln>
+          <a:effectLst>
+            <a:outerShdw blurRad="63500" sx="102000" sy="102000" algn="ctr" rotWithShape="0">
+              <a:prstClr val="black">
+                <a:alpha val="40000"/>
+              </a:prstClr>
+            </a:outerShdw>
+          </a:effectLst>
+        </p:spPr>
+        <p:style>
+          <a:lnRef idx="2">
+            <a:schemeClr val="accent1">
+              <a:shade val="50000"/>
+            </a:schemeClr>
+          </a:lnRef>
+          <a:fillRef idx="1">
+            <a:schemeClr val="accent1"/>
+          </a:fillRef>
+          <a:effectRef idx="0">
+            <a:schemeClr val="accent1"/>
+          </a:effectRef>
+          <a:fontRef idx="minor">
+            <a:schemeClr val="lt1"/>
+          </a:fontRef>
+        </p:style>
+        <p:txBody>
+          <a:bodyPr rtlCol="0" anchor="ctr"/>
+          <a:lstStyle/>
+          <a:p>
+            <a:pPr algn="ctr"/>
+            <a:r>
+              <a:rPr lang="fr-FR" b="1" dirty="0" err="1" smtClean="0"/>
+              <a:t>View</a:t>
+            </a:r>
+            <a:endParaRPr lang="fr-FR" b="1" dirty="0"/>
+          </a:p>
+        </p:txBody>
+      </p:sp>
+      <p:sp>
+        <p:nvSpPr>
+          <p:cNvPr id="24" name="Rectangle à coins arrondis 10"/>
+          <p:cNvSpPr/>
+          <p:nvPr/>
+        </p:nvSpPr>
+        <p:spPr>
+          <a:xfrm>
+            <a:off x="6362701" y="3408364"/>
+            <a:ext cx="1866262" cy="2179320"/>
+          </a:xfrm>
+          <a:prstGeom prst="roundRect">
+            <a:avLst>
+              <a:gd name="adj" fmla="val 6613"/>
+            </a:avLst>
+          </a:prstGeom>
+          <a:solidFill>
+            <a:schemeClr val="accent4">
+              <a:lumMod val="60000"/>
+              <a:lumOff val="40000"/>
+            </a:schemeClr>
+          </a:solidFill>
+          <a:ln w="28575">
+            <a:solidFill>
+              <a:schemeClr val="bg1"/>
+            </a:solidFill>
+          </a:ln>
+          <a:effectLst>
+            <a:outerShdw blurRad="63500" sx="102000" sy="102000" algn="ctr" rotWithShape="0">
+              <a:prstClr val="black">
+                <a:alpha val="40000"/>
+              </a:prstClr>
+            </a:outerShdw>
+          </a:effectLst>
+        </p:spPr>
+        <p:style>
+          <a:lnRef idx="2">
+            <a:schemeClr val="accent1">
+              <a:shade val="50000"/>
+            </a:schemeClr>
+          </a:lnRef>
+          <a:fillRef idx="1">
+            <a:schemeClr val="accent1"/>
+          </a:fillRef>
+          <a:effectRef idx="0">
+            <a:schemeClr val="accent1"/>
+          </a:effectRef>
+          <a:fontRef idx="minor">
+            <a:schemeClr val="lt1"/>
+          </a:fontRef>
+        </p:style>
+        <p:txBody>
+          <a:bodyPr rtlCol="0" anchor="t"/>
+          <a:lstStyle/>
+          <a:p>
+            <a:pPr algn="ctr"/>
+            <a:r>
+              <a:rPr lang="fr-FR" b="1" dirty="0" smtClean="0">
+                <a:solidFill>
+                  <a:schemeClr val="tx1"/>
+                </a:solidFill>
+              </a:rPr>
+              <a:t>Store</a:t>
+            </a:r>
+            <a:endParaRPr lang="en-US" b="1" dirty="0">
+              <a:solidFill>
+                <a:schemeClr val="tx1"/>
+              </a:solidFill>
+            </a:endParaRPr>
+          </a:p>
+          <a:p>
+            <a:pPr algn="ctr"/>
+            <a:endParaRPr lang="fr-FR" b="1" dirty="0">
+              <a:solidFill>
+                <a:schemeClr val="tx1"/>
+              </a:solidFill>
+            </a:endParaRPr>
+          </a:p>
+        </p:txBody>
+      </p:sp>
+      <p:sp>
+        <p:nvSpPr>
+          <p:cNvPr id="25" name="Rectangle à coins arrondis 11"/>
+          <p:cNvSpPr/>
+          <p:nvPr/>
+        </p:nvSpPr>
+        <p:spPr>
+          <a:xfrm>
+            <a:off x="3964463" y="2108518"/>
+            <a:ext cx="1552575" cy="828675"/>
+          </a:xfrm>
+          <a:prstGeom prst="roundRect">
+            <a:avLst/>
+          </a:prstGeom>
+          <a:solidFill>
+            <a:schemeClr val="accent2"/>
+          </a:solidFill>
+          <a:ln w="28575">
+            <a:solidFill>
+              <a:schemeClr val="bg1"/>
+            </a:solidFill>
+          </a:ln>
+          <a:effectLst>
+            <a:outerShdw blurRad="63500" sx="102000" sy="102000" algn="ctr" rotWithShape="0">
+              <a:prstClr val="black">
+                <a:alpha val="40000"/>
+              </a:prstClr>
+            </a:outerShdw>
+          </a:effectLst>
+        </p:spPr>
+        <p:style>
+          <a:lnRef idx="2">
+            <a:schemeClr val="accent1">
+              <a:shade val="50000"/>
+            </a:schemeClr>
+          </a:lnRef>
+          <a:fillRef idx="1">
+            <a:schemeClr val="accent1"/>
+          </a:fillRef>
+          <a:effectRef idx="0">
+            <a:schemeClr val="accent1"/>
+          </a:effectRef>
+          <a:fontRef idx="minor">
+            <a:schemeClr val="lt1"/>
+          </a:fontRef>
+        </p:style>
+        <p:txBody>
+          <a:bodyPr rtlCol="0" anchor="ctr"/>
+          <a:lstStyle/>
+          <a:p>
+            <a:pPr algn="ctr"/>
+            <a:r>
+              <a:rPr lang="fr-FR" b="1" dirty="0" smtClean="0"/>
+              <a:t>Action</a:t>
+            </a:r>
+            <a:endParaRPr lang="fr-FR" b="1" dirty="0"/>
+          </a:p>
+        </p:txBody>
+      </p:sp>
+      <p:sp>
+        <p:nvSpPr>
+          <p:cNvPr id="26" name="Rectangle à coins arrondis 11"/>
+          <p:cNvSpPr/>
+          <p:nvPr/>
+        </p:nvSpPr>
+        <p:spPr>
+          <a:xfrm>
+            <a:off x="6630353" y="3899537"/>
+            <a:ext cx="1332548" cy="1194117"/>
+          </a:xfrm>
+          <a:prstGeom prst="roundRect">
+            <a:avLst>
+              <a:gd name="adj" fmla="val 9698"/>
+            </a:avLst>
+          </a:prstGeom>
+          <a:solidFill>
+            <a:schemeClr val="accent6"/>
+          </a:solidFill>
+          <a:ln w="28575">
+            <a:solidFill>
+              <a:schemeClr val="bg1"/>
+            </a:solidFill>
+          </a:ln>
+          <a:effectLst>
+            <a:outerShdw blurRad="63500" sx="102000" sy="102000" algn="ctr" rotWithShape="0">
+              <a:prstClr val="black">
+                <a:alpha val="40000"/>
+              </a:prstClr>
+            </a:outerShdw>
+          </a:effectLst>
+        </p:spPr>
+        <p:style>
+          <a:lnRef idx="2">
+            <a:schemeClr val="accent1">
+              <a:shade val="50000"/>
+            </a:schemeClr>
+          </a:lnRef>
+          <a:fillRef idx="1">
+            <a:schemeClr val="accent1"/>
+          </a:fillRef>
+          <a:effectRef idx="0">
+            <a:schemeClr val="accent1"/>
+          </a:effectRef>
+          <a:fontRef idx="minor">
+            <a:schemeClr val="lt1"/>
+          </a:fontRef>
+        </p:style>
+        <p:txBody>
+          <a:bodyPr rtlCol="0" anchor="t"/>
+          <a:lstStyle/>
+          <a:p>
+            <a:pPr algn="ctr"/>
+            <a:r>
+              <a:rPr lang="fr-FR" b="1" dirty="0" err="1" smtClean="0"/>
+              <a:t>Reducers</a:t>
+            </a:r>
+            <a:endParaRPr lang="en-US" b="1" dirty="0" smtClean="0"/>
+          </a:p>
+        </p:txBody>
+      </p:sp>
+      <p:sp>
+        <p:nvSpPr>
+          <p:cNvPr id="27" name="Rectangle à coins arrondis 11"/>
+          <p:cNvSpPr/>
+          <p:nvPr/>
+        </p:nvSpPr>
+        <p:spPr>
+          <a:xfrm>
+            <a:off x="6804461" y="4357143"/>
+            <a:ext cx="274717" cy="302537"/>
+          </a:xfrm>
+          <a:prstGeom prst="roundRect">
+            <a:avLst/>
+          </a:prstGeom>
+          <a:solidFill>
+            <a:schemeClr val="accent6">
+              <a:lumMod val="75000"/>
+            </a:schemeClr>
+          </a:solidFill>
+          <a:ln w="28575">
+            <a:noFill/>
+          </a:ln>
+          <a:effectLst>
+            <a:outerShdw blurRad="63500" sx="102000" sy="102000" algn="ctr" rotWithShape="0">
+              <a:prstClr val="black">
+                <a:alpha val="40000"/>
+              </a:prstClr>
+            </a:outerShdw>
+          </a:effectLst>
+        </p:spPr>
+        <p:style>
+          <a:lnRef idx="2">
+            <a:schemeClr val="accent1">
+              <a:shade val="50000"/>
+            </a:schemeClr>
+          </a:lnRef>
+          <a:fillRef idx="1">
+            <a:schemeClr val="accent1"/>
+          </a:fillRef>
+          <a:effectRef idx="0">
+            <a:schemeClr val="accent1"/>
+          </a:effectRef>
+          <a:fontRef idx="minor">
+            <a:schemeClr val="lt1"/>
+          </a:fontRef>
+        </p:style>
+        <p:txBody>
+          <a:bodyPr rtlCol="0" anchor="ctr"/>
+          <a:lstStyle/>
+          <a:p>
+            <a:pPr algn="ctr"/>
+            <a:r>
+              <a:rPr lang="fr-FR" b="1" dirty="0" smtClean="0"/>
+              <a:t>R</a:t>
+            </a:r>
+            <a:endParaRPr lang="en-US" b="1" dirty="0" smtClean="0"/>
+          </a:p>
+        </p:txBody>
+      </p:sp>
+      <p:sp>
+        <p:nvSpPr>
+          <p:cNvPr id="28" name="Rectangle à coins arrondis 11"/>
+          <p:cNvSpPr/>
+          <p:nvPr/>
+        </p:nvSpPr>
+        <p:spPr>
+          <a:xfrm>
+            <a:off x="7155295" y="4689458"/>
+            <a:ext cx="274717" cy="302537"/>
+          </a:xfrm>
+          <a:prstGeom prst="roundRect">
+            <a:avLst/>
+          </a:prstGeom>
+          <a:solidFill>
+            <a:schemeClr val="accent6">
+              <a:lumMod val="75000"/>
+            </a:schemeClr>
+          </a:solidFill>
+          <a:ln w="28575">
+            <a:noFill/>
+          </a:ln>
+          <a:effectLst>
+            <a:outerShdw blurRad="63500" sx="102000" sy="102000" algn="ctr" rotWithShape="0">
+              <a:prstClr val="black">
+                <a:alpha val="40000"/>
+              </a:prstClr>
+            </a:outerShdw>
+          </a:effectLst>
+        </p:spPr>
+        <p:style>
+          <a:lnRef idx="2">
+            <a:schemeClr val="accent1">
+              <a:shade val="50000"/>
+            </a:schemeClr>
+          </a:lnRef>
+          <a:fillRef idx="1">
+            <a:schemeClr val="accent1"/>
+          </a:fillRef>
+          <a:effectRef idx="0">
+            <a:schemeClr val="accent1"/>
+          </a:effectRef>
+          <a:fontRef idx="minor">
+            <a:schemeClr val="lt1"/>
+          </a:fontRef>
+        </p:style>
+        <p:txBody>
+          <a:bodyPr rtlCol="0" anchor="ctr"/>
+          <a:lstStyle/>
+          <a:p>
+            <a:pPr algn="ctr"/>
+            <a:r>
+              <a:rPr lang="fr-FR" b="1" dirty="0" smtClean="0"/>
+              <a:t>R</a:t>
+            </a:r>
+            <a:endParaRPr lang="en-US" b="1" dirty="0" smtClean="0"/>
+          </a:p>
+        </p:txBody>
+      </p:sp>
+      <p:sp>
+        <p:nvSpPr>
+          <p:cNvPr id="29" name="Rectangle à coins arrondis 11"/>
+          <p:cNvSpPr/>
+          <p:nvPr/>
+        </p:nvSpPr>
+        <p:spPr>
+          <a:xfrm>
+            <a:off x="7497563" y="4353491"/>
+            <a:ext cx="274717" cy="302537"/>
+          </a:xfrm>
+          <a:prstGeom prst="roundRect">
+            <a:avLst/>
+          </a:prstGeom>
+          <a:solidFill>
+            <a:schemeClr val="accent6">
+              <a:lumMod val="75000"/>
+            </a:schemeClr>
+          </a:solidFill>
+          <a:ln w="28575">
+            <a:noFill/>
+          </a:ln>
+          <a:effectLst>
+            <a:outerShdw blurRad="63500" sx="102000" sy="102000" algn="ctr" rotWithShape="0">
+              <a:prstClr val="black">
+                <a:alpha val="40000"/>
+              </a:prstClr>
+            </a:outerShdw>
+          </a:effectLst>
+        </p:spPr>
+        <p:style>
+          <a:lnRef idx="2">
+            <a:schemeClr val="accent1">
+              <a:shade val="50000"/>
+            </a:schemeClr>
+          </a:lnRef>
+          <a:fillRef idx="1">
+            <a:schemeClr val="accent1"/>
+          </a:fillRef>
+          <a:effectRef idx="0">
+            <a:schemeClr val="accent1"/>
+          </a:effectRef>
+          <a:fontRef idx="minor">
+            <a:schemeClr val="lt1"/>
+          </a:fontRef>
+        </p:style>
+        <p:txBody>
+          <a:bodyPr rtlCol="0" anchor="ctr"/>
+          <a:lstStyle/>
+          <a:p>
+            <a:pPr algn="ctr"/>
+            <a:r>
+              <a:rPr lang="fr-FR" b="1" dirty="0" smtClean="0"/>
+              <a:t>R</a:t>
+            </a:r>
+            <a:endParaRPr lang="en-US" b="1" dirty="0" smtClean="0"/>
+          </a:p>
+        </p:txBody>
+      </p:sp>
+      <p:sp>
+        <p:nvSpPr>
+          <p:cNvPr id="44" name="Rectangle à coins arrondis 11"/>
+          <p:cNvSpPr/>
+          <p:nvPr/>
+        </p:nvSpPr>
+        <p:spPr>
+          <a:xfrm>
+            <a:off x="6630353" y="5258436"/>
+            <a:ext cx="1332548" cy="414338"/>
+          </a:xfrm>
+          <a:prstGeom prst="roundRect">
+            <a:avLst/>
+          </a:prstGeom>
+          <a:solidFill>
+            <a:schemeClr val="accent2"/>
+          </a:solidFill>
+          <a:ln w="28575">
+            <a:noFill/>
+          </a:ln>
+          <a:effectLst>
+            <a:outerShdw blurRad="63500" sx="102000" sy="102000" algn="ctr" rotWithShape="0">
+              <a:prstClr val="black">
+                <a:alpha val="40000"/>
+              </a:prstClr>
+            </a:outerShdw>
+          </a:effectLst>
+        </p:spPr>
+        <p:style>
+          <a:lnRef idx="2">
+            <a:schemeClr val="accent1">
+              <a:shade val="50000"/>
+            </a:schemeClr>
+          </a:lnRef>
+          <a:fillRef idx="1">
+            <a:schemeClr val="accent1"/>
+          </a:fillRef>
+          <a:effectRef idx="0">
+            <a:schemeClr val="accent1"/>
+          </a:effectRef>
+          <a:fontRef idx="minor">
+            <a:schemeClr val="lt1"/>
+          </a:fontRef>
+        </p:style>
+        <p:txBody>
+          <a:bodyPr rtlCol="0" anchor="ctr"/>
+          <a:lstStyle/>
+          <a:p>
+            <a:pPr algn="ctr"/>
+            <a:r>
+              <a:rPr lang="fr-FR" b="1" dirty="0" smtClean="0"/>
+              <a:t>State</a:t>
+            </a:r>
+            <a:endParaRPr lang="fr-FR" b="1" dirty="0"/>
+          </a:p>
+        </p:txBody>
+      </p:sp>
+      <p:cxnSp>
+        <p:nvCxnSpPr>
+          <p:cNvPr id="33812" name="Elbow Connector 33811"/>
+          <p:cNvCxnSpPr>
+            <a:stCxn id="44" idx="1"/>
+          </p:cNvCxnSpPr>
+          <p:nvPr/>
+        </p:nvCxnSpPr>
+        <p:spPr>
+          <a:xfrm rot="10800000" flipH="1">
+            <a:off x="6630353" y="3863999"/>
+            <a:ext cx="258880" cy="1601606"/>
+          </a:xfrm>
+          <a:prstGeom prst="bentConnector4">
+            <a:avLst>
+              <a:gd name="adj1" fmla="val -55925"/>
+              <a:gd name="adj2" fmla="val 115464"/>
+            </a:avLst>
+          </a:prstGeom>
+          <a:ln w="38100">
+            <a:tailEnd type="arrow"/>
+          </a:ln>
+        </p:spPr>
+        <p:style>
+          <a:lnRef idx="1">
+            <a:schemeClr val="accent3"/>
+          </a:lnRef>
+          <a:fillRef idx="0">
+            <a:schemeClr val="accent3"/>
+          </a:fillRef>
+          <a:effectRef idx="0">
+            <a:schemeClr val="accent3"/>
+          </a:effectRef>
+          <a:fontRef idx="minor">
+            <a:schemeClr val="tx1"/>
+          </a:fontRef>
+        </p:style>
+      </p:cxnSp>
+      <p:sp>
+        <p:nvSpPr>
+          <p:cNvPr id="43" name="Rectangle à coins arrondis 11"/>
+          <p:cNvSpPr/>
+          <p:nvPr/>
+        </p:nvSpPr>
+        <p:spPr>
+          <a:xfrm>
+            <a:off x="6630353" y="2096451"/>
+            <a:ext cx="1332548" cy="414338"/>
+          </a:xfrm>
+          <a:prstGeom prst="roundRect">
+            <a:avLst/>
+          </a:prstGeom>
+          <a:solidFill>
+            <a:schemeClr val="bg1">
+              <a:lumMod val="75000"/>
+            </a:schemeClr>
+          </a:solidFill>
+          <a:ln w="28575">
+            <a:noFill/>
+          </a:ln>
+          <a:effectLst>
+            <a:outerShdw blurRad="63500" sx="102000" sy="102000" algn="ctr" rotWithShape="0">
+              <a:prstClr val="black">
+                <a:alpha val="40000"/>
+              </a:prstClr>
+            </a:outerShdw>
+          </a:effectLst>
+        </p:spPr>
+        <p:style>
+          <a:lnRef idx="2">
+            <a:schemeClr val="accent1">
+              <a:shade val="50000"/>
+            </a:schemeClr>
+          </a:lnRef>
+          <a:fillRef idx="1">
+            <a:schemeClr val="accent1"/>
+          </a:fillRef>
+          <a:effectRef idx="0">
+            <a:schemeClr val="accent1"/>
+          </a:effectRef>
+          <a:fontRef idx="minor">
+            <a:schemeClr val="lt1"/>
+          </a:fontRef>
+        </p:style>
+        <p:txBody>
+          <a:bodyPr rtlCol="0" anchor="ctr"/>
+          <a:lstStyle/>
+          <a:p>
+            <a:pPr algn="ctr"/>
+            <a:r>
+              <a:rPr lang="fr-FR" sz="1600" b="1" dirty="0" smtClean="0"/>
+              <a:t>middlewares</a:t>
+            </a:r>
+            <a:endParaRPr lang="fr-FR" sz="1600" b="1" dirty="0"/>
+          </a:p>
+        </p:txBody>
+      </p:sp>
+      <p:sp>
+        <p:nvSpPr>
+          <p:cNvPr id="46" name="Rectangle à coins arrondis 11"/>
+          <p:cNvSpPr/>
+          <p:nvPr/>
+        </p:nvSpPr>
+        <p:spPr>
+          <a:xfrm>
+            <a:off x="8749557" y="1909126"/>
+            <a:ext cx="1552575" cy="414337"/>
+          </a:xfrm>
+          <a:prstGeom prst="roundRect">
+            <a:avLst/>
+          </a:prstGeom>
+          <a:solidFill>
+            <a:schemeClr val="accent2"/>
+          </a:solidFill>
+          <a:ln w="28575">
+            <a:solidFill>
+              <a:schemeClr val="bg1"/>
+            </a:solidFill>
+          </a:ln>
+          <a:effectLst>
+            <a:outerShdw blurRad="63500" sx="102000" sy="102000" algn="ctr" rotWithShape="0">
+              <a:prstClr val="black">
+                <a:alpha val="40000"/>
+              </a:prstClr>
+            </a:outerShdw>
+          </a:effectLst>
+        </p:spPr>
+        <p:style>
+          <a:lnRef idx="2">
+            <a:schemeClr val="accent1">
+              <a:shade val="50000"/>
+            </a:schemeClr>
+          </a:lnRef>
+          <a:fillRef idx="1">
+            <a:schemeClr val="accent1"/>
+          </a:fillRef>
+          <a:effectRef idx="0">
+            <a:schemeClr val="accent1"/>
+          </a:effectRef>
+          <a:fontRef idx="minor">
+            <a:schemeClr val="lt1"/>
+          </a:fontRef>
+        </p:style>
+        <p:txBody>
+          <a:bodyPr rtlCol="0" anchor="ctr"/>
+          <a:lstStyle/>
+          <a:p>
+            <a:pPr algn="ctr"/>
+            <a:r>
+              <a:rPr lang="fr-FR" b="1" dirty="0"/>
+              <a:t>API</a:t>
+            </a:r>
+          </a:p>
+        </p:txBody>
+      </p:sp>
+      <p:sp>
+        <p:nvSpPr>
+          <p:cNvPr id="47" name="Rectangle à coins arrondis 11"/>
+          <p:cNvSpPr/>
+          <p:nvPr/>
+        </p:nvSpPr>
+        <p:spPr>
+          <a:xfrm>
+            <a:off x="8749556" y="2446943"/>
+            <a:ext cx="1552575" cy="414337"/>
+          </a:xfrm>
+          <a:prstGeom prst="roundRect">
+            <a:avLst/>
+          </a:prstGeom>
+          <a:solidFill>
+            <a:schemeClr val="accent2"/>
+          </a:solidFill>
+          <a:ln w="28575">
+            <a:solidFill>
+              <a:schemeClr val="bg1"/>
+            </a:solidFill>
+          </a:ln>
+          <a:effectLst>
+            <a:outerShdw blurRad="63500" sx="102000" sy="102000" algn="ctr" rotWithShape="0">
+              <a:prstClr val="black">
+                <a:alpha val="40000"/>
+              </a:prstClr>
+            </a:outerShdw>
+          </a:effectLst>
+        </p:spPr>
+        <p:style>
+          <a:lnRef idx="2">
+            <a:schemeClr val="accent1">
+              <a:shade val="50000"/>
+            </a:schemeClr>
+          </a:lnRef>
+          <a:fillRef idx="1">
+            <a:schemeClr val="accent1"/>
+          </a:fillRef>
+          <a:effectRef idx="0">
+            <a:schemeClr val="accent1"/>
+          </a:effectRef>
+          <a:fontRef idx="minor">
+            <a:schemeClr val="lt1"/>
+          </a:fontRef>
+        </p:style>
+        <p:txBody>
+          <a:bodyPr rtlCol="0" anchor="ctr"/>
+          <a:lstStyle/>
+          <a:p>
+            <a:pPr algn="ctr"/>
+            <a:r>
+              <a:rPr lang="fr-FR" b="1" dirty="0" smtClean="0"/>
+              <a:t>Logs</a:t>
+            </a:r>
+            <a:endParaRPr lang="fr-FR" b="1" dirty="0"/>
+          </a:p>
+        </p:txBody>
+      </p:sp>
+      <p:sp>
+        <p:nvSpPr>
+          <p:cNvPr id="48" name="Rectangle à coins arrondis 11"/>
+          <p:cNvSpPr/>
+          <p:nvPr/>
+        </p:nvSpPr>
+        <p:spPr>
+          <a:xfrm>
+            <a:off x="8749555" y="2984760"/>
+            <a:ext cx="1552575" cy="414337"/>
+          </a:xfrm>
+          <a:prstGeom prst="roundRect">
+            <a:avLst/>
+          </a:prstGeom>
+          <a:solidFill>
+            <a:schemeClr val="accent2"/>
+          </a:solidFill>
+          <a:ln w="28575">
+            <a:solidFill>
+              <a:schemeClr val="bg1"/>
+            </a:solidFill>
+          </a:ln>
+          <a:effectLst>
+            <a:outerShdw blurRad="63500" sx="102000" sy="102000" algn="ctr" rotWithShape="0">
+              <a:prstClr val="black">
+                <a:alpha val="40000"/>
+              </a:prstClr>
+            </a:outerShdw>
+          </a:effectLst>
+        </p:spPr>
+        <p:style>
+          <a:lnRef idx="2">
+            <a:schemeClr val="accent1">
+              <a:shade val="50000"/>
+            </a:schemeClr>
+          </a:lnRef>
+          <a:fillRef idx="1">
+            <a:schemeClr val="accent1"/>
+          </a:fillRef>
+          <a:effectRef idx="0">
+            <a:schemeClr val="accent1"/>
+          </a:effectRef>
+          <a:fontRef idx="minor">
+            <a:schemeClr val="lt1"/>
+          </a:fontRef>
+        </p:style>
+        <p:txBody>
+          <a:bodyPr rtlCol="0" anchor="ctr"/>
+          <a:lstStyle/>
+          <a:p>
+            <a:pPr algn="ctr"/>
+            <a:r>
+              <a:rPr lang="fr-FR" b="1" dirty="0" smtClean="0"/>
+              <a:t>Delay actions</a:t>
+            </a:r>
+            <a:endParaRPr lang="fr-FR" b="1" dirty="0"/>
+          </a:p>
+        </p:txBody>
+      </p:sp>
+      <p:cxnSp>
+        <p:nvCxnSpPr>
+          <p:cNvPr id="41" name="Straight Arrow Connector 40"/>
+          <p:cNvCxnSpPr/>
+          <p:nvPr/>
+        </p:nvCxnSpPr>
+        <p:spPr>
+          <a:xfrm>
+            <a:off x="7962901" y="2219800"/>
+            <a:ext cx="579119" cy="0"/>
+          </a:xfrm>
+          <a:prstGeom prst="straightConnector1">
+            <a:avLst/>
+          </a:prstGeom>
+          <a:ln w="38100">
+            <a:tailEnd type="arrow"/>
+          </a:ln>
+        </p:spPr>
+        <p:style>
+          <a:lnRef idx="1">
+            <a:schemeClr val="accent3"/>
+          </a:lnRef>
+          <a:fillRef idx="0">
+            <a:schemeClr val="accent3"/>
+          </a:fillRef>
+          <a:effectRef idx="0">
+            <a:schemeClr val="accent3"/>
+          </a:effectRef>
+          <a:fontRef idx="minor">
+            <a:schemeClr val="tx1"/>
+          </a:fontRef>
+        </p:style>
+      </p:cxnSp>
+      <p:cxnSp>
+        <p:nvCxnSpPr>
+          <p:cNvPr id="51" name="Straight Arrow Connector 50"/>
+          <p:cNvCxnSpPr/>
+          <p:nvPr/>
+        </p:nvCxnSpPr>
+        <p:spPr>
+          <a:xfrm flipH="1">
+            <a:off x="7955280" y="2365210"/>
+            <a:ext cx="579119" cy="0"/>
+          </a:xfrm>
+          <a:prstGeom prst="straightConnector1">
+            <a:avLst/>
+          </a:prstGeom>
+          <a:ln w="38100">
+            <a:tailEnd type="arrow"/>
+          </a:ln>
+        </p:spPr>
+        <p:style>
+          <a:lnRef idx="1">
+            <a:schemeClr val="accent3"/>
+          </a:lnRef>
+          <a:fillRef idx="0">
+            <a:schemeClr val="accent3"/>
+          </a:fillRef>
+          <a:effectRef idx="0">
+            <a:schemeClr val="accent3"/>
+          </a:effectRef>
+          <a:fontRef idx="minor">
+            <a:schemeClr val="tx1"/>
+          </a:fontRef>
+        </p:style>
+      </p:cxnSp>
+      <p:cxnSp>
+        <p:nvCxnSpPr>
+          <p:cNvPr id="49" name="Straight Arrow Connector 48"/>
+          <p:cNvCxnSpPr>
+            <a:stCxn id="23" idx="0"/>
+            <a:endCxn id="25" idx="2"/>
+          </p:cNvCxnSpPr>
+          <p:nvPr/>
+        </p:nvCxnSpPr>
+        <p:spPr>
+          <a:xfrm flipV="1">
+            <a:off x="4740751" y="2937193"/>
+            <a:ext cx="0" cy="1874482"/>
+          </a:xfrm>
+          <a:prstGeom prst="straightConnector1">
+            <a:avLst/>
+          </a:prstGeom>
+          <a:ln w="38100">
+            <a:tailEnd type="arrow"/>
+          </a:ln>
+        </p:spPr>
+        <p:style>
+          <a:lnRef idx="1">
+            <a:schemeClr val="accent3"/>
+          </a:lnRef>
+          <a:fillRef idx="0">
+            <a:schemeClr val="accent3"/>
+          </a:fillRef>
+          <a:effectRef idx="0">
+            <a:schemeClr val="accent3"/>
+          </a:effectRef>
+          <a:fontRef idx="minor">
+            <a:schemeClr val="tx1"/>
+          </a:fontRef>
+        </p:style>
+      </p:cxnSp>
+      <p:cxnSp>
+        <p:nvCxnSpPr>
+          <p:cNvPr id="54" name="Elbow Connector 53"/>
+          <p:cNvCxnSpPr>
+            <a:stCxn id="44" idx="2"/>
+            <a:endCxn id="23" idx="2"/>
+          </p:cNvCxnSpPr>
+          <p:nvPr/>
+        </p:nvCxnSpPr>
+        <p:spPr>
+          <a:xfrm rot="5400000" flipH="1">
+            <a:off x="5978664" y="4354812"/>
+            <a:ext cx="80049" cy="2555876"/>
+          </a:xfrm>
+          <a:prstGeom prst="bentConnector3">
+            <a:avLst>
+              <a:gd name="adj1" fmla="val -285575"/>
+            </a:avLst>
+          </a:prstGeom>
+          <a:ln w="38100">
+            <a:solidFill>
+              <a:srgbClr val="FF0000"/>
+            </a:solidFill>
+            <a:tailEnd type="arrow"/>
+          </a:ln>
+        </p:spPr>
+        <p:style>
+          <a:lnRef idx="1">
+            <a:schemeClr val="accent3"/>
+          </a:lnRef>
+          <a:fillRef idx="0">
+            <a:schemeClr val="accent3"/>
+          </a:fillRef>
+          <a:effectRef idx="0">
+            <a:schemeClr val="accent3"/>
+          </a:effectRef>
+          <a:fontRef idx="minor">
+            <a:schemeClr val="tx1"/>
+          </a:fontRef>
+        </p:style>
+      </p:cxnSp>
+      <p:cxnSp>
+        <p:nvCxnSpPr>
+          <p:cNvPr id="56" name="Elbow Connector 55"/>
+          <p:cNvCxnSpPr>
+            <a:stCxn id="25" idx="0"/>
+            <a:endCxn id="22" idx="0"/>
+          </p:cNvCxnSpPr>
+          <p:nvPr/>
+        </p:nvCxnSpPr>
+        <p:spPr>
+          <a:xfrm rot="5400000" flipH="1" flipV="1">
+            <a:off x="5960842" y="776707"/>
+            <a:ext cx="111720" cy="2551902"/>
+          </a:xfrm>
+          <a:prstGeom prst="bentConnector3">
+            <a:avLst>
+              <a:gd name="adj1" fmla="val 304619"/>
+            </a:avLst>
+          </a:prstGeom>
+          <a:ln w="38100">
+            <a:tailEnd type="arrow"/>
+          </a:ln>
+        </p:spPr>
+        <p:style>
+          <a:lnRef idx="1">
+            <a:schemeClr val="accent3"/>
+          </a:lnRef>
+          <a:fillRef idx="0">
+            <a:schemeClr val="accent3"/>
+          </a:fillRef>
+          <a:effectRef idx="0">
+            <a:schemeClr val="accent3"/>
+          </a:effectRef>
+          <a:fontRef idx="minor">
+            <a:schemeClr val="tx1"/>
+          </a:fontRef>
+        </p:style>
+      </p:cxnSp>
+      <p:sp>
+        <p:nvSpPr>
+          <p:cNvPr id="61" name="Rectangle à coins arrondis 11"/>
+          <p:cNvSpPr/>
+          <p:nvPr/>
+        </p:nvSpPr>
+        <p:spPr>
+          <a:xfrm>
+            <a:off x="8749555" y="3522577"/>
+            <a:ext cx="1552575" cy="414337"/>
+          </a:xfrm>
+          <a:prstGeom prst="roundRect">
+            <a:avLst/>
+          </a:prstGeom>
+          <a:solidFill>
+            <a:schemeClr val="accent2"/>
+          </a:solidFill>
+          <a:ln w="28575">
+            <a:solidFill>
+              <a:schemeClr val="bg1"/>
+            </a:solidFill>
+          </a:ln>
+          <a:effectLst>
+            <a:outerShdw blurRad="63500" sx="102000" sy="102000" algn="ctr" rotWithShape="0">
+              <a:prstClr val="black">
+                <a:alpha val="40000"/>
+              </a:prstClr>
+            </a:outerShdw>
+          </a:effectLst>
+        </p:spPr>
+        <p:style>
+          <a:lnRef idx="2">
+            <a:schemeClr val="accent1">
+              <a:shade val="50000"/>
+            </a:schemeClr>
+          </a:lnRef>
+          <a:fillRef idx="1">
+            <a:schemeClr val="accent1"/>
+          </a:fillRef>
+          <a:effectRef idx="0">
+            <a:schemeClr val="accent1"/>
+          </a:effectRef>
+          <a:fontRef idx="minor">
+            <a:schemeClr val="lt1"/>
+          </a:fontRef>
+        </p:style>
+        <p:txBody>
+          <a:bodyPr rtlCol="0" anchor="ctr"/>
+          <a:lstStyle/>
+          <a:p>
+            <a:pPr algn="ctr"/>
+            <a:r>
+              <a:rPr lang="fr-FR" b="1" dirty="0" smtClean="0"/>
+              <a:t>Loop actions</a:t>
+            </a:r>
+            <a:endParaRPr lang="fr-FR" b="1" dirty="0"/>
+          </a:p>
+        </p:txBody>
+      </p:sp>
+      <p:sp>
+        <p:nvSpPr>
+          <p:cNvPr id="62" name="Rectangle à coins arrondis 11"/>
+          <p:cNvSpPr/>
+          <p:nvPr/>
+        </p:nvSpPr>
+        <p:spPr>
+          <a:xfrm>
+            <a:off x="8749555" y="4060394"/>
+            <a:ext cx="1552575" cy="414337"/>
+          </a:xfrm>
+          <a:prstGeom prst="roundRect">
+            <a:avLst/>
+          </a:prstGeom>
+          <a:solidFill>
+            <a:schemeClr val="accent2"/>
+          </a:solidFill>
+          <a:ln w="28575">
+            <a:solidFill>
+              <a:schemeClr val="bg1"/>
+            </a:solidFill>
+          </a:ln>
+          <a:effectLst>
+            <a:outerShdw blurRad="63500" sx="102000" sy="102000" algn="ctr" rotWithShape="0">
+              <a:prstClr val="black">
+                <a:alpha val="40000"/>
+              </a:prstClr>
+            </a:outerShdw>
+          </a:effectLst>
+        </p:spPr>
+        <p:style>
+          <a:lnRef idx="2">
+            <a:schemeClr val="accent1">
+              <a:shade val="50000"/>
+            </a:schemeClr>
+          </a:lnRef>
+          <a:fillRef idx="1">
+            <a:schemeClr val="accent1"/>
+          </a:fillRef>
+          <a:effectRef idx="0">
+            <a:schemeClr val="accent1"/>
+          </a:effectRef>
+          <a:fontRef idx="minor">
+            <a:schemeClr val="lt1"/>
+          </a:fontRef>
+        </p:style>
+        <p:txBody>
+          <a:bodyPr rtlCol="0" anchor="ctr"/>
+          <a:lstStyle/>
+          <a:p>
+            <a:pPr algn="ctr"/>
+            <a:r>
+              <a:rPr lang="fr-FR" b="1" dirty="0" smtClean="0"/>
+              <a:t>Crash report</a:t>
+            </a:r>
+            <a:endParaRPr lang="fr-FR" b="1" dirty="0"/>
+          </a:p>
+        </p:txBody>
+      </p:sp>
+      <p:sp>
+        <p:nvSpPr>
+          <p:cNvPr id="63" name="Rectangle à coins arrondis 11"/>
+          <p:cNvSpPr/>
+          <p:nvPr/>
+        </p:nvSpPr>
+        <p:spPr>
+          <a:xfrm>
+            <a:off x="8749555" y="4598210"/>
+            <a:ext cx="1552575" cy="414337"/>
+          </a:xfrm>
+          <a:prstGeom prst="roundRect">
+            <a:avLst/>
+          </a:prstGeom>
+          <a:solidFill>
+            <a:schemeClr val="accent2"/>
+          </a:solidFill>
+          <a:ln w="28575">
+            <a:solidFill>
+              <a:schemeClr val="bg1"/>
+            </a:solidFill>
+          </a:ln>
+          <a:effectLst>
+            <a:outerShdw blurRad="63500" sx="102000" sy="102000" algn="ctr" rotWithShape="0">
+              <a:prstClr val="black">
+                <a:alpha val="40000"/>
+              </a:prstClr>
+            </a:outerShdw>
+          </a:effectLst>
+        </p:spPr>
+        <p:style>
+          <a:lnRef idx="2">
+            <a:schemeClr val="accent1">
+              <a:shade val="50000"/>
+            </a:schemeClr>
+          </a:lnRef>
+          <a:fillRef idx="1">
+            <a:schemeClr val="accent1"/>
+          </a:fillRef>
+          <a:effectRef idx="0">
+            <a:schemeClr val="accent1"/>
+          </a:effectRef>
+          <a:fontRef idx="minor">
+            <a:schemeClr val="lt1"/>
+          </a:fontRef>
+        </p:style>
+        <p:txBody>
+          <a:bodyPr rtlCol="0" anchor="ctr"/>
+          <a:lstStyle/>
+          <a:p>
+            <a:pPr algn="ctr"/>
+            <a:r>
+              <a:rPr lang="fr-FR" b="1" dirty="0" smtClean="0"/>
+              <a:t>…</a:t>
+            </a:r>
+            <a:endParaRPr lang="fr-FR" b="1" dirty="0"/>
+          </a:p>
+        </p:txBody>
+      </p:sp>
+      <p:sp>
+        <p:nvSpPr>
+          <p:cNvPr id="31" name="Rectangle 30"/>
+          <p:cNvSpPr/>
+          <p:nvPr/>
+        </p:nvSpPr>
+        <p:spPr>
+          <a:xfrm>
+            <a:off x="5633423" y="5901927"/>
+            <a:ext cx="1098442" cy="369332"/>
+          </a:xfrm>
+          <a:prstGeom prst="rect">
+            <a:avLst/>
+          </a:prstGeom>
+        </p:spPr>
+        <p:txBody>
+          <a:bodyPr wrap="none">
+            <a:spAutoFit/>
+          </a:bodyPr>
+          <a:lstStyle/>
+          <a:p>
+            <a:r>
+              <a:rPr lang="en-US" dirty="0" smtClean="0">
+                <a:solidFill>
+                  <a:srgbClr val="FF0000"/>
+                </a:solidFill>
+              </a:rPr>
+              <a:t>new state</a:t>
+            </a:r>
+            <a:endParaRPr lang="fr-FR" dirty="0">
+              <a:solidFill>
+                <a:srgbClr val="FF0000"/>
+              </a:solidFill>
+            </a:endParaRPr>
+          </a:p>
+        </p:txBody>
+      </p:sp>
     </p:spTree>
     <p:extLst>
       <p:ext uri="{BB962C8B-B14F-4D97-AF65-F5344CB8AC3E}">
-        <p14:creationId xmlns:p14="http://schemas.microsoft.com/office/powerpoint/2010/main" val="4014935318"/>
+        <p14:creationId xmlns:p14="http://schemas.microsoft.com/office/powerpoint/2010/main" val="899195258"/>
       </p:ext>
     </p:extLst>
   </p:cSld>
   <p:clrMapOvr>
     <a:masterClrMapping/>
   </p:clrMapOvr>
+  <p:timing>
+    <p:tnLst>
+      <p:par>
+        <p:cTn id="1" dur="indefinite" restart="never" nodeType="tmRoot"/>
+      </p:par>
+    </p:tnLst>
+  </p:timing>
 </p:sld>
 </file>
 
@@ -23811,7 +23751,7 @@
           <a:p>
             <a:r>
               <a:rPr lang="en-US" dirty="0" smtClean="0"/>
-              <a:t>Redux – Data normalization</a:t>
+              <a:t>Redux – reducers and combinations</a:t>
             </a:r>
             <a:endParaRPr lang="fr-FR" dirty="0"/>
           </a:p>
@@ -23836,104 +23776,204 @@
           <a:p>
             <a:r>
               <a:rPr lang="en-US" dirty="0" smtClean="0"/>
-              <a:t>Different reducers work on different state data</a:t>
-            </a:r>
+              <a:t>One reducer </a:t>
+            </a:r>
+            <a:r>
+              <a:rPr lang="en-US" b="1" i="1" dirty="0" smtClean="0"/>
+              <a:t>a</a:t>
+            </a:r>
+            <a:endParaRPr lang="en-US" i="1" dirty="0" smtClean="0"/>
           </a:p>
           <a:p>
             <a:pPr lvl="1"/>
             <a:r>
               <a:rPr lang="en-US" dirty="0" smtClean="0"/>
-              <a:t>Complex data structures may require elaborate operations</a:t>
+              <a:t>State will be </a:t>
+            </a:r>
+            <a:r>
+              <a:rPr lang="en-US" b="1" i="1" dirty="0" smtClean="0"/>
+              <a:t>state = { a: {…} }</a:t>
+            </a:r>
+          </a:p>
+          <a:p>
+            <a:pPr lvl="1"/>
+            <a:r>
+              <a:rPr lang="en-US" dirty="0"/>
+              <a:t>When reducer </a:t>
+            </a:r>
+            <a:r>
+              <a:rPr lang="en-US" b="1" dirty="0"/>
+              <a:t>a</a:t>
+            </a:r>
+            <a:r>
+              <a:rPr lang="en-US" dirty="0"/>
+              <a:t> activates, it’s input state is not </a:t>
+            </a:r>
+            <a:r>
+              <a:rPr lang="en-US" b="1" i="1" dirty="0"/>
+              <a:t>state </a:t>
+            </a:r>
+            <a:r>
+              <a:rPr lang="en-US" dirty="0"/>
+              <a:t>but </a:t>
+            </a:r>
+            <a:r>
+              <a:rPr lang="en-US" b="1" i="1" dirty="0" err="1" smtClean="0"/>
+              <a:t>state.a</a:t>
+            </a:r>
+            <a:endParaRPr lang="en-US" dirty="0" smtClean="0"/>
+          </a:p>
+          <a:p>
+            <a:r>
+              <a:rPr lang="en-US" dirty="0" smtClean="0"/>
+              <a:t>Combine 2 reducers </a:t>
+            </a:r>
+            <a:r>
+              <a:rPr lang="en-US" b="1" i="1" dirty="0" smtClean="0"/>
+              <a:t>(a, b)</a:t>
+            </a:r>
+          </a:p>
+          <a:p>
+            <a:pPr lvl="1"/>
+            <a:r>
+              <a:rPr lang="en-US" dirty="0" smtClean="0"/>
+              <a:t>State will be </a:t>
+            </a:r>
+            <a:r>
+              <a:rPr lang="en-US" b="1" i="1" dirty="0" smtClean="0"/>
+              <a:t>state = { a: { … }, b: { … } }</a:t>
+            </a:r>
+          </a:p>
+          <a:p>
+            <a:pPr lvl="1"/>
+            <a:r>
+              <a:rPr lang="en-US" dirty="0" smtClean="0"/>
+              <a:t>Reducer </a:t>
+            </a:r>
+            <a:r>
+              <a:rPr lang="en-US" b="1" i="1" dirty="0" smtClean="0"/>
+              <a:t>a </a:t>
+            </a:r>
+            <a:r>
+              <a:rPr lang="en-US" dirty="0" smtClean="0"/>
+              <a:t>consumes </a:t>
+            </a:r>
+            <a:r>
+              <a:rPr lang="en-US" b="1" i="1" dirty="0" err="1" smtClean="0"/>
+              <a:t>state.a</a:t>
+            </a:r>
+            <a:r>
+              <a:rPr lang="en-US" b="1" i="1" dirty="0" smtClean="0"/>
+              <a:t> </a:t>
+            </a:r>
+            <a:r>
+              <a:rPr lang="en-US" dirty="0" smtClean="0"/>
+              <a:t>and reducer </a:t>
+            </a:r>
+            <a:r>
+              <a:rPr lang="en-US" b="1" i="1" dirty="0" smtClean="0"/>
+              <a:t>b </a:t>
+            </a:r>
+            <a:r>
+              <a:rPr lang="en-US" b="1" i="1" dirty="0" err="1" smtClean="0"/>
+              <a:t>state.b</a:t>
+            </a:r>
+            <a:endParaRPr lang="en-US" b="1" i="1" dirty="0" smtClean="0"/>
+          </a:p>
+          <a:p>
+            <a:r>
+              <a:rPr lang="en-US" dirty="0" smtClean="0"/>
+              <a:t>Combine and sub-combine </a:t>
+            </a:r>
+            <a:r>
+              <a:rPr lang="en-US" b="1" i="1" dirty="0" smtClean="0"/>
+              <a:t>a, (b, c)</a:t>
+            </a:r>
+          </a:p>
+          <a:p>
+            <a:pPr lvl="1"/>
+            <a:r>
+              <a:rPr lang="en-US" dirty="0" smtClean="0"/>
+              <a:t>State will be </a:t>
             </a:r>
           </a:p>
           <a:p>
             <a:pPr lvl="2"/>
             <a:r>
+              <a:rPr lang="en-US" b="1" i="1" dirty="0" smtClean="0"/>
+              <a:t>state = { a: { … }, </a:t>
+            </a:r>
+            <a:r>
+              <a:rPr lang="en-US" b="1" i="1" dirty="0" err="1" smtClean="0"/>
+              <a:t>bc</a:t>
+            </a:r>
+            <a:r>
+              <a:rPr lang="en-US" b="1" i="1" dirty="0" smtClean="0"/>
+              <a:t>: { b: { … }, c: { …} } } </a:t>
+            </a:r>
+          </a:p>
+          <a:p>
+            <a:pPr lvl="2"/>
+            <a:r>
               <a:rPr lang="en-US" dirty="0" smtClean="0"/>
-              <a:t>Share actions across reducers</a:t>
-            </a:r>
-          </a:p>
-          <a:p>
-            <a:pPr lvl="2"/>
+              <a:t>or </a:t>
+            </a:r>
+            <a:r>
+              <a:rPr lang="en-US" b="1" i="1" dirty="0" smtClean="0"/>
+              <a:t>state = { </a:t>
+            </a:r>
+            <a:r>
+              <a:rPr lang="en-US" b="1" i="1" dirty="0"/>
+              <a:t>a: { … </a:t>
+            </a:r>
+            <a:r>
+              <a:rPr lang="en-US" b="1" i="1" dirty="0" smtClean="0"/>
+              <a:t>}, b</a:t>
+            </a:r>
+            <a:r>
+              <a:rPr lang="en-US" b="1" i="1" dirty="0"/>
+              <a:t>: { … }, c: { …} }</a:t>
+            </a:r>
+            <a:r>
+              <a:rPr lang="en-US" b="1" i="1" dirty="0" smtClean="0"/>
+              <a:t> </a:t>
+            </a:r>
+          </a:p>
+          <a:p>
+            <a:pPr lvl="1"/>
             <a:r>
               <a:rPr lang="en-US" dirty="0" smtClean="0"/>
-              <a:t>Data duplication across reducers</a:t>
-            </a:r>
+              <a:t>Reducer </a:t>
+            </a:r>
+            <a:r>
+              <a:rPr lang="en-US" b="1" i="1" dirty="0" err="1" smtClean="0"/>
+              <a:t>bc</a:t>
+            </a:r>
+            <a:r>
+              <a:rPr lang="en-US" b="1" i="1" dirty="0" smtClean="0"/>
+              <a:t> </a:t>
+            </a:r>
+            <a:r>
+              <a:rPr lang="en-US" dirty="0" smtClean="0"/>
+              <a:t>can exist as a sliced reducer that has access to </a:t>
+            </a:r>
+            <a:r>
+              <a:rPr lang="en-US" dirty="0" err="1" smtClean="0"/>
+              <a:t>state.b</a:t>
+            </a:r>
+            <a:r>
+              <a:rPr lang="en-US" dirty="0" smtClean="0"/>
+              <a:t> &amp; </a:t>
+            </a:r>
+            <a:r>
+              <a:rPr lang="en-US" dirty="0" err="1" smtClean="0"/>
+              <a:t>state.c</a:t>
+            </a:r>
+            <a:endParaRPr lang="en-US" dirty="0" smtClean="0"/>
           </a:p>
           <a:p>
             <a:pPr lvl="1"/>
-            <a:r>
-              <a:rPr lang="en-US" dirty="0" smtClean="0"/>
-              <a:t>Those require extra synchronization effort when writing or updating code</a:t>
-            </a:r>
-          </a:p>
-          <a:p>
-            <a:pPr lvl="1"/>
-            <a:r>
-              <a:rPr lang="en-US" dirty="0" smtClean="0"/>
-              <a:t>Accessing data may not be easy or consistent by default</a:t>
-            </a:r>
-          </a:p>
-          <a:p>
-            <a:endParaRPr lang="en-US" dirty="0"/>
-          </a:p>
-          <a:p>
-            <a:r>
-              <a:rPr lang="en-US" dirty="0" smtClean="0"/>
-              <a:t>Normalizing data can help </a:t>
-            </a:r>
-            <a:r>
-              <a:rPr lang="en-US" sz="2000" dirty="0" err="1" smtClean="0">
-                <a:solidFill>
-                  <a:schemeClr val="accent6"/>
-                </a:solidFill>
-              </a:rPr>
-              <a:t>normalizr</a:t>
-            </a:r>
-            <a:endParaRPr lang="en-US" dirty="0" smtClean="0">
-              <a:solidFill>
-                <a:schemeClr val="accent6"/>
-              </a:solidFill>
-            </a:endParaRPr>
-          </a:p>
-          <a:p>
-            <a:pPr lvl="1"/>
-            <a:r>
-              <a:rPr lang="en-US" dirty="0" smtClean="0"/>
-              <a:t>Relational mapping to structure data </a:t>
-            </a:r>
-            <a:r>
-              <a:rPr lang="en-US" sz="1800" dirty="0" smtClean="0">
-                <a:solidFill>
-                  <a:schemeClr val="accent6"/>
-                </a:solidFill>
-              </a:rPr>
-              <a:t>client side database !</a:t>
-            </a:r>
-            <a:endParaRPr lang="en-US" dirty="0" smtClean="0">
-              <a:solidFill>
-                <a:schemeClr val="accent6"/>
-              </a:solidFill>
-            </a:endParaRPr>
-          </a:p>
-          <a:p>
-            <a:pPr lvl="1"/>
-            <a:r>
-              <a:rPr lang="en-US" dirty="0" smtClean="0"/>
-              <a:t>Remove data duplication</a:t>
-            </a:r>
-          </a:p>
-          <a:p>
-            <a:pPr lvl="1"/>
-            <a:r>
-              <a:rPr lang="en-US" dirty="0" smtClean="0"/>
-              <a:t>Separate collections from elements</a:t>
-            </a:r>
-            <a:endParaRPr lang="fr-FR" dirty="0">
-              <a:solidFill>
-                <a:schemeClr val="accent6"/>
-              </a:solidFill>
-            </a:endParaRPr>
+            <a:endParaRPr lang="fr-FR" dirty="0"/>
           </a:p>
         </p:txBody>
       </p:sp>
@@ -24010,7 +24050,7 @@
     </p:spTree>
     <p:extLst>
       <p:ext uri="{BB962C8B-B14F-4D97-AF65-F5344CB8AC3E}">
-        <p14:creationId xmlns:p14="http://schemas.microsoft.com/office/powerpoint/2010/main" val="2636191371"/>
+        <p14:creationId xmlns:p14="http://schemas.microsoft.com/office/powerpoint/2010/main" val="4014935318"/>
       </p:ext>
     </p:extLst>
   </p:cSld>
@@ -24053,33 +24093,130 @@
           <a:lstStyle/>
           <a:p>
             <a:r>
-              <a:rPr lang="en-US" noProof="0" smtClean="0"/>
-              <a:t>React &amp; Redux</a:t>
-            </a:r>
-            <a:endParaRPr lang="en-US" noProof="0"/>
-          </a:p>
-        </p:txBody>
-      </p:sp>
-      <p:sp>
-        <p:nvSpPr>
-          <p:cNvPr id="3" name="Text Placeholder 2"/>
+              <a:rPr lang="en-US" dirty="0" smtClean="0"/>
+              <a:t>Redux – Data normalization</a:t>
+            </a:r>
+            <a:endParaRPr lang="fr-FR" dirty="0"/>
+          </a:p>
+        </p:txBody>
+      </p:sp>
+      <p:sp>
+        <p:nvSpPr>
+          <p:cNvPr id="3" name="Content Placeholder 2"/>
           <p:cNvSpPr>
             <a:spLocks noGrp="1"/>
           </p:cNvSpPr>
           <p:nvPr>
-            <p:ph type="body" idx="1"/>
+            <p:ph idx="1"/>
           </p:nvPr>
         </p:nvSpPr>
         <p:spPr/>
         <p:txBody>
-          <a:bodyPr/>
-          <a:lstStyle/>
-          <a:p>
-            <a:r>
-              <a:rPr lang="en-US" noProof="0" smtClean="0"/>
-              <a:t>Rock &amp; Roll</a:t>
-            </a:r>
-            <a:endParaRPr lang="en-US" noProof="0"/>
+          <a:bodyPr>
+            <a:normAutofit/>
+          </a:bodyPr>
+          <a:lstStyle/>
+          <a:p>
+            <a:r>
+              <a:rPr lang="en-US" dirty="0" smtClean="0"/>
+              <a:t>Different reducers work on different state data</a:t>
+            </a:r>
+          </a:p>
+          <a:p>
+            <a:pPr lvl="1"/>
+            <a:r>
+              <a:rPr lang="en-US" dirty="0" smtClean="0"/>
+              <a:t>Complex data structures may require elaborate operations</a:t>
+            </a:r>
+          </a:p>
+          <a:p>
+            <a:pPr lvl="2"/>
+            <a:r>
+              <a:rPr lang="en-US" dirty="0" smtClean="0"/>
+              <a:t>Share actions across reducers</a:t>
+            </a:r>
+          </a:p>
+          <a:p>
+            <a:pPr lvl="2"/>
+            <a:r>
+              <a:rPr lang="en-US" dirty="0" smtClean="0"/>
+              <a:t>Data duplication across reducers</a:t>
+            </a:r>
+          </a:p>
+          <a:p>
+            <a:pPr lvl="1"/>
+            <a:r>
+              <a:rPr lang="en-US" dirty="0" smtClean="0"/>
+              <a:t>Those require extra synchronization effort when writing or updating code</a:t>
+            </a:r>
+          </a:p>
+          <a:p>
+            <a:pPr lvl="1"/>
+            <a:r>
+              <a:rPr lang="en-US" dirty="0" smtClean="0"/>
+              <a:t>Accessing data may not be easy or consistent by default</a:t>
+            </a:r>
+          </a:p>
+          <a:p>
+            <a:endParaRPr lang="en-US" dirty="0"/>
+          </a:p>
+          <a:p>
+            <a:r>
+              <a:rPr lang="en-US" dirty="0" smtClean="0"/>
+              <a:t>Normalizing data can help </a:t>
+            </a:r>
+            <a:r>
+              <a:rPr lang="en-US" sz="2000" dirty="0" err="1" smtClean="0">
+                <a:solidFill>
+                  <a:schemeClr val="accent6"/>
+                </a:solidFill>
+              </a:rPr>
+              <a:t>normalizr</a:t>
+            </a:r>
+            <a:endParaRPr lang="en-US" dirty="0" smtClean="0">
+              <a:solidFill>
+                <a:schemeClr val="accent6"/>
+              </a:solidFill>
+            </a:endParaRPr>
+          </a:p>
+          <a:p>
+            <a:pPr lvl="1"/>
+            <a:r>
+              <a:rPr lang="en-US" dirty="0" smtClean="0"/>
+              <a:t>Relational mapping to structure data </a:t>
+            </a:r>
+            <a:r>
+              <a:rPr lang="en-US" sz="1800" dirty="0" smtClean="0">
+                <a:solidFill>
+                  <a:schemeClr val="accent6"/>
+                </a:solidFill>
+              </a:rPr>
+              <a:t>client side database !</a:t>
+            </a:r>
+            <a:endParaRPr lang="en-US" dirty="0" smtClean="0">
+              <a:solidFill>
+                <a:schemeClr val="accent6"/>
+              </a:solidFill>
+            </a:endParaRPr>
+          </a:p>
+          <a:p>
+            <a:pPr lvl="1"/>
+            <a:r>
+              <a:rPr lang="en-US" dirty="0" smtClean="0"/>
+              <a:t>Remove data duplication</a:t>
+            </a:r>
+          </a:p>
+          <a:p>
+            <a:pPr lvl="1"/>
+            <a:r>
+              <a:rPr lang="en-US" dirty="0" smtClean="0"/>
+              <a:t>Separate collections from elements</a:t>
+            </a:r>
+            <a:endParaRPr lang="fr-FR" dirty="0">
+              <a:solidFill>
+                <a:schemeClr val="accent6"/>
+              </a:solidFill>
+            </a:endParaRPr>
           </a:p>
         </p:txBody>
       </p:sp>
@@ -24122,7 +24259,7 @@
           <a:lstStyle/>
           <a:p>
             <a:r>
-              <a:rPr lang="fr-FR" dirty="0" smtClean="0"/>
+              <a:rPr lang="fr-FR" smtClean="0"/>
               <a:t>cedric.hartland@gmail.com</a:t>
             </a:r>
             <a:endParaRPr lang="fr-FR" dirty="0"/>
@@ -24156,20 +24293,13 @@
     </p:spTree>
     <p:extLst>
       <p:ext uri="{BB962C8B-B14F-4D97-AF65-F5344CB8AC3E}">
-        <p14:creationId xmlns:p14="http://schemas.microsoft.com/office/powerpoint/2010/main" val="3691361"/>
+        <p14:creationId xmlns:p14="http://schemas.microsoft.com/office/powerpoint/2010/main" val="2636191371"/>
       </p:ext>
     </p:extLst>
   </p:cSld>
   <p:clrMapOvr>
     <a:masterClrMapping/>
   </p:clrMapOvr>
-  <p:timing>
-    <p:tnLst>
-      <p:par>
-        <p:cTn id="1" dur="indefinite" restart="never" nodeType="tmRoot"/>
-      </p:par>
-    </p:tnLst>
-  </p:timing>
 </p:sld>
 </file>
 

--- a/docs/React & Redux.pptx
+++ b/docs/React & Redux.pptx
@@ -5,7 +5,7 @@
     <p:sldMasterId id="2147483648" r:id="rId1"/>
   </p:sldMasterIdLst>
   <p:notesMasterIdLst>
-    <p:notesMasterId r:id="rId35"/>
+    <p:notesMasterId r:id="rId37"/>
   </p:notesMasterIdLst>
   <p:sldIdLst>
     <p:sldId id="256" r:id="rId2"/>
@@ -40,7 +40,9 @@
     <p:sldId id="294" r:id="rId31"/>
     <p:sldId id="295" r:id="rId32"/>
     <p:sldId id="297" r:id="rId33"/>
-    <p:sldId id="263" r:id="rId34"/>
+    <p:sldId id="302" r:id="rId34"/>
+    <p:sldId id="303" r:id="rId35"/>
+    <p:sldId id="263" r:id="rId36"/>
   </p:sldIdLst>
   <p:sldSz cx="12192000" cy="6858000"/>
   <p:notesSz cx="6858000" cy="9144000"/>
@@ -187,7 +189,10 @@
           </p14:sldIdLst>
         </p14:section>
         <p14:section name="React &amp; redux" id="{B6BBBED2-AAF2-42B9-90F4-682CAD6B1544}">
-          <p14:sldIdLst/>
+          <p14:sldIdLst>
+            <p14:sldId id="302"/>
+            <p14:sldId id="303"/>
+          </p14:sldIdLst>
         </p14:section>
         <p14:section name="build, development &amp; testing" id="{B7ABC3F2-4084-450A-B2C4-E886F60B3B22}">
           <p14:sldIdLst>
@@ -300,7 +305,7 @@
             <a:fld id="{68F520A5-0AD6-418C-8F4A-9FB003B35E28}" type="datetimeFigureOut">
               <a:rPr lang="fr-FR" smtClean="0"/>
               <a:pPr/>
-              <a:t>02/04/2017</a:t>
+              <a:t>18/04/2017</a:t>
             </a:fld>
             <a:endParaRPr lang="fr-FR"/>
           </a:p>
@@ -4175,23 +4180,7 @@
                   <a:schemeClr val="accent6"/>
                 </a:solidFill>
               </a:rPr>
-              <a:t> </a:t>
-            </a:r>
-            <a:r>
-              <a:rPr lang="en-US" sz="2000" noProof="0" dirty="0" smtClean="0">
-                <a:solidFill>
-                  <a:schemeClr val="accent6"/>
-                </a:solidFill>
-              </a:rPr>
-              <a:t>times slower </a:t>
-            </a:r>
-            <a:r>
-              <a:rPr lang="en-US" sz="2000" noProof="0" dirty="0" smtClean="0">
-                <a:solidFill>
-                  <a:schemeClr val="accent6"/>
-                </a:solidFill>
-              </a:rPr>
-              <a:t>than </a:t>
+              <a:t> times slower than </a:t>
             </a:r>
             <a:r>
               <a:rPr lang="en-US" sz="2000" noProof="0" dirty="0" err="1" smtClean="0">
@@ -4218,11 +4207,7 @@
             <a:pPr lvl="1"/>
             <a:r>
               <a:rPr lang="en-US" noProof="0" dirty="0" smtClean="0"/>
-              <a:t>Rendering of shadow DOM elements to actual </a:t>
-            </a:r>
-            <a:r>
-              <a:rPr lang="en-US" noProof="0" dirty="0" smtClean="0"/>
-              <a:t>DOM</a:t>
+              <a:t>Rendering of shadow DOM elements to actual DOM</a:t>
             </a:r>
           </a:p>
           <a:p>
@@ -4241,19 +4226,7 @@
             </a:pPr>
             <a:r>
               <a:rPr lang="en-US" noProof="0" dirty="0" smtClean="0"/>
-              <a:t>Component properties (</a:t>
-            </a:r>
-            <a:r>
-              <a:rPr lang="en-US" noProof="0" dirty="0" smtClean="0"/>
-              <a:t>inputs) </a:t>
-            </a:r>
-            <a:r>
-              <a:rPr lang="en-US" noProof="0" dirty="0" smtClean="0"/>
-              <a:t>changes trigger </a:t>
-            </a:r>
-            <a:r>
-              <a:rPr lang="en-US" noProof="0" dirty="0" smtClean="0"/>
-              <a:t>re-rendering </a:t>
+              <a:t>Component properties (inputs) changes trigger re-rendering </a:t>
             </a:r>
             <a:br>
               <a:rPr lang="en-US" noProof="0" dirty="0" smtClean="0"/>
@@ -4295,15 +4268,7 @@
             </a:pPr>
             <a:r>
               <a:rPr lang="en-US" noProof="0" dirty="0" smtClean="0"/>
-              <a:t>Rendering creates a </a:t>
-            </a:r>
-            <a:r>
-              <a:rPr lang="en-US" noProof="0" dirty="0" smtClean="0"/>
-              <a:t>shadow </a:t>
-            </a:r>
-            <a:r>
-              <a:rPr lang="en-US" noProof="0" dirty="0" smtClean="0"/>
-              <a:t>DOM </a:t>
+              <a:t>Rendering creates a shadow DOM </a:t>
             </a:r>
             <a:r>
               <a:rPr lang="en-US" sz="1900" noProof="0" dirty="0" smtClean="0">
@@ -4365,15 +4330,7 @@
                   <a:schemeClr val="accent6"/>
                 </a:solidFill>
               </a:rPr>
-              <a:t>strong positive impact on </a:t>
-            </a:r>
-            <a:r>
-              <a:rPr lang="en-US" sz="1800" noProof="0" dirty="0" smtClean="0">
-                <a:solidFill>
-                  <a:schemeClr val="accent6"/>
-                </a:solidFill>
-              </a:rPr>
-              <a:t>performance</a:t>
+              <a:t>strong positive impact on performance</a:t>
             </a:r>
             <a:endParaRPr lang="en-US" noProof="0" dirty="0" smtClean="0"/>
           </a:p>
@@ -4383,11 +4340,7 @@
           <a:p>
             <a:r>
               <a:rPr lang="en-US" noProof="0" dirty="0" smtClean="0"/>
-              <a:t>Optimize </a:t>
-            </a:r>
-            <a:r>
-              <a:rPr lang="en-US" noProof="0" dirty="0" smtClean="0"/>
-              <a:t>via </a:t>
+              <a:t>Optimize via </a:t>
             </a:r>
             <a:r>
               <a:rPr lang="en-US" i="1" noProof="0" dirty="0" err="1" smtClean="0"/>
@@ -4399,11 +4352,7 @@
             <a:pPr lvl="1"/>
             <a:r>
               <a:rPr lang="en-US" noProof="0" dirty="0" smtClean="0"/>
-              <a:t>Bring business logic and guess whether the component should call render at </a:t>
-            </a:r>
-            <a:r>
-              <a:rPr lang="en-US" noProof="0" dirty="0" smtClean="0"/>
-              <a:t>all </a:t>
+              <a:t>Bring business logic and guess whether the component should call render at all </a:t>
             </a:r>
             <a:br>
               <a:rPr lang="en-US" noProof="0" dirty="0" smtClean="0"/>
@@ -4597,23 +4546,7 @@
             <a:pPr lvl="1"/>
             <a:r>
               <a:rPr lang="en-US" noProof="0" dirty="0" smtClean="0"/>
-              <a:t>...most components </a:t>
-            </a:r>
-            <a:r>
-              <a:rPr lang="en-US" noProof="0" dirty="0" smtClean="0"/>
-              <a:t>should always </a:t>
-            </a:r>
-            <a:r>
-              <a:rPr lang="en-US" noProof="0" dirty="0" smtClean="0"/>
-              <a:t>return same content for given input and not </a:t>
-            </a:r>
-            <a:r>
-              <a:rPr lang="en-US" noProof="0" dirty="0" smtClean="0"/>
-              <a:t>have internal </a:t>
-            </a:r>
-            <a:r>
-              <a:rPr lang="en-US" noProof="0" dirty="0" smtClean="0"/>
-              <a:t>state </a:t>
+              <a:t>...most components should always return same content for given input and not have internal state </a:t>
             </a:r>
             <a:r>
               <a:rPr lang="en-US" sz="1800" noProof="0" dirty="0" smtClean="0">
@@ -4681,11 +4614,7 @@
             <a:pPr lvl="1"/>
             <a:r>
               <a:rPr lang="en-US" noProof="0" dirty="0" smtClean="0"/>
-              <a:t>Application state </a:t>
-            </a:r>
-            <a:r>
-              <a:rPr lang="en-US" noProof="0" dirty="0" smtClean="0"/>
-              <a:t>only belong in data </a:t>
+              <a:t>Application state only belong in data </a:t>
             </a:r>
             <a:r>
               <a:rPr lang="en-US" sz="1900" noProof="0" dirty="0" smtClean="0">
@@ -4878,11 +4807,7 @@
             <a:pPr lvl="1"/>
             <a:r>
               <a:rPr lang="en-US" dirty="0" smtClean="0"/>
-              <a:t>Many components </a:t>
-            </a:r>
-            <a:r>
-              <a:rPr lang="en-US" dirty="0" smtClean="0"/>
-              <a:t>are said to be </a:t>
+              <a:t>Many components are said to be </a:t>
             </a:r>
             <a:r>
               <a:rPr lang="en-US" i="1" dirty="0" smtClean="0"/>
@@ -4931,13 +4856,8 @@
             <a:pPr lvl="1"/>
             <a:r>
               <a:rPr lang="en-US" dirty="0" smtClean="0"/>
-              <a:t>Some bind </a:t>
-            </a:r>
-            <a:r>
-              <a:rPr lang="en-US" dirty="0" smtClean="0"/>
-              <a:t>to data-source to manage application state updates</a:t>
-            </a:r>
-            <a:endParaRPr lang="en-US" dirty="0" smtClean="0"/>
+              <a:t>Some bind to data-source to manage application state updates</a:t>
+            </a:r>
           </a:p>
         </p:txBody>
       </p:sp>
@@ -5237,11 +5157,7 @@
             </a:r>
             <a:r>
               <a:rPr lang="fr-FR" dirty="0" smtClean="0"/>
-              <a:t> consumes </a:t>
-            </a:r>
-            <a:r>
-              <a:rPr lang="fr-FR" dirty="0" smtClean="0"/>
-              <a:t>data and </a:t>
+              <a:t> consumes data and </a:t>
             </a:r>
             <a:br>
               <a:rPr lang="fr-FR" dirty="0" smtClean="0"/>
@@ -5280,7 +5196,6 @@
               <a:rPr lang="fr-FR" dirty="0" smtClean="0"/>
               <a:t>data changes</a:t>
             </a:r>
-            <a:endParaRPr lang="fr-FR" dirty="0" smtClean="0"/>
           </a:p>
           <a:p>
             <a:pPr lvl="1"/>
@@ -5322,15 +5237,7 @@
             </a:br>
             <a:r>
               <a:rPr lang="en-US" dirty="0" smtClean="0"/>
-              <a:t>centralized data </a:t>
-            </a:r>
-            <a:r>
-              <a:rPr lang="en-US" dirty="0" smtClean="0"/>
-              <a:t>store</a:t>
-            </a:r>
-            <a:r>
-              <a:rPr lang="en-US" dirty="0" smtClean="0"/>
-              <a:t/>
+              <a:t>centralized data store</a:t>
             </a:r>
             <a:br>
               <a:rPr lang="en-US" dirty="0" smtClean="0"/>
@@ -5341,23 +5248,7 @@
                   <a:schemeClr val="accent6"/>
                 </a:solidFill>
               </a:rPr>
-              <a:t>not hidden in </a:t>
-            </a:r>
-            <a:r>
-              <a:rPr lang="en-US" sz="1800" dirty="0" smtClean="0">
-                <a:solidFill>
-                  <a:schemeClr val="accent6"/>
-                </a:solidFill>
-              </a:rPr>
-              <a:t>DOM </a:t>
-            </a:r>
-            <a:r>
-              <a:rPr lang="en-US" sz="1800" dirty="0" smtClean="0">
-                <a:solidFill>
-                  <a:schemeClr val="accent6"/>
-                </a:solidFill>
-              </a:rPr>
-              <a:t>or other weird places</a:t>
+              <a:t>not hidden in DOM or other weird places</a:t>
             </a:r>
             <a:endParaRPr lang="fr-FR" sz="1800" dirty="0" smtClean="0">
               <a:solidFill>
@@ -7748,11 +7639,7 @@
           <a:p>
             <a:r>
               <a:rPr lang="en-US" dirty="0" smtClean="0"/>
-              <a:t>Reducers </a:t>
-            </a:r>
-            <a:r>
-              <a:rPr lang="en-US" dirty="0" smtClean="0"/>
-              <a:t>can be combined</a:t>
+              <a:t>Reducers can be combined</a:t>
             </a:r>
           </a:p>
           <a:p>
@@ -8490,10 +8377,10 @@
           <a:lstStyle/>
           <a:p>
             <a:r>
-              <a:rPr lang="en-US" noProof="0" smtClean="0"/>
+              <a:rPr lang="en-US" noProof="0" dirty="0" smtClean="0"/>
               <a:t>A project we’re targeting	</a:t>
             </a:r>
-            <a:endParaRPr lang="en-US" noProof="0"/>
+            <a:endParaRPr lang="en-US" noProof="0" dirty="0"/>
           </a:p>
         </p:txBody>
       </p:sp>
@@ -15953,7 +15840,6 @@
               <a:rPr lang="fr-FR" b="1" dirty="0"/>
               <a:t>Logs</a:t>
             </a:r>
-            <a:endParaRPr lang="fr-FR" b="1" dirty="0"/>
           </a:p>
         </p:txBody>
       </p:sp>
@@ -20140,7 +20026,6 @@
               <a:rPr lang="fr-FR" b="1" dirty="0"/>
               <a:t>API</a:t>
             </a:r>
-            <a:endParaRPr lang="fr-FR" b="1" dirty="0"/>
           </a:p>
         </p:txBody>
       </p:sp>
@@ -24057,6 +23942,13 @@
   <p:clrMapOvr>
     <a:masterClrMapping/>
   </p:clrMapOvr>
+  <p:timing>
+    <p:tnLst>
+      <p:par>
+        <p:cTn id="1" dur="indefinite" restart="never" nodeType="tmRoot"/>
+      </p:par>
+    </p:tnLst>
+  </p:timing>
 </p:sld>
 </file>
 
@@ -24336,6 +24228,832 @@
           <a:lstStyle/>
           <a:p>
             <a:r>
+              <a:rPr lang="en-US" dirty="0" smtClean="0"/>
+              <a:t>Application structure</a:t>
+            </a:r>
+            <a:endParaRPr lang="fr-FR" dirty="0"/>
+          </a:p>
+        </p:txBody>
+      </p:sp>
+      <p:sp>
+        <p:nvSpPr>
+          <p:cNvPr id="3" name="Content Placeholder 2"/>
+          <p:cNvSpPr>
+            <a:spLocks noGrp="1"/>
+          </p:cNvSpPr>
+          <p:nvPr>
+            <p:ph idx="1"/>
+          </p:nvPr>
+        </p:nvSpPr>
+        <p:spPr/>
+        <p:txBody>
+          <a:bodyPr/>
+          <a:lstStyle/>
+          <a:p>
+            <a:r>
+              <a:rPr lang="en-US" dirty="0" smtClean="0"/>
+              <a:t>sources</a:t>
+            </a:r>
+          </a:p>
+          <a:p>
+            <a:pPr lvl="1">
+              <a:buClr>
+                <a:schemeClr val="tx1"/>
+              </a:buClr>
+              <a:buFont typeface="Calibri" panose="020F0502020204030204" pitchFamily="34" charset="0"/>
+              <a:buChar char="⁄"/>
+            </a:pPr>
+            <a:r>
+              <a:rPr lang="en-US" dirty="0" err="1" smtClean="0">
+                <a:solidFill>
+                  <a:schemeClr val="accent5"/>
+                </a:solidFill>
+              </a:rPr>
+              <a:t>api</a:t>
+            </a:r>
+            <a:r>
+              <a:rPr lang="en-US" dirty="0" smtClean="0">
+                <a:solidFill>
+                  <a:schemeClr val="accent5"/>
+                </a:solidFill>
+              </a:rPr>
+              <a:t>/			</a:t>
+            </a:r>
+            <a:r>
+              <a:rPr lang="en-US" sz="1800" dirty="0" smtClean="0">
+                <a:solidFill>
+                  <a:schemeClr val="accent6"/>
+                </a:solidFill>
+              </a:rPr>
+              <a:t>// </a:t>
+            </a:r>
+            <a:r>
+              <a:rPr lang="en-US" sz="1800" dirty="0">
+                <a:solidFill>
+                  <a:schemeClr val="accent6"/>
+                </a:solidFill>
+              </a:rPr>
+              <a:t>contains </a:t>
+            </a:r>
+            <a:r>
+              <a:rPr lang="en-US" sz="1800" dirty="0" err="1">
+                <a:solidFill>
+                  <a:schemeClr val="accent6"/>
+                </a:solidFill>
+              </a:rPr>
+              <a:t>url</a:t>
+            </a:r>
+            <a:r>
+              <a:rPr lang="en-US" sz="1800" dirty="0">
+                <a:solidFill>
+                  <a:schemeClr val="accent6"/>
+                </a:solidFill>
+              </a:rPr>
+              <a:t> information (builders) to (RESTful) API resources</a:t>
+            </a:r>
+          </a:p>
+          <a:p>
+            <a:pPr lvl="1">
+              <a:buClr>
+                <a:schemeClr val="tx1"/>
+              </a:buClr>
+              <a:buFont typeface="Calibri" panose="020F0502020204030204" pitchFamily="34" charset="0"/>
+              <a:buChar char="⁄"/>
+            </a:pPr>
+            <a:r>
+              <a:rPr lang="en-US" dirty="0" smtClean="0">
+                <a:solidFill>
+                  <a:schemeClr val="accent5"/>
+                </a:solidFill>
+              </a:rPr>
+              <a:t>business/		</a:t>
+            </a:r>
+            <a:r>
+              <a:rPr lang="en-US" sz="1800" dirty="0" smtClean="0">
+                <a:solidFill>
+                  <a:schemeClr val="accent6"/>
+                </a:solidFill>
+              </a:rPr>
+              <a:t>// </a:t>
+            </a:r>
+            <a:r>
+              <a:rPr lang="en-US" sz="1800" dirty="0">
+                <a:solidFill>
+                  <a:schemeClr val="accent6"/>
+                </a:solidFill>
+              </a:rPr>
+              <a:t>contains data description and manipulations (redux workflow)</a:t>
+            </a:r>
+          </a:p>
+          <a:p>
+            <a:pPr lvl="1">
+              <a:buClr>
+                <a:schemeClr val="tx1"/>
+              </a:buClr>
+              <a:buFont typeface="Calibri" panose="020F0502020204030204" pitchFamily="34" charset="0"/>
+              <a:buChar char="⁄"/>
+            </a:pPr>
+            <a:r>
+              <a:rPr lang="en-US" dirty="0" smtClean="0">
+                <a:solidFill>
+                  <a:schemeClr val="accent5"/>
+                </a:solidFill>
+              </a:rPr>
+              <a:t>components/		</a:t>
+            </a:r>
+            <a:r>
+              <a:rPr lang="en-US" sz="1800" dirty="0" smtClean="0">
+                <a:solidFill>
+                  <a:schemeClr val="accent6"/>
+                </a:solidFill>
+              </a:rPr>
+              <a:t>// </a:t>
+            </a:r>
+            <a:r>
+              <a:rPr lang="en-US" sz="1800" dirty="0">
+                <a:solidFill>
+                  <a:schemeClr val="accent6"/>
+                </a:solidFill>
+              </a:rPr>
+              <a:t>contains React dumb components</a:t>
+            </a:r>
+          </a:p>
+          <a:p>
+            <a:pPr lvl="1">
+              <a:buClr>
+                <a:schemeClr val="tx1"/>
+              </a:buClr>
+              <a:buFont typeface="Calibri" panose="020F0502020204030204" pitchFamily="34" charset="0"/>
+              <a:buChar char="⁄"/>
+            </a:pPr>
+            <a:r>
+              <a:rPr lang="en-US" dirty="0" smtClean="0">
+                <a:solidFill>
+                  <a:schemeClr val="accent5"/>
+                </a:solidFill>
+              </a:rPr>
+              <a:t>containers/		</a:t>
+            </a:r>
+            <a:r>
+              <a:rPr lang="en-US" sz="1800" dirty="0" smtClean="0">
+                <a:solidFill>
+                  <a:schemeClr val="accent6"/>
+                </a:solidFill>
+              </a:rPr>
+              <a:t>// </a:t>
+            </a:r>
+            <a:r>
+              <a:rPr lang="en-US" sz="1800" dirty="0">
+                <a:solidFill>
+                  <a:schemeClr val="accent6"/>
+                </a:solidFill>
+              </a:rPr>
+              <a:t>contains React smart components</a:t>
+            </a:r>
+          </a:p>
+          <a:p>
+            <a:pPr lvl="1">
+              <a:buClr>
+                <a:schemeClr val="tx1"/>
+              </a:buClr>
+              <a:buFont typeface="Calibri" panose="020F0502020204030204" pitchFamily="34" charset="0"/>
+              <a:buChar char="⁄"/>
+            </a:pPr>
+            <a:r>
+              <a:rPr lang="en-US" dirty="0" smtClean="0">
+                <a:solidFill>
+                  <a:schemeClr val="accent5"/>
+                </a:solidFill>
+              </a:rPr>
+              <a:t>core/			</a:t>
+            </a:r>
+            <a:r>
+              <a:rPr lang="en-US" sz="1800" dirty="0" smtClean="0">
+                <a:solidFill>
+                  <a:schemeClr val="accent6"/>
+                </a:solidFill>
+              </a:rPr>
+              <a:t>// </a:t>
+            </a:r>
+            <a:r>
+              <a:rPr lang="en-US" sz="1800" dirty="0">
+                <a:solidFill>
+                  <a:schemeClr val="accent6"/>
+                </a:solidFill>
+              </a:rPr>
+              <a:t>general application configuration skeleton </a:t>
+            </a:r>
+          </a:p>
+          <a:p>
+            <a:pPr lvl="1">
+              <a:buClr>
+                <a:schemeClr val="tx1"/>
+              </a:buClr>
+              <a:buFont typeface="Calibri" panose="020F0502020204030204" pitchFamily="34" charset="0"/>
+              <a:buChar char="⁄"/>
+            </a:pPr>
+            <a:r>
+              <a:rPr lang="en-US" dirty="0" smtClean="0">
+                <a:solidFill>
+                  <a:schemeClr val="accent2"/>
+                </a:solidFill>
+              </a:rPr>
+              <a:t>index.html		</a:t>
+            </a:r>
+            <a:r>
+              <a:rPr lang="en-US" sz="1800" dirty="0" smtClean="0">
+                <a:solidFill>
+                  <a:schemeClr val="accent6"/>
+                </a:solidFill>
+              </a:rPr>
+              <a:t>// </a:t>
+            </a:r>
+            <a:r>
+              <a:rPr lang="en-US" sz="1800" dirty="0">
+                <a:solidFill>
+                  <a:schemeClr val="accent6"/>
+                </a:solidFill>
+              </a:rPr>
+              <a:t>SPA entry point</a:t>
+            </a:r>
+          </a:p>
+          <a:p>
+            <a:pPr lvl="1">
+              <a:buClr>
+                <a:schemeClr val="tx1"/>
+              </a:buClr>
+              <a:buFont typeface="Calibri" panose="020F0502020204030204" pitchFamily="34" charset="0"/>
+              <a:buChar char="⁄"/>
+            </a:pPr>
+            <a:r>
+              <a:rPr lang="en-US" dirty="0" err="1" smtClean="0">
+                <a:solidFill>
+                  <a:schemeClr val="accent2"/>
+                </a:solidFill>
+              </a:rPr>
+              <a:t>main.jsx</a:t>
+            </a:r>
+            <a:r>
+              <a:rPr lang="en-US" dirty="0" smtClean="0">
+                <a:solidFill>
+                  <a:schemeClr val="accent2"/>
+                </a:solidFill>
+              </a:rPr>
+              <a:t>			</a:t>
+            </a:r>
+            <a:r>
+              <a:rPr lang="en-US" sz="1800" dirty="0" smtClean="0">
+                <a:solidFill>
+                  <a:schemeClr val="accent6"/>
+                </a:solidFill>
+              </a:rPr>
+              <a:t>// </a:t>
+            </a:r>
+            <a:r>
+              <a:rPr lang="en-US" sz="1800" dirty="0">
+                <a:solidFill>
+                  <a:schemeClr val="accent6"/>
+                </a:solidFill>
+              </a:rPr>
+              <a:t>SPA code entry point</a:t>
+            </a:r>
+          </a:p>
+          <a:p>
+            <a:pPr lvl="1">
+              <a:buClr>
+                <a:schemeClr val="tx1"/>
+              </a:buClr>
+              <a:buFont typeface="Calibri" panose="020F0502020204030204" pitchFamily="34" charset="0"/>
+              <a:buChar char="⁄"/>
+            </a:pPr>
+            <a:r>
+              <a:rPr lang="en-US" dirty="0" smtClean="0">
+                <a:solidFill>
+                  <a:schemeClr val="accent2"/>
+                </a:solidFill>
+              </a:rPr>
+              <a:t>store.js			</a:t>
+            </a:r>
+            <a:r>
+              <a:rPr lang="en-US" sz="1800" dirty="0" smtClean="0">
+                <a:solidFill>
+                  <a:schemeClr val="accent6"/>
+                </a:solidFill>
+              </a:rPr>
+              <a:t>// redux data store setup</a:t>
+            </a:r>
+            <a:endParaRPr lang="fr-FR" dirty="0">
+              <a:solidFill>
+                <a:schemeClr val="accent6"/>
+              </a:solidFill>
+            </a:endParaRPr>
+          </a:p>
+        </p:txBody>
+      </p:sp>
+      <p:sp>
+        <p:nvSpPr>
+          <p:cNvPr id="4" name="Date Placeholder 3"/>
+          <p:cNvSpPr>
+            <a:spLocks noGrp="1"/>
+          </p:cNvSpPr>
+          <p:nvPr>
+            <p:ph type="dt" sz="half" idx="10"/>
+          </p:nvPr>
+        </p:nvSpPr>
+        <p:spPr/>
+        <p:txBody>
+          <a:bodyPr/>
+          <a:lstStyle/>
+          <a:p>
+            <a:r>
+              <a:rPr lang="fr-FR" smtClean="0"/>
+              <a:t>2017</a:t>
+            </a:r>
+            <a:endParaRPr lang="fr-FR"/>
+          </a:p>
+        </p:txBody>
+      </p:sp>
+      <p:sp>
+        <p:nvSpPr>
+          <p:cNvPr id="5" name="Footer Placeholder 4"/>
+          <p:cNvSpPr>
+            <a:spLocks noGrp="1"/>
+          </p:cNvSpPr>
+          <p:nvPr>
+            <p:ph type="ftr" sz="quarter" idx="11"/>
+          </p:nvPr>
+        </p:nvSpPr>
+        <p:spPr/>
+        <p:txBody>
+          <a:bodyPr/>
+          <a:lstStyle/>
+          <a:p>
+            <a:r>
+              <a:rPr lang="fr-FR" smtClean="0"/>
+              <a:t>cedric.hartland@gmail.com</a:t>
+            </a:r>
+            <a:endParaRPr lang="fr-FR" dirty="0"/>
+          </a:p>
+        </p:txBody>
+      </p:sp>
+      <p:sp>
+        <p:nvSpPr>
+          <p:cNvPr id="6" name="Slide Number Placeholder 5"/>
+          <p:cNvSpPr>
+            <a:spLocks noGrp="1"/>
+          </p:cNvSpPr>
+          <p:nvPr>
+            <p:ph type="sldNum" sz="quarter" idx="12"/>
+          </p:nvPr>
+        </p:nvSpPr>
+        <p:spPr/>
+        <p:txBody>
+          <a:bodyPr/>
+          <a:lstStyle/>
+          <a:p>
+            <a:fld id="{44139E8D-6066-4080-AC46-DB89673BFC8E}" type="slidenum">
+              <a:rPr lang="fr-FR" smtClean="0"/>
+              <a:pPr/>
+              <a:t>33</a:t>
+            </a:fld>
+            <a:endParaRPr lang="fr-FR"/>
+          </a:p>
+        </p:txBody>
+      </p:sp>
+    </p:spTree>
+    <p:extLst>
+      <p:ext uri="{BB962C8B-B14F-4D97-AF65-F5344CB8AC3E}">
+        <p14:creationId xmlns:p14="http://schemas.microsoft.com/office/powerpoint/2010/main" val="3243038628"/>
+      </p:ext>
+    </p:extLst>
+  </p:cSld>
+  <p:clrMapOvr>
+    <a:masterClrMapping/>
+  </p:clrMapOvr>
+</p:sld>
+</file>
+
+<file path=ppt/slides/slide34.xml><?xml version="1.0" encoding="utf-8"?>
+<p:sld xmlns:a="http://schemas.openxmlformats.org/drawingml/2006/main" xmlns:r="http://schemas.openxmlformats.org/officeDocument/2006/relationships" xmlns:p="http://schemas.openxmlformats.org/presentationml/2006/main">
+  <p:cSld>
+    <p:spTree>
+      <p:nvGrpSpPr>
+        <p:cNvPr id="1" name=""/>
+        <p:cNvGrpSpPr/>
+        <p:nvPr/>
+      </p:nvGrpSpPr>
+      <p:grpSpPr>
+        <a:xfrm>
+          <a:off x="0" y="0"/>
+          <a:ext cx="0" cy="0"/>
+          <a:chOff x="0" y="0"/>
+          <a:chExt cx="0" cy="0"/>
+        </a:xfrm>
+      </p:grpSpPr>
+      <p:sp>
+        <p:nvSpPr>
+          <p:cNvPr id="2" name="Title 1"/>
+          <p:cNvSpPr>
+            <a:spLocks noGrp="1"/>
+          </p:cNvSpPr>
+          <p:nvPr>
+            <p:ph type="title"/>
+          </p:nvPr>
+        </p:nvSpPr>
+        <p:spPr/>
+        <p:txBody>
+          <a:bodyPr/>
+          <a:lstStyle/>
+          <a:p>
+            <a:r>
+              <a:rPr lang="en-US" dirty="0" smtClean="0"/>
+              <a:t>Business logic</a:t>
+            </a:r>
+            <a:endParaRPr lang="fr-FR" dirty="0"/>
+          </a:p>
+        </p:txBody>
+      </p:sp>
+      <p:sp>
+        <p:nvSpPr>
+          <p:cNvPr id="3" name="Content Placeholder 2"/>
+          <p:cNvSpPr>
+            <a:spLocks noGrp="1"/>
+          </p:cNvSpPr>
+          <p:nvPr>
+            <p:ph idx="1"/>
+          </p:nvPr>
+        </p:nvSpPr>
+        <p:spPr/>
+        <p:txBody>
+          <a:bodyPr/>
+          <a:lstStyle/>
+          <a:p>
+            <a:r>
+              <a:rPr lang="en-US" dirty="0" smtClean="0"/>
+              <a:t>sources</a:t>
+            </a:r>
+          </a:p>
+          <a:p>
+            <a:pPr lvl="1">
+              <a:buClr>
+                <a:schemeClr val="tx1"/>
+              </a:buClr>
+              <a:buFont typeface="Calibri" panose="020F0502020204030204" pitchFamily="34" charset="0"/>
+              <a:buChar char="⁄"/>
+            </a:pPr>
+            <a:r>
+              <a:rPr lang="en-US" dirty="0" smtClean="0"/>
+              <a:t>…</a:t>
+            </a:r>
+          </a:p>
+          <a:p>
+            <a:pPr lvl="1">
+              <a:buClr>
+                <a:schemeClr val="tx1"/>
+              </a:buClr>
+              <a:buFont typeface="Calibri" panose="020F0502020204030204" pitchFamily="34" charset="0"/>
+              <a:buChar char="⁄"/>
+            </a:pPr>
+            <a:r>
+              <a:rPr lang="en-US" dirty="0" smtClean="0">
+                <a:solidFill>
+                  <a:schemeClr val="accent5"/>
+                </a:solidFill>
+              </a:rPr>
+              <a:t>business/</a:t>
+            </a:r>
+          </a:p>
+          <a:p>
+            <a:pPr lvl="2">
+              <a:buClr>
+                <a:schemeClr val="tx1"/>
+              </a:buClr>
+              <a:buFont typeface="Calibri" panose="020F0502020204030204" pitchFamily="34" charset="0"/>
+              <a:buChar char="⁄"/>
+            </a:pPr>
+            <a:r>
+              <a:rPr lang="en-US" dirty="0" smtClean="0">
+                <a:solidFill>
+                  <a:schemeClr val="accent5"/>
+                </a:solidFill>
+              </a:rPr>
+              <a:t>any-concept/</a:t>
+            </a:r>
+          </a:p>
+          <a:p>
+            <a:pPr lvl="3">
+              <a:buClr>
+                <a:schemeClr val="tx1"/>
+              </a:buClr>
+              <a:buFont typeface="Calibri" panose="020F0502020204030204" pitchFamily="34" charset="0"/>
+              <a:buChar char="⁄"/>
+            </a:pPr>
+            <a:r>
+              <a:rPr lang="en-US" dirty="0" smtClean="0">
+                <a:solidFill>
+                  <a:schemeClr val="accent5"/>
+                </a:solidFill>
+              </a:rPr>
+              <a:t>specs/		</a:t>
+            </a:r>
+            <a:r>
+              <a:rPr lang="en-US" dirty="0">
+                <a:solidFill>
+                  <a:schemeClr val="accent6"/>
+                </a:solidFill>
+              </a:rPr>
+              <a:t>// tests for business files, may be flat to folder or in such subfolder</a:t>
+            </a:r>
+          </a:p>
+          <a:p>
+            <a:pPr lvl="3">
+              <a:buClr>
+                <a:schemeClr val="tx1"/>
+              </a:buClr>
+              <a:buFont typeface="Calibri" panose="020F0502020204030204" pitchFamily="34" charset="0"/>
+              <a:buChar char="⁄"/>
+            </a:pPr>
+            <a:r>
+              <a:rPr lang="en-US" dirty="0" smtClean="0">
+                <a:solidFill>
+                  <a:schemeClr val="accent2"/>
+                </a:solidFill>
+              </a:rPr>
+              <a:t>actions.js		</a:t>
+            </a:r>
+            <a:r>
+              <a:rPr lang="en-US" dirty="0">
+                <a:solidFill>
+                  <a:schemeClr val="accent6"/>
+                </a:solidFill>
+              </a:rPr>
+              <a:t>// action creators (business logic operations there)</a:t>
+            </a:r>
+          </a:p>
+          <a:p>
+            <a:pPr lvl="3">
+              <a:buClr>
+                <a:schemeClr val="tx1"/>
+              </a:buClr>
+              <a:buFont typeface="Calibri" panose="020F0502020204030204" pitchFamily="34" charset="0"/>
+              <a:buChar char="⁄"/>
+            </a:pPr>
+            <a:r>
+              <a:rPr lang="en-US" dirty="0" smtClean="0">
+                <a:solidFill>
+                  <a:schemeClr val="accent2"/>
+                </a:solidFill>
+              </a:rPr>
+              <a:t>constants.js*	</a:t>
+            </a:r>
+            <a:r>
+              <a:rPr lang="en-US" dirty="0">
+                <a:solidFill>
+                  <a:schemeClr val="accent6"/>
+                </a:solidFill>
+              </a:rPr>
+              <a:t>// reusable constants (e.g. action variables)</a:t>
+            </a:r>
+          </a:p>
+          <a:p>
+            <a:pPr lvl="3">
+              <a:buClr>
+                <a:schemeClr val="tx1"/>
+              </a:buClr>
+              <a:buFont typeface="Calibri" panose="020F0502020204030204" pitchFamily="34" charset="0"/>
+              <a:buChar char="⁄"/>
+            </a:pPr>
+            <a:r>
+              <a:rPr lang="en-US" dirty="0" smtClean="0">
+                <a:solidFill>
+                  <a:schemeClr val="accent2"/>
+                </a:solidFill>
+              </a:rPr>
+              <a:t>reducers.js 		</a:t>
+            </a:r>
+            <a:r>
+              <a:rPr lang="en-US" dirty="0" smtClean="0">
+                <a:solidFill>
+                  <a:schemeClr val="accent6"/>
+                </a:solidFill>
+              </a:rPr>
+              <a:t>// reducer functions</a:t>
+            </a:r>
+            <a:endParaRPr lang="en-US" dirty="0" smtClean="0">
+              <a:solidFill>
+                <a:schemeClr val="accent2"/>
+              </a:solidFill>
+            </a:endParaRPr>
+          </a:p>
+          <a:p>
+            <a:pPr lvl="3">
+              <a:buClr>
+                <a:schemeClr val="tx1"/>
+              </a:buClr>
+              <a:buFont typeface="Calibri" panose="020F0502020204030204" pitchFamily="34" charset="0"/>
+              <a:buChar char="⁄"/>
+            </a:pPr>
+            <a:r>
+              <a:rPr lang="en-US" dirty="0" smtClean="0">
+                <a:solidFill>
+                  <a:schemeClr val="accent2"/>
+                </a:solidFill>
+              </a:rPr>
+              <a:t>sagas.js*		</a:t>
+            </a:r>
+            <a:r>
+              <a:rPr lang="en-US" dirty="0" smtClean="0">
+                <a:solidFill>
+                  <a:schemeClr val="accent6"/>
+                </a:solidFill>
+              </a:rPr>
+              <a:t>// sagas middleware operations</a:t>
+            </a:r>
+          </a:p>
+          <a:p>
+            <a:pPr lvl="3">
+              <a:buClr>
+                <a:schemeClr val="tx1"/>
+              </a:buClr>
+              <a:buFont typeface="Calibri" panose="020F0502020204030204" pitchFamily="34" charset="0"/>
+              <a:buChar char="⁄"/>
+            </a:pPr>
+            <a:r>
+              <a:rPr lang="en-US" dirty="0" smtClean="0">
+                <a:solidFill>
+                  <a:schemeClr val="accent2"/>
+                </a:solidFill>
+              </a:rPr>
+              <a:t>..middleware.js</a:t>
+            </a:r>
+            <a:r>
+              <a:rPr lang="en-US" dirty="0" smtClean="0">
+                <a:solidFill>
+                  <a:schemeClr val="accent6"/>
+                </a:solidFill>
+              </a:rPr>
+              <a:t>	// other possible middleware linked to business logic concept</a:t>
+            </a:r>
+          </a:p>
+          <a:p>
+            <a:pPr lvl="1">
+              <a:buClr>
+                <a:schemeClr val="tx1"/>
+              </a:buClr>
+              <a:buFont typeface="Calibri" panose="020F0502020204030204" pitchFamily="34" charset="0"/>
+              <a:buChar char="⁄"/>
+            </a:pPr>
+            <a:r>
+              <a:rPr lang="en-US" dirty="0" smtClean="0"/>
+              <a:t>…</a:t>
+            </a:r>
+            <a:endParaRPr lang="en-US" dirty="0"/>
+          </a:p>
+          <a:p>
+            <a:pPr lvl="3">
+              <a:buClr>
+                <a:schemeClr val="tx1"/>
+              </a:buClr>
+              <a:buFont typeface="Calibri" panose="020F0502020204030204" pitchFamily="34" charset="0"/>
+              <a:buChar char="⁄"/>
+            </a:pPr>
+            <a:endParaRPr lang="en-US" dirty="0" smtClean="0">
+              <a:solidFill>
+                <a:schemeClr val="accent2"/>
+              </a:solidFill>
+            </a:endParaRPr>
+          </a:p>
+          <a:p>
+            <a:pPr marL="0" indent="0">
+              <a:buClr>
+                <a:schemeClr val="tx1"/>
+              </a:buClr>
+              <a:buNone/>
+            </a:pPr>
+            <a:r>
+              <a:rPr lang="en-US" sz="2400" dirty="0" smtClean="0"/>
+              <a:t>Components with * are optional depending on context</a:t>
+            </a:r>
+            <a:endParaRPr lang="fr-FR" sz="2400" dirty="0"/>
+          </a:p>
+        </p:txBody>
+      </p:sp>
+      <p:sp>
+        <p:nvSpPr>
+          <p:cNvPr id="4" name="Date Placeholder 3"/>
+          <p:cNvSpPr>
+            <a:spLocks noGrp="1"/>
+          </p:cNvSpPr>
+          <p:nvPr>
+            <p:ph type="dt" sz="half" idx="10"/>
+          </p:nvPr>
+        </p:nvSpPr>
+        <p:spPr/>
+        <p:txBody>
+          <a:bodyPr/>
+          <a:lstStyle/>
+          <a:p>
+            <a:r>
+              <a:rPr lang="fr-FR" smtClean="0"/>
+              <a:t>2017</a:t>
+            </a:r>
+            <a:endParaRPr lang="fr-FR"/>
+          </a:p>
+        </p:txBody>
+      </p:sp>
+      <p:sp>
+        <p:nvSpPr>
+          <p:cNvPr id="5" name="Footer Placeholder 4"/>
+          <p:cNvSpPr>
+            <a:spLocks noGrp="1"/>
+          </p:cNvSpPr>
+          <p:nvPr>
+            <p:ph type="ftr" sz="quarter" idx="11"/>
+          </p:nvPr>
+        </p:nvSpPr>
+        <p:spPr/>
+        <p:txBody>
+          <a:bodyPr/>
+          <a:lstStyle/>
+          <a:p>
+            <a:r>
+              <a:rPr lang="fr-FR" smtClean="0"/>
+              <a:t>cedric.hartland@gmail.com</a:t>
+            </a:r>
+            <a:endParaRPr lang="fr-FR" dirty="0"/>
+          </a:p>
+        </p:txBody>
+      </p:sp>
+      <p:sp>
+        <p:nvSpPr>
+          <p:cNvPr id="6" name="Slide Number Placeholder 5"/>
+          <p:cNvSpPr>
+            <a:spLocks noGrp="1"/>
+          </p:cNvSpPr>
+          <p:nvPr>
+            <p:ph type="sldNum" sz="quarter" idx="12"/>
+          </p:nvPr>
+        </p:nvSpPr>
+        <p:spPr/>
+        <p:txBody>
+          <a:bodyPr/>
+          <a:lstStyle/>
+          <a:p>
+            <a:fld id="{44139E8D-6066-4080-AC46-DB89673BFC8E}" type="slidenum">
+              <a:rPr lang="fr-FR" smtClean="0"/>
+              <a:pPr/>
+              <a:t>34</a:t>
+            </a:fld>
+            <a:endParaRPr lang="fr-FR"/>
+          </a:p>
+        </p:txBody>
+      </p:sp>
+    </p:spTree>
+    <p:extLst>
+      <p:ext uri="{BB962C8B-B14F-4D97-AF65-F5344CB8AC3E}">
+        <p14:creationId xmlns:p14="http://schemas.microsoft.com/office/powerpoint/2010/main" val="105811837"/>
+      </p:ext>
+    </p:extLst>
+  </p:cSld>
+  <p:clrMapOvr>
+    <a:masterClrMapping/>
+  </p:clrMapOvr>
+</p:sld>
+</file>
+
+<file path=ppt/slides/slide35.xml><?xml version="1.0" encoding="utf-8"?>
+<p:sld xmlns:a="http://schemas.openxmlformats.org/drawingml/2006/main" xmlns:r="http://schemas.openxmlformats.org/officeDocument/2006/relationships" xmlns:p="http://schemas.openxmlformats.org/presentationml/2006/main">
+  <p:cSld>
+    <p:spTree>
+      <p:nvGrpSpPr>
+        <p:cNvPr id="1" name=""/>
+        <p:cNvGrpSpPr/>
+        <p:nvPr/>
+      </p:nvGrpSpPr>
+      <p:grpSpPr>
+        <a:xfrm>
+          <a:off x="0" y="0"/>
+          <a:ext cx="0" cy="0"/>
+          <a:chOff x="0" y="0"/>
+          <a:chExt cx="0" cy="0"/>
+        </a:xfrm>
+      </p:grpSpPr>
+      <p:sp>
+        <p:nvSpPr>
+          <p:cNvPr id="2" name="Title 1"/>
+          <p:cNvSpPr>
+            <a:spLocks noGrp="1"/>
+          </p:cNvSpPr>
+          <p:nvPr>
+            <p:ph type="title"/>
+          </p:nvPr>
+        </p:nvSpPr>
+        <p:spPr/>
+        <p:txBody>
+          <a:bodyPr/>
+          <a:lstStyle/>
+          <a:p>
+            <a:r>
               <a:rPr lang="en-US" noProof="0" smtClean="0"/>
               <a:t>Wait, there’s more</a:t>
             </a:r>
@@ -24430,7 +25148,7 @@
             <a:fld id="{44139E8D-6066-4080-AC46-DB89673BFC8E}" type="slidenum">
               <a:rPr lang="fr-FR" smtClean="0"/>
               <a:pPr/>
-              <a:t>33</a:t>
+              <a:t>35</a:t>
             </a:fld>
             <a:endParaRPr lang="fr-FR"/>
           </a:p>

--- a/docs/React & Redux.pptx
+++ b/docs/React & Redux.pptx
@@ -5,7 +5,7 @@
     <p:sldMasterId id="2147483648" r:id="rId1"/>
   </p:sldMasterIdLst>
   <p:notesMasterIdLst>
-    <p:notesMasterId r:id="rId49"/>
+    <p:notesMasterId r:id="rId50"/>
   </p:notesMasterIdLst>
   <p:sldIdLst>
     <p:sldId id="256" r:id="rId2"/>
@@ -28,33 +28,34 @@
     <p:sldId id="275" r:id="rId19"/>
     <p:sldId id="301" r:id="rId20"/>
     <p:sldId id="274" r:id="rId21"/>
-    <p:sldId id="284" r:id="rId22"/>
-    <p:sldId id="283" r:id="rId23"/>
-    <p:sldId id="282" r:id="rId24"/>
-    <p:sldId id="286" r:id="rId25"/>
-    <p:sldId id="287" r:id="rId26"/>
-    <p:sldId id="298" r:id="rId27"/>
-    <p:sldId id="288" r:id="rId28"/>
-    <p:sldId id="289" r:id="rId29"/>
-    <p:sldId id="290" r:id="rId30"/>
-    <p:sldId id="299" r:id="rId31"/>
-    <p:sldId id="293" r:id="rId32"/>
-    <p:sldId id="294" r:id="rId33"/>
-    <p:sldId id="313" r:id="rId34"/>
-    <p:sldId id="302" r:id="rId35"/>
-    <p:sldId id="303" r:id="rId36"/>
-    <p:sldId id="311" r:id="rId37"/>
-    <p:sldId id="312" r:id="rId38"/>
-    <p:sldId id="263" r:id="rId39"/>
-    <p:sldId id="305" r:id="rId40"/>
-    <p:sldId id="307" r:id="rId41"/>
-    <p:sldId id="306" r:id="rId42"/>
-    <p:sldId id="314" r:id="rId43"/>
-    <p:sldId id="308" r:id="rId44"/>
-    <p:sldId id="309" r:id="rId45"/>
-    <p:sldId id="310" r:id="rId46"/>
-    <p:sldId id="295" r:id="rId47"/>
-    <p:sldId id="297" r:id="rId48"/>
+    <p:sldId id="316" r:id="rId22"/>
+    <p:sldId id="284" r:id="rId23"/>
+    <p:sldId id="283" r:id="rId24"/>
+    <p:sldId id="282" r:id="rId25"/>
+    <p:sldId id="286" r:id="rId26"/>
+    <p:sldId id="287" r:id="rId27"/>
+    <p:sldId id="298" r:id="rId28"/>
+    <p:sldId id="288" r:id="rId29"/>
+    <p:sldId id="289" r:id="rId30"/>
+    <p:sldId id="290" r:id="rId31"/>
+    <p:sldId id="299" r:id="rId32"/>
+    <p:sldId id="293" r:id="rId33"/>
+    <p:sldId id="294" r:id="rId34"/>
+    <p:sldId id="313" r:id="rId35"/>
+    <p:sldId id="302" r:id="rId36"/>
+    <p:sldId id="303" r:id="rId37"/>
+    <p:sldId id="311" r:id="rId38"/>
+    <p:sldId id="312" r:id="rId39"/>
+    <p:sldId id="263" r:id="rId40"/>
+    <p:sldId id="305" r:id="rId41"/>
+    <p:sldId id="307" r:id="rId42"/>
+    <p:sldId id="306" r:id="rId43"/>
+    <p:sldId id="314" r:id="rId44"/>
+    <p:sldId id="308" r:id="rId45"/>
+    <p:sldId id="309" r:id="rId46"/>
+    <p:sldId id="310" r:id="rId47"/>
+    <p:sldId id="295" r:id="rId48"/>
+    <p:sldId id="297" r:id="rId49"/>
   </p:sldIdLst>
   <p:sldSz cx="12192000" cy="6858000"/>
   <p:notesSz cx="6858000" cy="9144000"/>
@@ -186,6 +187,7 @@
             <p14:sldId id="275"/>
             <p14:sldId id="301"/>
             <p14:sldId id="274"/>
+            <p14:sldId id="316"/>
             <p14:sldId id="284"/>
             <p14:sldId id="283"/>
             <p14:sldId id="282"/>
@@ -9234,6 +9236,269 @@
       </p:grpSpPr>
       <p:sp>
         <p:nvSpPr>
+          <p:cNvPr id="2" name="Title 1"/>
+          <p:cNvSpPr>
+            <a:spLocks noGrp="1"/>
+          </p:cNvSpPr>
+          <p:nvPr>
+            <p:ph type="title"/>
+          </p:nvPr>
+        </p:nvSpPr>
+        <p:spPr/>
+        <p:txBody>
+          <a:bodyPr/>
+          <a:lstStyle/>
+          <a:p>
+            <a:r>
+              <a:rPr lang="en-US" dirty="0" smtClean="0"/>
+              <a:t>Actions</a:t>
+            </a:r>
+            <a:endParaRPr lang="fr-FR" dirty="0"/>
+          </a:p>
+        </p:txBody>
+      </p:sp>
+      <p:sp>
+        <p:nvSpPr>
+          <p:cNvPr id="3" name="Content Placeholder 2"/>
+          <p:cNvSpPr>
+            <a:spLocks noGrp="1"/>
+          </p:cNvSpPr>
+          <p:nvPr>
+            <p:ph idx="1"/>
+          </p:nvPr>
+        </p:nvSpPr>
+        <p:spPr/>
+        <p:txBody>
+          <a:bodyPr>
+            <a:normAutofit fontScale="92500" lnSpcReduction="20000"/>
+          </a:bodyPr>
+          <a:lstStyle/>
+          <a:p>
+            <a:r>
+              <a:rPr lang="en-US" dirty="0" smtClean="0"/>
+              <a:t>Action basic structure</a:t>
+            </a:r>
+          </a:p>
+          <a:p>
+            <a:pPr lvl="1"/>
+            <a:r>
+              <a:rPr lang="en-US" dirty="0" smtClean="0"/>
+              <a:t>Type </a:t>
+            </a:r>
+            <a:r>
+              <a:rPr lang="en-US" sz="1900" dirty="0" smtClean="0">
+                <a:solidFill>
+                  <a:schemeClr val="accent6"/>
+                </a:solidFill>
+              </a:rPr>
+              <a:t>e.g. APPLICATION_FETCH</a:t>
+            </a:r>
+          </a:p>
+          <a:p>
+            <a:pPr lvl="1"/>
+            <a:r>
+              <a:rPr lang="en-US" dirty="0" smtClean="0"/>
+              <a:t>Payload </a:t>
+            </a:r>
+            <a:r>
+              <a:rPr lang="en-US" sz="1900" dirty="0" smtClean="0">
+                <a:solidFill>
+                  <a:schemeClr val="accent6"/>
+                </a:solidFill>
+              </a:rPr>
+              <a:t>e.g. { id: </a:t>
+            </a:r>
+            <a:r>
+              <a:rPr lang="en-US" sz="1900" dirty="0" err="1" smtClean="0">
+                <a:solidFill>
+                  <a:schemeClr val="accent6"/>
+                </a:solidFill>
+              </a:rPr>
+              <a:t>appId</a:t>
+            </a:r>
+            <a:r>
+              <a:rPr lang="en-US" sz="1900" dirty="0" smtClean="0">
+                <a:solidFill>
+                  <a:schemeClr val="accent6"/>
+                </a:solidFill>
+              </a:rPr>
+              <a:t> } </a:t>
+            </a:r>
+          </a:p>
+          <a:p>
+            <a:endParaRPr lang="en-US" dirty="0"/>
+          </a:p>
+          <a:p>
+            <a:r>
+              <a:rPr lang="en-US" dirty="0" smtClean="0"/>
+              <a:t>Action creators</a:t>
+            </a:r>
+          </a:p>
+          <a:p>
+            <a:pPr lvl="1"/>
+            <a:r>
+              <a:rPr lang="en-US" dirty="0" smtClean="0"/>
+              <a:t>Centralize business logic processing </a:t>
+            </a:r>
+            <a:r>
+              <a:rPr lang="en-US" sz="1900" dirty="0" smtClean="0">
+                <a:solidFill>
+                  <a:schemeClr val="accent6"/>
+                </a:solidFill>
+              </a:rPr>
+              <a:t>avoid diverging duplicates from discording places in code</a:t>
+            </a:r>
+          </a:p>
+          <a:p>
+            <a:pPr lvl="1"/>
+            <a:r>
+              <a:rPr lang="en-US" dirty="0" smtClean="0"/>
+              <a:t>Delegate type ↔ payload construction from dedicated functions</a:t>
+            </a:r>
+          </a:p>
+          <a:p>
+            <a:pPr lvl="1"/>
+            <a:r>
+              <a:rPr lang="en-US" dirty="0" smtClean="0"/>
+              <a:t>Actions payload processing is business logic related independent from data stores and views</a:t>
+            </a:r>
+          </a:p>
+          <a:p>
+            <a:pPr lvl="1"/>
+            <a:endParaRPr lang="en-US" dirty="0"/>
+          </a:p>
+          <a:p>
+            <a:r>
+              <a:rPr lang="en-US" dirty="0" smtClean="0"/>
+              <a:t>Dispatching actions</a:t>
+            </a:r>
+          </a:p>
+          <a:p>
+            <a:pPr lvl="1"/>
+            <a:r>
+              <a:rPr lang="en-US" dirty="0" smtClean="0"/>
+              <a:t>Enforce loose coupling of code parts</a:t>
+            </a:r>
+          </a:p>
+          <a:p>
+            <a:pPr lvl="1"/>
+            <a:r>
+              <a:rPr lang="en-US" dirty="0" smtClean="0"/>
+              <a:t>Event based actions dispatching</a:t>
+            </a:r>
+          </a:p>
+          <a:p>
+            <a:pPr lvl="1"/>
+            <a:r>
+              <a:rPr lang="en-US" dirty="0" smtClean="0"/>
+              <a:t>Enable middleware based payload consumption and/or transformation</a:t>
+            </a:r>
+            <a:endParaRPr lang="fr-FR" dirty="0"/>
+          </a:p>
+        </p:txBody>
+      </p:sp>
+      <p:sp>
+        <p:nvSpPr>
+          <p:cNvPr id="4" name="Date Placeholder 3"/>
+          <p:cNvSpPr>
+            <a:spLocks noGrp="1"/>
+          </p:cNvSpPr>
+          <p:nvPr>
+            <p:ph type="dt" sz="half" idx="10"/>
+          </p:nvPr>
+        </p:nvSpPr>
+        <p:spPr/>
+        <p:txBody>
+          <a:bodyPr/>
+          <a:lstStyle/>
+          <a:p>
+            <a:r>
+              <a:rPr lang="fr-FR" smtClean="0"/>
+              <a:t>2017</a:t>
+            </a:r>
+            <a:endParaRPr lang="fr-FR"/>
+          </a:p>
+        </p:txBody>
+      </p:sp>
+      <p:sp>
+        <p:nvSpPr>
+          <p:cNvPr id="5" name="Footer Placeholder 4"/>
+          <p:cNvSpPr>
+            <a:spLocks noGrp="1"/>
+          </p:cNvSpPr>
+          <p:nvPr>
+            <p:ph type="ftr" sz="quarter" idx="11"/>
+          </p:nvPr>
+        </p:nvSpPr>
+        <p:spPr/>
+        <p:txBody>
+          <a:bodyPr/>
+          <a:lstStyle/>
+          <a:p>
+            <a:r>
+              <a:rPr lang="fr-FR" smtClean="0"/>
+              <a:t>cedric.hartland@gmail.com</a:t>
+            </a:r>
+            <a:endParaRPr lang="fr-FR" dirty="0"/>
+          </a:p>
+        </p:txBody>
+      </p:sp>
+      <p:sp>
+        <p:nvSpPr>
+          <p:cNvPr id="6" name="Slide Number Placeholder 5"/>
+          <p:cNvSpPr>
+            <a:spLocks noGrp="1"/>
+          </p:cNvSpPr>
+          <p:nvPr>
+            <p:ph type="sldNum" sz="quarter" idx="12"/>
+          </p:nvPr>
+        </p:nvSpPr>
+        <p:spPr/>
+        <p:txBody>
+          <a:bodyPr/>
+          <a:lstStyle/>
+          <a:p>
+            <a:fld id="{44139E8D-6066-4080-AC46-DB89673BFC8E}" type="slidenum">
+              <a:rPr lang="fr-FR" smtClean="0"/>
+              <a:pPr/>
+              <a:t>21</a:t>
+            </a:fld>
+            <a:endParaRPr lang="fr-FR"/>
+          </a:p>
+        </p:txBody>
+      </p:sp>
+    </p:spTree>
+    <p:extLst>
+      <p:ext uri="{BB962C8B-B14F-4D97-AF65-F5344CB8AC3E}">
+        <p14:creationId xmlns:p14="http://schemas.microsoft.com/office/powerpoint/2010/main" val="3486539241"/>
+      </p:ext>
+    </p:extLst>
+  </p:cSld>
+  <p:clrMapOvr>
+    <a:masterClrMapping/>
+  </p:clrMapOvr>
+</p:sld>
+</file>
+
+<file path=ppt/slides/slide22.xml><?xml version="1.0" encoding="utf-8"?>
+<p:sld xmlns:a="http://schemas.openxmlformats.org/drawingml/2006/main" xmlns:r="http://schemas.openxmlformats.org/officeDocument/2006/relationships" xmlns:p="http://schemas.openxmlformats.org/presentationml/2006/main">
+  <p:cSld>
+    <p:spTree>
+      <p:nvGrpSpPr>
+        <p:cNvPr id="1" name=""/>
+        <p:cNvGrpSpPr/>
+        <p:nvPr/>
+      </p:nvGrpSpPr>
+      <p:grpSpPr>
+        <a:xfrm>
+          <a:off x="0" y="0"/>
+          <a:ext cx="0" cy="0"/>
+          <a:chOff x="0" y="0"/>
+          <a:chExt cx="0" cy="0"/>
+        </a:xfrm>
+      </p:grpSpPr>
+      <p:sp>
+        <p:nvSpPr>
           <p:cNvPr id="2" name="Titre 1"/>
           <p:cNvSpPr>
             <a:spLocks noGrp="1"/>
@@ -9331,7 +9596,7 @@
             <a:fld id="{44139E8D-6066-4080-AC46-DB89673BFC8E}" type="slidenum">
               <a:rPr lang="fr-FR" smtClean="0"/>
               <a:pPr/>
-              <a:t>21</a:t>
+              <a:t>22</a:t>
             </a:fld>
             <a:endParaRPr lang="fr-FR"/>
           </a:p>
@@ -9758,7 +10023,7 @@
 </p:sld>
 </file>
 
-<file path=ppt/slides/slide22.xml><?xml version="1.0" encoding="utf-8"?>
+<file path=ppt/slides/slide23.xml><?xml version="1.0" encoding="utf-8"?>
 <p:sld xmlns:a="http://schemas.openxmlformats.org/drawingml/2006/main" xmlns:r="http://schemas.openxmlformats.org/officeDocument/2006/relationships" xmlns:p="http://schemas.openxmlformats.org/presentationml/2006/main">
   <p:cSld>
     <p:spTree>
@@ -9874,7 +10139,7 @@
             <a:fld id="{44139E8D-6066-4080-AC46-DB89673BFC8E}" type="slidenum">
               <a:rPr lang="fr-FR" smtClean="0"/>
               <a:pPr/>
-              <a:t>22</a:t>
+              <a:t>23</a:t>
             </a:fld>
             <a:endParaRPr lang="fr-FR"/>
           </a:p>
@@ -10642,7 +10907,7 @@
 </p:sld>
 </file>
 
-<file path=ppt/slides/slide23.xml><?xml version="1.0" encoding="utf-8"?>
+<file path=ppt/slides/slide24.xml><?xml version="1.0" encoding="utf-8"?>
 <p:sld xmlns:a="http://schemas.openxmlformats.org/drawingml/2006/main" xmlns:r="http://schemas.openxmlformats.org/officeDocument/2006/relationships" xmlns:p="http://schemas.openxmlformats.org/presentationml/2006/main">
   <p:cSld>
     <p:spTree>
@@ -10758,7 +11023,7 @@
             <a:fld id="{44139E8D-6066-4080-AC46-DB89673BFC8E}" type="slidenum">
               <a:rPr lang="fr-FR" smtClean="0"/>
               <a:pPr/>
-              <a:t>23</a:t>
+              <a:t>24</a:t>
             </a:fld>
             <a:endParaRPr lang="fr-FR"/>
           </a:p>
@@ -11989,1409 +12254,6 @@
     <p:extLst>
       <p:ext uri="{BB962C8B-B14F-4D97-AF65-F5344CB8AC3E}">
         <p14:creationId xmlns:p14="http://schemas.microsoft.com/office/powerpoint/2010/main" val="3822647716"/>
-      </p:ext>
-    </p:extLst>
-  </p:cSld>
-  <p:clrMapOvr>
-    <a:masterClrMapping/>
-  </p:clrMapOvr>
-  <p:timing>
-    <p:tnLst>
-      <p:par>
-        <p:cTn id="1" dur="indefinite" restart="never" nodeType="tmRoot"/>
-      </p:par>
-    </p:tnLst>
-  </p:timing>
-</p:sld>
-</file>
-
-<file path=ppt/slides/slide24.xml><?xml version="1.0" encoding="utf-8"?>
-<p:sld xmlns:a="http://schemas.openxmlformats.org/drawingml/2006/main" xmlns:r="http://schemas.openxmlformats.org/officeDocument/2006/relationships" xmlns:p="http://schemas.openxmlformats.org/presentationml/2006/main">
-  <p:cSld>
-    <p:spTree>
-      <p:nvGrpSpPr>
-        <p:cNvPr id="1" name=""/>
-        <p:cNvGrpSpPr/>
-        <p:nvPr/>
-      </p:nvGrpSpPr>
-      <p:grpSpPr>
-        <a:xfrm>
-          <a:off x="0" y="0"/>
-          <a:ext cx="0" cy="0"/>
-          <a:chOff x="0" y="0"/>
-          <a:chExt cx="0" cy="0"/>
-        </a:xfrm>
-      </p:grpSpPr>
-      <p:sp>
-        <p:nvSpPr>
-          <p:cNvPr id="2" name="Titre 1"/>
-          <p:cNvSpPr>
-            <a:spLocks noGrp="1"/>
-          </p:cNvSpPr>
-          <p:nvPr>
-            <p:ph type="title"/>
-          </p:nvPr>
-        </p:nvSpPr>
-        <p:spPr/>
-        <p:txBody>
-          <a:bodyPr/>
-          <a:lstStyle/>
-          <a:p>
-            <a:r>
-              <a:rPr lang="fr-FR" dirty="0" err="1" smtClean="0"/>
-              <a:t>Redux</a:t>
-            </a:r>
-            <a:r>
-              <a:rPr lang="fr-FR" dirty="0" smtClean="0"/>
-              <a:t> – </a:t>
-            </a:r>
-            <a:r>
-              <a:rPr lang="fr-FR" dirty="0" err="1" smtClean="0"/>
-              <a:t>workflow</a:t>
-            </a:r>
-            <a:r>
-              <a:rPr lang="fr-FR" dirty="0" smtClean="0"/>
-              <a:t> </a:t>
-            </a:r>
-            <a:endParaRPr lang="fr-FR" dirty="0"/>
-          </a:p>
-        </p:txBody>
-      </p:sp>
-      <p:sp>
-        <p:nvSpPr>
-          <p:cNvPr id="4" name="Espace réservé de la date 3"/>
-          <p:cNvSpPr>
-            <a:spLocks noGrp="1"/>
-          </p:cNvSpPr>
-          <p:nvPr>
-            <p:ph type="dt" sz="half" idx="10"/>
-          </p:nvPr>
-        </p:nvSpPr>
-        <p:spPr/>
-        <p:txBody>
-          <a:bodyPr/>
-          <a:lstStyle/>
-          <a:p>
-            <a:r>
-              <a:rPr lang="fr-FR" smtClean="0"/>
-              <a:t>2017</a:t>
-            </a:r>
-            <a:endParaRPr lang="fr-FR"/>
-          </a:p>
-        </p:txBody>
-      </p:sp>
-      <p:sp>
-        <p:nvSpPr>
-          <p:cNvPr id="5" name="Espace réservé du pied de page 4"/>
-          <p:cNvSpPr>
-            <a:spLocks noGrp="1"/>
-          </p:cNvSpPr>
-          <p:nvPr>
-            <p:ph type="ftr" sz="quarter" idx="11"/>
-          </p:nvPr>
-        </p:nvSpPr>
-        <p:spPr/>
-        <p:txBody>
-          <a:bodyPr/>
-          <a:lstStyle/>
-          <a:p>
-            <a:r>
-              <a:rPr lang="fr-FR" smtClean="0"/>
-              <a:t>cedric.hartland@gmail.com</a:t>
-            </a:r>
-            <a:endParaRPr lang="fr-FR" dirty="0"/>
-          </a:p>
-        </p:txBody>
-      </p:sp>
-      <p:sp>
-        <p:nvSpPr>
-          <p:cNvPr id="6" name="Espace réservé du numéro de diapositive 5"/>
-          <p:cNvSpPr>
-            <a:spLocks noGrp="1"/>
-          </p:cNvSpPr>
-          <p:nvPr>
-            <p:ph type="sldNum" sz="quarter" idx="12"/>
-          </p:nvPr>
-        </p:nvSpPr>
-        <p:spPr/>
-        <p:txBody>
-          <a:bodyPr/>
-          <a:lstStyle/>
-          <a:p>
-            <a:fld id="{44139E8D-6066-4080-AC46-DB89673BFC8E}" type="slidenum">
-              <a:rPr lang="fr-FR" smtClean="0"/>
-              <a:pPr/>
-              <a:t>24</a:t>
-            </a:fld>
-            <a:endParaRPr lang="fr-FR"/>
-          </a:p>
-        </p:txBody>
-      </p:sp>
-      <p:cxnSp>
-        <p:nvCxnSpPr>
-          <p:cNvPr id="20" name="Forme 58"/>
-          <p:cNvCxnSpPr>
-            <a:stCxn id="22" idx="2"/>
-            <a:endCxn id="24" idx="0"/>
-          </p:cNvCxnSpPr>
-          <p:nvPr/>
-        </p:nvCxnSpPr>
-        <p:spPr>
-          <a:xfrm rot="16200000" flipH="1">
-            <a:off x="7075429" y="3187961"/>
-            <a:ext cx="437626" cy="3179"/>
-          </a:xfrm>
-          <a:prstGeom prst="curvedConnector3">
-            <a:avLst>
-              <a:gd name="adj1" fmla="val 50000"/>
-            </a:avLst>
-          </a:prstGeom>
-          <a:ln w="38100">
-            <a:tailEnd type="arrow"/>
-          </a:ln>
-        </p:spPr>
-        <p:style>
-          <a:lnRef idx="1">
-            <a:schemeClr val="accent3"/>
-          </a:lnRef>
-          <a:fillRef idx="0">
-            <a:schemeClr val="accent3"/>
-          </a:fillRef>
-          <a:effectRef idx="0">
-            <a:schemeClr val="accent3"/>
-          </a:effectRef>
-          <a:fontRef idx="minor">
-            <a:schemeClr val="tx1"/>
-          </a:fontRef>
-        </p:style>
-      </p:cxnSp>
-      <p:sp>
-        <p:nvSpPr>
-          <p:cNvPr id="22" name="Rectangle à coins arrondis 8"/>
-          <p:cNvSpPr/>
-          <p:nvPr/>
-        </p:nvSpPr>
-        <p:spPr>
-          <a:xfrm>
-            <a:off x="6516365" y="1996798"/>
-            <a:ext cx="1552575" cy="973940"/>
-          </a:xfrm>
-          <a:prstGeom prst="roundRect">
-            <a:avLst/>
-          </a:prstGeom>
-          <a:solidFill>
-            <a:schemeClr val="bg2">
-              <a:lumMod val="25000"/>
-            </a:schemeClr>
-          </a:solidFill>
-          <a:ln w="28575">
-            <a:solidFill>
-              <a:schemeClr val="bg1"/>
-            </a:solidFill>
-          </a:ln>
-          <a:effectLst>
-            <a:outerShdw blurRad="63500" sx="102000" sy="102000" algn="ctr" rotWithShape="0">
-              <a:prstClr val="black">
-                <a:alpha val="40000"/>
-              </a:prstClr>
-            </a:outerShdw>
-          </a:effectLst>
-        </p:spPr>
-        <p:style>
-          <a:lnRef idx="2">
-            <a:schemeClr val="accent1">
-              <a:shade val="50000"/>
-            </a:schemeClr>
-          </a:lnRef>
-          <a:fillRef idx="1">
-            <a:schemeClr val="accent1"/>
-          </a:fillRef>
-          <a:effectRef idx="0">
-            <a:schemeClr val="accent1"/>
-          </a:effectRef>
-          <a:fontRef idx="minor">
-            <a:schemeClr val="lt1"/>
-          </a:fontRef>
-        </p:style>
-        <p:txBody>
-          <a:bodyPr rtlCol="0" anchor="b"/>
-          <a:lstStyle/>
-          <a:p>
-            <a:pPr algn="ctr"/>
-            <a:r>
-              <a:rPr lang="fr-FR" b="1" dirty="0" smtClean="0"/>
-              <a:t>Dispatcher</a:t>
-            </a:r>
-            <a:endParaRPr lang="fr-FR" b="1" dirty="0"/>
-          </a:p>
-        </p:txBody>
-      </p:sp>
-      <p:sp>
-        <p:nvSpPr>
-          <p:cNvPr id="23" name="Rectangle à coins arrondis 9"/>
-          <p:cNvSpPr/>
-          <p:nvPr/>
-        </p:nvSpPr>
-        <p:spPr>
-          <a:xfrm>
-            <a:off x="3964463" y="4811675"/>
-            <a:ext cx="1552575" cy="781050"/>
-          </a:xfrm>
-          <a:prstGeom prst="roundRect">
-            <a:avLst/>
-          </a:prstGeom>
-          <a:solidFill>
-            <a:schemeClr val="accent5"/>
-          </a:solidFill>
-          <a:ln w="28575">
-            <a:solidFill>
-              <a:schemeClr val="bg1"/>
-            </a:solidFill>
-          </a:ln>
-          <a:effectLst>
-            <a:outerShdw blurRad="63500" sx="102000" sy="102000" algn="ctr" rotWithShape="0">
-              <a:prstClr val="black">
-                <a:alpha val="40000"/>
-              </a:prstClr>
-            </a:outerShdw>
-          </a:effectLst>
-        </p:spPr>
-        <p:style>
-          <a:lnRef idx="2">
-            <a:schemeClr val="accent1">
-              <a:shade val="50000"/>
-            </a:schemeClr>
-          </a:lnRef>
-          <a:fillRef idx="1">
-            <a:schemeClr val="accent1"/>
-          </a:fillRef>
-          <a:effectRef idx="0">
-            <a:schemeClr val="accent1"/>
-          </a:effectRef>
-          <a:fontRef idx="minor">
-            <a:schemeClr val="lt1"/>
-          </a:fontRef>
-        </p:style>
-        <p:txBody>
-          <a:bodyPr rtlCol="0" anchor="ctr"/>
-          <a:lstStyle/>
-          <a:p>
-            <a:pPr algn="ctr"/>
-            <a:r>
-              <a:rPr lang="fr-FR" b="1" dirty="0" err="1" smtClean="0"/>
-              <a:t>View</a:t>
-            </a:r>
-            <a:endParaRPr lang="fr-FR" b="1" dirty="0"/>
-          </a:p>
-        </p:txBody>
-      </p:sp>
-      <p:sp>
-        <p:nvSpPr>
-          <p:cNvPr id="24" name="Rectangle à coins arrondis 10"/>
-          <p:cNvSpPr/>
-          <p:nvPr/>
-        </p:nvSpPr>
-        <p:spPr>
-          <a:xfrm>
-            <a:off x="6362701" y="3408364"/>
-            <a:ext cx="1866262" cy="2179320"/>
-          </a:xfrm>
-          <a:prstGeom prst="roundRect">
-            <a:avLst>
-              <a:gd name="adj" fmla="val 6613"/>
-            </a:avLst>
-          </a:prstGeom>
-          <a:solidFill>
-            <a:schemeClr val="accent4">
-              <a:lumMod val="60000"/>
-              <a:lumOff val="40000"/>
-            </a:schemeClr>
-          </a:solidFill>
-          <a:ln w="28575">
-            <a:solidFill>
-              <a:schemeClr val="bg1"/>
-            </a:solidFill>
-          </a:ln>
-          <a:effectLst>
-            <a:outerShdw blurRad="63500" sx="102000" sy="102000" algn="ctr" rotWithShape="0">
-              <a:prstClr val="black">
-                <a:alpha val="40000"/>
-              </a:prstClr>
-            </a:outerShdw>
-          </a:effectLst>
-        </p:spPr>
-        <p:style>
-          <a:lnRef idx="2">
-            <a:schemeClr val="accent1">
-              <a:shade val="50000"/>
-            </a:schemeClr>
-          </a:lnRef>
-          <a:fillRef idx="1">
-            <a:schemeClr val="accent1"/>
-          </a:fillRef>
-          <a:effectRef idx="0">
-            <a:schemeClr val="accent1"/>
-          </a:effectRef>
-          <a:fontRef idx="minor">
-            <a:schemeClr val="lt1"/>
-          </a:fontRef>
-        </p:style>
-        <p:txBody>
-          <a:bodyPr rtlCol="0" anchor="t"/>
-          <a:lstStyle/>
-          <a:p>
-            <a:pPr algn="ctr"/>
-            <a:r>
-              <a:rPr lang="fr-FR" b="1" dirty="0" smtClean="0">
-                <a:solidFill>
-                  <a:schemeClr val="tx1"/>
-                </a:solidFill>
-              </a:rPr>
-              <a:t>Store</a:t>
-            </a:r>
-            <a:endParaRPr lang="en-US" b="1" dirty="0">
-              <a:solidFill>
-                <a:schemeClr val="tx1"/>
-              </a:solidFill>
-            </a:endParaRPr>
-          </a:p>
-          <a:p>
-            <a:pPr algn="ctr"/>
-            <a:endParaRPr lang="fr-FR" b="1" dirty="0">
-              <a:solidFill>
-                <a:schemeClr val="tx1"/>
-              </a:solidFill>
-            </a:endParaRPr>
-          </a:p>
-        </p:txBody>
-      </p:sp>
-      <p:sp>
-        <p:nvSpPr>
-          <p:cNvPr id="25" name="Rectangle à coins arrondis 11"/>
-          <p:cNvSpPr/>
-          <p:nvPr/>
-        </p:nvSpPr>
-        <p:spPr>
-          <a:xfrm>
-            <a:off x="3964463" y="2108518"/>
-            <a:ext cx="1552575" cy="828675"/>
-          </a:xfrm>
-          <a:prstGeom prst="roundRect">
-            <a:avLst/>
-          </a:prstGeom>
-          <a:solidFill>
-            <a:schemeClr val="accent2"/>
-          </a:solidFill>
-          <a:ln w="28575">
-            <a:solidFill>
-              <a:schemeClr val="bg1"/>
-            </a:solidFill>
-          </a:ln>
-          <a:effectLst>
-            <a:outerShdw blurRad="63500" sx="102000" sy="102000" algn="ctr" rotWithShape="0">
-              <a:prstClr val="black">
-                <a:alpha val="40000"/>
-              </a:prstClr>
-            </a:outerShdw>
-          </a:effectLst>
-        </p:spPr>
-        <p:style>
-          <a:lnRef idx="2">
-            <a:schemeClr val="accent1">
-              <a:shade val="50000"/>
-            </a:schemeClr>
-          </a:lnRef>
-          <a:fillRef idx="1">
-            <a:schemeClr val="accent1"/>
-          </a:fillRef>
-          <a:effectRef idx="0">
-            <a:schemeClr val="accent1"/>
-          </a:effectRef>
-          <a:fontRef idx="minor">
-            <a:schemeClr val="lt1"/>
-          </a:fontRef>
-        </p:style>
-        <p:txBody>
-          <a:bodyPr rtlCol="0" anchor="ctr"/>
-          <a:lstStyle/>
-          <a:p>
-            <a:pPr algn="ctr"/>
-            <a:r>
-              <a:rPr lang="fr-FR" b="1" dirty="0" smtClean="0"/>
-              <a:t>Action</a:t>
-            </a:r>
-            <a:endParaRPr lang="fr-FR" b="1" dirty="0"/>
-          </a:p>
-        </p:txBody>
-      </p:sp>
-      <p:sp>
-        <p:nvSpPr>
-          <p:cNvPr id="26" name="Rectangle à coins arrondis 11"/>
-          <p:cNvSpPr/>
-          <p:nvPr/>
-        </p:nvSpPr>
-        <p:spPr>
-          <a:xfrm>
-            <a:off x="6630353" y="3899537"/>
-            <a:ext cx="1332548" cy="1194117"/>
-          </a:xfrm>
-          <a:prstGeom prst="roundRect">
-            <a:avLst>
-              <a:gd name="adj" fmla="val 9698"/>
-            </a:avLst>
-          </a:prstGeom>
-          <a:solidFill>
-            <a:schemeClr val="accent6"/>
-          </a:solidFill>
-          <a:ln w="28575">
-            <a:solidFill>
-              <a:schemeClr val="bg1"/>
-            </a:solidFill>
-          </a:ln>
-          <a:effectLst>
-            <a:outerShdw blurRad="63500" sx="102000" sy="102000" algn="ctr" rotWithShape="0">
-              <a:prstClr val="black">
-                <a:alpha val="40000"/>
-              </a:prstClr>
-            </a:outerShdw>
-          </a:effectLst>
-        </p:spPr>
-        <p:style>
-          <a:lnRef idx="2">
-            <a:schemeClr val="accent1">
-              <a:shade val="50000"/>
-            </a:schemeClr>
-          </a:lnRef>
-          <a:fillRef idx="1">
-            <a:schemeClr val="accent1"/>
-          </a:fillRef>
-          <a:effectRef idx="0">
-            <a:schemeClr val="accent1"/>
-          </a:effectRef>
-          <a:fontRef idx="minor">
-            <a:schemeClr val="lt1"/>
-          </a:fontRef>
-        </p:style>
-        <p:txBody>
-          <a:bodyPr rtlCol="0" anchor="t"/>
-          <a:lstStyle/>
-          <a:p>
-            <a:pPr algn="ctr"/>
-            <a:r>
-              <a:rPr lang="fr-FR" b="1" dirty="0" err="1" smtClean="0"/>
-              <a:t>Reducers</a:t>
-            </a:r>
-            <a:endParaRPr lang="en-US" b="1" dirty="0" smtClean="0"/>
-          </a:p>
-        </p:txBody>
-      </p:sp>
-      <p:sp>
-        <p:nvSpPr>
-          <p:cNvPr id="27" name="Rectangle à coins arrondis 11"/>
-          <p:cNvSpPr/>
-          <p:nvPr/>
-        </p:nvSpPr>
-        <p:spPr>
-          <a:xfrm>
-            <a:off x="6804461" y="4357143"/>
-            <a:ext cx="274717" cy="302537"/>
-          </a:xfrm>
-          <a:prstGeom prst="roundRect">
-            <a:avLst/>
-          </a:prstGeom>
-          <a:solidFill>
-            <a:schemeClr val="accent6">
-              <a:lumMod val="75000"/>
-            </a:schemeClr>
-          </a:solidFill>
-          <a:ln w="28575">
-            <a:noFill/>
-          </a:ln>
-          <a:effectLst>
-            <a:outerShdw blurRad="63500" sx="102000" sy="102000" algn="ctr" rotWithShape="0">
-              <a:prstClr val="black">
-                <a:alpha val="40000"/>
-              </a:prstClr>
-            </a:outerShdw>
-          </a:effectLst>
-        </p:spPr>
-        <p:style>
-          <a:lnRef idx="2">
-            <a:schemeClr val="accent1">
-              <a:shade val="50000"/>
-            </a:schemeClr>
-          </a:lnRef>
-          <a:fillRef idx="1">
-            <a:schemeClr val="accent1"/>
-          </a:fillRef>
-          <a:effectRef idx="0">
-            <a:schemeClr val="accent1"/>
-          </a:effectRef>
-          <a:fontRef idx="minor">
-            <a:schemeClr val="lt1"/>
-          </a:fontRef>
-        </p:style>
-        <p:txBody>
-          <a:bodyPr rtlCol="0" anchor="ctr"/>
-          <a:lstStyle/>
-          <a:p>
-            <a:pPr algn="ctr"/>
-            <a:r>
-              <a:rPr lang="fr-FR" b="1" dirty="0" smtClean="0"/>
-              <a:t>R</a:t>
-            </a:r>
-            <a:endParaRPr lang="en-US" b="1" dirty="0" smtClean="0"/>
-          </a:p>
-        </p:txBody>
-      </p:sp>
-      <p:sp>
-        <p:nvSpPr>
-          <p:cNvPr id="28" name="Rectangle à coins arrondis 11"/>
-          <p:cNvSpPr/>
-          <p:nvPr/>
-        </p:nvSpPr>
-        <p:spPr>
-          <a:xfrm>
-            <a:off x="7155295" y="4689458"/>
-            <a:ext cx="274717" cy="302537"/>
-          </a:xfrm>
-          <a:prstGeom prst="roundRect">
-            <a:avLst/>
-          </a:prstGeom>
-          <a:solidFill>
-            <a:schemeClr val="accent6">
-              <a:lumMod val="75000"/>
-            </a:schemeClr>
-          </a:solidFill>
-          <a:ln w="28575">
-            <a:noFill/>
-          </a:ln>
-          <a:effectLst>
-            <a:outerShdw blurRad="63500" sx="102000" sy="102000" algn="ctr" rotWithShape="0">
-              <a:prstClr val="black">
-                <a:alpha val="40000"/>
-              </a:prstClr>
-            </a:outerShdw>
-          </a:effectLst>
-        </p:spPr>
-        <p:style>
-          <a:lnRef idx="2">
-            <a:schemeClr val="accent1">
-              <a:shade val="50000"/>
-            </a:schemeClr>
-          </a:lnRef>
-          <a:fillRef idx="1">
-            <a:schemeClr val="accent1"/>
-          </a:fillRef>
-          <a:effectRef idx="0">
-            <a:schemeClr val="accent1"/>
-          </a:effectRef>
-          <a:fontRef idx="minor">
-            <a:schemeClr val="lt1"/>
-          </a:fontRef>
-        </p:style>
-        <p:txBody>
-          <a:bodyPr rtlCol="0" anchor="ctr"/>
-          <a:lstStyle/>
-          <a:p>
-            <a:pPr algn="ctr"/>
-            <a:r>
-              <a:rPr lang="fr-FR" b="1" dirty="0" smtClean="0"/>
-              <a:t>R</a:t>
-            </a:r>
-            <a:endParaRPr lang="en-US" b="1" dirty="0" smtClean="0"/>
-          </a:p>
-        </p:txBody>
-      </p:sp>
-      <p:sp>
-        <p:nvSpPr>
-          <p:cNvPr id="29" name="Rectangle à coins arrondis 11"/>
-          <p:cNvSpPr/>
-          <p:nvPr/>
-        </p:nvSpPr>
-        <p:spPr>
-          <a:xfrm>
-            <a:off x="7497563" y="4353491"/>
-            <a:ext cx="274717" cy="302537"/>
-          </a:xfrm>
-          <a:prstGeom prst="roundRect">
-            <a:avLst/>
-          </a:prstGeom>
-          <a:solidFill>
-            <a:schemeClr val="accent6">
-              <a:lumMod val="75000"/>
-            </a:schemeClr>
-          </a:solidFill>
-          <a:ln w="28575">
-            <a:noFill/>
-          </a:ln>
-          <a:effectLst>
-            <a:outerShdw blurRad="63500" sx="102000" sy="102000" algn="ctr" rotWithShape="0">
-              <a:prstClr val="black">
-                <a:alpha val="40000"/>
-              </a:prstClr>
-            </a:outerShdw>
-          </a:effectLst>
-        </p:spPr>
-        <p:style>
-          <a:lnRef idx="2">
-            <a:schemeClr val="accent1">
-              <a:shade val="50000"/>
-            </a:schemeClr>
-          </a:lnRef>
-          <a:fillRef idx="1">
-            <a:schemeClr val="accent1"/>
-          </a:fillRef>
-          <a:effectRef idx="0">
-            <a:schemeClr val="accent1"/>
-          </a:effectRef>
-          <a:fontRef idx="minor">
-            <a:schemeClr val="lt1"/>
-          </a:fontRef>
-        </p:style>
-        <p:txBody>
-          <a:bodyPr rtlCol="0" anchor="ctr"/>
-          <a:lstStyle/>
-          <a:p>
-            <a:pPr algn="ctr"/>
-            <a:r>
-              <a:rPr lang="fr-FR" b="1" dirty="0" smtClean="0"/>
-              <a:t>R</a:t>
-            </a:r>
-            <a:endParaRPr lang="en-US" b="1" dirty="0" smtClean="0"/>
-          </a:p>
-        </p:txBody>
-      </p:sp>
-      <p:sp>
-        <p:nvSpPr>
-          <p:cNvPr id="44" name="Rectangle à coins arrondis 11"/>
-          <p:cNvSpPr/>
-          <p:nvPr/>
-        </p:nvSpPr>
-        <p:spPr>
-          <a:xfrm>
-            <a:off x="6630353" y="5258436"/>
-            <a:ext cx="1332548" cy="414338"/>
-          </a:xfrm>
-          <a:prstGeom prst="roundRect">
-            <a:avLst/>
-          </a:prstGeom>
-          <a:solidFill>
-            <a:schemeClr val="accent2"/>
-          </a:solidFill>
-          <a:ln w="28575">
-            <a:noFill/>
-          </a:ln>
-          <a:effectLst>
-            <a:outerShdw blurRad="63500" sx="102000" sy="102000" algn="ctr" rotWithShape="0">
-              <a:prstClr val="black">
-                <a:alpha val="40000"/>
-              </a:prstClr>
-            </a:outerShdw>
-          </a:effectLst>
-        </p:spPr>
-        <p:style>
-          <a:lnRef idx="2">
-            <a:schemeClr val="accent1">
-              <a:shade val="50000"/>
-            </a:schemeClr>
-          </a:lnRef>
-          <a:fillRef idx="1">
-            <a:schemeClr val="accent1"/>
-          </a:fillRef>
-          <a:effectRef idx="0">
-            <a:schemeClr val="accent1"/>
-          </a:effectRef>
-          <a:fontRef idx="minor">
-            <a:schemeClr val="lt1"/>
-          </a:fontRef>
-        </p:style>
-        <p:txBody>
-          <a:bodyPr rtlCol="0" anchor="ctr"/>
-          <a:lstStyle/>
-          <a:p>
-            <a:pPr algn="ctr"/>
-            <a:r>
-              <a:rPr lang="fr-FR" b="1" dirty="0" smtClean="0"/>
-              <a:t>State</a:t>
-            </a:r>
-            <a:endParaRPr lang="fr-FR" b="1" dirty="0"/>
-          </a:p>
-        </p:txBody>
-      </p:sp>
-      <p:cxnSp>
-        <p:nvCxnSpPr>
-          <p:cNvPr id="33812" name="Elbow Connector 33811"/>
-          <p:cNvCxnSpPr>
-            <a:stCxn id="44" idx="1"/>
-          </p:cNvCxnSpPr>
-          <p:nvPr/>
-        </p:nvCxnSpPr>
-        <p:spPr>
-          <a:xfrm rot="10800000" flipH="1">
-            <a:off x="6630353" y="3863999"/>
-            <a:ext cx="258880" cy="1601606"/>
-          </a:xfrm>
-          <a:prstGeom prst="bentConnector4">
-            <a:avLst>
-              <a:gd name="adj1" fmla="val -55925"/>
-              <a:gd name="adj2" fmla="val 115464"/>
-            </a:avLst>
-          </a:prstGeom>
-          <a:ln w="38100">
-            <a:tailEnd type="arrow"/>
-          </a:ln>
-        </p:spPr>
-        <p:style>
-          <a:lnRef idx="1">
-            <a:schemeClr val="accent3"/>
-          </a:lnRef>
-          <a:fillRef idx="0">
-            <a:schemeClr val="accent3"/>
-          </a:fillRef>
-          <a:effectRef idx="0">
-            <a:schemeClr val="accent3"/>
-          </a:effectRef>
-          <a:fontRef idx="minor">
-            <a:schemeClr val="tx1"/>
-          </a:fontRef>
-        </p:style>
-      </p:cxnSp>
-      <p:sp>
-        <p:nvSpPr>
-          <p:cNvPr id="43" name="Rectangle à coins arrondis 11"/>
-          <p:cNvSpPr/>
-          <p:nvPr/>
-        </p:nvSpPr>
-        <p:spPr>
-          <a:xfrm>
-            <a:off x="6630353" y="2096451"/>
-            <a:ext cx="1332548" cy="414338"/>
-          </a:xfrm>
-          <a:prstGeom prst="roundRect">
-            <a:avLst/>
-          </a:prstGeom>
-          <a:solidFill>
-            <a:schemeClr val="bg1">
-              <a:lumMod val="75000"/>
-            </a:schemeClr>
-          </a:solidFill>
-          <a:ln w="28575">
-            <a:noFill/>
-          </a:ln>
-          <a:effectLst>
-            <a:outerShdw blurRad="63500" sx="102000" sy="102000" algn="ctr" rotWithShape="0">
-              <a:prstClr val="black">
-                <a:alpha val="40000"/>
-              </a:prstClr>
-            </a:outerShdw>
-          </a:effectLst>
-        </p:spPr>
-        <p:style>
-          <a:lnRef idx="2">
-            <a:schemeClr val="accent1">
-              <a:shade val="50000"/>
-            </a:schemeClr>
-          </a:lnRef>
-          <a:fillRef idx="1">
-            <a:schemeClr val="accent1"/>
-          </a:fillRef>
-          <a:effectRef idx="0">
-            <a:schemeClr val="accent1"/>
-          </a:effectRef>
-          <a:fontRef idx="minor">
-            <a:schemeClr val="lt1"/>
-          </a:fontRef>
-        </p:style>
-        <p:txBody>
-          <a:bodyPr rtlCol="0" anchor="ctr"/>
-          <a:lstStyle/>
-          <a:p>
-            <a:pPr algn="ctr"/>
-            <a:r>
-              <a:rPr lang="fr-FR" sz="1600" b="1" dirty="0" smtClean="0"/>
-              <a:t>middlewares</a:t>
-            </a:r>
-            <a:endParaRPr lang="fr-FR" sz="1600" b="1" dirty="0"/>
-          </a:p>
-        </p:txBody>
-      </p:sp>
-      <p:sp>
-        <p:nvSpPr>
-          <p:cNvPr id="46" name="Rectangle à coins arrondis 11"/>
-          <p:cNvSpPr/>
-          <p:nvPr/>
-        </p:nvSpPr>
-        <p:spPr>
-          <a:xfrm>
-            <a:off x="8749557" y="1909126"/>
-            <a:ext cx="1552575" cy="414337"/>
-          </a:xfrm>
-          <a:prstGeom prst="roundRect">
-            <a:avLst/>
-          </a:prstGeom>
-          <a:solidFill>
-            <a:schemeClr val="accent2"/>
-          </a:solidFill>
-          <a:ln w="28575">
-            <a:solidFill>
-              <a:schemeClr val="bg1"/>
-            </a:solidFill>
-          </a:ln>
-          <a:effectLst>
-            <a:outerShdw blurRad="63500" sx="102000" sy="102000" algn="ctr" rotWithShape="0">
-              <a:prstClr val="black">
-                <a:alpha val="40000"/>
-              </a:prstClr>
-            </a:outerShdw>
-          </a:effectLst>
-        </p:spPr>
-        <p:style>
-          <a:lnRef idx="2">
-            <a:schemeClr val="accent1">
-              <a:shade val="50000"/>
-            </a:schemeClr>
-          </a:lnRef>
-          <a:fillRef idx="1">
-            <a:schemeClr val="accent1"/>
-          </a:fillRef>
-          <a:effectRef idx="0">
-            <a:schemeClr val="accent1"/>
-          </a:effectRef>
-          <a:fontRef idx="minor">
-            <a:schemeClr val="lt1"/>
-          </a:fontRef>
-        </p:style>
-        <p:txBody>
-          <a:bodyPr rtlCol="0" anchor="ctr"/>
-          <a:lstStyle/>
-          <a:p>
-            <a:pPr algn="ctr"/>
-            <a:r>
-              <a:rPr lang="fr-FR" b="1" dirty="0" smtClean="0"/>
-              <a:t>API</a:t>
-            </a:r>
-            <a:endParaRPr lang="fr-FR" b="1" dirty="0"/>
-          </a:p>
-        </p:txBody>
-      </p:sp>
-      <p:sp>
-        <p:nvSpPr>
-          <p:cNvPr id="47" name="Rectangle à coins arrondis 11"/>
-          <p:cNvSpPr/>
-          <p:nvPr/>
-        </p:nvSpPr>
-        <p:spPr>
-          <a:xfrm>
-            <a:off x="8749556" y="2446943"/>
-            <a:ext cx="1552575" cy="414337"/>
-          </a:xfrm>
-          <a:prstGeom prst="roundRect">
-            <a:avLst/>
-          </a:prstGeom>
-          <a:solidFill>
-            <a:schemeClr val="accent2"/>
-          </a:solidFill>
-          <a:ln w="28575">
-            <a:solidFill>
-              <a:schemeClr val="bg1"/>
-            </a:solidFill>
-          </a:ln>
-          <a:effectLst>
-            <a:outerShdw blurRad="63500" sx="102000" sy="102000" algn="ctr" rotWithShape="0">
-              <a:prstClr val="black">
-                <a:alpha val="40000"/>
-              </a:prstClr>
-            </a:outerShdw>
-          </a:effectLst>
-        </p:spPr>
-        <p:style>
-          <a:lnRef idx="2">
-            <a:schemeClr val="accent1">
-              <a:shade val="50000"/>
-            </a:schemeClr>
-          </a:lnRef>
-          <a:fillRef idx="1">
-            <a:schemeClr val="accent1"/>
-          </a:fillRef>
-          <a:effectRef idx="0">
-            <a:schemeClr val="accent1"/>
-          </a:effectRef>
-          <a:fontRef idx="minor">
-            <a:schemeClr val="lt1"/>
-          </a:fontRef>
-        </p:style>
-        <p:txBody>
-          <a:bodyPr rtlCol="0" anchor="ctr"/>
-          <a:lstStyle/>
-          <a:p>
-            <a:pPr algn="ctr"/>
-            <a:r>
-              <a:rPr lang="fr-FR" b="1" dirty="0" smtClean="0"/>
-              <a:t>Logs</a:t>
-            </a:r>
-            <a:endParaRPr lang="fr-FR" b="1" dirty="0"/>
-          </a:p>
-        </p:txBody>
-      </p:sp>
-      <p:sp>
-        <p:nvSpPr>
-          <p:cNvPr id="48" name="Rectangle à coins arrondis 11"/>
-          <p:cNvSpPr/>
-          <p:nvPr/>
-        </p:nvSpPr>
-        <p:spPr>
-          <a:xfrm>
-            <a:off x="8749555" y="2984760"/>
-            <a:ext cx="1552575" cy="414337"/>
-          </a:xfrm>
-          <a:prstGeom prst="roundRect">
-            <a:avLst/>
-          </a:prstGeom>
-          <a:solidFill>
-            <a:schemeClr val="accent2"/>
-          </a:solidFill>
-          <a:ln w="28575">
-            <a:solidFill>
-              <a:schemeClr val="bg1"/>
-            </a:solidFill>
-          </a:ln>
-          <a:effectLst>
-            <a:outerShdw blurRad="63500" sx="102000" sy="102000" algn="ctr" rotWithShape="0">
-              <a:prstClr val="black">
-                <a:alpha val="40000"/>
-              </a:prstClr>
-            </a:outerShdw>
-          </a:effectLst>
-        </p:spPr>
-        <p:style>
-          <a:lnRef idx="2">
-            <a:schemeClr val="accent1">
-              <a:shade val="50000"/>
-            </a:schemeClr>
-          </a:lnRef>
-          <a:fillRef idx="1">
-            <a:schemeClr val="accent1"/>
-          </a:fillRef>
-          <a:effectRef idx="0">
-            <a:schemeClr val="accent1"/>
-          </a:effectRef>
-          <a:fontRef idx="minor">
-            <a:schemeClr val="lt1"/>
-          </a:fontRef>
-        </p:style>
-        <p:txBody>
-          <a:bodyPr rtlCol="0" anchor="ctr"/>
-          <a:lstStyle/>
-          <a:p>
-            <a:pPr algn="ctr"/>
-            <a:r>
-              <a:rPr lang="fr-FR" b="1" dirty="0" smtClean="0"/>
-              <a:t>Delay actions</a:t>
-            </a:r>
-            <a:endParaRPr lang="fr-FR" b="1" dirty="0"/>
-          </a:p>
-        </p:txBody>
-      </p:sp>
-      <p:cxnSp>
-        <p:nvCxnSpPr>
-          <p:cNvPr id="41" name="Straight Arrow Connector 40"/>
-          <p:cNvCxnSpPr/>
-          <p:nvPr/>
-        </p:nvCxnSpPr>
-        <p:spPr>
-          <a:xfrm>
-            <a:off x="7962901" y="2219800"/>
-            <a:ext cx="579119" cy="0"/>
-          </a:xfrm>
-          <a:prstGeom prst="straightConnector1">
-            <a:avLst/>
-          </a:prstGeom>
-          <a:ln w="38100">
-            <a:tailEnd type="arrow"/>
-          </a:ln>
-        </p:spPr>
-        <p:style>
-          <a:lnRef idx="1">
-            <a:schemeClr val="accent3"/>
-          </a:lnRef>
-          <a:fillRef idx="0">
-            <a:schemeClr val="accent3"/>
-          </a:fillRef>
-          <a:effectRef idx="0">
-            <a:schemeClr val="accent3"/>
-          </a:effectRef>
-          <a:fontRef idx="minor">
-            <a:schemeClr val="tx1"/>
-          </a:fontRef>
-        </p:style>
-      </p:cxnSp>
-      <p:cxnSp>
-        <p:nvCxnSpPr>
-          <p:cNvPr id="51" name="Straight Arrow Connector 50"/>
-          <p:cNvCxnSpPr/>
-          <p:nvPr/>
-        </p:nvCxnSpPr>
-        <p:spPr>
-          <a:xfrm flipH="1">
-            <a:off x="7955280" y="2365210"/>
-            <a:ext cx="579119" cy="0"/>
-          </a:xfrm>
-          <a:prstGeom prst="straightConnector1">
-            <a:avLst/>
-          </a:prstGeom>
-          <a:ln w="38100">
-            <a:tailEnd type="arrow"/>
-          </a:ln>
-        </p:spPr>
-        <p:style>
-          <a:lnRef idx="1">
-            <a:schemeClr val="accent3"/>
-          </a:lnRef>
-          <a:fillRef idx="0">
-            <a:schemeClr val="accent3"/>
-          </a:fillRef>
-          <a:effectRef idx="0">
-            <a:schemeClr val="accent3"/>
-          </a:effectRef>
-          <a:fontRef idx="minor">
-            <a:schemeClr val="tx1"/>
-          </a:fontRef>
-        </p:style>
-      </p:cxnSp>
-      <p:cxnSp>
-        <p:nvCxnSpPr>
-          <p:cNvPr id="49" name="Straight Arrow Connector 48"/>
-          <p:cNvCxnSpPr>
-            <a:stCxn id="23" idx="0"/>
-            <a:endCxn id="25" idx="2"/>
-          </p:cNvCxnSpPr>
-          <p:nvPr/>
-        </p:nvCxnSpPr>
-        <p:spPr>
-          <a:xfrm flipV="1">
-            <a:off x="4740751" y="2937193"/>
-            <a:ext cx="0" cy="1874482"/>
-          </a:xfrm>
-          <a:prstGeom prst="straightConnector1">
-            <a:avLst/>
-          </a:prstGeom>
-          <a:ln w="38100">
-            <a:solidFill>
-              <a:srgbClr val="FF0000"/>
-            </a:solidFill>
-            <a:tailEnd type="arrow"/>
-          </a:ln>
-        </p:spPr>
-        <p:style>
-          <a:lnRef idx="1">
-            <a:schemeClr val="accent3"/>
-          </a:lnRef>
-          <a:fillRef idx="0">
-            <a:schemeClr val="accent3"/>
-          </a:fillRef>
-          <a:effectRef idx="0">
-            <a:schemeClr val="accent3"/>
-          </a:effectRef>
-          <a:fontRef idx="minor">
-            <a:schemeClr val="tx1"/>
-          </a:fontRef>
-        </p:style>
-      </p:cxnSp>
-      <p:cxnSp>
-        <p:nvCxnSpPr>
-          <p:cNvPr id="54" name="Elbow Connector 53"/>
-          <p:cNvCxnSpPr>
-            <a:stCxn id="44" idx="2"/>
-            <a:endCxn id="23" idx="2"/>
-          </p:cNvCxnSpPr>
-          <p:nvPr/>
-        </p:nvCxnSpPr>
-        <p:spPr>
-          <a:xfrm rot="5400000" flipH="1">
-            <a:off x="5978664" y="4354812"/>
-            <a:ext cx="80049" cy="2555876"/>
-          </a:xfrm>
-          <a:prstGeom prst="bentConnector3">
-            <a:avLst>
-              <a:gd name="adj1" fmla="val -285575"/>
-            </a:avLst>
-          </a:prstGeom>
-          <a:ln w="38100">
-            <a:tailEnd type="arrow"/>
-          </a:ln>
-        </p:spPr>
-        <p:style>
-          <a:lnRef idx="1">
-            <a:schemeClr val="accent3"/>
-          </a:lnRef>
-          <a:fillRef idx="0">
-            <a:schemeClr val="accent3"/>
-          </a:fillRef>
-          <a:effectRef idx="0">
-            <a:schemeClr val="accent3"/>
-          </a:effectRef>
-          <a:fontRef idx="minor">
-            <a:schemeClr val="tx1"/>
-          </a:fontRef>
-        </p:style>
-      </p:cxnSp>
-      <p:cxnSp>
-        <p:nvCxnSpPr>
-          <p:cNvPr id="56" name="Elbow Connector 55"/>
-          <p:cNvCxnSpPr>
-            <a:stCxn id="25" idx="0"/>
-            <a:endCxn id="22" idx="0"/>
-          </p:cNvCxnSpPr>
-          <p:nvPr/>
-        </p:nvCxnSpPr>
-        <p:spPr>
-          <a:xfrm rot="5400000" flipH="1" flipV="1">
-            <a:off x="5960842" y="776707"/>
-            <a:ext cx="111720" cy="2551902"/>
-          </a:xfrm>
-          <a:prstGeom prst="bentConnector3">
-            <a:avLst>
-              <a:gd name="adj1" fmla="val 304619"/>
-            </a:avLst>
-          </a:prstGeom>
-          <a:ln w="38100">
-            <a:tailEnd type="arrow"/>
-          </a:ln>
-        </p:spPr>
-        <p:style>
-          <a:lnRef idx="1">
-            <a:schemeClr val="accent3"/>
-          </a:lnRef>
-          <a:fillRef idx="0">
-            <a:schemeClr val="accent3"/>
-          </a:fillRef>
-          <a:effectRef idx="0">
-            <a:schemeClr val="accent3"/>
-          </a:effectRef>
-          <a:fontRef idx="minor">
-            <a:schemeClr val="tx1"/>
-          </a:fontRef>
-        </p:style>
-      </p:cxnSp>
-      <p:sp>
-        <p:nvSpPr>
-          <p:cNvPr id="61" name="Rectangle à coins arrondis 11"/>
-          <p:cNvSpPr/>
-          <p:nvPr/>
-        </p:nvSpPr>
-        <p:spPr>
-          <a:xfrm>
-            <a:off x="8749555" y="3522577"/>
-            <a:ext cx="1552575" cy="414337"/>
-          </a:xfrm>
-          <a:prstGeom prst="roundRect">
-            <a:avLst/>
-          </a:prstGeom>
-          <a:solidFill>
-            <a:schemeClr val="accent2"/>
-          </a:solidFill>
-          <a:ln w="28575">
-            <a:solidFill>
-              <a:schemeClr val="bg1"/>
-            </a:solidFill>
-          </a:ln>
-          <a:effectLst>
-            <a:outerShdw blurRad="63500" sx="102000" sy="102000" algn="ctr" rotWithShape="0">
-              <a:prstClr val="black">
-                <a:alpha val="40000"/>
-              </a:prstClr>
-            </a:outerShdw>
-          </a:effectLst>
-        </p:spPr>
-        <p:style>
-          <a:lnRef idx="2">
-            <a:schemeClr val="accent1">
-              <a:shade val="50000"/>
-            </a:schemeClr>
-          </a:lnRef>
-          <a:fillRef idx="1">
-            <a:schemeClr val="accent1"/>
-          </a:fillRef>
-          <a:effectRef idx="0">
-            <a:schemeClr val="accent1"/>
-          </a:effectRef>
-          <a:fontRef idx="minor">
-            <a:schemeClr val="lt1"/>
-          </a:fontRef>
-        </p:style>
-        <p:txBody>
-          <a:bodyPr rtlCol="0" anchor="ctr"/>
-          <a:lstStyle/>
-          <a:p>
-            <a:pPr algn="ctr"/>
-            <a:r>
-              <a:rPr lang="fr-FR" b="1" dirty="0" smtClean="0"/>
-              <a:t>Loop actions</a:t>
-            </a:r>
-            <a:endParaRPr lang="fr-FR" b="1" dirty="0"/>
-          </a:p>
-        </p:txBody>
-      </p:sp>
-      <p:sp>
-        <p:nvSpPr>
-          <p:cNvPr id="62" name="Rectangle à coins arrondis 11"/>
-          <p:cNvSpPr/>
-          <p:nvPr/>
-        </p:nvSpPr>
-        <p:spPr>
-          <a:xfrm>
-            <a:off x="8749555" y="4060394"/>
-            <a:ext cx="1552575" cy="414337"/>
-          </a:xfrm>
-          <a:prstGeom prst="roundRect">
-            <a:avLst/>
-          </a:prstGeom>
-          <a:solidFill>
-            <a:schemeClr val="accent2"/>
-          </a:solidFill>
-          <a:ln w="28575">
-            <a:solidFill>
-              <a:schemeClr val="bg1"/>
-            </a:solidFill>
-          </a:ln>
-          <a:effectLst>
-            <a:outerShdw blurRad="63500" sx="102000" sy="102000" algn="ctr" rotWithShape="0">
-              <a:prstClr val="black">
-                <a:alpha val="40000"/>
-              </a:prstClr>
-            </a:outerShdw>
-          </a:effectLst>
-        </p:spPr>
-        <p:style>
-          <a:lnRef idx="2">
-            <a:schemeClr val="accent1">
-              <a:shade val="50000"/>
-            </a:schemeClr>
-          </a:lnRef>
-          <a:fillRef idx="1">
-            <a:schemeClr val="accent1"/>
-          </a:fillRef>
-          <a:effectRef idx="0">
-            <a:schemeClr val="accent1"/>
-          </a:effectRef>
-          <a:fontRef idx="minor">
-            <a:schemeClr val="lt1"/>
-          </a:fontRef>
-        </p:style>
-        <p:txBody>
-          <a:bodyPr rtlCol="0" anchor="ctr"/>
-          <a:lstStyle/>
-          <a:p>
-            <a:pPr algn="ctr"/>
-            <a:r>
-              <a:rPr lang="fr-FR" b="1" dirty="0" smtClean="0"/>
-              <a:t>Crash report</a:t>
-            </a:r>
-            <a:endParaRPr lang="fr-FR" b="1" dirty="0"/>
-          </a:p>
-        </p:txBody>
-      </p:sp>
-      <p:sp>
-        <p:nvSpPr>
-          <p:cNvPr id="63" name="Rectangle à coins arrondis 11"/>
-          <p:cNvSpPr/>
-          <p:nvPr/>
-        </p:nvSpPr>
-        <p:spPr>
-          <a:xfrm>
-            <a:off x="8749555" y="4598210"/>
-            <a:ext cx="1552575" cy="414337"/>
-          </a:xfrm>
-          <a:prstGeom prst="roundRect">
-            <a:avLst/>
-          </a:prstGeom>
-          <a:solidFill>
-            <a:schemeClr val="accent2"/>
-          </a:solidFill>
-          <a:ln w="28575">
-            <a:solidFill>
-              <a:schemeClr val="bg1"/>
-            </a:solidFill>
-          </a:ln>
-          <a:effectLst>
-            <a:outerShdw blurRad="63500" sx="102000" sy="102000" algn="ctr" rotWithShape="0">
-              <a:prstClr val="black">
-                <a:alpha val="40000"/>
-              </a:prstClr>
-            </a:outerShdw>
-          </a:effectLst>
-        </p:spPr>
-        <p:style>
-          <a:lnRef idx="2">
-            <a:schemeClr val="accent1">
-              <a:shade val="50000"/>
-            </a:schemeClr>
-          </a:lnRef>
-          <a:fillRef idx="1">
-            <a:schemeClr val="accent1"/>
-          </a:fillRef>
-          <a:effectRef idx="0">
-            <a:schemeClr val="accent1"/>
-          </a:effectRef>
-          <a:fontRef idx="minor">
-            <a:schemeClr val="lt1"/>
-          </a:fontRef>
-        </p:style>
-        <p:txBody>
-          <a:bodyPr rtlCol="0" anchor="ctr"/>
-          <a:lstStyle/>
-          <a:p>
-            <a:pPr algn="ctr"/>
-            <a:r>
-              <a:rPr lang="fr-FR" b="1" dirty="0" smtClean="0"/>
-              <a:t>…</a:t>
-            </a:r>
-            <a:endParaRPr lang="fr-FR" b="1" dirty="0"/>
-          </a:p>
-        </p:txBody>
-      </p:sp>
-      <p:sp>
-        <p:nvSpPr>
-          <p:cNvPr id="7" name="Rectangle 6"/>
-          <p:cNvSpPr/>
-          <p:nvPr/>
-        </p:nvSpPr>
-        <p:spPr>
-          <a:xfrm>
-            <a:off x="4005706" y="3606284"/>
-            <a:ext cx="712952" cy="369332"/>
-          </a:xfrm>
-          <a:prstGeom prst="rect">
-            <a:avLst/>
-          </a:prstGeom>
-        </p:spPr>
-        <p:txBody>
-          <a:bodyPr wrap="none">
-            <a:spAutoFit/>
-          </a:bodyPr>
-          <a:lstStyle/>
-          <a:p>
-            <a:r>
-              <a:rPr lang="en-US" dirty="0">
-                <a:solidFill>
-                  <a:srgbClr val="FF0000"/>
-                </a:solidFill>
-              </a:rPr>
-              <a:t>event</a:t>
-            </a:r>
-            <a:endParaRPr lang="fr-FR" dirty="0">
-              <a:solidFill>
-                <a:srgbClr val="FF0000"/>
-              </a:solidFill>
-            </a:endParaRPr>
-          </a:p>
-        </p:txBody>
-      </p:sp>
-    </p:spTree>
-    <p:extLst>
-      <p:ext uri="{BB962C8B-B14F-4D97-AF65-F5344CB8AC3E}">
-        <p14:creationId xmlns:p14="http://schemas.microsoft.com/office/powerpoint/2010/main" val="1808425269"/>
       </p:ext>
     </p:extLst>
   </p:cSld>
@@ -14480,6 +13342,9 @@
             <a:avLst/>
           </a:prstGeom>
           <a:ln w="38100">
+            <a:solidFill>
+              <a:srgbClr val="FF0000"/>
+            </a:solidFill>
             <a:tailEnd type="arrow"/>
           </a:ln>
         </p:spPr>
@@ -14556,9 +13421,6 @@
             </a:avLst>
           </a:prstGeom>
           <a:ln w="38100">
-            <a:solidFill>
-              <a:srgbClr val="FF0000"/>
-            </a:solidFill>
             <a:tailEnd type="arrow"/>
           </a:ln>
         </p:spPr>
@@ -14756,14 +13618,14 @@
       </p:sp>
       <p:sp>
         <p:nvSpPr>
-          <p:cNvPr id="31" name="Rectangle 30"/>
+          <p:cNvPr id="7" name="Rectangle 6"/>
           <p:cNvSpPr/>
           <p:nvPr/>
         </p:nvSpPr>
         <p:spPr>
           <a:xfrm>
-            <a:off x="5660226" y="1382671"/>
-            <a:ext cx="766557" cy="369332"/>
+            <a:off x="4005706" y="3606284"/>
+            <a:ext cx="712952" cy="369332"/>
           </a:xfrm>
           <a:prstGeom prst="rect">
             <a:avLst/>
@@ -14776,12 +13638,12 @@
           <a:lstStyle/>
           <a:p>
             <a:r>
-              <a:rPr lang="en-US" dirty="0" smtClean="0">
+              <a:rPr lang="en-US" dirty="0">
                 <a:solidFill>
                   <a:srgbClr val="FF0000"/>
                 </a:solidFill>
               </a:rPr>
-              <a:t>action</a:t>
+              <a:t>event</a:t>
             </a:r>
             <a:endParaRPr lang="fr-FR" dirty="0">
               <a:solidFill>
@@ -14794,7 +13656,7 @@
     </p:spTree>
     <p:extLst>
       <p:ext uri="{BB962C8B-B14F-4D97-AF65-F5344CB8AC3E}">
-        <p14:creationId xmlns:p14="http://schemas.microsoft.com/office/powerpoint/2010/main" val="214338730"/>
+        <p14:creationId xmlns:p14="http://schemas.microsoft.com/office/powerpoint/2010/main" val="1808425269"/>
       </p:ext>
     </p:extLst>
   </p:cSld>
@@ -14933,6 +13795,44 @@
           </a:p>
         </p:txBody>
       </p:sp>
+      <p:cxnSp>
+        <p:nvCxnSpPr>
+          <p:cNvPr id="20" name="Forme 58"/>
+          <p:cNvCxnSpPr>
+            <a:stCxn id="22" idx="2"/>
+            <a:endCxn id="24" idx="0"/>
+          </p:cNvCxnSpPr>
+          <p:nvPr/>
+        </p:nvCxnSpPr>
+        <p:spPr>
+          <a:xfrm rot="16200000" flipH="1">
+            <a:off x="7075429" y="3187961"/>
+            <a:ext cx="437626" cy="3179"/>
+          </a:xfrm>
+          <a:prstGeom prst="curvedConnector3">
+            <a:avLst>
+              <a:gd name="adj1" fmla="val 50000"/>
+            </a:avLst>
+          </a:prstGeom>
+          <a:ln w="38100">
+            <a:tailEnd type="arrow"/>
+          </a:ln>
+        </p:spPr>
+        <p:style>
+          <a:lnRef idx="1">
+            <a:schemeClr val="accent3"/>
+          </a:lnRef>
+          <a:fillRef idx="0">
+            <a:schemeClr val="accent3"/>
+          </a:fillRef>
+          <a:effectRef idx="0">
+            <a:schemeClr val="accent3"/>
+          </a:effectRef>
+          <a:fontRef idx="minor">
+            <a:schemeClr val="tx1"/>
+          </a:fontRef>
+        </p:style>
+      </p:cxnSp>
       <p:sp>
         <p:nvSpPr>
           <p:cNvPr id="22" name="Rectangle à coins arrondis 8"/>
@@ -15599,7 +14499,7 @@
             <a:avLst/>
           </a:prstGeom>
           <a:solidFill>
-            <a:srgbClr val="FF0000"/>
+            <a:schemeClr val="accent2"/>
           </a:solidFill>
           <a:ln w="28575">
             <a:solidFill>
@@ -15652,65 +14552,6 @@
         <p:spPr>
           <a:xfrm>
             <a:off x="8749556" y="2446943"/>
-            <a:ext cx="1552575" cy="414337"/>
-          </a:xfrm>
-          <a:prstGeom prst="roundRect">
-            <a:avLst/>
-          </a:prstGeom>
-          <a:solidFill>
-            <a:srgbClr val="FF0000"/>
-          </a:solidFill>
-          <a:ln w="28575">
-            <a:solidFill>
-              <a:schemeClr val="bg1"/>
-            </a:solidFill>
-          </a:ln>
-          <a:effectLst>
-            <a:outerShdw blurRad="63500" sx="102000" sy="102000" algn="ctr" rotWithShape="0">
-              <a:prstClr val="black">
-                <a:alpha val="40000"/>
-              </a:prstClr>
-            </a:outerShdw>
-          </a:effectLst>
-        </p:spPr>
-        <p:style>
-          <a:lnRef idx="2">
-            <a:schemeClr val="accent1">
-              <a:shade val="50000"/>
-            </a:schemeClr>
-          </a:lnRef>
-          <a:fillRef idx="1">
-            <a:schemeClr val="accent1"/>
-          </a:fillRef>
-          <a:effectRef idx="0">
-            <a:schemeClr val="accent1"/>
-          </a:effectRef>
-          <a:fontRef idx="minor">
-            <a:schemeClr val="lt1"/>
-          </a:fontRef>
-        </p:style>
-        <p:txBody>
-          <a:bodyPr rtlCol="0" anchor="ctr"/>
-          <a:lstStyle/>
-          <a:p>
-            <a:pPr algn="ctr"/>
-            <a:r>
-              <a:rPr lang="fr-FR" b="1" dirty="0" smtClean="0"/>
-              <a:t>Logs</a:t>
-            </a:r>
-            <a:endParaRPr lang="fr-FR" b="1" dirty="0"/>
-          </a:p>
-        </p:txBody>
-      </p:sp>
-      <p:sp>
-        <p:nvSpPr>
-          <p:cNvPr id="48" name="Rectangle à coins arrondis 11"/>
-          <p:cNvSpPr/>
-          <p:nvPr/>
-        </p:nvSpPr>
-        <p:spPr>
-          <a:xfrm>
-            <a:off x="8749555" y="2984760"/>
             <a:ext cx="1552575" cy="414337"/>
           </a:xfrm>
           <a:prstGeom prst="roundRect">
@@ -15755,6 +14596,65 @@
             <a:pPr algn="ctr"/>
             <a:r>
               <a:rPr lang="fr-FR" b="1" dirty="0" smtClean="0"/>
+              <a:t>Logs</a:t>
+            </a:r>
+            <a:endParaRPr lang="fr-FR" b="1" dirty="0"/>
+          </a:p>
+        </p:txBody>
+      </p:sp>
+      <p:sp>
+        <p:nvSpPr>
+          <p:cNvPr id="48" name="Rectangle à coins arrondis 11"/>
+          <p:cNvSpPr/>
+          <p:nvPr/>
+        </p:nvSpPr>
+        <p:spPr>
+          <a:xfrm>
+            <a:off x="8749555" y="2984760"/>
+            <a:ext cx="1552575" cy="414337"/>
+          </a:xfrm>
+          <a:prstGeom prst="roundRect">
+            <a:avLst/>
+          </a:prstGeom>
+          <a:solidFill>
+            <a:schemeClr val="accent2"/>
+          </a:solidFill>
+          <a:ln w="28575">
+            <a:solidFill>
+              <a:schemeClr val="bg1"/>
+            </a:solidFill>
+          </a:ln>
+          <a:effectLst>
+            <a:outerShdw blurRad="63500" sx="102000" sy="102000" algn="ctr" rotWithShape="0">
+              <a:prstClr val="black">
+                <a:alpha val="40000"/>
+              </a:prstClr>
+            </a:outerShdw>
+          </a:effectLst>
+        </p:spPr>
+        <p:style>
+          <a:lnRef idx="2">
+            <a:schemeClr val="accent1">
+              <a:shade val="50000"/>
+            </a:schemeClr>
+          </a:lnRef>
+          <a:fillRef idx="1">
+            <a:schemeClr val="accent1"/>
+          </a:fillRef>
+          <a:effectRef idx="0">
+            <a:schemeClr val="accent1"/>
+          </a:effectRef>
+          <a:fontRef idx="minor">
+            <a:schemeClr val="lt1"/>
+          </a:fontRef>
+        </p:style>
+        <p:txBody>
+          <a:bodyPr rtlCol="0" anchor="ctr"/>
+          <a:lstStyle/>
+          <a:p>
+            <a:pPr algn="ctr"/>
+            <a:r>
+              <a:rPr lang="fr-FR" b="1" dirty="0" smtClean="0"/>
               <a:t>Delay actions</a:t>
             </a:r>
             <a:endParaRPr lang="fr-FR" b="1" dirty="0"/>
@@ -15776,9 +14676,6 @@
             <a:avLst/>
           </a:prstGeom>
           <a:ln w="38100">
-            <a:solidFill>
-              <a:srgbClr val="FF0000"/>
-            </a:solidFill>
             <a:tailEnd type="arrow"/>
           </a:ln>
         </p:spPr>
@@ -15812,9 +14709,6 @@
             <a:avLst/>
           </a:prstGeom>
           <a:ln w="38100">
-            <a:solidFill>
-              <a:srgbClr val="FF0000"/>
-            </a:solidFill>
             <a:tailEnd type="arrow"/>
           </a:ln>
         </p:spPr>
@@ -15927,6 +14821,9 @@
             </a:avLst>
           </a:prstGeom>
           <a:ln w="38100">
+            <a:solidFill>
+              <a:srgbClr val="FF0000"/>
+            </a:solidFill>
             <a:tailEnd type="arrow"/>
           </a:ln>
         </p:spPr>
@@ -16122,53 +15019,15 @@
           </a:p>
         </p:txBody>
       </p:sp>
-      <p:cxnSp>
-        <p:nvCxnSpPr>
-          <p:cNvPr id="20" name="Forme 58"/>
-          <p:cNvCxnSpPr>
-            <a:stCxn id="22" idx="2"/>
-            <a:endCxn id="24" idx="0"/>
-          </p:cNvCxnSpPr>
-          <p:nvPr/>
-        </p:nvCxnSpPr>
-        <p:spPr>
-          <a:xfrm rot="16200000" flipH="1">
-            <a:off x="7075429" y="3187961"/>
-            <a:ext cx="437626" cy="3179"/>
-          </a:xfrm>
-          <a:prstGeom prst="curvedConnector3">
-            <a:avLst>
-              <a:gd name="adj1" fmla="val 50000"/>
-            </a:avLst>
-          </a:prstGeom>
-          <a:ln w="38100">
-            <a:tailEnd type="arrow"/>
-          </a:ln>
-        </p:spPr>
-        <p:style>
-          <a:lnRef idx="1">
-            <a:schemeClr val="accent3"/>
-          </a:lnRef>
-          <a:fillRef idx="0">
-            <a:schemeClr val="accent3"/>
-          </a:fillRef>
-          <a:effectRef idx="0">
-            <a:schemeClr val="accent3"/>
-          </a:effectRef>
-          <a:fontRef idx="minor">
-            <a:schemeClr val="tx1"/>
-          </a:fontRef>
-        </p:style>
-      </p:cxnSp>
-      <p:sp>
-        <p:nvSpPr>
-          <p:cNvPr id="34" name="Rectangle 33"/>
+      <p:sp>
+        <p:nvSpPr>
+          <p:cNvPr id="31" name="Rectangle 30"/>
           <p:cNvSpPr/>
           <p:nvPr/>
         </p:nvSpPr>
         <p:spPr>
           <a:xfrm>
-            <a:off x="7955280" y="1800964"/>
+            <a:off x="5660226" y="1382671"/>
             <a:ext cx="766557" cy="369332"/>
           </a:xfrm>
           <a:prstGeom prst="rect">
@@ -16200,7 +15059,7 @@
     </p:spTree>
     <p:extLst>
       <p:ext uri="{BB962C8B-B14F-4D97-AF65-F5344CB8AC3E}">
-        <p14:creationId xmlns:p14="http://schemas.microsoft.com/office/powerpoint/2010/main" val="2081350360"/>
+        <p14:creationId xmlns:p14="http://schemas.microsoft.com/office/powerpoint/2010/main" val="214338730"/>
       </p:ext>
     </p:extLst>
   </p:cSld>
@@ -16913,9 +15772,6 @@
             </a:avLst>
           </a:prstGeom>
           <a:ln w="38100">
-            <a:solidFill>
-              <a:srgbClr val="FF0000"/>
-            </a:solidFill>
             <a:tailEnd type="arrow"/>
           </a:ln>
         </p:spPr>
@@ -17067,7 +15923,7 @@
             <a:avLst/>
           </a:prstGeom>
           <a:solidFill>
-            <a:schemeClr val="accent2"/>
+            <a:srgbClr val="FF0000"/>
           </a:solidFill>
           <a:ln w="28575">
             <a:solidFill>
@@ -17104,9 +15960,10 @@
           <a:p>
             <a:pPr algn="ctr"/>
             <a:r>
-              <a:rPr lang="fr-FR" b="1" dirty="0"/>
+              <a:rPr lang="fr-FR" b="1" dirty="0" smtClean="0"/>
               <a:t>Logs</a:t>
             </a:r>
+            <a:endParaRPr lang="fr-FR" b="1" dirty="0"/>
           </a:p>
         </p:txBody>
       </p:sp>
@@ -17184,6 +16041,9 @@
             <a:avLst/>
           </a:prstGeom>
           <a:ln w="38100">
+            <a:solidFill>
+              <a:srgbClr val="FF0000"/>
+            </a:solidFill>
             <a:tailEnd type="arrow"/>
           </a:ln>
         </p:spPr>
@@ -17217,6 +16077,9 @@
             <a:avLst/>
           </a:prstGeom>
           <a:ln w="38100">
+            <a:solidFill>
+              <a:srgbClr val="FF0000"/>
+            </a:solidFill>
             <a:tailEnd type="arrow"/>
           </a:ln>
         </p:spPr>
@@ -17529,14 +16392,14 @@
           <p:cNvPr id="20" name="Forme 58"/>
           <p:cNvCxnSpPr>
             <a:stCxn id="22" idx="2"/>
-            <a:endCxn id="26" idx="0"/>
+            <a:endCxn id="24" idx="0"/>
           </p:cNvCxnSpPr>
           <p:nvPr/>
         </p:nvCxnSpPr>
         <p:spPr>
           <a:xfrm rot="16200000" flipH="1">
-            <a:off x="6830241" y="3433150"/>
-            <a:ext cx="928799" cy="3974"/>
+            <a:off x="7075429" y="3187961"/>
+            <a:ext cx="437626" cy="3179"/>
           </a:xfrm>
           <a:prstGeom prst="curvedConnector3">
             <a:avLst>
@@ -17544,9 +16407,6 @@
             </a:avLst>
           </a:prstGeom>
           <a:ln w="38100">
-            <a:solidFill>
-              <a:srgbClr val="FF0000"/>
-            </a:solidFill>
             <a:tailEnd type="arrow"/>
           </a:ln>
         </p:spPr>
@@ -17567,50 +16427,13 @@
       </p:cxnSp>
       <p:sp>
         <p:nvSpPr>
-          <p:cNvPr id="32" name="Rectangle 31"/>
+          <p:cNvPr id="34" name="Rectangle 33"/>
           <p:cNvSpPr/>
           <p:nvPr/>
         </p:nvSpPr>
         <p:spPr>
           <a:xfrm>
-            <a:off x="5749808" y="4228878"/>
-            <a:ext cx="644344" cy="369332"/>
-          </a:xfrm>
-          <a:prstGeom prst="rect">
-            <a:avLst/>
-          </a:prstGeom>
-        </p:spPr>
-        <p:txBody>
-          <a:bodyPr wrap="none">
-            <a:spAutoFit/>
-          </a:bodyPr>
-          <a:lstStyle/>
-          <a:p>
-            <a:r>
-              <a:rPr lang="en-US" dirty="0" smtClean="0">
-                <a:solidFill>
-                  <a:srgbClr val="FF0000"/>
-                </a:solidFill>
-              </a:rPr>
-              <a:t>state</a:t>
-            </a:r>
-            <a:endParaRPr lang="fr-FR" dirty="0">
-              <a:solidFill>
-                <a:srgbClr val="FF0000"/>
-              </a:solidFill>
-            </a:endParaRPr>
-          </a:p>
-        </p:txBody>
-      </p:sp>
-      <p:sp>
-        <p:nvSpPr>
-          <p:cNvPr id="33" name="Rectangle 32"/>
-          <p:cNvSpPr/>
-          <p:nvPr/>
-        </p:nvSpPr>
-        <p:spPr>
-          <a:xfrm>
-            <a:off x="7251642" y="3004885"/>
+            <a:off x="7955280" y="1800964"/>
             <a:ext cx="766557" cy="369332"/>
           </a:xfrm>
           <a:prstGeom prst="rect">
@@ -17642,7 +16465,7 @@
     </p:spTree>
     <p:extLst>
       <p:ext uri="{BB962C8B-B14F-4D97-AF65-F5344CB8AC3E}">
-        <p14:creationId xmlns:p14="http://schemas.microsoft.com/office/powerpoint/2010/main" val="3988002708"/>
+        <p14:creationId xmlns:p14="http://schemas.microsoft.com/office/powerpoint/2010/main" val="2081350360"/>
       </p:ext>
     </p:extLst>
   </p:cSld>
@@ -17781,44 +16604,6 @@
           </a:p>
         </p:txBody>
       </p:sp>
-      <p:cxnSp>
-        <p:nvCxnSpPr>
-          <p:cNvPr id="20" name="Forme 58"/>
-          <p:cNvCxnSpPr>
-            <a:stCxn id="22" idx="2"/>
-            <a:endCxn id="24" idx="0"/>
-          </p:cNvCxnSpPr>
-          <p:nvPr/>
-        </p:nvCxnSpPr>
-        <p:spPr>
-          <a:xfrm rot="16200000" flipH="1">
-            <a:off x="7075429" y="3187961"/>
-            <a:ext cx="437626" cy="3179"/>
-          </a:xfrm>
-          <a:prstGeom prst="curvedConnector3">
-            <a:avLst>
-              <a:gd name="adj1" fmla="val 50000"/>
-            </a:avLst>
-          </a:prstGeom>
-          <a:ln w="38100">
-            <a:tailEnd type="arrow"/>
-          </a:ln>
-        </p:spPr>
-        <p:style>
-          <a:lnRef idx="1">
-            <a:schemeClr val="accent3"/>
-          </a:lnRef>
-          <a:fillRef idx="0">
-            <a:schemeClr val="accent3"/>
-          </a:fillRef>
-          <a:effectRef idx="0">
-            <a:schemeClr val="accent3"/>
-          </a:effectRef>
-          <a:fontRef idx="minor">
-            <a:schemeClr val="tx1"/>
-          </a:fontRef>
-        </p:style>
-      </p:cxnSp>
       <p:sp>
         <p:nvSpPr>
           <p:cNvPr id="22" name="Rectangle à coins arrondis 8"/>
@@ -18393,6 +17178,9 @@
             </a:avLst>
           </a:prstGeom>
           <a:ln w="38100">
+            <a:solidFill>
+              <a:srgbClr val="FF0000"/>
+            </a:solidFill>
             <a:tailEnd type="arrow"/>
           </a:ln>
         </p:spPr>
@@ -18581,10 +17369,9 @@
           <a:p>
             <a:pPr algn="ctr"/>
             <a:r>
-              <a:rPr lang="fr-FR" b="1" dirty="0" smtClean="0"/>
+              <a:rPr lang="fr-FR" b="1" dirty="0"/>
               <a:t>Logs</a:t>
             </a:r>
-            <a:endParaRPr lang="fr-FR" b="1" dirty="0"/>
           </a:p>
         </p:txBody>
       </p:sp>
@@ -18769,9 +17556,6 @@
             </a:avLst>
           </a:prstGeom>
           <a:ln w="38100">
-            <a:solidFill>
-              <a:srgbClr val="FF0000"/>
-            </a:solidFill>
             <a:tailEnd type="arrow"/>
           </a:ln>
         </p:spPr>
@@ -19005,16 +17789,57 @@
           </a:p>
         </p:txBody>
       </p:sp>
-      <p:sp>
-        <p:nvSpPr>
-          <p:cNvPr id="31" name="Rectangle 30"/>
+      <p:cxnSp>
+        <p:nvCxnSpPr>
+          <p:cNvPr id="20" name="Forme 58"/>
+          <p:cNvCxnSpPr>
+            <a:stCxn id="22" idx="2"/>
+            <a:endCxn id="26" idx="0"/>
+          </p:cNvCxnSpPr>
+          <p:nvPr/>
+        </p:nvCxnSpPr>
+        <p:spPr>
+          <a:xfrm rot="16200000" flipH="1">
+            <a:off x="6830241" y="3433150"/>
+            <a:ext cx="928799" cy="3974"/>
+          </a:xfrm>
+          <a:prstGeom prst="curvedConnector3">
+            <a:avLst>
+              <a:gd name="adj1" fmla="val 50000"/>
+            </a:avLst>
+          </a:prstGeom>
+          <a:ln w="38100">
+            <a:solidFill>
+              <a:srgbClr val="FF0000"/>
+            </a:solidFill>
+            <a:tailEnd type="arrow"/>
+          </a:ln>
+        </p:spPr>
+        <p:style>
+          <a:lnRef idx="1">
+            <a:schemeClr val="accent3"/>
+          </a:lnRef>
+          <a:fillRef idx="0">
+            <a:schemeClr val="accent3"/>
+          </a:fillRef>
+          <a:effectRef idx="0">
+            <a:schemeClr val="accent3"/>
+          </a:effectRef>
+          <a:fontRef idx="minor">
+            <a:schemeClr val="tx1"/>
+          </a:fontRef>
+        </p:style>
+      </p:cxnSp>
+      <p:sp>
+        <p:nvSpPr>
+          <p:cNvPr id="32" name="Rectangle 31"/>
           <p:cNvSpPr/>
           <p:nvPr/>
         </p:nvSpPr>
         <p:spPr>
           <a:xfrm>
-            <a:off x="5633423" y="5901927"/>
-            <a:ext cx="1098442" cy="369332"/>
+            <a:off x="5749808" y="4228878"/>
+            <a:ext cx="644344" cy="369332"/>
           </a:xfrm>
           <a:prstGeom prst="rect">
             <a:avLst/>
@@ -19032,7 +17857,7 @@
                   <a:srgbClr val="FF0000"/>
                 </a:solidFill>
               </a:rPr>
-              <a:t>new state</a:t>
+              <a:t>state</a:t>
             </a:r>
             <a:endParaRPr lang="fr-FR" dirty="0">
               <a:solidFill>
@@ -19042,10 +17867,47 @@
           </a:p>
         </p:txBody>
       </p:sp>
+      <p:sp>
+        <p:nvSpPr>
+          <p:cNvPr id="33" name="Rectangle 32"/>
+          <p:cNvSpPr/>
+          <p:nvPr/>
+        </p:nvSpPr>
+        <p:spPr>
+          <a:xfrm>
+            <a:off x="7251642" y="3004885"/>
+            <a:ext cx="766557" cy="369332"/>
+          </a:xfrm>
+          <a:prstGeom prst="rect">
+            <a:avLst/>
+          </a:prstGeom>
+        </p:spPr>
+        <p:txBody>
+          <a:bodyPr wrap="none">
+            <a:spAutoFit/>
+          </a:bodyPr>
+          <a:lstStyle/>
+          <a:p>
+            <a:r>
+              <a:rPr lang="en-US" dirty="0" smtClean="0">
+                <a:solidFill>
+                  <a:srgbClr val="FF0000"/>
+                </a:solidFill>
+              </a:rPr>
+              <a:t>action</a:t>
+            </a:r>
+            <a:endParaRPr lang="fr-FR" dirty="0">
+              <a:solidFill>
+                <a:srgbClr val="FF0000"/>
+              </a:solidFill>
+            </a:endParaRPr>
+          </a:p>
+        </p:txBody>
+      </p:sp>
     </p:spTree>
     <p:extLst>
       <p:ext uri="{BB962C8B-B14F-4D97-AF65-F5344CB8AC3E}">
-        <p14:creationId xmlns:p14="http://schemas.microsoft.com/office/powerpoint/2010/main" val="2590363394"/>
+        <p14:creationId xmlns:p14="http://schemas.microsoft.com/office/powerpoint/2010/main" val="3988002708"/>
       </p:ext>
     </p:extLst>
   </p:cSld>
@@ -20098,9 +18960,6 @@
             <a:avLst/>
           </a:prstGeom>
           <a:ln w="38100">
-            <a:solidFill>
-              <a:srgbClr val="FF0000"/>
-            </a:solidFill>
             <a:tailEnd type="arrow"/>
           </a:ln>
         </p:spPr>
@@ -20175,6 +19034,9 @@
             </a:avLst>
           </a:prstGeom>
           <a:ln w="38100">
+            <a:solidFill>
+              <a:srgbClr val="FF0000"/>
+            </a:solidFill>
             <a:tailEnd type="arrow"/>
           </a:ln>
         </p:spPr>
@@ -20416,8 +19278,8 @@
         </p:nvSpPr>
         <p:spPr>
           <a:xfrm>
-            <a:off x="8025395" y="2343150"/>
-            <a:ext cx="766557" cy="369332"/>
+            <a:off x="5633423" y="5901927"/>
+            <a:ext cx="1098442" cy="369332"/>
           </a:xfrm>
           <a:prstGeom prst="rect">
             <a:avLst/>
@@ -20435,7 +19297,7 @@
                   <a:srgbClr val="FF0000"/>
                 </a:solidFill>
               </a:rPr>
-              <a:t>action</a:t>
+              <a:t>new state</a:t>
             </a:r>
             <a:endParaRPr lang="fr-FR" dirty="0">
               <a:solidFill>
@@ -20448,7 +19310,7 @@
     </p:spTree>
     <p:extLst>
       <p:ext uri="{BB962C8B-B14F-4D97-AF65-F5344CB8AC3E}">
-        <p14:creationId xmlns:p14="http://schemas.microsoft.com/office/powerpoint/2010/main" val="128642618"/>
+        <p14:creationId xmlns:p14="http://schemas.microsoft.com/office/powerpoint/2010/main" val="2590363394"/>
       </p:ext>
     </p:extLst>
   </p:cSld>
@@ -20743,6 +19605,44 @@
           </a:p>
         </p:txBody>
       </p:sp>
+      <p:cxnSp>
+        <p:nvCxnSpPr>
+          <p:cNvPr id="20" name="Forme 58"/>
+          <p:cNvCxnSpPr>
+            <a:stCxn id="22" idx="2"/>
+            <a:endCxn id="24" idx="0"/>
+          </p:cNvCxnSpPr>
+          <p:nvPr/>
+        </p:nvCxnSpPr>
+        <p:spPr>
+          <a:xfrm rot="16200000" flipH="1">
+            <a:off x="7075429" y="3187961"/>
+            <a:ext cx="437626" cy="3179"/>
+          </a:xfrm>
+          <a:prstGeom prst="curvedConnector3">
+            <a:avLst>
+              <a:gd name="adj1" fmla="val 50000"/>
+            </a:avLst>
+          </a:prstGeom>
+          <a:ln w="38100">
+            <a:tailEnd type="arrow"/>
+          </a:ln>
+        </p:spPr>
+        <p:style>
+          <a:lnRef idx="1">
+            <a:schemeClr val="accent3"/>
+          </a:lnRef>
+          <a:fillRef idx="0">
+            <a:schemeClr val="accent3"/>
+          </a:fillRef>
+          <a:effectRef idx="0">
+            <a:schemeClr val="accent3"/>
+          </a:effectRef>
+          <a:fontRef idx="minor">
+            <a:schemeClr val="tx1"/>
+          </a:fontRef>
+        </p:style>
+      </p:cxnSp>
       <p:sp>
         <p:nvSpPr>
           <p:cNvPr id="22" name="Rectangle à coins arrondis 8"/>
@@ -21409,64 +20309,6 @@
             <a:avLst/>
           </a:prstGeom>
           <a:solidFill>
-            <a:schemeClr val="accent2"/>
-          </a:solidFill>
-          <a:ln w="28575">
-            <a:solidFill>
-              <a:schemeClr val="bg1"/>
-            </a:solidFill>
-          </a:ln>
-          <a:effectLst>
-            <a:outerShdw blurRad="63500" sx="102000" sy="102000" algn="ctr" rotWithShape="0">
-              <a:prstClr val="black">
-                <a:alpha val="40000"/>
-              </a:prstClr>
-            </a:outerShdw>
-          </a:effectLst>
-        </p:spPr>
-        <p:style>
-          <a:lnRef idx="2">
-            <a:schemeClr val="accent1">
-              <a:shade val="50000"/>
-            </a:schemeClr>
-          </a:lnRef>
-          <a:fillRef idx="1">
-            <a:schemeClr val="accent1"/>
-          </a:fillRef>
-          <a:effectRef idx="0">
-            <a:schemeClr val="accent1"/>
-          </a:effectRef>
-          <a:fontRef idx="minor">
-            <a:schemeClr val="lt1"/>
-          </a:fontRef>
-        </p:style>
-        <p:txBody>
-          <a:bodyPr rtlCol="0" anchor="ctr"/>
-          <a:lstStyle/>
-          <a:p>
-            <a:pPr algn="ctr"/>
-            <a:r>
-              <a:rPr lang="fr-FR" b="1" dirty="0"/>
-              <a:t>API</a:t>
-            </a:r>
-          </a:p>
-        </p:txBody>
-      </p:sp>
-      <p:sp>
-        <p:nvSpPr>
-          <p:cNvPr id="47" name="Rectangle à coins arrondis 11"/>
-          <p:cNvSpPr/>
-          <p:nvPr/>
-        </p:nvSpPr>
-        <p:spPr>
-          <a:xfrm>
-            <a:off x="8749556" y="2446943"/>
-            <a:ext cx="1552575" cy="414337"/>
-          </a:xfrm>
-          <a:prstGeom prst="roundRect">
-            <a:avLst/>
-          </a:prstGeom>
-          <a:solidFill>
             <a:srgbClr val="FF0000"/>
           </a:solidFill>
           <a:ln w="28575">
@@ -21505,7 +20347,7 @@
             <a:pPr algn="ctr"/>
             <a:r>
               <a:rPr lang="fr-FR" b="1" dirty="0" smtClean="0"/>
-              <a:t>Logs</a:t>
+              <a:t>API</a:t>
             </a:r>
             <a:endParaRPr lang="fr-FR" b="1" dirty="0"/>
           </a:p>
@@ -21513,13 +20355,13 @@
       </p:sp>
       <p:sp>
         <p:nvSpPr>
-          <p:cNvPr id="48" name="Rectangle à coins arrondis 11"/>
+          <p:cNvPr id="47" name="Rectangle à coins arrondis 11"/>
           <p:cNvSpPr/>
           <p:nvPr/>
         </p:nvSpPr>
         <p:spPr>
           <a:xfrm>
-            <a:off x="8749555" y="2984760"/>
+            <a:off x="8749556" y="2446943"/>
             <a:ext cx="1552575" cy="414337"/>
           </a:xfrm>
           <a:prstGeom prst="roundRect">
@@ -21564,6 +20406,65 @@
             <a:pPr algn="ctr"/>
             <a:r>
               <a:rPr lang="fr-FR" b="1" dirty="0" smtClean="0"/>
+              <a:t>Logs</a:t>
+            </a:r>
+            <a:endParaRPr lang="fr-FR" b="1" dirty="0"/>
+          </a:p>
+        </p:txBody>
+      </p:sp>
+      <p:sp>
+        <p:nvSpPr>
+          <p:cNvPr id="48" name="Rectangle à coins arrondis 11"/>
+          <p:cNvSpPr/>
+          <p:nvPr/>
+        </p:nvSpPr>
+        <p:spPr>
+          <a:xfrm>
+            <a:off x="8749555" y="2984760"/>
+            <a:ext cx="1552575" cy="414337"/>
+          </a:xfrm>
+          <a:prstGeom prst="roundRect">
+            <a:avLst/>
+          </a:prstGeom>
+          <a:solidFill>
+            <a:schemeClr val="accent2"/>
+          </a:solidFill>
+          <a:ln w="28575">
+            <a:solidFill>
+              <a:schemeClr val="bg1"/>
+            </a:solidFill>
+          </a:ln>
+          <a:effectLst>
+            <a:outerShdw blurRad="63500" sx="102000" sy="102000" algn="ctr" rotWithShape="0">
+              <a:prstClr val="black">
+                <a:alpha val="40000"/>
+              </a:prstClr>
+            </a:outerShdw>
+          </a:effectLst>
+        </p:spPr>
+        <p:style>
+          <a:lnRef idx="2">
+            <a:schemeClr val="accent1">
+              <a:shade val="50000"/>
+            </a:schemeClr>
+          </a:lnRef>
+          <a:fillRef idx="1">
+            <a:schemeClr val="accent1"/>
+          </a:fillRef>
+          <a:effectRef idx="0">
+            <a:schemeClr val="accent1"/>
+          </a:effectRef>
+          <a:fontRef idx="minor">
+            <a:schemeClr val="lt1"/>
+          </a:fontRef>
+        </p:style>
+        <p:txBody>
+          <a:bodyPr rtlCol="0" anchor="ctr"/>
+          <a:lstStyle/>
+          <a:p>
+            <a:pPr algn="ctr"/>
+            <a:r>
+              <a:rPr lang="fr-FR" b="1" dirty="0" smtClean="0"/>
               <a:t>Delay actions</a:t>
             </a:r>
             <a:endParaRPr lang="fr-FR" b="1" dirty="0"/>
@@ -21585,9 +20486,6 @@
             <a:avLst/>
           </a:prstGeom>
           <a:ln w="38100">
-            <a:solidFill>
-              <a:srgbClr val="FF0000"/>
-            </a:solidFill>
             <a:tailEnd type="arrow"/>
           </a:ln>
         </p:spPr>
@@ -21931,53 +20829,15 @@
           </a:p>
         </p:txBody>
       </p:sp>
-      <p:cxnSp>
-        <p:nvCxnSpPr>
-          <p:cNvPr id="20" name="Forme 58"/>
-          <p:cNvCxnSpPr>
-            <a:stCxn id="22" idx="2"/>
-            <a:endCxn id="24" idx="0"/>
-          </p:cNvCxnSpPr>
-          <p:nvPr/>
-        </p:nvCxnSpPr>
-        <p:spPr>
-          <a:xfrm rot="16200000" flipH="1">
-            <a:off x="7075429" y="3187961"/>
-            <a:ext cx="437626" cy="3179"/>
-          </a:xfrm>
-          <a:prstGeom prst="curvedConnector3">
-            <a:avLst>
-              <a:gd name="adj1" fmla="val 50000"/>
-            </a:avLst>
-          </a:prstGeom>
-          <a:ln w="38100">
-            <a:tailEnd type="arrow"/>
-          </a:ln>
-        </p:spPr>
-        <p:style>
-          <a:lnRef idx="1">
-            <a:schemeClr val="accent3"/>
-          </a:lnRef>
-          <a:fillRef idx="0">
-            <a:schemeClr val="accent3"/>
-          </a:fillRef>
-          <a:effectRef idx="0">
-            <a:schemeClr val="accent3"/>
-          </a:effectRef>
-          <a:fontRef idx="minor">
-            <a:schemeClr val="tx1"/>
-          </a:fontRef>
-        </p:style>
-      </p:cxnSp>
-      <p:sp>
-        <p:nvSpPr>
-          <p:cNvPr id="34" name="Rectangle 33"/>
+      <p:sp>
+        <p:nvSpPr>
+          <p:cNvPr id="31" name="Rectangle 30"/>
           <p:cNvSpPr/>
           <p:nvPr/>
         </p:nvSpPr>
         <p:spPr>
           <a:xfrm>
-            <a:off x="7955280" y="1800964"/>
+            <a:off x="8025395" y="2343150"/>
             <a:ext cx="766557" cy="369332"/>
           </a:xfrm>
           <a:prstGeom prst="rect">
@@ -22009,7 +20869,7 @@
     </p:spTree>
     <p:extLst>
       <p:ext uri="{BB962C8B-B14F-4D97-AF65-F5344CB8AC3E}">
-        <p14:creationId xmlns:p14="http://schemas.microsoft.com/office/powerpoint/2010/main" val="1283896326"/>
+        <p14:creationId xmlns:p14="http://schemas.microsoft.com/office/powerpoint/2010/main" val="128642618"/>
       </p:ext>
     </p:extLst>
   </p:cSld>
@@ -22722,9 +21582,6 @@
             </a:avLst>
           </a:prstGeom>
           <a:ln w="38100">
-            <a:solidFill>
-              <a:srgbClr val="FF0000"/>
-            </a:solidFill>
             <a:tailEnd type="arrow"/>
           </a:ln>
         </p:spPr>
@@ -22875,7 +21732,7 @@
             <a:avLst/>
           </a:prstGeom>
           <a:solidFill>
-            <a:schemeClr val="accent2"/>
+            <a:srgbClr val="FF0000"/>
           </a:solidFill>
           <a:ln w="28575">
             <a:solidFill>
@@ -22912,9 +21769,10 @@
           <a:p>
             <a:pPr algn="ctr"/>
             <a:r>
-              <a:rPr lang="fr-FR" b="1" dirty="0"/>
+              <a:rPr lang="fr-FR" b="1" dirty="0" smtClean="0"/>
               <a:t>Logs</a:t>
             </a:r>
+            <a:endParaRPr lang="fr-FR" b="1" dirty="0"/>
           </a:p>
         </p:txBody>
       </p:sp>
@@ -22992,6 +21850,9 @@
             <a:avLst/>
           </a:prstGeom>
           <a:ln w="38100">
+            <a:solidFill>
+              <a:srgbClr val="FF0000"/>
+            </a:solidFill>
             <a:tailEnd type="arrow"/>
           </a:ln>
         </p:spPr>
@@ -23025,6 +21886,9 @@
             <a:avLst/>
           </a:prstGeom>
           <a:ln w="38100">
+            <a:solidFill>
+              <a:srgbClr val="FF0000"/>
+            </a:solidFill>
             <a:tailEnd type="arrow"/>
           </a:ln>
         </p:spPr>
@@ -23337,14 +22201,14 @@
           <p:cNvPr id="20" name="Forme 58"/>
           <p:cNvCxnSpPr>
             <a:stCxn id="22" idx="2"/>
-            <a:endCxn id="26" idx="0"/>
+            <a:endCxn id="24" idx="0"/>
           </p:cNvCxnSpPr>
           <p:nvPr/>
         </p:nvCxnSpPr>
         <p:spPr>
           <a:xfrm rot="16200000" flipH="1">
-            <a:off x="6830241" y="3433150"/>
-            <a:ext cx="928799" cy="3974"/>
+            <a:off x="7075429" y="3187961"/>
+            <a:ext cx="437626" cy="3179"/>
           </a:xfrm>
           <a:prstGeom prst="curvedConnector3">
             <a:avLst>
@@ -23352,9 +22216,6 @@
             </a:avLst>
           </a:prstGeom>
           <a:ln w="38100">
-            <a:solidFill>
-              <a:srgbClr val="FF0000"/>
-            </a:solidFill>
             <a:tailEnd type="arrow"/>
           </a:ln>
         </p:spPr>
@@ -23375,50 +22236,13 @@
       </p:cxnSp>
       <p:sp>
         <p:nvSpPr>
-          <p:cNvPr id="32" name="Rectangle 31"/>
+          <p:cNvPr id="34" name="Rectangle 33"/>
           <p:cNvSpPr/>
           <p:nvPr/>
         </p:nvSpPr>
         <p:spPr>
           <a:xfrm>
-            <a:off x="5749808" y="4228878"/>
-            <a:ext cx="644344" cy="369332"/>
-          </a:xfrm>
-          <a:prstGeom prst="rect">
-            <a:avLst/>
-          </a:prstGeom>
-        </p:spPr>
-        <p:txBody>
-          <a:bodyPr wrap="none">
-            <a:spAutoFit/>
-          </a:bodyPr>
-          <a:lstStyle/>
-          <a:p>
-            <a:r>
-              <a:rPr lang="en-US" dirty="0" smtClean="0">
-                <a:solidFill>
-                  <a:srgbClr val="FF0000"/>
-                </a:solidFill>
-              </a:rPr>
-              <a:t>state</a:t>
-            </a:r>
-            <a:endParaRPr lang="fr-FR" dirty="0">
-              <a:solidFill>
-                <a:srgbClr val="FF0000"/>
-              </a:solidFill>
-            </a:endParaRPr>
-          </a:p>
-        </p:txBody>
-      </p:sp>
-      <p:sp>
-        <p:nvSpPr>
-          <p:cNvPr id="33" name="Rectangle 32"/>
-          <p:cNvSpPr/>
-          <p:nvPr/>
-        </p:nvSpPr>
-        <p:spPr>
-          <a:xfrm>
-            <a:off x="7251642" y="3004885"/>
+            <a:off x="7955280" y="1800964"/>
             <a:ext cx="766557" cy="369332"/>
           </a:xfrm>
           <a:prstGeom prst="rect">
@@ -23450,7 +22274,7 @@
     </p:spTree>
     <p:extLst>
       <p:ext uri="{BB962C8B-B14F-4D97-AF65-F5344CB8AC3E}">
-        <p14:creationId xmlns:p14="http://schemas.microsoft.com/office/powerpoint/2010/main" val="2685233104"/>
+        <p14:creationId xmlns:p14="http://schemas.microsoft.com/office/powerpoint/2010/main" val="1283896326"/>
       </p:ext>
     </p:extLst>
   </p:cSld>
@@ -23589,44 +22413,6 @@
           </a:p>
         </p:txBody>
       </p:sp>
-      <p:cxnSp>
-        <p:nvCxnSpPr>
-          <p:cNvPr id="20" name="Forme 58"/>
-          <p:cNvCxnSpPr>
-            <a:stCxn id="22" idx="2"/>
-            <a:endCxn id="24" idx="0"/>
-          </p:cNvCxnSpPr>
-          <p:nvPr/>
-        </p:nvCxnSpPr>
-        <p:spPr>
-          <a:xfrm rot="16200000" flipH="1">
-            <a:off x="7075429" y="3187961"/>
-            <a:ext cx="437626" cy="3179"/>
-          </a:xfrm>
-          <a:prstGeom prst="curvedConnector3">
-            <a:avLst>
-              <a:gd name="adj1" fmla="val 50000"/>
-            </a:avLst>
-          </a:prstGeom>
-          <a:ln w="38100">
-            <a:tailEnd type="arrow"/>
-          </a:ln>
-        </p:spPr>
-        <p:style>
-          <a:lnRef idx="1">
-            <a:schemeClr val="accent3"/>
-          </a:lnRef>
-          <a:fillRef idx="0">
-            <a:schemeClr val="accent3"/>
-          </a:fillRef>
-          <a:effectRef idx="0">
-            <a:schemeClr val="accent3"/>
-          </a:effectRef>
-          <a:fontRef idx="minor">
-            <a:schemeClr val="tx1"/>
-          </a:fontRef>
-        </p:style>
-      </p:cxnSp>
       <p:sp>
         <p:nvSpPr>
           <p:cNvPr id="22" name="Rectangle à coins arrondis 8"/>
@@ -24201,6 +22987,9 @@
             </a:avLst>
           </a:prstGeom>
           <a:ln w="38100">
+            <a:solidFill>
+              <a:srgbClr val="FF0000"/>
+            </a:solidFill>
             <a:tailEnd type="arrow"/>
           </a:ln>
         </p:spPr>
@@ -24388,10 +23177,9 @@
           <a:p>
             <a:pPr algn="ctr"/>
             <a:r>
-              <a:rPr lang="fr-FR" b="1" dirty="0" smtClean="0"/>
+              <a:rPr lang="fr-FR" b="1" dirty="0"/>
               <a:t>Logs</a:t>
             </a:r>
-            <a:endParaRPr lang="fr-FR" b="1" dirty="0"/>
           </a:p>
         </p:txBody>
       </p:sp>
@@ -24576,9 +23364,6 @@
             </a:avLst>
           </a:prstGeom>
           <a:ln w="38100">
-            <a:solidFill>
-              <a:srgbClr val="FF0000"/>
-            </a:solidFill>
             <a:tailEnd type="arrow"/>
           </a:ln>
         </p:spPr>
@@ -24812,16 +23597,57 @@
           </a:p>
         </p:txBody>
       </p:sp>
-      <p:sp>
-        <p:nvSpPr>
-          <p:cNvPr id="31" name="Rectangle 30"/>
+      <p:cxnSp>
+        <p:nvCxnSpPr>
+          <p:cNvPr id="20" name="Forme 58"/>
+          <p:cNvCxnSpPr>
+            <a:stCxn id="22" idx="2"/>
+            <a:endCxn id="26" idx="0"/>
+          </p:cNvCxnSpPr>
+          <p:nvPr/>
+        </p:nvCxnSpPr>
+        <p:spPr>
+          <a:xfrm rot="16200000" flipH="1">
+            <a:off x="6830241" y="3433150"/>
+            <a:ext cx="928799" cy="3974"/>
+          </a:xfrm>
+          <a:prstGeom prst="curvedConnector3">
+            <a:avLst>
+              <a:gd name="adj1" fmla="val 50000"/>
+            </a:avLst>
+          </a:prstGeom>
+          <a:ln w="38100">
+            <a:solidFill>
+              <a:srgbClr val="FF0000"/>
+            </a:solidFill>
+            <a:tailEnd type="arrow"/>
+          </a:ln>
+        </p:spPr>
+        <p:style>
+          <a:lnRef idx="1">
+            <a:schemeClr val="accent3"/>
+          </a:lnRef>
+          <a:fillRef idx="0">
+            <a:schemeClr val="accent3"/>
+          </a:fillRef>
+          <a:effectRef idx="0">
+            <a:schemeClr val="accent3"/>
+          </a:effectRef>
+          <a:fontRef idx="minor">
+            <a:schemeClr val="tx1"/>
+          </a:fontRef>
+        </p:style>
+      </p:cxnSp>
+      <p:sp>
+        <p:nvSpPr>
+          <p:cNvPr id="32" name="Rectangle 31"/>
           <p:cNvSpPr/>
           <p:nvPr/>
         </p:nvSpPr>
         <p:spPr>
           <a:xfrm>
-            <a:off x="5633423" y="5901927"/>
-            <a:ext cx="1098442" cy="369332"/>
+            <a:off x="5749808" y="4228878"/>
+            <a:ext cx="644344" cy="369332"/>
           </a:xfrm>
           <a:prstGeom prst="rect">
             <a:avLst/>
@@ -24839,7 +23665,7 @@
                   <a:srgbClr val="FF0000"/>
                 </a:solidFill>
               </a:rPr>
-              <a:t>new state</a:t>
+              <a:t>state</a:t>
             </a:r>
             <a:endParaRPr lang="fr-FR" dirty="0">
               <a:solidFill>
@@ -24849,10 +23675,47 @@
           </a:p>
         </p:txBody>
       </p:sp>
+      <p:sp>
+        <p:nvSpPr>
+          <p:cNvPr id="33" name="Rectangle 32"/>
+          <p:cNvSpPr/>
+          <p:nvPr/>
+        </p:nvSpPr>
+        <p:spPr>
+          <a:xfrm>
+            <a:off x="7251642" y="3004885"/>
+            <a:ext cx="766557" cy="369332"/>
+          </a:xfrm>
+          <a:prstGeom prst="rect">
+            <a:avLst/>
+          </a:prstGeom>
+        </p:spPr>
+        <p:txBody>
+          <a:bodyPr wrap="none">
+            <a:spAutoFit/>
+          </a:bodyPr>
+          <a:lstStyle/>
+          <a:p>
+            <a:r>
+              <a:rPr lang="en-US" dirty="0" smtClean="0">
+                <a:solidFill>
+                  <a:srgbClr val="FF0000"/>
+                </a:solidFill>
+              </a:rPr>
+              <a:t>action</a:t>
+            </a:r>
+            <a:endParaRPr lang="fr-FR" dirty="0">
+              <a:solidFill>
+                <a:srgbClr val="FF0000"/>
+              </a:solidFill>
+            </a:endParaRPr>
+          </a:p>
+        </p:txBody>
+      </p:sp>
     </p:spTree>
     <p:extLst>
       <p:ext uri="{BB962C8B-B14F-4D97-AF65-F5344CB8AC3E}">
-        <p14:creationId xmlns:p14="http://schemas.microsoft.com/office/powerpoint/2010/main" val="899195258"/>
+        <p14:creationId xmlns:p14="http://schemas.microsoft.com/office/powerpoint/2010/main" val="2685233104"/>
       </p:ext>
     </p:extLst>
   </p:cSld>
@@ -24888,7 +23751,7 @@
       </p:grpSpPr>
       <p:sp>
         <p:nvSpPr>
-          <p:cNvPr id="2" name="Title 1"/>
+          <p:cNvPr id="2" name="Titre 1"/>
           <p:cNvSpPr>
             <a:spLocks noGrp="1"/>
           </p:cNvSpPr>
@@ -24902,8 +23765,20 @@
           <a:lstStyle/>
           <a:p>
             <a:r>
-              <a:rPr lang="en-US" dirty="0" smtClean="0"/>
-              <a:t>Rock &amp; Roll</a:t>
+              <a:rPr lang="fr-FR" dirty="0" err="1" smtClean="0"/>
+              <a:t>Redux</a:t>
+            </a:r>
+            <a:r>
+              <a:rPr lang="fr-FR" dirty="0" smtClean="0"/>
+              <a:t> – </a:t>
+            </a:r>
+            <a:r>
+              <a:rPr lang="fr-FR" dirty="0" err="1" smtClean="0"/>
+              <a:t>workflow</a:t>
+            </a:r>
+            <a:r>
+              <a:rPr lang="fr-FR" dirty="0" smtClean="0"/>
+              <a:t> </a:t>
             </a:r>
             <a:endParaRPr lang="fr-FR" dirty="0"/>
           </a:p>
@@ -24911,109 +23786,7 @@
       </p:sp>
       <p:sp>
         <p:nvSpPr>
-          <p:cNvPr id="3" name="Content Placeholder 2"/>
-          <p:cNvSpPr>
-            <a:spLocks noGrp="1"/>
-          </p:cNvSpPr>
-          <p:nvPr>
-            <p:ph idx="1"/>
-          </p:nvPr>
-        </p:nvSpPr>
-        <p:spPr/>
-        <p:txBody>
-          <a:bodyPr>
-            <a:normAutofit lnSpcReduction="10000"/>
-          </a:bodyPr>
-          <a:lstStyle/>
-          <a:p>
-            <a:r>
-              <a:rPr lang="en-US" dirty="0" smtClean="0"/>
-              <a:t>React</a:t>
-            </a:r>
-          </a:p>
-          <a:p>
-            <a:pPr lvl="1"/>
-            <a:r>
-              <a:rPr lang="en-US" dirty="0" smtClean="0"/>
-              <a:t>Render components</a:t>
-            </a:r>
-          </a:p>
-          <a:p>
-            <a:pPr lvl="1"/>
-            <a:r>
-              <a:rPr lang="en-US" dirty="0" smtClean="0"/>
-              <a:t>Optimized rendering workflow</a:t>
-            </a:r>
-          </a:p>
-          <a:p>
-            <a:r>
-              <a:rPr lang="en-US" dirty="0" smtClean="0"/>
-              <a:t>Redux</a:t>
-            </a:r>
-          </a:p>
-          <a:p>
-            <a:pPr lvl="1"/>
-            <a:r>
-              <a:rPr lang="en-US" dirty="0" smtClean="0"/>
-              <a:t>Optimize weak parts of react rendering </a:t>
-            </a:r>
-          </a:p>
-          <a:p>
-            <a:pPr lvl="1"/>
-            <a:endParaRPr lang="en-US" dirty="0"/>
-          </a:p>
-          <a:p>
-            <a:r>
-              <a:rPr lang="en-US" dirty="0" smtClean="0"/>
-              <a:t>Together</a:t>
-            </a:r>
-          </a:p>
-          <a:p>
-            <a:pPr lvl="1"/>
-            <a:r>
-              <a:rPr lang="en-US" dirty="0" smtClean="0"/>
-              <a:t>Makes model – view transformations unidirectional</a:t>
-            </a:r>
-          </a:p>
-          <a:p>
-            <a:pPr lvl="1"/>
-            <a:r>
-              <a:rPr lang="en-US" dirty="0" smtClean="0"/>
-              <a:t>Optimize on view rendering and data processing</a:t>
-            </a:r>
-          </a:p>
-          <a:p>
-            <a:pPr marL="457200" lvl="1" indent="0" algn="ctr">
-              <a:buNone/>
-            </a:pPr>
-            <a:endParaRPr lang="en-US" dirty="0" smtClean="0"/>
-          </a:p>
-          <a:p>
-            <a:pPr marL="457200" lvl="1" indent="0" algn="ctr">
-              <a:buNone/>
-            </a:pPr>
-            <a:r>
-              <a:rPr lang="en-US" dirty="0" smtClean="0">
-                <a:solidFill>
-                  <a:schemeClr val="accent5"/>
-                </a:solidFill>
-              </a:rPr>
-              <a:t>“easier” to debug and understand + efficient rendering</a:t>
-            </a:r>
-            <a:r>
-              <a:rPr lang="en-US" dirty="0" smtClean="0"/>
-              <a:t> </a:t>
-            </a:r>
-            <a:br>
-              <a:rPr lang="en-US" dirty="0" smtClean="0"/>
-            </a:br>
-            <a:endParaRPr lang="fr-FR" dirty="0"/>
-          </a:p>
-        </p:txBody>
-      </p:sp>
-      <p:sp>
-        <p:nvSpPr>
-          <p:cNvPr id="4" name="Date Placeholder 3"/>
+          <p:cNvPr id="4" name="Espace réservé de la date 3"/>
           <p:cNvSpPr>
             <a:spLocks noGrp="1"/>
           </p:cNvSpPr>
@@ -25036,7 +23809,7 @@
       </p:sp>
       <p:sp>
         <p:nvSpPr>
-          <p:cNvPr id="5" name="Footer Placeholder 4"/>
+          <p:cNvPr id="5" name="Espace réservé du pied de page 4"/>
           <p:cNvSpPr>
             <a:spLocks noGrp="1"/>
           </p:cNvSpPr>
@@ -25059,7 +23832,7 @@
       </p:sp>
       <p:sp>
         <p:nvSpPr>
-          <p:cNvPr id="6" name="Slide Number Placeholder 5"/>
+          <p:cNvPr id="6" name="Espace réservé du numéro de diapositive 5"/>
           <p:cNvSpPr>
             <a:spLocks noGrp="1"/>
           </p:cNvSpPr>
@@ -25081,16 +23854,1283 @@
           </a:p>
         </p:txBody>
       </p:sp>
+      <p:cxnSp>
+        <p:nvCxnSpPr>
+          <p:cNvPr id="20" name="Forme 58"/>
+          <p:cNvCxnSpPr>
+            <a:stCxn id="22" idx="2"/>
+            <a:endCxn id="24" idx="0"/>
+          </p:cNvCxnSpPr>
+          <p:nvPr/>
+        </p:nvCxnSpPr>
+        <p:spPr>
+          <a:xfrm rot="16200000" flipH="1">
+            <a:off x="7075429" y="3187961"/>
+            <a:ext cx="437626" cy="3179"/>
+          </a:xfrm>
+          <a:prstGeom prst="curvedConnector3">
+            <a:avLst>
+              <a:gd name="adj1" fmla="val 50000"/>
+            </a:avLst>
+          </a:prstGeom>
+          <a:ln w="38100">
+            <a:tailEnd type="arrow"/>
+          </a:ln>
+        </p:spPr>
+        <p:style>
+          <a:lnRef idx="1">
+            <a:schemeClr val="accent3"/>
+          </a:lnRef>
+          <a:fillRef idx="0">
+            <a:schemeClr val="accent3"/>
+          </a:fillRef>
+          <a:effectRef idx="0">
+            <a:schemeClr val="accent3"/>
+          </a:effectRef>
+          <a:fontRef idx="minor">
+            <a:schemeClr val="tx1"/>
+          </a:fontRef>
+        </p:style>
+      </p:cxnSp>
+      <p:sp>
+        <p:nvSpPr>
+          <p:cNvPr id="22" name="Rectangle à coins arrondis 8"/>
+          <p:cNvSpPr/>
+          <p:nvPr/>
+        </p:nvSpPr>
+        <p:spPr>
+          <a:xfrm>
+            <a:off x="6516365" y="1996798"/>
+            <a:ext cx="1552575" cy="973940"/>
+          </a:xfrm>
+          <a:prstGeom prst="roundRect">
+            <a:avLst/>
+          </a:prstGeom>
+          <a:solidFill>
+            <a:schemeClr val="bg2">
+              <a:lumMod val="25000"/>
+            </a:schemeClr>
+          </a:solidFill>
+          <a:ln w="28575">
+            <a:solidFill>
+              <a:schemeClr val="bg1"/>
+            </a:solidFill>
+          </a:ln>
+          <a:effectLst>
+            <a:outerShdw blurRad="63500" sx="102000" sy="102000" algn="ctr" rotWithShape="0">
+              <a:prstClr val="black">
+                <a:alpha val="40000"/>
+              </a:prstClr>
+            </a:outerShdw>
+          </a:effectLst>
+        </p:spPr>
+        <p:style>
+          <a:lnRef idx="2">
+            <a:schemeClr val="accent1">
+              <a:shade val="50000"/>
+            </a:schemeClr>
+          </a:lnRef>
+          <a:fillRef idx="1">
+            <a:schemeClr val="accent1"/>
+          </a:fillRef>
+          <a:effectRef idx="0">
+            <a:schemeClr val="accent1"/>
+          </a:effectRef>
+          <a:fontRef idx="minor">
+            <a:schemeClr val="lt1"/>
+          </a:fontRef>
+        </p:style>
+        <p:txBody>
+          <a:bodyPr rtlCol="0" anchor="b"/>
+          <a:lstStyle/>
+          <a:p>
+            <a:pPr algn="ctr"/>
+            <a:r>
+              <a:rPr lang="fr-FR" b="1" dirty="0" smtClean="0"/>
+              <a:t>Dispatcher</a:t>
+            </a:r>
+            <a:endParaRPr lang="fr-FR" b="1" dirty="0"/>
+          </a:p>
+        </p:txBody>
+      </p:sp>
+      <p:sp>
+        <p:nvSpPr>
+          <p:cNvPr id="23" name="Rectangle à coins arrondis 9"/>
+          <p:cNvSpPr/>
+          <p:nvPr/>
+        </p:nvSpPr>
+        <p:spPr>
+          <a:xfrm>
+            <a:off x="3964463" y="4811675"/>
+            <a:ext cx="1552575" cy="781050"/>
+          </a:xfrm>
+          <a:prstGeom prst="roundRect">
+            <a:avLst/>
+          </a:prstGeom>
+          <a:solidFill>
+            <a:schemeClr val="accent5"/>
+          </a:solidFill>
+          <a:ln w="28575">
+            <a:solidFill>
+              <a:schemeClr val="bg1"/>
+            </a:solidFill>
+          </a:ln>
+          <a:effectLst>
+            <a:outerShdw blurRad="63500" sx="102000" sy="102000" algn="ctr" rotWithShape="0">
+              <a:prstClr val="black">
+                <a:alpha val="40000"/>
+              </a:prstClr>
+            </a:outerShdw>
+          </a:effectLst>
+        </p:spPr>
+        <p:style>
+          <a:lnRef idx="2">
+            <a:schemeClr val="accent1">
+              <a:shade val="50000"/>
+            </a:schemeClr>
+          </a:lnRef>
+          <a:fillRef idx="1">
+            <a:schemeClr val="accent1"/>
+          </a:fillRef>
+          <a:effectRef idx="0">
+            <a:schemeClr val="accent1"/>
+          </a:effectRef>
+          <a:fontRef idx="minor">
+            <a:schemeClr val="lt1"/>
+          </a:fontRef>
+        </p:style>
+        <p:txBody>
+          <a:bodyPr rtlCol="0" anchor="ctr"/>
+          <a:lstStyle/>
+          <a:p>
+            <a:pPr algn="ctr"/>
+            <a:r>
+              <a:rPr lang="fr-FR" b="1" dirty="0" err="1" smtClean="0"/>
+              <a:t>View</a:t>
+            </a:r>
+            <a:endParaRPr lang="fr-FR" b="1" dirty="0"/>
+          </a:p>
+        </p:txBody>
+      </p:sp>
+      <p:sp>
+        <p:nvSpPr>
+          <p:cNvPr id="24" name="Rectangle à coins arrondis 10"/>
+          <p:cNvSpPr/>
+          <p:nvPr/>
+        </p:nvSpPr>
+        <p:spPr>
+          <a:xfrm>
+            <a:off x="6362701" y="3408364"/>
+            <a:ext cx="1866262" cy="2179320"/>
+          </a:xfrm>
+          <a:prstGeom prst="roundRect">
+            <a:avLst>
+              <a:gd name="adj" fmla="val 6613"/>
+            </a:avLst>
+          </a:prstGeom>
+          <a:solidFill>
+            <a:schemeClr val="accent4">
+              <a:lumMod val="60000"/>
+              <a:lumOff val="40000"/>
+            </a:schemeClr>
+          </a:solidFill>
+          <a:ln w="28575">
+            <a:solidFill>
+              <a:schemeClr val="bg1"/>
+            </a:solidFill>
+          </a:ln>
+          <a:effectLst>
+            <a:outerShdw blurRad="63500" sx="102000" sy="102000" algn="ctr" rotWithShape="0">
+              <a:prstClr val="black">
+                <a:alpha val="40000"/>
+              </a:prstClr>
+            </a:outerShdw>
+          </a:effectLst>
+        </p:spPr>
+        <p:style>
+          <a:lnRef idx="2">
+            <a:schemeClr val="accent1">
+              <a:shade val="50000"/>
+            </a:schemeClr>
+          </a:lnRef>
+          <a:fillRef idx="1">
+            <a:schemeClr val="accent1"/>
+          </a:fillRef>
+          <a:effectRef idx="0">
+            <a:schemeClr val="accent1"/>
+          </a:effectRef>
+          <a:fontRef idx="minor">
+            <a:schemeClr val="lt1"/>
+          </a:fontRef>
+        </p:style>
+        <p:txBody>
+          <a:bodyPr rtlCol="0" anchor="t"/>
+          <a:lstStyle/>
+          <a:p>
+            <a:pPr algn="ctr"/>
+            <a:r>
+              <a:rPr lang="fr-FR" b="1" dirty="0" smtClean="0">
+                <a:solidFill>
+                  <a:schemeClr val="tx1"/>
+                </a:solidFill>
+              </a:rPr>
+              <a:t>Store</a:t>
+            </a:r>
+            <a:endParaRPr lang="en-US" b="1" dirty="0">
+              <a:solidFill>
+                <a:schemeClr val="tx1"/>
+              </a:solidFill>
+            </a:endParaRPr>
+          </a:p>
+          <a:p>
+            <a:pPr algn="ctr"/>
+            <a:endParaRPr lang="fr-FR" b="1" dirty="0">
+              <a:solidFill>
+                <a:schemeClr val="tx1"/>
+              </a:solidFill>
+            </a:endParaRPr>
+          </a:p>
+        </p:txBody>
+      </p:sp>
+      <p:sp>
+        <p:nvSpPr>
+          <p:cNvPr id="25" name="Rectangle à coins arrondis 11"/>
+          <p:cNvSpPr/>
+          <p:nvPr/>
+        </p:nvSpPr>
+        <p:spPr>
+          <a:xfrm>
+            <a:off x="3964463" y="2108518"/>
+            <a:ext cx="1552575" cy="828675"/>
+          </a:xfrm>
+          <a:prstGeom prst="roundRect">
+            <a:avLst/>
+          </a:prstGeom>
+          <a:solidFill>
+            <a:schemeClr val="accent2"/>
+          </a:solidFill>
+          <a:ln w="28575">
+            <a:solidFill>
+              <a:schemeClr val="bg1"/>
+            </a:solidFill>
+          </a:ln>
+          <a:effectLst>
+            <a:outerShdw blurRad="63500" sx="102000" sy="102000" algn="ctr" rotWithShape="0">
+              <a:prstClr val="black">
+                <a:alpha val="40000"/>
+              </a:prstClr>
+            </a:outerShdw>
+          </a:effectLst>
+        </p:spPr>
+        <p:style>
+          <a:lnRef idx="2">
+            <a:schemeClr val="accent1">
+              <a:shade val="50000"/>
+            </a:schemeClr>
+          </a:lnRef>
+          <a:fillRef idx="1">
+            <a:schemeClr val="accent1"/>
+          </a:fillRef>
+          <a:effectRef idx="0">
+            <a:schemeClr val="accent1"/>
+          </a:effectRef>
+          <a:fontRef idx="minor">
+            <a:schemeClr val="lt1"/>
+          </a:fontRef>
+        </p:style>
+        <p:txBody>
+          <a:bodyPr rtlCol="0" anchor="ctr"/>
+          <a:lstStyle/>
+          <a:p>
+            <a:pPr algn="ctr"/>
+            <a:r>
+              <a:rPr lang="fr-FR" b="1" dirty="0" smtClean="0"/>
+              <a:t>Action</a:t>
+            </a:r>
+            <a:endParaRPr lang="fr-FR" b="1" dirty="0"/>
+          </a:p>
+        </p:txBody>
+      </p:sp>
+      <p:sp>
+        <p:nvSpPr>
+          <p:cNvPr id="26" name="Rectangle à coins arrondis 11"/>
+          <p:cNvSpPr/>
+          <p:nvPr/>
+        </p:nvSpPr>
+        <p:spPr>
+          <a:xfrm>
+            <a:off x="6630353" y="3899537"/>
+            <a:ext cx="1332548" cy="1194117"/>
+          </a:xfrm>
+          <a:prstGeom prst="roundRect">
+            <a:avLst>
+              <a:gd name="adj" fmla="val 9698"/>
+            </a:avLst>
+          </a:prstGeom>
+          <a:solidFill>
+            <a:schemeClr val="accent6"/>
+          </a:solidFill>
+          <a:ln w="28575">
+            <a:solidFill>
+              <a:schemeClr val="bg1"/>
+            </a:solidFill>
+          </a:ln>
+          <a:effectLst>
+            <a:outerShdw blurRad="63500" sx="102000" sy="102000" algn="ctr" rotWithShape="0">
+              <a:prstClr val="black">
+                <a:alpha val="40000"/>
+              </a:prstClr>
+            </a:outerShdw>
+          </a:effectLst>
+        </p:spPr>
+        <p:style>
+          <a:lnRef idx="2">
+            <a:schemeClr val="accent1">
+              <a:shade val="50000"/>
+            </a:schemeClr>
+          </a:lnRef>
+          <a:fillRef idx="1">
+            <a:schemeClr val="accent1"/>
+          </a:fillRef>
+          <a:effectRef idx="0">
+            <a:schemeClr val="accent1"/>
+          </a:effectRef>
+          <a:fontRef idx="minor">
+            <a:schemeClr val="lt1"/>
+          </a:fontRef>
+        </p:style>
+        <p:txBody>
+          <a:bodyPr rtlCol="0" anchor="t"/>
+          <a:lstStyle/>
+          <a:p>
+            <a:pPr algn="ctr"/>
+            <a:r>
+              <a:rPr lang="fr-FR" b="1" dirty="0" err="1" smtClean="0"/>
+              <a:t>Reducers</a:t>
+            </a:r>
+            <a:endParaRPr lang="en-US" b="1" dirty="0" smtClean="0"/>
+          </a:p>
+        </p:txBody>
+      </p:sp>
+      <p:sp>
+        <p:nvSpPr>
+          <p:cNvPr id="27" name="Rectangle à coins arrondis 11"/>
+          <p:cNvSpPr/>
+          <p:nvPr/>
+        </p:nvSpPr>
+        <p:spPr>
+          <a:xfrm>
+            <a:off x="6804461" y="4357143"/>
+            <a:ext cx="274717" cy="302537"/>
+          </a:xfrm>
+          <a:prstGeom prst="roundRect">
+            <a:avLst/>
+          </a:prstGeom>
+          <a:solidFill>
+            <a:schemeClr val="accent6">
+              <a:lumMod val="75000"/>
+            </a:schemeClr>
+          </a:solidFill>
+          <a:ln w="28575">
+            <a:noFill/>
+          </a:ln>
+          <a:effectLst>
+            <a:outerShdw blurRad="63500" sx="102000" sy="102000" algn="ctr" rotWithShape="0">
+              <a:prstClr val="black">
+                <a:alpha val="40000"/>
+              </a:prstClr>
+            </a:outerShdw>
+          </a:effectLst>
+        </p:spPr>
+        <p:style>
+          <a:lnRef idx="2">
+            <a:schemeClr val="accent1">
+              <a:shade val="50000"/>
+            </a:schemeClr>
+          </a:lnRef>
+          <a:fillRef idx="1">
+            <a:schemeClr val="accent1"/>
+          </a:fillRef>
+          <a:effectRef idx="0">
+            <a:schemeClr val="accent1"/>
+          </a:effectRef>
+          <a:fontRef idx="minor">
+            <a:schemeClr val="lt1"/>
+          </a:fontRef>
+        </p:style>
+        <p:txBody>
+          <a:bodyPr rtlCol="0" anchor="ctr"/>
+          <a:lstStyle/>
+          <a:p>
+            <a:pPr algn="ctr"/>
+            <a:r>
+              <a:rPr lang="fr-FR" b="1" dirty="0" smtClean="0"/>
+              <a:t>R</a:t>
+            </a:r>
+            <a:endParaRPr lang="en-US" b="1" dirty="0" smtClean="0"/>
+          </a:p>
+        </p:txBody>
+      </p:sp>
+      <p:sp>
+        <p:nvSpPr>
+          <p:cNvPr id="28" name="Rectangle à coins arrondis 11"/>
+          <p:cNvSpPr/>
+          <p:nvPr/>
+        </p:nvSpPr>
+        <p:spPr>
+          <a:xfrm>
+            <a:off x="7155295" y="4689458"/>
+            <a:ext cx="274717" cy="302537"/>
+          </a:xfrm>
+          <a:prstGeom prst="roundRect">
+            <a:avLst/>
+          </a:prstGeom>
+          <a:solidFill>
+            <a:schemeClr val="accent6">
+              <a:lumMod val="75000"/>
+            </a:schemeClr>
+          </a:solidFill>
+          <a:ln w="28575">
+            <a:noFill/>
+          </a:ln>
+          <a:effectLst>
+            <a:outerShdw blurRad="63500" sx="102000" sy="102000" algn="ctr" rotWithShape="0">
+              <a:prstClr val="black">
+                <a:alpha val="40000"/>
+              </a:prstClr>
+            </a:outerShdw>
+          </a:effectLst>
+        </p:spPr>
+        <p:style>
+          <a:lnRef idx="2">
+            <a:schemeClr val="accent1">
+              <a:shade val="50000"/>
+            </a:schemeClr>
+          </a:lnRef>
+          <a:fillRef idx="1">
+            <a:schemeClr val="accent1"/>
+          </a:fillRef>
+          <a:effectRef idx="0">
+            <a:schemeClr val="accent1"/>
+          </a:effectRef>
+          <a:fontRef idx="minor">
+            <a:schemeClr val="lt1"/>
+          </a:fontRef>
+        </p:style>
+        <p:txBody>
+          <a:bodyPr rtlCol="0" anchor="ctr"/>
+          <a:lstStyle/>
+          <a:p>
+            <a:pPr algn="ctr"/>
+            <a:r>
+              <a:rPr lang="fr-FR" b="1" dirty="0" smtClean="0"/>
+              <a:t>R</a:t>
+            </a:r>
+            <a:endParaRPr lang="en-US" b="1" dirty="0" smtClean="0"/>
+          </a:p>
+        </p:txBody>
+      </p:sp>
+      <p:sp>
+        <p:nvSpPr>
+          <p:cNvPr id="29" name="Rectangle à coins arrondis 11"/>
+          <p:cNvSpPr/>
+          <p:nvPr/>
+        </p:nvSpPr>
+        <p:spPr>
+          <a:xfrm>
+            <a:off x="7497563" y="4353491"/>
+            <a:ext cx="274717" cy="302537"/>
+          </a:xfrm>
+          <a:prstGeom prst="roundRect">
+            <a:avLst/>
+          </a:prstGeom>
+          <a:solidFill>
+            <a:schemeClr val="accent6">
+              <a:lumMod val="75000"/>
+            </a:schemeClr>
+          </a:solidFill>
+          <a:ln w="28575">
+            <a:noFill/>
+          </a:ln>
+          <a:effectLst>
+            <a:outerShdw blurRad="63500" sx="102000" sy="102000" algn="ctr" rotWithShape="0">
+              <a:prstClr val="black">
+                <a:alpha val="40000"/>
+              </a:prstClr>
+            </a:outerShdw>
+          </a:effectLst>
+        </p:spPr>
+        <p:style>
+          <a:lnRef idx="2">
+            <a:schemeClr val="accent1">
+              <a:shade val="50000"/>
+            </a:schemeClr>
+          </a:lnRef>
+          <a:fillRef idx="1">
+            <a:schemeClr val="accent1"/>
+          </a:fillRef>
+          <a:effectRef idx="0">
+            <a:schemeClr val="accent1"/>
+          </a:effectRef>
+          <a:fontRef idx="minor">
+            <a:schemeClr val="lt1"/>
+          </a:fontRef>
+        </p:style>
+        <p:txBody>
+          <a:bodyPr rtlCol="0" anchor="ctr"/>
+          <a:lstStyle/>
+          <a:p>
+            <a:pPr algn="ctr"/>
+            <a:r>
+              <a:rPr lang="fr-FR" b="1" dirty="0" smtClean="0"/>
+              <a:t>R</a:t>
+            </a:r>
+            <a:endParaRPr lang="en-US" b="1" dirty="0" smtClean="0"/>
+          </a:p>
+        </p:txBody>
+      </p:sp>
+      <p:sp>
+        <p:nvSpPr>
+          <p:cNvPr id="44" name="Rectangle à coins arrondis 11"/>
+          <p:cNvSpPr/>
+          <p:nvPr/>
+        </p:nvSpPr>
+        <p:spPr>
+          <a:xfrm>
+            <a:off x="6630353" y="5258436"/>
+            <a:ext cx="1332548" cy="414338"/>
+          </a:xfrm>
+          <a:prstGeom prst="roundRect">
+            <a:avLst/>
+          </a:prstGeom>
+          <a:solidFill>
+            <a:schemeClr val="accent2"/>
+          </a:solidFill>
+          <a:ln w="28575">
+            <a:noFill/>
+          </a:ln>
+          <a:effectLst>
+            <a:outerShdw blurRad="63500" sx="102000" sy="102000" algn="ctr" rotWithShape="0">
+              <a:prstClr val="black">
+                <a:alpha val="40000"/>
+              </a:prstClr>
+            </a:outerShdw>
+          </a:effectLst>
+        </p:spPr>
+        <p:style>
+          <a:lnRef idx="2">
+            <a:schemeClr val="accent1">
+              <a:shade val="50000"/>
+            </a:schemeClr>
+          </a:lnRef>
+          <a:fillRef idx="1">
+            <a:schemeClr val="accent1"/>
+          </a:fillRef>
+          <a:effectRef idx="0">
+            <a:schemeClr val="accent1"/>
+          </a:effectRef>
+          <a:fontRef idx="minor">
+            <a:schemeClr val="lt1"/>
+          </a:fontRef>
+        </p:style>
+        <p:txBody>
+          <a:bodyPr rtlCol="0" anchor="ctr"/>
+          <a:lstStyle/>
+          <a:p>
+            <a:pPr algn="ctr"/>
+            <a:r>
+              <a:rPr lang="fr-FR" b="1" dirty="0" smtClean="0"/>
+              <a:t>State</a:t>
+            </a:r>
+            <a:endParaRPr lang="fr-FR" b="1" dirty="0"/>
+          </a:p>
+        </p:txBody>
+      </p:sp>
+      <p:cxnSp>
+        <p:nvCxnSpPr>
+          <p:cNvPr id="33812" name="Elbow Connector 33811"/>
+          <p:cNvCxnSpPr>
+            <a:stCxn id="44" idx="1"/>
+          </p:cNvCxnSpPr>
+          <p:nvPr/>
+        </p:nvCxnSpPr>
+        <p:spPr>
+          <a:xfrm rot="10800000" flipH="1">
+            <a:off x="6630353" y="3863999"/>
+            <a:ext cx="258880" cy="1601606"/>
+          </a:xfrm>
+          <a:prstGeom prst="bentConnector4">
+            <a:avLst>
+              <a:gd name="adj1" fmla="val -55925"/>
+              <a:gd name="adj2" fmla="val 115464"/>
+            </a:avLst>
+          </a:prstGeom>
+          <a:ln w="38100">
+            <a:tailEnd type="arrow"/>
+          </a:ln>
+        </p:spPr>
+        <p:style>
+          <a:lnRef idx="1">
+            <a:schemeClr val="accent3"/>
+          </a:lnRef>
+          <a:fillRef idx="0">
+            <a:schemeClr val="accent3"/>
+          </a:fillRef>
+          <a:effectRef idx="0">
+            <a:schemeClr val="accent3"/>
+          </a:effectRef>
+          <a:fontRef idx="minor">
+            <a:schemeClr val="tx1"/>
+          </a:fontRef>
+        </p:style>
+      </p:cxnSp>
+      <p:sp>
+        <p:nvSpPr>
+          <p:cNvPr id="43" name="Rectangle à coins arrondis 11"/>
+          <p:cNvSpPr/>
+          <p:nvPr/>
+        </p:nvSpPr>
+        <p:spPr>
+          <a:xfrm>
+            <a:off x="6630353" y="2096451"/>
+            <a:ext cx="1332548" cy="414338"/>
+          </a:xfrm>
+          <a:prstGeom prst="roundRect">
+            <a:avLst/>
+          </a:prstGeom>
+          <a:solidFill>
+            <a:schemeClr val="bg1">
+              <a:lumMod val="75000"/>
+            </a:schemeClr>
+          </a:solidFill>
+          <a:ln w="28575">
+            <a:noFill/>
+          </a:ln>
+          <a:effectLst>
+            <a:outerShdw blurRad="63500" sx="102000" sy="102000" algn="ctr" rotWithShape="0">
+              <a:prstClr val="black">
+                <a:alpha val="40000"/>
+              </a:prstClr>
+            </a:outerShdw>
+          </a:effectLst>
+        </p:spPr>
+        <p:style>
+          <a:lnRef idx="2">
+            <a:schemeClr val="accent1">
+              <a:shade val="50000"/>
+            </a:schemeClr>
+          </a:lnRef>
+          <a:fillRef idx="1">
+            <a:schemeClr val="accent1"/>
+          </a:fillRef>
+          <a:effectRef idx="0">
+            <a:schemeClr val="accent1"/>
+          </a:effectRef>
+          <a:fontRef idx="minor">
+            <a:schemeClr val="lt1"/>
+          </a:fontRef>
+        </p:style>
+        <p:txBody>
+          <a:bodyPr rtlCol="0" anchor="ctr"/>
+          <a:lstStyle/>
+          <a:p>
+            <a:pPr algn="ctr"/>
+            <a:r>
+              <a:rPr lang="fr-FR" sz="1600" b="1" dirty="0" smtClean="0"/>
+              <a:t>middlewares</a:t>
+            </a:r>
+            <a:endParaRPr lang="fr-FR" sz="1600" b="1" dirty="0"/>
+          </a:p>
+        </p:txBody>
+      </p:sp>
+      <p:sp>
+        <p:nvSpPr>
+          <p:cNvPr id="46" name="Rectangle à coins arrondis 11"/>
+          <p:cNvSpPr/>
+          <p:nvPr/>
+        </p:nvSpPr>
+        <p:spPr>
+          <a:xfrm>
+            <a:off x="8749557" y="1909126"/>
+            <a:ext cx="1552575" cy="414337"/>
+          </a:xfrm>
+          <a:prstGeom prst="roundRect">
+            <a:avLst/>
+          </a:prstGeom>
+          <a:solidFill>
+            <a:schemeClr val="accent2"/>
+          </a:solidFill>
+          <a:ln w="28575">
+            <a:solidFill>
+              <a:schemeClr val="bg1"/>
+            </a:solidFill>
+          </a:ln>
+          <a:effectLst>
+            <a:outerShdw blurRad="63500" sx="102000" sy="102000" algn="ctr" rotWithShape="0">
+              <a:prstClr val="black">
+                <a:alpha val="40000"/>
+              </a:prstClr>
+            </a:outerShdw>
+          </a:effectLst>
+        </p:spPr>
+        <p:style>
+          <a:lnRef idx="2">
+            <a:schemeClr val="accent1">
+              <a:shade val="50000"/>
+            </a:schemeClr>
+          </a:lnRef>
+          <a:fillRef idx="1">
+            <a:schemeClr val="accent1"/>
+          </a:fillRef>
+          <a:effectRef idx="0">
+            <a:schemeClr val="accent1"/>
+          </a:effectRef>
+          <a:fontRef idx="minor">
+            <a:schemeClr val="lt1"/>
+          </a:fontRef>
+        </p:style>
+        <p:txBody>
+          <a:bodyPr rtlCol="0" anchor="ctr"/>
+          <a:lstStyle/>
+          <a:p>
+            <a:pPr algn="ctr"/>
+            <a:r>
+              <a:rPr lang="fr-FR" b="1" dirty="0"/>
+              <a:t>API</a:t>
+            </a:r>
+          </a:p>
+        </p:txBody>
+      </p:sp>
+      <p:sp>
+        <p:nvSpPr>
+          <p:cNvPr id="47" name="Rectangle à coins arrondis 11"/>
+          <p:cNvSpPr/>
+          <p:nvPr/>
+        </p:nvSpPr>
+        <p:spPr>
+          <a:xfrm>
+            <a:off x="8749556" y="2446943"/>
+            <a:ext cx="1552575" cy="414337"/>
+          </a:xfrm>
+          <a:prstGeom prst="roundRect">
+            <a:avLst/>
+          </a:prstGeom>
+          <a:solidFill>
+            <a:schemeClr val="accent2"/>
+          </a:solidFill>
+          <a:ln w="28575">
+            <a:solidFill>
+              <a:schemeClr val="bg1"/>
+            </a:solidFill>
+          </a:ln>
+          <a:effectLst>
+            <a:outerShdw blurRad="63500" sx="102000" sy="102000" algn="ctr" rotWithShape="0">
+              <a:prstClr val="black">
+                <a:alpha val="40000"/>
+              </a:prstClr>
+            </a:outerShdw>
+          </a:effectLst>
+        </p:spPr>
+        <p:style>
+          <a:lnRef idx="2">
+            <a:schemeClr val="accent1">
+              <a:shade val="50000"/>
+            </a:schemeClr>
+          </a:lnRef>
+          <a:fillRef idx="1">
+            <a:schemeClr val="accent1"/>
+          </a:fillRef>
+          <a:effectRef idx="0">
+            <a:schemeClr val="accent1"/>
+          </a:effectRef>
+          <a:fontRef idx="minor">
+            <a:schemeClr val="lt1"/>
+          </a:fontRef>
+        </p:style>
+        <p:txBody>
+          <a:bodyPr rtlCol="0" anchor="ctr"/>
+          <a:lstStyle/>
+          <a:p>
+            <a:pPr algn="ctr"/>
+            <a:r>
+              <a:rPr lang="fr-FR" b="1" dirty="0" smtClean="0"/>
+              <a:t>Logs</a:t>
+            </a:r>
+            <a:endParaRPr lang="fr-FR" b="1" dirty="0"/>
+          </a:p>
+        </p:txBody>
+      </p:sp>
+      <p:sp>
+        <p:nvSpPr>
+          <p:cNvPr id="48" name="Rectangle à coins arrondis 11"/>
+          <p:cNvSpPr/>
+          <p:nvPr/>
+        </p:nvSpPr>
+        <p:spPr>
+          <a:xfrm>
+            <a:off x="8749555" y="2984760"/>
+            <a:ext cx="1552575" cy="414337"/>
+          </a:xfrm>
+          <a:prstGeom prst="roundRect">
+            <a:avLst/>
+          </a:prstGeom>
+          <a:solidFill>
+            <a:schemeClr val="accent2"/>
+          </a:solidFill>
+          <a:ln w="28575">
+            <a:solidFill>
+              <a:schemeClr val="bg1"/>
+            </a:solidFill>
+          </a:ln>
+          <a:effectLst>
+            <a:outerShdw blurRad="63500" sx="102000" sy="102000" algn="ctr" rotWithShape="0">
+              <a:prstClr val="black">
+                <a:alpha val="40000"/>
+              </a:prstClr>
+            </a:outerShdw>
+          </a:effectLst>
+        </p:spPr>
+        <p:style>
+          <a:lnRef idx="2">
+            <a:schemeClr val="accent1">
+              <a:shade val="50000"/>
+            </a:schemeClr>
+          </a:lnRef>
+          <a:fillRef idx="1">
+            <a:schemeClr val="accent1"/>
+          </a:fillRef>
+          <a:effectRef idx="0">
+            <a:schemeClr val="accent1"/>
+          </a:effectRef>
+          <a:fontRef idx="minor">
+            <a:schemeClr val="lt1"/>
+          </a:fontRef>
+        </p:style>
+        <p:txBody>
+          <a:bodyPr rtlCol="0" anchor="ctr"/>
+          <a:lstStyle/>
+          <a:p>
+            <a:pPr algn="ctr"/>
+            <a:r>
+              <a:rPr lang="fr-FR" b="1" dirty="0" smtClean="0"/>
+              <a:t>Delay actions</a:t>
+            </a:r>
+            <a:endParaRPr lang="fr-FR" b="1" dirty="0"/>
+          </a:p>
+        </p:txBody>
+      </p:sp>
+      <p:cxnSp>
+        <p:nvCxnSpPr>
+          <p:cNvPr id="41" name="Straight Arrow Connector 40"/>
+          <p:cNvCxnSpPr/>
+          <p:nvPr/>
+        </p:nvCxnSpPr>
+        <p:spPr>
+          <a:xfrm>
+            <a:off x="7962901" y="2219800"/>
+            <a:ext cx="579119" cy="0"/>
+          </a:xfrm>
+          <a:prstGeom prst="straightConnector1">
+            <a:avLst/>
+          </a:prstGeom>
+          <a:ln w="38100">
+            <a:tailEnd type="arrow"/>
+          </a:ln>
+        </p:spPr>
+        <p:style>
+          <a:lnRef idx="1">
+            <a:schemeClr val="accent3"/>
+          </a:lnRef>
+          <a:fillRef idx="0">
+            <a:schemeClr val="accent3"/>
+          </a:fillRef>
+          <a:effectRef idx="0">
+            <a:schemeClr val="accent3"/>
+          </a:effectRef>
+          <a:fontRef idx="minor">
+            <a:schemeClr val="tx1"/>
+          </a:fontRef>
+        </p:style>
+      </p:cxnSp>
+      <p:cxnSp>
+        <p:nvCxnSpPr>
+          <p:cNvPr id="51" name="Straight Arrow Connector 50"/>
+          <p:cNvCxnSpPr/>
+          <p:nvPr/>
+        </p:nvCxnSpPr>
+        <p:spPr>
+          <a:xfrm flipH="1">
+            <a:off x="7955280" y="2365210"/>
+            <a:ext cx="579119" cy="0"/>
+          </a:xfrm>
+          <a:prstGeom prst="straightConnector1">
+            <a:avLst/>
+          </a:prstGeom>
+          <a:ln w="38100">
+            <a:tailEnd type="arrow"/>
+          </a:ln>
+        </p:spPr>
+        <p:style>
+          <a:lnRef idx="1">
+            <a:schemeClr val="accent3"/>
+          </a:lnRef>
+          <a:fillRef idx="0">
+            <a:schemeClr val="accent3"/>
+          </a:fillRef>
+          <a:effectRef idx="0">
+            <a:schemeClr val="accent3"/>
+          </a:effectRef>
+          <a:fontRef idx="minor">
+            <a:schemeClr val="tx1"/>
+          </a:fontRef>
+        </p:style>
+      </p:cxnSp>
+      <p:cxnSp>
+        <p:nvCxnSpPr>
+          <p:cNvPr id="49" name="Straight Arrow Connector 48"/>
+          <p:cNvCxnSpPr>
+            <a:stCxn id="23" idx="0"/>
+            <a:endCxn id="25" idx="2"/>
+          </p:cNvCxnSpPr>
+          <p:nvPr/>
+        </p:nvCxnSpPr>
+        <p:spPr>
+          <a:xfrm flipV="1">
+            <a:off x="4740751" y="2937193"/>
+            <a:ext cx="0" cy="1874482"/>
+          </a:xfrm>
+          <a:prstGeom prst="straightConnector1">
+            <a:avLst/>
+          </a:prstGeom>
+          <a:ln w="38100">
+            <a:tailEnd type="arrow"/>
+          </a:ln>
+        </p:spPr>
+        <p:style>
+          <a:lnRef idx="1">
+            <a:schemeClr val="accent3"/>
+          </a:lnRef>
+          <a:fillRef idx="0">
+            <a:schemeClr val="accent3"/>
+          </a:fillRef>
+          <a:effectRef idx="0">
+            <a:schemeClr val="accent3"/>
+          </a:effectRef>
+          <a:fontRef idx="minor">
+            <a:schemeClr val="tx1"/>
+          </a:fontRef>
+        </p:style>
+      </p:cxnSp>
+      <p:cxnSp>
+        <p:nvCxnSpPr>
+          <p:cNvPr id="54" name="Elbow Connector 53"/>
+          <p:cNvCxnSpPr>
+            <a:stCxn id="44" idx="2"/>
+            <a:endCxn id="23" idx="2"/>
+          </p:cNvCxnSpPr>
+          <p:nvPr/>
+        </p:nvCxnSpPr>
+        <p:spPr>
+          <a:xfrm rot="5400000" flipH="1">
+            <a:off x="5978664" y="4354812"/>
+            <a:ext cx="80049" cy="2555876"/>
+          </a:xfrm>
+          <a:prstGeom prst="bentConnector3">
+            <a:avLst>
+              <a:gd name="adj1" fmla="val -285575"/>
+            </a:avLst>
+          </a:prstGeom>
+          <a:ln w="38100">
+            <a:solidFill>
+              <a:srgbClr val="FF0000"/>
+            </a:solidFill>
+            <a:tailEnd type="arrow"/>
+          </a:ln>
+        </p:spPr>
+        <p:style>
+          <a:lnRef idx="1">
+            <a:schemeClr val="accent3"/>
+          </a:lnRef>
+          <a:fillRef idx="0">
+            <a:schemeClr val="accent3"/>
+          </a:fillRef>
+          <a:effectRef idx="0">
+            <a:schemeClr val="accent3"/>
+          </a:effectRef>
+          <a:fontRef idx="minor">
+            <a:schemeClr val="tx1"/>
+          </a:fontRef>
+        </p:style>
+      </p:cxnSp>
+      <p:cxnSp>
+        <p:nvCxnSpPr>
+          <p:cNvPr id="56" name="Elbow Connector 55"/>
+          <p:cNvCxnSpPr>
+            <a:stCxn id="25" idx="0"/>
+            <a:endCxn id="22" idx="0"/>
+          </p:cNvCxnSpPr>
+          <p:nvPr/>
+        </p:nvCxnSpPr>
+        <p:spPr>
+          <a:xfrm rot="5400000" flipH="1" flipV="1">
+            <a:off x="5960842" y="776707"/>
+            <a:ext cx="111720" cy="2551902"/>
+          </a:xfrm>
+          <a:prstGeom prst="bentConnector3">
+            <a:avLst>
+              <a:gd name="adj1" fmla="val 304619"/>
+            </a:avLst>
+          </a:prstGeom>
+          <a:ln w="38100">
+            <a:tailEnd type="arrow"/>
+          </a:ln>
+        </p:spPr>
+        <p:style>
+          <a:lnRef idx="1">
+            <a:schemeClr val="accent3"/>
+          </a:lnRef>
+          <a:fillRef idx="0">
+            <a:schemeClr val="accent3"/>
+          </a:fillRef>
+          <a:effectRef idx="0">
+            <a:schemeClr val="accent3"/>
+          </a:effectRef>
+          <a:fontRef idx="minor">
+            <a:schemeClr val="tx1"/>
+          </a:fontRef>
+        </p:style>
+      </p:cxnSp>
+      <p:sp>
+        <p:nvSpPr>
+          <p:cNvPr id="61" name="Rectangle à coins arrondis 11"/>
+          <p:cNvSpPr/>
+          <p:nvPr/>
+        </p:nvSpPr>
+        <p:spPr>
+          <a:xfrm>
+            <a:off x="8749555" y="3522577"/>
+            <a:ext cx="1552575" cy="414337"/>
+          </a:xfrm>
+          <a:prstGeom prst="roundRect">
+            <a:avLst/>
+          </a:prstGeom>
+          <a:solidFill>
+            <a:schemeClr val="accent2"/>
+          </a:solidFill>
+          <a:ln w="28575">
+            <a:solidFill>
+              <a:schemeClr val="bg1"/>
+            </a:solidFill>
+          </a:ln>
+          <a:effectLst>
+            <a:outerShdw blurRad="63500" sx="102000" sy="102000" algn="ctr" rotWithShape="0">
+              <a:prstClr val="black">
+                <a:alpha val="40000"/>
+              </a:prstClr>
+            </a:outerShdw>
+          </a:effectLst>
+        </p:spPr>
+        <p:style>
+          <a:lnRef idx="2">
+            <a:schemeClr val="accent1">
+              <a:shade val="50000"/>
+            </a:schemeClr>
+          </a:lnRef>
+          <a:fillRef idx="1">
+            <a:schemeClr val="accent1"/>
+          </a:fillRef>
+          <a:effectRef idx="0">
+            <a:schemeClr val="accent1"/>
+          </a:effectRef>
+          <a:fontRef idx="minor">
+            <a:schemeClr val="lt1"/>
+          </a:fontRef>
+        </p:style>
+        <p:txBody>
+          <a:bodyPr rtlCol="0" anchor="ctr"/>
+          <a:lstStyle/>
+          <a:p>
+            <a:pPr algn="ctr"/>
+            <a:r>
+              <a:rPr lang="fr-FR" b="1" dirty="0" smtClean="0"/>
+              <a:t>Loop actions</a:t>
+            </a:r>
+            <a:endParaRPr lang="fr-FR" b="1" dirty="0"/>
+          </a:p>
+        </p:txBody>
+      </p:sp>
+      <p:sp>
+        <p:nvSpPr>
+          <p:cNvPr id="62" name="Rectangle à coins arrondis 11"/>
+          <p:cNvSpPr/>
+          <p:nvPr/>
+        </p:nvSpPr>
+        <p:spPr>
+          <a:xfrm>
+            <a:off x="8749555" y="4060394"/>
+            <a:ext cx="1552575" cy="414337"/>
+          </a:xfrm>
+          <a:prstGeom prst="roundRect">
+            <a:avLst/>
+          </a:prstGeom>
+          <a:solidFill>
+            <a:schemeClr val="accent2"/>
+          </a:solidFill>
+          <a:ln w="28575">
+            <a:solidFill>
+              <a:schemeClr val="bg1"/>
+            </a:solidFill>
+          </a:ln>
+          <a:effectLst>
+            <a:outerShdw blurRad="63500" sx="102000" sy="102000" algn="ctr" rotWithShape="0">
+              <a:prstClr val="black">
+                <a:alpha val="40000"/>
+              </a:prstClr>
+            </a:outerShdw>
+          </a:effectLst>
+        </p:spPr>
+        <p:style>
+          <a:lnRef idx="2">
+            <a:schemeClr val="accent1">
+              <a:shade val="50000"/>
+            </a:schemeClr>
+          </a:lnRef>
+          <a:fillRef idx="1">
+            <a:schemeClr val="accent1"/>
+          </a:fillRef>
+          <a:effectRef idx="0">
+            <a:schemeClr val="accent1"/>
+          </a:effectRef>
+          <a:fontRef idx="minor">
+            <a:schemeClr val="lt1"/>
+          </a:fontRef>
+        </p:style>
+        <p:txBody>
+          <a:bodyPr rtlCol="0" anchor="ctr"/>
+          <a:lstStyle/>
+          <a:p>
+            <a:pPr algn="ctr"/>
+            <a:r>
+              <a:rPr lang="fr-FR" b="1" dirty="0" smtClean="0"/>
+              <a:t>Crash report</a:t>
+            </a:r>
+            <a:endParaRPr lang="fr-FR" b="1" dirty="0"/>
+          </a:p>
+        </p:txBody>
+      </p:sp>
+      <p:sp>
+        <p:nvSpPr>
+          <p:cNvPr id="63" name="Rectangle à coins arrondis 11"/>
+          <p:cNvSpPr/>
+          <p:nvPr/>
+        </p:nvSpPr>
+        <p:spPr>
+          <a:xfrm>
+            <a:off x="8749555" y="4598210"/>
+            <a:ext cx="1552575" cy="414337"/>
+          </a:xfrm>
+          <a:prstGeom prst="roundRect">
+            <a:avLst/>
+          </a:prstGeom>
+          <a:solidFill>
+            <a:schemeClr val="accent2"/>
+          </a:solidFill>
+          <a:ln w="28575">
+            <a:solidFill>
+              <a:schemeClr val="bg1"/>
+            </a:solidFill>
+          </a:ln>
+          <a:effectLst>
+            <a:outerShdw blurRad="63500" sx="102000" sy="102000" algn="ctr" rotWithShape="0">
+              <a:prstClr val="black">
+                <a:alpha val="40000"/>
+              </a:prstClr>
+            </a:outerShdw>
+          </a:effectLst>
+        </p:spPr>
+        <p:style>
+          <a:lnRef idx="2">
+            <a:schemeClr val="accent1">
+              <a:shade val="50000"/>
+            </a:schemeClr>
+          </a:lnRef>
+          <a:fillRef idx="1">
+            <a:schemeClr val="accent1"/>
+          </a:fillRef>
+          <a:effectRef idx="0">
+            <a:schemeClr val="accent1"/>
+          </a:effectRef>
+          <a:fontRef idx="minor">
+            <a:schemeClr val="lt1"/>
+          </a:fontRef>
+        </p:style>
+        <p:txBody>
+          <a:bodyPr rtlCol="0" anchor="ctr"/>
+          <a:lstStyle/>
+          <a:p>
+            <a:pPr algn="ctr"/>
+            <a:r>
+              <a:rPr lang="fr-FR" b="1" dirty="0" smtClean="0"/>
+              <a:t>…</a:t>
+            </a:r>
+            <a:endParaRPr lang="fr-FR" b="1" dirty="0"/>
+          </a:p>
+        </p:txBody>
+      </p:sp>
+      <p:sp>
+        <p:nvSpPr>
+          <p:cNvPr id="31" name="Rectangle 30"/>
+          <p:cNvSpPr/>
+          <p:nvPr/>
+        </p:nvSpPr>
+        <p:spPr>
+          <a:xfrm>
+            <a:off x="5633423" y="5901927"/>
+            <a:ext cx="1098442" cy="369332"/>
+          </a:xfrm>
+          <a:prstGeom prst="rect">
+            <a:avLst/>
+          </a:prstGeom>
+        </p:spPr>
+        <p:txBody>
+          <a:bodyPr wrap="none">
+            <a:spAutoFit/>
+          </a:bodyPr>
+          <a:lstStyle/>
+          <a:p>
+            <a:r>
+              <a:rPr lang="en-US" dirty="0" smtClean="0">
+                <a:solidFill>
+                  <a:srgbClr val="FF0000"/>
+                </a:solidFill>
+              </a:rPr>
+              <a:t>new state</a:t>
+            </a:r>
+            <a:endParaRPr lang="fr-FR" dirty="0">
+              <a:solidFill>
+                <a:srgbClr val="FF0000"/>
+              </a:solidFill>
+            </a:endParaRPr>
+          </a:p>
+        </p:txBody>
+      </p:sp>
     </p:spTree>
     <p:extLst>
       <p:ext uri="{BB962C8B-B14F-4D97-AF65-F5344CB8AC3E}">
-        <p14:creationId xmlns:p14="http://schemas.microsoft.com/office/powerpoint/2010/main" val="218335928"/>
+        <p14:creationId xmlns:p14="http://schemas.microsoft.com/office/powerpoint/2010/main" val="899195258"/>
       </p:ext>
     </p:extLst>
   </p:cSld>
   <p:clrMapOvr>
     <a:masterClrMapping/>
   </p:clrMapOvr>
+  <p:timing>
+    <p:tnLst>
+      <p:par>
+        <p:cTn id="1" dur="indefinite" restart="never" nodeType="tmRoot"/>
+      </p:par>
+    </p:tnLst>
+  </p:timing>
 </p:sld>
 </file>
 
@@ -25128,7 +25168,7 @@
           <a:p>
             <a:r>
               <a:rPr lang="en-US" dirty="0" smtClean="0"/>
-              <a:t>Application structure</a:t>
+              <a:t>Rock &amp; Roll</a:t>
             </a:r>
             <a:endParaRPr lang="fr-FR" dirty="0"/>
           </a:p>
@@ -25146,306 +25186,93 @@
         </p:nvSpPr>
         <p:spPr/>
         <p:txBody>
-          <a:bodyPr/>
+          <a:bodyPr>
+            <a:normAutofit lnSpcReduction="10000"/>
+          </a:bodyPr>
           <a:lstStyle/>
           <a:p>
             <a:r>
               <a:rPr lang="en-US" dirty="0" smtClean="0"/>
-              <a:t>sources</a:t>
-            </a:r>
-          </a:p>
-          <a:p>
-            <a:pPr lvl="1">
-              <a:buClr>
-                <a:schemeClr val="tx1"/>
-              </a:buClr>
-              <a:buFont typeface="Calibri" panose="020F0502020204030204" pitchFamily="34" charset="0"/>
-              <a:buChar char="⁄"/>
+              <a:t>React</a:t>
+            </a:r>
+          </a:p>
+          <a:p>
+            <a:pPr lvl="1"/>
+            <a:r>
+              <a:rPr lang="en-US" dirty="0" smtClean="0"/>
+              <a:t>Render components</a:t>
+            </a:r>
+          </a:p>
+          <a:p>
+            <a:pPr lvl="1"/>
+            <a:r>
+              <a:rPr lang="en-US" dirty="0" smtClean="0"/>
+              <a:t>Optimized rendering workflow</a:t>
+            </a:r>
+          </a:p>
+          <a:p>
+            <a:r>
+              <a:rPr lang="en-US" dirty="0" smtClean="0"/>
+              <a:t>Redux</a:t>
+            </a:r>
+          </a:p>
+          <a:p>
+            <a:pPr lvl="1"/>
+            <a:r>
+              <a:rPr lang="en-US" dirty="0" smtClean="0"/>
+              <a:t>Optimize weak parts of react rendering </a:t>
+            </a:r>
+          </a:p>
+          <a:p>
+            <a:pPr lvl="1"/>
+            <a:endParaRPr lang="en-US" dirty="0"/>
+          </a:p>
+          <a:p>
+            <a:r>
+              <a:rPr lang="en-US" dirty="0" smtClean="0"/>
+              <a:t>Together</a:t>
+            </a:r>
+          </a:p>
+          <a:p>
+            <a:pPr lvl="1"/>
+            <a:r>
+              <a:rPr lang="en-US" dirty="0" smtClean="0"/>
+              <a:t>Makes model – view transformations unidirectional</a:t>
+            </a:r>
+          </a:p>
+          <a:p>
+            <a:pPr lvl="1"/>
+            <a:r>
+              <a:rPr lang="en-US" dirty="0" smtClean="0"/>
+              <a:t>Optimize on view rendering and data processing</a:t>
+            </a:r>
+          </a:p>
+          <a:p>
+            <a:pPr marL="457200" lvl="1" indent="0" algn="ctr">
+              <a:buNone/>
             </a:pPr>
-            <a:r>
-              <a:rPr lang="en-US" dirty="0" err="1" smtClean="0">
-                <a:solidFill>
-                  <a:schemeClr val="accent5"/>
-                </a:solidFill>
-              </a:rPr>
-              <a:t>api</a:t>
-            </a:r>
+            <a:endParaRPr lang="en-US" dirty="0" smtClean="0"/>
+          </a:p>
+          <a:p>
+            <a:pPr marL="457200" lvl="1" indent="0" algn="ctr">
+              <a:buNone/>
+            </a:pPr>
             <a:r>
               <a:rPr lang="en-US" dirty="0" smtClean="0">
                 <a:solidFill>
                   <a:schemeClr val="accent5"/>
                 </a:solidFill>
               </a:rPr>
-              <a:t>/			</a:t>
-            </a:r>
-            <a:r>
-              <a:rPr lang="en-US" sz="1800" dirty="0" smtClean="0">
-                <a:solidFill>
-                  <a:schemeClr val="accent6"/>
-                </a:solidFill>
-              </a:rPr>
-              <a:t>// </a:t>
-            </a:r>
-            <a:r>
-              <a:rPr lang="en-US" sz="1800" dirty="0">
-                <a:solidFill>
-                  <a:schemeClr val="accent6"/>
-                </a:solidFill>
-              </a:rPr>
-              <a:t>contains </a:t>
-            </a:r>
-            <a:r>
-              <a:rPr lang="en-US" sz="1800" dirty="0" err="1">
-                <a:solidFill>
-                  <a:schemeClr val="accent6"/>
-                </a:solidFill>
-              </a:rPr>
-              <a:t>url</a:t>
-            </a:r>
-            <a:r>
-              <a:rPr lang="en-US" sz="1800" dirty="0">
-                <a:solidFill>
-                  <a:schemeClr val="accent6"/>
-                </a:solidFill>
-              </a:rPr>
-              <a:t> information (builders) to (RESTful) API resources</a:t>
-            </a:r>
-          </a:p>
-          <a:p>
-            <a:pPr lvl="1">
-              <a:buClr>
-                <a:schemeClr val="tx1"/>
-              </a:buClr>
-              <a:buFont typeface="Calibri" panose="020F0502020204030204" pitchFamily="34" charset="0"/>
-              <a:buChar char="⁄"/>
-            </a:pPr>
-            <a:r>
-              <a:rPr lang="en-US" dirty="0" smtClean="0">
-                <a:solidFill>
-                  <a:schemeClr val="accent5"/>
-                </a:solidFill>
-              </a:rPr>
-              <a:t>business/		</a:t>
-            </a:r>
-            <a:r>
-              <a:rPr lang="en-US" sz="1800" dirty="0" smtClean="0">
-                <a:solidFill>
-                  <a:schemeClr val="accent6"/>
-                </a:solidFill>
-              </a:rPr>
-              <a:t>// </a:t>
-            </a:r>
-            <a:r>
-              <a:rPr lang="en-US" sz="1800" dirty="0">
-                <a:solidFill>
-                  <a:schemeClr val="accent6"/>
-                </a:solidFill>
-              </a:rPr>
-              <a:t>contains data description and manipulations (redux workflow)</a:t>
-            </a:r>
-          </a:p>
-          <a:p>
-            <a:pPr lvl="1">
-              <a:buClr>
-                <a:schemeClr val="tx1"/>
-              </a:buClr>
-              <a:buFont typeface="Calibri" panose="020F0502020204030204" pitchFamily="34" charset="0"/>
-              <a:buChar char="⁄"/>
-            </a:pPr>
-            <a:r>
-              <a:rPr lang="en-US" dirty="0" smtClean="0">
-                <a:solidFill>
-                  <a:schemeClr val="accent5"/>
-                </a:solidFill>
-              </a:rPr>
-              <a:t>components/		</a:t>
-            </a:r>
-            <a:r>
-              <a:rPr lang="en-US" sz="1800" dirty="0" smtClean="0">
-                <a:solidFill>
-                  <a:schemeClr val="accent6"/>
-                </a:solidFill>
-              </a:rPr>
-              <a:t>// </a:t>
-            </a:r>
-            <a:r>
-              <a:rPr lang="en-US" sz="1800" dirty="0">
-                <a:solidFill>
-                  <a:schemeClr val="accent6"/>
-                </a:solidFill>
-              </a:rPr>
-              <a:t>contains React dumb components</a:t>
-            </a:r>
-          </a:p>
-          <a:p>
-            <a:pPr lvl="1">
-              <a:buClr>
-                <a:schemeClr val="tx1"/>
-              </a:buClr>
-              <a:buFont typeface="Calibri" panose="020F0502020204030204" pitchFamily="34" charset="0"/>
-              <a:buChar char="⁄"/>
-            </a:pPr>
-            <a:r>
-              <a:rPr lang="en-US" dirty="0" smtClean="0">
-                <a:solidFill>
-                  <a:schemeClr val="accent5"/>
-                </a:solidFill>
-              </a:rPr>
-              <a:t>containers/		</a:t>
-            </a:r>
-            <a:r>
-              <a:rPr lang="en-US" sz="1800" dirty="0" smtClean="0">
-                <a:solidFill>
-                  <a:schemeClr val="accent6"/>
-                </a:solidFill>
-              </a:rPr>
-              <a:t>// </a:t>
-            </a:r>
-            <a:r>
-              <a:rPr lang="en-US" sz="1800" dirty="0">
-                <a:solidFill>
-                  <a:schemeClr val="accent6"/>
-                </a:solidFill>
-              </a:rPr>
-              <a:t>contains React smart components</a:t>
-            </a:r>
-          </a:p>
-          <a:p>
-            <a:pPr lvl="1">
-              <a:buClr>
-                <a:schemeClr val="tx1"/>
-              </a:buClr>
-              <a:buFont typeface="Calibri" panose="020F0502020204030204" pitchFamily="34" charset="0"/>
-              <a:buChar char="⁄"/>
-            </a:pPr>
-            <a:r>
-              <a:rPr lang="en-US" dirty="0" smtClean="0">
-                <a:solidFill>
-                  <a:schemeClr val="accent5"/>
-                </a:solidFill>
-              </a:rPr>
-              <a:t>core/			</a:t>
-            </a:r>
-            <a:r>
-              <a:rPr lang="en-US" sz="1800" dirty="0" smtClean="0">
-                <a:solidFill>
-                  <a:schemeClr val="accent6"/>
-                </a:solidFill>
-              </a:rPr>
-              <a:t>// </a:t>
-            </a:r>
-            <a:r>
-              <a:rPr lang="en-US" sz="1800" dirty="0">
-                <a:solidFill>
-                  <a:schemeClr val="accent6"/>
-                </a:solidFill>
-              </a:rPr>
-              <a:t>general application configuration skeleton </a:t>
-            </a:r>
-          </a:p>
-          <a:p>
-            <a:pPr lvl="1">
-              <a:buClr>
-                <a:schemeClr val="tx1"/>
-              </a:buClr>
-              <a:buFont typeface="Calibri" panose="020F0502020204030204" pitchFamily="34" charset="0"/>
-              <a:buChar char="⁄"/>
-            </a:pPr>
-            <a:r>
-              <a:rPr lang="en-US" dirty="0" smtClean="0">
-                <a:solidFill>
-                  <a:schemeClr val="accent2"/>
-                </a:solidFill>
-              </a:rPr>
-              <a:t>index.html		</a:t>
-            </a:r>
-            <a:r>
-              <a:rPr lang="en-US" sz="1800" dirty="0" smtClean="0">
-                <a:solidFill>
-                  <a:schemeClr val="accent6"/>
-                </a:solidFill>
-              </a:rPr>
-              <a:t>// </a:t>
-            </a:r>
-            <a:r>
-              <a:rPr lang="en-US" sz="1800" dirty="0">
-                <a:solidFill>
-                  <a:schemeClr val="accent6"/>
-                </a:solidFill>
-              </a:rPr>
-              <a:t>SPA entry point</a:t>
-            </a:r>
-          </a:p>
-          <a:p>
-            <a:pPr lvl="1">
-              <a:buClr>
-                <a:schemeClr val="tx1"/>
-              </a:buClr>
-              <a:buFont typeface="Calibri" panose="020F0502020204030204" pitchFamily="34" charset="0"/>
-              <a:buChar char="⁄"/>
-            </a:pPr>
-            <a:r>
-              <a:rPr lang="en-US" dirty="0" err="1" smtClean="0">
-                <a:solidFill>
-                  <a:schemeClr val="accent2"/>
-                </a:solidFill>
-              </a:rPr>
-              <a:t>main.jsx</a:t>
-            </a:r>
-            <a:r>
-              <a:rPr lang="en-US" dirty="0" smtClean="0">
-                <a:solidFill>
-                  <a:schemeClr val="accent2"/>
-                </a:solidFill>
-              </a:rPr>
-              <a:t>			</a:t>
-            </a:r>
-            <a:r>
-              <a:rPr lang="en-US" sz="1800" dirty="0" smtClean="0">
-                <a:solidFill>
-                  <a:schemeClr val="accent6"/>
-                </a:solidFill>
-              </a:rPr>
-              <a:t>// </a:t>
-            </a:r>
-            <a:r>
-              <a:rPr lang="en-US" sz="1800" dirty="0">
-                <a:solidFill>
-                  <a:schemeClr val="accent6"/>
-                </a:solidFill>
-              </a:rPr>
-              <a:t>SPA code entry point</a:t>
-            </a:r>
-          </a:p>
-          <a:p>
-            <a:pPr lvl="1">
-              <a:buClr>
-                <a:schemeClr val="tx1"/>
-              </a:buClr>
-              <a:buFont typeface="Calibri" panose="020F0502020204030204" pitchFamily="34" charset="0"/>
-              <a:buChar char="⁄"/>
-            </a:pPr>
-            <a:r>
-              <a:rPr lang="en-US" dirty="0" smtClean="0">
-                <a:solidFill>
-                  <a:schemeClr val="accent2"/>
-                </a:solidFill>
-              </a:rPr>
-              <a:t>store.js			</a:t>
-            </a:r>
-            <a:r>
-              <a:rPr lang="en-US" sz="1800" dirty="0" smtClean="0">
-                <a:solidFill>
-                  <a:schemeClr val="accent6"/>
-                </a:solidFill>
-              </a:rPr>
-              <a:t>// redux data store setup</a:t>
-            </a:r>
-            <a:endParaRPr lang="fr-FR" dirty="0">
-              <a:solidFill>
-                <a:schemeClr val="accent6"/>
-              </a:solidFill>
-            </a:endParaRPr>
+              <a:t>“easier” to debug and understand + efficient rendering</a:t>
+            </a:r>
+            <a:r>
+              <a:rPr lang="en-US" dirty="0" smtClean="0"/>
+              <a:t> </a:t>
+            </a:r>
+            <a:br>
+              <a:rPr lang="en-US" dirty="0" smtClean="0"/>
+            </a:br>
+            <a:endParaRPr lang="fr-FR" dirty="0"/>
           </a:p>
         </p:txBody>
       </p:sp>
@@ -25522,7 +25349,7 @@
     </p:spTree>
     <p:extLst>
       <p:ext uri="{BB962C8B-B14F-4D97-AF65-F5344CB8AC3E}">
-        <p14:creationId xmlns:p14="http://schemas.microsoft.com/office/powerpoint/2010/main" val="3243038628"/>
+        <p14:creationId xmlns:p14="http://schemas.microsoft.com/office/powerpoint/2010/main" val="218335928"/>
       </p:ext>
     </p:extLst>
   </p:cSld>
@@ -25566,7 +25393,7 @@
           <a:p>
             <a:r>
               <a:rPr lang="en-US" dirty="0" smtClean="0"/>
-              <a:t>Business logic</a:t>
+              <a:t>Application structure</a:t>
             </a:r>
             <a:endParaRPr lang="fr-FR" dirty="0"/>
           </a:p>
@@ -25601,8 +25428,52 @@
               <a:buChar char="⁄"/>
             </a:pPr>
             <a:r>
-              <a:rPr lang="en-US" dirty="0" smtClean="0"/>
-              <a:t>…</a:t>
+              <a:rPr lang="en-US" dirty="0" err="1" smtClean="0">
+                <a:solidFill>
+                  <a:schemeClr val="accent5"/>
+                </a:solidFill>
+              </a:rPr>
+              <a:t>api</a:t>
+            </a:r>
+            <a:r>
+              <a:rPr lang="en-US" dirty="0" smtClean="0">
+                <a:solidFill>
+                  <a:schemeClr val="accent5"/>
+                </a:solidFill>
+              </a:rPr>
+              <a:t>/			</a:t>
+            </a:r>
+            <a:r>
+              <a:rPr lang="en-US" sz="1800" dirty="0" smtClean="0">
+                <a:solidFill>
+                  <a:schemeClr val="accent6"/>
+                </a:solidFill>
+              </a:rPr>
+              <a:t>// </a:t>
+            </a:r>
+            <a:r>
+              <a:rPr lang="en-US" sz="1800" dirty="0">
+                <a:solidFill>
+                  <a:schemeClr val="accent6"/>
+                </a:solidFill>
+              </a:rPr>
+              <a:t>contains </a:t>
+            </a:r>
+            <a:r>
+              <a:rPr lang="en-US" sz="1800" dirty="0" err="1">
+                <a:solidFill>
+                  <a:schemeClr val="accent6"/>
+                </a:solidFill>
+              </a:rPr>
+              <a:t>url</a:t>
+            </a:r>
+            <a:r>
+              <a:rPr lang="en-US" sz="1800" dirty="0">
+                <a:solidFill>
+                  <a:schemeClr val="accent6"/>
+                </a:solidFill>
+              </a:rPr>
+              <a:t> information (builders) to (RESTful) API resources</a:t>
             </a:r>
           </a:p>
           <a:p>
@@ -25619,179 +25490,23 @@
                   <a:schemeClr val="accent5"/>
                 </a:solidFill>
               </a:rPr>
-              <a:t>business/</a:t>
-            </a:r>
-          </a:p>
-          <a:p>
-            <a:pPr lvl="2">
-              <a:buClr>
-                <a:schemeClr val="tx1"/>
-              </a:buClr>
-              <a:buFont typeface="Calibri" panose="020F0502020204030204" pitchFamily="34" charset="0"/>
-              <a:buChar char="⁄"/>
-            </a:pPr>
-            <a:r>
-              <a:rPr lang="en-US" dirty="0" smtClean="0">
-                <a:solidFill>
-                  <a:schemeClr val="accent5"/>
-                </a:solidFill>
-              </a:rPr>
-              <a:t>any-concept/</a:t>
-            </a:r>
-          </a:p>
-          <a:p>
-            <a:pPr lvl="3">
-              <a:buClr>
-                <a:schemeClr val="tx1"/>
-              </a:buClr>
-              <a:buFont typeface="Calibri" panose="020F0502020204030204" pitchFamily="34" charset="0"/>
-              <a:buChar char="⁄"/>
-            </a:pPr>
-            <a:r>
-              <a:rPr lang="en-US" dirty="0" smtClean="0">
-                <a:solidFill>
-                  <a:schemeClr val="accent5"/>
-                </a:solidFill>
-              </a:rPr>
-              <a:t>specs/		</a:t>
-            </a:r>
-            <a:r>
-              <a:rPr lang="en-US" dirty="0">
+              <a:t>business/		</a:t>
+            </a:r>
+            <a:r>
+              <a:rPr lang="en-US" sz="1800" dirty="0" smtClean="0">
                 <a:solidFill>
                   <a:schemeClr val="accent6"/>
                 </a:solidFill>
               </a:rPr>
-              <a:t>// tests for business files, may be flat to folder or in such subfolder</a:t>
-            </a:r>
-          </a:p>
-          <a:p>
-            <a:pPr lvl="3">
-              <a:buClr>
-                <a:schemeClr val="tx1"/>
-              </a:buClr>
-              <a:buFont typeface="Calibri" panose="020F0502020204030204" pitchFamily="34" charset="0"/>
-              <a:buChar char="⁄"/>
-            </a:pPr>
-            <a:r>
-              <a:rPr lang="en-US" dirty="0" smtClean="0">
-                <a:solidFill>
-                  <a:schemeClr val="accent2"/>
-                </a:solidFill>
-              </a:rPr>
-              <a:t>actions.js		</a:t>
-            </a:r>
-            <a:r>
-              <a:rPr lang="en-US" dirty="0">
+              <a:t>// </a:t>
+            </a:r>
+            <a:r>
+              <a:rPr lang="en-US" sz="1800" dirty="0">
                 <a:solidFill>
                   <a:schemeClr val="accent6"/>
                 </a:solidFill>
               </a:rPr>
-              <a:t>// action creators (business logic operations there)</a:t>
-            </a:r>
-          </a:p>
-          <a:p>
-            <a:pPr lvl="3">
-              <a:buClr>
-                <a:schemeClr val="tx1"/>
-              </a:buClr>
-              <a:buFont typeface="Calibri" panose="020F0502020204030204" pitchFamily="34" charset="0"/>
-              <a:buChar char="⁄"/>
-            </a:pPr>
-            <a:r>
-              <a:rPr lang="en-US" dirty="0" smtClean="0">
-                <a:solidFill>
-                  <a:schemeClr val="accent2"/>
-                </a:solidFill>
-              </a:rPr>
-              <a:t>constants.js*	</a:t>
-            </a:r>
-            <a:r>
-              <a:rPr lang="en-US" dirty="0">
-                <a:solidFill>
-                  <a:schemeClr val="accent6"/>
-                </a:solidFill>
-              </a:rPr>
-              <a:t>// reusable constants (e.g. action variables)</a:t>
-            </a:r>
-          </a:p>
-          <a:p>
-            <a:pPr lvl="3">
-              <a:buClr>
-                <a:schemeClr val="tx1"/>
-              </a:buClr>
-              <a:buFont typeface="Calibri" panose="020F0502020204030204" pitchFamily="34" charset="0"/>
-              <a:buChar char="⁄"/>
-            </a:pPr>
-            <a:r>
-              <a:rPr lang="en-US" dirty="0" smtClean="0">
-                <a:solidFill>
-                  <a:schemeClr val="accent2"/>
-                </a:solidFill>
-              </a:rPr>
-              <a:t>reducers.js 		</a:t>
-            </a:r>
-            <a:r>
-              <a:rPr lang="en-US" dirty="0" smtClean="0">
-                <a:solidFill>
-                  <a:schemeClr val="accent6"/>
-                </a:solidFill>
-              </a:rPr>
-              <a:t>// reducer functions</a:t>
-            </a:r>
-            <a:endParaRPr lang="en-US" dirty="0" smtClean="0">
-              <a:solidFill>
-                <a:schemeClr val="accent2"/>
-              </a:solidFill>
-            </a:endParaRPr>
-          </a:p>
-          <a:p>
-            <a:pPr lvl="3">
-              <a:buClr>
-                <a:schemeClr val="tx1"/>
-              </a:buClr>
-              <a:buFont typeface="Calibri" panose="020F0502020204030204" pitchFamily="34" charset="0"/>
-              <a:buChar char="⁄"/>
-            </a:pPr>
-            <a:r>
-              <a:rPr lang="en-US" dirty="0" smtClean="0">
-                <a:solidFill>
-                  <a:schemeClr val="accent2"/>
-                </a:solidFill>
-              </a:rPr>
-              <a:t>sagas.js*		</a:t>
-            </a:r>
-            <a:r>
-              <a:rPr lang="en-US" dirty="0" smtClean="0">
-                <a:solidFill>
-                  <a:schemeClr val="accent6"/>
-                </a:solidFill>
-              </a:rPr>
-              <a:t>// sagas middleware operations</a:t>
-            </a:r>
-          </a:p>
-          <a:p>
-            <a:pPr lvl="3">
-              <a:buClr>
-                <a:schemeClr val="tx1"/>
-              </a:buClr>
-              <a:buFont typeface="Calibri" panose="020F0502020204030204" pitchFamily="34" charset="0"/>
-              <a:buChar char="⁄"/>
-            </a:pPr>
-            <a:r>
-              <a:rPr lang="en-US" dirty="0" smtClean="0">
-                <a:solidFill>
-                  <a:schemeClr val="accent2"/>
-                </a:solidFill>
-              </a:rPr>
-              <a:t>..middleware.js</a:t>
-            </a:r>
-            <a:r>
-              <a:rPr lang="en-US" dirty="0" smtClean="0">
-                <a:solidFill>
-                  <a:schemeClr val="accent6"/>
-                </a:solidFill>
-              </a:rPr>
-              <a:t>	// other possible middleware linked to business logic concept</a:t>
+              <a:t>contains data description and manipulations (redux workflow)</a:t>
             </a:r>
           </a:p>
           <a:p>
@@ -25803,37 +25518,199 @@
               <a:buChar char="⁄"/>
             </a:pPr>
             <a:r>
-              <a:rPr lang="en-US" dirty="0" smtClean="0"/>
-              <a:t>…</a:t>
-            </a:r>
-            <a:endParaRPr lang="en-US" dirty="0"/>
-          </a:p>
-          <a:p>
-            <a:pPr lvl="3">
+              <a:rPr lang="en-US" dirty="0" smtClean="0">
+                <a:solidFill>
+                  <a:schemeClr val="accent5"/>
+                </a:solidFill>
+              </a:rPr>
+              <a:t>components/		</a:t>
+            </a:r>
+            <a:r>
+              <a:rPr lang="en-US" sz="1800" dirty="0" smtClean="0">
+                <a:solidFill>
+                  <a:schemeClr val="accent6"/>
+                </a:solidFill>
+              </a:rPr>
+              <a:t>// </a:t>
+            </a:r>
+            <a:r>
+              <a:rPr lang="en-US" sz="1800" dirty="0">
+                <a:solidFill>
+                  <a:schemeClr val="accent6"/>
+                </a:solidFill>
+              </a:rPr>
+              <a:t>contains React dumb components</a:t>
+            </a:r>
+          </a:p>
+          <a:p>
+            <a:pPr lvl="1">
               <a:buClr>
                 <a:schemeClr val="tx1"/>
               </a:buClr>
               <a:buFont typeface="Calibri" panose="020F0502020204030204" pitchFamily="34" charset="0"/>
               <a:buChar char="⁄"/>
             </a:pPr>
-            <a:endParaRPr lang="en-US" dirty="0" smtClean="0">
-              <a:solidFill>
-                <a:schemeClr val="accent2"/>
-              </a:solidFill>
-            </a:endParaRPr>
-          </a:p>
-          <a:p>
-            <a:pPr marL="0" indent="0">
+            <a:r>
+              <a:rPr lang="en-US" dirty="0" smtClean="0">
+                <a:solidFill>
+                  <a:schemeClr val="accent5"/>
+                </a:solidFill>
+              </a:rPr>
+              <a:t>containers/		</a:t>
+            </a:r>
+            <a:r>
+              <a:rPr lang="en-US" sz="1800" dirty="0" smtClean="0">
+                <a:solidFill>
+                  <a:schemeClr val="accent6"/>
+                </a:solidFill>
+              </a:rPr>
+              <a:t>// </a:t>
+            </a:r>
+            <a:r>
+              <a:rPr lang="en-US" sz="1800" dirty="0">
+                <a:solidFill>
+                  <a:schemeClr val="accent6"/>
+                </a:solidFill>
+              </a:rPr>
+              <a:t>contains React smart components</a:t>
+            </a:r>
+          </a:p>
+          <a:p>
+            <a:pPr lvl="1">
               <a:buClr>
                 <a:schemeClr val="tx1"/>
               </a:buClr>
-              <a:buNone/>
+              <a:buFont typeface="Calibri" panose="020F0502020204030204" pitchFamily="34" charset="0"/>
+              <a:buChar char="⁄"/>
             </a:pPr>
             <a:r>
-              <a:rPr lang="en-US" sz="2400" dirty="0" smtClean="0"/>
-              <a:t>Components with * are optional depending on context</a:t>
-            </a:r>
-            <a:endParaRPr lang="fr-FR" sz="2400" dirty="0"/>
+              <a:rPr lang="en-US" dirty="0" smtClean="0">
+                <a:solidFill>
+                  <a:schemeClr val="accent5"/>
+                </a:solidFill>
+              </a:rPr>
+              <a:t>core/			</a:t>
+            </a:r>
+            <a:r>
+              <a:rPr lang="en-US" sz="1800" dirty="0" smtClean="0">
+                <a:solidFill>
+                  <a:schemeClr val="accent6"/>
+                </a:solidFill>
+              </a:rPr>
+              <a:t>// </a:t>
+            </a:r>
+            <a:r>
+              <a:rPr lang="en-US" sz="1800" dirty="0">
+                <a:solidFill>
+                  <a:schemeClr val="accent6"/>
+                </a:solidFill>
+              </a:rPr>
+              <a:t>general application configuration skeleton </a:t>
+            </a:r>
+          </a:p>
+          <a:p>
+            <a:pPr lvl="1">
+              <a:buClr>
+                <a:schemeClr val="tx1"/>
+              </a:buClr>
+              <a:buFont typeface="Calibri" panose="020F0502020204030204" pitchFamily="34" charset="0"/>
+              <a:buChar char="⁄"/>
+            </a:pPr>
+            <a:r>
+              <a:rPr lang="en-US" dirty="0" smtClean="0">
+                <a:solidFill>
+                  <a:schemeClr val="accent2"/>
+                </a:solidFill>
+              </a:rPr>
+              <a:t>index.html		</a:t>
+            </a:r>
+            <a:r>
+              <a:rPr lang="en-US" sz="1800" dirty="0" smtClean="0">
+                <a:solidFill>
+                  <a:schemeClr val="accent6"/>
+                </a:solidFill>
+              </a:rPr>
+              <a:t>// </a:t>
+            </a:r>
+            <a:r>
+              <a:rPr lang="en-US" sz="1800" dirty="0">
+                <a:solidFill>
+                  <a:schemeClr val="accent6"/>
+                </a:solidFill>
+              </a:rPr>
+              <a:t>SPA entry point</a:t>
+            </a:r>
+          </a:p>
+          <a:p>
+            <a:pPr lvl="1">
+              <a:buClr>
+                <a:schemeClr val="tx1"/>
+              </a:buClr>
+              <a:buFont typeface="Calibri" panose="020F0502020204030204" pitchFamily="34" charset="0"/>
+              <a:buChar char="⁄"/>
+            </a:pPr>
+            <a:r>
+              <a:rPr lang="en-US" dirty="0" err="1" smtClean="0">
+                <a:solidFill>
+                  <a:schemeClr val="accent2"/>
+                </a:solidFill>
+              </a:rPr>
+              <a:t>main.jsx</a:t>
+            </a:r>
+            <a:r>
+              <a:rPr lang="en-US" dirty="0" smtClean="0">
+                <a:solidFill>
+                  <a:schemeClr val="accent2"/>
+                </a:solidFill>
+              </a:rPr>
+              <a:t>			</a:t>
+            </a:r>
+            <a:r>
+              <a:rPr lang="en-US" sz="1800" dirty="0" smtClean="0">
+                <a:solidFill>
+                  <a:schemeClr val="accent6"/>
+                </a:solidFill>
+              </a:rPr>
+              <a:t>// </a:t>
+            </a:r>
+            <a:r>
+              <a:rPr lang="en-US" sz="1800" dirty="0">
+                <a:solidFill>
+                  <a:schemeClr val="accent6"/>
+                </a:solidFill>
+              </a:rPr>
+              <a:t>SPA code entry point</a:t>
+            </a:r>
+          </a:p>
+          <a:p>
+            <a:pPr lvl="1">
+              <a:buClr>
+                <a:schemeClr val="tx1"/>
+              </a:buClr>
+              <a:buFont typeface="Calibri" panose="020F0502020204030204" pitchFamily="34" charset="0"/>
+              <a:buChar char="⁄"/>
+            </a:pPr>
+            <a:r>
+              <a:rPr lang="en-US" dirty="0" smtClean="0">
+                <a:solidFill>
+                  <a:schemeClr val="accent2"/>
+                </a:solidFill>
+              </a:rPr>
+              <a:t>store.js			</a:t>
+            </a:r>
+            <a:r>
+              <a:rPr lang="en-US" sz="1800" dirty="0" smtClean="0">
+                <a:solidFill>
+                  <a:schemeClr val="accent6"/>
+                </a:solidFill>
+              </a:rPr>
+              <a:t>// redux data store setup</a:t>
+            </a:r>
+            <a:endParaRPr lang="fr-FR" dirty="0">
+              <a:solidFill>
+                <a:schemeClr val="accent6"/>
+              </a:solidFill>
+            </a:endParaRPr>
           </a:p>
         </p:txBody>
       </p:sp>
@@ -25910,7 +25787,7 @@
     </p:spTree>
     <p:extLst>
       <p:ext uri="{BB962C8B-B14F-4D97-AF65-F5344CB8AC3E}">
-        <p14:creationId xmlns:p14="http://schemas.microsoft.com/office/powerpoint/2010/main" val="105811837"/>
+        <p14:creationId xmlns:p14="http://schemas.microsoft.com/office/powerpoint/2010/main" val="3243038628"/>
       </p:ext>
     </p:extLst>
   </p:cSld>
@@ -25954,7 +25831,7 @@
           <a:p>
             <a:r>
               <a:rPr lang="en-US" dirty="0" smtClean="0"/>
-              <a:t>API ?</a:t>
+              <a:t>Business logic</a:t>
             </a:r>
             <a:endParaRPr lang="fr-FR" dirty="0"/>
           </a:p>
@@ -25976,57 +25853,252 @@
           <a:lstStyle/>
           <a:p>
             <a:r>
-              <a:rPr lang="en-US" dirty="0" err="1" smtClean="0"/>
-              <a:t>Api</a:t>
-            </a:r>
-            <a:r>
               <a:rPr lang="en-US" dirty="0" smtClean="0"/>
-              <a:t> lists / links API </a:t>
-            </a:r>
-            <a:r>
-              <a:rPr lang="en-US" dirty="0" err="1" smtClean="0"/>
-              <a:t>urls</a:t>
-            </a:r>
+              <a:t>sources</a:t>
+            </a:r>
+          </a:p>
+          <a:p>
+            <a:pPr lvl="1">
+              <a:buClr>
+                <a:schemeClr val="tx1"/>
+              </a:buClr>
+              <a:buFont typeface="Calibri" panose="020F0502020204030204" pitchFamily="34" charset="0"/>
+              <a:buChar char="⁄"/>
+            </a:pPr>
             <a:r>
               <a:rPr lang="en-US" dirty="0" smtClean="0"/>
-              <a:t> and querying of those </a:t>
-            </a:r>
-            <a:r>
-              <a:rPr lang="en-US" sz="2000" dirty="0" smtClean="0">
+              <a:t>…</a:t>
+            </a:r>
+          </a:p>
+          <a:p>
+            <a:pPr lvl="1">
+              <a:buClr>
+                <a:schemeClr val="tx1"/>
+              </a:buClr>
+              <a:buFont typeface="Calibri" panose="020F0502020204030204" pitchFamily="34" charset="0"/>
+              <a:buChar char="⁄"/>
+            </a:pPr>
+            <a:r>
+              <a:rPr lang="en-US" dirty="0" smtClean="0">
+                <a:solidFill>
+                  <a:schemeClr val="accent5"/>
+                </a:solidFill>
+              </a:rPr>
+              <a:t>business/</a:t>
+            </a:r>
+          </a:p>
+          <a:p>
+            <a:pPr lvl="2">
+              <a:buClr>
+                <a:schemeClr val="tx1"/>
+              </a:buClr>
+              <a:buFont typeface="Calibri" panose="020F0502020204030204" pitchFamily="34" charset="0"/>
+              <a:buChar char="⁄"/>
+            </a:pPr>
+            <a:r>
+              <a:rPr lang="en-US" dirty="0" smtClean="0">
+                <a:solidFill>
+                  <a:schemeClr val="accent5"/>
+                </a:solidFill>
+              </a:rPr>
+              <a:t>any-concept/</a:t>
+            </a:r>
+          </a:p>
+          <a:p>
+            <a:pPr lvl="3">
+              <a:buClr>
+                <a:schemeClr val="tx1"/>
+              </a:buClr>
+              <a:buFont typeface="Calibri" panose="020F0502020204030204" pitchFamily="34" charset="0"/>
+              <a:buChar char="⁄"/>
+            </a:pPr>
+            <a:r>
+              <a:rPr lang="en-US" dirty="0" smtClean="0">
+                <a:solidFill>
+                  <a:schemeClr val="accent5"/>
+                </a:solidFill>
+              </a:rPr>
+              <a:t>specs/		</a:t>
+            </a:r>
+            <a:r>
+              <a:rPr lang="en-US" dirty="0">
                 <a:solidFill>
                   <a:schemeClr val="accent6"/>
                 </a:solidFill>
               </a:rPr>
-              <a:t>it’s all about getting data</a:t>
+              <a:t>// tests for business files, may be flat to folder or in such subfolder</a:t>
+            </a:r>
+          </a:p>
+          <a:p>
+            <a:pPr lvl="3">
+              <a:buClr>
+                <a:schemeClr val="tx1"/>
+              </a:buClr>
+              <a:buFont typeface="Calibri" panose="020F0502020204030204" pitchFamily="34" charset="0"/>
+              <a:buChar char="⁄"/>
+            </a:pPr>
+            <a:r>
+              <a:rPr lang="en-US" dirty="0" smtClean="0">
+                <a:solidFill>
+                  <a:schemeClr val="accent2"/>
+                </a:solidFill>
+              </a:rPr>
+              <a:t>actions.js		</a:t>
+            </a:r>
+            <a:r>
+              <a:rPr lang="en-US" dirty="0">
+                <a:solidFill>
+                  <a:schemeClr val="accent6"/>
+                </a:solidFill>
+              </a:rPr>
+              <a:t>// action creators (business logic operations there)</a:t>
+            </a:r>
+          </a:p>
+          <a:p>
+            <a:pPr lvl="3">
+              <a:buClr>
+                <a:schemeClr val="tx1"/>
+              </a:buClr>
+              <a:buFont typeface="Calibri" panose="020F0502020204030204" pitchFamily="34" charset="0"/>
+              <a:buChar char="⁄"/>
+            </a:pPr>
+            <a:r>
+              <a:rPr lang="en-US" dirty="0" smtClean="0">
+                <a:solidFill>
+                  <a:schemeClr val="accent2"/>
+                </a:solidFill>
+              </a:rPr>
+              <a:t>constants.js*	</a:t>
+            </a:r>
+            <a:r>
+              <a:rPr lang="en-US" dirty="0">
+                <a:solidFill>
+                  <a:schemeClr val="accent6"/>
+                </a:solidFill>
+              </a:rPr>
+              <a:t>// reusable constants (e.g. action variables)</a:t>
+            </a:r>
+          </a:p>
+          <a:p>
+            <a:pPr lvl="3">
+              <a:buClr>
+                <a:schemeClr val="tx1"/>
+              </a:buClr>
+              <a:buFont typeface="Calibri" panose="020F0502020204030204" pitchFamily="34" charset="0"/>
+              <a:buChar char="⁄"/>
+            </a:pPr>
+            <a:r>
+              <a:rPr lang="en-US" dirty="0" smtClean="0">
+                <a:solidFill>
+                  <a:schemeClr val="accent2"/>
+                </a:solidFill>
+              </a:rPr>
+              <a:t>reducers.js 		</a:t>
+            </a:r>
+            <a:r>
+              <a:rPr lang="en-US" dirty="0" smtClean="0">
+                <a:solidFill>
+                  <a:schemeClr val="accent6"/>
+                </a:solidFill>
+              </a:rPr>
+              <a:t>// reducer functions</a:t>
             </a:r>
             <a:endParaRPr lang="en-US" dirty="0" smtClean="0">
               <a:solidFill>
-                <a:schemeClr val="accent6"/>
+                <a:schemeClr val="accent2"/>
               </a:solidFill>
             </a:endParaRPr>
           </a:p>
           <a:p>
-            <a:pPr lvl="1"/>
+            <a:pPr lvl="3">
+              <a:buClr>
+                <a:schemeClr val="tx1"/>
+              </a:buClr>
+              <a:buFont typeface="Calibri" panose="020F0502020204030204" pitchFamily="34" charset="0"/>
+              <a:buChar char="⁄"/>
+            </a:pPr>
+            <a:r>
+              <a:rPr lang="en-US" dirty="0" smtClean="0">
+                <a:solidFill>
+                  <a:schemeClr val="accent2"/>
+                </a:solidFill>
+              </a:rPr>
+              <a:t>sagas.js*		</a:t>
+            </a:r>
+            <a:r>
+              <a:rPr lang="en-US" dirty="0" smtClean="0">
+                <a:solidFill>
+                  <a:schemeClr val="accent6"/>
+                </a:solidFill>
+              </a:rPr>
+              <a:t>// sagas middleware operations</a:t>
+            </a:r>
+          </a:p>
+          <a:p>
+            <a:pPr lvl="3">
+              <a:buClr>
+                <a:schemeClr val="tx1"/>
+              </a:buClr>
+              <a:buFont typeface="Calibri" panose="020F0502020204030204" pitchFamily="34" charset="0"/>
+              <a:buChar char="⁄"/>
+            </a:pPr>
+            <a:r>
+              <a:rPr lang="en-US" dirty="0" smtClean="0">
+                <a:solidFill>
+                  <a:schemeClr val="accent2"/>
+                </a:solidFill>
+              </a:rPr>
+              <a:t>..middleware.js</a:t>
+            </a:r>
+            <a:r>
+              <a:rPr lang="en-US" dirty="0" smtClean="0">
+                <a:solidFill>
+                  <a:schemeClr val="accent6"/>
+                </a:solidFill>
+              </a:rPr>
+              <a:t>	// other possible middleware linked to business logic concept</a:t>
+            </a:r>
+          </a:p>
+          <a:p>
+            <a:pPr lvl="1">
+              <a:buClr>
+                <a:schemeClr val="tx1"/>
+              </a:buClr>
+              <a:buFont typeface="Calibri" panose="020F0502020204030204" pitchFamily="34" charset="0"/>
+              <a:buChar char="⁄"/>
+            </a:pPr>
             <a:r>
               <a:rPr lang="en-US" dirty="0" smtClean="0"/>
-              <a:t>Use of ES6 fetch</a:t>
-            </a:r>
-          </a:p>
-          <a:p>
-            <a:pPr lvl="1"/>
-            <a:r>
-              <a:rPr lang="en-US" dirty="0" smtClean="0"/>
-              <a:t>Or use of frameworks or libraries such as </a:t>
-            </a:r>
-            <a:r>
-              <a:rPr lang="en-US" dirty="0" err="1" smtClean="0"/>
-              <a:t>axios</a:t>
-            </a:r>
-            <a:r>
-              <a:rPr lang="en-US" dirty="0" smtClean="0"/>
-              <a:t>… </a:t>
-            </a:r>
-            <a:endParaRPr lang="fr-FR" dirty="0"/>
+              <a:t>…</a:t>
+            </a:r>
+            <a:endParaRPr lang="en-US" dirty="0"/>
+          </a:p>
+          <a:p>
+            <a:pPr lvl="3">
+              <a:buClr>
+                <a:schemeClr val="tx1"/>
+              </a:buClr>
+              <a:buFont typeface="Calibri" panose="020F0502020204030204" pitchFamily="34" charset="0"/>
+              <a:buChar char="⁄"/>
+            </a:pPr>
+            <a:endParaRPr lang="en-US" dirty="0" smtClean="0">
+              <a:solidFill>
+                <a:schemeClr val="accent2"/>
+              </a:solidFill>
+            </a:endParaRPr>
+          </a:p>
+          <a:p>
+            <a:pPr marL="0" indent="0">
+              <a:buClr>
+                <a:schemeClr val="tx1"/>
+              </a:buClr>
+              <a:buNone/>
+            </a:pPr>
+            <a:r>
+              <a:rPr lang="en-US" sz="2400" dirty="0" smtClean="0"/>
+              <a:t>Components with * are optional depending on context</a:t>
+            </a:r>
+            <a:endParaRPr lang="fr-FR" sz="2400" dirty="0"/>
           </a:p>
         </p:txBody>
       </p:sp>
@@ -26100,198 +26172,10 @@
           </a:p>
         </p:txBody>
       </p:sp>
-      <p:sp>
-        <p:nvSpPr>
-          <p:cNvPr id="8" name="Rectangle 7"/>
-          <p:cNvSpPr/>
-          <p:nvPr/>
-        </p:nvSpPr>
-        <p:spPr>
-          <a:xfrm>
-            <a:off x="1765519" y="3045254"/>
-            <a:ext cx="8489950" cy="2585323"/>
-          </a:xfrm>
-          <a:prstGeom prst="rect">
-            <a:avLst/>
-          </a:prstGeom>
-          <a:solidFill>
-            <a:schemeClr val="bg1">
-              <a:lumMod val="95000"/>
-            </a:schemeClr>
-          </a:solidFill>
-          <a:effectLst>
-            <a:outerShdw blurRad="50800" dist="38100" dir="2700000" algn="tl" rotWithShape="0">
-              <a:prstClr val="black">
-                <a:alpha val="40000"/>
-              </a:prstClr>
-            </a:outerShdw>
-          </a:effectLst>
-        </p:spPr>
-        <p:txBody>
-          <a:bodyPr wrap="square">
-            <a:spAutoFit/>
-          </a:bodyPr>
-          <a:lstStyle/>
-          <a:p>
-            <a:endParaRPr lang="fr-FR" dirty="0" smtClean="0"/>
-          </a:p>
-          <a:p>
-            <a:r>
-              <a:rPr lang="fr-FR" dirty="0" err="1" smtClean="0">
-                <a:solidFill>
-                  <a:srgbClr val="7030A0"/>
-                </a:solidFill>
-              </a:rPr>
-              <a:t>axios</a:t>
-            </a:r>
-            <a:r>
-              <a:rPr lang="fr-FR" dirty="0" smtClean="0"/>
-              <a:t>(</a:t>
-            </a:r>
-            <a:r>
-              <a:rPr lang="fr-FR" dirty="0" smtClean="0">
-                <a:solidFill>
-                  <a:schemeClr val="accent6">
-                    <a:lumMod val="75000"/>
-                  </a:schemeClr>
-                </a:solidFill>
-              </a:rPr>
-              <a:t>'REST/applications'</a:t>
-            </a:r>
-            <a:r>
-              <a:rPr lang="fr-FR" dirty="0" smtClean="0"/>
-              <a:t>)</a:t>
-            </a:r>
-            <a:endParaRPr lang="fr-FR" dirty="0"/>
-          </a:p>
-          <a:p>
-            <a:r>
-              <a:rPr lang="fr-FR" dirty="0"/>
-              <a:t>    </a:t>
-            </a:r>
-            <a:r>
-              <a:rPr lang="fr-FR" dirty="0" smtClean="0"/>
-              <a:t>.</a:t>
-            </a:r>
-            <a:r>
-              <a:rPr lang="fr-FR" dirty="0" err="1">
-                <a:solidFill>
-                  <a:srgbClr val="7030A0"/>
-                </a:solidFill>
-              </a:rPr>
-              <a:t>then</a:t>
-            </a:r>
-            <a:r>
-              <a:rPr lang="fr-FR" dirty="0" smtClean="0"/>
-              <a:t>((</a:t>
-            </a:r>
-            <a:r>
-              <a:rPr lang="fr-FR" dirty="0" err="1"/>
-              <a:t>response</a:t>
-            </a:r>
-            <a:r>
-              <a:rPr lang="fr-FR" dirty="0"/>
-              <a:t>) =&gt; {</a:t>
-            </a:r>
-          </a:p>
-          <a:p>
-            <a:r>
-              <a:rPr lang="fr-FR" dirty="0"/>
-              <a:t>      </a:t>
-            </a:r>
-            <a:r>
-              <a:rPr lang="fr-FR" b="1" dirty="0">
-                <a:solidFill>
-                  <a:schemeClr val="accent5"/>
-                </a:solidFill>
-              </a:rPr>
-              <a:t>return</a:t>
-            </a:r>
-            <a:r>
-              <a:rPr lang="fr-FR" dirty="0"/>
-              <a:t> </a:t>
-            </a:r>
-            <a:r>
-              <a:rPr lang="fr-FR" dirty="0" err="1"/>
-              <a:t>response.data.applications</a:t>
-            </a:r>
-            <a:r>
-              <a:rPr lang="fr-FR" dirty="0"/>
-              <a:t>;</a:t>
-            </a:r>
-          </a:p>
-          <a:p>
-            <a:r>
-              <a:rPr lang="fr-FR" dirty="0"/>
-              <a:t>    }).</a:t>
-            </a:r>
-            <a:r>
-              <a:rPr lang="fr-FR" dirty="0">
-                <a:solidFill>
-                  <a:srgbClr val="7030A0"/>
-                </a:solidFill>
-              </a:rPr>
-              <a:t>catch</a:t>
-            </a:r>
-            <a:r>
-              <a:rPr lang="fr-FR" dirty="0"/>
-              <a:t>((</a:t>
-            </a:r>
-            <a:r>
-              <a:rPr lang="fr-FR" dirty="0" err="1"/>
-              <a:t>error</a:t>
-            </a:r>
-            <a:r>
-              <a:rPr lang="fr-FR" dirty="0"/>
-              <a:t>) =&gt; {</a:t>
-            </a:r>
-          </a:p>
-          <a:p>
-            <a:r>
-              <a:rPr lang="fr-FR" dirty="0"/>
-              <a:t>      </a:t>
-            </a:r>
-            <a:r>
-              <a:rPr lang="fr-FR" b="1" dirty="0" err="1">
-                <a:solidFill>
-                  <a:schemeClr val="accent5"/>
-                </a:solidFill>
-              </a:rPr>
-              <a:t>throw</a:t>
-            </a:r>
-            <a:r>
-              <a:rPr lang="fr-FR" dirty="0"/>
-              <a:t> </a:t>
-            </a:r>
-            <a:r>
-              <a:rPr lang="fr-FR" dirty="0" err="1"/>
-              <a:t>error</a:t>
-            </a:r>
-            <a:r>
-              <a:rPr lang="fr-FR" dirty="0"/>
-              <a:t>;</a:t>
-            </a:r>
-          </a:p>
-          <a:p>
-            <a:r>
-              <a:rPr lang="fr-FR" dirty="0"/>
-              <a:t>    });</a:t>
-            </a:r>
-          </a:p>
-          <a:p>
-            <a:pPr lvl="1"/>
-            <a:endParaRPr lang="fr-FR" dirty="0" smtClean="0"/>
-          </a:p>
-          <a:p>
-            <a:pPr lvl="1"/>
-            <a:endParaRPr lang="fr-FR" dirty="0"/>
-          </a:p>
-        </p:txBody>
-      </p:sp>
     </p:spTree>
     <p:extLst>
       <p:ext uri="{BB962C8B-B14F-4D97-AF65-F5344CB8AC3E}">
-        <p14:creationId xmlns:p14="http://schemas.microsoft.com/office/powerpoint/2010/main" val="2920863316"/>
+        <p14:creationId xmlns:p14="http://schemas.microsoft.com/office/powerpoint/2010/main" val="105811837"/>
       </p:ext>
     </p:extLst>
   </p:cSld>
@@ -26335,7 +26219,7 @@
           <a:p>
             <a:r>
               <a:rPr lang="en-US" dirty="0" smtClean="0"/>
-              <a:t>Sagas ? </a:t>
+              <a:t>API ?</a:t>
             </a:r>
             <a:endParaRPr lang="fr-FR" dirty="0"/>
           </a:p>
@@ -26357,25 +26241,30 @@
           <a:lstStyle/>
           <a:p>
             <a:r>
-              <a:rPr lang="en-US" sz="2400" dirty="0" smtClean="0"/>
-              <a:t>Operate side-effect operations </a:t>
-            </a:r>
-          </a:p>
-          <a:p>
-            <a:pPr lvl="1"/>
-            <a:r>
-              <a:rPr lang="en-US" sz="2000" dirty="0" smtClean="0"/>
-              <a:t>asynchronous operations </a:t>
-            </a:r>
-            <a:r>
-              <a:rPr lang="en-US" sz="1600" dirty="0" smtClean="0">
+              <a:rPr lang="en-US" dirty="0" err="1" smtClean="0"/>
+              <a:t>Api</a:t>
+            </a:r>
+            <a:r>
+              <a:rPr lang="en-US" dirty="0" smtClean="0"/>
+              <a:t> lists / links API </a:t>
+            </a:r>
+            <a:r>
+              <a:rPr lang="en-US" dirty="0" err="1" smtClean="0"/>
+              <a:t>urls</a:t>
+            </a:r>
+            <a:r>
+              <a:rPr lang="en-US" dirty="0" smtClean="0"/>
+              <a:t> and querying of those </a:t>
+            </a:r>
+            <a:r>
+              <a:rPr lang="en-US" sz="2000" dirty="0" smtClean="0">
                 <a:solidFill>
                   <a:schemeClr val="accent6"/>
                 </a:solidFill>
               </a:rPr>
-              <a:t>e.g. manage data fetch from server</a:t>
-            </a:r>
-            <a:endParaRPr lang="en-US" sz="2000" dirty="0" smtClean="0">
+              <a:t>it’s all about getting data</a:t>
+            </a:r>
+            <a:endParaRPr lang="en-US" dirty="0" smtClean="0">
               <a:solidFill>
                 <a:schemeClr val="accent6"/>
               </a:solidFill>
@@ -26384,26 +26273,24 @@
           <a:p>
             <a:pPr lvl="1"/>
             <a:r>
-              <a:rPr lang="en-US" sz="2000" dirty="0" smtClean="0"/>
-              <a:t>Cache accesses</a:t>
-            </a:r>
-          </a:p>
-          <a:p>
-            <a:r>
-              <a:rPr lang="en-US" sz="2400" dirty="0" smtClean="0"/>
-              <a:t>Rely on </a:t>
-            </a:r>
-            <a:r>
-              <a:rPr lang="en-US" sz="2400" b="1" dirty="0" smtClean="0"/>
-              <a:t>generator</a:t>
-            </a:r>
-            <a:r>
-              <a:rPr lang="en-US" sz="2400" dirty="0" smtClean="0"/>
-              <a:t> pattern from ES6</a:t>
+              <a:rPr lang="en-US" dirty="0" smtClean="0"/>
+              <a:t>Use of ES6 fetch</a:t>
             </a:r>
           </a:p>
           <a:p>
             <a:pPr lvl="1"/>
+            <a:r>
+              <a:rPr lang="en-US" dirty="0" smtClean="0"/>
+              <a:t>Or use of frameworks or libraries such as </a:t>
+            </a:r>
+            <a:r>
+              <a:rPr lang="en-US" dirty="0" err="1" smtClean="0"/>
+              <a:t>axios</a:t>
+            </a:r>
+            <a:r>
+              <a:rPr lang="en-US" dirty="0" smtClean="0"/>
+              <a:t>… </a:t>
+            </a:r>
             <a:endParaRPr lang="fr-FR" dirty="0"/>
           </a:p>
         </p:txBody>
@@ -26486,8 +26373,8 @@
         </p:nvSpPr>
         <p:spPr>
           <a:xfrm>
-            <a:off x="1781285" y="3127335"/>
-            <a:ext cx="8489950" cy="3139321"/>
+            <a:off x="1765519" y="3045254"/>
+            <a:ext cx="8489950" cy="2585323"/>
           </a:xfrm>
           <a:prstGeom prst="rect">
             <a:avLst/>
@@ -26515,86 +26402,119 @@
           </a:p>
           <a:p>
             <a:r>
-              <a:rPr lang="fr-FR" b="1" dirty="0" err="1" smtClean="0">
-                <a:solidFill>
-                  <a:schemeClr val="accent5"/>
-                </a:solidFill>
-              </a:rPr>
-              <a:t>function</a:t>
-            </a:r>
-            <a:r>
-              <a:rPr lang="fr-FR" b="1" dirty="0">
-                <a:solidFill>
-                  <a:schemeClr val="accent5"/>
-                </a:solidFill>
-              </a:rPr>
-              <a:t>*</a:t>
-            </a:r>
-            <a:r>
-              <a:rPr lang="fr-FR" dirty="0"/>
-              <a:t> </a:t>
-            </a:r>
-            <a:r>
-              <a:rPr lang="fr-FR" dirty="0">
+              <a:rPr lang="fr-FR" dirty="0" err="1" smtClean="0">
                 <a:solidFill>
                   <a:srgbClr val="7030A0"/>
                 </a:solidFill>
               </a:rPr>
-              <a:t>sagas</a:t>
-            </a:r>
-            <a:r>
-              <a:rPr lang="fr-FR" dirty="0"/>
-              <a:t>() {</a:t>
-            </a:r>
-          </a:p>
-          <a:p>
-            <a:r>
-              <a:rPr lang="fr-FR" dirty="0"/>
-              <a:t>  </a:t>
-            </a:r>
-            <a:r>
-              <a:rPr lang="fr-FR" b="1" dirty="0" err="1">
-                <a:solidFill>
-                  <a:schemeClr val="accent5"/>
-                </a:solidFill>
-              </a:rPr>
-              <a:t>yield</a:t>
-            </a:r>
-            <a:r>
-              <a:rPr lang="fr-FR" dirty="0"/>
-              <a:t> </a:t>
-            </a:r>
-            <a:r>
-              <a:rPr lang="fr-FR" dirty="0">
-                <a:solidFill>
-                  <a:srgbClr val="7030A0"/>
-                </a:solidFill>
-              </a:rPr>
-              <a:t>put</a:t>
-            </a:r>
-            <a:r>
-              <a:rPr lang="fr-FR" dirty="0"/>
-              <a:t>({type: </a:t>
-            </a:r>
-            <a:r>
-              <a:rPr lang="fr-FR" dirty="0">
+              <a:t>axios</a:t>
+            </a:r>
+            <a:r>
+              <a:rPr lang="fr-FR" dirty="0" smtClean="0"/>
+              <a:t>(</a:t>
+            </a:r>
+            <a:r>
+              <a:rPr lang="fr-FR" dirty="0" smtClean="0">
                 <a:solidFill>
                   <a:schemeClr val="accent6">
                     <a:lumMod val="75000"/>
                   </a:schemeClr>
                 </a:solidFill>
               </a:rPr>
-              <a:t>'APPLICATIONS_FETCH_PENDING'</a:t>
-            </a:r>
+              <a:t>'REST/applications'</a:t>
+            </a:r>
+            <a:r>
+              <a:rPr lang="fr-FR" dirty="0" smtClean="0"/>
+              <a:t>)</a:t>
+            </a:r>
+            <a:endParaRPr lang="fr-FR" dirty="0"/>
+          </a:p>
+          <a:p>
             <a:r>
               <a:rPr lang="fr-FR" dirty="0"/>
-              <a:t>});</a:t>
-            </a:r>
-          </a:p>
-          <a:p>
+              <a:t>    </a:t>
+            </a:r>
+            <a:r>
+              <a:rPr lang="fr-FR" dirty="0" smtClean="0"/>
+              <a:t>.</a:t>
+            </a:r>
+            <a:r>
+              <a:rPr lang="fr-FR" dirty="0" err="1">
+                <a:solidFill>
+                  <a:srgbClr val="7030A0"/>
+                </a:solidFill>
+              </a:rPr>
+              <a:t>then</a:t>
+            </a:r>
+            <a:r>
+              <a:rPr lang="fr-FR" dirty="0" smtClean="0"/>
+              <a:t>((</a:t>
+            </a:r>
+            <a:r>
+              <a:rPr lang="fr-FR" dirty="0" err="1"/>
+              <a:t>response</a:t>
+            </a:r>
             <a:r>
               <a:rPr lang="fr-FR" dirty="0"/>
-              <a:t>  </a:t>
+              <a:t>) =&gt; {</a:t>
+            </a:r>
+          </a:p>
+          <a:p>
+            <a:r>
+              <a:rPr lang="fr-FR" dirty="0"/>
+              <a:t>      </a:t>
+            </a:r>
+            <a:r>
+              <a:rPr lang="fr-FR" b="1" dirty="0">
+                <a:solidFill>
+                  <a:schemeClr val="accent5"/>
+                </a:solidFill>
+              </a:rPr>
+              <a:t>return</a:t>
+            </a:r>
+            <a:r>
+              <a:rPr lang="fr-FR" dirty="0"/>
+              <a:t> </a:t>
+            </a:r>
+            <a:r>
+              <a:rPr lang="fr-FR" dirty="0" err="1"/>
+              <a:t>response.data.applications</a:t>
+            </a:r>
+            <a:r>
+              <a:rPr lang="fr-FR" dirty="0"/>
+              <a:t>;</a:t>
+            </a:r>
+          </a:p>
+          <a:p>
+            <a:r>
+              <a:rPr lang="fr-FR" dirty="0"/>
+              <a:t>    }).</a:t>
+            </a:r>
+            <a:r>
+              <a:rPr lang="fr-FR" dirty="0">
+                <a:solidFill>
+                  <a:srgbClr val="7030A0"/>
+                </a:solidFill>
+              </a:rPr>
+              <a:t>catch</a:t>
+            </a:r>
+            <a:r>
+              <a:rPr lang="fr-FR" dirty="0"/>
+              <a:t>((</a:t>
+            </a:r>
+            <a:r>
+              <a:rPr lang="fr-FR" dirty="0" err="1"/>
+              <a:t>error</a:t>
+            </a:r>
+            <a:r>
+              <a:rPr lang="fr-FR" dirty="0"/>
+              <a:t>) =&gt; {</a:t>
+            </a:r>
+          </a:p>
+          <a:p>
+            <a:r>
+              <a:rPr lang="fr-FR" dirty="0"/>
+              <a:t>      </a:t>
             </a:r>
             <a:r>
               <a:rPr lang="fr-FR" b="1" dirty="0" err="1">
@@ -26602,387 +26522,33 @@
                   <a:schemeClr val="accent5"/>
                 </a:solidFill>
               </a:rPr>
-              <a:t>try</a:t>
-            </a:r>
-            <a:r>
-              <a:rPr lang="fr-FR" dirty="0"/>
-              <a:t> {</a:t>
-            </a:r>
-          </a:p>
-          <a:p>
-            <a:r>
-              <a:rPr lang="fr-FR" dirty="0"/>
-              <a:t>    </a:t>
-            </a:r>
-            <a:r>
-              <a:rPr lang="fr-FR" b="1" dirty="0" err="1">
-                <a:solidFill>
-                  <a:schemeClr val="accent5"/>
-                </a:solidFill>
-              </a:rPr>
-              <a:t>yield</a:t>
+              <a:t>throw</a:t>
             </a:r>
             <a:r>
               <a:rPr lang="fr-FR" dirty="0"/>
               <a:t> </a:t>
             </a:r>
             <a:r>
-              <a:rPr lang="fr-FR" dirty="0" smtClean="0">
-                <a:solidFill>
-                  <a:srgbClr val="7030A0"/>
-                </a:solidFill>
-              </a:rPr>
-              <a:t>fork </a:t>
-            </a:r>
-            <a:r>
-              <a:rPr lang="fr-FR" dirty="0" smtClean="0"/>
-              <a:t>(</a:t>
-            </a:r>
-            <a:r>
-              <a:rPr lang="fr-FR" dirty="0" err="1" smtClean="0"/>
-              <a:t>takeLatest</a:t>
-            </a:r>
-            <a:r>
-              <a:rPr lang="fr-FR" dirty="0"/>
-              <a:t>, </a:t>
-            </a:r>
-            <a:r>
-              <a:rPr lang="fr-FR" dirty="0">
-                <a:solidFill>
-                  <a:schemeClr val="accent6">
-                    <a:lumMod val="75000"/>
-                  </a:schemeClr>
-                </a:solidFill>
-              </a:rPr>
-              <a:t>'APPLICATIONS_FETCH'</a:t>
-            </a:r>
-            <a:r>
-              <a:rPr lang="fr-FR" dirty="0"/>
-              <a:t>, </a:t>
-            </a:r>
-            <a:r>
-              <a:rPr lang="fr-FR" dirty="0" err="1"/>
-              <a:t>fetchApplications</a:t>
-            </a:r>
-            <a:r>
-              <a:rPr lang="fr-FR" dirty="0"/>
-              <a:t>, </a:t>
-            </a:r>
-            <a:r>
-              <a:rPr lang="fr-FR" dirty="0" err="1"/>
-              <a:t>ApiApplications</a:t>
-            </a:r>
-            <a:r>
-              <a:rPr lang="fr-FR" dirty="0"/>
-              <a:t>);</a:t>
-            </a:r>
-          </a:p>
-          <a:p>
-            <a:r>
-              <a:rPr lang="fr-FR" dirty="0"/>
-              <a:t>  }</a:t>
-            </a:r>
-          </a:p>
-          <a:p>
-            <a:r>
-              <a:rPr lang="fr-FR" dirty="0"/>
-              <a:t>  </a:t>
-            </a:r>
-            <a:r>
-              <a:rPr lang="fr-FR" b="1" dirty="0">
-                <a:solidFill>
-                  <a:schemeClr val="accent5"/>
-                </a:solidFill>
-              </a:rPr>
-              <a:t>catch</a:t>
-            </a:r>
-            <a:r>
-              <a:rPr lang="fr-FR" dirty="0"/>
-              <a:t> (</a:t>
-            </a:r>
-            <a:r>
               <a:rPr lang="fr-FR" dirty="0" err="1"/>
               <a:t>error</a:t>
             </a:r>
             <a:r>
               <a:rPr lang="fr-FR" dirty="0"/>
-              <a:t>) {</a:t>
+              <a:t>;</a:t>
             </a:r>
           </a:p>
           <a:p>
             <a:r>
               <a:rPr lang="fr-FR" dirty="0"/>
-              <a:t>    </a:t>
-            </a:r>
-            <a:r>
-              <a:rPr lang="fr-FR" b="1" dirty="0" err="1">
-                <a:solidFill>
-                  <a:schemeClr val="accent5"/>
-                </a:solidFill>
-              </a:rPr>
-              <a:t>yield</a:t>
-            </a:r>
-            <a:r>
-              <a:rPr lang="fr-FR" dirty="0"/>
-              <a:t> </a:t>
-            </a:r>
-            <a:r>
-              <a:rPr lang="fr-FR" dirty="0">
-                <a:solidFill>
-                  <a:srgbClr val="7030A0"/>
-                </a:solidFill>
-              </a:rPr>
-              <a:t>put</a:t>
-            </a:r>
-            <a:r>
-              <a:rPr lang="fr-FR" dirty="0"/>
-              <a:t>({type:</a:t>
-            </a:r>
-            <a:r>
-              <a:rPr lang="fr-FR" dirty="0">
-                <a:solidFill>
-                  <a:schemeClr val="accent6">
-                    <a:lumMod val="75000"/>
-                  </a:schemeClr>
-                </a:solidFill>
-              </a:rPr>
-              <a:t> 'APPLICATIONS_FETCH_ERROR'</a:t>
-            </a:r>
-            <a:r>
-              <a:rPr lang="fr-FR" dirty="0"/>
-              <a:t>, </a:t>
-            </a:r>
-            <a:r>
-              <a:rPr lang="fr-FR" dirty="0" err="1"/>
-              <a:t>payload</a:t>
-            </a:r>
-            <a:r>
-              <a:rPr lang="fr-FR" dirty="0"/>
-              <a:t>: </a:t>
-            </a:r>
-            <a:r>
-              <a:rPr lang="fr-FR" dirty="0" err="1"/>
-              <a:t>error</a:t>
-            </a:r>
-            <a:r>
-              <a:rPr lang="fr-FR" dirty="0"/>
-              <a:t>});</a:t>
-            </a:r>
-          </a:p>
-          <a:p>
-            <a:r>
-              <a:rPr lang="fr-FR" dirty="0"/>
-              <a:t>  }</a:t>
-            </a:r>
-          </a:p>
-          <a:p>
-            <a:r>
-              <a:rPr lang="fr-FR" dirty="0"/>
-              <a:t>}</a:t>
-            </a:r>
-            <a:endParaRPr lang="fr-FR" dirty="0" smtClean="0"/>
+              <a:t>    });</a:t>
+            </a:r>
           </a:p>
           <a:p>
             <a:pPr lvl="1"/>
             <a:endParaRPr lang="fr-FR" dirty="0" smtClean="0"/>
           </a:p>
-        </p:txBody>
-      </p:sp>
-      <p:sp>
-        <p:nvSpPr>
-          <p:cNvPr id="9" name="Rectangle 13"/>
-          <p:cNvSpPr/>
-          <p:nvPr/>
-        </p:nvSpPr>
-        <p:spPr>
-          <a:xfrm>
-            <a:off x="165100" y="3127335"/>
-            <a:ext cx="1574800" cy="711032"/>
-          </a:xfrm>
-          <a:prstGeom prst="wedgeRectCallout">
-            <a:avLst>
-              <a:gd name="adj1" fmla="val 59362"/>
-              <a:gd name="adj2" fmla="val -4974"/>
-            </a:avLst>
-          </a:prstGeom>
-        </p:spPr>
-        <p:style>
-          <a:lnRef idx="2">
-            <a:schemeClr val="accent1">
-              <a:shade val="50000"/>
-            </a:schemeClr>
-          </a:lnRef>
-          <a:fillRef idx="1">
-            <a:schemeClr val="accent1"/>
-          </a:fillRef>
-          <a:effectRef idx="0">
-            <a:schemeClr val="accent1"/>
-          </a:effectRef>
-          <a:fontRef idx="minor">
-            <a:schemeClr val="lt1"/>
-          </a:fontRef>
-        </p:style>
-        <p:txBody>
-          <a:bodyPr rtlCol="0" anchor="ctr"/>
-          <a:lstStyle/>
-          <a:p>
-            <a:pPr algn="ctr"/>
-            <a:r>
-              <a:rPr lang="en-US" dirty="0" smtClean="0"/>
-              <a:t>Generator function</a:t>
-            </a:r>
-            <a:endParaRPr lang="fr-FR" b="1" dirty="0"/>
-          </a:p>
-        </p:txBody>
-      </p:sp>
-      <p:sp>
-        <p:nvSpPr>
-          <p:cNvPr id="10" name="Rectangle 12"/>
-          <p:cNvSpPr/>
-          <p:nvPr/>
-        </p:nvSpPr>
-        <p:spPr>
-          <a:xfrm>
-            <a:off x="10452100" y="2898566"/>
-            <a:ext cx="1574800" cy="1200467"/>
-          </a:xfrm>
-          <a:prstGeom prst="wedgeRectCallout">
-            <a:avLst>
-              <a:gd name="adj1" fmla="val -278616"/>
-              <a:gd name="adj2" fmla="val 30623"/>
-            </a:avLst>
-          </a:prstGeom>
-        </p:spPr>
-        <p:style>
-          <a:lnRef idx="2">
-            <a:schemeClr val="accent1">
-              <a:shade val="50000"/>
-            </a:schemeClr>
-          </a:lnRef>
-          <a:fillRef idx="1">
-            <a:schemeClr val="accent1"/>
-          </a:fillRef>
-          <a:effectRef idx="0">
-            <a:schemeClr val="accent1"/>
-          </a:effectRef>
-          <a:fontRef idx="minor">
-            <a:schemeClr val="lt1"/>
-          </a:fontRef>
-        </p:style>
-        <p:txBody>
-          <a:bodyPr rtlCol="0" anchor="ctr"/>
-          <a:lstStyle/>
-          <a:p>
-            <a:pPr algn="ctr"/>
-            <a:r>
-              <a:rPr lang="fr-FR" dirty="0" err="1" smtClean="0"/>
-              <a:t>Dispatch</a:t>
-            </a:r>
-            <a:r>
-              <a:rPr lang="fr-FR" dirty="0" smtClean="0"/>
-              <a:t> actions</a:t>
-            </a:r>
-          </a:p>
-          <a:p>
-            <a:pPr algn="ctr"/>
-            <a:r>
-              <a:rPr lang="en-US" dirty="0" smtClean="0"/>
-              <a:t>Back to reducer</a:t>
-            </a:r>
-            <a:endParaRPr lang="fr-FR" dirty="0"/>
-          </a:p>
-        </p:txBody>
-      </p:sp>
-      <p:sp>
-        <p:nvSpPr>
-          <p:cNvPr id="11" name="Rectangle 13"/>
-          <p:cNvSpPr/>
-          <p:nvPr/>
-        </p:nvSpPr>
-        <p:spPr>
-          <a:xfrm>
-            <a:off x="165100" y="3928061"/>
-            <a:ext cx="1574800" cy="1566222"/>
-          </a:xfrm>
-          <a:prstGeom prst="wedgeRectCallout">
-            <a:avLst>
-              <a:gd name="adj1" fmla="val 69874"/>
-              <a:gd name="adj2" fmla="val -18823"/>
-            </a:avLst>
-          </a:prstGeom>
-        </p:spPr>
-        <p:style>
-          <a:lnRef idx="2">
-            <a:schemeClr val="accent1">
-              <a:shade val="50000"/>
-            </a:schemeClr>
-          </a:lnRef>
-          <a:fillRef idx="1">
-            <a:schemeClr val="accent1"/>
-          </a:fillRef>
-          <a:effectRef idx="0">
-            <a:schemeClr val="accent1"/>
-          </a:effectRef>
-          <a:fontRef idx="minor">
-            <a:schemeClr val="lt1"/>
-          </a:fontRef>
-        </p:style>
-        <p:txBody>
-          <a:bodyPr rtlCol="0" anchor="ctr"/>
-          <a:lstStyle/>
-          <a:p>
-            <a:pPr algn="ctr"/>
-            <a:r>
-              <a:rPr lang="en-US" dirty="0" smtClean="0"/>
-              <a:t>Wait for command to be done before moving to next one</a:t>
-            </a:r>
-            <a:endParaRPr lang="fr-FR" b="1" dirty="0"/>
-          </a:p>
-        </p:txBody>
-      </p:sp>
-      <p:sp>
-        <p:nvSpPr>
-          <p:cNvPr id="12" name="Rectangle 12"/>
-          <p:cNvSpPr/>
-          <p:nvPr/>
-        </p:nvSpPr>
-        <p:spPr>
-          <a:xfrm>
-            <a:off x="10452100" y="4611366"/>
-            <a:ext cx="1574800" cy="1200467"/>
-          </a:xfrm>
-          <a:prstGeom prst="wedgeRectCallout">
-            <a:avLst>
-              <a:gd name="adj1" fmla="val -456314"/>
-              <a:gd name="adj2" fmla="val -52770"/>
-            </a:avLst>
-          </a:prstGeom>
-        </p:spPr>
-        <p:style>
-          <a:lnRef idx="2">
-            <a:schemeClr val="accent1">
-              <a:shade val="50000"/>
-            </a:schemeClr>
-          </a:lnRef>
-          <a:fillRef idx="1">
-            <a:schemeClr val="accent1"/>
-          </a:fillRef>
-          <a:effectRef idx="0">
-            <a:schemeClr val="accent1"/>
-          </a:effectRef>
-          <a:fontRef idx="minor">
-            <a:schemeClr val="lt1"/>
-          </a:fontRef>
-        </p:style>
-        <p:txBody>
-          <a:bodyPr rtlCol="0" anchor="ctr"/>
-          <a:lstStyle/>
-          <a:p>
-            <a:pPr algn="ctr"/>
-            <a:r>
-              <a:rPr lang="en-US" dirty="0" smtClean="0"/>
-              <a:t>Define network reuse policy</a:t>
-            </a:r>
+          <a:p>
+            <a:pPr lvl="1"/>
             <a:endParaRPr lang="fr-FR" dirty="0"/>
           </a:p>
         </p:txBody>
@@ -26990,7 +26556,7 @@
     </p:spTree>
     <p:extLst>
       <p:ext uri="{BB962C8B-B14F-4D97-AF65-F5344CB8AC3E}">
-        <p14:creationId xmlns:p14="http://schemas.microsoft.com/office/powerpoint/2010/main" val="1347731741"/>
+        <p14:creationId xmlns:p14="http://schemas.microsoft.com/office/powerpoint/2010/main" val="2920863316"/>
       </p:ext>
     </p:extLst>
   </p:cSld>
@@ -27033,21 +26599,21 @@
           <a:lstStyle/>
           <a:p>
             <a:r>
-              <a:rPr lang="en-US" noProof="0" dirty="0" smtClean="0"/>
-              <a:t>Almost done…</a:t>
-            </a:r>
-            <a:endParaRPr lang="en-US" noProof="0" dirty="0"/>
-          </a:p>
-        </p:txBody>
-      </p:sp>
-      <p:sp>
-        <p:nvSpPr>
-          <p:cNvPr id="3" name="Text Placeholder 2"/>
+              <a:rPr lang="en-US" dirty="0" smtClean="0"/>
+              <a:t>Sagas ? </a:t>
+            </a:r>
+            <a:endParaRPr lang="fr-FR" dirty="0"/>
+          </a:p>
+        </p:txBody>
+      </p:sp>
+      <p:sp>
+        <p:nvSpPr>
+          <p:cNvPr id="3" name="Content Placeholder 2"/>
           <p:cNvSpPr>
             <a:spLocks noGrp="1"/>
           </p:cNvSpPr>
           <p:nvPr>
-            <p:ph type="body" idx="1"/>
+            <p:ph idx="1"/>
           </p:nvPr>
         </p:nvSpPr>
         <p:spPr/>
@@ -27056,10 +26622,54 @@
           <a:lstStyle/>
           <a:p>
             <a:r>
-              <a:rPr lang="en-US" noProof="0" dirty="0" smtClean="0"/>
-              <a:t>Build, enhanced development process and how to test</a:t>
-            </a:r>
-            <a:endParaRPr lang="en-US" noProof="0" dirty="0"/>
+              <a:rPr lang="en-US" sz="2400" dirty="0" smtClean="0"/>
+              <a:t>Operate side-effect operations </a:t>
+            </a:r>
+          </a:p>
+          <a:p>
+            <a:pPr lvl="1"/>
+            <a:r>
+              <a:rPr lang="en-US" sz="2000" dirty="0" smtClean="0"/>
+              <a:t>asynchronous operations </a:t>
+            </a:r>
+            <a:r>
+              <a:rPr lang="en-US" sz="1600" dirty="0" smtClean="0">
+                <a:solidFill>
+                  <a:schemeClr val="accent6"/>
+                </a:solidFill>
+              </a:rPr>
+              <a:t>e.g. manage data fetch from server</a:t>
+            </a:r>
+            <a:endParaRPr lang="en-US" sz="2000" dirty="0" smtClean="0">
+              <a:solidFill>
+                <a:schemeClr val="accent6"/>
+              </a:solidFill>
+            </a:endParaRPr>
+          </a:p>
+          <a:p>
+            <a:pPr lvl="1"/>
+            <a:r>
+              <a:rPr lang="en-US" sz="2000" dirty="0" smtClean="0"/>
+              <a:t>Cache accesses</a:t>
+            </a:r>
+          </a:p>
+          <a:p>
+            <a:r>
+              <a:rPr lang="en-US" sz="2400" dirty="0" smtClean="0"/>
+              <a:t>Rely on </a:t>
+            </a:r>
+            <a:r>
+              <a:rPr lang="en-US" sz="2400" b="1" dirty="0" smtClean="0"/>
+              <a:t>generator</a:t>
+            </a:r>
+            <a:r>
+              <a:rPr lang="en-US" sz="2400" dirty="0" smtClean="0"/>
+              <a:t> pattern from ES6</a:t>
+            </a:r>
+          </a:p>
+          <a:p>
+            <a:pPr lvl="1"/>
+            <a:endParaRPr lang="fr-FR" dirty="0"/>
           </a:p>
         </p:txBody>
       </p:sp>
@@ -27105,7 +26715,7 @@
               <a:rPr lang="fr-FR" smtClean="0"/>
               <a:t>cedric.hartland@gmail.com</a:t>
             </a:r>
-            <a:endParaRPr lang="fr-FR"/>
+            <a:endParaRPr lang="fr-FR" dirty="0"/>
           </a:p>
         </p:txBody>
       </p:sp>
@@ -27133,23 +26743,525 @@
           </a:p>
         </p:txBody>
       </p:sp>
+      <p:sp>
+        <p:nvSpPr>
+          <p:cNvPr id="8" name="Rectangle 7"/>
+          <p:cNvSpPr/>
+          <p:nvPr/>
+        </p:nvSpPr>
+        <p:spPr>
+          <a:xfrm>
+            <a:off x="1781285" y="3127335"/>
+            <a:ext cx="8489950" cy="3139321"/>
+          </a:xfrm>
+          <a:prstGeom prst="rect">
+            <a:avLst/>
+          </a:prstGeom>
+          <a:solidFill>
+            <a:schemeClr val="bg1">
+              <a:lumMod val="95000"/>
+            </a:schemeClr>
+          </a:solidFill>
+          <a:effectLst>
+            <a:outerShdw blurRad="50800" dist="38100" dir="2700000" algn="tl" rotWithShape="0">
+              <a:prstClr val="black">
+                <a:alpha val="40000"/>
+              </a:prstClr>
+            </a:outerShdw>
+          </a:effectLst>
+        </p:spPr>
+        <p:txBody>
+          <a:bodyPr wrap="square">
+            <a:spAutoFit/>
+          </a:bodyPr>
+          <a:lstStyle/>
+          <a:p>
+            <a:endParaRPr lang="fr-FR" dirty="0" smtClean="0"/>
+          </a:p>
+          <a:p>
+            <a:r>
+              <a:rPr lang="fr-FR" b="1" dirty="0" err="1" smtClean="0">
+                <a:solidFill>
+                  <a:schemeClr val="accent5"/>
+                </a:solidFill>
+              </a:rPr>
+              <a:t>function</a:t>
+            </a:r>
+            <a:r>
+              <a:rPr lang="fr-FR" b="1" dirty="0">
+                <a:solidFill>
+                  <a:schemeClr val="accent5"/>
+                </a:solidFill>
+              </a:rPr>
+              <a:t>*</a:t>
+            </a:r>
+            <a:r>
+              <a:rPr lang="fr-FR" dirty="0"/>
+              <a:t> </a:t>
+            </a:r>
+            <a:r>
+              <a:rPr lang="fr-FR" dirty="0">
+                <a:solidFill>
+                  <a:srgbClr val="7030A0"/>
+                </a:solidFill>
+              </a:rPr>
+              <a:t>sagas</a:t>
+            </a:r>
+            <a:r>
+              <a:rPr lang="fr-FR" dirty="0"/>
+              <a:t>() {</a:t>
+            </a:r>
+          </a:p>
+          <a:p>
+            <a:r>
+              <a:rPr lang="fr-FR" dirty="0"/>
+              <a:t>  </a:t>
+            </a:r>
+            <a:r>
+              <a:rPr lang="fr-FR" b="1" dirty="0" err="1">
+                <a:solidFill>
+                  <a:schemeClr val="accent5"/>
+                </a:solidFill>
+              </a:rPr>
+              <a:t>yield</a:t>
+            </a:r>
+            <a:r>
+              <a:rPr lang="fr-FR" dirty="0"/>
+              <a:t> </a:t>
+            </a:r>
+            <a:r>
+              <a:rPr lang="fr-FR" dirty="0">
+                <a:solidFill>
+                  <a:srgbClr val="7030A0"/>
+                </a:solidFill>
+              </a:rPr>
+              <a:t>put</a:t>
+            </a:r>
+            <a:r>
+              <a:rPr lang="fr-FR" dirty="0"/>
+              <a:t>({type: </a:t>
+            </a:r>
+            <a:r>
+              <a:rPr lang="fr-FR" dirty="0">
+                <a:solidFill>
+                  <a:schemeClr val="accent6">
+                    <a:lumMod val="75000"/>
+                  </a:schemeClr>
+                </a:solidFill>
+              </a:rPr>
+              <a:t>'APPLICATIONS_FETCH_PENDING'</a:t>
+            </a:r>
+            <a:r>
+              <a:rPr lang="fr-FR" dirty="0"/>
+              <a:t>});</a:t>
+            </a:r>
+          </a:p>
+          <a:p>
+            <a:r>
+              <a:rPr lang="fr-FR" dirty="0"/>
+              <a:t>  </a:t>
+            </a:r>
+            <a:r>
+              <a:rPr lang="fr-FR" b="1" dirty="0" err="1">
+                <a:solidFill>
+                  <a:schemeClr val="accent5"/>
+                </a:solidFill>
+              </a:rPr>
+              <a:t>try</a:t>
+            </a:r>
+            <a:r>
+              <a:rPr lang="fr-FR" dirty="0"/>
+              <a:t> {</a:t>
+            </a:r>
+          </a:p>
+          <a:p>
+            <a:r>
+              <a:rPr lang="fr-FR" dirty="0"/>
+              <a:t>    </a:t>
+            </a:r>
+            <a:r>
+              <a:rPr lang="fr-FR" b="1" dirty="0" err="1">
+                <a:solidFill>
+                  <a:schemeClr val="accent5"/>
+                </a:solidFill>
+              </a:rPr>
+              <a:t>yield</a:t>
+            </a:r>
+            <a:r>
+              <a:rPr lang="fr-FR" dirty="0"/>
+              <a:t> </a:t>
+            </a:r>
+            <a:r>
+              <a:rPr lang="fr-FR" dirty="0" smtClean="0">
+                <a:solidFill>
+                  <a:srgbClr val="7030A0"/>
+                </a:solidFill>
+              </a:rPr>
+              <a:t>fork </a:t>
+            </a:r>
+            <a:r>
+              <a:rPr lang="fr-FR" dirty="0" smtClean="0"/>
+              <a:t>(</a:t>
+            </a:r>
+            <a:r>
+              <a:rPr lang="fr-FR" dirty="0" err="1" smtClean="0"/>
+              <a:t>takeLatest</a:t>
+            </a:r>
+            <a:r>
+              <a:rPr lang="fr-FR" dirty="0"/>
+              <a:t>, </a:t>
+            </a:r>
+            <a:r>
+              <a:rPr lang="fr-FR" dirty="0">
+                <a:solidFill>
+                  <a:schemeClr val="accent6">
+                    <a:lumMod val="75000"/>
+                  </a:schemeClr>
+                </a:solidFill>
+              </a:rPr>
+              <a:t>'APPLICATIONS_FETCH'</a:t>
+            </a:r>
+            <a:r>
+              <a:rPr lang="fr-FR" dirty="0"/>
+              <a:t>, </a:t>
+            </a:r>
+            <a:r>
+              <a:rPr lang="fr-FR" dirty="0" err="1"/>
+              <a:t>fetchApplications</a:t>
+            </a:r>
+            <a:r>
+              <a:rPr lang="fr-FR" dirty="0"/>
+              <a:t>, </a:t>
+            </a:r>
+            <a:r>
+              <a:rPr lang="fr-FR" dirty="0" err="1"/>
+              <a:t>ApiApplications</a:t>
+            </a:r>
+            <a:r>
+              <a:rPr lang="fr-FR" dirty="0"/>
+              <a:t>);</a:t>
+            </a:r>
+          </a:p>
+          <a:p>
+            <a:r>
+              <a:rPr lang="fr-FR" dirty="0"/>
+              <a:t>  }</a:t>
+            </a:r>
+          </a:p>
+          <a:p>
+            <a:r>
+              <a:rPr lang="fr-FR" dirty="0"/>
+              <a:t>  </a:t>
+            </a:r>
+            <a:r>
+              <a:rPr lang="fr-FR" b="1" dirty="0">
+                <a:solidFill>
+                  <a:schemeClr val="accent5"/>
+                </a:solidFill>
+              </a:rPr>
+              <a:t>catch</a:t>
+            </a:r>
+            <a:r>
+              <a:rPr lang="fr-FR" dirty="0"/>
+              <a:t> (</a:t>
+            </a:r>
+            <a:r>
+              <a:rPr lang="fr-FR" dirty="0" err="1"/>
+              <a:t>error</a:t>
+            </a:r>
+            <a:r>
+              <a:rPr lang="fr-FR" dirty="0"/>
+              <a:t>) {</a:t>
+            </a:r>
+          </a:p>
+          <a:p>
+            <a:r>
+              <a:rPr lang="fr-FR" dirty="0"/>
+              <a:t>    </a:t>
+            </a:r>
+            <a:r>
+              <a:rPr lang="fr-FR" b="1" dirty="0" err="1">
+                <a:solidFill>
+                  <a:schemeClr val="accent5"/>
+                </a:solidFill>
+              </a:rPr>
+              <a:t>yield</a:t>
+            </a:r>
+            <a:r>
+              <a:rPr lang="fr-FR" dirty="0"/>
+              <a:t> </a:t>
+            </a:r>
+            <a:r>
+              <a:rPr lang="fr-FR" dirty="0">
+                <a:solidFill>
+                  <a:srgbClr val="7030A0"/>
+                </a:solidFill>
+              </a:rPr>
+              <a:t>put</a:t>
+            </a:r>
+            <a:r>
+              <a:rPr lang="fr-FR" dirty="0"/>
+              <a:t>({type:</a:t>
+            </a:r>
+            <a:r>
+              <a:rPr lang="fr-FR" dirty="0">
+                <a:solidFill>
+                  <a:schemeClr val="accent6">
+                    <a:lumMod val="75000"/>
+                  </a:schemeClr>
+                </a:solidFill>
+              </a:rPr>
+              <a:t> 'APPLICATIONS_FETCH_ERROR'</a:t>
+            </a:r>
+            <a:r>
+              <a:rPr lang="fr-FR" dirty="0"/>
+              <a:t>, </a:t>
+            </a:r>
+            <a:r>
+              <a:rPr lang="fr-FR" dirty="0" err="1"/>
+              <a:t>payload</a:t>
+            </a:r>
+            <a:r>
+              <a:rPr lang="fr-FR" dirty="0"/>
+              <a:t>: </a:t>
+            </a:r>
+            <a:r>
+              <a:rPr lang="fr-FR" dirty="0" err="1"/>
+              <a:t>error</a:t>
+            </a:r>
+            <a:r>
+              <a:rPr lang="fr-FR" dirty="0"/>
+              <a:t>});</a:t>
+            </a:r>
+          </a:p>
+          <a:p>
+            <a:r>
+              <a:rPr lang="fr-FR" dirty="0"/>
+              <a:t>  }</a:t>
+            </a:r>
+          </a:p>
+          <a:p>
+            <a:r>
+              <a:rPr lang="fr-FR" dirty="0"/>
+              <a:t>}</a:t>
+            </a:r>
+            <a:endParaRPr lang="fr-FR" dirty="0" smtClean="0"/>
+          </a:p>
+          <a:p>
+            <a:pPr lvl="1"/>
+            <a:endParaRPr lang="fr-FR" dirty="0" smtClean="0"/>
+          </a:p>
+        </p:txBody>
+      </p:sp>
+      <p:sp>
+        <p:nvSpPr>
+          <p:cNvPr id="9" name="Rectangle 13"/>
+          <p:cNvSpPr/>
+          <p:nvPr/>
+        </p:nvSpPr>
+        <p:spPr>
+          <a:xfrm>
+            <a:off x="165100" y="3127335"/>
+            <a:ext cx="1574800" cy="711032"/>
+          </a:xfrm>
+          <a:prstGeom prst="wedgeRectCallout">
+            <a:avLst>
+              <a:gd name="adj1" fmla="val 59362"/>
+              <a:gd name="adj2" fmla="val -4974"/>
+            </a:avLst>
+          </a:prstGeom>
+        </p:spPr>
+        <p:style>
+          <a:lnRef idx="2">
+            <a:schemeClr val="accent1">
+              <a:shade val="50000"/>
+            </a:schemeClr>
+          </a:lnRef>
+          <a:fillRef idx="1">
+            <a:schemeClr val="accent1"/>
+          </a:fillRef>
+          <a:effectRef idx="0">
+            <a:schemeClr val="accent1"/>
+          </a:effectRef>
+          <a:fontRef idx="minor">
+            <a:schemeClr val="lt1"/>
+          </a:fontRef>
+        </p:style>
+        <p:txBody>
+          <a:bodyPr rtlCol="0" anchor="ctr"/>
+          <a:lstStyle/>
+          <a:p>
+            <a:pPr algn="ctr"/>
+            <a:r>
+              <a:rPr lang="en-US" dirty="0" smtClean="0"/>
+              <a:t>Generator function</a:t>
+            </a:r>
+            <a:endParaRPr lang="fr-FR" b="1" dirty="0"/>
+          </a:p>
+        </p:txBody>
+      </p:sp>
+      <p:sp>
+        <p:nvSpPr>
+          <p:cNvPr id="10" name="Rectangle 12"/>
+          <p:cNvSpPr/>
+          <p:nvPr/>
+        </p:nvSpPr>
+        <p:spPr>
+          <a:xfrm>
+            <a:off x="10452100" y="2898566"/>
+            <a:ext cx="1574800" cy="1200467"/>
+          </a:xfrm>
+          <a:prstGeom prst="wedgeRectCallout">
+            <a:avLst>
+              <a:gd name="adj1" fmla="val -278616"/>
+              <a:gd name="adj2" fmla="val 30623"/>
+            </a:avLst>
+          </a:prstGeom>
+        </p:spPr>
+        <p:style>
+          <a:lnRef idx="2">
+            <a:schemeClr val="accent1">
+              <a:shade val="50000"/>
+            </a:schemeClr>
+          </a:lnRef>
+          <a:fillRef idx="1">
+            <a:schemeClr val="accent1"/>
+          </a:fillRef>
+          <a:effectRef idx="0">
+            <a:schemeClr val="accent1"/>
+          </a:effectRef>
+          <a:fontRef idx="minor">
+            <a:schemeClr val="lt1"/>
+          </a:fontRef>
+        </p:style>
+        <p:txBody>
+          <a:bodyPr rtlCol="0" anchor="ctr"/>
+          <a:lstStyle/>
+          <a:p>
+            <a:pPr algn="ctr"/>
+            <a:r>
+              <a:rPr lang="fr-FR" dirty="0" err="1" smtClean="0"/>
+              <a:t>Dispatch</a:t>
+            </a:r>
+            <a:r>
+              <a:rPr lang="fr-FR" dirty="0" smtClean="0"/>
+              <a:t> actions</a:t>
+            </a:r>
+          </a:p>
+          <a:p>
+            <a:pPr algn="ctr"/>
+            <a:r>
+              <a:rPr lang="en-US" dirty="0" smtClean="0"/>
+              <a:t>Back to reducer</a:t>
+            </a:r>
+            <a:endParaRPr lang="fr-FR" dirty="0"/>
+          </a:p>
+        </p:txBody>
+      </p:sp>
+      <p:sp>
+        <p:nvSpPr>
+          <p:cNvPr id="11" name="Rectangle 13"/>
+          <p:cNvSpPr/>
+          <p:nvPr/>
+        </p:nvSpPr>
+        <p:spPr>
+          <a:xfrm>
+            <a:off x="165100" y="3928061"/>
+            <a:ext cx="1574800" cy="1566222"/>
+          </a:xfrm>
+          <a:prstGeom prst="wedgeRectCallout">
+            <a:avLst>
+              <a:gd name="adj1" fmla="val 69874"/>
+              <a:gd name="adj2" fmla="val -18823"/>
+            </a:avLst>
+          </a:prstGeom>
+        </p:spPr>
+        <p:style>
+          <a:lnRef idx="2">
+            <a:schemeClr val="accent1">
+              <a:shade val="50000"/>
+            </a:schemeClr>
+          </a:lnRef>
+          <a:fillRef idx="1">
+            <a:schemeClr val="accent1"/>
+          </a:fillRef>
+          <a:effectRef idx="0">
+            <a:schemeClr val="accent1"/>
+          </a:effectRef>
+          <a:fontRef idx="minor">
+            <a:schemeClr val="lt1"/>
+          </a:fontRef>
+        </p:style>
+        <p:txBody>
+          <a:bodyPr rtlCol="0" anchor="ctr"/>
+          <a:lstStyle/>
+          <a:p>
+            <a:pPr algn="ctr"/>
+            <a:r>
+              <a:rPr lang="en-US" dirty="0" smtClean="0"/>
+              <a:t>Wait for command to be done before moving to next one</a:t>
+            </a:r>
+            <a:endParaRPr lang="fr-FR" b="1" dirty="0"/>
+          </a:p>
+        </p:txBody>
+      </p:sp>
+      <p:sp>
+        <p:nvSpPr>
+          <p:cNvPr id="12" name="Rectangle 12"/>
+          <p:cNvSpPr/>
+          <p:nvPr/>
+        </p:nvSpPr>
+        <p:spPr>
+          <a:xfrm>
+            <a:off x="10452100" y="4611366"/>
+            <a:ext cx="1574800" cy="1200467"/>
+          </a:xfrm>
+          <a:prstGeom prst="wedgeRectCallout">
+            <a:avLst>
+              <a:gd name="adj1" fmla="val -456314"/>
+              <a:gd name="adj2" fmla="val -52770"/>
+            </a:avLst>
+          </a:prstGeom>
+        </p:spPr>
+        <p:style>
+          <a:lnRef idx="2">
+            <a:schemeClr val="accent1">
+              <a:shade val="50000"/>
+            </a:schemeClr>
+          </a:lnRef>
+          <a:fillRef idx="1">
+            <a:schemeClr val="accent1"/>
+          </a:fillRef>
+          <a:effectRef idx="0">
+            <a:schemeClr val="accent1"/>
+          </a:effectRef>
+          <a:fontRef idx="minor">
+            <a:schemeClr val="lt1"/>
+          </a:fontRef>
+        </p:style>
+        <p:txBody>
+          <a:bodyPr rtlCol="0" anchor="ctr"/>
+          <a:lstStyle/>
+          <a:p>
+            <a:pPr algn="ctr"/>
+            <a:r>
+              <a:rPr lang="en-US" dirty="0" smtClean="0"/>
+              <a:t>Define network reuse policy</a:t>
+            </a:r>
+            <a:endParaRPr lang="fr-FR" dirty="0"/>
+          </a:p>
+        </p:txBody>
+      </p:sp>
     </p:spTree>
     <p:extLst>
       <p:ext uri="{BB962C8B-B14F-4D97-AF65-F5344CB8AC3E}">
-        <p14:creationId xmlns:p14="http://schemas.microsoft.com/office/powerpoint/2010/main" val="1940074127"/>
+        <p14:creationId xmlns:p14="http://schemas.microsoft.com/office/powerpoint/2010/main" val="1347731741"/>
       </p:ext>
     </p:extLst>
   </p:cSld>
   <p:clrMapOvr>
     <a:masterClrMapping/>
   </p:clrMapOvr>
-  <p:timing>
-    <p:tnLst>
-      <p:par>
-        <p:cTn id="1" dur="indefinite" restart="never" nodeType="tmRoot"/>
-      </p:par>
-    </p:tnLst>
-  </p:timing>
 </p:sld>
 </file>
 
@@ -27186,21 +27298,21 @@
           <a:lstStyle/>
           <a:p>
             <a:r>
-              <a:rPr lang="en-US" dirty="0" smtClean="0"/>
-              <a:t>Testing</a:t>
-            </a:r>
-            <a:endParaRPr lang="fr-FR" dirty="0"/>
-          </a:p>
-        </p:txBody>
-      </p:sp>
-      <p:sp>
-        <p:nvSpPr>
-          <p:cNvPr id="3" name="Content Placeholder 2"/>
+              <a:rPr lang="en-US" noProof="0" dirty="0" smtClean="0"/>
+              <a:t>Almost done…</a:t>
+            </a:r>
+            <a:endParaRPr lang="en-US" noProof="0" dirty="0"/>
+          </a:p>
+        </p:txBody>
+      </p:sp>
+      <p:sp>
+        <p:nvSpPr>
+          <p:cNvPr id="3" name="Text Placeholder 2"/>
           <p:cNvSpPr>
             <a:spLocks noGrp="1"/>
           </p:cNvSpPr>
           <p:nvPr>
-            <p:ph idx="1"/>
+            <p:ph type="body" idx="1"/>
           </p:nvPr>
         </p:nvSpPr>
         <p:spPr/>
@@ -27209,106 +27321,10 @@
           <a:lstStyle/>
           <a:p>
             <a:r>
-              <a:rPr lang="en-US" dirty="0" smtClean="0"/>
-              <a:t>As usual,</a:t>
-            </a:r>
-          </a:p>
-          <a:p>
-            <a:pPr lvl="1"/>
-            <a:r>
-              <a:rPr lang="en-US" dirty="0" smtClean="0"/>
-              <a:t>Need for unit tests mocha, jasmine, </a:t>
-            </a:r>
-            <a:r>
-              <a:rPr lang="en-US" dirty="0" err="1" smtClean="0"/>
-              <a:t>jed</a:t>
-            </a:r>
-            <a:r>
-              <a:rPr lang="en-US" dirty="0" smtClean="0"/>
-              <a:t>, enzyme, etc. </a:t>
-            </a:r>
-          </a:p>
-          <a:p>
-            <a:pPr lvl="1"/>
-            <a:r>
-              <a:rPr lang="en-US" dirty="0" smtClean="0"/>
-              <a:t>Need for integration tests</a:t>
-            </a:r>
-          </a:p>
-          <a:p>
-            <a:pPr lvl="2"/>
-            <a:r>
-              <a:rPr lang="en-US" dirty="0" smtClean="0"/>
-              <a:t>Selenium, </a:t>
-            </a:r>
-            <a:r>
-              <a:rPr lang="en-US" dirty="0" err="1" smtClean="0"/>
-              <a:t>Casperjs</a:t>
-            </a:r>
-            <a:r>
-              <a:rPr lang="en-US" dirty="0" smtClean="0"/>
-              <a:t>, </a:t>
-            </a:r>
-            <a:r>
-              <a:rPr lang="en-US" dirty="0" err="1" smtClean="0"/>
-              <a:t>Nightwatch</a:t>
-            </a:r>
-            <a:r>
-              <a:rPr lang="en-US" dirty="0" smtClean="0"/>
-              <a:t>, etc. </a:t>
-            </a:r>
-          </a:p>
-          <a:p>
-            <a:pPr lvl="2"/>
-            <a:r>
-              <a:rPr lang="en-US" dirty="0" smtClean="0"/>
-              <a:t>Consider mock servers option</a:t>
-            </a:r>
-          </a:p>
-          <a:p>
-            <a:pPr lvl="1"/>
-            <a:r>
-              <a:rPr lang="en-US" dirty="0" smtClean="0"/>
-              <a:t>Need for manual testing</a:t>
-            </a:r>
-          </a:p>
-          <a:p>
-            <a:pPr lvl="2"/>
-            <a:r>
-              <a:rPr lang="en-US" dirty="0" smtClean="0"/>
-              <a:t>Again, consider mock server option</a:t>
-            </a:r>
-          </a:p>
-          <a:p>
-            <a:pPr lvl="1"/>
-            <a:r>
-              <a:rPr lang="en-US" dirty="0" smtClean="0"/>
-              <a:t>Need to run tests on real browsers</a:t>
-            </a:r>
-            <a:endParaRPr lang="en-US" dirty="0"/>
-          </a:p>
-          <a:p>
-            <a:pPr lvl="2"/>
-            <a:endParaRPr lang="en-US" dirty="0" smtClean="0"/>
-          </a:p>
-          <a:p>
-            <a:pPr lvl="2"/>
-            <a:endParaRPr lang="en-US" dirty="0"/>
-          </a:p>
-          <a:p>
-            <a:pPr marL="0" indent="0" algn="ctr">
-              <a:buNone/>
-            </a:pPr>
-            <a:r>
-              <a:rPr lang="en-US" dirty="0" smtClean="0"/>
-              <a:t>Nothing really new out there</a:t>
-            </a:r>
-          </a:p>
-          <a:p>
-            <a:pPr marL="914400" lvl="2" indent="0">
-              <a:buNone/>
-            </a:pPr>
-            <a:endParaRPr lang="fr-FR" dirty="0"/>
+              <a:rPr lang="en-US" noProof="0" dirty="0" smtClean="0"/>
+              <a:t>Build, enhanced development process and how to test</a:t>
+            </a:r>
+            <a:endParaRPr lang="en-US" noProof="0" dirty="0"/>
           </a:p>
         </p:txBody>
       </p:sp>
@@ -27354,7 +27370,7 @@
               <a:rPr lang="fr-FR" smtClean="0"/>
               <a:t>cedric.hartland@gmail.com</a:t>
             </a:r>
-            <a:endParaRPr lang="fr-FR" dirty="0"/>
+            <a:endParaRPr lang="fr-FR"/>
           </a:p>
         </p:txBody>
       </p:sp>
@@ -27385,13 +27401,20 @@
     </p:spTree>
     <p:extLst>
       <p:ext uri="{BB962C8B-B14F-4D97-AF65-F5344CB8AC3E}">
-        <p14:creationId xmlns:p14="http://schemas.microsoft.com/office/powerpoint/2010/main" val="2011047535"/>
+        <p14:creationId xmlns:p14="http://schemas.microsoft.com/office/powerpoint/2010/main" val="1940074127"/>
       </p:ext>
     </p:extLst>
   </p:cSld>
   <p:clrMapOvr>
     <a:masterClrMapping/>
   </p:clrMapOvr>
+  <p:timing>
+    <p:tnLst>
+      <p:par>
+        <p:cTn id="1" dur="indefinite" restart="never" nodeType="tmRoot"/>
+      </p:par>
+    </p:tnLst>
+  </p:timing>
 </p:sld>
 </file>
 
@@ -27789,7 +27812,7 @@
           <a:p>
             <a:r>
               <a:rPr lang="en-US" dirty="0" smtClean="0"/>
-              <a:t>Packaging</a:t>
+              <a:t>Testing</a:t>
             </a:r>
             <a:endParaRPr lang="fr-FR" dirty="0"/>
           </a:p>
@@ -27812,92 +27835,89 @@
           <a:p>
             <a:r>
               <a:rPr lang="en-US" dirty="0" smtClean="0"/>
-              <a:t>Not so little development stack</a:t>
+              <a:t>As usual,</a:t>
             </a:r>
           </a:p>
           <a:p>
             <a:pPr lvl="1"/>
             <a:r>
+              <a:rPr lang="en-US" dirty="0" smtClean="0"/>
+              <a:t>Need for unit tests mocha, jasmine, </a:t>
+            </a:r>
+            <a:r>
               <a:rPr lang="en-US" dirty="0" err="1" smtClean="0"/>
-              <a:t>jsx</a:t>
+              <a:t>jed</a:t>
             </a:r>
             <a:r>
               <a:rPr lang="en-US" dirty="0" smtClean="0"/>
-              <a:t>/es6/es2016/…</a:t>
+              <a:t>, enzyme, etc. </a:t>
             </a:r>
           </a:p>
           <a:p>
             <a:pPr lvl="1"/>
             <a:r>
               <a:rPr lang="en-US" dirty="0" smtClean="0"/>
-              <a:t>sass/less/modular (s)</a:t>
+              <a:t>Need for integration tests</a:t>
+            </a:r>
+          </a:p>
+          <a:p>
+            <a:pPr lvl="2"/>
+            <a:r>
+              <a:rPr lang="en-US" dirty="0" smtClean="0"/>
+              <a:t>Selenium, </a:t>
             </a:r>
             <a:r>
               <a:rPr lang="en-US" dirty="0" err="1" smtClean="0"/>
-              <a:t>css</a:t>
+              <a:t>Casperjs</a:t>
             </a:r>
             <a:r>
               <a:rPr lang="en-US" dirty="0" smtClean="0"/>
-              <a:t>/…</a:t>
+              <a:t>, </a:t>
+            </a:r>
+            <a:r>
+              <a:rPr lang="en-US" dirty="0" err="1" smtClean="0"/>
+              <a:t>Nightwatch</a:t>
+            </a:r>
+            <a:r>
+              <a:rPr lang="en-US" dirty="0" smtClean="0"/>
+              <a:t>, etc. </a:t>
+            </a:r>
+          </a:p>
+          <a:p>
+            <a:pPr lvl="2"/>
+            <a:r>
+              <a:rPr lang="en-US" dirty="0" smtClean="0"/>
+              <a:t>Consider mock servers option</a:t>
             </a:r>
           </a:p>
           <a:p>
             <a:pPr lvl="1"/>
             <a:r>
               <a:rPr lang="en-US" dirty="0" smtClean="0"/>
-              <a:t>React, redux, react-router, </a:t>
-            </a:r>
-            <a:br>
+              <a:t>Need for manual testing</a:t>
+            </a:r>
+          </a:p>
+          <a:p>
+            <a:pPr lvl="2"/>
+            <a:r>
               <a:rPr lang="en-US" dirty="0" smtClean="0"/>
-            </a:br>
+              <a:t>Again, consider mock server option</a:t>
+            </a:r>
+          </a:p>
+          <a:p>
+            <a:pPr lvl="1"/>
             <a:r>
               <a:rPr lang="en-US" dirty="0" smtClean="0"/>
-              <a:t>and so much more</a:t>
-            </a:r>
-          </a:p>
-          <a:p>
-            <a:pPr lvl="1"/>
-            <a:r>
-              <a:rPr lang="en-US" dirty="0" smtClean="0"/>
-              <a:t>React/other component libraries </a:t>
-            </a:r>
-          </a:p>
-          <a:p>
-            <a:pPr lvl="1"/>
-            <a:r>
-              <a:rPr lang="en-US" dirty="0" smtClean="0"/>
-              <a:t>Development facilities </a:t>
-            </a:r>
-            <a:r>
-              <a:rPr lang="en-US" sz="1800" dirty="0" smtClean="0">
-                <a:solidFill>
-                  <a:schemeClr val="accent6"/>
-                </a:solidFill>
-              </a:rPr>
-              <a:t>hot reload</a:t>
-            </a:r>
-            <a:endParaRPr lang="en-US" dirty="0" smtClean="0">
-              <a:solidFill>
-                <a:schemeClr val="accent6"/>
-              </a:solidFill>
-            </a:endParaRPr>
-          </a:p>
-          <a:p>
-            <a:pPr lvl="1"/>
-            <a:r>
-              <a:rPr lang="en-US" dirty="0" smtClean="0"/>
-              <a:t>Need for debugging…</a:t>
-            </a:r>
-          </a:p>
-          <a:p>
-            <a:pPr lvl="1"/>
-            <a:r>
-              <a:rPr lang="en-US" dirty="0" smtClean="0"/>
-              <a:t>… and production build</a:t>
-            </a:r>
-          </a:p>
-          <a:p>
-            <a:pPr lvl="1"/>
+              <a:t>Need to run tests on real browsers</a:t>
+            </a:r>
+            <a:endParaRPr lang="en-US" dirty="0"/>
+          </a:p>
+          <a:p>
+            <a:pPr lvl="2"/>
+            <a:endParaRPr lang="en-US" dirty="0" smtClean="0"/>
+          </a:p>
+          <a:p>
+            <a:pPr lvl="2"/>
             <a:endParaRPr lang="en-US" dirty="0"/>
           </a:p>
           <a:p>
@@ -27905,13 +27925,15 @@
               <a:buNone/>
             </a:pPr>
             <a:r>
-              <a:rPr lang="en-US" dirty="0" err="1" smtClean="0"/>
-              <a:t>Webpack</a:t>
-            </a:r>
-            <a:r>
               <a:rPr lang="en-US" dirty="0" smtClean="0"/>
-              <a:t> proposes ways to manage all this</a:t>
-            </a:r>
+              <a:t>Nothing really new out there</a:t>
+            </a:r>
+          </a:p>
+          <a:p>
+            <a:pPr marL="914400" lvl="2" indent="0">
+              <a:buNone/>
+            </a:pPr>
+            <a:endParaRPr lang="fr-FR" dirty="0"/>
           </a:p>
         </p:txBody>
       </p:sp>
@@ -27980,6 +28002,249 @@
               <a:rPr lang="fr-FR" smtClean="0"/>
               <a:pPr/>
               <a:t>40</a:t>
+            </a:fld>
+            <a:endParaRPr lang="fr-FR"/>
+          </a:p>
+        </p:txBody>
+      </p:sp>
+    </p:spTree>
+    <p:extLst>
+      <p:ext uri="{BB962C8B-B14F-4D97-AF65-F5344CB8AC3E}">
+        <p14:creationId xmlns:p14="http://schemas.microsoft.com/office/powerpoint/2010/main" val="2011047535"/>
+      </p:ext>
+    </p:extLst>
+  </p:cSld>
+  <p:clrMapOvr>
+    <a:masterClrMapping/>
+  </p:clrMapOvr>
+</p:sld>
+</file>
+
+<file path=ppt/slides/slide41.xml><?xml version="1.0" encoding="utf-8"?>
+<p:sld xmlns:a="http://schemas.openxmlformats.org/drawingml/2006/main" xmlns:r="http://schemas.openxmlformats.org/officeDocument/2006/relationships" xmlns:p="http://schemas.openxmlformats.org/presentationml/2006/main">
+  <p:cSld>
+    <p:spTree>
+      <p:nvGrpSpPr>
+        <p:cNvPr id="1" name=""/>
+        <p:cNvGrpSpPr/>
+        <p:nvPr/>
+      </p:nvGrpSpPr>
+      <p:grpSpPr>
+        <a:xfrm>
+          <a:off x="0" y="0"/>
+          <a:ext cx="0" cy="0"/>
+          <a:chOff x="0" y="0"/>
+          <a:chExt cx="0" cy="0"/>
+        </a:xfrm>
+      </p:grpSpPr>
+      <p:sp>
+        <p:nvSpPr>
+          <p:cNvPr id="2" name="Title 1"/>
+          <p:cNvSpPr>
+            <a:spLocks noGrp="1"/>
+          </p:cNvSpPr>
+          <p:nvPr>
+            <p:ph type="title"/>
+          </p:nvPr>
+        </p:nvSpPr>
+        <p:spPr/>
+        <p:txBody>
+          <a:bodyPr/>
+          <a:lstStyle/>
+          <a:p>
+            <a:r>
+              <a:rPr lang="en-US" dirty="0" smtClean="0"/>
+              <a:t>Packaging</a:t>
+            </a:r>
+            <a:endParaRPr lang="fr-FR" dirty="0"/>
+          </a:p>
+        </p:txBody>
+      </p:sp>
+      <p:sp>
+        <p:nvSpPr>
+          <p:cNvPr id="3" name="Content Placeholder 2"/>
+          <p:cNvSpPr>
+            <a:spLocks noGrp="1"/>
+          </p:cNvSpPr>
+          <p:nvPr>
+            <p:ph idx="1"/>
+          </p:nvPr>
+        </p:nvSpPr>
+        <p:spPr/>
+        <p:txBody>
+          <a:bodyPr/>
+          <a:lstStyle/>
+          <a:p>
+            <a:r>
+              <a:rPr lang="en-US" dirty="0" smtClean="0"/>
+              <a:t>Not so little development stack</a:t>
+            </a:r>
+          </a:p>
+          <a:p>
+            <a:pPr lvl="1"/>
+            <a:r>
+              <a:rPr lang="en-US" dirty="0" err="1" smtClean="0"/>
+              <a:t>jsx</a:t>
+            </a:r>
+            <a:r>
+              <a:rPr lang="en-US" dirty="0" smtClean="0"/>
+              <a:t>/es6/es2016/…</a:t>
+            </a:r>
+          </a:p>
+          <a:p>
+            <a:pPr lvl="1"/>
+            <a:r>
+              <a:rPr lang="en-US" dirty="0" smtClean="0"/>
+              <a:t>sass/less/modular (s)</a:t>
+            </a:r>
+            <a:r>
+              <a:rPr lang="en-US" dirty="0" err="1" smtClean="0"/>
+              <a:t>css</a:t>
+            </a:r>
+            <a:r>
+              <a:rPr lang="en-US" dirty="0" smtClean="0"/>
+              <a:t>/…</a:t>
+            </a:r>
+          </a:p>
+          <a:p>
+            <a:pPr lvl="1"/>
+            <a:r>
+              <a:rPr lang="en-US" dirty="0" smtClean="0"/>
+              <a:t>React, redux, react-router, </a:t>
+            </a:r>
+            <a:br>
+              <a:rPr lang="en-US" dirty="0" smtClean="0"/>
+            </a:br>
+            <a:r>
+              <a:rPr lang="en-US" dirty="0" smtClean="0"/>
+              <a:t>and so much more</a:t>
+            </a:r>
+          </a:p>
+          <a:p>
+            <a:pPr lvl="1"/>
+            <a:r>
+              <a:rPr lang="en-US" dirty="0" smtClean="0"/>
+              <a:t>React/other component libraries </a:t>
+            </a:r>
+          </a:p>
+          <a:p>
+            <a:pPr lvl="1"/>
+            <a:r>
+              <a:rPr lang="en-US" dirty="0" smtClean="0"/>
+              <a:t>Development facilities </a:t>
+            </a:r>
+            <a:r>
+              <a:rPr lang="en-US" sz="1800" dirty="0" smtClean="0">
+                <a:solidFill>
+                  <a:schemeClr val="accent6"/>
+                </a:solidFill>
+              </a:rPr>
+              <a:t>hot reload</a:t>
+            </a:r>
+            <a:endParaRPr lang="en-US" dirty="0" smtClean="0">
+              <a:solidFill>
+                <a:schemeClr val="accent6"/>
+              </a:solidFill>
+            </a:endParaRPr>
+          </a:p>
+          <a:p>
+            <a:pPr lvl="1"/>
+            <a:r>
+              <a:rPr lang="en-US" dirty="0" smtClean="0"/>
+              <a:t>Need for debugging…</a:t>
+            </a:r>
+          </a:p>
+          <a:p>
+            <a:pPr lvl="1"/>
+            <a:r>
+              <a:rPr lang="en-US" dirty="0" smtClean="0"/>
+              <a:t>… and production build</a:t>
+            </a:r>
+          </a:p>
+          <a:p>
+            <a:pPr lvl="1"/>
+            <a:endParaRPr lang="en-US" dirty="0"/>
+          </a:p>
+          <a:p>
+            <a:pPr marL="0" indent="0" algn="ctr">
+              <a:buNone/>
+            </a:pPr>
+            <a:r>
+              <a:rPr lang="en-US" dirty="0" err="1" smtClean="0"/>
+              <a:t>Webpack</a:t>
+            </a:r>
+            <a:r>
+              <a:rPr lang="en-US" dirty="0" smtClean="0"/>
+              <a:t> proposes ways to manage all this</a:t>
+            </a:r>
+          </a:p>
+        </p:txBody>
+      </p:sp>
+      <p:sp>
+        <p:nvSpPr>
+          <p:cNvPr id="4" name="Date Placeholder 3"/>
+          <p:cNvSpPr>
+            <a:spLocks noGrp="1"/>
+          </p:cNvSpPr>
+          <p:nvPr>
+            <p:ph type="dt" sz="half" idx="10"/>
+          </p:nvPr>
+        </p:nvSpPr>
+        <p:spPr/>
+        <p:txBody>
+          <a:bodyPr/>
+          <a:lstStyle/>
+          <a:p>
+            <a:r>
+              <a:rPr lang="fr-FR" smtClean="0"/>
+              <a:t>2017</a:t>
+            </a:r>
+            <a:endParaRPr lang="fr-FR"/>
+          </a:p>
+        </p:txBody>
+      </p:sp>
+      <p:sp>
+        <p:nvSpPr>
+          <p:cNvPr id="5" name="Footer Placeholder 4"/>
+          <p:cNvSpPr>
+            <a:spLocks noGrp="1"/>
+          </p:cNvSpPr>
+          <p:nvPr>
+            <p:ph type="ftr" sz="quarter" idx="11"/>
+          </p:nvPr>
+        </p:nvSpPr>
+        <p:spPr/>
+        <p:txBody>
+          <a:bodyPr/>
+          <a:lstStyle/>
+          <a:p>
+            <a:r>
+              <a:rPr lang="fr-FR" smtClean="0"/>
+              <a:t>cedric.hartland@gmail.com</a:t>
+            </a:r>
+            <a:endParaRPr lang="fr-FR" dirty="0"/>
+          </a:p>
+        </p:txBody>
+      </p:sp>
+      <p:sp>
+        <p:nvSpPr>
+          <p:cNvPr id="6" name="Slide Number Placeholder 5"/>
+          <p:cNvSpPr>
+            <a:spLocks noGrp="1"/>
+          </p:cNvSpPr>
+          <p:nvPr>
+            <p:ph type="sldNum" sz="quarter" idx="12"/>
+          </p:nvPr>
+        </p:nvSpPr>
+        <p:spPr/>
+        <p:txBody>
+          <a:bodyPr/>
+          <a:lstStyle/>
+          <a:p>
+            <a:fld id="{44139E8D-6066-4080-AC46-DB89673BFC8E}" type="slidenum">
+              <a:rPr lang="fr-FR" smtClean="0"/>
+              <a:pPr/>
+              <a:t>41</a:t>
             </a:fld>
             <a:endParaRPr lang="fr-FR"/>
           </a:p>
@@ -28039,7 +28304,7 @@
 </p:sld>
 </file>
 
-<file path=ppt/slides/slide41.xml><?xml version="1.0" encoding="utf-8"?>
+<file path=ppt/slides/slide42.xml><?xml version="1.0" encoding="utf-8"?>
 <p:sld xmlns:a="http://schemas.openxmlformats.org/drawingml/2006/main" xmlns:r="http://schemas.openxmlformats.org/officeDocument/2006/relationships" xmlns:p="http://schemas.openxmlformats.org/presentationml/2006/main">
   <p:cSld>
     <p:spTree>
@@ -28273,7 +28538,7 @@
             <a:fld id="{44139E8D-6066-4080-AC46-DB89673BFC8E}" type="slidenum">
               <a:rPr lang="fr-FR" smtClean="0"/>
               <a:pPr/>
-              <a:t>41</a:t>
+              <a:t>42</a:t>
             </a:fld>
             <a:endParaRPr lang="fr-FR"/>
           </a:p>
@@ -28283,175 +28548,6 @@
     <p:extLst>
       <p:ext uri="{BB962C8B-B14F-4D97-AF65-F5344CB8AC3E}">
         <p14:creationId xmlns:p14="http://schemas.microsoft.com/office/powerpoint/2010/main" val="3596279139"/>
-      </p:ext>
-    </p:extLst>
-  </p:cSld>
-  <p:clrMapOvr>
-    <a:masterClrMapping/>
-  </p:clrMapOvr>
-</p:sld>
-</file>
-
-<file path=ppt/slides/slide42.xml><?xml version="1.0" encoding="utf-8"?>
-<p:sld xmlns:a="http://schemas.openxmlformats.org/drawingml/2006/main" xmlns:r="http://schemas.openxmlformats.org/officeDocument/2006/relationships" xmlns:p="http://schemas.openxmlformats.org/presentationml/2006/main">
-  <p:cSld>
-    <p:spTree>
-      <p:nvGrpSpPr>
-        <p:cNvPr id="1" name=""/>
-        <p:cNvGrpSpPr/>
-        <p:nvPr/>
-      </p:nvGrpSpPr>
-      <p:grpSpPr>
-        <a:xfrm>
-          <a:off x="0" y="0"/>
-          <a:ext cx="0" cy="0"/>
-          <a:chOff x="0" y="0"/>
-          <a:chExt cx="0" cy="0"/>
-        </a:xfrm>
-      </p:grpSpPr>
-      <p:sp>
-        <p:nvSpPr>
-          <p:cNvPr id="2" name="Title 1"/>
-          <p:cNvSpPr>
-            <a:spLocks noGrp="1"/>
-          </p:cNvSpPr>
-          <p:nvPr>
-            <p:ph type="title"/>
-          </p:nvPr>
-        </p:nvSpPr>
-        <p:spPr/>
-        <p:txBody>
-          <a:bodyPr/>
-          <a:lstStyle/>
-          <a:p>
-            <a:r>
-              <a:rPr lang="en-US" dirty="0" smtClean="0"/>
-              <a:t>React – redux dev tools</a:t>
-            </a:r>
-            <a:endParaRPr lang="fr-FR" dirty="0"/>
-          </a:p>
-        </p:txBody>
-      </p:sp>
-      <p:sp>
-        <p:nvSpPr>
-          <p:cNvPr id="3" name="Content Placeholder 2"/>
-          <p:cNvSpPr>
-            <a:spLocks noGrp="1"/>
-          </p:cNvSpPr>
-          <p:nvPr>
-            <p:ph idx="1"/>
-          </p:nvPr>
-        </p:nvSpPr>
-        <p:spPr/>
-        <p:txBody>
-          <a:bodyPr/>
-          <a:lstStyle/>
-          <a:p>
-            <a:r>
-              <a:rPr lang="en-US" dirty="0" smtClean="0"/>
-              <a:t>Provide extra features to dev tools for debugging and scenario testing</a:t>
-            </a:r>
-          </a:p>
-        </p:txBody>
-      </p:sp>
-      <p:sp>
-        <p:nvSpPr>
-          <p:cNvPr id="4" name="Date Placeholder 3"/>
-          <p:cNvSpPr>
-            <a:spLocks noGrp="1"/>
-          </p:cNvSpPr>
-          <p:nvPr>
-            <p:ph type="dt" sz="half" idx="10"/>
-          </p:nvPr>
-        </p:nvSpPr>
-        <p:spPr/>
-        <p:txBody>
-          <a:bodyPr/>
-          <a:lstStyle/>
-          <a:p>
-            <a:r>
-              <a:rPr lang="fr-FR" smtClean="0"/>
-              <a:t>2017</a:t>
-            </a:r>
-            <a:endParaRPr lang="fr-FR"/>
-          </a:p>
-        </p:txBody>
-      </p:sp>
-      <p:sp>
-        <p:nvSpPr>
-          <p:cNvPr id="5" name="Footer Placeholder 4"/>
-          <p:cNvSpPr>
-            <a:spLocks noGrp="1"/>
-          </p:cNvSpPr>
-          <p:nvPr>
-            <p:ph type="ftr" sz="quarter" idx="11"/>
-          </p:nvPr>
-        </p:nvSpPr>
-        <p:spPr/>
-        <p:txBody>
-          <a:bodyPr/>
-          <a:lstStyle/>
-          <a:p>
-            <a:r>
-              <a:rPr lang="fr-FR" smtClean="0"/>
-              <a:t>cedric.hartland@gmail.com</a:t>
-            </a:r>
-            <a:endParaRPr lang="fr-FR" dirty="0"/>
-          </a:p>
-        </p:txBody>
-      </p:sp>
-      <p:sp>
-        <p:nvSpPr>
-          <p:cNvPr id="6" name="Slide Number Placeholder 5"/>
-          <p:cNvSpPr>
-            <a:spLocks noGrp="1"/>
-          </p:cNvSpPr>
-          <p:nvPr>
-            <p:ph type="sldNum" sz="quarter" idx="12"/>
-          </p:nvPr>
-        </p:nvSpPr>
-        <p:spPr/>
-        <p:txBody>
-          <a:bodyPr/>
-          <a:lstStyle/>
-          <a:p>
-            <a:fld id="{44139E8D-6066-4080-AC46-DB89673BFC8E}" type="slidenum">
-              <a:rPr lang="fr-FR" smtClean="0"/>
-              <a:pPr/>
-              <a:t>42</a:t>
-            </a:fld>
-            <a:endParaRPr lang="fr-FR"/>
-          </a:p>
-        </p:txBody>
-      </p:sp>
-      <p:pic>
-        <p:nvPicPr>
-          <p:cNvPr id="7" name="Picture 6"/>
-          <p:cNvPicPr>
-            <a:picLocks noChangeAspect="1"/>
-          </p:cNvPicPr>
-          <p:nvPr/>
-        </p:nvPicPr>
-        <p:blipFill>
-          <a:blip r:embed="rId2"/>
-          <a:stretch>
-            <a:fillRect/>
-          </a:stretch>
-        </p:blipFill>
-        <p:spPr>
-          <a:xfrm>
-            <a:off x="1414462" y="2432159"/>
-            <a:ext cx="9363075" cy="3333750"/>
-          </a:xfrm>
-          <a:prstGeom prst="rect">
-            <a:avLst/>
-          </a:prstGeom>
-        </p:spPr>
-      </p:pic>
-    </p:spTree>
-    <p:extLst>
-      <p:ext uri="{BB962C8B-B14F-4D97-AF65-F5344CB8AC3E}">
-        <p14:creationId xmlns:p14="http://schemas.microsoft.com/office/powerpoint/2010/main" val="140459960"/>
       </p:ext>
     </p:extLst>
   </p:cSld>
@@ -28494,6 +28590,175 @@
           <a:lstStyle/>
           <a:p>
             <a:r>
+              <a:rPr lang="en-US" dirty="0" smtClean="0"/>
+              <a:t>React – redux dev tools</a:t>
+            </a:r>
+            <a:endParaRPr lang="fr-FR" dirty="0"/>
+          </a:p>
+        </p:txBody>
+      </p:sp>
+      <p:sp>
+        <p:nvSpPr>
+          <p:cNvPr id="3" name="Content Placeholder 2"/>
+          <p:cNvSpPr>
+            <a:spLocks noGrp="1"/>
+          </p:cNvSpPr>
+          <p:nvPr>
+            <p:ph idx="1"/>
+          </p:nvPr>
+        </p:nvSpPr>
+        <p:spPr/>
+        <p:txBody>
+          <a:bodyPr/>
+          <a:lstStyle/>
+          <a:p>
+            <a:r>
+              <a:rPr lang="en-US" dirty="0" smtClean="0"/>
+              <a:t>Provide extra features to dev tools for debugging and scenario testing</a:t>
+            </a:r>
+          </a:p>
+        </p:txBody>
+      </p:sp>
+      <p:sp>
+        <p:nvSpPr>
+          <p:cNvPr id="4" name="Date Placeholder 3"/>
+          <p:cNvSpPr>
+            <a:spLocks noGrp="1"/>
+          </p:cNvSpPr>
+          <p:nvPr>
+            <p:ph type="dt" sz="half" idx="10"/>
+          </p:nvPr>
+        </p:nvSpPr>
+        <p:spPr/>
+        <p:txBody>
+          <a:bodyPr/>
+          <a:lstStyle/>
+          <a:p>
+            <a:r>
+              <a:rPr lang="fr-FR" smtClean="0"/>
+              <a:t>2017</a:t>
+            </a:r>
+            <a:endParaRPr lang="fr-FR"/>
+          </a:p>
+        </p:txBody>
+      </p:sp>
+      <p:sp>
+        <p:nvSpPr>
+          <p:cNvPr id="5" name="Footer Placeholder 4"/>
+          <p:cNvSpPr>
+            <a:spLocks noGrp="1"/>
+          </p:cNvSpPr>
+          <p:nvPr>
+            <p:ph type="ftr" sz="quarter" idx="11"/>
+          </p:nvPr>
+        </p:nvSpPr>
+        <p:spPr/>
+        <p:txBody>
+          <a:bodyPr/>
+          <a:lstStyle/>
+          <a:p>
+            <a:r>
+              <a:rPr lang="fr-FR" smtClean="0"/>
+              <a:t>cedric.hartland@gmail.com</a:t>
+            </a:r>
+            <a:endParaRPr lang="fr-FR" dirty="0"/>
+          </a:p>
+        </p:txBody>
+      </p:sp>
+      <p:sp>
+        <p:nvSpPr>
+          <p:cNvPr id="6" name="Slide Number Placeholder 5"/>
+          <p:cNvSpPr>
+            <a:spLocks noGrp="1"/>
+          </p:cNvSpPr>
+          <p:nvPr>
+            <p:ph type="sldNum" sz="quarter" idx="12"/>
+          </p:nvPr>
+        </p:nvSpPr>
+        <p:spPr/>
+        <p:txBody>
+          <a:bodyPr/>
+          <a:lstStyle/>
+          <a:p>
+            <a:fld id="{44139E8D-6066-4080-AC46-DB89673BFC8E}" type="slidenum">
+              <a:rPr lang="fr-FR" smtClean="0"/>
+              <a:pPr/>
+              <a:t>43</a:t>
+            </a:fld>
+            <a:endParaRPr lang="fr-FR"/>
+          </a:p>
+        </p:txBody>
+      </p:sp>
+      <p:pic>
+        <p:nvPicPr>
+          <p:cNvPr id="7" name="Picture 6"/>
+          <p:cNvPicPr>
+            <a:picLocks noChangeAspect="1"/>
+          </p:cNvPicPr>
+          <p:nvPr/>
+        </p:nvPicPr>
+        <p:blipFill>
+          <a:blip r:embed="rId2"/>
+          <a:stretch>
+            <a:fillRect/>
+          </a:stretch>
+        </p:blipFill>
+        <p:spPr>
+          <a:xfrm>
+            <a:off x="1414462" y="2432159"/>
+            <a:ext cx="9363075" cy="3333750"/>
+          </a:xfrm>
+          <a:prstGeom prst="rect">
+            <a:avLst/>
+          </a:prstGeom>
+        </p:spPr>
+      </p:pic>
+    </p:spTree>
+    <p:extLst>
+      <p:ext uri="{BB962C8B-B14F-4D97-AF65-F5344CB8AC3E}">
+        <p14:creationId xmlns:p14="http://schemas.microsoft.com/office/powerpoint/2010/main" val="140459960"/>
+      </p:ext>
+    </p:extLst>
+  </p:cSld>
+  <p:clrMapOvr>
+    <a:masterClrMapping/>
+  </p:clrMapOvr>
+</p:sld>
+</file>
+
+<file path=ppt/slides/slide44.xml><?xml version="1.0" encoding="utf-8"?>
+<p:sld xmlns:a="http://schemas.openxmlformats.org/drawingml/2006/main" xmlns:r="http://schemas.openxmlformats.org/officeDocument/2006/relationships" xmlns:p="http://schemas.openxmlformats.org/presentationml/2006/main">
+  <p:cSld>
+    <p:spTree>
+      <p:nvGrpSpPr>
+        <p:cNvPr id="1" name=""/>
+        <p:cNvGrpSpPr/>
+        <p:nvPr/>
+      </p:nvGrpSpPr>
+      <p:grpSpPr>
+        <a:xfrm>
+          <a:off x="0" y="0"/>
+          <a:ext cx="0" cy="0"/>
+          <a:chOff x="0" y="0"/>
+          <a:chExt cx="0" cy="0"/>
+        </a:xfrm>
+      </p:grpSpPr>
+      <p:sp>
+        <p:nvSpPr>
+          <p:cNvPr id="2" name="Title 1"/>
+          <p:cNvSpPr>
+            <a:spLocks noGrp="1"/>
+          </p:cNvSpPr>
+          <p:nvPr>
+            <p:ph type="title"/>
+          </p:nvPr>
+        </p:nvSpPr>
+        <p:spPr/>
+        <p:txBody>
+          <a:bodyPr/>
+          <a:lstStyle/>
+          <a:p>
+            <a:r>
               <a:rPr lang="en-US" noProof="0" dirty="0" smtClean="0"/>
               <a:t>Going further…</a:t>
             </a:r>
@@ -28588,7 +28853,7 @@
             <a:fld id="{44139E8D-6066-4080-AC46-DB89673BFC8E}" type="slidenum">
               <a:rPr lang="fr-FR" smtClean="0"/>
               <a:pPr/>
-              <a:t>43</a:t>
+              <a:t>44</a:t>
             </a:fld>
             <a:endParaRPr lang="fr-FR"/>
           </a:p>
@@ -28614,158 +28879,6 @@
 </p:sld>
 </file>
 
-<file path=ppt/slides/slide44.xml><?xml version="1.0" encoding="utf-8"?>
-<p:sld xmlns:a="http://schemas.openxmlformats.org/drawingml/2006/main" xmlns:r="http://schemas.openxmlformats.org/officeDocument/2006/relationships" xmlns:p="http://schemas.openxmlformats.org/presentationml/2006/main">
-  <p:cSld>
-    <p:spTree>
-      <p:nvGrpSpPr>
-        <p:cNvPr id="1" name=""/>
-        <p:cNvGrpSpPr/>
-        <p:nvPr/>
-      </p:nvGrpSpPr>
-      <p:grpSpPr>
-        <a:xfrm>
-          <a:off x="0" y="0"/>
-          <a:ext cx="0" cy="0"/>
-          <a:chOff x="0" y="0"/>
-          <a:chExt cx="0" cy="0"/>
-        </a:xfrm>
-      </p:grpSpPr>
-      <p:sp>
-        <p:nvSpPr>
-          <p:cNvPr id="7" name="Title 6"/>
-          <p:cNvSpPr>
-            <a:spLocks noGrp="1"/>
-          </p:cNvSpPr>
-          <p:nvPr>
-            <p:ph type="title"/>
-          </p:nvPr>
-        </p:nvSpPr>
-        <p:spPr/>
-        <p:txBody>
-          <a:bodyPr/>
-          <a:lstStyle/>
-          <a:p>
-            <a:r>
-              <a:rPr lang="en-US" dirty="0" smtClean="0"/>
-              <a:t>React</a:t>
-            </a:r>
-            <a:endParaRPr lang="fr-FR" dirty="0"/>
-          </a:p>
-        </p:txBody>
-      </p:sp>
-      <p:sp>
-        <p:nvSpPr>
-          <p:cNvPr id="8" name="Content Placeholder 7"/>
-          <p:cNvSpPr>
-            <a:spLocks noGrp="1"/>
-          </p:cNvSpPr>
-          <p:nvPr>
-            <p:ph idx="1"/>
-          </p:nvPr>
-        </p:nvSpPr>
-        <p:spPr/>
-        <p:txBody>
-          <a:bodyPr/>
-          <a:lstStyle/>
-          <a:p>
-            <a:r>
-              <a:rPr lang="en-US" dirty="0" smtClean="0"/>
-              <a:t>We saw most of it already</a:t>
-            </a:r>
-          </a:p>
-          <a:p>
-            <a:pPr lvl="1"/>
-            <a:r>
-              <a:rPr lang="en-US" dirty="0" smtClean="0"/>
-              <a:t>We could elaborate more on best practices…</a:t>
-            </a:r>
-          </a:p>
-        </p:txBody>
-      </p:sp>
-      <p:sp>
-        <p:nvSpPr>
-          <p:cNvPr id="4" name="Date Placeholder 3"/>
-          <p:cNvSpPr>
-            <a:spLocks noGrp="1"/>
-          </p:cNvSpPr>
-          <p:nvPr>
-            <p:ph type="dt" sz="half" idx="10"/>
-          </p:nvPr>
-        </p:nvSpPr>
-        <p:spPr/>
-        <p:txBody>
-          <a:bodyPr/>
-          <a:lstStyle/>
-          <a:p>
-            <a:r>
-              <a:rPr lang="fr-FR" smtClean="0"/>
-              <a:t>2017</a:t>
-            </a:r>
-            <a:endParaRPr lang="fr-FR"/>
-          </a:p>
-        </p:txBody>
-      </p:sp>
-      <p:sp>
-        <p:nvSpPr>
-          <p:cNvPr id="5" name="Footer Placeholder 4"/>
-          <p:cNvSpPr>
-            <a:spLocks noGrp="1"/>
-          </p:cNvSpPr>
-          <p:nvPr>
-            <p:ph type="ftr" sz="quarter" idx="11"/>
-          </p:nvPr>
-        </p:nvSpPr>
-        <p:spPr/>
-        <p:txBody>
-          <a:bodyPr/>
-          <a:lstStyle/>
-          <a:p>
-            <a:r>
-              <a:rPr lang="fr-FR" smtClean="0"/>
-              <a:t>cedric.hartland@gmail.com</a:t>
-            </a:r>
-            <a:endParaRPr lang="fr-FR"/>
-          </a:p>
-        </p:txBody>
-      </p:sp>
-      <p:sp>
-        <p:nvSpPr>
-          <p:cNvPr id="6" name="Slide Number Placeholder 5"/>
-          <p:cNvSpPr>
-            <a:spLocks noGrp="1"/>
-          </p:cNvSpPr>
-          <p:nvPr>
-            <p:ph type="sldNum" sz="quarter" idx="12"/>
-          </p:nvPr>
-        </p:nvSpPr>
-        <p:spPr/>
-        <p:txBody>
-          <a:bodyPr/>
-          <a:lstStyle/>
-          <a:p>
-            <a:fld id="{44139E8D-6066-4080-AC46-DB89673BFC8E}" type="slidenum">
-              <a:rPr lang="fr-FR" smtClean="0"/>
-              <a:pPr/>
-              <a:t>44</a:t>
-            </a:fld>
-            <a:endParaRPr lang="fr-FR"/>
-          </a:p>
-        </p:txBody>
-      </p:sp>
-    </p:spTree>
-    <p:extLst>
-      <p:ext uri="{BB962C8B-B14F-4D97-AF65-F5344CB8AC3E}">
-        <p14:creationId xmlns:p14="http://schemas.microsoft.com/office/powerpoint/2010/main" val="772571043"/>
-      </p:ext>
-    </p:extLst>
-  </p:cSld>
-  <p:clrMapOvr>
-    <a:masterClrMapping/>
-  </p:clrMapOvr>
-</p:sld>
-</file>
-
 <file path=ppt/slides/slide45.xml><?xml version="1.0" encoding="utf-8"?>
 <p:sld xmlns:a="http://schemas.openxmlformats.org/drawingml/2006/main" xmlns:r="http://schemas.openxmlformats.org/officeDocument/2006/relationships" xmlns:p="http://schemas.openxmlformats.org/presentationml/2006/main">
   <p:cSld>
@@ -28800,7 +28913,7 @@
           <a:p>
             <a:r>
               <a:rPr lang="en-US" dirty="0" smtClean="0"/>
-              <a:t>Redux</a:t>
+              <a:t>React</a:t>
             </a:r>
             <a:endParaRPr lang="fr-FR" dirty="0"/>
           </a:p>
@@ -28823,68 +28936,14 @@
           <a:p>
             <a:r>
               <a:rPr lang="en-US" dirty="0" smtClean="0"/>
-              <a:t>Redux propose a framework</a:t>
-            </a:r>
-            <a:r>
-              <a:rPr lang="fr-FR" dirty="0" smtClean="0"/>
-              <a:t> for (web) application design</a:t>
+              <a:t>We saw most of it already</a:t>
             </a:r>
           </a:p>
           <a:p>
             <a:pPr lvl="1"/>
             <a:r>
               <a:rPr lang="en-US" dirty="0" smtClean="0"/>
-              <a:t>By the way: redux is the concept, Redux an implementation of that concept</a:t>
-            </a:r>
-          </a:p>
-          <a:p>
-            <a:pPr lvl="1"/>
-            <a:endParaRPr lang="en-US" dirty="0"/>
-          </a:p>
-          <a:p>
-            <a:r>
-              <a:rPr lang="en-US" dirty="0" smtClean="0"/>
-              <a:t>Redux proposes data manipulation through reducer functions</a:t>
-            </a:r>
-          </a:p>
-          <a:p>
-            <a:pPr lvl="1"/>
-            <a:r>
-              <a:rPr lang="en-US" dirty="0" smtClean="0"/>
-              <a:t>Combining reducers can help more elaborate data processing</a:t>
-            </a:r>
-          </a:p>
-          <a:p>
-            <a:pPr lvl="1"/>
-            <a:r>
-              <a:rPr lang="en-US" dirty="0" smtClean="0"/>
-              <a:t>Normalizing data can help improving data manipulation and </a:t>
-            </a:r>
-            <a:r>
-              <a:rPr lang="en-US" dirty="0" err="1" smtClean="0"/>
-              <a:t>concistency</a:t>
-            </a:r>
-            <a:endParaRPr lang="en-US" dirty="0" smtClean="0"/>
-          </a:p>
-          <a:p>
-            <a:pPr lvl="2"/>
-            <a:r>
-              <a:rPr lang="en-US" dirty="0" smtClean="0"/>
-              <a:t>Document based model</a:t>
-            </a:r>
-          </a:p>
-          <a:p>
-            <a:pPr lvl="2"/>
-            <a:r>
-              <a:rPr lang="en-US" dirty="0" smtClean="0"/>
-              <a:t>Relational model mapping</a:t>
-            </a:r>
-          </a:p>
-          <a:p>
-            <a:pPr lvl="1"/>
-            <a:r>
-              <a:rPr lang="en-US" dirty="0" smtClean="0"/>
-              <a:t>Using immutability libraries may help staying on the tracks of functional programming and avoid pitfall bugs</a:t>
+              <a:t>We could elaborate more on best practices…</a:t>
             </a:r>
           </a:p>
         </p:txBody>
@@ -28905,10 +28964,10 @@
           <a:lstStyle/>
           <a:p>
             <a:r>
-              <a:rPr lang="fr-FR" dirty="0" smtClean="0"/>
+              <a:rPr lang="fr-FR" smtClean="0"/>
               <a:t>2017</a:t>
             </a:r>
-            <a:endParaRPr lang="fr-FR" dirty="0"/>
+            <a:endParaRPr lang="fr-FR"/>
           </a:p>
         </p:txBody>
       </p:sp>
@@ -28962,7 +29021,7 @@
     </p:spTree>
     <p:extLst>
       <p:ext uri="{BB962C8B-B14F-4D97-AF65-F5344CB8AC3E}">
-        <p14:creationId xmlns:p14="http://schemas.microsoft.com/office/powerpoint/2010/main" val="1468254164"/>
+        <p14:creationId xmlns:p14="http://schemas.microsoft.com/office/powerpoint/2010/main" val="772571043"/>
       </p:ext>
     </p:extLst>
   </p:cSld>
@@ -28991,6 +29050,212 @@
       </p:grpSpPr>
       <p:sp>
         <p:nvSpPr>
+          <p:cNvPr id="7" name="Title 6"/>
+          <p:cNvSpPr>
+            <a:spLocks noGrp="1"/>
+          </p:cNvSpPr>
+          <p:nvPr>
+            <p:ph type="title"/>
+          </p:nvPr>
+        </p:nvSpPr>
+        <p:spPr/>
+        <p:txBody>
+          <a:bodyPr/>
+          <a:lstStyle/>
+          <a:p>
+            <a:r>
+              <a:rPr lang="en-US" dirty="0" smtClean="0"/>
+              <a:t>Redux</a:t>
+            </a:r>
+            <a:endParaRPr lang="fr-FR" dirty="0"/>
+          </a:p>
+        </p:txBody>
+      </p:sp>
+      <p:sp>
+        <p:nvSpPr>
+          <p:cNvPr id="8" name="Content Placeholder 7"/>
+          <p:cNvSpPr>
+            <a:spLocks noGrp="1"/>
+          </p:cNvSpPr>
+          <p:nvPr>
+            <p:ph idx="1"/>
+          </p:nvPr>
+        </p:nvSpPr>
+        <p:spPr/>
+        <p:txBody>
+          <a:bodyPr/>
+          <a:lstStyle/>
+          <a:p>
+            <a:r>
+              <a:rPr lang="en-US" dirty="0" smtClean="0"/>
+              <a:t>Redux propose a framework</a:t>
+            </a:r>
+            <a:r>
+              <a:rPr lang="fr-FR" dirty="0" smtClean="0"/>
+              <a:t> for (web) application design</a:t>
+            </a:r>
+          </a:p>
+          <a:p>
+            <a:pPr lvl="1"/>
+            <a:r>
+              <a:rPr lang="en-US" dirty="0" smtClean="0"/>
+              <a:t>By the way: redux is the concept, Redux an implementation of that concept</a:t>
+            </a:r>
+          </a:p>
+          <a:p>
+            <a:pPr lvl="1"/>
+            <a:endParaRPr lang="en-US" dirty="0"/>
+          </a:p>
+          <a:p>
+            <a:r>
+              <a:rPr lang="en-US" dirty="0" smtClean="0"/>
+              <a:t>Redux proposes data manipulation through reducer functions</a:t>
+            </a:r>
+          </a:p>
+          <a:p>
+            <a:pPr lvl="1"/>
+            <a:r>
+              <a:rPr lang="en-US" dirty="0" smtClean="0"/>
+              <a:t>Combining reducers can help more elaborate data processing</a:t>
+            </a:r>
+          </a:p>
+          <a:p>
+            <a:pPr lvl="1"/>
+            <a:r>
+              <a:rPr lang="en-US" dirty="0" smtClean="0"/>
+              <a:t>Normalizing data can help improving data manipulation and </a:t>
+            </a:r>
+            <a:r>
+              <a:rPr lang="en-US" dirty="0" err="1" smtClean="0"/>
+              <a:t>concistency</a:t>
+            </a:r>
+            <a:endParaRPr lang="en-US" dirty="0" smtClean="0"/>
+          </a:p>
+          <a:p>
+            <a:pPr lvl="2"/>
+            <a:r>
+              <a:rPr lang="en-US" dirty="0" smtClean="0"/>
+              <a:t>Document based model</a:t>
+            </a:r>
+          </a:p>
+          <a:p>
+            <a:pPr lvl="2"/>
+            <a:r>
+              <a:rPr lang="en-US" dirty="0" smtClean="0"/>
+              <a:t>Relational model mapping</a:t>
+            </a:r>
+          </a:p>
+          <a:p>
+            <a:pPr lvl="1"/>
+            <a:r>
+              <a:rPr lang="en-US" dirty="0" smtClean="0"/>
+              <a:t>Using immutability libraries may help staying on the tracks of functional programming and avoid pitfall bugs</a:t>
+            </a:r>
+          </a:p>
+        </p:txBody>
+      </p:sp>
+      <p:sp>
+        <p:nvSpPr>
+          <p:cNvPr id="4" name="Date Placeholder 3"/>
+          <p:cNvSpPr>
+            <a:spLocks noGrp="1"/>
+          </p:cNvSpPr>
+          <p:nvPr>
+            <p:ph type="dt" sz="half" idx="10"/>
+          </p:nvPr>
+        </p:nvSpPr>
+        <p:spPr/>
+        <p:txBody>
+          <a:bodyPr/>
+          <a:lstStyle/>
+          <a:p>
+            <a:r>
+              <a:rPr lang="fr-FR" dirty="0" smtClean="0"/>
+              <a:t>2017</a:t>
+            </a:r>
+            <a:endParaRPr lang="fr-FR" dirty="0"/>
+          </a:p>
+        </p:txBody>
+      </p:sp>
+      <p:sp>
+        <p:nvSpPr>
+          <p:cNvPr id="5" name="Footer Placeholder 4"/>
+          <p:cNvSpPr>
+            <a:spLocks noGrp="1"/>
+          </p:cNvSpPr>
+          <p:nvPr>
+            <p:ph type="ftr" sz="quarter" idx="11"/>
+          </p:nvPr>
+        </p:nvSpPr>
+        <p:spPr/>
+        <p:txBody>
+          <a:bodyPr/>
+          <a:lstStyle/>
+          <a:p>
+            <a:r>
+              <a:rPr lang="fr-FR" smtClean="0"/>
+              <a:t>cedric.hartland@gmail.com</a:t>
+            </a:r>
+            <a:endParaRPr lang="fr-FR"/>
+          </a:p>
+        </p:txBody>
+      </p:sp>
+      <p:sp>
+        <p:nvSpPr>
+          <p:cNvPr id="6" name="Slide Number Placeholder 5"/>
+          <p:cNvSpPr>
+            <a:spLocks noGrp="1"/>
+          </p:cNvSpPr>
+          <p:nvPr>
+            <p:ph type="sldNum" sz="quarter" idx="12"/>
+          </p:nvPr>
+        </p:nvSpPr>
+        <p:spPr/>
+        <p:txBody>
+          <a:bodyPr/>
+          <a:lstStyle/>
+          <a:p>
+            <a:fld id="{44139E8D-6066-4080-AC46-DB89673BFC8E}" type="slidenum">
+              <a:rPr lang="fr-FR" smtClean="0"/>
+              <a:pPr/>
+              <a:t>46</a:t>
+            </a:fld>
+            <a:endParaRPr lang="fr-FR"/>
+          </a:p>
+        </p:txBody>
+      </p:sp>
+    </p:spTree>
+    <p:extLst>
+      <p:ext uri="{BB962C8B-B14F-4D97-AF65-F5344CB8AC3E}">
+        <p14:creationId xmlns:p14="http://schemas.microsoft.com/office/powerpoint/2010/main" val="1468254164"/>
+      </p:ext>
+    </p:extLst>
+  </p:cSld>
+  <p:clrMapOvr>
+    <a:masterClrMapping/>
+  </p:clrMapOvr>
+</p:sld>
+</file>
+
+<file path=ppt/slides/slide47.xml><?xml version="1.0" encoding="utf-8"?>
+<p:sld xmlns:a="http://schemas.openxmlformats.org/drawingml/2006/main" xmlns:r="http://schemas.openxmlformats.org/officeDocument/2006/relationships" xmlns:p="http://schemas.openxmlformats.org/presentationml/2006/main">
+  <p:cSld>
+    <p:spTree>
+      <p:nvGrpSpPr>
+        <p:cNvPr id="1" name=""/>
+        <p:cNvGrpSpPr/>
+        <p:nvPr/>
+      </p:nvGrpSpPr>
+      <p:grpSpPr>
+        <a:xfrm>
+          <a:off x="0" y="0"/>
+          <a:ext cx="0" cy="0"/>
+          <a:chOff x="0" y="0"/>
+          <a:chExt cx="0" cy="0"/>
+        </a:xfrm>
+      </p:grpSpPr>
+      <p:sp>
+        <p:nvSpPr>
           <p:cNvPr id="2" name="Title 1"/>
           <p:cNvSpPr>
             <a:spLocks noGrp="1"/>
@@ -29296,7 +29561,7 @@
             <a:fld id="{44139E8D-6066-4080-AC46-DB89673BFC8E}" type="slidenum">
               <a:rPr lang="fr-FR" smtClean="0"/>
               <a:pPr/>
-              <a:t>46</a:t>
+              <a:t>47</a:t>
             </a:fld>
             <a:endParaRPr lang="fr-FR"/>
           </a:p>
@@ -29322,7 +29587,7 @@
 </p:sld>
 </file>
 
-<file path=ppt/slides/slide47.xml><?xml version="1.0" encoding="utf-8"?>
+<file path=ppt/slides/slide48.xml><?xml version="1.0" encoding="utf-8"?>
 <p:sld xmlns:a="http://schemas.openxmlformats.org/drawingml/2006/main" xmlns:r="http://schemas.openxmlformats.org/officeDocument/2006/relationships" xmlns:p="http://schemas.openxmlformats.org/presentationml/2006/main">
   <p:cSld>
     <p:spTree>
@@ -29550,7 +29815,7 @@
             <a:fld id="{44139E8D-6066-4080-AC46-DB89673BFC8E}" type="slidenum">
               <a:rPr lang="fr-FR" smtClean="0"/>
               <a:pPr/>
-              <a:t>47</a:t>
+              <a:t>48</a:t>
             </a:fld>
             <a:endParaRPr lang="fr-FR"/>
           </a:p>
